--- a/figs/figs.pptx
+++ b/figs/figs.pptx
@@ -5,12 +5,13 @@
     <p:sldMasterId id="2147483672" r:id="rId1"/>
   </p:sldMasterIdLst>
   <p:notesMasterIdLst>
-    <p:notesMasterId r:id="rId5"/>
+    <p:notesMasterId r:id="rId6"/>
   </p:notesMasterIdLst>
   <p:sldIdLst>
     <p:sldId id="256" r:id="rId2"/>
     <p:sldId id="257" r:id="rId3"/>
     <p:sldId id="373" r:id="rId4"/>
+    <p:sldId id="374" r:id="rId5"/>
   </p:sldIdLst>
   <p:sldSz cx="14630400" cy="18288000"/>
   <p:notesSz cx="6858000" cy="9144000"/>
@@ -199,7 +200,7 @@
           <a:p>
             <a:fld id="{763388E5-49DD-2242-8E05-A2217FC53398}" type="datetimeFigureOut">
               <a:rPr lang="en-US" smtClean="0"/>
-              <a:t>5/8/20</a:t>
+              <a:t>5/10/20</a:t>
             </a:fld>
             <a:endParaRPr lang="en-US"/>
           </a:p>
@@ -686,7 +687,7 @@
           <a:p>
             <a:fld id="{5B3D7911-F175-D446-A48B-9B7D69D6F542}" type="datetimeFigureOut">
               <a:rPr lang="en-US" smtClean="0"/>
-              <a:t>5/8/20</a:t>
+              <a:t>5/10/20</a:t>
             </a:fld>
             <a:endParaRPr lang="en-US"/>
           </a:p>
@@ -856,7 +857,7 @@
           <a:p>
             <a:fld id="{5B3D7911-F175-D446-A48B-9B7D69D6F542}" type="datetimeFigureOut">
               <a:rPr lang="en-US" smtClean="0"/>
-              <a:t>5/8/20</a:t>
+              <a:t>5/10/20</a:t>
             </a:fld>
             <a:endParaRPr lang="en-US"/>
           </a:p>
@@ -1036,7 +1037,7 @@
           <a:p>
             <a:fld id="{5B3D7911-F175-D446-A48B-9B7D69D6F542}" type="datetimeFigureOut">
               <a:rPr lang="en-US" smtClean="0"/>
-              <a:t>5/8/20</a:t>
+              <a:t>5/10/20</a:t>
             </a:fld>
             <a:endParaRPr lang="en-US"/>
           </a:p>
@@ -1206,7 +1207,7 @@
           <a:p>
             <a:fld id="{5B3D7911-F175-D446-A48B-9B7D69D6F542}" type="datetimeFigureOut">
               <a:rPr lang="en-US" smtClean="0"/>
-              <a:t>5/8/20</a:t>
+              <a:t>5/10/20</a:t>
             </a:fld>
             <a:endParaRPr lang="en-US"/>
           </a:p>
@@ -1450,7 +1451,7 @@
           <a:p>
             <a:fld id="{5B3D7911-F175-D446-A48B-9B7D69D6F542}" type="datetimeFigureOut">
               <a:rPr lang="en-US" smtClean="0"/>
-              <a:t>5/8/20</a:t>
+              <a:t>5/10/20</a:t>
             </a:fld>
             <a:endParaRPr lang="en-US"/>
           </a:p>
@@ -1682,7 +1683,7 @@
           <a:p>
             <a:fld id="{5B3D7911-F175-D446-A48B-9B7D69D6F542}" type="datetimeFigureOut">
               <a:rPr lang="en-US" smtClean="0"/>
-              <a:t>5/8/20</a:t>
+              <a:t>5/10/20</a:t>
             </a:fld>
             <a:endParaRPr lang="en-US"/>
           </a:p>
@@ -2049,7 +2050,7 @@
           <a:p>
             <a:fld id="{5B3D7911-F175-D446-A48B-9B7D69D6F542}" type="datetimeFigureOut">
               <a:rPr lang="en-US" smtClean="0"/>
-              <a:t>5/8/20</a:t>
+              <a:t>5/10/20</a:t>
             </a:fld>
             <a:endParaRPr lang="en-US"/>
           </a:p>
@@ -2167,7 +2168,7 @@
           <a:p>
             <a:fld id="{5B3D7911-F175-D446-A48B-9B7D69D6F542}" type="datetimeFigureOut">
               <a:rPr lang="en-US" smtClean="0"/>
-              <a:t>5/8/20</a:t>
+              <a:t>5/10/20</a:t>
             </a:fld>
             <a:endParaRPr lang="en-US"/>
           </a:p>
@@ -2262,7 +2263,7 @@
           <a:p>
             <a:fld id="{5B3D7911-F175-D446-A48B-9B7D69D6F542}" type="datetimeFigureOut">
               <a:rPr lang="en-US" smtClean="0"/>
-              <a:t>5/8/20</a:t>
+              <a:t>5/10/20</a:t>
             </a:fld>
             <a:endParaRPr lang="en-US"/>
           </a:p>
@@ -2539,7 +2540,7 @@
           <a:p>
             <a:fld id="{5B3D7911-F175-D446-A48B-9B7D69D6F542}" type="datetimeFigureOut">
               <a:rPr lang="en-US" smtClean="0"/>
-              <a:t>5/8/20</a:t>
+              <a:t>5/10/20</a:t>
             </a:fld>
             <a:endParaRPr lang="en-US"/>
           </a:p>
@@ -2796,7 +2797,7 @@
           <a:p>
             <a:fld id="{5B3D7911-F175-D446-A48B-9B7D69D6F542}" type="datetimeFigureOut">
               <a:rPr lang="en-US" smtClean="0"/>
-              <a:t>5/8/20</a:t>
+              <a:t>5/10/20</a:t>
             </a:fld>
             <a:endParaRPr lang="en-US"/>
           </a:p>
@@ -3009,7 +3010,7 @@
           <a:p>
             <a:fld id="{5B3D7911-F175-D446-A48B-9B7D69D6F542}" type="datetimeFigureOut">
               <a:rPr lang="en-US" smtClean="0"/>
-              <a:t>5/8/20</a:t>
+              <a:t>5/10/20</a:t>
             </a:fld>
             <a:endParaRPr lang="en-US"/>
           </a:p>
@@ -3507,19 +3508,31 @@
           </a:lstStyle>
           <a:p>
             <a:r>
-              <a:rPr lang="en-US" dirty="0"/>
+              <a:rPr lang="en-US" dirty="0">
+                <a:latin typeface="DejaVu Sans Book" panose="020B0603030804020204" pitchFamily="34" charset="0"/>
+                <a:ea typeface="DejaVu Sans Book" panose="020B0603030804020204" pitchFamily="34" charset="0"/>
+                <a:cs typeface="DejaVu Sans Book" panose="020B0603030804020204" pitchFamily="34" charset="0"/>
+              </a:rPr>
               <a:t>A=4</a:t>
             </a:r>
           </a:p>
           <a:p>
             <a:r>
-              <a:rPr lang="en-US" dirty="0"/>
+              <a:rPr lang="en-US" dirty="0">
+                <a:latin typeface="DejaVu Sans Book" panose="020B0603030804020204" pitchFamily="34" charset="0"/>
+                <a:ea typeface="DejaVu Sans Book" panose="020B0603030804020204" pitchFamily="34" charset="0"/>
+                <a:cs typeface="DejaVu Sans Book" panose="020B0603030804020204" pitchFamily="34" charset="0"/>
+              </a:rPr>
               <a:t>B=4</a:t>
             </a:r>
           </a:p>
           <a:p>
             <a:r>
-              <a:rPr lang="en-US" dirty="0"/>
+              <a:rPr lang="en-US" dirty="0">
+                <a:latin typeface="DejaVu Sans Book" panose="020B0603030804020204" pitchFamily="34" charset="0"/>
+                <a:ea typeface="DejaVu Sans Book" panose="020B0603030804020204" pitchFamily="34" charset="0"/>
+                <a:cs typeface="DejaVu Sans Book" panose="020B0603030804020204" pitchFamily="34" charset="0"/>
+              </a:rPr>
               <a:t>C=2</a:t>
             </a:r>
           </a:p>
@@ -4430,7 +4443,11 @@
           </a:lstStyle>
           <a:p>
             <a:r>
-              <a:rPr lang="en-US" sz="1600" dirty="0"/>
+              <a:rPr lang="en-US" sz="1600" dirty="0">
+                <a:latin typeface="DejaVu Sans Book" panose="020B0603030804020204" pitchFamily="34" charset="0"/>
+                <a:ea typeface="DejaVu Sans Book" panose="020B0603030804020204" pitchFamily="34" charset="0"/>
+                <a:cs typeface="DejaVu Sans Book" panose="020B0603030804020204" pitchFamily="34" charset="0"/>
+              </a:rPr>
               <a:t>Time</a:t>
             </a:r>
           </a:p>
@@ -4623,7 +4640,7 @@
         <p:spPr>
           <a:xfrm>
             <a:off x="9133949" y="6788598"/>
-            <a:ext cx="437940" cy="1077219"/>
+            <a:ext cx="543739" cy="1077218"/>
           </a:xfrm>
           <a:prstGeom prst="rect">
             <a:avLst/>
@@ -4637,29 +4654,49 @@
           <a:lstStyle/>
           <a:p>
             <a:r>
-              <a:rPr lang="en-US" sz="1600" dirty="0"/>
+              <a:rPr lang="en-US" sz="1600" dirty="0">
+                <a:latin typeface="DejaVu Sans Book" panose="020B0603030804020204" pitchFamily="34" charset="0"/>
+                <a:ea typeface="DejaVu Sans Book" panose="020B0603030804020204" pitchFamily="34" charset="0"/>
+                <a:cs typeface="DejaVu Sans Book" panose="020B0603030804020204" pitchFamily="34" charset="0"/>
+              </a:rPr>
               <a:t>i=0</a:t>
             </a:r>
           </a:p>
           <a:p>
             <a:r>
-              <a:rPr lang="en-US" sz="1600" dirty="0"/>
+              <a:rPr lang="en-US" sz="1600" dirty="0">
+                <a:latin typeface="DejaVu Sans Book" panose="020B0603030804020204" pitchFamily="34" charset="0"/>
+                <a:ea typeface="DejaVu Sans Book" panose="020B0603030804020204" pitchFamily="34" charset="0"/>
+                <a:cs typeface="DejaVu Sans Book" panose="020B0603030804020204" pitchFamily="34" charset="0"/>
+              </a:rPr>
               <a:t>i=1</a:t>
             </a:r>
           </a:p>
           <a:p>
             <a:r>
-              <a:rPr lang="en-US" sz="1600" dirty="0"/>
+              <a:rPr lang="en-US" sz="1600" dirty="0">
+                <a:latin typeface="DejaVu Sans Book" panose="020B0603030804020204" pitchFamily="34" charset="0"/>
+                <a:ea typeface="DejaVu Sans Book" panose="020B0603030804020204" pitchFamily="34" charset="0"/>
+                <a:cs typeface="DejaVu Sans Book" panose="020B0603030804020204" pitchFamily="34" charset="0"/>
+              </a:rPr>
               <a:t>i=2</a:t>
             </a:r>
           </a:p>
           <a:p>
             <a:r>
-              <a:rPr lang="en-US" sz="1600" dirty="0" err="1"/>
+              <a:rPr lang="en-US" sz="1600" dirty="0" err="1">
+                <a:latin typeface="DejaVu Sans Book" panose="020B0603030804020204" pitchFamily="34" charset="0"/>
+                <a:ea typeface="DejaVu Sans Book" panose="020B0603030804020204" pitchFamily="34" charset="0"/>
+                <a:cs typeface="DejaVu Sans Book" panose="020B0603030804020204" pitchFamily="34" charset="0"/>
+              </a:rPr>
               <a:t>i</a:t>
             </a:r>
             <a:r>
-              <a:rPr lang="en-US" sz="1600" dirty="0"/>
+              <a:rPr lang="en-US" sz="1600" dirty="0">
+                <a:latin typeface="DejaVu Sans Book" panose="020B0603030804020204" pitchFamily="34" charset="0"/>
+                <a:ea typeface="DejaVu Sans Book" panose="020B0603030804020204" pitchFamily="34" charset="0"/>
+                <a:cs typeface="DejaVu Sans Book" panose="020B0603030804020204" pitchFamily="34" charset="0"/>
+              </a:rPr>
               <a:t>=3</a:t>
             </a:r>
           </a:p>
@@ -4924,8 +4961,8 @@
         </p:nvSpPr>
         <p:spPr>
           <a:xfrm>
-            <a:off x="4508490" y="9576173"/>
-            <a:ext cx="475372" cy="461665"/>
+            <a:off x="4512024" y="9576173"/>
+            <a:ext cx="508507" cy="461665"/>
           </a:xfrm>
           <a:prstGeom prst="rect">
             <a:avLst/>
@@ -4949,14 +4986,22 @@
           <a:p>
             <a:pPr algn="ctr"/>
             <a:r>
-              <a:rPr lang="en-US" dirty="0"/>
+              <a:rPr lang="en-US" dirty="0">
+                <a:latin typeface="DejaVu Sans Book" panose="020B0603030804020204" pitchFamily="34" charset="0"/>
+                <a:ea typeface="DejaVu Sans Book" panose="020B0603030804020204" pitchFamily="34" charset="0"/>
+                <a:cs typeface="DejaVu Sans Book" panose="020B0603030804020204" pitchFamily="34" charset="0"/>
+              </a:rPr>
               <a:t>k=0</a:t>
             </a:r>
           </a:p>
           <a:p>
             <a:pPr algn="ctr"/>
             <a:r>
-              <a:rPr lang="en-US" dirty="0"/>
+              <a:rPr lang="en-US" dirty="0">
+                <a:latin typeface="DejaVu Sans Book" panose="020B0603030804020204" pitchFamily="34" charset="0"/>
+                <a:ea typeface="DejaVu Sans Book" panose="020B0603030804020204" pitchFamily="34" charset="0"/>
+                <a:cs typeface="DejaVu Sans Book" panose="020B0603030804020204" pitchFamily="34" charset="0"/>
+              </a:rPr>
               <a:t>k=1</a:t>
             </a:r>
           </a:p>
@@ -5349,7 +5394,7 @@
         </p:nvSpPr>
         <p:spPr>
           <a:xfrm>
-            <a:off x="4242408" y="9660810"/>
+            <a:off x="4242408" y="9660811"/>
             <a:ext cx="285038" cy="292388"/>
           </a:xfrm>
           <a:prstGeom prst="rect">
@@ -5364,7 +5409,11 @@
           <a:lstStyle/>
           <a:p>
             <a:r>
-              <a:rPr lang="en-US" sz="1300" dirty="0"/>
+              <a:rPr lang="en-US" sz="1300" dirty="0">
+                <a:latin typeface="DejaVu Sans Book" panose="020B0603030804020204" pitchFamily="34" charset="0"/>
+                <a:ea typeface="DejaVu Sans Book" panose="020B0603030804020204" pitchFamily="34" charset="0"/>
+                <a:cs typeface="DejaVu Sans Book" panose="020B0603030804020204" pitchFamily="34" charset="0"/>
+              </a:rPr>
               <a:t>C</a:t>
             </a:r>
           </a:p>
@@ -5456,7 +5505,11 @@
           </a:lstStyle>
           <a:p>
             <a:r>
-              <a:rPr lang="en-US" dirty="0"/>
+              <a:rPr lang="en-US" dirty="0">
+                <a:latin typeface="DejaVu Sans Book" panose="020B0603030804020204" pitchFamily="34" charset="0"/>
+                <a:ea typeface="DejaVu Sans Book" panose="020B0603030804020204" pitchFamily="34" charset="0"/>
+                <a:cs typeface="DejaVu Sans Book" panose="020B0603030804020204" pitchFamily="34" charset="0"/>
+              </a:rPr>
               <a:t>y ops</a:t>
             </a:r>
           </a:p>
@@ -5476,7 +5529,7 @@
         </p:nvSpPr>
         <p:spPr>
           <a:xfrm>
-            <a:off x="4456712" y="8511663"/>
+            <a:off x="4476812" y="8511663"/>
             <a:ext cx="578931" cy="830997"/>
           </a:xfrm>
           <a:prstGeom prst="rect">
@@ -5501,28 +5554,44 @@
           <a:p>
             <a:pPr algn="ctr"/>
             <a:r>
-              <a:rPr lang="en-US" dirty="0"/>
+              <a:rPr lang="en-US" dirty="0">
+                <a:latin typeface="DejaVu Sans Book" panose="020B0603030804020204" pitchFamily="34" charset="0"/>
+                <a:ea typeface="DejaVu Sans Book" panose="020B0603030804020204" pitchFamily="34" charset="0"/>
+                <a:cs typeface="DejaVu Sans Book" panose="020B0603030804020204" pitchFamily="34" charset="0"/>
+              </a:rPr>
               <a:t>j=0</a:t>
             </a:r>
           </a:p>
           <a:p>
             <a:pPr algn="ctr"/>
             <a:r>
-              <a:rPr lang="en-US" dirty="0"/>
+              <a:rPr lang="en-US" dirty="0">
+                <a:latin typeface="DejaVu Sans Book" panose="020B0603030804020204" pitchFamily="34" charset="0"/>
+                <a:ea typeface="DejaVu Sans Book" panose="020B0603030804020204" pitchFamily="34" charset="0"/>
+                <a:cs typeface="DejaVu Sans Book" panose="020B0603030804020204" pitchFamily="34" charset="0"/>
+              </a:rPr>
               <a:t>j=1</a:t>
             </a:r>
           </a:p>
           <a:p>
             <a:pPr algn="ctr"/>
             <a:r>
-              <a:rPr lang="en-US" dirty="0"/>
+              <a:rPr lang="en-US" dirty="0">
+                <a:latin typeface="DejaVu Sans Book" panose="020B0603030804020204" pitchFamily="34" charset="0"/>
+                <a:ea typeface="DejaVu Sans Book" panose="020B0603030804020204" pitchFamily="34" charset="0"/>
+                <a:cs typeface="DejaVu Sans Book" panose="020B0603030804020204" pitchFamily="34" charset="0"/>
+              </a:rPr>
               <a:t>j=2</a:t>
             </a:r>
           </a:p>
           <a:p>
             <a:pPr algn="ctr"/>
             <a:r>
-              <a:rPr lang="en-US" dirty="0"/>
+              <a:rPr lang="en-US" dirty="0">
+                <a:latin typeface="DejaVu Sans Book" panose="020B0603030804020204" pitchFamily="34" charset="0"/>
+                <a:ea typeface="DejaVu Sans Book" panose="020B0603030804020204" pitchFamily="34" charset="0"/>
+                <a:cs typeface="DejaVu Sans Book" panose="020B0603030804020204" pitchFamily="34" charset="0"/>
+              </a:rPr>
               <a:t>j=3</a:t>
             </a:r>
           </a:p>
@@ -5542,7 +5611,7 @@
         </p:nvSpPr>
         <p:spPr>
           <a:xfrm>
-            <a:off x="4246908" y="8780967"/>
+            <a:off x="4246908" y="8788662"/>
             <a:ext cx="276038" cy="276999"/>
           </a:xfrm>
           <a:prstGeom prst="rect">
@@ -5566,7 +5635,11 @@
           </a:lstStyle>
           <a:p>
             <a:r>
-              <a:rPr lang="en-US" dirty="0"/>
+              <a:rPr lang="en-US" dirty="0">
+                <a:latin typeface="DejaVu Sans Book" panose="020B0603030804020204" pitchFamily="34" charset="0"/>
+                <a:ea typeface="DejaVu Sans Book" panose="020B0603030804020204" pitchFamily="34" charset="0"/>
+                <a:cs typeface="DejaVu Sans Book" panose="020B0603030804020204" pitchFamily="34" charset="0"/>
+              </a:rPr>
               <a:t>B</a:t>
             </a:r>
           </a:p>
@@ -5610,7 +5683,11 @@
           </a:lstStyle>
           <a:p>
             <a:r>
-              <a:rPr lang="en-US" dirty="0"/>
+              <a:rPr lang="en-US" dirty="0">
+                <a:latin typeface="DejaVu Sans Book" panose="020B0603030804020204" pitchFamily="34" charset="0"/>
+                <a:ea typeface="DejaVu Sans Book" panose="020B0603030804020204" pitchFamily="34" charset="0"/>
+                <a:cs typeface="DejaVu Sans Book" panose="020B0603030804020204" pitchFamily="34" charset="0"/>
+              </a:rPr>
               <a:t>x ops</a:t>
             </a:r>
           </a:p>
@@ -6957,7 +7034,7 @@
         </p:nvSpPr>
         <p:spPr>
           <a:xfrm>
-            <a:off x="4512677" y="10241687"/>
+            <a:off x="4532778" y="10241687"/>
             <a:ext cx="466998" cy="461665"/>
           </a:xfrm>
           <a:prstGeom prst="rect">
@@ -6982,14 +7059,22 @@
           <a:p>
             <a:pPr algn="ctr"/>
             <a:r>
-              <a:rPr lang="en-US" dirty="0"/>
+              <a:rPr lang="en-US" dirty="0">
+                <a:latin typeface="DejaVu Sans Book" panose="020B0603030804020204" pitchFamily="34" charset="0"/>
+                <a:ea typeface="DejaVu Sans Book" panose="020B0603030804020204" pitchFamily="34" charset="0"/>
+                <a:cs typeface="DejaVu Sans Book" panose="020B0603030804020204" pitchFamily="34" charset="0"/>
+              </a:rPr>
               <a:t>j=0</a:t>
             </a:r>
           </a:p>
           <a:p>
             <a:pPr algn="ctr"/>
             <a:r>
-              <a:rPr lang="en-US" dirty="0"/>
+              <a:rPr lang="en-US" dirty="0">
+                <a:latin typeface="DejaVu Sans Book" panose="020B0603030804020204" pitchFamily="34" charset="0"/>
+                <a:ea typeface="DejaVu Sans Book" panose="020B0603030804020204" pitchFamily="34" charset="0"/>
+                <a:cs typeface="DejaVu Sans Book" panose="020B0603030804020204" pitchFamily="34" charset="0"/>
+              </a:rPr>
               <a:t>j=1</a:t>
             </a:r>
           </a:p>
@@ -7009,8 +7094,8 @@
         </p:nvSpPr>
         <p:spPr>
           <a:xfrm>
-            <a:off x="4514382" y="10956305"/>
-            <a:ext cx="463588" cy="276999"/>
+            <a:off x="4485547" y="10956304"/>
+            <a:ext cx="561460" cy="276999"/>
           </a:xfrm>
           <a:prstGeom prst="rect">
             <a:avLst/>
@@ -7034,7 +7119,11 @@
           <a:p>
             <a:pPr algn="ctr"/>
             <a:r>
-              <a:rPr lang="en-US" dirty="0"/>
+              <a:rPr lang="en-US" dirty="0">
+                <a:latin typeface="DejaVu Sans Book" panose="020B0603030804020204" pitchFamily="34" charset="0"/>
+                <a:ea typeface="DejaVu Sans Book" panose="020B0603030804020204" pitchFamily="34" charset="0"/>
+                <a:cs typeface="DejaVu Sans Book" panose="020B0603030804020204" pitchFamily="34" charset="0"/>
+              </a:rPr>
               <a:t>k=0</a:t>
             </a:r>
           </a:p>
@@ -7268,8 +7357,8 @@
         </p:nvSpPr>
         <p:spPr>
           <a:xfrm>
-            <a:off x="4246908" y="10336584"/>
-            <a:ext cx="276038" cy="292388"/>
+            <a:off x="4246908" y="10326325"/>
+            <a:ext cx="298480" cy="292388"/>
           </a:xfrm>
           <a:prstGeom prst="rect">
             <a:avLst/>
@@ -7283,7 +7372,11 @@
           <a:lstStyle/>
           <a:p>
             <a:r>
-              <a:rPr lang="en-US" sz="1300" dirty="0"/>
+              <a:rPr lang="en-US" sz="1300" dirty="0">
+                <a:latin typeface="DejaVu Sans Book" panose="020B0603030804020204" pitchFamily="34" charset="0"/>
+                <a:ea typeface="DejaVu Sans Book" panose="020B0603030804020204" pitchFamily="34" charset="0"/>
+                <a:cs typeface="DejaVu Sans Book" panose="020B0603030804020204" pitchFamily="34" charset="0"/>
+              </a:rPr>
               <a:t>B</a:t>
             </a:r>
           </a:p>
@@ -7304,7 +7397,7 @@
         <p:spPr>
           <a:xfrm>
             <a:off x="4248511" y="10948609"/>
-            <a:ext cx="272832" cy="292388"/>
+            <a:ext cx="301686" cy="292388"/>
           </a:xfrm>
           <a:prstGeom prst="rect">
             <a:avLst/>
@@ -7318,7 +7411,11 @@
           <a:lstStyle/>
           <a:p>
             <a:r>
-              <a:rPr lang="en-US" sz="1300" dirty="0"/>
+              <a:rPr lang="en-US" sz="1300" dirty="0">
+                <a:latin typeface="DejaVu Sans Book" panose="020B0603030804020204" pitchFamily="34" charset="0"/>
+                <a:ea typeface="DejaVu Sans Book" panose="020B0603030804020204" pitchFamily="34" charset="0"/>
+                <a:cs typeface="DejaVu Sans Book" panose="020B0603030804020204" pitchFamily="34" charset="0"/>
+              </a:rPr>
               <a:t>C</a:t>
             </a:r>
           </a:p>
@@ -8097,7 +8194,7 @@
         </p:nvSpPr>
         <p:spPr>
           <a:xfrm>
-            <a:off x="4514382" y="11453652"/>
+            <a:off x="4534483" y="11467940"/>
             <a:ext cx="463588" cy="461665"/>
           </a:xfrm>
           <a:prstGeom prst="rect">
@@ -8122,14 +8219,22 @@
           <a:p>
             <a:pPr algn="ctr"/>
             <a:r>
-              <a:rPr lang="en-US" dirty="0"/>
+              <a:rPr lang="en-US" dirty="0">
+                <a:latin typeface="DejaVu Sans Book" panose="020B0603030804020204" pitchFamily="34" charset="0"/>
+                <a:ea typeface="DejaVu Sans Book" panose="020B0603030804020204" pitchFamily="34" charset="0"/>
+                <a:cs typeface="DejaVu Sans Book" panose="020B0603030804020204" pitchFamily="34" charset="0"/>
+              </a:rPr>
               <a:t>j=0</a:t>
             </a:r>
           </a:p>
           <a:p>
             <a:pPr algn="ctr"/>
             <a:r>
-              <a:rPr lang="en-US" dirty="0"/>
+              <a:rPr lang="en-US" dirty="0">
+                <a:latin typeface="DejaVu Sans Book" panose="020B0603030804020204" pitchFamily="34" charset="0"/>
+                <a:ea typeface="DejaVu Sans Book" panose="020B0603030804020204" pitchFamily="34" charset="0"/>
+                <a:cs typeface="DejaVu Sans Book" panose="020B0603030804020204" pitchFamily="34" charset="0"/>
+              </a:rPr>
               <a:t>j=1</a:t>
             </a:r>
           </a:p>
@@ -8149,8 +8254,8 @@
         </p:nvSpPr>
         <p:spPr>
           <a:xfrm>
-            <a:off x="4514382" y="12138403"/>
-            <a:ext cx="463588" cy="276999"/>
+            <a:off x="4506750" y="12138402"/>
+            <a:ext cx="519054" cy="276999"/>
           </a:xfrm>
           <a:prstGeom prst="rect">
             <a:avLst/>
@@ -8174,7 +8279,11 @@
           <a:p>
             <a:pPr algn="ctr"/>
             <a:r>
-              <a:rPr lang="en-US" dirty="0"/>
+              <a:rPr lang="en-US" dirty="0">
+                <a:latin typeface="DejaVu Sans Book" panose="020B0603030804020204" pitchFamily="34" charset="0"/>
+                <a:ea typeface="DejaVu Sans Book" panose="020B0603030804020204" pitchFamily="34" charset="0"/>
+                <a:cs typeface="DejaVu Sans Book" panose="020B0603030804020204" pitchFamily="34" charset="0"/>
+              </a:rPr>
               <a:t>k=0</a:t>
             </a:r>
           </a:p>
@@ -8241,8 +8350,8 @@
         </p:nvSpPr>
         <p:spPr>
           <a:xfrm>
-            <a:off x="4246908" y="11538289"/>
-            <a:ext cx="276038" cy="292388"/>
+            <a:off x="4246908" y="11552578"/>
+            <a:ext cx="298480" cy="292388"/>
           </a:xfrm>
           <a:prstGeom prst="rect">
             <a:avLst/>
@@ -8256,7 +8365,11 @@
           <a:lstStyle/>
           <a:p>
             <a:r>
-              <a:rPr lang="en-US" sz="1300" dirty="0"/>
+              <a:rPr lang="en-US" sz="1300" dirty="0">
+                <a:latin typeface="DejaVu Sans Book" panose="020B0603030804020204" pitchFamily="34" charset="0"/>
+                <a:ea typeface="DejaVu Sans Book" panose="020B0603030804020204" pitchFamily="34" charset="0"/>
+                <a:cs typeface="DejaVu Sans Book" panose="020B0603030804020204" pitchFamily="34" charset="0"/>
+              </a:rPr>
               <a:t>B</a:t>
             </a:r>
           </a:p>
@@ -8277,7 +8390,7 @@
         <p:spPr>
           <a:xfrm>
             <a:off x="4248511" y="12130707"/>
-            <a:ext cx="272832" cy="292388"/>
+            <a:ext cx="301686" cy="292388"/>
           </a:xfrm>
           <a:prstGeom prst="rect">
             <a:avLst/>
@@ -8291,7 +8404,11 @@
           <a:lstStyle/>
           <a:p>
             <a:r>
-              <a:rPr lang="en-US" sz="1300" dirty="0"/>
+              <a:rPr lang="en-US" sz="1300" dirty="0">
+                <a:latin typeface="DejaVu Sans Book" panose="020B0603030804020204" pitchFamily="34" charset="0"/>
+                <a:ea typeface="DejaVu Sans Book" panose="020B0603030804020204" pitchFamily="34" charset="0"/>
+                <a:cs typeface="DejaVu Sans Book" panose="020B0603030804020204" pitchFamily="34" charset="0"/>
+              </a:rPr>
               <a:t>C</a:t>
             </a:r>
           </a:p>
@@ -8675,7 +8792,7 @@
         </p:nvSpPr>
         <p:spPr>
           <a:xfrm>
-            <a:off x="2439028" y="8944214"/>
+            <a:off x="2439028" y="9015654"/>
             <a:ext cx="1246825" cy="646331"/>
           </a:xfrm>
           <a:prstGeom prst="rect">
@@ -8700,7 +8817,9 @@
           <a:p>
             <a:r>
               <a:rPr lang="en-US" dirty="0">
-                <a:latin typeface="Courier" pitchFamily="2" charset="0"/>
+                <a:latin typeface="DejaVu Sans Book" panose="020B0603030804020204" pitchFamily="34" charset="0"/>
+                <a:ea typeface="DejaVu Sans Book" panose="020B0603030804020204" pitchFamily="34" charset="0"/>
+                <a:cs typeface="DejaVu Sans Book" panose="020B0603030804020204" pitchFamily="34" charset="0"/>
               </a:rPr>
               <a:t>m = 1</a:t>
             </a:r>
@@ -8708,7 +8827,9 @@
           <a:p>
             <a:r>
               <a:rPr lang="en-US" dirty="0">
-                <a:latin typeface="Courier" pitchFamily="2" charset="0"/>
+                <a:latin typeface="DejaVu Sans Book" panose="020B0603030804020204" pitchFamily="34" charset="0"/>
+                <a:ea typeface="DejaVu Sans Book" panose="020B0603030804020204" pitchFamily="34" charset="0"/>
+                <a:cs typeface="DejaVu Sans Book" panose="020B0603030804020204" pitchFamily="34" charset="0"/>
               </a:rPr>
               <a:t>n = 1</a:t>
             </a:r>
@@ -8716,24 +8837,32 @@
           <a:p>
             <a:r>
               <a:rPr lang="en-US" dirty="0" err="1">
-                <a:latin typeface="Courier" pitchFamily="2" charset="0"/>
+                <a:latin typeface="DejaVu Sans Book" panose="020B0603030804020204" pitchFamily="34" charset="0"/>
+                <a:ea typeface="DejaVu Sans Book" panose="020B0603030804020204" pitchFamily="34" charset="0"/>
+                <a:cs typeface="DejaVu Sans Book" panose="020B0603030804020204" pitchFamily="34" charset="0"/>
               </a:rPr>
               <a:t>thrpt</a:t>
             </a:r>
             <a:r>
               <a:rPr lang="en-US" dirty="0">
-                <a:latin typeface="Courier" pitchFamily="2" charset="0"/>
+                <a:latin typeface="DejaVu Sans Book" panose="020B0603030804020204" pitchFamily="34" charset="0"/>
+                <a:ea typeface="DejaVu Sans Book" panose="020B0603030804020204" pitchFamily="34" charset="0"/>
+                <a:cs typeface="DejaVu Sans Book" panose="020B0603030804020204" pitchFamily="34" charset="0"/>
               </a:rPr>
               <a:t> = </a:t>
             </a:r>
             <a:r>
               <a:rPr lang="en-US" dirty="0" err="1">
-                <a:latin typeface="Courier" pitchFamily="2" charset="0"/>
+                <a:latin typeface="DejaVu Sans Book" panose="020B0603030804020204" pitchFamily="34" charset="0"/>
+                <a:ea typeface="DejaVu Sans Book" panose="020B0603030804020204" pitchFamily="34" charset="0"/>
+                <a:cs typeface="DejaVu Sans Book" panose="020B0603030804020204" pitchFamily="34" charset="0"/>
               </a:rPr>
               <a:t>x+y</a:t>
             </a:r>
             <a:endParaRPr lang="en-US" dirty="0">
-              <a:latin typeface="Courier" pitchFamily="2" charset="0"/>
+              <a:latin typeface="DejaVu Sans Book" panose="020B0603030804020204" pitchFamily="34" charset="0"/>
+              <a:ea typeface="DejaVu Sans Book" panose="020B0603030804020204" pitchFamily="34" charset="0"/>
+              <a:cs typeface="DejaVu Sans Book" panose="020B0603030804020204" pitchFamily="34" charset="0"/>
             </a:endParaRPr>
           </a:p>
         </p:txBody>
@@ -8752,7 +8881,7 @@
         </p:nvSpPr>
         <p:spPr>
           <a:xfrm>
-            <a:off x="2439027" y="10269859"/>
+            <a:off x="2439027" y="10341299"/>
             <a:ext cx="1717496" cy="646331"/>
           </a:xfrm>
           <a:prstGeom prst="rect">
@@ -8776,31 +8905,55 @@
           </a:lstStyle>
           <a:p>
             <a:r>
-              <a:rPr lang="en-US" dirty="0"/>
+              <a:rPr lang="en-US" dirty="0">
+                <a:latin typeface="DejaVu Sans Book" panose="020B0603030804020204" pitchFamily="34" charset="0"/>
+                <a:ea typeface="DejaVu Sans Book" panose="020B0603030804020204" pitchFamily="34" charset="0"/>
+                <a:cs typeface="DejaVu Sans Book" panose="020B0603030804020204" pitchFamily="34" charset="0"/>
+              </a:rPr>
               <a:t>m = 1</a:t>
             </a:r>
           </a:p>
           <a:p>
             <a:r>
-              <a:rPr lang="en-US" dirty="0"/>
+              <a:rPr lang="en-US" dirty="0">
+                <a:latin typeface="DejaVu Sans Book" panose="020B0603030804020204" pitchFamily="34" charset="0"/>
+                <a:ea typeface="DejaVu Sans Book" panose="020B0603030804020204" pitchFamily="34" charset="0"/>
+                <a:cs typeface="DejaVu Sans Book" panose="020B0603030804020204" pitchFamily="34" charset="0"/>
+              </a:rPr>
               <a:t>n = 1</a:t>
             </a:r>
           </a:p>
           <a:p>
             <a:r>
-              <a:rPr lang="en-US" dirty="0" err="1"/>
+              <a:rPr lang="en-US" dirty="0" err="1">
+                <a:latin typeface="DejaVu Sans Book" panose="020B0603030804020204" pitchFamily="34" charset="0"/>
+                <a:ea typeface="DejaVu Sans Book" panose="020B0603030804020204" pitchFamily="34" charset="0"/>
+                <a:cs typeface="DejaVu Sans Book" panose="020B0603030804020204" pitchFamily="34" charset="0"/>
+              </a:rPr>
               <a:t>thrpt</a:t>
             </a:r>
             <a:r>
-              <a:rPr lang="en-US" dirty="0"/>
-              <a:t> = n*(</a:t>
-            </a:r>
-            <a:r>
-              <a:rPr lang="en-US" dirty="0" err="1"/>
+              <a:rPr lang="en-US" dirty="0">
+                <a:latin typeface="DejaVu Sans Book" panose="020B0603030804020204" pitchFamily="34" charset="0"/>
+                <a:ea typeface="DejaVu Sans Book" panose="020B0603030804020204" pitchFamily="34" charset="0"/>
+                <a:cs typeface="DejaVu Sans Book" panose="020B0603030804020204" pitchFamily="34" charset="0"/>
+              </a:rPr>
+              <a:t> = n(</a:t>
+            </a:r>
+            <a:r>
+              <a:rPr lang="en-US" dirty="0" err="1">
+                <a:latin typeface="DejaVu Sans Book" panose="020B0603030804020204" pitchFamily="34" charset="0"/>
+                <a:ea typeface="DejaVu Sans Book" panose="020B0603030804020204" pitchFamily="34" charset="0"/>
+                <a:cs typeface="DejaVu Sans Book" panose="020B0603030804020204" pitchFamily="34" charset="0"/>
+              </a:rPr>
               <a:t>x+y</a:t>
             </a:r>
             <a:r>
-              <a:rPr lang="en-US" dirty="0"/>
+              <a:rPr lang="en-US" dirty="0">
+                <a:latin typeface="DejaVu Sans Book" panose="020B0603030804020204" pitchFamily="34" charset="0"/>
+                <a:ea typeface="DejaVu Sans Book" panose="020B0603030804020204" pitchFamily="34" charset="0"/>
+                <a:cs typeface="DejaVu Sans Book" panose="020B0603030804020204" pitchFamily="34" charset="0"/>
+              </a:rPr>
               <a:t>)</a:t>
             </a:r>
           </a:p>
@@ -8820,7 +8973,7 @@
         </p:nvSpPr>
         <p:spPr>
           <a:xfrm>
-            <a:off x="2439028" y="11506865"/>
+            <a:off x="2439028" y="11578305"/>
             <a:ext cx="1785839" cy="646331"/>
           </a:xfrm>
           <a:prstGeom prst="rect">
@@ -8844,31 +8997,71 @@
           </a:lstStyle>
           <a:p>
             <a:r>
-              <a:rPr lang="en-US" dirty="0"/>
+              <a:rPr lang="en-US" dirty="0">
+                <a:latin typeface="DejaVu Sans Book" panose="020B0603030804020204" pitchFamily="34" charset="0"/>
+                <a:ea typeface="DejaVu Sans Book" panose="020B0603030804020204" pitchFamily="34" charset="0"/>
+                <a:cs typeface="DejaVu Sans Book" panose="020B0603030804020204" pitchFamily="34" charset="0"/>
+              </a:rPr>
               <a:t>m = 1</a:t>
             </a:r>
           </a:p>
           <a:p>
             <a:r>
-              <a:rPr lang="en-US" dirty="0"/>
+              <a:rPr lang="en-US" dirty="0">
+                <a:latin typeface="DejaVu Sans Book" panose="020B0603030804020204" pitchFamily="34" charset="0"/>
+                <a:ea typeface="DejaVu Sans Book" panose="020B0603030804020204" pitchFamily="34" charset="0"/>
+                <a:cs typeface="DejaVu Sans Book" panose="020B0603030804020204" pitchFamily="34" charset="0"/>
+              </a:rPr>
               <a:t>n = 1</a:t>
             </a:r>
           </a:p>
           <a:p>
             <a:r>
-              <a:rPr lang="en-US" dirty="0" err="1"/>
+              <a:rPr lang="en-US" dirty="0" err="1">
+                <a:latin typeface="DejaVu Sans Book" panose="020B0603030804020204" pitchFamily="34" charset="0"/>
+                <a:ea typeface="DejaVu Sans Book" panose="020B0603030804020204" pitchFamily="34" charset="0"/>
+                <a:cs typeface="DejaVu Sans Book" panose="020B0603030804020204" pitchFamily="34" charset="0"/>
+              </a:rPr>
               <a:t>thrpt</a:t>
             </a:r>
             <a:r>
-              <a:rPr lang="en-US" dirty="0"/>
-              <a:t> = m*n*(</a:t>
-            </a:r>
-            <a:r>
-              <a:rPr lang="en-US" dirty="0" err="1"/>
+              <a:rPr lang="en-US" dirty="0">
+                <a:latin typeface="DejaVu Sans Book" panose="020B0603030804020204" pitchFamily="34" charset="0"/>
+                <a:ea typeface="DejaVu Sans Book" panose="020B0603030804020204" pitchFamily="34" charset="0"/>
+                <a:cs typeface="DejaVu Sans Book" panose="020B0603030804020204" pitchFamily="34" charset="0"/>
+              </a:rPr>
+              <a:t> = </a:t>
+            </a:r>
+            <a:r>
+              <a:rPr lang="en-US" dirty="0" err="1">
+                <a:latin typeface="DejaVu Sans Book" panose="020B0603030804020204" pitchFamily="34" charset="0"/>
+                <a:ea typeface="DejaVu Sans Book" panose="020B0603030804020204" pitchFamily="34" charset="0"/>
+                <a:cs typeface="DejaVu Sans Book" panose="020B0603030804020204" pitchFamily="34" charset="0"/>
+              </a:rPr>
+              <a:t>mn</a:t>
+            </a:r>
+            <a:r>
+              <a:rPr lang="en-US" dirty="0">
+                <a:latin typeface="DejaVu Sans Book" panose="020B0603030804020204" pitchFamily="34" charset="0"/>
+                <a:ea typeface="DejaVu Sans Book" panose="020B0603030804020204" pitchFamily="34" charset="0"/>
+                <a:cs typeface="DejaVu Sans Book" panose="020B0603030804020204" pitchFamily="34" charset="0"/>
+              </a:rPr>
+              <a:t>(</a:t>
+            </a:r>
+            <a:r>
+              <a:rPr lang="en-US" dirty="0" err="1">
+                <a:latin typeface="DejaVu Sans Book" panose="020B0603030804020204" pitchFamily="34" charset="0"/>
+                <a:ea typeface="DejaVu Sans Book" panose="020B0603030804020204" pitchFamily="34" charset="0"/>
+                <a:cs typeface="DejaVu Sans Book" panose="020B0603030804020204" pitchFamily="34" charset="0"/>
+              </a:rPr>
               <a:t>x+y</a:t>
             </a:r>
             <a:r>
-              <a:rPr lang="en-US" dirty="0"/>
+              <a:rPr lang="en-US" dirty="0">
+                <a:latin typeface="DejaVu Sans Book" panose="020B0603030804020204" pitchFamily="34" charset="0"/>
+                <a:ea typeface="DejaVu Sans Book" panose="020B0603030804020204" pitchFamily="34" charset="0"/>
+                <a:cs typeface="DejaVu Sans Book" panose="020B0603030804020204" pitchFamily="34" charset="0"/>
+              </a:rPr>
               <a:t>)</a:t>
             </a:r>
           </a:p>
@@ -8957,7 +9150,9 @@
           <a:p>
             <a:pPr algn="ctr"/>
             <a:endParaRPr lang="en-US" sz="1400">
-              <a:latin typeface="Courier" pitchFamily="2" charset="0"/>
+              <a:latin typeface="DejaVu Sans Book" panose="020B0603030804020204" pitchFamily="34" charset="0"/>
+              <a:ea typeface="DejaVu Sans Book" panose="020B0603030804020204" pitchFamily="34" charset="0"/>
+              <a:cs typeface="DejaVu Sans Book" panose="020B0603030804020204" pitchFamily="34" charset="0"/>
             </a:endParaRPr>
           </a:p>
         </p:txBody>
@@ -9015,7 +9210,9 @@
           <a:p>
             <a:pPr algn="ctr"/>
             <a:endParaRPr lang="en-US" sz="1400">
-              <a:latin typeface="Courier" pitchFamily="2" charset="0"/>
+              <a:latin typeface="DejaVu Sans Book" panose="020B0603030804020204" pitchFamily="34" charset="0"/>
+              <a:ea typeface="DejaVu Sans Book" panose="020B0603030804020204" pitchFamily="34" charset="0"/>
+              <a:cs typeface="DejaVu Sans Book" panose="020B0603030804020204" pitchFamily="34" charset="0"/>
             </a:endParaRPr>
           </a:p>
         </p:txBody>
@@ -9073,7 +9270,9 @@
           <a:p>
             <a:pPr algn="ctr"/>
             <a:endParaRPr lang="en-US" sz="1400">
-              <a:latin typeface="Courier" pitchFamily="2" charset="0"/>
+              <a:latin typeface="DejaVu Sans Book" panose="020B0603030804020204" pitchFamily="34" charset="0"/>
+              <a:ea typeface="DejaVu Sans Book" panose="020B0603030804020204" pitchFamily="34" charset="0"/>
+              <a:cs typeface="DejaVu Sans Book" panose="020B0603030804020204" pitchFamily="34" charset="0"/>
             </a:endParaRPr>
           </a:p>
         </p:txBody>
@@ -9131,7 +9330,9 @@
           <a:p>
             <a:pPr algn="ctr"/>
             <a:endParaRPr lang="en-US" sz="1400">
-              <a:latin typeface="Courier" pitchFamily="2" charset="0"/>
+              <a:latin typeface="DejaVu Sans Book" panose="020B0603030804020204" pitchFamily="34" charset="0"/>
+              <a:ea typeface="DejaVu Sans Book" panose="020B0603030804020204" pitchFamily="34" charset="0"/>
+              <a:cs typeface="DejaVu Sans Book" panose="020B0603030804020204" pitchFamily="34" charset="0"/>
             </a:endParaRPr>
           </a:p>
         </p:txBody>
@@ -9189,7 +9390,9 @@
           <a:p>
             <a:pPr algn="ctr"/>
             <a:endParaRPr lang="en-US" sz="1400">
-              <a:latin typeface="Courier" pitchFamily="2" charset="0"/>
+              <a:latin typeface="DejaVu Sans Book" panose="020B0603030804020204" pitchFamily="34" charset="0"/>
+              <a:ea typeface="DejaVu Sans Book" panose="020B0603030804020204" pitchFamily="34" charset="0"/>
+              <a:cs typeface="DejaVu Sans Book" panose="020B0603030804020204" pitchFamily="34" charset="0"/>
             </a:endParaRPr>
           </a:p>
         </p:txBody>
@@ -9303,7 +9506,7 @@
         <p:spPr>
           <a:xfrm>
             <a:off x="5464451" y="5178185"/>
-            <a:ext cx="1580882" cy="307777"/>
+            <a:ext cx="1483098" cy="307777"/>
           </a:xfrm>
           <a:prstGeom prst="rect">
             <a:avLst/>
@@ -9318,7 +9521,9 @@
           <a:p>
             <a:r>
               <a:rPr lang="en-US" sz="1400" dirty="0">
-                <a:latin typeface="Courier" pitchFamily="2" charset="0"/>
+                <a:latin typeface="DejaVu Sans Book" panose="020B0603030804020204" pitchFamily="34" charset="0"/>
+                <a:ea typeface="DejaVu Sans Book" panose="020B0603030804020204" pitchFamily="34" charset="0"/>
+                <a:cs typeface="DejaVu Sans Book" panose="020B0603030804020204" pitchFamily="34" charset="0"/>
               </a:rPr>
               <a:t>FLOPS Density</a:t>
             </a:r>
@@ -9339,8 +9544,8 @@
         </p:nvSpPr>
         <p:spPr>
           <a:xfrm rot="16200000">
-            <a:off x="3229884" y="3580909"/>
-            <a:ext cx="1903085" cy="307777"/>
+            <a:off x="3414678" y="3580909"/>
+            <a:ext cx="1533497" cy="307777"/>
           </a:xfrm>
           <a:prstGeom prst="rect">
             <a:avLst/>
@@ -9355,7 +9560,9 @@
           <a:p>
             <a:r>
               <a:rPr lang="en-US" sz="1400" dirty="0">
-                <a:latin typeface="Courier" pitchFamily="2" charset="0"/>
+                <a:latin typeface="DejaVu Sans Book" panose="020B0603030804020204" pitchFamily="34" charset="0"/>
+                <a:ea typeface="DejaVu Sans Book" panose="020B0603030804020204" pitchFamily="34" charset="0"/>
+                <a:cs typeface="DejaVu Sans Book" panose="020B0603030804020204" pitchFamily="34" charset="0"/>
               </a:rPr>
               <a:t>Avg. Utilization</a:t>
             </a:r>
@@ -9377,7 +9584,7 @@
         <p:spPr>
           <a:xfrm>
             <a:off x="5140889" y="1830144"/>
-            <a:ext cx="3621504" cy="523221"/>
+            <a:ext cx="3053144" cy="523220"/>
           </a:xfrm>
           <a:prstGeom prst="rect">
             <a:avLst/>
@@ -9392,7 +9599,9 @@
           <a:p>
             <a:r>
               <a:rPr lang="en-US" sz="1400" dirty="0">
-                <a:latin typeface="Courier" pitchFamily="2" charset="0"/>
+                <a:latin typeface="DejaVu Sans Book" panose="020B0603030804020204" pitchFamily="34" charset="0"/>
+                <a:ea typeface="DejaVu Sans Book" panose="020B0603030804020204" pitchFamily="34" charset="0"/>
+                <a:cs typeface="DejaVu Sans Book" panose="020B0603030804020204" pitchFamily="34" charset="0"/>
               </a:rPr>
               <a:t>Avg. Throughput = </a:t>
             </a:r>
@@ -9400,7 +9609,9 @@
           <a:p>
             <a:r>
               <a:rPr lang="en-US" sz="1400" dirty="0">
-                <a:latin typeface="Courier" pitchFamily="2" charset="0"/>
+                <a:latin typeface="DejaVu Sans Book" panose="020B0603030804020204" pitchFamily="34" charset="0"/>
+                <a:ea typeface="DejaVu Sans Book" panose="020B0603030804020204" pitchFamily="34" charset="0"/>
+                <a:cs typeface="DejaVu Sans Book" panose="020B0603030804020204" pitchFamily="34" charset="0"/>
               </a:rPr>
               <a:t>Avg. Utilization x FLOPS Density</a:t>
             </a:r>
@@ -9422,7 +9633,7 @@
         <p:spPr>
           <a:xfrm>
             <a:off x="4546438" y="2340909"/>
-            <a:ext cx="506870" cy="307777"/>
+            <a:ext cx="550151" cy="307777"/>
           </a:xfrm>
           <a:prstGeom prst="rect">
             <a:avLst/>
@@ -9437,7 +9648,9 @@
           <a:p>
             <a:r>
               <a:rPr lang="en-US" sz="1400" dirty="0">
-                <a:latin typeface="Courier" pitchFamily="2" charset="0"/>
+                <a:latin typeface="DejaVu Sans Book" panose="020B0603030804020204" pitchFamily="34" charset="0"/>
+                <a:ea typeface="DejaVu Sans Book" panose="020B0603030804020204" pitchFamily="34" charset="0"/>
+                <a:cs typeface="DejaVu Sans Book" panose="020B0603030804020204" pitchFamily="34" charset="0"/>
               </a:rPr>
               <a:t>CPU</a:t>
             </a:r>
@@ -9497,7 +9710,9 @@
           <a:p>
             <a:pPr algn="ctr"/>
             <a:endParaRPr lang="en-US" sz="1400">
-              <a:latin typeface="Courier" pitchFamily="2" charset="0"/>
+              <a:latin typeface="DejaVu Sans Book" panose="020B0603030804020204" pitchFamily="34" charset="0"/>
+              <a:ea typeface="DejaVu Sans Book" panose="020B0603030804020204" pitchFamily="34" charset="0"/>
+              <a:cs typeface="DejaVu Sans Book" panose="020B0603030804020204" pitchFamily="34" charset="0"/>
             </a:endParaRPr>
           </a:p>
         </p:txBody>
@@ -9555,7 +9770,9 @@
           <a:p>
             <a:pPr algn="ctr"/>
             <a:endParaRPr lang="en-US" sz="1400">
-              <a:latin typeface="Courier" pitchFamily="2" charset="0"/>
+              <a:latin typeface="DejaVu Sans Book" panose="020B0603030804020204" pitchFamily="34" charset="0"/>
+              <a:ea typeface="DejaVu Sans Book" panose="020B0603030804020204" pitchFamily="34" charset="0"/>
+              <a:cs typeface="DejaVu Sans Book" panose="020B0603030804020204" pitchFamily="34" charset="0"/>
             </a:endParaRPr>
           </a:p>
         </p:txBody>
@@ -9613,7 +9830,9 @@
           <a:p>
             <a:pPr algn="ctr"/>
             <a:endParaRPr lang="en-US" sz="1400">
-              <a:latin typeface="Courier" pitchFamily="2" charset="0"/>
+              <a:latin typeface="DejaVu Sans Book" panose="020B0603030804020204" pitchFamily="34" charset="0"/>
+              <a:ea typeface="DejaVu Sans Book" panose="020B0603030804020204" pitchFamily="34" charset="0"/>
+              <a:cs typeface="DejaVu Sans Book" panose="020B0603030804020204" pitchFamily="34" charset="0"/>
             </a:endParaRPr>
           </a:p>
         </p:txBody>
@@ -9671,7 +9890,9 @@
           <a:p>
             <a:pPr algn="ctr"/>
             <a:endParaRPr lang="en-US" sz="1400">
-              <a:latin typeface="Courier" pitchFamily="2" charset="0"/>
+              <a:latin typeface="DejaVu Sans Book" panose="020B0603030804020204" pitchFamily="34" charset="0"/>
+              <a:ea typeface="DejaVu Sans Book" panose="020B0603030804020204" pitchFamily="34" charset="0"/>
+              <a:cs typeface="DejaVu Sans Book" panose="020B0603030804020204" pitchFamily="34" charset="0"/>
             </a:endParaRPr>
           </a:p>
         </p:txBody>
@@ -9729,7 +9950,9 @@
           <a:p>
             <a:pPr algn="ctr"/>
             <a:endParaRPr lang="en-US" sz="1400">
-              <a:latin typeface="Courier" pitchFamily="2" charset="0"/>
+              <a:latin typeface="DejaVu Sans Book" panose="020B0603030804020204" pitchFamily="34" charset="0"/>
+              <a:ea typeface="DejaVu Sans Book" panose="020B0603030804020204" pitchFamily="34" charset="0"/>
+              <a:cs typeface="DejaVu Sans Book" panose="020B0603030804020204" pitchFamily="34" charset="0"/>
             </a:endParaRPr>
           </a:p>
         </p:txBody>
@@ -9797,7 +10020,9 @@
           <a:p>
             <a:pPr algn="ctr"/>
             <a:endParaRPr lang="en-US" sz="1400">
-              <a:latin typeface="Courier" pitchFamily="2" charset="0"/>
+              <a:latin typeface="DejaVu Sans Book" panose="020B0603030804020204" pitchFamily="34" charset="0"/>
+              <a:ea typeface="DejaVu Sans Book" panose="020B0603030804020204" pitchFamily="34" charset="0"/>
+              <a:cs typeface="DejaVu Sans Book" panose="020B0603030804020204" pitchFamily="34" charset="0"/>
             </a:endParaRPr>
           </a:p>
         </p:txBody>
@@ -9817,7 +10042,7 @@
         <p:spPr>
           <a:xfrm>
             <a:off x="5640622" y="3052679"/>
-            <a:ext cx="614271" cy="307777"/>
+            <a:ext cx="659155" cy="307777"/>
           </a:xfrm>
           <a:prstGeom prst="rect">
             <a:avLst/>
@@ -9832,7 +10057,9 @@
           <a:p>
             <a:r>
               <a:rPr lang="en-US" sz="1400" dirty="0">
-                <a:latin typeface="Courier" pitchFamily="2" charset="0"/>
+                <a:latin typeface="DejaVu Sans Book" panose="020B0603030804020204" pitchFamily="34" charset="0"/>
+                <a:ea typeface="DejaVu Sans Book" panose="020B0603030804020204" pitchFamily="34" charset="0"/>
+                <a:cs typeface="DejaVu Sans Book" panose="020B0603030804020204" pitchFamily="34" charset="0"/>
               </a:rPr>
               <a:t>FPGA</a:t>
             </a:r>
@@ -9854,7 +10081,7 @@
         <p:spPr>
           <a:xfrm>
             <a:off x="7502964" y="4299961"/>
-            <a:ext cx="506870" cy="307777"/>
+            <a:ext cx="564578" cy="307777"/>
           </a:xfrm>
           <a:prstGeom prst="rect">
             <a:avLst/>
@@ -9869,7 +10096,9 @@
           <a:p>
             <a:r>
               <a:rPr lang="en-US" sz="1400" dirty="0">
-                <a:latin typeface="Courier" pitchFamily="2" charset="0"/>
+                <a:latin typeface="DejaVu Sans Book" panose="020B0603030804020204" pitchFamily="34" charset="0"/>
+                <a:ea typeface="DejaVu Sans Book" panose="020B0603030804020204" pitchFamily="34" charset="0"/>
+                <a:cs typeface="DejaVu Sans Book" panose="020B0603030804020204" pitchFamily="34" charset="0"/>
               </a:rPr>
               <a:t>GPU</a:t>
             </a:r>
@@ -9891,7 +10120,7 @@
         <p:spPr>
           <a:xfrm>
             <a:off x="7012601" y="3576189"/>
-            <a:ext cx="506870" cy="307777"/>
+            <a:ext cx="567848" cy="307777"/>
           </a:xfrm>
           <a:prstGeom prst="rect">
             <a:avLst/>
@@ -9906,7 +10135,9 @@
           <a:p>
             <a:r>
               <a:rPr lang="en-US" sz="1400" dirty="0">
-                <a:latin typeface="Courier" pitchFamily="2" charset="0"/>
+                <a:latin typeface="DejaVu Sans Book" panose="020B0603030804020204" pitchFamily="34" charset="0"/>
+                <a:ea typeface="DejaVu Sans Book" panose="020B0603030804020204" pitchFamily="34" charset="0"/>
+                <a:cs typeface="DejaVu Sans Book" panose="020B0603030804020204" pitchFamily="34" charset="0"/>
               </a:rPr>
               <a:t>RDA</a:t>
             </a:r>
@@ -9966,7 +10197,9 @@
           <a:p>
             <a:pPr algn="ctr"/>
             <a:endParaRPr lang="en-US" sz="1400">
-              <a:latin typeface="Courier" pitchFamily="2" charset="0"/>
+              <a:latin typeface="DejaVu Sans Book" panose="020B0603030804020204" pitchFamily="34" charset="0"/>
+              <a:ea typeface="DejaVu Sans Book" panose="020B0603030804020204" pitchFamily="34" charset="0"/>
+              <a:cs typeface="DejaVu Sans Book" panose="020B0603030804020204" pitchFamily="34" charset="0"/>
             </a:endParaRPr>
           </a:p>
         </p:txBody>
@@ -10024,7 +10257,9 @@
           <a:p>
             <a:pPr algn="ctr"/>
             <a:endParaRPr lang="en-US" sz="1400">
-              <a:latin typeface="Courier" pitchFamily="2" charset="0"/>
+              <a:latin typeface="DejaVu Sans Book" panose="020B0603030804020204" pitchFamily="34" charset="0"/>
+              <a:ea typeface="DejaVu Sans Book" panose="020B0603030804020204" pitchFamily="34" charset="0"/>
+              <a:cs typeface="DejaVu Sans Book" panose="020B0603030804020204" pitchFamily="34" charset="0"/>
             </a:endParaRPr>
           </a:p>
         </p:txBody>
@@ -10059,94 +10294,8 @@
           <a:chExt cx="0" cy="0"/>
         </a:xfrm>
       </p:grpSpPr>
-      <p:sp>
-        <p:nvSpPr>
-          <p:cNvPr id="11" name="Date Placeholder 10">
-            <a:extLst>
-              <a:ext uri="{FF2B5EF4-FFF2-40B4-BE49-F238E27FC236}">
-                <a16:creationId xmlns:a16="http://schemas.microsoft.com/office/drawing/2014/main" id="{5D7380D4-CA38-BE4C-BC74-F6F59930C5B3}"/>
-              </a:ext>
-            </a:extLst>
-          </p:cNvPr>
-          <p:cNvSpPr>
-            <a:spLocks noGrp="1"/>
-          </p:cNvSpPr>
-          <p:nvPr>
-            <p:ph type="dt" sz="half" idx="10"/>
-          </p:nvPr>
-        </p:nvSpPr>
-        <p:spPr/>
-        <p:txBody>
-          <a:bodyPr/>
-          <a:lstStyle/>
-          <a:p>
-            <a:r>
-              <a:rPr lang="en-US"/>
-              <a:t>PhD Oral Examination</a:t>
-            </a:r>
-          </a:p>
-        </p:txBody>
-      </p:sp>
-      <p:sp>
-        <p:nvSpPr>
-          <p:cNvPr id="9" name="Footer Placeholder 8">
-            <a:extLst>
-              <a:ext uri="{FF2B5EF4-FFF2-40B4-BE49-F238E27FC236}">
-                <a16:creationId xmlns:a16="http://schemas.microsoft.com/office/drawing/2014/main" id="{5A8B2DF3-9B4A-BF4F-A134-AD2759019DA3}"/>
-              </a:ext>
-            </a:extLst>
-          </p:cNvPr>
-          <p:cNvSpPr>
-            <a:spLocks noGrp="1"/>
-          </p:cNvSpPr>
-          <p:nvPr>
-            <p:ph type="ftr" sz="quarter" idx="11"/>
-          </p:nvPr>
-        </p:nvSpPr>
-        <p:spPr/>
-        <p:txBody>
-          <a:bodyPr/>
-          <a:lstStyle/>
-          <a:p>
-            <a:r>
-              <a:rPr lang="en-US"/>
-              <a:t>Scaling a Reconfigurable Dataflow Accelerator</a:t>
-            </a:r>
-            <a:endParaRPr lang="en-US" dirty="0"/>
-          </a:p>
-        </p:txBody>
-      </p:sp>
-      <p:sp>
-        <p:nvSpPr>
-          <p:cNvPr id="10" name="Slide Number Placeholder 9">
-            <a:extLst>
-              <a:ext uri="{FF2B5EF4-FFF2-40B4-BE49-F238E27FC236}">
-                <a16:creationId xmlns:a16="http://schemas.microsoft.com/office/drawing/2014/main" id="{B4645F08-D0A3-0841-9CF4-B940F82EC3BF}"/>
-              </a:ext>
-            </a:extLst>
-          </p:cNvPr>
-          <p:cNvSpPr>
-            <a:spLocks noGrp="1"/>
-          </p:cNvSpPr>
-          <p:nvPr>
-            <p:ph type="sldNum" sz="quarter" idx="12"/>
-          </p:nvPr>
-        </p:nvSpPr>
-        <p:spPr/>
-        <p:txBody>
-          <a:bodyPr/>
-          <a:lstStyle/>
-          <a:p>
-            <a:fld id="{E82A7C25-9D8C-794C-9DA9-2467A87F123B}" type="slidenum">
-              <a:rPr lang="en-US" smtClean="0"/>
-              <a:t>3</a:t>
-            </a:fld>
-            <a:endParaRPr lang="en-US"/>
-          </a:p>
-        </p:txBody>
-      </p:sp>
-      <mc:AlternateContent xmlns:mc="http://schemas.openxmlformats.org/markup-compatibility/2006">
-        <mc:Choice xmlns:a14="http://schemas.microsoft.com/office/drawing/2010/main" Requires="a14">
+      <mc:AlternateContent xmlns:mc="http://schemas.openxmlformats.org/markup-compatibility/2006" xmlns:a14="http://schemas.microsoft.com/office/drawing/2010/main">
+        <mc:Choice Requires="a14">
           <p:sp>
             <p:nvSpPr>
               <p:cNvPr id="7" name="TextBox 6">
@@ -10161,7 +10310,7 @@
             </p:nvSpPr>
             <p:spPr>
               <a:xfrm>
-                <a:off x="1397067" y="8733688"/>
+                <a:off x="140892" y="8789107"/>
                 <a:ext cx="5473806" cy="3049361"/>
               </a:xfrm>
               <a:prstGeom prst="rect">
@@ -10170,7 +10319,7 @@
               <a:noFill/>
             </p:spPr>
             <p:txBody>
-              <a:bodyPr wrap="none" lIns="0" tIns="0" rIns="0" bIns="0" rtlCol="0">
+              <a:bodyPr wrap="square" lIns="0" tIns="0" rIns="0" bIns="0" rtlCol="0">
                 <a:spAutoFit/>
               </a:bodyPr>
               <a:lstStyle/>
@@ -10729,7 +10878,7 @@
             </p:txBody>
           </p:sp>
         </mc:Choice>
-        <mc:Fallback>
+        <mc:Fallback xmlns="">
           <p:sp>
             <p:nvSpPr>
               <p:cNvPr id="7" name="TextBox 6">
@@ -10746,7 +10895,7 @@
             </p:nvSpPr>
             <p:spPr>
               <a:xfrm>
-                <a:off x="1397067" y="8733688"/>
+                <a:off x="140892" y="8789107"/>
                 <a:ext cx="5473806" cy="3049361"/>
               </a:xfrm>
               <a:prstGeom prst="rect">
@@ -10755,7 +10904,7 @@
               <a:blipFill>
                 <a:blip r:embed="rId2"/>
                 <a:stretch>
-                  <a:fillRect l="-1620" t="-830" b="-2075"/>
+                  <a:fillRect l="-1620" t="-415" b="-2075"/>
                 </a:stretch>
               </a:blipFill>
             </p:spPr>
@@ -10791,14 +10940,14 @@
               <p:nvPr>
                 <p:extLst>
                   <p:ext uri="{D42A27DB-BD31-4B8C-83A1-F6EECF244321}">
-                    <p14:modId xmlns:p14="http://schemas.microsoft.com/office/powerpoint/2010/main" val="4149225359"/>
+                    <p14:modId xmlns:p14="http://schemas.microsoft.com/office/powerpoint/2010/main" val="3078076660"/>
                   </p:ext>
                 </p:extLst>
               </p:nvPr>
             </p:nvGraphicFramePr>
             <p:xfrm>
-              <a:off x="6906670" y="7949711"/>
-              <a:ext cx="3517002" cy="3835285"/>
+              <a:off x="5614696" y="8005130"/>
+              <a:ext cx="4983831" cy="4010660"/>
             </p:xfrm>
             <a:graphic>
               <a:graphicData uri="http://schemas.openxmlformats.org/drawingml/2006/table">
@@ -10807,14 +10956,14 @@
                     <a:tableStyleId>{5940675A-B579-460E-94D1-54222C63F5DA}</a:tableStyleId>
                   </a:tblPr>
                   <a:tblGrid>
-                    <a:gridCol w="1524384">
+                    <a:gridCol w="2160157">
                       <a:extLst>
                         <a:ext uri="{9D8B030D-6E8A-4147-A177-3AD203B41FA5}">
                           <a16:colId xmlns:a16="http://schemas.microsoft.com/office/drawing/2014/main" val="1635195151"/>
                         </a:ext>
                       </a:extLst>
                     </a:gridCol>
-                    <a:gridCol w="1992618">
+                    <a:gridCol w="2823674">
                       <a:extLst>
                         <a:ext uri="{9D8B030D-6E8A-4147-A177-3AD203B41FA5}">
                           <a16:colId xmlns:a16="http://schemas.microsoft.com/office/drawing/2014/main" val="2971800328"/>
@@ -10822,7 +10971,7 @@
                       </a:extLst>
                     </a:gridCol>
                   </a:tblGrid>
-                  <a:tr h="767057">
+                  <a:tr h="802132">
                     <a:tc>
                       <a:txBody>
                         <a:bodyPr/>
@@ -10830,7 +10979,11 @@
                         <a:p>
                           <a:pPr algn="ctr"/>
                           <a:r>
-                            <a:rPr lang="en-US" sz="2000" b="1" dirty="0"/>
+                            <a:rPr lang="en-US" sz="2000" b="1" dirty="0">
+                              <a:latin typeface="DejaVu Sans Book" panose="020B0603030804020204" pitchFamily="34" charset="0"/>
+                              <a:ea typeface="DejaVu Sans Book" panose="020B0603030804020204" pitchFamily="34" charset="0"/>
+                              <a:cs typeface="DejaVu Sans Book" panose="020B0603030804020204" pitchFamily="34" charset="0"/>
+                            </a:rPr>
                             <a:t>Throughput</a:t>
                           </a:r>
                         </a:p>
@@ -10866,9 +11019,18 @@
                         <a:p>
                           <a:pPr algn="ctr"/>
                           <a:r>
-                            <a:rPr lang="en-US" sz="2000" b="1" dirty="0"/>
+                            <a:rPr lang="en-US" sz="2000" b="1">
+                              <a:latin typeface="DejaVu Sans Book" panose="020B0603030804020204" pitchFamily="34" charset="0"/>
+                              <a:ea typeface="DejaVu Sans Book" panose="020B0603030804020204" pitchFamily="34" charset="0"/>
+                              <a:cs typeface="DejaVu Sans Book" panose="020B0603030804020204" pitchFamily="34" charset="0"/>
+                            </a:rPr>
                             <a:t>Proportional To</a:t>
                           </a:r>
+                          <a:endParaRPr lang="en-US" sz="2000" b="1" dirty="0">
+                            <a:latin typeface="DejaVu Sans Book" panose="020B0603030804020204" pitchFamily="34" charset="0"/>
+                            <a:ea typeface="DejaVu Sans Book" panose="020B0603030804020204" pitchFamily="34" charset="0"/>
+                            <a:cs typeface="DejaVu Sans Book" panose="020B0603030804020204" pitchFamily="34" charset="0"/>
+                          </a:endParaRPr>
                         </a:p>
                       </a:txBody>
                       <a:tcPr anchor="ctr">
@@ -10901,7 +11063,7 @@
                       </a:ext>
                     </a:extLst>
                   </a:tr>
-                  <a:tr h="767057">
+                  <a:tr h="802132">
                     <a:tc>
                       <a:txBody>
                         <a:bodyPr/>
@@ -10909,9 +11071,140 @@
                         <a:p>
                           <a:pPr algn="ctr"/>
                           <a:r>
-                            <a:rPr lang="en-US" sz="2000" dirty="0"/>
+                            <a:rPr lang="en-US" sz="2000">
+                              <a:latin typeface="DejaVu Sans Book" panose="020B0603030804020204" pitchFamily="34" charset="0"/>
+                              <a:ea typeface="DejaVu Sans Book" panose="020B0603030804020204" pitchFamily="34" charset="0"/>
+                              <a:cs typeface="DejaVu Sans Book" panose="020B0603030804020204" pitchFamily="34" charset="0"/>
+                            </a:rPr>
                             <a:t>Compute</a:t>
                           </a:r>
+                          <a:endParaRPr lang="en-US" sz="2000" dirty="0">
+                            <a:latin typeface="DejaVu Sans Book" panose="020B0603030804020204" pitchFamily="34" charset="0"/>
+                            <a:ea typeface="DejaVu Sans Book" panose="020B0603030804020204" pitchFamily="34" charset="0"/>
+                            <a:cs typeface="DejaVu Sans Book" panose="020B0603030804020204" pitchFamily="34" charset="0"/>
+                          </a:endParaRPr>
+                        </a:p>
+                      </a:txBody>
+                      <a:tcPr anchor="ctr">
+                        <a:lnL w="12700" cmpd="sng">
+                          <a:noFill/>
+                        </a:lnL>
+                        <a:lnR w="12700" cmpd="sng">
+                          <a:noFill/>
+                        </a:lnR>
+                        <a:lnT w="12700" cmpd="sng">
+                          <a:noFill/>
+                        </a:lnT>
+                        <a:lnB w="12700" cmpd="sng">
+                          <a:noFill/>
+                        </a:lnB>
+                        <a:lnTlToBr w="12700" cmpd="sng">
+                          <a:noFill/>
+                          <a:prstDash val="solid"/>
+                        </a:lnTlToBr>
+                        <a:lnBlToTr w="12700" cmpd="sng">
+                          <a:noFill/>
+                          <a:prstDash val="solid"/>
+                        </a:lnBlToTr>
+                        <a:noFill/>
+                      </a:tcPr>
+                    </a:tc>
+                    <a:tc>
+                      <a:txBody>
+                        <a:bodyPr/>
+                        <a:lstStyle/>
+                        <a:p>
+                          <a:pPr algn="ctr"/>
+                          <a14:m>
+                            <m:oMathPara xmlns:m="http://schemas.openxmlformats.org/officeDocument/2006/math">
+                              <m:oMathParaPr>
+                                <m:jc m:val="centerGroup"/>
+                              </m:oMathParaPr>
+                              <m:oMath xmlns:m="http://schemas.openxmlformats.org/officeDocument/2006/math">
+                                <m:r>
+                                  <a:rPr lang="en-US" sz="2000" b="0" i="1" smtClean="0">
+                                    <a:latin typeface="Cambria Math" panose="02040503050406030204" pitchFamily="18" charset="0"/>
+                                    <a:ea typeface="DejaVu Sans Book" panose="020B0603030804020204" pitchFamily="34" charset="0"/>
+                                    <a:cs typeface="DejaVu Sans Book" panose="020B0603030804020204" pitchFamily="34" charset="0"/>
+                                  </a:rPr>
+                                  <m:t>𝑃</m:t>
+                                </m:r>
+                                <m:r>
+                                  <a:rPr lang="en-US" sz="2000" b="0" i="1" smtClean="0">
+                                    <a:latin typeface="Cambria Math" panose="02040503050406030204" pitchFamily="18" charset="0"/>
+                                    <a:ea typeface="DejaVu Sans Book" panose="020B0603030804020204" pitchFamily="34" charset="0"/>
+                                    <a:cs typeface="DejaVu Sans Book" panose="020B0603030804020204" pitchFamily="34" charset="0"/>
+                                  </a:rPr>
+                                  <m:t>,</m:t>
+                                </m:r>
+                                <m:r>
+                                  <a:rPr lang="en-US" sz="2000" b="0" i="1" smtClean="0">
+                                    <a:latin typeface="Cambria Math" panose="02040503050406030204" pitchFamily="18" charset="0"/>
+                                    <a:ea typeface="DejaVu Sans Book" panose="020B0603030804020204" pitchFamily="34" charset="0"/>
+                                    <a:cs typeface="DejaVu Sans Book" panose="020B0603030804020204" pitchFamily="34" charset="0"/>
+                                  </a:rPr>
+                                  <m:t>𝐷</m:t>
+                                </m:r>
+                              </m:oMath>
+                            </m:oMathPara>
+                          </a14:m>
+                          <a:endParaRPr lang="en-US" sz="2000" dirty="0">
+                            <a:latin typeface="DejaVu Sans Book" panose="020B0603030804020204" pitchFamily="34" charset="0"/>
+                            <a:ea typeface="DejaVu Sans Book" panose="020B0603030804020204" pitchFamily="34" charset="0"/>
+                            <a:cs typeface="DejaVu Sans Book" panose="020B0603030804020204" pitchFamily="34" charset="0"/>
+                          </a:endParaRPr>
+                        </a:p>
+                      </a:txBody>
+                      <a:tcPr anchor="ctr">
+                        <a:lnL w="12700" cmpd="sng">
+                          <a:noFill/>
+                        </a:lnL>
+                        <a:lnR w="12700" cmpd="sng">
+                          <a:noFill/>
+                        </a:lnR>
+                        <a:lnT w="12700" cmpd="sng">
+                          <a:noFill/>
+                        </a:lnT>
+                        <a:lnB w="12700" cmpd="sng">
+                          <a:noFill/>
+                        </a:lnB>
+                        <a:lnTlToBr w="12700" cmpd="sng">
+                          <a:noFill/>
+                          <a:prstDash val="solid"/>
+                        </a:lnTlToBr>
+                        <a:lnBlToTr w="12700" cmpd="sng">
+                          <a:noFill/>
+                          <a:prstDash val="solid"/>
+                        </a:lnBlToTr>
+                        <a:noFill/>
+                      </a:tcPr>
+                    </a:tc>
+                    <a:extLst>
+                      <a:ext uri="{0D108BD9-81ED-4DB2-BD59-A6C34878D82A}">
+                        <a16:rowId xmlns:a16="http://schemas.microsoft.com/office/drawing/2014/main" val="4282114905"/>
+                      </a:ext>
+                    </a:extLst>
+                  </a:tr>
+                  <a:tr h="802132">
+                    <a:tc>
+                      <a:txBody>
+                        <a:bodyPr/>
+                        <a:lstStyle/>
+                        <a:p>
+                          <a:pPr algn="ctr"/>
+                          <a:r>
+                            <a:rPr lang="en-US" sz="2000">
+                              <a:latin typeface="DejaVu Sans Book" panose="020B0603030804020204" pitchFamily="34" charset="0"/>
+                              <a:ea typeface="DejaVu Sans Book" panose="020B0603030804020204" pitchFamily="34" charset="0"/>
+                              <a:cs typeface="DejaVu Sans Book" panose="020B0603030804020204" pitchFamily="34" charset="0"/>
+                            </a:rPr>
+                            <a:t>Off-chip Memory</a:t>
+                          </a:r>
+                          <a:endParaRPr lang="en-US" sz="2000" dirty="0">
+                            <a:latin typeface="DejaVu Sans Book" panose="020B0603030804020204" pitchFamily="34" charset="0"/>
+                            <a:ea typeface="DejaVu Sans Book" panose="020B0603030804020204" pitchFamily="34" charset="0"/>
+                            <a:cs typeface="DejaVu Sans Book" panose="020B0603030804020204" pitchFamily="34" charset="0"/>
+                          </a:endParaRPr>
                         </a:p>
                       </a:txBody>
                       <a:tcPr anchor="ctr">
@@ -10948,114 +11241,17 @@
                             <m:oMath xmlns:m="http://schemas.openxmlformats.org/officeDocument/2006/math">
                               <m:r>
                                 <a:rPr lang="en-US" sz="2000" dirty="0" smtClean="0">
-                                  <a:latin typeface="Cambria Math" panose="02040503050406030204" pitchFamily="18" charset="0"/>
-                                </a:rPr>
-                                <m:t>𝑃</m:t>
-                              </m:r>
-                              <m:r>
-                                <a:rPr lang="en-US" sz="2000" dirty="0" smtClean="0">
-                                  <a:latin typeface="Cambria Math" panose="02040503050406030204" pitchFamily="18" charset="0"/>
-                                </a:rPr>
-                                <m:t>, </m:t>
-                              </m:r>
-                              <m:r>
-                                <a:rPr lang="en-US" sz="2000" dirty="0" smtClean="0">
-                                  <a:latin typeface="Cambria Math" panose="02040503050406030204" pitchFamily="18" charset="0"/>
-                                </a:rPr>
-                                <m:t>𝐷</m:t>
-                              </m:r>
-                            </m:oMath>
-                          </a14:m>
-                          <a:r>
-                            <a:rPr lang="en-US" sz="2000" dirty="0"/>
-                            <a:t> </a:t>
-                          </a:r>
-                        </a:p>
-                      </a:txBody>
-                      <a:tcPr anchor="ctr">
-                        <a:lnL w="12700" cmpd="sng">
-                          <a:noFill/>
-                        </a:lnL>
-                        <a:lnR w="12700" cmpd="sng">
-                          <a:noFill/>
-                        </a:lnR>
-                        <a:lnT w="12700" cmpd="sng">
-                          <a:noFill/>
-                        </a:lnT>
-                        <a:lnB w="12700" cmpd="sng">
-                          <a:noFill/>
-                        </a:lnB>
-                        <a:lnTlToBr w="12700" cmpd="sng">
-                          <a:noFill/>
-                          <a:prstDash val="solid"/>
-                        </a:lnTlToBr>
-                        <a:lnBlToTr w="12700" cmpd="sng">
-                          <a:noFill/>
-                          <a:prstDash val="solid"/>
-                        </a:lnBlToTr>
-                        <a:noFill/>
-                      </a:tcPr>
-                    </a:tc>
-                    <a:extLst>
-                      <a:ext uri="{0D108BD9-81ED-4DB2-BD59-A6C34878D82A}">
-                        <a16:rowId xmlns:a16="http://schemas.microsoft.com/office/drawing/2014/main" val="4282114905"/>
-                      </a:ext>
-                    </a:extLst>
-                  </a:tr>
-                  <a:tr h="767057">
-                    <a:tc>
-                      <a:txBody>
-                        <a:bodyPr/>
-                        <a:lstStyle/>
-                        <a:p>
-                          <a:pPr algn="ctr"/>
-                          <a:r>
-                            <a:rPr lang="en-US" sz="2000" dirty="0"/>
-                            <a:t>Off-chip Memory</a:t>
-                          </a:r>
-                        </a:p>
-                      </a:txBody>
-                      <a:tcPr anchor="ctr">
-                        <a:lnL w="12700" cmpd="sng">
-                          <a:noFill/>
-                        </a:lnL>
-                        <a:lnR w="12700" cmpd="sng">
-                          <a:noFill/>
-                        </a:lnR>
-                        <a:lnT w="12700" cmpd="sng">
-                          <a:noFill/>
-                        </a:lnT>
-                        <a:lnB w="12700" cmpd="sng">
-                          <a:noFill/>
-                        </a:lnB>
-                        <a:lnTlToBr w="12700" cmpd="sng">
-                          <a:noFill/>
-                          <a:prstDash val="solid"/>
-                        </a:lnTlToBr>
-                        <a:lnBlToTr w="12700" cmpd="sng">
-                          <a:noFill/>
-                          <a:prstDash val="solid"/>
-                        </a:lnBlToTr>
-                        <a:noFill/>
-                      </a:tcPr>
-                    </a:tc>
-                    <a:tc>
-                      <a:txBody>
-                        <a:bodyPr/>
-                        <a:lstStyle/>
-                        <a:p>
-                          <a:pPr algn="ctr"/>
-                          <a14:m>
-                            <m:oMath xmlns:m="http://schemas.openxmlformats.org/officeDocument/2006/math">
-                              <m:r>
-                                <a:rPr lang="en-US" sz="2000" dirty="0" smtClean="0">
-                                  <a:latin typeface="Cambria Math" panose="02040503050406030204" pitchFamily="18" charset="0"/>
+                                  <a:latin typeface="DejaVu Sans Book" panose="020B0603030804020204" pitchFamily="34" charset="0"/>
+                                  <a:ea typeface="DejaVu Sans Book" panose="020B0603030804020204" pitchFamily="34" charset="0"/>
+                                  <a:cs typeface="DejaVu Sans Book" panose="020B0603030804020204" pitchFamily="34" charset="0"/>
                                 </a:rPr>
                                 <m:t>𝑃</m:t>
                               </m:r>
                               <m:r>
                                 <a:rPr lang="en-US" sz="2000" b="0" i="0" dirty="0" smtClean="0">
-                                  <a:latin typeface="Cambria Math" panose="02040503050406030204" pitchFamily="18" charset="0"/>
+                                  <a:latin typeface="DejaVu Sans Book" panose="020B0603030804020204" pitchFamily="34" charset="0"/>
+                                  <a:ea typeface="DejaVu Sans Book" panose="020B0603030804020204" pitchFamily="34" charset="0"/>
+                                  <a:cs typeface="DejaVu Sans Book" panose="020B0603030804020204" pitchFamily="34" charset="0"/>
                                 </a:rPr>
                                 <m:t>,</m:t>
                               </m:r>
@@ -11065,13 +11261,19 @@
                                 </m:rPr>
                                 <a:rPr lang="en-US" sz="2000" b="0" i="0" dirty="0" smtClean="0">
                                   <a:latin typeface="Cambria Math" panose="02040503050406030204" pitchFamily="18" charset="0"/>
+                                  <a:ea typeface="DejaVu Sans Book" panose="020B0603030804020204" pitchFamily="34" charset="0"/>
+                                  <a:cs typeface="DejaVu Sans Book" panose="020B0603030804020204" pitchFamily="34" charset="0"/>
                                 </a:rPr>
                                 <m:t>D</m:t>
                               </m:r>
                             </m:oMath>
                           </a14:m>
                           <a:r>
-                            <a:rPr lang="en-US" sz="2000" dirty="0"/>
+                            <a:rPr lang="en-US" sz="2000" dirty="0">
+                              <a:latin typeface="DejaVu Sans Book" panose="020B0603030804020204" pitchFamily="34" charset="0"/>
+                              <a:ea typeface="DejaVu Sans Book" panose="020B0603030804020204" pitchFamily="34" charset="0"/>
+                              <a:cs typeface="DejaVu Sans Book" panose="020B0603030804020204" pitchFamily="34" charset="0"/>
+                            </a:rPr>
                             <a:t> </a:t>
                           </a:r>
                         </a:p>
@@ -11106,7 +11308,7 @@
                       </a:ext>
                     </a:extLst>
                   </a:tr>
-                  <a:tr h="767057">
+                  <a:tr h="802132">
                     <a:tc>
                       <a:txBody>
                         <a:bodyPr/>
@@ -11114,9 +11316,18 @@
                         <a:p>
                           <a:pPr algn="ctr"/>
                           <a:r>
-                            <a:rPr lang="en-US" sz="2000" dirty="0"/>
+                            <a:rPr lang="en-US" sz="2000">
+                              <a:latin typeface="DejaVu Sans Book" panose="020B0603030804020204" pitchFamily="34" charset="0"/>
+                              <a:ea typeface="DejaVu Sans Book" panose="020B0603030804020204" pitchFamily="34" charset="0"/>
+                              <a:cs typeface="DejaVu Sans Book" panose="020B0603030804020204" pitchFamily="34" charset="0"/>
+                            </a:rPr>
                             <a:t>On-chip Memory</a:t>
                           </a:r>
+                          <a:endParaRPr lang="en-US" sz="2000" dirty="0">
+                            <a:latin typeface="DejaVu Sans Book" panose="020B0603030804020204" pitchFamily="34" charset="0"/>
+                            <a:ea typeface="DejaVu Sans Book" panose="020B0603030804020204" pitchFamily="34" charset="0"/>
+                            <a:cs typeface="DejaVu Sans Book" panose="020B0603030804020204" pitchFamily="34" charset="0"/>
+                          </a:endParaRPr>
                         </a:p>
                       </a:txBody>
                       <a:tcPr anchor="ctr">
@@ -11150,34 +11361,43 @@
                         <a:p>
                           <a:pPr algn="ctr"/>
                           <a14:m>
-                            <m:oMath xmlns:m="http://schemas.openxmlformats.org/officeDocument/2006/math">
-                              <m:r>
-                                <a:rPr lang="en-US" sz="2000" dirty="0" smtClean="0">
-                                  <a:latin typeface="Cambria Math" panose="02040503050406030204" pitchFamily="18" charset="0"/>
-                                </a:rPr>
-                                <m:t>𝑃</m:t>
-                              </m:r>
-                              <m:r>
-                                <a:rPr lang="en-US" sz="2000" b="0" i="0" dirty="0" smtClean="0">
-                                  <a:latin typeface="Cambria Math" panose="02040503050406030204" pitchFamily="18" charset="0"/>
-                                </a:rPr>
-                                <m:t>,</m:t>
-                              </m:r>
-                              <m:r>
-                                <m:rPr>
-                                  <m:sty m:val="p"/>
-                                </m:rPr>
-                                <a:rPr lang="en-US" sz="2000" b="0" i="0" dirty="0" smtClean="0">
-                                  <a:latin typeface="Cambria Math" panose="02040503050406030204" pitchFamily="18" charset="0"/>
-                                </a:rPr>
-                                <m:t>D</m:t>
-                              </m:r>
-                            </m:oMath>
+                            <m:oMathPara xmlns:m="http://schemas.openxmlformats.org/officeDocument/2006/math">
+                              <m:oMathParaPr>
+                                <m:jc m:val="centerGroup"/>
+                              </m:oMathParaPr>
+                              <m:oMath xmlns:m="http://schemas.openxmlformats.org/officeDocument/2006/math">
+                                <m:r>
+                                  <a:rPr lang="en-US" sz="2000" b="0" i="1" smtClean="0">
+                                    <a:latin typeface="Cambria Math" panose="02040503050406030204" pitchFamily="18" charset="0"/>
+                                    <a:ea typeface="DejaVu Sans Book" panose="020B0603030804020204" pitchFamily="34" charset="0"/>
+                                    <a:cs typeface="DejaVu Sans Book" panose="020B0603030804020204" pitchFamily="34" charset="0"/>
+                                  </a:rPr>
+                                  <m:t>𝑃</m:t>
+                                </m:r>
+                                <m:r>
+                                  <a:rPr lang="en-US" sz="2000" b="0" i="1" smtClean="0">
+                                    <a:latin typeface="Cambria Math" panose="02040503050406030204" pitchFamily="18" charset="0"/>
+                                    <a:ea typeface="DejaVu Sans Book" panose="020B0603030804020204" pitchFamily="34" charset="0"/>
+                                    <a:cs typeface="DejaVu Sans Book" panose="020B0603030804020204" pitchFamily="34" charset="0"/>
+                                  </a:rPr>
+                                  <m:t>,</m:t>
+                                </m:r>
+                                <m:r>
+                                  <a:rPr lang="en-US" sz="2000" b="0" i="1" smtClean="0">
+                                    <a:latin typeface="Cambria Math" panose="02040503050406030204" pitchFamily="18" charset="0"/>
+                                    <a:ea typeface="DejaVu Sans Book" panose="020B0603030804020204" pitchFamily="34" charset="0"/>
+                                    <a:cs typeface="DejaVu Sans Book" panose="020B0603030804020204" pitchFamily="34" charset="0"/>
+                                  </a:rPr>
+                                  <m:t>𝐷</m:t>
+                                </m:r>
+                              </m:oMath>
+                            </m:oMathPara>
                           </a14:m>
-                          <a:r>
-                            <a:rPr lang="en-US" sz="2000" dirty="0"/>
-                            <a:t> </a:t>
-                          </a:r>
+                          <a:endParaRPr lang="en-US" sz="2000" dirty="0">
+                            <a:latin typeface="DejaVu Sans Book" panose="020B0603030804020204" pitchFamily="34" charset="0"/>
+                            <a:ea typeface="DejaVu Sans Book" panose="020B0603030804020204" pitchFamily="34" charset="0"/>
+                            <a:cs typeface="DejaVu Sans Book" panose="020B0603030804020204" pitchFamily="34" charset="0"/>
+                          </a:endParaRPr>
                         </a:p>
                       </a:txBody>
                       <a:tcPr anchor="ctr">
@@ -11210,7 +11430,7 @@
                       </a:ext>
                     </a:extLst>
                   </a:tr>
-                  <a:tr h="767057">
+                  <a:tr h="802132">
                     <a:tc>
                       <a:txBody>
                         <a:bodyPr/>
@@ -11218,9 +11438,18 @@
                         <a:p>
                           <a:pPr algn="ctr"/>
                           <a:r>
-                            <a:rPr lang="en-US" sz="2000" dirty="0"/>
+                            <a:rPr lang="en-US" sz="2000">
+                              <a:latin typeface="DejaVu Sans Book" panose="020B0603030804020204" pitchFamily="34" charset="0"/>
+                              <a:ea typeface="DejaVu Sans Book" panose="020B0603030804020204" pitchFamily="34" charset="0"/>
+                              <a:cs typeface="DejaVu Sans Book" panose="020B0603030804020204" pitchFamily="34" charset="0"/>
+                            </a:rPr>
                             <a:t>On-chip Network</a:t>
                           </a:r>
+                          <a:endParaRPr lang="en-US" sz="2000" dirty="0">
+                            <a:latin typeface="DejaVu Sans Book" panose="020B0603030804020204" pitchFamily="34" charset="0"/>
+                            <a:ea typeface="DejaVu Sans Book" panose="020B0603030804020204" pitchFamily="34" charset="0"/>
+                            <a:cs typeface="DejaVu Sans Book" panose="020B0603030804020204" pitchFamily="34" charset="0"/>
+                          </a:endParaRPr>
                         </a:p>
                       </a:txBody>
                       <a:tcPr anchor="ctr">
@@ -11259,14 +11488,18 @@
                                 <m:sSupPr>
                                   <m:ctrlPr>
                                     <a:rPr lang="en-US" sz="2000" i="1" dirty="0" smtClean="0">
-                                      <a:latin typeface="Cambria Math" panose="02040503050406030204" pitchFamily="18" charset="0"/>
+                                      <a:latin typeface="DejaVu Sans Book" panose="020B0603030804020204" pitchFamily="34" charset="0"/>
+                                      <a:ea typeface="DejaVu Sans Book" panose="020B0603030804020204" pitchFamily="34" charset="0"/>
+                                      <a:cs typeface="DejaVu Sans Book" panose="020B0603030804020204" pitchFamily="34" charset="0"/>
                                     </a:rPr>
                                   </m:ctrlPr>
                                 </m:sSupPr>
                                 <m:e>
                                   <m:r>
                                     <a:rPr lang="en-US" sz="2000" dirty="0" smtClean="0">
-                                      <a:latin typeface="Cambria Math" panose="02040503050406030204" pitchFamily="18" charset="0"/>
+                                      <a:latin typeface="DejaVu Sans Book" panose="020B0603030804020204" pitchFamily="34" charset="0"/>
+                                      <a:ea typeface="DejaVu Sans Book" panose="020B0603030804020204" pitchFamily="34" charset="0"/>
+                                      <a:cs typeface="DejaVu Sans Book" panose="020B0603030804020204" pitchFamily="34" charset="0"/>
                                     </a:rPr>
                                     <m:t>𝑃</m:t>
                                   </m:r>
@@ -11274,7 +11507,9 @@
                                 <m:sup>
                                   <m:r>
                                     <a:rPr lang="en-US" sz="2000" dirty="0" smtClean="0">
-                                      <a:latin typeface="Cambria Math" panose="02040503050406030204" pitchFamily="18" charset="0"/>
+                                      <a:latin typeface="DejaVu Sans Book" panose="020B0603030804020204" pitchFamily="34" charset="0"/>
+                                      <a:ea typeface="DejaVu Sans Book" panose="020B0603030804020204" pitchFamily="34" charset="0"/>
+                                      <a:cs typeface="DejaVu Sans Book" panose="020B0603030804020204" pitchFamily="34" charset="0"/>
                                     </a:rPr>
                                     <m:t>2</m:t>
                                   </m:r>
@@ -11282,20 +11517,28 @@
                               </m:sSup>
                               <m:r>
                                 <a:rPr lang="en-US" sz="2000" dirty="0" smtClean="0">
-                                  <a:latin typeface="Cambria Math" panose="02040503050406030204" pitchFamily="18" charset="0"/>
+                                  <a:latin typeface="DejaVu Sans Book" panose="020B0603030804020204" pitchFamily="34" charset="0"/>
+                                  <a:ea typeface="DejaVu Sans Book" panose="020B0603030804020204" pitchFamily="34" charset="0"/>
+                                  <a:cs typeface="DejaVu Sans Book" panose="020B0603030804020204" pitchFamily="34" charset="0"/>
                                 </a:rPr>
                                 <m:t>,</m:t>
                               </m:r>
                               <m:r>
                                 <a:rPr lang="en-US" sz="2000" dirty="0" smtClean="0">
-                                  <a:latin typeface="Cambria Math" panose="02040503050406030204" pitchFamily="18" charset="0"/>
+                                  <a:latin typeface="DejaVu Sans Book" panose="020B0603030804020204" pitchFamily="34" charset="0"/>
+                                  <a:ea typeface="DejaVu Sans Book" panose="020B0603030804020204" pitchFamily="34" charset="0"/>
+                                  <a:cs typeface="DejaVu Sans Book" panose="020B0603030804020204" pitchFamily="34" charset="0"/>
                                 </a:rPr>
                                 <m:t>𝐷</m:t>
                               </m:r>
                             </m:oMath>
                           </a14:m>
                           <a:r>
-                            <a:rPr lang="en-US" sz="2000" dirty="0"/>
+                            <a:rPr lang="en-US" sz="2000" dirty="0">
+                              <a:latin typeface="DejaVu Sans Book" panose="020B0603030804020204" pitchFamily="34" charset="0"/>
+                              <a:ea typeface="DejaVu Sans Book" panose="020B0603030804020204" pitchFamily="34" charset="0"/>
+                              <a:cs typeface="DejaVu Sans Book" panose="020B0603030804020204" pitchFamily="34" charset="0"/>
+                            </a:rPr>
                             <a:t> </a:t>
                           </a:r>
                         </a:p>
@@ -11351,14 +11594,14 @@
               <p:nvPr>
                 <p:extLst>
                   <p:ext uri="{D42A27DB-BD31-4B8C-83A1-F6EECF244321}">
-                    <p14:modId xmlns:p14="http://schemas.microsoft.com/office/powerpoint/2010/main" val="4149225359"/>
+                    <p14:modId xmlns:p14="http://schemas.microsoft.com/office/powerpoint/2010/main" val="3078076660"/>
                   </p:ext>
                 </p:extLst>
               </p:nvPr>
             </p:nvGraphicFramePr>
             <p:xfrm>
-              <a:off x="6906670" y="7949711"/>
-              <a:ext cx="3517002" cy="3835285"/>
+              <a:off x="5614696" y="8005130"/>
+              <a:ext cx="4983831" cy="4010660"/>
             </p:xfrm>
             <a:graphic>
               <a:graphicData uri="http://schemas.openxmlformats.org/drawingml/2006/table">
@@ -11367,14 +11610,14 @@
                     <a:tableStyleId>{5940675A-B579-460E-94D1-54222C63F5DA}</a:tableStyleId>
                   </a:tblPr>
                   <a:tblGrid>
-                    <a:gridCol w="1524384">
+                    <a:gridCol w="2160157">
                       <a:extLst>
                         <a:ext uri="{9D8B030D-6E8A-4147-A177-3AD203B41FA5}">
                           <a16:colId xmlns:a16="http://schemas.microsoft.com/office/drawing/2014/main" val="1635195151"/>
                         </a:ext>
                       </a:extLst>
                     </a:gridCol>
-                    <a:gridCol w="1992618">
+                    <a:gridCol w="2823674">
                       <a:extLst>
                         <a:ext uri="{9D8B030D-6E8A-4147-A177-3AD203B41FA5}">
                           <a16:colId xmlns:a16="http://schemas.microsoft.com/office/drawing/2014/main" val="2971800328"/>
@@ -11382,7 +11625,7 @@
                       </a:extLst>
                     </a:gridCol>
                   </a:tblGrid>
-                  <a:tr h="767057">
+                  <a:tr h="802132">
                     <a:tc>
                       <a:txBody>
                         <a:bodyPr/>
@@ -11390,7 +11633,11 @@
                         <a:p>
                           <a:pPr algn="ctr"/>
                           <a:r>
-                            <a:rPr lang="en-US" sz="2000" b="1" dirty="0"/>
+                            <a:rPr lang="en-US" sz="2000" b="1" dirty="0">
+                              <a:latin typeface="DejaVu Sans Book" panose="020B0603030804020204" pitchFamily="34" charset="0"/>
+                              <a:ea typeface="DejaVu Sans Book" panose="020B0603030804020204" pitchFamily="34" charset="0"/>
+                              <a:cs typeface="DejaVu Sans Book" panose="020B0603030804020204" pitchFamily="34" charset="0"/>
+                            </a:rPr>
                             <a:t>Throughput</a:t>
                           </a:r>
                         </a:p>
@@ -11426,9 +11673,18 @@
                         <a:p>
                           <a:pPr algn="ctr"/>
                           <a:r>
-                            <a:rPr lang="en-US" sz="2000" b="1" dirty="0"/>
+                            <a:rPr lang="en-US" sz="2000" b="1">
+                              <a:latin typeface="DejaVu Sans Book" panose="020B0603030804020204" pitchFamily="34" charset="0"/>
+                              <a:ea typeface="DejaVu Sans Book" panose="020B0603030804020204" pitchFamily="34" charset="0"/>
+                              <a:cs typeface="DejaVu Sans Book" panose="020B0603030804020204" pitchFamily="34" charset="0"/>
+                            </a:rPr>
                             <a:t>Proportional To</a:t>
                           </a:r>
+                          <a:endParaRPr lang="en-US" sz="2000" b="1" dirty="0">
+                            <a:latin typeface="DejaVu Sans Book" panose="020B0603030804020204" pitchFamily="34" charset="0"/>
+                            <a:ea typeface="DejaVu Sans Book" panose="020B0603030804020204" pitchFamily="34" charset="0"/>
+                            <a:cs typeface="DejaVu Sans Book" panose="020B0603030804020204" pitchFamily="34" charset="0"/>
+                          </a:endParaRPr>
                         </a:p>
                       </a:txBody>
                       <a:tcPr anchor="ctr">
@@ -11461,7 +11717,7 @@
                       </a:ext>
                     </a:extLst>
                   </a:tr>
-                  <a:tr h="767057">
+                  <a:tr h="802132">
                     <a:tc>
                       <a:txBody>
                         <a:bodyPr/>
@@ -11469,9 +11725,18 @@
                         <a:p>
                           <a:pPr algn="ctr"/>
                           <a:r>
-                            <a:rPr lang="en-US" sz="2000" dirty="0"/>
+                            <a:rPr lang="en-US" sz="2000">
+                              <a:latin typeface="DejaVu Sans Book" panose="020B0603030804020204" pitchFamily="34" charset="0"/>
+                              <a:ea typeface="DejaVu Sans Book" panose="020B0603030804020204" pitchFamily="34" charset="0"/>
+                              <a:cs typeface="DejaVu Sans Book" panose="020B0603030804020204" pitchFamily="34" charset="0"/>
+                            </a:rPr>
                             <a:t>Compute</a:t>
                           </a:r>
+                          <a:endParaRPr lang="en-US" sz="2000" dirty="0">
+                            <a:latin typeface="DejaVu Sans Book" panose="020B0603030804020204" pitchFamily="34" charset="0"/>
+                            <a:ea typeface="DejaVu Sans Book" panose="020B0603030804020204" pitchFamily="34" charset="0"/>
+                            <a:cs typeface="DejaVu Sans Book" panose="020B0603030804020204" pitchFamily="34" charset="0"/>
+                          </a:endParaRPr>
                         </a:p>
                       </a:txBody>
                       <a:tcPr anchor="ctr">
@@ -11530,7 +11795,7 @@
                         <a:blipFill>
                           <a:blip r:embed="rId3"/>
                           <a:stretch>
-                            <a:fillRect l="-75949" t="-101667" r="633" b="-313333"/>
+                            <a:fillRect l="-76233" t="-98438" r="448" b="-301563"/>
                           </a:stretch>
                         </a:blipFill>
                       </a:tcPr>
@@ -11541,7 +11806,7 @@
                       </a:ext>
                     </a:extLst>
                   </a:tr>
-                  <a:tr h="767057">
+                  <a:tr h="802132">
                     <a:tc>
                       <a:txBody>
                         <a:bodyPr/>
@@ -11549,9 +11814,18 @@
                         <a:p>
                           <a:pPr algn="ctr"/>
                           <a:r>
-                            <a:rPr lang="en-US" sz="2000" dirty="0"/>
+                            <a:rPr lang="en-US" sz="2000">
+                              <a:latin typeface="DejaVu Sans Book" panose="020B0603030804020204" pitchFamily="34" charset="0"/>
+                              <a:ea typeface="DejaVu Sans Book" panose="020B0603030804020204" pitchFamily="34" charset="0"/>
+                              <a:cs typeface="DejaVu Sans Book" panose="020B0603030804020204" pitchFamily="34" charset="0"/>
+                            </a:rPr>
                             <a:t>Off-chip Memory</a:t>
                           </a:r>
+                          <a:endParaRPr lang="en-US" sz="2000" dirty="0">
+                            <a:latin typeface="DejaVu Sans Book" panose="020B0603030804020204" pitchFamily="34" charset="0"/>
+                            <a:ea typeface="DejaVu Sans Book" panose="020B0603030804020204" pitchFamily="34" charset="0"/>
+                            <a:cs typeface="DejaVu Sans Book" panose="020B0603030804020204" pitchFamily="34" charset="0"/>
+                          </a:endParaRPr>
                         </a:p>
                       </a:txBody>
                       <a:tcPr anchor="ctr">
@@ -11610,7 +11884,7 @@
                         <a:blipFill>
                           <a:blip r:embed="rId3"/>
                           <a:stretch>
-                            <a:fillRect l="-75949" t="-198361" r="633" b="-208197"/>
+                            <a:fillRect l="-76233" t="-201587" r="448" b="-206349"/>
                           </a:stretch>
                         </a:blipFill>
                       </a:tcPr>
@@ -11621,7 +11895,7 @@
                       </a:ext>
                     </a:extLst>
                   </a:tr>
-                  <a:tr h="767057">
+                  <a:tr h="802132">
                     <a:tc>
                       <a:txBody>
                         <a:bodyPr/>
@@ -11629,9 +11903,18 @@
                         <a:p>
                           <a:pPr algn="ctr"/>
                           <a:r>
-                            <a:rPr lang="en-US" sz="2000" dirty="0"/>
+                            <a:rPr lang="en-US" sz="2000">
+                              <a:latin typeface="DejaVu Sans Book" panose="020B0603030804020204" pitchFamily="34" charset="0"/>
+                              <a:ea typeface="DejaVu Sans Book" panose="020B0603030804020204" pitchFamily="34" charset="0"/>
+                              <a:cs typeface="DejaVu Sans Book" panose="020B0603030804020204" pitchFamily="34" charset="0"/>
+                            </a:rPr>
                             <a:t>On-chip Memory</a:t>
                           </a:r>
+                          <a:endParaRPr lang="en-US" sz="2000" dirty="0">
+                            <a:latin typeface="DejaVu Sans Book" panose="020B0603030804020204" pitchFamily="34" charset="0"/>
+                            <a:ea typeface="DejaVu Sans Book" panose="020B0603030804020204" pitchFamily="34" charset="0"/>
+                            <a:cs typeface="DejaVu Sans Book" panose="020B0603030804020204" pitchFamily="34" charset="0"/>
+                          </a:endParaRPr>
                         </a:p>
                       </a:txBody>
                       <a:tcPr anchor="ctr">
@@ -11690,7 +11973,7 @@
                         <a:blipFill>
                           <a:blip r:embed="rId3"/>
                           <a:stretch>
-                            <a:fillRect l="-75949" t="-303333" r="633" b="-111667"/>
+                            <a:fillRect l="-76233" t="-296875" r="448" b="-103125"/>
                           </a:stretch>
                         </a:blipFill>
                       </a:tcPr>
@@ -11701,7 +11984,7 @@
                       </a:ext>
                     </a:extLst>
                   </a:tr>
-                  <a:tr h="767057">
+                  <a:tr h="802132">
                     <a:tc>
                       <a:txBody>
                         <a:bodyPr/>
@@ -11709,9 +11992,18 @@
                         <a:p>
                           <a:pPr algn="ctr"/>
                           <a:r>
-                            <a:rPr lang="en-US" sz="2000" dirty="0"/>
+                            <a:rPr lang="en-US" sz="2000">
+                              <a:latin typeface="DejaVu Sans Book" panose="020B0603030804020204" pitchFamily="34" charset="0"/>
+                              <a:ea typeface="DejaVu Sans Book" panose="020B0603030804020204" pitchFamily="34" charset="0"/>
+                              <a:cs typeface="DejaVu Sans Book" panose="020B0603030804020204" pitchFamily="34" charset="0"/>
+                            </a:rPr>
                             <a:t>On-chip Network</a:t>
                           </a:r>
+                          <a:endParaRPr lang="en-US" sz="2000" dirty="0">
+                            <a:latin typeface="DejaVu Sans Book" panose="020B0603030804020204" pitchFamily="34" charset="0"/>
+                            <a:ea typeface="DejaVu Sans Book" panose="020B0603030804020204" pitchFamily="34" charset="0"/>
+                            <a:cs typeface="DejaVu Sans Book" panose="020B0603030804020204" pitchFamily="34" charset="0"/>
+                          </a:endParaRPr>
                         </a:p>
                       </a:txBody>
                       <a:tcPr anchor="ctr">
@@ -11770,7 +12062,7 @@
                         <a:blipFill>
                           <a:blip r:embed="rId3"/>
                           <a:stretch>
-                            <a:fillRect l="-75949" t="-396721" r="633" b="-9836"/>
+                            <a:fillRect l="-76233" t="-403175" r="448" b="-4762"/>
                           </a:stretch>
                         </a:blipFill>
                       </a:tcPr>
@@ -11801,8 +12093,146 @@
         </p:nvSpPr>
         <p:spPr>
           <a:xfrm>
-            <a:off x="10459469" y="9411285"/>
-            <a:ext cx="2612125" cy="1323439"/>
+            <a:off x="10457635" y="10313787"/>
+            <a:ext cx="3124253" cy="1323439"/>
+          </a:xfrm>
+          <a:prstGeom prst="rect">
+            <a:avLst/>
+          </a:prstGeom>
+          <a:solidFill>
+            <a:schemeClr val="bg1">
+              <a:lumMod val="95000"/>
+            </a:schemeClr>
+          </a:solidFill>
+        </p:spPr>
+        <p:txBody>
+          <a:bodyPr wrap="none" rtlCol="0">
+            <a:spAutoFit/>
+          </a:bodyPr>
+          <a:lstStyle/>
+          <a:p>
+            <a:r>
+              <a:rPr lang="en-US" sz="2000" dirty="0">
+                <a:solidFill>
+                  <a:srgbClr val="C00000"/>
+                </a:solidFill>
+                <a:latin typeface="DejaVu Sans Book" panose="020B0603030804020204" pitchFamily="34" charset="0"/>
+                <a:ea typeface="DejaVu Sans Book" panose="020B0603030804020204" pitchFamily="34" charset="0"/>
+                <a:cs typeface="DejaVu Sans Book" panose="020B0603030804020204" pitchFamily="34" charset="0"/>
+              </a:rPr>
+              <a:t>Application-specific</a:t>
+            </a:r>
+          </a:p>
+          <a:p>
+            <a:r>
+              <a:rPr lang="en-US" sz="2000" dirty="0">
+                <a:solidFill>
+                  <a:schemeClr val="accent1"/>
+                </a:solidFill>
+                <a:latin typeface="DejaVu Sans Book" panose="020B0603030804020204" pitchFamily="34" charset="0"/>
+                <a:ea typeface="DejaVu Sans Book" panose="020B0603030804020204" pitchFamily="34" charset="0"/>
+                <a:cs typeface="DejaVu Sans Book" panose="020B0603030804020204" pitchFamily="34" charset="0"/>
+              </a:rPr>
+              <a:t>Hardware-specific</a:t>
+            </a:r>
+          </a:p>
+          <a:p>
+            <a:r>
+              <a:rPr lang="en-US" sz="2000" dirty="0">
+                <a:latin typeface="DejaVu Sans Book" panose="020B0603030804020204" pitchFamily="34" charset="0"/>
+                <a:ea typeface="DejaVu Sans Book" panose="020B0603030804020204" pitchFamily="34" charset="0"/>
+                <a:cs typeface="DejaVu Sans Book" panose="020B0603030804020204" pitchFamily="34" charset="0"/>
+              </a:rPr>
+              <a:t>P: Parallelization factor</a:t>
+            </a:r>
+          </a:p>
+          <a:p>
+            <a:r>
+              <a:rPr lang="en-US" sz="2000" dirty="0">
+                <a:latin typeface="DejaVu Sans Book" panose="020B0603030804020204" pitchFamily="34" charset="0"/>
+                <a:ea typeface="DejaVu Sans Book" panose="020B0603030804020204" pitchFamily="34" charset="0"/>
+                <a:cs typeface="DejaVu Sans Book" panose="020B0603030804020204" pitchFamily="34" charset="0"/>
+              </a:rPr>
+              <a:t>D: Pipelining depth</a:t>
+            </a:r>
+          </a:p>
+        </p:txBody>
+      </p:sp>
+    </p:spTree>
+    <p:extLst>
+      <p:ext uri="{BB962C8B-B14F-4D97-AF65-F5344CB8AC3E}">
+        <p14:creationId xmlns:p14="http://schemas.microsoft.com/office/powerpoint/2010/main" val="3249035927"/>
+      </p:ext>
+    </p:extLst>
+  </p:cSld>
+  <p:clrMapOvr>
+    <a:masterClrMapping/>
+  </p:clrMapOvr>
+</p:sld>
+</file>
+
+<file path=ppt/slides/slide4.xml><?xml version="1.0" encoding="utf-8"?>
+<p:sld xmlns:a="http://schemas.openxmlformats.org/drawingml/2006/main" xmlns:r="http://schemas.openxmlformats.org/officeDocument/2006/relationships" xmlns:p="http://schemas.openxmlformats.org/presentationml/2006/main">
+  <p:cSld>
+    <p:spTree>
+      <p:nvGrpSpPr>
+        <p:cNvPr id="1" name=""/>
+        <p:cNvGrpSpPr/>
+        <p:nvPr/>
+      </p:nvGrpSpPr>
+      <p:grpSpPr>
+        <a:xfrm>
+          <a:off x="0" y="0"/>
+          <a:ext cx="0" cy="0"/>
+          <a:chOff x="0" y="0"/>
+          <a:chExt cx="0" cy="0"/>
+        </a:xfrm>
+      </p:grpSpPr>
+      <p:pic>
+        <p:nvPicPr>
+          <p:cNvPr id="4" name="Content Placeholder 8">
+            <a:extLst>
+              <a:ext uri="{FF2B5EF4-FFF2-40B4-BE49-F238E27FC236}">
+                <a16:creationId xmlns:a16="http://schemas.microsoft.com/office/drawing/2014/main" id="{E5D1234B-8C04-954E-9CD7-21BBB980B159}"/>
+              </a:ext>
+            </a:extLst>
+          </p:cNvPr>
+          <p:cNvPicPr>
+            <a:picLocks noGrp="1" noChangeAspect="1"/>
+          </p:cNvPicPr>
+          <p:nvPr>
+            <p:ph idx="1"/>
+          </p:nvPr>
+        </p:nvPicPr>
+        <p:blipFill>
+          <a:blip r:embed="rId2"/>
+          <a:stretch>
+            <a:fillRect/>
+          </a:stretch>
+        </p:blipFill>
+        <p:spPr>
+          <a:xfrm>
+            <a:off x="2712682" y="6464681"/>
+            <a:ext cx="9205035" cy="4602518"/>
+          </a:xfrm>
+        </p:spPr>
+      </p:pic>
+      <p:sp>
+        <p:nvSpPr>
+          <p:cNvPr id="5" name="TextBox 4">
+            <a:extLst>
+              <a:ext uri="{FF2B5EF4-FFF2-40B4-BE49-F238E27FC236}">
+                <a16:creationId xmlns:a16="http://schemas.microsoft.com/office/drawing/2014/main" id="{AEF72DE3-3726-E14F-B3EE-F6341116B11F}"/>
+              </a:ext>
+            </a:extLst>
+          </p:cNvPr>
+          <p:cNvSpPr txBox="1"/>
+          <p:nvPr/>
+        </p:nvSpPr>
+        <p:spPr>
+          <a:xfrm>
+            <a:off x="4101807" y="6141515"/>
+            <a:ext cx="1521314" cy="646331"/>
           </a:xfrm>
           <a:prstGeom prst="rect">
             <a:avLst/>
@@ -11816,34 +12246,22 @@
           <a:lstStyle/>
           <a:p>
             <a:r>
-              <a:rPr lang="en-US" sz="2000" dirty="0">
-                <a:solidFill>
-                  <a:srgbClr val="C00000"/>
-                </a:solidFill>
+              <a:rPr lang="en-US" dirty="0">
+                <a:latin typeface="DejaVu Sans Book" panose="020B0603030804020204" pitchFamily="34" charset="0"/>
+                <a:ea typeface="DejaVu Sans Book" panose="020B0603030804020204" pitchFamily="34" charset="0"/>
+                <a:cs typeface="DejaVu Sans Book" panose="020B0603030804020204" pitchFamily="34" charset="0"/>
               </a:rPr>
-              <a:t>Application Specific</a:t>
-            </a:r>
-          </a:p>
-          <a:p>
-            <a:r>
-              <a:rPr lang="en-US" sz="2000" dirty="0">
-                <a:solidFill>
-                  <a:schemeClr val="accent1"/>
-                </a:solidFill>
+              <a:t>Latency</a:t>
+            </a:r>
+          </a:p>
+          <a:p>
+            <a:r>
+              <a:rPr lang="en-US" dirty="0">
+                <a:latin typeface="DejaVu Sans Book" panose="020B0603030804020204" pitchFamily="34" charset="0"/>
+                <a:ea typeface="DejaVu Sans Book" panose="020B0603030804020204" pitchFamily="34" charset="0"/>
+                <a:cs typeface="DejaVu Sans Book" panose="020B0603030804020204" pitchFamily="34" charset="0"/>
               </a:rPr>
-              <a:t>Hardware Specific</a:t>
-            </a:r>
-          </a:p>
-          <a:p>
-            <a:r>
-              <a:rPr lang="en-US" sz="2000" dirty="0"/>
-              <a:t>P: Parallelization Factor</a:t>
-            </a:r>
-          </a:p>
-          <a:p>
-            <a:r>
-              <a:rPr lang="en-US" sz="2000" dirty="0"/>
-              <a:t>D: Pipelining Depth</a:t>
+              <a:t>Throughput</a:t>
             </a:r>
           </a:p>
         </p:txBody>
@@ -11851,7 +12269,7 @@
     </p:spTree>
     <p:extLst>
       <p:ext uri="{BB962C8B-B14F-4D97-AF65-F5344CB8AC3E}">
-        <p14:creationId xmlns:p14="http://schemas.microsoft.com/office/powerpoint/2010/main" val="3249035927"/>
+        <p14:creationId xmlns:p14="http://schemas.microsoft.com/office/powerpoint/2010/main" val="1386206890"/>
       </p:ext>
     </p:extLst>
   </p:cSld>

--- a/figs/figs.pptx
+++ b/figs/figs.pptx
@@ -5,13 +5,14 @@
     <p:sldMasterId id="2147483672" r:id="rId1"/>
   </p:sldMasterIdLst>
   <p:notesMasterIdLst>
-    <p:notesMasterId r:id="rId6"/>
+    <p:notesMasterId r:id="rId7"/>
   </p:notesMasterIdLst>
   <p:sldIdLst>
     <p:sldId id="256" r:id="rId2"/>
     <p:sldId id="257" r:id="rId3"/>
     <p:sldId id="373" r:id="rId4"/>
     <p:sldId id="374" r:id="rId5"/>
+    <p:sldId id="375" r:id="rId6"/>
   </p:sldIdLst>
   <p:sldSz cx="14630400" cy="18288000"/>
   <p:notesSz cx="6858000" cy="9144000"/>
@@ -10294,8 +10295,8 @@
           <a:chExt cx="0" cy="0"/>
         </a:xfrm>
       </p:grpSpPr>
-      <mc:AlternateContent xmlns:mc="http://schemas.openxmlformats.org/markup-compatibility/2006" xmlns:a14="http://schemas.microsoft.com/office/drawing/2010/main">
-        <mc:Choice Requires="a14">
+      <mc:AlternateContent xmlns:mc="http://schemas.openxmlformats.org/markup-compatibility/2006">
+        <mc:Choice xmlns:a14="http://schemas.microsoft.com/office/drawing/2010/main" Requires="a14">
           <p:sp>
             <p:nvSpPr>
               <p:cNvPr id="7" name="TextBox 6">
@@ -10878,7 +10879,7 @@
             </p:txBody>
           </p:sp>
         </mc:Choice>
-        <mc:Fallback xmlns="">
+        <mc:Fallback>
           <p:sp>
             <p:nvSpPr>
               <p:cNvPr id="7" name="TextBox 6">
@@ -10940,7 +10941,7 @@
               <p:nvPr>
                 <p:extLst>
                   <p:ext uri="{D42A27DB-BD31-4B8C-83A1-F6EECF244321}">
-                    <p14:modId xmlns:p14="http://schemas.microsoft.com/office/powerpoint/2010/main" val="3078076660"/>
+                    <p14:modId xmlns:p14="http://schemas.microsoft.com/office/powerpoint/2010/main" val="125322673"/>
                   </p:ext>
                 </p:extLst>
               </p:nvPr>
@@ -11374,22 +11375,6 @@
                                   </a:rPr>
                                   <m:t>𝑃</m:t>
                                 </m:r>
-                                <m:r>
-                                  <a:rPr lang="en-US" sz="2000" b="0" i="1" smtClean="0">
-                                    <a:latin typeface="Cambria Math" panose="02040503050406030204" pitchFamily="18" charset="0"/>
-                                    <a:ea typeface="DejaVu Sans Book" panose="020B0603030804020204" pitchFamily="34" charset="0"/>
-                                    <a:cs typeface="DejaVu Sans Book" panose="020B0603030804020204" pitchFamily="34" charset="0"/>
-                                  </a:rPr>
-                                  <m:t>,</m:t>
-                                </m:r>
-                                <m:r>
-                                  <a:rPr lang="en-US" sz="2000" b="0" i="1" smtClean="0">
-                                    <a:latin typeface="Cambria Math" panose="02040503050406030204" pitchFamily="18" charset="0"/>
-                                    <a:ea typeface="DejaVu Sans Book" panose="020B0603030804020204" pitchFamily="34" charset="0"/>
-                                    <a:cs typeface="DejaVu Sans Book" panose="020B0603030804020204" pitchFamily="34" charset="0"/>
-                                  </a:rPr>
-                                  <m:t>𝐷</m:t>
-                                </m:r>
                               </m:oMath>
                             </m:oMathPara>
                           </a14:m>
@@ -11594,7 +11579,7 @@
               <p:nvPr>
                 <p:extLst>
                   <p:ext uri="{D42A27DB-BD31-4B8C-83A1-F6EECF244321}">
-                    <p14:modId xmlns:p14="http://schemas.microsoft.com/office/powerpoint/2010/main" val="3078076660"/>
+                    <p14:modId xmlns:p14="http://schemas.microsoft.com/office/powerpoint/2010/main" val="125322673"/>
                   </p:ext>
                 </p:extLst>
               </p:nvPr>
@@ -12093,7 +12078,7 @@
         </p:nvSpPr>
         <p:spPr>
           <a:xfrm>
-            <a:off x="10457635" y="10313787"/>
+            <a:off x="10486210" y="10515029"/>
             <a:ext cx="3124253" cy="1323439"/>
           </a:xfrm>
           <a:prstGeom prst="rect">
@@ -12190,19 +12175,17 @@
       </p:grpSpPr>
       <p:pic>
         <p:nvPicPr>
-          <p:cNvPr id="4" name="Content Placeholder 8">
+          <p:cNvPr id="11" name="Picture 10">
             <a:extLst>
               <a:ext uri="{FF2B5EF4-FFF2-40B4-BE49-F238E27FC236}">
-                <a16:creationId xmlns:a16="http://schemas.microsoft.com/office/drawing/2014/main" id="{E5D1234B-8C04-954E-9CD7-21BBB980B159}"/>
+                <a16:creationId xmlns:a16="http://schemas.microsoft.com/office/drawing/2014/main" id="{BA718BCB-6B0E-1541-90C7-FD30622EB9B2}"/>
               </a:ext>
             </a:extLst>
           </p:cNvPr>
           <p:cNvPicPr>
-            <a:picLocks noGrp="1" noChangeAspect="1"/>
+            <a:picLocks noChangeAspect="1"/>
           </p:cNvPicPr>
-          <p:nvPr>
-            <p:ph idx="1"/>
-          </p:nvPr>
+          <p:nvPr/>
         </p:nvPicPr>
         <p:blipFill>
           <a:blip r:embed="rId2"/>
@@ -12212,17 +12195,20 @@
         </p:blipFill>
         <p:spPr>
           <a:xfrm>
-            <a:off x="2712682" y="6464681"/>
-            <a:ext cx="9205035" cy="4602518"/>
+            <a:off x="1355207" y="2287595"/>
+            <a:ext cx="1343957" cy="1874764"/>
           </a:xfrm>
+          <a:prstGeom prst="rect">
+            <a:avLst/>
+          </a:prstGeom>
         </p:spPr>
       </p:pic>
       <p:sp>
         <p:nvSpPr>
-          <p:cNvPr id="5" name="TextBox 4">
+          <p:cNvPr id="12" name="TextBox 11">
             <a:extLst>
               <a:ext uri="{FF2B5EF4-FFF2-40B4-BE49-F238E27FC236}">
-                <a16:creationId xmlns:a16="http://schemas.microsoft.com/office/drawing/2014/main" id="{AEF72DE3-3726-E14F-B3EE-F6341116B11F}"/>
+                <a16:creationId xmlns:a16="http://schemas.microsoft.com/office/drawing/2014/main" id="{089E0582-3DE1-BD4B-A11D-4F68AABE6D16}"/>
               </a:ext>
             </a:extLst>
           </p:cNvPr>
@@ -12231,8 +12217,8 @@
         </p:nvSpPr>
         <p:spPr>
           <a:xfrm>
-            <a:off x="4101807" y="6141515"/>
-            <a:ext cx="1521314" cy="646331"/>
+            <a:off x="1659937" y="3998834"/>
+            <a:ext cx="649537" cy="307777"/>
           </a:xfrm>
           <a:prstGeom prst="rect">
             <a:avLst/>
@@ -12246,26 +12232,1885 @@
           <a:lstStyle/>
           <a:p>
             <a:r>
-              <a:rPr lang="en-US" dirty="0">
+              <a:rPr lang="en-US" sz="1400" dirty="0">
                 <a:latin typeface="DejaVu Sans Book" panose="020B0603030804020204" pitchFamily="34" charset="0"/>
                 <a:ea typeface="DejaVu Sans Book" panose="020B0603030804020204" pitchFamily="34" charset="0"/>
                 <a:cs typeface="DejaVu Sans Book" panose="020B0603030804020204" pitchFamily="34" charset="0"/>
               </a:rPr>
-              <a:t>Latency</a:t>
+              <a:t>Input</a:t>
             </a:r>
           </a:p>
-          <a:p>
-            <a:r>
-              <a:rPr lang="en-US" dirty="0">
+        </p:txBody>
+      </p:sp>
+      <p:grpSp>
+        <p:nvGrpSpPr>
+          <p:cNvPr id="44" name="Group 43">
+            <a:extLst>
+              <a:ext uri="{FF2B5EF4-FFF2-40B4-BE49-F238E27FC236}">
+                <a16:creationId xmlns:a16="http://schemas.microsoft.com/office/drawing/2014/main" id="{A4AC58D8-4A06-7143-9DF9-8DCD30FD1E19}"/>
+              </a:ext>
+            </a:extLst>
+          </p:cNvPr>
+          <p:cNvGrpSpPr/>
+          <p:nvPr/>
+        </p:nvGrpSpPr>
+        <p:grpSpPr>
+          <a:xfrm>
+            <a:off x="6803016" y="3997233"/>
+            <a:ext cx="1497132" cy="439039"/>
+            <a:chOff x="6944143" y="3967055"/>
+            <a:chExt cx="1497132" cy="439039"/>
+          </a:xfrm>
+        </p:grpSpPr>
+        <p:sp>
+          <p:nvSpPr>
+            <p:cNvPr id="15" name="TextBox 14">
+              <a:extLst>
+                <a:ext uri="{FF2B5EF4-FFF2-40B4-BE49-F238E27FC236}">
+                  <a16:creationId xmlns:a16="http://schemas.microsoft.com/office/drawing/2014/main" id="{7258816F-DB07-8746-A38A-BFECD100799D}"/>
+                </a:ext>
+              </a:extLst>
+            </p:cNvPr>
+            <p:cNvSpPr txBox="1"/>
+            <p:nvPr/>
+          </p:nvSpPr>
+          <p:spPr>
+            <a:xfrm>
+              <a:off x="6944143" y="4032686"/>
+              <a:ext cx="1088760" cy="307777"/>
+            </a:xfrm>
+            <a:prstGeom prst="rect">
+              <a:avLst/>
+            </a:prstGeom>
+            <a:noFill/>
+          </p:spPr>
+          <p:txBody>
+            <a:bodyPr wrap="none" rtlCol="0">
+              <a:spAutoFit/>
+            </a:bodyPr>
+            <a:lstStyle/>
+            <a:p>
+              <a:r>
+                <a:rPr lang="en-US" sz="1400" dirty="0">
+                  <a:latin typeface="DejaVu Sans Book" panose="020B0603030804020204" pitchFamily="34" charset="0"/>
+                  <a:ea typeface="DejaVu Sans Book" panose="020B0603030804020204" pitchFamily="34" charset="0"/>
+                  <a:cs typeface="DejaVu Sans Book" panose="020B0603030804020204" pitchFamily="34" charset="0"/>
+                </a:rPr>
+                <a:t>Solution 3</a:t>
+              </a:r>
+            </a:p>
+          </p:txBody>
+        </p:sp>
+        <p:pic>
+          <p:nvPicPr>
+            <p:cNvPr id="18" name="Picture 17">
+              <a:extLst>
+                <a:ext uri="{FF2B5EF4-FFF2-40B4-BE49-F238E27FC236}">
+                  <a16:creationId xmlns:a16="http://schemas.microsoft.com/office/drawing/2014/main" id="{4CA35FC1-E391-AF4C-858F-28617FCD2E38}"/>
+                </a:ext>
+              </a:extLst>
+            </p:cNvPr>
+            <p:cNvPicPr>
+              <a:picLocks noChangeAspect="1"/>
+            </p:cNvPicPr>
+            <p:nvPr/>
+          </p:nvPicPr>
+          <p:blipFill rotWithShape="1">
+            <a:blip r:embed="rId3"/>
+            <a:srcRect r="50990" b="9726"/>
+            <a:stretch/>
+          </p:blipFill>
+          <p:spPr>
+            <a:xfrm>
+              <a:off x="8010535" y="3967055"/>
+              <a:ext cx="430740" cy="439039"/>
+            </a:xfrm>
+            <a:prstGeom prst="rect">
+              <a:avLst/>
+            </a:prstGeom>
+          </p:spPr>
+        </p:pic>
+      </p:grpSp>
+      <p:graphicFrame>
+        <p:nvGraphicFramePr>
+          <p:cNvPr id="19" name="Table 18">
+            <a:extLst>
+              <a:ext uri="{FF2B5EF4-FFF2-40B4-BE49-F238E27FC236}">
+                <a16:creationId xmlns:a16="http://schemas.microsoft.com/office/drawing/2014/main" id="{84B04A6B-570D-CB40-827F-5E75DA2506FC}"/>
+              </a:ext>
+            </a:extLst>
+          </p:cNvPr>
+          <p:cNvGraphicFramePr>
+            <a:graphicFrameLocks noGrp="1"/>
+          </p:cNvGraphicFramePr>
+          <p:nvPr>
+            <p:extLst>
+              <p:ext uri="{D42A27DB-BD31-4B8C-83A1-F6EECF244321}">
+                <p14:modId xmlns:p14="http://schemas.microsoft.com/office/powerpoint/2010/main" val="2283119868"/>
+              </p:ext>
+            </p:extLst>
+          </p:nvPr>
+        </p:nvGraphicFramePr>
+        <p:xfrm>
+          <a:off x="3027439" y="4497215"/>
+          <a:ext cx="1657793" cy="1209545"/>
+        </p:xfrm>
+        <a:graphic>
+          <a:graphicData uri="http://schemas.openxmlformats.org/drawingml/2006/table">
+            <a:tbl>
+              <a:tblPr firstRow="1" bandRow="1">
+                <a:tableStyleId>{69012ECD-51FC-41F1-AA8D-1B2483CD663E}</a:tableStyleId>
+              </a:tblPr>
+              <a:tblGrid>
+                <a:gridCol w="1020484">
+                  <a:extLst>
+                    <a:ext uri="{9D8B030D-6E8A-4147-A177-3AD203B41FA5}">
+                      <a16:colId xmlns:a16="http://schemas.microsoft.com/office/drawing/2014/main" val="3556458628"/>
+                    </a:ext>
+                  </a:extLst>
+                </a:gridCol>
+                <a:gridCol w="323272">
+                  <a:extLst>
+                    <a:ext uri="{9D8B030D-6E8A-4147-A177-3AD203B41FA5}">
+                      <a16:colId xmlns:a16="http://schemas.microsoft.com/office/drawing/2014/main" val="3675362686"/>
+                    </a:ext>
+                  </a:extLst>
+                </a:gridCol>
+                <a:gridCol w="314037">
+                  <a:extLst>
+                    <a:ext uri="{9D8B030D-6E8A-4147-A177-3AD203B41FA5}">
+                      <a16:colId xmlns:a16="http://schemas.microsoft.com/office/drawing/2014/main" val="1771754153"/>
+                    </a:ext>
+                  </a:extLst>
+                </a:gridCol>
+              </a:tblGrid>
+              <a:tr h="370840">
+                <a:tc>
+                  <a:txBody>
+                    <a:bodyPr/>
+                    <a:lstStyle/>
+                    <a:p>
+                      <a:pPr algn="l"/>
+                      <a:r>
+                        <a:rPr lang="en-US" sz="1200" dirty="0">
+                          <a:latin typeface="DejaVu Sans Book" panose="020B0603030804020204" pitchFamily="34" charset="0"/>
+                          <a:ea typeface="DejaVu Sans Book" panose="020B0603030804020204" pitchFamily="34" charset="0"/>
+                          <a:cs typeface="DejaVu Sans Book" panose="020B0603030804020204" pitchFamily="34" charset="0"/>
+                        </a:rPr>
+                        <a:t>Partition</a:t>
+                      </a:r>
+                    </a:p>
+                  </a:txBody>
+                  <a:tcPr anchor="ctr"/>
+                </a:tc>
+                <a:tc>
+                  <a:txBody>
+                    <a:bodyPr/>
+                    <a:lstStyle/>
+                    <a:p>
+                      <a:pPr algn="ctr"/>
+                      <a:r>
+                        <a:rPr lang="en-US" sz="1200" dirty="0">
+                          <a:latin typeface="DejaVu Sans Book" panose="020B0603030804020204" pitchFamily="34" charset="0"/>
+                          <a:ea typeface="DejaVu Sans Book" panose="020B0603030804020204" pitchFamily="34" charset="0"/>
+                          <a:cs typeface="DejaVu Sans Book" panose="020B0603030804020204" pitchFamily="34" charset="0"/>
+                        </a:rPr>
+                        <a:t>1</a:t>
+                      </a:r>
+                    </a:p>
+                  </a:txBody>
+                  <a:tcPr anchor="ctr"/>
+                </a:tc>
+                <a:tc>
+                  <a:txBody>
+                    <a:bodyPr/>
+                    <a:lstStyle/>
+                    <a:p>
+                      <a:pPr algn="ctr"/>
+                      <a:r>
+                        <a:rPr lang="en-US" sz="1200" dirty="0">
+                          <a:latin typeface="DejaVu Sans Book" panose="020B0603030804020204" pitchFamily="34" charset="0"/>
+                          <a:ea typeface="DejaVu Sans Book" panose="020B0603030804020204" pitchFamily="34" charset="0"/>
+                          <a:cs typeface="DejaVu Sans Book" panose="020B0603030804020204" pitchFamily="34" charset="0"/>
+                        </a:rPr>
+                        <a:t>2</a:t>
+                      </a:r>
+                    </a:p>
+                  </a:txBody>
+                  <a:tcPr anchor="ctr"/>
+                </a:tc>
+                <a:extLst>
+                  <a:ext uri="{0D108BD9-81ED-4DB2-BD59-A6C34878D82A}">
+                    <a16:rowId xmlns:a16="http://schemas.microsoft.com/office/drawing/2014/main" val="3110749884"/>
+                  </a:ext>
+                </a:extLst>
+              </a:tr>
+              <a:tr h="290065">
+                <a:tc>
+                  <a:txBody>
+                    <a:bodyPr/>
+                    <a:lstStyle/>
+                    <a:p>
+                      <a:pPr algn="l"/>
+                      <a:r>
+                        <a:rPr lang="en-US" sz="1200" dirty="0">
+                          <a:latin typeface="DejaVu Sans Book" panose="020B0603030804020204" pitchFamily="34" charset="0"/>
+                          <a:ea typeface="DejaVu Sans Book" panose="020B0603030804020204" pitchFamily="34" charset="0"/>
+                          <a:cs typeface="DejaVu Sans Book" panose="020B0603030804020204" pitchFamily="34" charset="0"/>
+                        </a:rPr>
+                        <a:t># op</a:t>
+                      </a:r>
+                    </a:p>
+                  </a:txBody>
+                  <a:tcPr anchor="ctr"/>
+                </a:tc>
+                <a:tc>
+                  <a:txBody>
+                    <a:bodyPr/>
+                    <a:lstStyle/>
+                    <a:p>
+                      <a:pPr algn="ctr"/>
+                      <a:r>
+                        <a:rPr lang="en-US" sz="1200" dirty="0">
+                          <a:latin typeface="DejaVu Sans Book" panose="020B0603030804020204" pitchFamily="34" charset="0"/>
+                          <a:ea typeface="DejaVu Sans Book" panose="020B0603030804020204" pitchFamily="34" charset="0"/>
+                          <a:cs typeface="DejaVu Sans Book" panose="020B0603030804020204" pitchFamily="34" charset="0"/>
+                        </a:rPr>
+                        <a:t>5</a:t>
+                      </a:r>
+                    </a:p>
+                  </a:txBody>
+                  <a:tcPr anchor="ctr"/>
+                </a:tc>
+                <a:tc>
+                  <a:txBody>
+                    <a:bodyPr/>
+                    <a:lstStyle/>
+                    <a:p>
+                      <a:pPr algn="ctr"/>
+                      <a:r>
+                        <a:rPr lang="en-US" sz="1200" dirty="0">
+                          <a:latin typeface="DejaVu Sans Book" panose="020B0603030804020204" pitchFamily="34" charset="0"/>
+                          <a:ea typeface="DejaVu Sans Book" panose="020B0603030804020204" pitchFamily="34" charset="0"/>
+                          <a:cs typeface="DejaVu Sans Book" panose="020B0603030804020204" pitchFamily="34" charset="0"/>
+                        </a:rPr>
+                        <a:t>3</a:t>
+                      </a:r>
+                    </a:p>
+                  </a:txBody>
+                  <a:tcPr anchor="ctr"/>
+                </a:tc>
+                <a:extLst>
+                  <a:ext uri="{0D108BD9-81ED-4DB2-BD59-A6C34878D82A}">
+                    <a16:rowId xmlns:a16="http://schemas.microsoft.com/office/drawing/2014/main" val="2757371965"/>
+                  </a:ext>
+                </a:extLst>
+              </a:tr>
+              <a:tr h="250349">
+                <a:tc>
+                  <a:txBody>
+                    <a:bodyPr/>
+                    <a:lstStyle/>
+                    <a:p>
+                      <a:pPr algn="l"/>
+                      <a:r>
+                        <a:rPr lang="en-US" sz="1200" dirty="0">
+                          <a:latin typeface="DejaVu Sans Book" panose="020B0603030804020204" pitchFamily="34" charset="0"/>
+                          <a:ea typeface="DejaVu Sans Book" panose="020B0603030804020204" pitchFamily="34" charset="0"/>
+                          <a:cs typeface="DejaVu Sans Book" panose="020B0603030804020204" pitchFamily="34" charset="0"/>
+                        </a:rPr>
+                        <a:t># input</a:t>
+                      </a:r>
+                    </a:p>
+                  </a:txBody>
+                  <a:tcPr anchor="ctr"/>
+                </a:tc>
+                <a:tc>
+                  <a:txBody>
+                    <a:bodyPr/>
+                    <a:lstStyle/>
+                    <a:p>
+                      <a:pPr algn="ctr"/>
+                      <a:r>
+                        <a:rPr lang="en-US" sz="1200" dirty="0">
+                          <a:latin typeface="DejaVu Sans Book" panose="020B0603030804020204" pitchFamily="34" charset="0"/>
+                          <a:ea typeface="DejaVu Sans Book" panose="020B0603030804020204" pitchFamily="34" charset="0"/>
+                          <a:cs typeface="DejaVu Sans Book" panose="020B0603030804020204" pitchFamily="34" charset="0"/>
+                        </a:rPr>
+                        <a:t>0</a:t>
+                      </a:r>
+                    </a:p>
+                  </a:txBody>
+                  <a:tcPr anchor="ctr"/>
+                </a:tc>
+                <a:tc>
+                  <a:txBody>
+                    <a:bodyPr/>
+                    <a:lstStyle/>
+                    <a:p>
+                      <a:pPr algn="ctr"/>
+                      <a:r>
+                        <a:rPr lang="en-US" sz="1200" dirty="0">
+                          <a:latin typeface="DejaVu Sans Book" panose="020B0603030804020204" pitchFamily="34" charset="0"/>
+                          <a:ea typeface="DejaVu Sans Book" panose="020B0603030804020204" pitchFamily="34" charset="0"/>
+                          <a:cs typeface="DejaVu Sans Book" panose="020B0603030804020204" pitchFamily="34" charset="0"/>
+                        </a:rPr>
+                        <a:t>4</a:t>
+                      </a:r>
+                    </a:p>
+                  </a:txBody>
+                  <a:tcPr anchor="ctr"/>
+                </a:tc>
+                <a:extLst>
+                  <a:ext uri="{0D108BD9-81ED-4DB2-BD59-A6C34878D82A}">
+                    <a16:rowId xmlns:a16="http://schemas.microsoft.com/office/drawing/2014/main" val="3291625495"/>
+                  </a:ext>
+                </a:extLst>
+              </a:tr>
+              <a:tr h="210633">
+                <a:tc>
+                  <a:txBody>
+                    <a:bodyPr/>
+                    <a:lstStyle/>
+                    <a:p>
+                      <a:pPr algn="l"/>
+                      <a:r>
+                        <a:rPr lang="en-US" sz="1200" dirty="0">
+                          <a:latin typeface="DejaVu Sans Book" panose="020B0603030804020204" pitchFamily="34" charset="0"/>
+                          <a:ea typeface="DejaVu Sans Book" panose="020B0603030804020204" pitchFamily="34" charset="0"/>
+                          <a:cs typeface="DejaVu Sans Book" panose="020B0603030804020204" pitchFamily="34" charset="0"/>
+                        </a:rPr>
+                        <a:t># output</a:t>
+                      </a:r>
+                    </a:p>
+                  </a:txBody>
+                  <a:tcPr anchor="ctr"/>
+                </a:tc>
+                <a:tc>
+                  <a:txBody>
+                    <a:bodyPr/>
+                    <a:lstStyle/>
+                    <a:p>
+                      <a:pPr algn="ctr"/>
+                      <a:r>
+                        <a:rPr lang="en-US" sz="1200" dirty="0">
+                          <a:latin typeface="DejaVu Sans Book" panose="020B0603030804020204" pitchFamily="34" charset="0"/>
+                          <a:ea typeface="DejaVu Sans Book" panose="020B0603030804020204" pitchFamily="34" charset="0"/>
+                          <a:cs typeface="DejaVu Sans Book" panose="020B0603030804020204" pitchFamily="34" charset="0"/>
+                        </a:rPr>
+                        <a:t>4</a:t>
+                      </a:r>
+                    </a:p>
+                  </a:txBody>
+                  <a:tcPr anchor="ctr"/>
+                </a:tc>
+                <a:tc>
+                  <a:txBody>
+                    <a:bodyPr/>
+                    <a:lstStyle/>
+                    <a:p>
+                      <a:pPr algn="ctr"/>
+                      <a:r>
+                        <a:rPr lang="en-US" sz="1200" dirty="0">
+                          <a:latin typeface="DejaVu Sans Book" panose="020B0603030804020204" pitchFamily="34" charset="0"/>
+                          <a:ea typeface="DejaVu Sans Book" panose="020B0603030804020204" pitchFamily="34" charset="0"/>
+                          <a:cs typeface="DejaVu Sans Book" panose="020B0603030804020204" pitchFamily="34" charset="0"/>
+                        </a:rPr>
+                        <a:t>0</a:t>
+                      </a:r>
+                    </a:p>
+                  </a:txBody>
+                  <a:tcPr anchor="ctr"/>
+                </a:tc>
+                <a:extLst>
+                  <a:ext uri="{0D108BD9-81ED-4DB2-BD59-A6C34878D82A}">
+                    <a16:rowId xmlns:a16="http://schemas.microsoft.com/office/drawing/2014/main" val="2997109244"/>
+                  </a:ext>
+                </a:extLst>
+              </a:tr>
+            </a:tbl>
+          </a:graphicData>
+        </a:graphic>
+      </p:graphicFrame>
+      <p:graphicFrame>
+        <p:nvGraphicFramePr>
+          <p:cNvPr id="20" name="Table 19">
+            <a:extLst>
+              <a:ext uri="{FF2B5EF4-FFF2-40B4-BE49-F238E27FC236}">
+                <a16:creationId xmlns:a16="http://schemas.microsoft.com/office/drawing/2014/main" id="{D5C5CFFE-3B07-764E-B33B-57049AE56A39}"/>
+              </a:ext>
+            </a:extLst>
+          </p:cNvPr>
+          <p:cNvGraphicFramePr>
+            <a:graphicFrameLocks noGrp="1"/>
+          </p:cNvGraphicFramePr>
+          <p:nvPr>
+            <p:extLst>
+              <p:ext uri="{D42A27DB-BD31-4B8C-83A1-F6EECF244321}">
+                <p14:modId xmlns:p14="http://schemas.microsoft.com/office/powerpoint/2010/main" val="2816130934"/>
+              </p:ext>
+            </p:extLst>
+          </p:nvPr>
+        </p:nvGraphicFramePr>
+        <p:xfrm>
+          <a:off x="4889350" y="4497215"/>
+          <a:ext cx="1657793" cy="1209545"/>
+        </p:xfrm>
+        <a:graphic>
+          <a:graphicData uri="http://schemas.openxmlformats.org/drawingml/2006/table">
+            <a:tbl>
+              <a:tblPr firstRow="1" bandRow="1">
+                <a:tableStyleId>{69012ECD-51FC-41F1-AA8D-1B2483CD663E}</a:tableStyleId>
+              </a:tblPr>
+              <a:tblGrid>
+                <a:gridCol w="1020484">
+                  <a:extLst>
+                    <a:ext uri="{9D8B030D-6E8A-4147-A177-3AD203B41FA5}">
+                      <a16:colId xmlns:a16="http://schemas.microsoft.com/office/drawing/2014/main" val="3556458628"/>
+                    </a:ext>
+                  </a:extLst>
+                </a:gridCol>
+                <a:gridCol w="323272">
+                  <a:extLst>
+                    <a:ext uri="{9D8B030D-6E8A-4147-A177-3AD203B41FA5}">
+                      <a16:colId xmlns:a16="http://schemas.microsoft.com/office/drawing/2014/main" val="3675362686"/>
+                    </a:ext>
+                  </a:extLst>
+                </a:gridCol>
+                <a:gridCol w="314037">
+                  <a:extLst>
+                    <a:ext uri="{9D8B030D-6E8A-4147-A177-3AD203B41FA5}">
+                      <a16:colId xmlns:a16="http://schemas.microsoft.com/office/drawing/2014/main" val="1771754153"/>
+                    </a:ext>
+                  </a:extLst>
+                </a:gridCol>
+              </a:tblGrid>
+              <a:tr h="370840">
+                <a:tc>
+                  <a:txBody>
+                    <a:bodyPr/>
+                    <a:lstStyle/>
+                    <a:p>
+                      <a:pPr algn="l"/>
+                      <a:r>
+                        <a:rPr lang="en-US" sz="1200" dirty="0">
+                          <a:latin typeface="DejaVu Sans Book" panose="020B0603030804020204" pitchFamily="34" charset="0"/>
+                          <a:ea typeface="DejaVu Sans Book" panose="020B0603030804020204" pitchFamily="34" charset="0"/>
+                          <a:cs typeface="DejaVu Sans Book" panose="020B0603030804020204" pitchFamily="34" charset="0"/>
+                        </a:rPr>
+                        <a:t>Partition</a:t>
+                      </a:r>
+                    </a:p>
+                  </a:txBody>
+                  <a:tcPr anchor="ctr"/>
+                </a:tc>
+                <a:tc>
+                  <a:txBody>
+                    <a:bodyPr/>
+                    <a:lstStyle/>
+                    <a:p>
+                      <a:pPr algn="ctr"/>
+                      <a:r>
+                        <a:rPr lang="en-US" sz="1200" dirty="0">
+                          <a:latin typeface="DejaVu Sans Book" panose="020B0603030804020204" pitchFamily="34" charset="0"/>
+                          <a:ea typeface="DejaVu Sans Book" panose="020B0603030804020204" pitchFamily="34" charset="0"/>
+                          <a:cs typeface="DejaVu Sans Book" panose="020B0603030804020204" pitchFamily="34" charset="0"/>
+                        </a:rPr>
+                        <a:t>1</a:t>
+                      </a:r>
+                    </a:p>
+                  </a:txBody>
+                  <a:tcPr anchor="ctr"/>
+                </a:tc>
+                <a:tc>
+                  <a:txBody>
+                    <a:bodyPr/>
+                    <a:lstStyle/>
+                    <a:p>
+                      <a:pPr algn="ctr"/>
+                      <a:r>
+                        <a:rPr lang="en-US" sz="1200" dirty="0">
+                          <a:latin typeface="DejaVu Sans Book" panose="020B0603030804020204" pitchFamily="34" charset="0"/>
+                          <a:ea typeface="DejaVu Sans Book" panose="020B0603030804020204" pitchFamily="34" charset="0"/>
+                          <a:cs typeface="DejaVu Sans Book" panose="020B0603030804020204" pitchFamily="34" charset="0"/>
+                        </a:rPr>
+                        <a:t>2</a:t>
+                      </a:r>
+                    </a:p>
+                  </a:txBody>
+                  <a:tcPr anchor="ctr"/>
+                </a:tc>
+                <a:extLst>
+                  <a:ext uri="{0D108BD9-81ED-4DB2-BD59-A6C34878D82A}">
+                    <a16:rowId xmlns:a16="http://schemas.microsoft.com/office/drawing/2014/main" val="3110749884"/>
+                  </a:ext>
+                </a:extLst>
+              </a:tr>
+              <a:tr h="290065">
+                <a:tc>
+                  <a:txBody>
+                    <a:bodyPr/>
+                    <a:lstStyle/>
+                    <a:p>
+                      <a:pPr algn="l"/>
+                      <a:r>
+                        <a:rPr lang="en-US" sz="1200" dirty="0">
+                          <a:latin typeface="DejaVu Sans Book" panose="020B0603030804020204" pitchFamily="34" charset="0"/>
+                          <a:ea typeface="DejaVu Sans Book" panose="020B0603030804020204" pitchFamily="34" charset="0"/>
+                          <a:cs typeface="DejaVu Sans Book" panose="020B0603030804020204" pitchFamily="34" charset="0"/>
+                        </a:rPr>
+                        <a:t># op</a:t>
+                      </a:r>
+                    </a:p>
+                  </a:txBody>
+                  <a:tcPr anchor="ctr"/>
+                </a:tc>
+                <a:tc>
+                  <a:txBody>
+                    <a:bodyPr/>
+                    <a:lstStyle/>
+                    <a:p>
+                      <a:pPr algn="ctr"/>
+                      <a:r>
+                        <a:rPr lang="en-US" sz="1200" dirty="0">
+                          <a:latin typeface="DejaVu Sans Book" panose="020B0603030804020204" pitchFamily="34" charset="0"/>
+                          <a:ea typeface="DejaVu Sans Book" panose="020B0603030804020204" pitchFamily="34" charset="0"/>
+                          <a:cs typeface="DejaVu Sans Book" panose="020B0603030804020204" pitchFamily="34" charset="0"/>
+                        </a:rPr>
+                        <a:t>6</a:t>
+                      </a:r>
+                    </a:p>
+                  </a:txBody>
+                  <a:tcPr anchor="ctr"/>
+                </a:tc>
+                <a:tc>
+                  <a:txBody>
+                    <a:bodyPr/>
+                    <a:lstStyle/>
+                    <a:p>
+                      <a:pPr algn="ctr"/>
+                      <a:r>
+                        <a:rPr lang="en-US" sz="1200" dirty="0">
+                          <a:latin typeface="DejaVu Sans Book" panose="020B0603030804020204" pitchFamily="34" charset="0"/>
+                          <a:ea typeface="DejaVu Sans Book" panose="020B0603030804020204" pitchFamily="34" charset="0"/>
+                          <a:cs typeface="DejaVu Sans Book" panose="020B0603030804020204" pitchFamily="34" charset="0"/>
+                        </a:rPr>
+                        <a:t>2</a:t>
+                      </a:r>
+                    </a:p>
+                  </a:txBody>
+                  <a:tcPr anchor="ctr"/>
+                </a:tc>
+                <a:extLst>
+                  <a:ext uri="{0D108BD9-81ED-4DB2-BD59-A6C34878D82A}">
+                    <a16:rowId xmlns:a16="http://schemas.microsoft.com/office/drawing/2014/main" val="2757371965"/>
+                  </a:ext>
+                </a:extLst>
+              </a:tr>
+              <a:tr h="250349">
+                <a:tc>
+                  <a:txBody>
+                    <a:bodyPr/>
+                    <a:lstStyle/>
+                    <a:p>
+                      <a:pPr algn="l"/>
+                      <a:r>
+                        <a:rPr lang="en-US" sz="1200" dirty="0">
+                          <a:latin typeface="DejaVu Sans Book" panose="020B0603030804020204" pitchFamily="34" charset="0"/>
+                          <a:ea typeface="DejaVu Sans Book" panose="020B0603030804020204" pitchFamily="34" charset="0"/>
+                          <a:cs typeface="DejaVu Sans Book" panose="020B0603030804020204" pitchFamily="34" charset="0"/>
+                        </a:rPr>
+                        <a:t># input</a:t>
+                      </a:r>
+                    </a:p>
+                  </a:txBody>
+                  <a:tcPr anchor="ctr"/>
+                </a:tc>
+                <a:tc>
+                  <a:txBody>
+                    <a:bodyPr/>
+                    <a:lstStyle/>
+                    <a:p>
+                      <a:pPr algn="ctr"/>
+                      <a:r>
+                        <a:rPr lang="en-US" sz="1200" dirty="0">
+                          <a:latin typeface="DejaVu Sans Book" panose="020B0603030804020204" pitchFamily="34" charset="0"/>
+                          <a:ea typeface="DejaVu Sans Book" panose="020B0603030804020204" pitchFamily="34" charset="0"/>
+                          <a:cs typeface="DejaVu Sans Book" panose="020B0603030804020204" pitchFamily="34" charset="0"/>
+                        </a:rPr>
+                        <a:t>0</a:t>
+                      </a:r>
+                    </a:p>
+                  </a:txBody>
+                  <a:tcPr anchor="ctr"/>
+                </a:tc>
+                <a:tc>
+                  <a:txBody>
+                    <a:bodyPr/>
+                    <a:lstStyle/>
+                    <a:p>
+                      <a:pPr algn="ctr"/>
+                      <a:r>
+                        <a:rPr lang="en-US" sz="1200" dirty="0">
+                          <a:latin typeface="DejaVu Sans Book" panose="020B0603030804020204" pitchFamily="34" charset="0"/>
+                          <a:ea typeface="DejaVu Sans Book" panose="020B0603030804020204" pitchFamily="34" charset="0"/>
+                          <a:cs typeface="DejaVu Sans Book" panose="020B0603030804020204" pitchFamily="34" charset="0"/>
+                        </a:rPr>
+                        <a:t>3</a:t>
+                      </a:r>
+                    </a:p>
+                  </a:txBody>
+                  <a:tcPr anchor="ctr"/>
+                </a:tc>
+                <a:extLst>
+                  <a:ext uri="{0D108BD9-81ED-4DB2-BD59-A6C34878D82A}">
+                    <a16:rowId xmlns:a16="http://schemas.microsoft.com/office/drawing/2014/main" val="3291625495"/>
+                  </a:ext>
+                </a:extLst>
+              </a:tr>
+              <a:tr h="210633">
+                <a:tc>
+                  <a:txBody>
+                    <a:bodyPr/>
+                    <a:lstStyle/>
+                    <a:p>
+                      <a:pPr algn="l"/>
+                      <a:r>
+                        <a:rPr lang="en-US" sz="1200" dirty="0">
+                          <a:latin typeface="DejaVu Sans Book" panose="020B0603030804020204" pitchFamily="34" charset="0"/>
+                          <a:ea typeface="DejaVu Sans Book" panose="020B0603030804020204" pitchFamily="34" charset="0"/>
+                          <a:cs typeface="DejaVu Sans Book" panose="020B0603030804020204" pitchFamily="34" charset="0"/>
+                        </a:rPr>
+                        <a:t># output</a:t>
+                      </a:r>
+                    </a:p>
+                  </a:txBody>
+                  <a:tcPr anchor="ctr"/>
+                </a:tc>
+                <a:tc>
+                  <a:txBody>
+                    <a:bodyPr/>
+                    <a:lstStyle/>
+                    <a:p>
+                      <a:pPr algn="ctr"/>
+                      <a:r>
+                        <a:rPr lang="en-US" sz="1200" dirty="0">
+                          <a:latin typeface="DejaVu Sans Book" panose="020B0603030804020204" pitchFamily="34" charset="0"/>
+                          <a:ea typeface="DejaVu Sans Book" panose="020B0603030804020204" pitchFamily="34" charset="0"/>
+                          <a:cs typeface="DejaVu Sans Book" panose="020B0603030804020204" pitchFamily="34" charset="0"/>
+                        </a:rPr>
+                        <a:t>3</a:t>
+                      </a:r>
+                    </a:p>
+                  </a:txBody>
+                  <a:tcPr anchor="ctr"/>
+                </a:tc>
+                <a:tc>
+                  <a:txBody>
+                    <a:bodyPr/>
+                    <a:lstStyle/>
+                    <a:p>
+                      <a:pPr algn="ctr"/>
+                      <a:r>
+                        <a:rPr lang="en-US" sz="1200" dirty="0">
+                          <a:latin typeface="DejaVu Sans Book" panose="020B0603030804020204" pitchFamily="34" charset="0"/>
+                          <a:ea typeface="DejaVu Sans Book" panose="020B0603030804020204" pitchFamily="34" charset="0"/>
+                          <a:cs typeface="DejaVu Sans Book" panose="020B0603030804020204" pitchFamily="34" charset="0"/>
+                        </a:rPr>
+                        <a:t>0</a:t>
+                      </a:r>
+                    </a:p>
+                  </a:txBody>
+                  <a:tcPr anchor="ctr"/>
+                </a:tc>
+                <a:extLst>
+                  <a:ext uri="{0D108BD9-81ED-4DB2-BD59-A6C34878D82A}">
+                    <a16:rowId xmlns:a16="http://schemas.microsoft.com/office/drawing/2014/main" val="2997109244"/>
+                  </a:ext>
+                </a:extLst>
+              </a:tr>
+            </a:tbl>
+          </a:graphicData>
+        </a:graphic>
+      </p:graphicFrame>
+      <p:grpSp>
+        <p:nvGrpSpPr>
+          <p:cNvPr id="41" name="Group 40">
+            <a:extLst>
+              <a:ext uri="{FF2B5EF4-FFF2-40B4-BE49-F238E27FC236}">
+                <a16:creationId xmlns:a16="http://schemas.microsoft.com/office/drawing/2014/main" id="{B6B3070D-BEC9-364E-A12F-2F6793B89043}"/>
+              </a:ext>
+            </a:extLst>
+          </p:cNvPr>
+          <p:cNvGrpSpPr/>
+          <p:nvPr/>
+        </p:nvGrpSpPr>
+        <p:grpSpPr>
+          <a:xfrm>
+            <a:off x="3120714" y="2205536"/>
+            <a:ext cx="1455666" cy="2069775"/>
+            <a:chOff x="2932672" y="2220630"/>
+            <a:chExt cx="1455666" cy="2069775"/>
+          </a:xfrm>
+        </p:grpSpPr>
+        <p:pic>
+          <p:nvPicPr>
+            <p:cNvPr id="10" name="Picture 9">
+              <a:extLst>
+                <a:ext uri="{FF2B5EF4-FFF2-40B4-BE49-F238E27FC236}">
+                  <a16:creationId xmlns:a16="http://schemas.microsoft.com/office/drawing/2014/main" id="{AE634A97-D6C5-D94A-A74B-097E269CB6AD}"/>
+                </a:ext>
+              </a:extLst>
+            </p:cNvPr>
+            <p:cNvPicPr>
+              <a:picLocks noChangeAspect="1"/>
+            </p:cNvPicPr>
+            <p:nvPr/>
+          </p:nvPicPr>
+          <p:blipFill>
+            <a:blip r:embed="rId4"/>
+            <a:stretch>
+              <a:fillRect/>
+            </a:stretch>
+          </p:blipFill>
+          <p:spPr>
+            <a:xfrm>
+              <a:off x="2932672" y="2220630"/>
+              <a:ext cx="1455666" cy="2069775"/>
+            </a:xfrm>
+            <a:prstGeom prst="rect">
+              <a:avLst/>
+            </a:prstGeom>
+          </p:spPr>
+        </p:pic>
+        <p:sp>
+          <p:nvSpPr>
+            <p:cNvPr id="21" name="TextBox 20">
+              <a:extLst>
+                <a:ext uri="{FF2B5EF4-FFF2-40B4-BE49-F238E27FC236}">
+                  <a16:creationId xmlns:a16="http://schemas.microsoft.com/office/drawing/2014/main" id="{5F9BB62B-7028-3F4F-A91C-FDB95C042732}"/>
+                </a:ext>
+              </a:extLst>
+            </p:cNvPr>
+            <p:cNvSpPr txBox="1"/>
+            <p:nvPr/>
+          </p:nvSpPr>
+          <p:spPr>
+            <a:xfrm>
+              <a:off x="3867836" y="2870348"/>
+              <a:ext cx="298480" cy="307777"/>
+            </a:xfrm>
+            <a:prstGeom prst="rect">
+              <a:avLst/>
+            </a:prstGeom>
+            <a:noFill/>
+          </p:spPr>
+          <p:txBody>
+            <a:bodyPr wrap="none" rtlCol="0">
+              <a:spAutoFit/>
+            </a:bodyPr>
+            <a:lstStyle/>
+            <a:p>
+              <a:r>
+                <a:rPr lang="en-US" sz="1400" dirty="0">
+                  <a:latin typeface="DejaVu Sans Book" panose="020B0603030804020204" pitchFamily="34" charset="0"/>
+                  <a:ea typeface="DejaVu Sans Book" panose="020B0603030804020204" pitchFamily="34" charset="0"/>
+                  <a:cs typeface="DejaVu Sans Book" panose="020B0603030804020204" pitchFamily="34" charset="0"/>
+                </a:rPr>
+                <a:t>1</a:t>
+              </a:r>
+            </a:p>
+          </p:txBody>
+        </p:sp>
+        <p:sp>
+          <p:nvSpPr>
+            <p:cNvPr id="22" name="TextBox 21">
+              <a:extLst>
+                <a:ext uri="{FF2B5EF4-FFF2-40B4-BE49-F238E27FC236}">
+                  <a16:creationId xmlns:a16="http://schemas.microsoft.com/office/drawing/2014/main" id="{85F0C2CC-F0CF-B546-9254-B69AD83A11EC}"/>
+                </a:ext>
+              </a:extLst>
+            </p:cNvPr>
+            <p:cNvSpPr txBox="1"/>
+            <p:nvPr/>
+          </p:nvSpPr>
+          <p:spPr>
+            <a:xfrm>
+              <a:off x="3160455" y="3677921"/>
+              <a:ext cx="298480" cy="307777"/>
+            </a:xfrm>
+            <a:prstGeom prst="rect">
+              <a:avLst/>
+            </a:prstGeom>
+            <a:noFill/>
+          </p:spPr>
+          <p:txBody>
+            <a:bodyPr wrap="none" rtlCol="0">
+              <a:spAutoFit/>
+            </a:bodyPr>
+            <a:lstStyle/>
+            <a:p>
+              <a:r>
+                <a:rPr lang="en-US" sz="1400" dirty="0">
+                  <a:latin typeface="DejaVu Sans Book" panose="020B0603030804020204" pitchFamily="34" charset="0"/>
+                  <a:ea typeface="DejaVu Sans Book" panose="020B0603030804020204" pitchFamily="34" charset="0"/>
+                  <a:cs typeface="DejaVu Sans Book" panose="020B0603030804020204" pitchFamily="34" charset="0"/>
+                </a:rPr>
+                <a:t>2</a:t>
+              </a:r>
+            </a:p>
+          </p:txBody>
+        </p:sp>
+      </p:grpSp>
+      <p:grpSp>
+        <p:nvGrpSpPr>
+          <p:cNvPr id="37" name="Group 36">
+            <a:extLst>
+              <a:ext uri="{FF2B5EF4-FFF2-40B4-BE49-F238E27FC236}">
+                <a16:creationId xmlns:a16="http://schemas.microsoft.com/office/drawing/2014/main" id="{A667A7BF-6F72-1249-8521-2DEC9AC2D6FE}"/>
+              </a:ext>
+            </a:extLst>
+          </p:cNvPr>
+          <p:cNvGrpSpPr/>
+          <p:nvPr/>
+        </p:nvGrpSpPr>
+        <p:grpSpPr>
+          <a:xfrm>
+            <a:off x="4811874" y="2218177"/>
+            <a:ext cx="1774890" cy="2044493"/>
+            <a:chOff x="5799915" y="3435931"/>
+            <a:chExt cx="1774890" cy="2044493"/>
+          </a:xfrm>
+        </p:grpSpPr>
+        <p:pic>
+          <p:nvPicPr>
+            <p:cNvPr id="9" name="Picture 8">
+              <a:extLst>
+                <a:ext uri="{FF2B5EF4-FFF2-40B4-BE49-F238E27FC236}">
+                  <a16:creationId xmlns:a16="http://schemas.microsoft.com/office/drawing/2014/main" id="{47E0FC05-0D76-8643-AE6E-8C8BA8101C07}"/>
+                </a:ext>
+              </a:extLst>
+            </p:cNvPr>
+            <p:cNvPicPr>
+              <a:picLocks noChangeAspect="1"/>
+            </p:cNvPicPr>
+            <p:nvPr/>
+          </p:nvPicPr>
+          <p:blipFill>
+            <a:blip r:embed="rId5"/>
+            <a:stretch>
+              <a:fillRect/>
+            </a:stretch>
+          </p:blipFill>
+          <p:spPr>
+            <a:xfrm>
+              <a:off x="5799915" y="3435931"/>
+              <a:ext cx="1774890" cy="2044493"/>
+            </a:xfrm>
+            <a:prstGeom prst="rect">
+              <a:avLst/>
+            </a:prstGeom>
+          </p:spPr>
+        </p:pic>
+        <p:sp>
+          <p:nvSpPr>
+            <p:cNvPr id="23" name="TextBox 22">
+              <a:extLst>
+                <a:ext uri="{FF2B5EF4-FFF2-40B4-BE49-F238E27FC236}">
+                  <a16:creationId xmlns:a16="http://schemas.microsoft.com/office/drawing/2014/main" id="{1348E68F-7B38-2D4E-9267-A002A27F1C39}"/>
+                </a:ext>
+              </a:extLst>
+            </p:cNvPr>
+            <p:cNvSpPr txBox="1"/>
+            <p:nvPr/>
+          </p:nvSpPr>
+          <p:spPr>
+            <a:xfrm>
+              <a:off x="6034865" y="4488270"/>
+              <a:ext cx="298480" cy="307777"/>
+            </a:xfrm>
+            <a:prstGeom prst="rect">
+              <a:avLst/>
+            </a:prstGeom>
+            <a:noFill/>
+          </p:spPr>
+          <p:txBody>
+            <a:bodyPr wrap="none" rtlCol="0">
+              <a:spAutoFit/>
+            </a:bodyPr>
+            <a:lstStyle/>
+            <a:p>
+              <a:r>
+                <a:rPr lang="en-US" sz="1400" dirty="0">
+                  <a:latin typeface="DejaVu Sans Book" panose="020B0603030804020204" pitchFamily="34" charset="0"/>
+                  <a:ea typeface="DejaVu Sans Book" panose="020B0603030804020204" pitchFamily="34" charset="0"/>
+                  <a:cs typeface="DejaVu Sans Book" panose="020B0603030804020204" pitchFamily="34" charset="0"/>
+                </a:rPr>
+                <a:t>1</a:t>
+              </a:r>
+            </a:p>
+          </p:txBody>
+        </p:sp>
+        <p:sp>
+          <p:nvSpPr>
+            <p:cNvPr id="24" name="TextBox 23">
+              <a:extLst>
+                <a:ext uri="{FF2B5EF4-FFF2-40B4-BE49-F238E27FC236}">
+                  <a16:creationId xmlns:a16="http://schemas.microsoft.com/office/drawing/2014/main" id="{30ABB8BF-E4FE-934C-95C4-271EDDB334AE}"/>
+                </a:ext>
+              </a:extLst>
+            </p:cNvPr>
+            <p:cNvSpPr txBox="1"/>
+            <p:nvPr/>
+          </p:nvSpPr>
+          <p:spPr>
+            <a:xfrm>
+              <a:off x="6732819" y="4890916"/>
+              <a:ext cx="298480" cy="307777"/>
+            </a:xfrm>
+            <a:prstGeom prst="rect">
+              <a:avLst/>
+            </a:prstGeom>
+            <a:noFill/>
+          </p:spPr>
+          <p:txBody>
+            <a:bodyPr wrap="none" rtlCol="0">
+              <a:spAutoFit/>
+            </a:bodyPr>
+            <a:lstStyle/>
+            <a:p>
+              <a:r>
+                <a:rPr lang="en-US" sz="1400" dirty="0">
+                  <a:latin typeface="DejaVu Sans Book" panose="020B0603030804020204" pitchFamily="34" charset="0"/>
+                  <a:ea typeface="DejaVu Sans Book" panose="020B0603030804020204" pitchFamily="34" charset="0"/>
+                  <a:cs typeface="DejaVu Sans Book" panose="020B0603030804020204" pitchFamily="34" charset="0"/>
+                </a:rPr>
+                <a:t>2</a:t>
+              </a:r>
+            </a:p>
+          </p:txBody>
+        </p:sp>
+      </p:grpSp>
+      <p:grpSp>
+        <p:nvGrpSpPr>
+          <p:cNvPr id="46" name="Group 45">
+            <a:extLst>
+              <a:ext uri="{FF2B5EF4-FFF2-40B4-BE49-F238E27FC236}">
+                <a16:creationId xmlns:a16="http://schemas.microsoft.com/office/drawing/2014/main" id="{694AD2EF-1414-804F-9E44-14E85793BFF3}"/>
+              </a:ext>
+            </a:extLst>
+          </p:cNvPr>
+          <p:cNvGrpSpPr/>
+          <p:nvPr/>
+        </p:nvGrpSpPr>
+        <p:grpSpPr>
+          <a:xfrm>
+            <a:off x="1281858" y="4497215"/>
+            <a:ext cx="1541463" cy="1209545"/>
+            <a:chOff x="1281858" y="4502539"/>
+            <a:chExt cx="1541463" cy="1209545"/>
+          </a:xfrm>
+        </p:grpSpPr>
+        <p:sp>
+          <p:nvSpPr>
+            <p:cNvPr id="27" name="Rectangle 26">
+              <a:extLst>
+                <a:ext uri="{FF2B5EF4-FFF2-40B4-BE49-F238E27FC236}">
+                  <a16:creationId xmlns:a16="http://schemas.microsoft.com/office/drawing/2014/main" id="{377086E5-EB77-974B-9530-FF0C0B7D13D8}"/>
+                </a:ext>
+              </a:extLst>
+            </p:cNvPr>
+            <p:cNvSpPr/>
+            <p:nvPr/>
+          </p:nvSpPr>
+          <p:spPr>
+            <a:xfrm>
+              <a:off x="1281858" y="4502539"/>
+              <a:ext cx="1541463" cy="1209545"/>
+            </a:xfrm>
+            <a:prstGeom prst="rect">
+              <a:avLst/>
+            </a:prstGeom>
+            <a:solidFill>
+              <a:schemeClr val="bg1">
+                <a:lumMod val="95000"/>
+              </a:schemeClr>
+            </a:solidFill>
+            <a:ln>
+              <a:noFill/>
+            </a:ln>
+          </p:spPr>
+          <p:style>
+            <a:lnRef idx="2">
+              <a:schemeClr val="accent1">
+                <a:shade val="50000"/>
+              </a:schemeClr>
+            </a:lnRef>
+            <a:fillRef idx="1">
+              <a:schemeClr val="accent1"/>
+            </a:fillRef>
+            <a:effectRef idx="0">
+              <a:schemeClr val="accent1"/>
+            </a:effectRef>
+            <a:fontRef idx="minor">
+              <a:schemeClr val="lt1"/>
+            </a:fontRef>
+          </p:style>
+          <p:txBody>
+            <a:bodyPr rtlCol="0" anchor="ctr"/>
+            <a:lstStyle/>
+            <a:p>
+              <a:pPr algn="ctr"/>
+              <a:endParaRPr lang="en-US" sz="1400" dirty="0">
                 <a:latin typeface="DejaVu Sans Book" panose="020B0603030804020204" pitchFamily="34" charset="0"/>
                 <a:ea typeface="DejaVu Sans Book" panose="020B0603030804020204" pitchFamily="34" charset="0"/>
                 <a:cs typeface="DejaVu Sans Book" panose="020B0603030804020204" pitchFamily="34" charset="0"/>
-              </a:rPr>
-              <a:t>Throughput</a:t>
-            </a:r>
-          </a:p>
-        </p:txBody>
-      </p:sp>
+              </a:endParaRPr>
+            </a:p>
+          </p:txBody>
+        </p:sp>
+        <p:sp>
+          <p:nvSpPr>
+            <p:cNvPr id="28" name="Oval 27">
+              <a:extLst>
+                <a:ext uri="{FF2B5EF4-FFF2-40B4-BE49-F238E27FC236}">
+                  <a16:creationId xmlns:a16="http://schemas.microsoft.com/office/drawing/2014/main" id="{40F88608-CFE8-5E44-8CF0-CD7E53D74D29}"/>
+                </a:ext>
+              </a:extLst>
+            </p:cNvPr>
+            <p:cNvSpPr/>
+            <p:nvPr/>
+          </p:nvSpPr>
+          <p:spPr>
+            <a:xfrm>
+              <a:off x="1424991" y="4766360"/>
+              <a:ext cx="217172" cy="217954"/>
+            </a:xfrm>
+            <a:prstGeom prst="ellipse">
+              <a:avLst/>
+            </a:prstGeom>
+            <a:solidFill>
+              <a:srgbClr val="3E64B8"/>
+            </a:solidFill>
+            <a:ln w="19050">
+              <a:solidFill>
+                <a:schemeClr val="tx1"/>
+              </a:solidFill>
+            </a:ln>
+          </p:spPr>
+          <p:style>
+            <a:lnRef idx="2">
+              <a:schemeClr val="accent1">
+                <a:shade val="50000"/>
+              </a:schemeClr>
+            </a:lnRef>
+            <a:fillRef idx="1">
+              <a:schemeClr val="accent1"/>
+            </a:fillRef>
+            <a:effectRef idx="0">
+              <a:schemeClr val="accent1"/>
+            </a:effectRef>
+            <a:fontRef idx="minor">
+              <a:schemeClr val="lt1"/>
+            </a:fontRef>
+          </p:style>
+          <p:txBody>
+            <a:bodyPr rot="0" spcFirstLastPara="0" vertOverflow="overflow" horzOverflow="overflow" vert="horz" wrap="square" lIns="91440" tIns="45720" rIns="91440" bIns="45720" numCol="1" spcCol="0" rtlCol="0" fromWordArt="0" anchor="ctr" anchorCtr="0" forceAA="0" compatLnSpc="1">
+              <a:prstTxWarp prst="textNoShape">
+                <a:avLst/>
+              </a:prstTxWarp>
+              <a:noAutofit/>
+            </a:bodyPr>
+            <a:lstStyle/>
+            <a:p>
+              <a:pPr algn="ctr"/>
+              <a:endParaRPr lang="en-US" sz="1400" dirty="0">
+                <a:latin typeface="DejaVu Sans Book" panose="020B0603030804020204" pitchFamily="34" charset="0"/>
+                <a:ea typeface="DejaVu Sans Book" panose="020B0603030804020204" pitchFamily="34" charset="0"/>
+                <a:cs typeface="DejaVu Sans Book" panose="020B0603030804020204" pitchFamily="34" charset="0"/>
+              </a:endParaRPr>
+            </a:p>
+          </p:txBody>
+        </p:sp>
+        <p:sp>
+          <p:nvSpPr>
+            <p:cNvPr id="29" name="TextBox 28">
+              <a:extLst>
+                <a:ext uri="{FF2B5EF4-FFF2-40B4-BE49-F238E27FC236}">
+                  <a16:creationId xmlns:a16="http://schemas.microsoft.com/office/drawing/2014/main" id="{11436420-17CC-E145-867B-EA3C256B3A90}"/>
+                </a:ext>
+              </a:extLst>
+            </p:cNvPr>
+            <p:cNvSpPr txBox="1"/>
+            <p:nvPr/>
+          </p:nvSpPr>
+          <p:spPr>
+            <a:xfrm>
+              <a:off x="1688616" y="4744532"/>
+              <a:ext cx="886781" cy="261610"/>
+            </a:xfrm>
+            <a:prstGeom prst="rect">
+              <a:avLst/>
+            </a:prstGeom>
+            <a:noFill/>
+          </p:spPr>
+          <p:txBody>
+            <a:bodyPr wrap="none" rtlCol="0">
+              <a:spAutoFit/>
+            </a:bodyPr>
+            <a:lstStyle/>
+            <a:p>
+              <a:r>
+                <a:rPr lang="en-US" sz="1100" dirty="0">
+                  <a:latin typeface="DejaVu Sans Book" panose="020B0603030804020204" pitchFamily="34" charset="0"/>
+                  <a:ea typeface="DejaVu Sans Book" panose="020B0603030804020204" pitchFamily="34" charset="0"/>
+                  <a:cs typeface="DejaVu Sans Book" panose="020B0603030804020204" pitchFamily="34" charset="0"/>
+                </a:rPr>
+                <a:t>Operation</a:t>
+              </a:r>
+            </a:p>
+          </p:txBody>
+        </p:sp>
+        <p:sp>
+          <p:nvSpPr>
+            <p:cNvPr id="30" name="Oval 29">
+              <a:extLst>
+                <a:ext uri="{FF2B5EF4-FFF2-40B4-BE49-F238E27FC236}">
+                  <a16:creationId xmlns:a16="http://schemas.microsoft.com/office/drawing/2014/main" id="{52F6C447-0212-5740-B8F3-93F123551CD6}"/>
+                </a:ext>
+              </a:extLst>
+            </p:cNvPr>
+            <p:cNvSpPr/>
+            <p:nvPr/>
+          </p:nvSpPr>
+          <p:spPr>
+            <a:xfrm>
+              <a:off x="1424991" y="5192480"/>
+              <a:ext cx="217172" cy="217954"/>
+            </a:xfrm>
+            <a:prstGeom prst="ellipse">
+              <a:avLst/>
+            </a:prstGeom>
+            <a:solidFill>
+              <a:schemeClr val="accent4"/>
+            </a:solidFill>
+            <a:ln w="19050">
+              <a:solidFill>
+                <a:schemeClr val="tx1"/>
+              </a:solidFill>
+            </a:ln>
+          </p:spPr>
+          <p:style>
+            <a:lnRef idx="2">
+              <a:schemeClr val="accent1">
+                <a:shade val="50000"/>
+              </a:schemeClr>
+            </a:lnRef>
+            <a:fillRef idx="1">
+              <a:schemeClr val="accent1"/>
+            </a:fillRef>
+            <a:effectRef idx="0">
+              <a:schemeClr val="accent1"/>
+            </a:effectRef>
+            <a:fontRef idx="minor">
+              <a:schemeClr val="lt1"/>
+            </a:fontRef>
+          </p:style>
+          <p:txBody>
+            <a:bodyPr rot="0" spcFirstLastPara="0" vertOverflow="overflow" horzOverflow="overflow" vert="horz" wrap="square" lIns="91440" tIns="45720" rIns="91440" bIns="45720" numCol="1" spcCol="0" rtlCol="0" fromWordArt="0" anchor="ctr" anchorCtr="0" forceAA="0" compatLnSpc="1">
+              <a:prstTxWarp prst="textNoShape">
+                <a:avLst/>
+              </a:prstTxWarp>
+              <a:noAutofit/>
+            </a:bodyPr>
+            <a:lstStyle/>
+            <a:p>
+              <a:pPr algn="ctr"/>
+              <a:endParaRPr lang="en-US" sz="1400" dirty="0">
+                <a:latin typeface="DejaVu Sans Book" panose="020B0603030804020204" pitchFamily="34" charset="0"/>
+                <a:ea typeface="DejaVu Sans Book" panose="020B0603030804020204" pitchFamily="34" charset="0"/>
+                <a:cs typeface="DejaVu Sans Book" panose="020B0603030804020204" pitchFamily="34" charset="0"/>
+              </a:endParaRPr>
+            </a:p>
+          </p:txBody>
+        </p:sp>
+        <p:sp>
+          <p:nvSpPr>
+            <p:cNvPr id="31" name="TextBox 30">
+              <a:extLst>
+                <a:ext uri="{FF2B5EF4-FFF2-40B4-BE49-F238E27FC236}">
+                  <a16:creationId xmlns:a16="http://schemas.microsoft.com/office/drawing/2014/main" id="{38E9170B-5181-694E-A76D-E321E4B9FCD5}"/>
+                </a:ext>
+              </a:extLst>
+            </p:cNvPr>
+            <p:cNvSpPr txBox="1"/>
+            <p:nvPr/>
+          </p:nvSpPr>
+          <p:spPr>
+            <a:xfrm>
+              <a:off x="1688616" y="5086014"/>
+              <a:ext cx="1134705" cy="430887"/>
+            </a:xfrm>
+            <a:prstGeom prst="rect">
+              <a:avLst/>
+            </a:prstGeom>
+            <a:noFill/>
+          </p:spPr>
+          <p:txBody>
+            <a:bodyPr wrap="square" rtlCol="0">
+              <a:spAutoFit/>
+            </a:bodyPr>
+            <a:lstStyle/>
+            <a:p>
+              <a:r>
+                <a:rPr lang="en-US" sz="1100" dirty="0">
+                  <a:latin typeface="DejaVu Sans Book" panose="020B0603030804020204" pitchFamily="34" charset="0"/>
+                  <a:ea typeface="DejaVu Sans Book" panose="020B0603030804020204" pitchFamily="34" charset="0"/>
+                  <a:cs typeface="DejaVu Sans Book" panose="020B0603030804020204" pitchFamily="34" charset="0"/>
+                </a:rPr>
+                <a:t>Operation with live-outs</a:t>
+              </a:r>
+            </a:p>
+          </p:txBody>
+        </p:sp>
+      </p:grpSp>
+      <p:grpSp>
+        <p:nvGrpSpPr>
+          <p:cNvPr id="45" name="Group 44">
+            <a:extLst>
+              <a:ext uri="{FF2B5EF4-FFF2-40B4-BE49-F238E27FC236}">
+                <a16:creationId xmlns:a16="http://schemas.microsoft.com/office/drawing/2014/main" id="{BF69FA93-FBE2-2C4D-83F4-827496B8BDDB}"/>
+              </a:ext>
+            </a:extLst>
+          </p:cNvPr>
+          <p:cNvGrpSpPr/>
+          <p:nvPr/>
+        </p:nvGrpSpPr>
+        <p:grpSpPr>
+          <a:xfrm>
+            <a:off x="6858542" y="2237872"/>
+            <a:ext cx="1443233" cy="2005102"/>
+            <a:chOff x="6766907" y="2196877"/>
+            <a:chExt cx="1443233" cy="2005102"/>
+          </a:xfrm>
+        </p:grpSpPr>
+        <p:pic>
+          <p:nvPicPr>
+            <p:cNvPr id="25" name="Picture 24">
+              <a:extLst>
+                <a:ext uri="{FF2B5EF4-FFF2-40B4-BE49-F238E27FC236}">
+                  <a16:creationId xmlns:a16="http://schemas.microsoft.com/office/drawing/2014/main" id="{B5A6F7DC-4181-0347-AF61-D9A393A94E38}"/>
+                </a:ext>
+              </a:extLst>
+            </p:cNvPr>
+            <p:cNvPicPr>
+              <a:picLocks noChangeAspect="1"/>
+            </p:cNvPicPr>
+            <p:nvPr/>
+          </p:nvPicPr>
+          <p:blipFill>
+            <a:blip r:embed="rId6"/>
+            <a:stretch>
+              <a:fillRect/>
+            </a:stretch>
+          </p:blipFill>
+          <p:spPr>
+            <a:xfrm>
+              <a:off x="6766907" y="2196877"/>
+              <a:ext cx="1443233" cy="2005102"/>
+            </a:xfrm>
+            <a:prstGeom prst="rect">
+              <a:avLst/>
+            </a:prstGeom>
+          </p:spPr>
+        </p:pic>
+        <p:sp>
+          <p:nvSpPr>
+            <p:cNvPr id="32" name="TextBox 31">
+              <a:extLst>
+                <a:ext uri="{FF2B5EF4-FFF2-40B4-BE49-F238E27FC236}">
+                  <a16:creationId xmlns:a16="http://schemas.microsoft.com/office/drawing/2014/main" id="{E238A36B-DE72-B144-B4CE-99E3D761F2CD}"/>
+                </a:ext>
+              </a:extLst>
+            </p:cNvPr>
+            <p:cNvSpPr txBox="1"/>
+            <p:nvPr/>
+          </p:nvSpPr>
+          <p:spPr>
+            <a:xfrm>
+              <a:off x="7016720" y="3642197"/>
+              <a:ext cx="298480" cy="307777"/>
+            </a:xfrm>
+            <a:prstGeom prst="rect">
+              <a:avLst/>
+            </a:prstGeom>
+            <a:noFill/>
+          </p:spPr>
+          <p:txBody>
+            <a:bodyPr wrap="none" rtlCol="0">
+              <a:spAutoFit/>
+            </a:bodyPr>
+            <a:lstStyle/>
+            <a:p>
+              <a:r>
+                <a:rPr lang="en-US" sz="1400" dirty="0">
+                  <a:latin typeface="DejaVu Sans Book" panose="020B0603030804020204" pitchFamily="34" charset="0"/>
+                  <a:ea typeface="DejaVu Sans Book" panose="020B0603030804020204" pitchFamily="34" charset="0"/>
+                  <a:cs typeface="DejaVu Sans Book" panose="020B0603030804020204" pitchFamily="34" charset="0"/>
+                </a:rPr>
+                <a:t>1</a:t>
+              </a:r>
+            </a:p>
+          </p:txBody>
+        </p:sp>
+        <p:sp>
+          <p:nvSpPr>
+            <p:cNvPr id="33" name="TextBox 32">
+              <a:extLst>
+                <a:ext uri="{FF2B5EF4-FFF2-40B4-BE49-F238E27FC236}">
+                  <a16:creationId xmlns:a16="http://schemas.microsoft.com/office/drawing/2014/main" id="{B74D6B99-F733-044A-8D9F-E3B456A2433F}"/>
+                </a:ext>
+              </a:extLst>
+            </p:cNvPr>
+            <p:cNvSpPr txBox="1"/>
+            <p:nvPr/>
+          </p:nvSpPr>
+          <p:spPr>
+            <a:xfrm>
+              <a:off x="7906564" y="2402404"/>
+              <a:ext cx="298480" cy="307777"/>
+            </a:xfrm>
+            <a:prstGeom prst="rect">
+              <a:avLst/>
+            </a:prstGeom>
+            <a:noFill/>
+          </p:spPr>
+          <p:txBody>
+            <a:bodyPr wrap="none" rtlCol="0">
+              <a:spAutoFit/>
+            </a:bodyPr>
+            <a:lstStyle/>
+            <a:p>
+              <a:r>
+                <a:rPr lang="en-US" sz="1400" dirty="0">
+                  <a:latin typeface="DejaVu Sans Book" panose="020B0603030804020204" pitchFamily="34" charset="0"/>
+                  <a:ea typeface="DejaVu Sans Book" panose="020B0603030804020204" pitchFamily="34" charset="0"/>
+                  <a:cs typeface="DejaVu Sans Book" panose="020B0603030804020204" pitchFamily="34" charset="0"/>
+                </a:rPr>
+                <a:t>2</a:t>
+              </a:r>
+            </a:p>
+          </p:txBody>
+        </p:sp>
+      </p:grpSp>
+      <p:grpSp>
+        <p:nvGrpSpPr>
+          <p:cNvPr id="43" name="Group 42">
+            <a:extLst>
+              <a:ext uri="{FF2B5EF4-FFF2-40B4-BE49-F238E27FC236}">
+                <a16:creationId xmlns:a16="http://schemas.microsoft.com/office/drawing/2014/main" id="{8E710F50-1E5B-6445-8033-65451B0A0FC9}"/>
+              </a:ext>
+            </a:extLst>
+          </p:cNvPr>
+          <p:cNvGrpSpPr/>
+          <p:nvPr/>
+        </p:nvGrpSpPr>
+        <p:grpSpPr>
+          <a:xfrm>
+            <a:off x="4829123" y="4004753"/>
+            <a:ext cx="1854697" cy="423998"/>
+            <a:chOff x="4940786" y="4042452"/>
+            <a:chExt cx="1854697" cy="423998"/>
+          </a:xfrm>
+        </p:grpSpPr>
+        <p:sp>
+          <p:nvSpPr>
+            <p:cNvPr id="14" name="TextBox 13">
+              <a:extLst>
+                <a:ext uri="{FF2B5EF4-FFF2-40B4-BE49-F238E27FC236}">
+                  <a16:creationId xmlns:a16="http://schemas.microsoft.com/office/drawing/2014/main" id="{D71FCC6F-F025-8745-81FD-7909E835C100}"/>
+                </a:ext>
+              </a:extLst>
+            </p:cNvPr>
+            <p:cNvSpPr txBox="1"/>
+            <p:nvPr/>
+          </p:nvSpPr>
+          <p:spPr>
+            <a:xfrm>
+              <a:off x="4940786" y="4100563"/>
+              <a:ext cx="1088760" cy="307777"/>
+            </a:xfrm>
+            <a:prstGeom prst="rect">
+              <a:avLst/>
+            </a:prstGeom>
+            <a:noFill/>
+          </p:spPr>
+          <p:txBody>
+            <a:bodyPr wrap="none" rtlCol="0">
+              <a:spAutoFit/>
+            </a:bodyPr>
+            <a:lstStyle/>
+            <a:p>
+              <a:r>
+                <a:rPr lang="en-US" sz="1400" dirty="0">
+                  <a:latin typeface="DejaVu Sans Book" panose="020B0603030804020204" pitchFamily="34" charset="0"/>
+                  <a:ea typeface="DejaVu Sans Book" panose="020B0603030804020204" pitchFamily="34" charset="0"/>
+                  <a:cs typeface="DejaVu Sans Book" panose="020B0603030804020204" pitchFamily="34" charset="0"/>
+                </a:rPr>
+                <a:t>Solution 2</a:t>
+              </a:r>
+            </a:p>
+          </p:txBody>
+        </p:sp>
+        <p:pic>
+          <p:nvPicPr>
+            <p:cNvPr id="17" name="Picture 16">
+              <a:extLst>
+                <a:ext uri="{FF2B5EF4-FFF2-40B4-BE49-F238E27FC236}">
+                  <a16:creationId xmlns:a16="http://schemas.microsoft.com/office/drawing/2014/main" id="{EA78A10A-1D2F-7B45-8F84-0699EEBBBF4D}"/>
+                </a:ext>
+              </a:extLst>
+            </p:cNvPr>
+            <p:cNvPicPr>
+              <a:picLocks noChangeAspect="1"/>
+            </p:cNvPicPr>
+            <p:nvPr/>
+          </p:nvPicPr>
+          <p:blipFill rotWithShape="1">
+            <a:blip r:embed="rId3"/>
+            <a:srcRect l="50441" b="10568"/>
+            <a:stretch/>
+          </p:blipFill>
+          <p:spPr>
+            <a:xfrm>
+              <a:off x="6001455" y="4042452"/>
+              <a:ext cx="424603" cy="423998"/>
+            </a:xfrm>
+            <a:prstGeom prst="rect">
+              <a:avLst/>
+            </a:prstGeom>
+          </p:spPr>
+        </p:pic>
+        <p:pic>
+          <p:nvPicPr>
+            <p:cNvPr id="35" name="Picture 34">
+              <a:extLst>
+                <a:ext uri="{FF2B5EF4-FFF2-40B4-BE49-F238E27FC236}">
+                  <a16:creationId xmlns:a16="http://schemas.microsoft.com/office/drawing/2014/main" id="{0B8A61A7-D69C-DC48-98F6-376740DC4D59}"/>
+                </a:ext>
+              </a:extLst>
+            </p:cNvPr>
+            <p:cNvPicPr>
+              <a:picLocks noChangeAspect="1"/>
+            </p:cNvPicPr>
+            <p:nvPr/>
+          </p:nvPicPr>
+          <p:blipFill rotWithShape="1">
+            <a:blip r:embed="rId7"/>
+            <a:srcRect l="22866" t="16796" r="22091" b="23043"/>
+            <a:stretch/>
+          </p:blipFill>
+          <p:spPr>
+            <a:xfrm>
+              <a:off x="6426543" y="4052828"/>
+              <a:ext cx="368940" cy="403247"/>
+            </a:xfrm>
+            <a:prstGeom prst="rect">
+              <a:avLst/>
+            </a:prstGeom>
+          </p:spPr>
+        </p:pic>
+      </p:grpSp>
+      <p:graphicFrame>
+        <p:nvGraphicFramePr>
+          <p:cNvPr id="39" name="Table 38">
+            <a:extLst>
+              <a:ext uri="{FF2B5EF4-FFF2-40B4-BE49-F238E27FC236}">
+                <a16:creationId xmlns:a16="http://schemas.microsoft.com/office/drawing/2014/main" id="{1A3935D4-5CA3-AA4A-815F-9C9320468F3E}"/>
+              </a:ext>
+            </a:extLst>
+          </p:cNvPr>
+          <p:cNvGraphicFramePr>
+            <a:graphicFrameLocks noGrp="1"/>
+          </p:cNvGraphicFramePr>
+          <p:nvPr>
+            <p:extLst>
+              <p:ext uri="{D42A27DB-BD31-4B8C-83A1-F6EECF244321}">
+                <p14:modId xmlns:p14="http://schemas.microsoft.com/office/powerpoint/2010/main" val="2547770362"/>
+              </p:ext>
+            </p:extLst>
+          </p:nvPr>
+        </p:nvGraphicFramePr>
+        <p:xfrm>
+          <a:off x="6751262" y="4497215"/>
+          <a:ext cx="1657793" cy="1209545"/>
+        </p:xfrm>
+        <a:graphic>
+          <a:graphicData uri="http://schemas.openxmlformats.org/drawingml/2006/table">
+            <a:tbl>
+              <a:tblPr firstRow="1" bandRow="1">
+                <a:tableStyleId>{69012ECD-51FC-41F1-AA8D-1B2483CD663E}</a:tableStyleId>
+              </a:tblPr>
+              <a:tblGrid>
+                <a:gridCol w="1020484">
+                  <a:extLst>
+                    <a:ext uri="{9D8B030D-6E8A-4147-A177-3AD203B41FA5}">
+                      <a16:colId xmlns:a16="http://schemas.microsoft.com/office/drawing/2014/main" val="3556458628"/>
+                    </a:ext>
+                  </a:extLst>
+                </a:gridCol>
+                <a:gridCol w="323272">
+                  <a:extLst>
+                    <a:ext uri="{9D8B030D-6E8A-4147-A177-3AD203B41FA5}">
+                      <a16:colId xmlns:a16="http://schemas.microsoft.com/office/drawing/2014/main" val="3675362686"/>
+                    </a:ext>
+                  </a:extLst>
+                </a:gridCol>
+                <a:gridCol w="314037">
+                  <a:extLst>
+                    <a:ext uri="{9D8B030D-6E8A-4147-A177-3AD203B41FA5}">
+                      <a16:colId xmlns:a16="http://schemas.microsoft.com/office/drawing/2014/main" val="1771754153"/>
+                    </a:ext>
+                  </a:extLst>
+                </a:gridCol>
+              </a:tblGrid>
+              <a:tr h="370840">
+                <a:tc>
+                  <a:txBody>
+                    <a:bodyPr/>
+                    <a:lstStyle/>
+                    <a:p>
+                      <a:pPr algn="l"/>
+                      <a:r>
+                        <a:rPr lang="en-US" sz="1200" dirty="0">
+                          <a:latin typeface="DejaVu Sans Book" panose="020B0603030804020204" pitchFamily="34" charset="0"/>
+                          <a:ea typeface="DejaVu Sans Book" panose="020B0603030804020204" pitchFamily="34" charset="0"/>
+                          <a:cs typeface="DejaVu Sans Book" panose="020B0603030804020204" pitchFamily="34" charset="0"/>
+                        </a:rPr>
+                        <a:t>Partition</a:t>
+                      </a:r>
+                    </a:p>
+                  </a:txBody>
+                  <a:tcPr anchor="ctr"/>
+                </a:tc>
+                <a:tc>
+                  <a:txBody>
+                    <a:bodyPr/>
+                    <a:lstStyle/>
+                    <a:p>
+                      <a:pPr algn="ctr"/>
+                      <a:r>
+                        <a:rPr lang="en-US" sz="1200" dirty="0">
+                          <a:latin typeface="DejaVu Sans Book" panose="020B0603030804020204" pitchFamily="34" charset="0"/>
+                          <a:ea typeface="DejaVu Sans Book" panose="020B0603030804020204" pitchFamily="34" charset="0"/>
+                          <a:cs typeface="DejaVu Sans Book" panose="020B0603030804020204" pitchFamily="34" charset="0"/>
+                        </a:rPr>
+                        <a:t>1</a:t>
+                      </a:r>
+                    </a:p>
+                  </a:txBody>
+                  <a:tcPr anchor="ctr"/>
+                </a:tc>
+                <a:tc>
+                  <a:txBody>
+                    <a:bodyPr/>
+                    <a:lstStyle/>
+                    <a:p>
+                      <a:pPr algn="ctr"/>
+                      <a:r>
+                        <a:rPr lang="en-US" sz="1200" dirty="0">
+                          <a:latin typeface="DejaVu Sans Book" panose="020B0603030804020204" pitchFamily="34" charset="0"/>
+                          <a:ea typeface="DejaVu Sans Book" panose="020B0603030804020204" pitchFamily="34" charset="0"/>
+                          <a:cs typeface="DejaVu Sans Book" panose="020B0603030804020204" pitchFamily="34" charset="0"/>
+                        </a:rPr>
+                        <a:t>2</a:t>
+                      </a:r>
+                    </a:p>
+                  </a:txBody>
+                  <a:tcPr anchor="ctr"/>
+                </a:tc>
+                <a:extLst>
+                  <a:ext uri="{0D108BD9-81ED-4DB2-BD59-A6C34878D82A}">
+                    <a16:rowId xmlns:a16="http://schemas.microsoft.com/office/drawing/2014/main" val="3110749884"/>
+                  </a:ext>
+                </a:extLst>
+              </a:tr>
+              <a:tr h="290065">
+                <a:tc>
+                  <a:txBody>
+                    <a:bodyPr/>
+                    <a:lstStyle/>
+                    <a:p>
+                      <a:pPr algn="l"/>
+                      <a:r>
+                        <a:rPr lang="en-US" sz="1200" dirty="0">
+                          <a:latin typeface="DejaVu Sans Book" panose="020B0603030804020204" pitchFamily="34" charset="0"/>
+                          <a:ea typeface="DejaVu Sans Book" panose="020B0603030804020204" pitchFamily="34" charset="0"/>
+                          <a:cs typeface="DejaVu Sans Book" panose="020B0603030804020204" pitchFamily="34" charset="0"/>
+                        </a:rPr>
+                        <a:t># op</a:t>
+                      </a:r>
+                    </a:p>
+                  </a:txBody>
+                  <a:tcPr anchor="ctr"/>
+                </a:tc>
+                <a:tc>
+                  <a:txBody>
+                    <a:bodyPr/>
+                    <a:lstStyle/>
+                    <a:p>
+                      <a:pPr algn="ctr"/>
+                      <a:r>
+                        <a:rPr lang="en-US" sz="1200" dirty="0">
+                          <a:latin typeface="DejaVu Sans Book" panose="020B0603030804020204" pitchFamily="34" charset="0"/>
+                          <a:ea typeface="DejaVu Sans Book" panose="020B0603030804020204" pitchFamily="34" charset="0"/>
+                          <a:cs typeface="DejaVu Sans Book" panose="020B0603030804020204" pitchFamily="34" charset="0"/>
+                        </a:rPr>
+                        <a:t>6</a:t>
+                      </a:r>
+                    </a:p>
+                  </a:txBody>
+                  <a:tcPr anchor="ctr"/>
+                </a:tc>
+                <a:tc>
+                  <a:txBody>
+                    <a:bodyPr/>
+                    <a:lstStyle/>
+                    <a:p>
+                      <a:pPr algn="ctr"/>
+                      <a:r>
+                        <a:rPr lang="en-US" sz="1200" dirty="0">
+                          <a:latin typeface="DejaVu Sans Book" panose="020B0603030804020204" pitchFamily="34" charset="0"/>
+                          <a:ea typeface="DejaVu Sans Book" panose="020B0603030804020204" pitchFamily="34" charset="0"/>
+                          <a:cs typeface="DejaVu Sans Book" panose="020B0603030804020204" pitchFamily="34" charset="0"/>
+                        </a:rPr>
+                        <a:t>2</a:t>
+                      </a:r>
+                    </a:p>
+                  </a:txBody>
+                  <a:tcPr anchor="ctr"/>
+                </a:tc>
+                <a:extLst>
+                  <a:ext uri="{0D108BD9-81ED-4DB2-BD59-A6C34878D82A}">
+                    <a16:rowId xmlns:a16="http://schemas.microsoft.com/office/drawing/2014/main" val="2757371965"/>
+                  </a:ext>
+                </a:extLst>
+              </a:tr>
+              <a:tr h="250349">
+                <a:tc>
+                  <a:txBody>
+                    <a:bodyPr/>
+                    <a:lstStyle/>
+                    <a:p>
+                      <a:pPr algn="l"/>
+                      <a:r>
+                        <a:rPr lang="en-US" sz="1200" dirty="0">
+                          <a:latin typeface="DejaVu Sans Book" panose="020B0603030804020204" pitchFamily="34" charset="0"/>
+                          <a:ea typeface="DejaVu Sans Book" panose="020B0603030804020204" pitchFamily="34" charset="0"/>
+                          <a:cs typeface="DejaVu Sans Book" panose="020B0603030804020204" pitchFamily="34" charset="0"/>
+                        </a:rPr>
+                        <a:t># input</a:t>
+                      </a:r>
+                    </a:p>
+                  </a:txBody>
+                  <a:tcPr anchor="ctr"/>
+                </a:tc>
+                <a:tc>
+                  <a:txBody>
+                    <a:bodyPr/>
+                    <a:lstStyle/>
+                    <a:p>
+                      <a:pPr algn="ctr"/>
+                      <a:r>
+                        <a:rPr lang="en-US" sz="1200" dirty="0">
+                          <a:latin typeface="DejaVu Sans Book" panose="020B0603030804020204" pitchFamily="34" charset="0"/>
+                          <a:ea typeface="DejaVu Sans Book" panose="020B0603030804020204" pitchFamily="34" charset="0"/>
+                          <a:cs typeface="DejaVu Sans Book" panose="020B0603030804020204" pitchFamily="34" charset="0"/>
+                        </a:rPr>
+                        <a:t>2</a:t>
+                      </a:r>
+                    </a:p>
+                  </a:txBody>
+                  <a:tcPr anchor="ctr"/>
+                </a:tc>
+                <a:tc>
+                  <a:txBody>
+                    <a:bodyPr/>
+                    <a:lstStyle/>
+                    <a:p>
+                      <a:pPr algn="ctr"/>
+                      <a:r>
+                        <a:rPr lang="en-US" sz="1200" dirty="0">
+                          <a:latin typeface="DejaVu Sans Book" panose="020B0603030804020204" pitchFamily="34" charset="0"/>
+                          <a:ea typeface="DejaVu Sans Book" panose="020B0603030804020204" pitchFamily="34" charset="0"/>
+                          <a:cs typeface="DejaVu Sans Book" panose="020B0603030804020204" pitchFamily="34" charset="0"/>
+                        </a:rPr>
+                        <a:t>1</a:t>
+                      </a:r>
+                    </a:p>
+                  </a:txBody>
+                  <a:tcPr anchor="ctr"/>
+                </a:tc>
+                <a:extLst>
+                  <a:ext uri="{0D108BD9-81ED-4DB2-BD59-A6C34878D82A}">
+                    <a16:rowId xmlns:a16="http://schemas.microsoft.com/office/drawing/2014/main" val="3291625495"/>
+                  </a:ext>
+                </a:extLst>
+              </a:tr>
+              <a:tr h="210633">
+                <a:tc>
+                  <a:txBody>
+                    <a:bodyPr/>
+                    <a:lstStyle/>
+                    <a:p>
+                      <a:pPr algn="l"/>
+                      <a:r>
+                        <a:rPr lang="en-US" sz="1200" dirty="0">
+                          <a:latin typeface="DejaVu Sans Book" panose="020B0603030804020204" pitchFamily="34" charset="0"/>
+                          <a:ea typeface="DejaVu Sans Book" panose="020B0603030804020204" pitchFamily="34" charset="0"/>
+                          <a:cs typeface="DejaVu Sans Book" panose="020B0603030804020204" pitchFamily="34" charset="0"/>
+                        </a:rPr>
+                        <a:t># output</a:t>
+                      </a:r>
+                    </a:p>
+                  </a:txBody>
+                  <a:tcPr anchor="ctr"/>
+                </a:tc>
+                <a:tc>
+                  <a:txBody>
+                    <a:bodyPr/>
+                    <a:lstStyle/>
+                    <a:p>
+                      <a:pPr algn="ctr"/>
+                      <a:r>
+                        <a:rPr lang="en-US" sz="1200" dirty="0">
+                          <a:latin typeface="DejaVu Sans Book" panose="020B0603030804020204" pitchFamily="34" charset="0"/>
+                          <a:ea typeface="DejaVu Sans Book" panose="020B0603030804020204" pitchFamily="34" charset="0"/>
+                          <a:cs typeface="DejaVu Sans Book" panose="020B0603030804020204" pitchFamily="34" charset="0"/>
+                        </a:rPr>
+                        <a:t>1</a:t>
+                      </a:r>
+                    </a:p>
+                  </a:txBody>
+                  <a:tcPr anchor="ctr"/>
+                </a:tc>
+                <a:tc>
+                  <a:txBody>
+                    <a:bodyPr/>
+                    <a:lstStyle/>
+                    <a:p>
+                      <a:pPr algn="ctr"/>
+                      <a:r>
+                        <a:rPr lang="en-US" sz="1200" dirty="0">
+                          <a:latin typeface="DejaVu Sans Book" panose="020B0603030804020204" pitchFamily="34" charset="0"/>
+                          <a:ea typeface="DejaVu Sans Book" panose="020B0603030804020204" pitchFamily="34" charset="0"/>
+                          <a:cs typeface="DejaVu Sans Book" panose="020B0603030804020204" pitchFamily="34" charset="0"/>
+                        </a:rPr>
+                        <a:t>2</a:t>
+                      </a:r>
+                    </a:p>
+                  </a:txBody>
+                  <a:tcPr anchor="ctr"/>
+                </a:tc>
+                <a:extLst>
+                  <a:ext uri="{0D108BD9-81ED-4DB2-BD59-A6C34878D82A}">
+                    <a16:rowId xmlns:a16="http://schemas.microsoft.com/office/drawing/2014/main" val="2997109244"/>
+                  </a:ext>
+                </a:extLst>
+              </a:tr>
+            </a:tbl>
+          </a:graphicData>
+        </a:graphic>
+      </p:graphicFrame>
+      <p:grpSp>
+        <p:nvGrpSpPr>
+          <p:cNvPr id="42" name="Group 41">
+            <a:extLst>
+              <a:ext uri="{FF2B5EF4-FFF2-40B4-BE49-F238E27FC236}">
+                <a16:creationId xmlns:a16="http://schemas.microsoft.com/office/drawing/2014/main" id="{F115CF7F-E4F4-D340-961F-99E1EC2225CB}"/>
+              </a:ext>
+            </a:extLst>
+          </p:cNvPr>
+          <p:cNvGrpSpPr/>
+          <p:nvPr/>
+        </p:nvGrpSpPr>
+        <p:grpSpPr>
+          <a:xfrm>
+            <a:off x="3118552" y="4003603"/>
+            <a:ext cx="1459991" cy="426299"/>
+            <a:chOff x="3116125" y="3929569"/>
+            <a:chExt cx="1459991" cy="426299"/>
+          </a:xfrm>
+        </p:grpSpPr>
+        <p:pic>
+          <p:nvPicPr>
+            <p:cNvPr id="16" name="Picture 15">
+              <a:extLst>
+                <a:ext uri="{FF2B5EF4-FFF2-40B4-BE49-F238E27FC236}">
+                  <a16:creationId xmlns:a16="http://schemas.microsoft.com/office/drawing/2014/main" id="{2CEC3880-36F2-AB4B-9A73-041E07308793}"/>
+                </a:ext>
+              </a:extLst>
+            </p:cNvPr>
+            <p:cNvPicPr>
+              <a:picLocks noChangeAspect="1"/>
+            </p:cNvPicPr>
+            <p:nvPr/>
+          </p:nvPicPr>
+          <p:blipFill rotWithShape="1">
+            <a:blip r:embed="rId3"/>
+            <a:srcRect l="50441" b="10568"/>
+            <a:stretch/>
+          </p:blipFill>
+          <p:spPr>
+            <a:xfrm>
+              <a:off x="4149208" y="3929569"/>
+              <a:ext cx="426908" cy="426299"/>
+            </a:xfrm>
+            <a:prstGeom prst="rect">
+              <a:avLst/>
+            </a:prstGeom>
+          </p:spPr>
+        </p:pic>
+        <p:sp>
+          <p:nvSpPr>
+            <p:cNvPr id="13" name="TextBox 12">
+              <a:extLst>
+                <a:ext uri="{FF2B5EF4-FFF2-40B4-BE49-F238E27FC236}">
+                  <a16:creationId xmlns:a16="http://schemas.microsoft.com/office/drawing/2014/main" id="{E00AE3D1-4D28-4447-979F-D57E5C708C02}"/>
+                </a:ext>
+              </a:extLst>
+            </p:cNvPr>
+            <p:cNvSpPr txBox="1"/>
+            <p:nvPr/>
+          </p:nvSpPr>
+          <p:spPr>
+            <a:xfrm>
+              <a:off x="3116125" y="3988830"/>
+              <a:ext cx="1088760" cy="307777"/>
+            </a:xfrm>
+            <a:prstGeom prst="rect">
+              <a:avLst/>
+            </a:prstGeom>
+            <a:noFill/>
+          </p:spPr>
+          <p:txBody>
+            <a:bodyPr wrap="none" rtlCol="0">
+              <a:spAutoFit/>
+            </a:bodyPr>
+            <a:lstStyle/>
+            <a:p>
+              <a:r>
+                <a:rPr lang="en-US" sz="1400" dirty="0">
+                  <a:latin typeface="DejaVu Sans Book" panose="020B0603030804020204" pitchFamily="34" charset="0"/>
+                  <a:ea typeface="DejaVu Sans Book" panose="020B0603030804020204" pitchFamily="34" charset="0"/>
+                  <a:cs typeface="DejaVu Sans Book" panose="020B0603030804020204" pitchFamily="34" charset="0"/>
+                </a:rPr>
+                <a:t>Solution 1</a:t>
+              </a:r>
+            </a:p>
+          </p:txBody>
+        </p:sp>
+      </p:grpSp>
     </p:spTree>
     <p:extLst>
       <p:ext uri="{BB962C8B-B14F-4D97-AF65-F5344CB8AC3E}">
@@ -12276,6 +14121,3159 @@
   <p:clrMapOvr>
     <a:masterClrMapping/>
   </p:clrMapOvr>
+  <p:timing>
+    <p:tnLst>
+      <p:par>
+        <p:cTn id="1" dur="indefinite" restart="never" nodeType="tmRoot">
+          <p:childTnLst>
+            <p:seq concurrent="1" nextAc="seek">
+              <p:cTn id="2" dur="indefinite" nodeType="mainSeq">
+                <p:childTnLst>
+                  <p:par>
+                    <p:cTn id="3" fill="hold">
+                      <p:stCondLst>
+                        <p:cond delay="indefinite"/>
+                        <p:cond evt="onBegin" delay="0">
+                          <p:tn val="2"/>
+                        </p:cond>
+                      </p:stCondLst>
+                      <p:childTnLst>
+                        <p:par>
+                          <p:cTn id="4" fill="hold">
+                            <p:stCondLst>
+                              <p:cond delay="0"/>
+                            </p:stCondLst>
+                            <p:childTnLst>
+                              <p:par>
+                                <p:cTn id="5" presetID="1" presetClass="entr" presetSubtype="0" fill="hold" nodeType="withEffect">
+                                  <p:stCondLst>
+                                    <p:cond delay="0"/>
+                                  </p:stCondLst>
+                                  <p:childTnLst>
+                                    <p:set>
+                                      <p:cBhvr>
+                                        <p:cTn id="6" dur="1" fill="hold">
+                                          <p:stCondLst>
+                                            <p:cond delay="0"/>
+                                          </p:stCondLst>
+                                        </p:cTn>
+                                        <p:tgtEl>
+                                          <p:spTgt spid="19"/>
+                                        </p:tgtEl>
+                                        <p:attrNameLst>
+                                          <p:attrName>style.visibility</p:attrName>
+                                        </p:attrNameLst>
+                                      </p:cBhvr>
+                                      <p:to>
+                                        <p:strVal val="visible"/>
+                                      </p:to>
+                                    </p:set>
+                                  </p:childTnLst>
+                                </p:cTn>
+                              </p:par>
+                              <p:par>
+                                <p:cTn id="7" presetID="1" presetClass="entr" presetSubtype="0" fill="hold" nodeType="withEffect">
+                                  <p:stCondLst>
+                                    <p:cond delay="0"/>
+                                  </p:stCondLst>
+                                  <p:childTnLst>
+                                    <p:set>
+                                      <p:cBhvr>
+                                        <p:cTn id="8" dur="1" fill="hold">
+                                          <p:stCondLst>
+                                            <p:cond delay="0"/>
+                                          </p:stCondLst>
+                                        </p:cTn>
+                                        <p:tgtEl>
+                                          <p:spTgt spid="20"/>
+                                        </p:tgtEl>
+                                        <p:attrNameLst>
+                                          <p:attrName>style.visibility</p:attrName>
+                                        </p:attrNameLst>
+                                      </p:cBhvr>
+                                      <p:to>
+                                        <p:strVal val="visible"/>
+                                      </p:to>
+                                    </p:set>
+                                  </p:childTnLst>
+                                </p:cTn>
+                              </p:par>
+                              <p:par>
+                                <p:cTn id="9" presetID="1" presetClass="entr" presetSubtype="0" fill="hold" nodeType="withEffect">
+                                  <p:stCondLst>
+                                    <p:cond delay="0"/>
+                                  </p:stCondLst>
+                                  <p:childTnLst>
+                                    <p:set>
+                                      <p:cBhvr>
+                                        <p:cTn id="10" dur="1" fill="hold">
+                                          <p:stCondLst>
+                                            <p:cond delay="0"/>
+                                          </p:stCondLst>
+                                        </p:cTn>
+                                        <p:tgtEl>
+                                          <p:spTgt spid="39"/>
+                                        </p:tgtEl>
+                                        <p:attrNameLst>
+                                          <p:attrName>style.visibility</p:attrName>
+                                        </p:attrNameLst>
+                                      </p:cBhvr>
+                                      <p:to>
+                                        <p:strVal val="visible"/>
+                                      </p:to>
+                                    </p:set>
+                                  </p:childTnLst>
+                                </p:cTn>
+                              </p:par>
+                            </p:childTnLst>
+                          </p:cTn>
+                        </p:par>
+                      </p:childTnLst>
+                    </p:cTn>
+                  </p:par>
+                </p:childTnLst>
+              </p:cTn>
+              <p:prevCondLst>
+                <p:cond evt="onPrev" delay="0">
+                  <p:tgtEl>
+                    <p:sldTgt/>
+                  </p:tgtEl>
+                </p:cond>
+              </p:prevCondLst>
+              <p:nextCondLst>
+                <p:cond evt="onNext" delay="0">
+                  <p:tgtEl>
+                    <p:sldTgt/>
+                  </p:tgtEl>
+                </p:cond>
+              </p:nextCondLst>
+            </p:seq>
+          </p:childTnLst>
+        </p:cTn>
+      </p:par>
+    </p:tnLst>
+  </p:timing>
+</p:sld>
+</file>
+
+<file path=ppt/slides/slide5.xml><?xml version="1.0" encoding="utf-8"?>
+<p:sld xmlns:a="http://schemas.openxmlformats.org/drawingml/2006/main" xmlns:r="http://schemas.openxmlformats.org/officeDocument/2006/relationships" xmlns:p="http://schemas.openxmlformats.org/presentationml/2006/main">
+  <p:cSld>
+    <p:spTree>
+      <p:nvGrpSpPr>
+        <p:cNvPr id="1" name=""/>
+        <p:cNvGrpSpPr/>
+        <p:nvPr/>
+      </p:nvGrpSpPr>
+      <p:grpSpPr>
+        <a:xfrm>
+          <a:off x="0" y="0"/>
+          <a:ext cx="0" cy="0"/>
+          <a:chOff x="0" y="0"/>
+          <a:chExt cx="0" cy="0"/>
+        </a:xfrm>
+      </p:grpSpPr>
+      <p:sp>
+        <p:nvSpPr>
+          <p:cNvPr id="4" name="Rounded Rectangle 3">
+            <a:extLst>
+              <a:ext uri="{FF2B5EF4-FFF2-40B4-BE49-F238E27FC236}">
+                <a16:creationId xmlns:a16="http://schemas.microsoft.com/office/drawing/2014/main" id="{89E9A79D-A1EC-8640-96A3-87DCC6099DE9}"/>
+              </a:ext>
+            </a:extLst>
+          </p:cNvPr>
+          <p:cNvSpPr/>
+          <p:nvPr/>
+        </p:nvSpPr>
+        <p:spPr>
+          <a:xfrm>
+            <a:off x="455275" y="1848387"/>
+            <a:ext cx="3423106" cy="652032"/>
+          </a:xfrm>
+          <a:prstGeom prst="roundRect">
+            <a:avLst/>
+          </a:prstGeom>
+          <a:solidFill>
+            <a:srgbClr val="444E86"/>
+          </a:solidFill>
+          <a:ln>
+            <a:noFill/>
+          </a:ln>
+        </p:spPr>
+        <p:style>
+          <a:lnRef idx="2">
+            <a:schemeClr val="accent1">
+              <a:shade val="50000"/>
+            </a:schemeClr>
+          </a:lnRef>
+          <a:fillRef idx="1">
+            <a:schemeClr val="accent1"/>
+          </a:fillRef>
+          <a:effectRef idx="0">
+            <a:schemeClr val="accent1"/>
+          </a:effectRef>
+          <a:fontRef idx="minor">
+            <a:schemeClr val="lt1"/>
+          </a:fontRef>
+        </p:style>
+        <p:txBody>
+          <a:bodyPr rot="0" spcFirstLastPara="0" vertOverflow="overflow" horzOverflow="overflow" vert="horz" wrap="square" lIns="91440" tIns="45720" rIns="91440" bIns="45720" numCol="1" spcCol="0" rtlCol="0" fromWordArt="0" anchor="ctr" anchorCtr="0" forceAA="0" compatLnSpc="1">
+            <a:prstTxWarp prst="textNoShape">
+              <a:avLst/>
+            </a:prstTxWarp>
+            <a:noAutofit/>
+          </a:bodyPr>
+          <a:lstStyle/>
+          <a:p>
+            <a:pPr algn="ctr"/>
+            <a:r>
+              <a:rPr lang="en-US" b="1" dirty="0">
+                <a:latin typeface="DejaVu Sans Book" panose="020B0603030804020204" pitchFamily="34" charset="0"/>
+                <a:ea typeface="DejaVu Sans Book" panose="020B0603030804020204" pitchFamily="34" charset="0"/>
+                <a:cs typeface="DejaVu Sans Book" panose="020B0603030804020204" pitchFamily="34" charset="0"/>
+              </a:rPr>
+              <a:t>Spatial</a:t>
+            </a:r>
+          </a:p>
+        </p:txBody>
+      </p:sp>
+      <p:sp>
+        <p:nvSpPr>
+          <p:cNvPr id="5" name="Rounded Rectangle 4">
+            <a:extLst>
+              <a:ext uri="{FF2B5EF4-FFF2-40B4-BE49-F238E27FC236}">
+                <a16:creationId xmlns:a16="http://schemas.microsoft.com/office/drawing/2014/main" id="{C8B7B411-2282-B744-AF70-04849C960800}"/>
+              </a:ext>
+            </a:extLst>
+          </p:cNvPr>
+          <p:cNvSpPr/>
+          <p:nvPr/>
+        </p:nvSpPr>
+        <p:spPr>
+          <a:xfrm>
+            <a:off x="2276175" y="4077589"/>
+            <a:ext cx="1602206" cy="672974"/>
+          </a:xfrm>
+          <a:prstGeom prst="roundRect">
+            <a:avLst/>
+          </a:prstGeom>
+          <a:solidFill>
+            <a:srgbClr val="444E86"/>
+          </a:solidFill>
+          <a:ln>
+            <a:noFill/>
+          </a:ln>
+        </p:spPr>
+        <p:style>
+          <a:lnRef idx="2">
+            <a:schemeClr val="accent1">
+              <a:shade val="50000"/>
+            </a:schemeClr>
+          </a:lnRef>
+          <a:fillRef idx="1">
+            <a:schemeClr val="accent1"/>
+          </a:fillRef>
+          <a:effectRef idx="0">
+            <a:schemeClr val="accent1"/>
+          </a:effectRef>
+          <a:fontRef idx="minor">
+            <a:schemeClr val="lt1"/>
+          </a:fontRef>
+        </p:style>
+        <p:txBody>
+          <a:bodyPr rot="0" spcFirstLastPara="0" vertOverflow="overflow" horzOverflow="overflow" vert="horz" wrap="square" lIns="91440" tIns="45720" rIns="91440" bIns="45720" numCol="1" spcCol="0" rtlCol="0" fromWordArt="0" anchor="ctr" anchorCtr="0" forceAA="0" compatLnSpc="1">
+            <a:prstTxWarp prst="textNoShape">
+              <a:avLst/>
+            </a:prstTxWarp>
+            <a:noAutofit/>
+          </a:bodyPr>
+          <a:lstStyle/>
+          <a:p>
+            <a:pPr algn="ctr"/>
+            <a:r>
+              <a:rPr lang="en-US" sz="1400" b="1" dirty="0">
+                <a:latin typeface="DejaVu Sans Book" panose="020B0603030804020204" pitchFamily="34" charset="0"/>
+                <a:ea typeface="DejaVu Sans Book" panose="020B0603030804020204" pitchFamily="34" charset="0"/>
+                <a:cs typeface="DejaVu Sans Book" panose="020B0603030804020204" pitchFamily="34" charset="0"/>
+              </a:rPr>
+              <a:t>Placement and Routing</a:t>
+            </a:r>
+          </a:p>
+        </p:txBody>
+      </p:sp>
+      <p:sp>
+        <p:nvSpPr>
+          <p:cNvPr id="6" name="Rounded Rectangle 5">
+            <a:extLst>
+              <a:ext uri="{FF2B5EF4-FFF2-40B4-BE49-F238E27FC236}">
+                <a16:creationId xmlns:a16="http://schemas.microsoft.com/office/drawing/2014/main" id="{E544456F-702F-4442-B121-4EFD2E2E2D70}"/>
+              </a:ext>
+            </a:extLst>
+          </p:cNvPr>
+          <p:cNvSpPr/>
+          <p:nvPr/>
+        </p:nvSpPr>
+        <p:spPr>
+          <a:xfrm>
+            <a:off x="2276175" y="5202661"/>
+            <a:ext cx="1602207" cy="672975"/>
+          </a:xfrm>
+          <a:prstGeom prst="roundRect">
+            <a:avLst/>
+          </a:prstGeom>
+          <a:solidFill>
+            <a:srgbClr val="444E86"/>
+          </a:solidFill>
+          <a:ln>
+            <a:noFill/>
+          </a:ln>
+        </p:spPr>
+        <p:style>
+          <a:lnRef idx="2">
+            <a:schemeClr val="accent1">
+              <a:shade val="50000"/>
+            </a:schemeClr>
+          </a:lnRef>
+          <a:fillRef idx="1">
+            <a:schemeClr val="accent1"/>
+          </a:fillRef>
+          <a:effectRef idx="0">
+            <a:schemeClr val="accent1"/>
+          </a:effectRef>
+          <a:fontRef idx="minor">
+            <a:schemeClr val="lt1"/>
+          </a:fontRef>
+        </p:style>
+        <p:txBody>
+          <a:bodyPr rot="0" spcFirstLastPara="0" vertOverflow="overflow" horzOverflow="overflow" vert="horz" wrap="square" lIns="91440" tIns="45720" rIns="91440" bIns="45720" numCol="1" spcCol="0" rtlCol="0" fromWordArt="0" anchor="ctr" anchorCtr="0" forceAA="0" compatLnSpc="1">
+            <a:prstTxWarp prst="textNoShape">
+              <a:avLst/>
+            </a:prstTxWarp>
+            <a:noAutofit/>
+          </a:bodyPr>
+          <a:lstStyle/>
+          <a:p>
+            <a:pPr algn="ctr"/>
+            <a:r>
+              <a:rPr lang="en-US" sz="1400" b="1" dirty="0">
+                <a:latin typeface="DejaVu Sans Book" panose="020B0603030804020204" pitchFamily="34" charset="0"/>
+                <a:ea typeface="DejaVu Sans Book" panose="020B0603030804020204" pitchFamily="34" charset="0"/>
+                <a:cs typeface="DejaVu Sans Book" panose="020B0603030804020204" pitchFamily="34" charset="0"/>
+              </a:rPr>
+              <a:t>Plasticine</a:t>
+            </a:r>
+          </a:p>
+          <a:p>
+            <a:pPr algn="ctr"/>
+            <a:r>
+              <a:rPr lang="en-US" sz="1400" b="1" dirty="0">
+                <a:latin typeface="DejaVu Sans Book" panose="020B0603030804020204" pitchFamily="34" charset="0"/>
+                <a:ea typeface="DejaVu Sans Book" panose="020B0603030804020204" pitchFamily="34" charset="0"/>
+                <a:cs typeface="DejaVu Sans Book" panose="020B0603030804020204" pitchFamily="34" charset="0"/>
+              </a:rPr>
+              <a:t>(Simulation)</a:t>
+            </a:r>
+          </a:p>
+        </p:txBody>
+      </p:sp>
+      <p:sp>
+        <p:nvSpPr>
+          <p:cNvPr id="7" name="Down Arrow 6">
+            <a:extLst>
+              <a:ext uri="{FF2B5EF4-FFF2-40B4-BE49-F238E27FC236}">
+                <a16:creationId xmlns:a16="http://schemas.microsoft.com/office/drawing/2014/main" id="{6F59BF9B-362F-6B49-A354-7FB90483A9AC}"/>
+              </a:ext>
+            </a:extLst>
+          </p:cNvPr>
+          <p:cNvSpPr/>
+          <p:nvPr/>
+        </p:nvSpPr>
+        <p:spPr>
+          <a:xfrm>
+            <a:off x="2780500" y="3714340"/>
+            <a:ext cx="593557" cy="292872"/>
+          </a:xfrm>
+          <a:prstGeom prst="downArrow">
+            <a:avLst>
+              <a:gd name="adj1" fmla="val 60425"/>
+              <a:gd name="adj2" fmla="val 66263"/>
+            </a:avLst>
+          </a:prstGeom>
+          <a:solidFill>
+            <a:schemeClr val="bg2">
+              <a:lumMod val="90000"/>
+            </a:schemeClr>
+          </a:solidFill>
+          <a:ln>
+            <a:noFill/>
+          </a:ln>
+        </p:spPr>
+        <p:style>
+          <a:lnRef idx="2">
+            <a:schemeClr val="accent1">
+              <a:shade val="50000"/>
+            </a:schemeClr>
+          </a:lnRef>
+          <a:fillRef idx="1">
+            <a:schemeClr val="accent1"/>
+          </a:fillRef>
+          <a:effectRef idx="0">
+            <a:schemeClr val="accent1"/>
+          </a:effectRef>
+          <a:fontRef idx="minor">
+            <a:schemeClr val="lt1"/>
+          </a:fontRef>
+        </p:style>
+        <p:txBody>
+          <a:bodyPr rtlCol="0" anchor="ctr"/>
+          <a:lstStyle/>
+          <a:p>
+            <a:pPr algn="ctr"/>
+            <a:endParaRPr lang="en-US" sz="1600">
+              <a:latin typeface="DejaVu Sans Book" panose="020B0603030804020204" pitchFamily="34" charset="0"/>
+              <a:ea typeface="DejaVu Sans Book" panose="020B0603030804020204" pitchFamily="34" charset="0"/>
+              <a:cs typeface="DejaVu Sans Book" panose="020B0603030804020204" pitchFamily="34" charset="0"/>
+            </a:endParaRPr>
+          </a:p>
+        </p:txBody>
+      </p:sp>
+      <p:sp>
+        <p:nvSpPr>
+          <p:cNvPr id="8" name="Down Arrow 7">
+            <a:extLst>
+              <a:ext uri="{FF2B5EF4-FFF2-40B4-BE49-F238E27FC236}">
+                <a16:creationId xmlns:a16="http://schemas.microsoft.com/office/drawing/2014/main" id="{4B4D91A1-C8F7-DC46-8C5A-3426A44A0E9B}"/>
+              </a:ext>
+            </a:extLst>
+          </p:cNvPr>
+          <p:cNvSpPr/>
+          <p:nvPr/>
+        </p:nvSpPr>
+        <p:spPr>
+          <a:xfrm>
+            <a:off x="2780500" y="4857884"/>
+            <a:ext cx="593557" cy="292872"/>
+          </a:xfrm>
+          <a:prstGeom prst="downArrow">
+            <a:avLst>
+              <a:gd name="adj1" fmla="val 60425"/>
+              <a:gd name="adj2" fmla="val 66263"/>
+            </a:avLst>
+          </a:prstGeom>
+          <a:solidFill>
+            <a:schemeClr val="bg2">
+              <a:lumMod val="90000"/>
+            </a:schemeClr>
+          </a:solidFill>
+          <a:ln>
+            <a:noFill/>
+          </a:ln>
+        </p:spPr>
+        <p:style>
+          <a:lnRef idx="2">
+            <a:schemeClr val="accent1">
+              <a:shade val="50000"/>
+            </a:schemeClr>
+          </a:lnRef>
+          <a:fillRef idx="1">
+            <a:schemeClr val="accent1"/>
+          </a:fillRef>
+          <a:effectRef idx="0">
+            <a:schemeClr val="accent1"/>
+          </a:effectRef>
+          <a:fontRef idx="minor">
+            <a:schemeClr val="lt1"/>
+          </a:fontRef>
+        </p:style>
+        <p:txBody>
+          <a:bodyPr rtlCol="0" anchor="ctr"/>
+          <a:lstStyle/>
+          <a:p>
+            <a:pPr algn="ctr"/>
+            <a:endParaRPr lang="en-US" sz="1600">
+              <a:latin typeface="DejaVu Sans Book" panose="020B0603030804020204" pitchFamily="34" charset="0"/>
+              <a:ea typeface="DejaVu Sans Book" panose="020B0603030804020204" pitchFamily="34" charset="0"/>
+              <a:cs typeface="DejaVu Sans Book" panose="020B0603030804020204" pitchFamily="34" charset="0"/>
+            </a:endParaRPr>
+          </a:p>
+        </p:txBody>
+      </p:sp>
+      <p:sp>
+        <p:nvSpPr>
+          <p:cNvPr id="10" name="Rounded Rectangle 9">
+            <a:extLst>
+              <a:ext uri="{FF2B5EF4-FFF2-40B4-BE49-F238E27FC236}">
+                <a16:creationId xmlns:a16="http://schemas.microsoft.com/office/drawing/2014/main" id="{9FF3E953-461F-3D40-AEDB-D0D5771B4AE4}"/>
+              </a:ext>
+            </a:extLst>
+          </p:cNvPr>
+          <p:cNvSpPr/>
+          <p:nvPr/>
+        </p:nvSpPr>
+        <p:spPr>
+          <a:xfrm>
+            <a:off x="437957" y="5203396"/>
+            <a:ext cx="1602206" cy="672974"/>
+          </a:xfrm>
+          <a:prstGeom prst="roundRect">
+            <a:avLst/>
+          </a:prstGeom>
+          <a:solidFill>
+            <a:srgbClr val="444E86"/>
+          </a:solidFill>
+          <a:ln>
+            <a:noFill/>
+          </a:ln>
+        </p:spPr>
+        <p:style>
+          <a:lnRef idx="2">
+            <a:schemeClr val="accent1">
+              <a:shade val="50000"/>
+            </a:schemeClr>
+          </a:lnRef>
+          <a:fillRef idx="1">
+            <a:schemeClr val="accent1"/>
+          </a:fillRef>
+          <a:effectRef idx="0">
+            <a:schemeClr val="accent1"/>
+          </a:effectRef>
+          <a:fontRef idx="minor">
+            <a:schemeClr val="lt1"/>
+          </a:fontRef>
+        </p:style>
+        <p:txBody>
+          <a:bodyPr rot="0" spcFirstLastPara="0" vertOverflow="overflow" horzOverflow="overflow" vert="horz" wrap="square" lIns="91440" tIns="45720" rIns="91440" bIns="45720" numCol="1" spcCol="0" rtlCol="0" fromWordArt="0" anchor="ctr" anchorCtr="0" forceAA="0" compatLnSpc="1">
+            <a:prstTxWarp prst="textNoShape">
+              <a:avLst/>
+            </a:prstTxWarp>
+            <a:noAutofit/>
+          </a:bodyPr>
+          <a:lstStyle/>
+          <a:p>
+            <a:pPr algn="ctr"/>
+            <a:r>
+              <a:rPr lang="en-US" b="1" dirty="0">
+                <a:latin typeface="DejaVu Sans Book" panose="020B0603030804020204" pitchFamily="34" charset="0"/>
+                <a:ea typeface="DejaVu Sans Book" panose="020B0603030804020204" pitchFamily="34" charset="0"/>
+                <a:cs typeface="DejaVu Sans Book" panose="020B0603030804020204" pitchFamily="34" charset="0"/>
+              </a:rPr>
+              <a:t>FPGA</a:t>
+            </a:r>
+          </a:p>
+        </p:txBody>
+      </p:sp>
+      <p:sp>
+        <p:nvSpPr>
+          <p:cNvPr id="11" name="Down Arrow 10">
+            <a:extLst>
+              <a:ext uri="{FF2B5EF4-FFF2-40B4-BE49-F238E27FC236}">
+                <a16:creationId xmlns:a16="http://schemas.microsoft.com/office/drawing/2014/main" id="{1A82E7F0-9EC5-7F42-AAF8-3C9E6908C303}"/>
+              </a:ext>
+            </a:extLst>
+          </p:cNvPr>
+          <p:cNvSpPr/>
+          <p:nvPr/>
+        </p:nvSpPr>
+        <p:spPr>
+          <a:xfrm>
+            <a:off x="942282" y="4858495"/>
+            <a:ext cx="593557" cy="292872"/>
+          </a:xfrm>
+          <a:prstGeom prst="downArrow">
+            <a:avLst>
+              <a:gd name="adj1" fmla="val 60425"/>
+              <a:gd name="adj2" fmla="val 66263"/>
+            </a:avLst>
+          </a:prstGeom>
+          <a:solidFill>
+            <a:schemeClr val="bg2">
+              <a:lumMod val="90000"/>
+            </a:schemeClr>
+          </a:solidFill>
+          <a:ln>
+            <a:noFill/>
+          </a:ln>
+        </p:spPr>
+        <p:style>
+          <a:lnRef idx="2">
+            <a:schemeClr val="accent1">
+              <a:shade val="50000"/>
+            </a:schemeClr>
+          </a:lnRef>
+          <a:fillRef idx="1">
+            <a:schemeClr val="accent1"/>
+          </a:fillRef>
+          <a:effectRef idx="0">
+            <a:schemeClr val="accent1"/>
+          </a:effectRef>
+          <a:fontRef idx="minor">
+            <a:schemeClr val="lt1"/>
+          </a:fontRef>
+        </p:style>
+        <p:txBody>
+          <a:bodyPr rtlCol="0" anchor="ctr"/>
+          <a:lstStyle/>
+          <a:p>
+            <a:pPr algn="ctr"/>
+            <a:endParaRPr lang="en-US" sz="1600">
+              <a:latin typeface="DejaVu Sans Book" panose="020B0603030804020204" pitchFamily="34" charset="0"/>
+              <a:ea typeface="DejaVu Sans Book" panose="020B0603030804020204" pitchFamily="34" charset="0"/>
+              <a:cs typeface="DejaVu Sans Book" panose="020B0603030804020204" pitchFamily="34" charset="0"/>
+            </a:endParaRPr>
+          </a:p>
+        </p:txBody>
+      </p:sp>
+      <p:sp>
+        <p:nvSpPr>
+          <p:cNvPr id="13" name="Rounded Rectangle 12">
+            <a:extLst>
+              <a:ext uri="{FF2B5EF4-FFF2-40B4-BE49-F238E27FC236}">
+                <a16:creationId xmlns:a16="http://schemas.microsoft.com/office/drawing/2014/main" id="{962A2535-ED6D-374B-9029-5272D0CCEEA5}"/>
+              </a:ext>
+            </a:extLst>
+          </p:cNvPr>
+          <p:cNvSpPr/>
+          <p:nvPr/>
+        </p:nvSpPr>
+        <p:spPr>
+          <a:xfrm>
+            <a:off x="437957" y="4078078"/>
+            <a:ext cx="1602206" cy="672974"/>
+          </a:xfrm>
+          <a:prstGeom prst="roundRect">
+            <a:avLst/>
+          </a:prstGeom>
+          <a:solidFill>
+            <a:srgbClr val="444E86"/>
+          </a:solidFill>
+          <a:ln>
+            <a:noFill/>
+          </a:ln>
+        </p:spPr>
+        <p:style>
+          <a:lnRef idx="2">
+            <a:schemeClr val="accent1">
+              <a:shade val="50000"/>
+            </a:schemeClr>
+          </a:lnRef>
+          <a:fillRef idx="1">
+            <a:schemeClr val="accent1"/>
+          </a:fillRef>
+          <a:effectRef idx="0">
+            <a:schemeClr val="accent1"/>
+          </a:effectRef>
+          <a:fontRef idx="minor">
+            <a:schemeClr val="lt1"/>
+          </a:fontRef>
+        </p:style>
+        <p:txBody>
+          <a:bodyPr rot="0" spcFirstLastPara="0" vertOverflow="overflow" horzOverflow="overflow" vert="horz" wrap="square" lIns="91440" tIns="45720" rIns="91440" bIns="45720" numCol="1" spcCol="0" rtlCol="0" fromWordArt="0" anchor="ctr" anchorCtr="0" forceAA="0" compatLnSpc="1">
+            <a:prstTxWarp prst="textNoShape">
+              <a:avLst/>
+            </a:prstTxWarp>
+            <a:noAutofit/>
+          </a:bodyPr>
+          <a:lstStyle/>
+          <a:p>
+            <a:pPr algn="ctr"/>
+            <a:r>
+              <a:rPr lang="en-US" sz="1400" b="1" dirty="0">
+                <a:latin typeface="DejaVu Sans Book" panose="020B0603030804020204" pitchFamily="34" charset="0"/>
+                <a:ea typeface="DejaVu Sans Book" panose="020B0603030804020204" pitchFamily="34" charset="0"/>
+                <a:cs typeface="DejaVu Sans Book" panose="020B0603030804020204" pitchFamily="34" charset="0"/>
+              </a:rPr>
+              <a:t>Placement and Routing</a:t>
+            </a:r>
+          </a:p>
+        </p:txBody>
+      </p:sp>
+      <p:sp>
+        <p:nvSpPr>
+          <p:cNvPr id="14" name="Down Arrow 13">
+            <a:extLst>
+              <a:ext uri="{FF2B5EF4-FFF2-40B4-BE49-F238E27FC236}">
+                <a16:creationId xmlns:a16="http://schemas.microsoft.com/office/drawing/2014/main" id="{12A0F01F-638A-C640-B31B-B93F7CF91BFE}"/>
+              </a:ext>
+            </a:extLst>
+          </p:cNvPr>
+          <p:cNvSpPr/>
+          <p:nvPr/>
+        </p:nvSpPr>
+        <p:spPr>
+          <a:xfrm>
+            <a:off x="942282" y="3714707"/>
+            <a:ext cx="593557" cy="292872"/>
+          </a:xfrm>
+          <a:prstGeom prst="downArrow">
+            <a:avLst>
+              <a:gd name="adj1" fmla="val 60425"/>
+              <a:gd name="adj2" fmla="val 66263"/>
+            </a:avLst>
+          </a:prstGeom>
+          <a:solidFill>
+            <a:schemeClr val="bg2">
+              <a:lumMod val="90000"/>
+            </a:schemeClr>
+          </a:solidFill>
+          <a:ln>
+            <a:noFill/>
+          </a:ln>
+        </p:spPr>
+        <p:style>
+          <a:lnRef idx="2">
+            <a:schemeClr val="accent1">
+              <a:shade val="50000"/>
+            </a:schemeClr>
+          </a:lnRef>
+          <a:fillRef idx="1">
+            <a:schemeClr val="accent1"/>
+          </a:fillRef>
+          <a:effectRef idx="0">
+            <a:schemeClr val="accent1"/>
+          </a:effectRef>
+          <a:fontRef idx="minor">
+            <a:schemeClr val="lt1"/>
+          </a:fontRef>
+        </p:style>
+        <p:txBody>
+          <a:bodyPr rtlCol="0" anchor="ctr"/>
+          <a:lstStyle/>
+          <a:p>
+            <a:pPr algn="ctr"/>
+            <a:endParaRPr lang="en-US" sz="1600">
+              <a:latin typeface="DejaVu Sans Book" panose="020B0603030804020204" pitchFamily="34" charset="0"/>
+              <a:ea typeface="DejaVu Sans Book" panose="020B0603030804020204" pitchFamily="34" charset="0"/>
+              <a:cs typeface="DejaVu Sans Book" panose="020B0603030804020204" pitchFamily="34" charset="0"/>
+            </a:endParaRPr>
+          </a:p>
+        </p:txBody>
+      </p:sp>
+      <p:sp>
+        <p:nvSpPr>
+          <p:cNvPr id="16" name="Rounded Rectangle 15">
+            <a:extLst>
+              <a:ext uri="{FF2B5EF4-FFF2-40B4-BE49-F238E27FC236}">
+                <a16:creationId xmlns:a16="http://schemas.microsoft.com/office/drawing/2014/main" id="{A17A08FD-0C48-8045-A950-96BF27FACC63}"/>
+              </a:ext>
+            </a:extLst>
+          </p:cNvPr>
+          <p:cNvSpPr/>
+          <p:nvPr/>
+        </p:nvSpPr>
+        <p:spPr>
+          <a:xfrm>
+            <a:off x="2276175" y="2934045"/>
+            <a:ext cx="1602206" cy="672974"/>
+          </a:xfrm>
+          <a:prstGeom prst="roundRect">
+            <a:avLst/>
+          </a:prstGeom>
+          <a:solidFill>
+            <a:srgbClr val="FF6D54"/>
+          </a:solidFill>
+          <a:ln>
+            <a:noFill/>
+          </a:ln>
+        </p:spPr>
+        <p:style>
+          <a:lnRef idx="2">
+            <a:schemeClr val="accent1">
+              <a:shade val="50000"/>
+            </a:schemeClr>
+          </a:lnRef>
+          <a:fillRef idx="1">
+            <a:schemeClr val="accent1"/>
+          </a:fillRef>
+          <a:effectRef idx="0">
+            <a:schemeClr val="accent1"/>
+          </a:effectRef>
+          <a:fontRef idx="minor">
+            <a:schemeClr val="lt1"/>
+          </a:fontRef>
+        </p:style>
+        <p:txBody>
+          <a:bodyPr rtlCol="0" anchor="ctr"/>
+          <a:lstStyle/>
+          <a:p>
+            <a:pPr algn="ctr"/>
+            <a:r>
+              <a:rPr lang="en-US" b="1" dirty="0">
+                <a:solidFill>
+                  <a:schemeClr val="bg1"/>
+                </a:solidFill>
+                <a:latin typeface="DejaVu Sans Book" panose="020B0603030804020204" pitchFamily="34" charset="0"/>
+                <a:ea typeface="DejaVu Sans Book" panose="020B0603030804020204" pitchFamily="34" charset="0"/>
+                <a:cs typeface="DejaVu Sans Book" panose="020B0603030804020204" pitchFamily="34" charset="0"/>
+              </a:rPr>
+              <a:t>SARA</a:t>
+            </a:r>
+          </a:p>
+        </p:txBody>
+      </p:sp>
+      <p:sp>
+        <p:nvSpPr>
+          <p:cNvPr id="17" name="Down Arrow 16">
+            <a:extLst>
+              <a:ext uri="{FF2B5EF4-FFF2-40B4-BE49-F238E27FC236}">
+                <a16:creationId xmlns:a16="http://schemas.microsoft.com/office/drawing/2014/main" id="{E7CD639A-ACCC-FE4A-9BD7-1DCF6AE2D4D5}"/>
+              </a:ext>
+            </a:extLst>
+          </p:cNvPr>
+          <p:cNvSpPr/>
+          <p:nvPr/>
+        </p:nvSpPr>
+        <p:spPr>
+          <a:xfrm>
+            <a:off x="2780500" y="2607740"/>
+            <a:ext cx="593557" cy="292872"/>
+          </a:xfrm>
+          <a:prstGeom prst="downArrow">
+            <a:avLst>
+              <a:gd name="adj1" fmla="val 60425"/>
+              <a:gd name="adj2" fmla="val 66263"/>
+            </a:avLst>
+          </a:prstGeom>
+          <a:solidFill>
+            <a:schemeClr val="bg2">
+              <a:lumMod val="90000"/>
+            </a:schemeClr>
+          </a:solidFill>
+          <a:ln>
+            <a:noFill/>
+          </a:ln>
+        </p:spPr>
+        <p:style>
+          <a:lnRef idx="2">
+            <a:schemeClr val="accent1">
+              <a:shade val="50000"/>
+            </a:schemeClr>
+          </a:lnRef>
+          <a:fillRef idx="1">
+            <a:schemeClr val="accent1"/>
+          </a:fillRef>
+          <a:effectRef idx="0">
+            <a:schemeClr val="accent1"/>
+          </a:effectRef>
+          <a:fontRef idx="minor">
+            <a:schemeClr val="lt1"/>
+          </a:fontRef>
+        </p:style>
+        <p:txBody>
+          <a:bodyPr rtlCol="0" anchor="ctr"/>
+          <a:lstStyle/>
+          <a:p>
+            <a:pPr algn="ctr"/>
+            <a:endParaRPr lang="en-US" sz="1600" dirty="0">
+              <a:latin typeface="DejaVu Sans Book" panose="020B0603030804020204" pitchFamily="34" charset="0"/>
+              <a:ea typeface="DejaVu Sans Book" panose="020B0603030804020204" pitchFamily="34" charset="0"/>
+              <a:cs typeface="DejaVu Sans Book" panose="020B0603030804020204" pitchFamily="34" charset="0"/>
+            </a:endParaRPr>
+          </a:p>
+        </p:txBody>
+      </p:sp>
+      <p:sp>
+        <p:nvSpPr>
+          <p:cNvPr id="18" name="TextBox 17">
+            <a:extLst>
+              <a:ext uri="{FF2B5EF4-FFF2-40B4-BE49-F238E27FC236}">
+                <a16:creationId xmlns:a16="http://schemas.microsoft.com/office/drawing/2014/main" id="{F02B46B6-DC86-2547-AE6D-1B2F29F3B81B}"/>
+              </a:ext>
+            </a:extLst>
+          </p:cNvPr>
+          <p:cNvSpPr txBox="1"/>
+          <p:nvPr/>
+        </p:nvSpPr>
+        <p:spPr>
+          <a:xfrm>
+            <a:off x="3374057" y="2541831"/>
+            <a:ext cx="471604" cy="307777"/>
+          </a:xfrm>
+          <a:prstGeom prst="rect">
+            <a:avLst/>
+          </a:prstGeom>
+          <a:noFill/>
+        </p:spPr>
+        <p:txBody>
+          <a:bodyPr wrap="none" rtlCol="0">
+            <a:spAutoFit/>
+          </a:bodyPr>
+          <a:lstStyle/>
+          <a:p>
+            <a:r>
+              <a:rPr lang="en-US" sz="1400" dirty="0">
+                <a:latin typeface="DejaVu Sans Book" panose="020B0603030804020204" pitchFamily="34" charset="0"/>
+                <a:ea typeface="DejaVu Sans Book" panose="020B0603030804020204" pitchFamily="34" charset="0"/>
+                <a:cs typeface="DejaVu Sans Book" panose="020B0603030804020204" pitchFamily="34" charset="0"/>
+              </a:rPr>
+              <a:t>PIR</a:t>
+            </a:r>
+          </a:p>
+        </p:txBody>
+      </p:sp>
+      <p:sp>
+        <p:nvSpPr>
+          <p:cNvPr id="20" name="Down Arrow 19">
+            <a:extLst>
+              <a:ext uri="{FF2B5EF4-FFF2-40B4-BE49-F238E27FC236}">
+                <a16:creationId xmlns:a16="http://schemas.microsoft.com/office/drawing/2014/main" id="{B18DC31A-95AC-9748-B724-2DA16B44BB4E}"/>
+              </a:ext>
+            </a:extLst>
+          </p:cNvPr>
+          <p:cNvSpPr/>
+          <p:nvPr/>
+        </p:nvSpPr>
+        <p:spPr>
+          <a:xfrm>
+            <a:off x="942282" y="2607863"/>
+            <a:ext cx="593557" cy="292872"/>
+          </a:xfrm>
+          <a:prstGeom prst="downArrow">
+            <a:avLst>
+              <a:gd name="adj1" fmla="val 60425"/>
+              <a:gd name="adj2" fmla="val 66263"/>
+            </a:avLst>
+          </a:prstGeom>
+          <a:solidFill>
+            <a:schemeClr val="bg2">
+              <a:lumMod val="90000"/>
+            </a:schemeClr>
+          </a:solidFill>
+          <a:ln>
+            <a:noFill/>
+          </a:ln>
+        </p:spPr>
+        <p:style>
+          <a:lnRef idx="2">
+            <a:schemeClr val="accent1">
+              <a:shade val="50000"/>
+            </a:schemeClr>
+          </a:lnRef>
+          <a:fillRef idx="1">
+            <a:schemeClr val="accent1"/>
+          </a:fillRef>
+          <a:effectRef idx="0">
+            <a:schemeClr val="accent1"/>
+          </a:effectRef>
+          <a:fontRef idx="minor">
+            <a:schemeClr val="lt1"/>
+          </a:fontRef>
+        </p:style>
+        <p:txBody>
+          <a:bodyPr rtlCol="0" anchor="ctr"/>
+          <a:lstStyle/>
+          <a:p>
+            <a:pPr algn="ctr"/>
+            <a:endParaRPr lang="en-US" sz="1600" dirty="0">
+              <a:latin typeface="DejaVu Sans Book" panose="020B0603030804020204" pitchFamily="34" charset="0"/>
+              <a:ea typeface="DejaVu Sans Book" panose="020B0603030804020204" pitchFamily="34" charset="0"/>
+              <a:cs typeface="DejaVu Sans Book" panose="020B0603030804020204" pitchFamily="34" charset="0"/>
+            </a:endParaRPr>
+          </a:p>
+        </p:txBody>
+      </p:sp>
+      <p:sp>
+        <p:nvSpPr>
+          <p:cNvPr id="21" name="Rounded Rectangle 20">
+            <a:extLst>
+              <a:ext uri="{FF2B5EF4-FFF2-40B4-BE49-F238E27FC236}">
+                <a16:creationId xmlns:a16="http://schemas.microsoft.com/office/drawing/2014/main" id="{17CE0F82-93D5-F44C-BA5D-1315C0679C33}"/>
+              </a:ext>
+            </a:extLst>
+          </p:cNvPr>
+          <p:cNvSpPr/>
+          <p:nvPr/>
+        </p:nvSpPr>
+        <p:spPr>
+          <a:xfrm>
+            <a:off x="437957" y="2934290"/>
+            <a:ext cx="1602206" cy="672974"/>
+          </a:xfrm>
+          <a:prstGeom prst="roundRect">
+            <a:avLst/>
+          </a:prstGeom>
+          <a:solidFill>
+            <a:srgbClr val="444E86"/>
+          </a:solidFill>
+          <a:ln>
+            <a:noFill/>
+          </a:ln>
+        </p:spPr>
+        <p:style>
+          <a:lnRef idx="2">
+            <a:schemeClr val="accent1">
+              <a:shade val="50000"/>
+            </a:schemeClr>
+          </a:lnRef>
+          <a:fillRef idx="1">
+            <a:schemeClr val="accent1"/>
+          </a:fillRef>
+          <a:effectRef idx="0">
+            <a:schemeClr val="accent1"/>
+          </a:effectRef>
+          <a:fontRef idx="minor">
+            <a:schemeClr val="lt1"/>
+          </a:fontRef>
+        </p:style>
+        <p:txBody>
+          <a:bodyPr rot="0" spcFirstLastPara="0" vertOverflow="overflow" horzOverflow="overflow" vert="horz" wrap="square" lIns="91440" tIns="45720" rIns="91440" bIns="45720" numCol="1" spcCol="0" rtlCol="0" fromWordArt="0" anchor="ctr" anchorCtr="0" forceAA="0" compatLnSpc="1">
+            <a:prstTxWarp prst="textNoShape">
+              <a:avLst/>
+            </a:prstTxWarp>
+            <a:noAutofit/>
+          </a:bodyPr>
+          <a:lstStyle/>
+          <a:p>
+            <a:pPr algn="ctr"/>
+            <a:r>
+              <a:rPr lang="en-US" b="1" dirty="0">
+                <a:latin typeface="DejaVu Sans Book" panose="020B0603030804020204" pitchFamily="34" charset="0"/>
+                <a:ea typeface="DejaVu Sans Book" panose="020B0603030804020204" pitchFamily="34" charset="0"/>
+                <a:cs typeface="DejaVu Sans Book" panose="020B0603030804020204" pitchFamily="34" charset="0"/>
+              </a:rPr>
+              <a:t>Synthesis</a:t>
+            </a:r>
+          </a:p>
+        </p:txBody>
+      </p:sp>
+      <p:sp>
+        <p:nvSpPr>
+          <p:cNvPr id="22" name="TextBox 21">
+            <a:extLst>
+              <a:ext uri="{FF2B5EF4-FFF2-40B4-BE49-F238E27FC236}">
+                <a16:creationId xmlns:a16="http://schemas.microsoft.com/office/drawing/2014/main" id="{147F19A0-0275-BC42-9C67-D663FBEE732A}"/>
+              </a:ext>
+            </a:extLst>
+          </p:cNvPr>
+          <p:cNvSpPr txBox="1"/>
+          <p:nvPr/>
+        </p:nvSpPr>
+        <p:spPr>
+          <a:xfrm>
+            <a:off x="437957" y="2523571"/>
+            <a:ext cx="505010" cy="307777"/>
+          </a:xfrm>
+          <a:prstGeom prst="rect">
+            <a:avLst/>
+          </a:prstGeom>
+          <a:noFill/>
+        </p:spPr>
+        <p:txBody>
+          <a:bodyPr wrap="none" rtlCol="0">
+            <a:spAutoFit/>
+          </a:bodyPr>
+          <a:lstStyle/>
+          <a:p>
+            <a:r>
+              <a:rPr lang="en-US" sz="1400" dirty="0">
+                <a:latin typeface="DejaVu Sans Book" panose="020B0603030804020204" pitchFamily="34" charset="0"/>
+                <a:ea typeface="DejaVu Sans Book" panose="020B0603030804020204" pitchFamily="34" charset="0"/>
+                <a:cs typeface="DejaVu Sans Book" panose="020B0603030804020204" pitchFamily="34" charset="0"/>
+              </a:rPr>
+              <a:t>RTL</a:t>
+            </a:r>
+          </a:p>
+        </p:txBody>
+      </p:sp>
+      <p:sp>
+        <p:nvSpPr>
+          <p:cNvPr id="38" name="TextBox 37">
+            <a:extLst>
+              <a:ext uri="{FF2B5EF4-FFF2-40B4-BE49-F238E27FC236}">
+                <a16:creationId xmlns:a16="http://schemas.microsoft.com/office/drawing/2014/main" id="{E3D9FD92-B5C4-EC43-8998-2B07C7183064}"/>
+              </a:ext>
+            </a:extLst>
+          </p:cNvPr>
+          <p:cNvSpPr txBox="1"/>
+          <p:nvPr/>
+        </p:nvSpPr>
+        <p:spPr>
+          <a:xfrm>
+            <a:off x="14298930" y="5671455"/>
+            <a:ext cx="1566454" cy="338554"/>
+          </a:xfrm>
+          <a:prstGeom prst="rect">
+            <a:avLst/>
+          </a:prstGeom>
+          <a:noFill/>
+        </p:spPr>
+        <p:txBody>
+          <a:bodyPr wrap="none" rtlCol="0">
+            <a:spAutoFit/>
+          </a:bodyPr>
+          <a:lstStyle/>
+          <a:p>
+            <a:r>
+              <a:rPr lang="en-US" sz="1600" b="1" dirty="0">
+                <a:latin typeface="DejaVu Sans Book" panose="020B0603030804020204" pitchFamily="34" charset="0"/>
+                <a:ea typeface="DejaVu Sans Book" panose="020B0603030804020204" pitchFamily="34" charset="0"/>
+                <a:cs typeface="DejaVu Sans Book" panose="020B0603030804020204" pitchFamily="34" charset="0"/>
+              </a:rPr>
+              <a:t>Correctness</a:t>
+            </a:r>
+          </a:p>
+        </p:txBody>
+      </p:sp>
+      <p:sp>
+        <p:nvSpPr>
+          <p:cNvPr id="39" name="TextBox 38">
+            <a:extLst>
+              <a:ext uri="{FF2B5EF4-FFF2-40B4-BE49-F238E27FC236}">
+                <a16:creationId xmlns:a16="http://schemas.microsoft.com/office/drawing/2014/main" id="{770B9F70-792E-EE46-8296-0C8692D9F314}"/>
+              </a:ext>
+            </a:extLst>
+          </p:cNvPr>
+          <p:cNvSpPr txBox="1"/>
+          <p:nvPr/>
+        </p:nvSpPr>
+        <p:spPr>
+          <a:xfrm>
+            <a:off x="14298931" y="7841942"/>
+            <a:ext cx="2963968" cy="584775"/>
+          </a:xfrm>
+          <a:prstGeom prst="rect">
+            <a:avLst/>
+          </a:prstGeom>
+          <a:noFill/>
+        </p:spPr>
+        <p:txBody>
+          <a:bodyPr wrap="square" rtlCol="0">
+            <a:spAutoFit/>
+          </a:bodyPr>
+          <a:lstStyle/>
+          <a:p>
+            <a:r>
+              <a:rPr lang="en-US" sz="1600" b="1" dirty="0">
+                <a:latin typeface="DejaVu Sans Book" panose="020B0603030804020204" pitchFamily="34" charset="0"/>
+                <a:ea typeface="DejaVu Sans Book" panose="020B0603030804020204" pitchFamily="34" charset="0"/>
+                <a:cs typeface="DejaVu Sans Book" panose="020B0603030804020204" pitchFamily="34" charset="0"/>
+              </a:rPr>
+              <a:t>Performance &amp; Resource Optimization</a:t>
+            </a:r>
+          </a:p>
+        </p:txBody>
+      </p:sp>
+      <p:sp>
+        <p:nvSpPr>
+          <p:cNvPr id="41" name="Rounded Rectangle 40">
+            <a:extLst>
+              <a:ext uri="{FF2B5EF4-FFF2-40B4-BE49-F238E27FC236}">
+                <a16:creationId xmlns:a16="http://schemas.microsoft.com/office/drawing/2014/main" id="{FA557E3A-3677-FD4E-8AF6-8676214FB256}"/>
+              </a:ext>
+            </a:extLst>
+          </p:cNvPr>
+          <p:cNvSpPr/>
+          <p:nvPr/>
+        </p:nvSpPr>
+        <p:spPr>
+          <a:xfrm>
+            <a:off x="437957" y="7830803"/>
+            <a:ext cx="2743199" cy="657470"/>
+          </a:xfrm>
+          <a:prstGeom prst="roundRect">
+            <a:avLst/>
+          </a:prstGeom>
+          <a:solidFill>
+            <a:srgbClr val="F05575"/>
+          </a:solidFill>
+          <a:ln>
+            <a:noFill/>
+          </a:ln>
+        </p:spPr>
+        <p:style>
+          <a:lnRef idx="2">
+            <a:schemeClr val="accent1">
+              <a:shade val="50000"/>
+            </a:schemeClr>
+          </a:lnRef>
+          <a:fillRef idx="1">
+            <a:schemeClr val="accent1"/>
+          </a:fillRef>
+          <a:effectRef idx="0">
+            <a:schemeClr val="accent1"/>
+          </a:effectRef>
+          <a:fontRef idx="minor">
+            <a:schemeClr val="lt1"/>
+          </a:fontRef>
+        </p:style>
+        <p:txBody>
+          <a:bodyPr rtlCol="0" anchor="ctr"/>
+          <a:lstStyle/>
+          <a:p>
+            <a:pPr algn="ctr"/>
+            <a:r>
+              <a:rPr lang="en-US" sz="1600" dirty="0">
+                <a:latin typeface="DejaVu Sans Book" panose="020B0603030804020204" pitchFamily="34" charset="0"/>
+                <a:ea typeface="DejaVu Sans Book" panose="020B0603030804020204" pitchFamily="34" charset="0"/>
+                <a:cs typeface="DejaVu Sans Book" panose="020B0603030804020204" pitchFamily="34" charset="0"/>
+              </a:rPr>
+              <a:t>Virtual Unit Partitioning &amp; Assignment </a:t>
+            </a:r>
+          </a:p>
+        </p:txBody>
+      </p:sp>
+      <p:sp>
+        <p:nvSpPr>
+          <p:cNvPr id="42" name="Rounded Rectangle 41">
+            <a:extLst>
+              <a:ext uri="{FF2B5EF4-FFF2-40B4-BE49-F238E27FC236}">
+                <a16:creationId xmlns:a16="http://schemas.microsoft.com/office/drawing/2014/main" id="{0D32A40C-670E-6C4D-ADA1-B5FECD93D846}"/>
+              </a:ext>
+            </a:extLst>
+          </p:cNvPr>
+          <p:cNvSpPr/>
+          <p:nvPr/>
+        </p:nvSpPr>
+        <p:spPr>
+          <a:xfrm>
+            <a:off x="437957" y="8949619"/>
+            <a:ext cx="2743199" cy="647324"/>
+          </a:xfrm>
+          <a:prstGeom prst="roundRect">
+            <a:avLst/>
+          </a:prstGeom>
+          <a:solidFill>
+            <a:srgbClr val="7A5195"/>
+          </a:solidFill>
+          <a:ln>
+            <a:noFill/>
+          </a:ln>
+        </p:spPr>
+        <p:style>
+          <a:lnRef idx="2">
+            <a:schemeClr val="accent1">
+              <a:shade val="50000"/>
+            </a:schemeClr>
+          </a:lnRef>
+          <a:fillRef idx="1">
+            <a:schemeClr val="accent1"/>
+          </a:fillRef>
+          <a:effectRef idx="0">
+            <a:schemeClr val="accent1"/>
+          </a:effectRef>
+          <a:fontRef idx="minor">
+            <a:schemeClr val="lt1"/>
+          </a:fontRef>
+        </p:style>
+        <p:txBody>
+          <a:bodyPr rtlCol="0" anchor="ctr"/>
+          <a:lstStyle/>
+          <a:p>
+            <a:pPr algn="ctr"/>
+            <a:r>
+              <a:rPr lang="en-US" sz="1600" dirty="0">
+                <a:latin typeface="DejaVu Sans Book" panose="020B0603030804020204" pitchFamily="34" charset="0"/>
+                <a:ea typeface="DejaVu Sans Book" panose="020B0603030804020204" pitchFamily="34" charset="0"/>
+                <a:cs typeface="DejaVu Sans Book" panose="020B0603030804020204" pitchFamily="34" charset="0"/>
+              </a:rPr>
+              <a:t>Optimization</a:t>
+            </a:r>
+          </a:p>
+        </p:txBody>
+      </p:sp>
+      <p:sp>
+        <p:nvSpPr>
+          <p:cNvPr id="43" name="Rounded Rectangle 42">
+            <a:extLst>
+              <a:ext uri="{FF2B5EF4-FFF2-40B4-BE49-F238E27FC236}">
+                <a16:creationId xmlns:a16="http://schemas.microsoft.com/office/drawing/2014/main" id="{BEC5E72D-1C22-4A49-B0B9-2DEADF609730}"/>
+              </a:ext>
+            </a:extLst>
+          </p:cNvPr>
+          <p:cNvSpPr/>
+          <p:nvPr/>
+        </p:nvSpPr>
+        <p:spPr>
+          <a:xfrm>
+            <a:off x="438536" y="10058291"/>
+            <a:ext cx="2742040" cy="647323"/>
+          </a:xfrm>
+          <a:prstGeom prst="roundRect">
+            <a:avLst/>
+          </a:prstGeom>
+          <a:solidFill>
+            <a:srgbClr val="023F5C"/>
+          </a:solidFill>
+          <a:ln>
+            <a:noFill/>
+          </a:ln>
+        </p:spPr>
+        <p:style>
+          <a:lnRef idx="2">
+            <a:schemeClr val="accent1">
+              <a:shade val="50000"/>
+            </a:schemeClr>
+          </a:lnRef>
+          <a:fillRef idx="1">
+            <a:schemeClr val="accent1"/>
+          </a:fillRef>
+          <a:effectRef idx="0">
+            <a:schemeClr val="accent1"/>
+          </a:effectRef>
+          <a:fontRef idx="minor">
+            <a:schemeClr val="lt1"/>
+          </a:fontRef>
+        </p:style>
+        <p:txBody>
+          <a:bodyPr rtlCol="0" anchor="ctr"/>
+          <a:lstStyle/>
+          <a:p>
+            <a:pPr algn="ctr"/>
+            <a:r>
+              <a:rPr lang="en-US" sz="1600" dirty="0">
+                <a:latin typeface="DejaVu Sans Book" panose="020B0603030804020204" pitchFamily="34" charset="0"/>
+                <a:ea typeface="DejaVu Sans Book" panose="020B0603030804020204" pitchFamily="34" charset="0"/>
+                <a:cs typeface="DejaVu Sans Book" panose="020B0603030804020204" pitchFamily="34" charset="0"/>
+              </a:rPr>
+              <a:t>P&amp;R Guild Generation</a:t>
+            </a:r>
+          </a:p>
+        </p:txBody>
+      </p:sp>
+      <p:sp>
+        <p:nvSpPr>
+          <p:cNvPr id="44" name="Pentagon 43">
+            <a:extLst>
+              <a:ext uri="{FF2B5EF4-FFF2-40B4-BE49-F238E27FC236}">
+                <a16:creationId xmlns:a16="http://schemas.microsoft.com/office/drawing/2014/main" id="{BA7E3A4B-D3BE-8E44-AB0A-528047CBE207}"/>
+              </a:ext>
+            </a:extLst>
+          </p:cNvPr>
+          <p:cNvSpPr/>
+          <p:nvPr/>
+        </p:nvSpPr>
+        <p:spPr>
+          <a:xfrm flipH="1">
+            <a:off x="3289717" y="7796060"/>
+            <a:ext cx="3423105" cy="647323"/>
+          </a:xfrm>
+          <a:prstGeom prst="homePlate">
+            <a:avLst>
+              <a:gd name="adj" fmla="val 27208"/>
+            </a:avLst>
+          </a:prstGeom>
+          <a:solidFill>
+            <a:schemeClr val="bg1">
+              <a:lumMod val="95000"/>
+            </a:schemeClr>
+          </a:solidFill>
+          <a:ln>
+            <a:noFill/>
+          </a:ln>
+        </p:spPr>
+        <p:style>
+          <a:lnRef idx="2">
+            <a:schemeClr val="accent1">
+              <a:shade val="50000"/>
+            </a:schemeClr>
+          </a:lnRef>
+          <a:fillRef idx="1">
+            <a:schemeClr val="accent1"/>
+          </a:fillRef>
+          <a:effectRef idx="0">
+            <a:schemeClr val="accent1"/>
+          </a:effectRef>
+          <a:fontRef idx="minor">
+            <a:schemeClr val="lt1"/>
+          </a:fontRef>
+        </p:style>
+        <p:txBody>
+          <a:bodyPr rot="0" spcFirstLastPara="0" vertOverflow="overflow" horzOverflow="overflow" vert="horz" wrap="square" lIns="91440" tIns="45720" rIns="91440" bIns="45720" numCol="1" spcCol="0" rtlCol="0" fromWordArt="0" anchor="ctr" anchorCtr="0" forceAA="0" compatLnSpc="1">
+            <a:prstTxWarp prst="textNoShape">
+              <a:avLst/>
+            </a:prstTxWarp>
+            <a:noAutofit/>
+          </a:bodyPr>
+          <a:lstStyle/>
+          <a:p>
+            <a:pPr marL="171450"/>
+            <a:r>
+              <a:rPr lang="en-US" sz="1400" dirty="0">
+                <a:solidFill>
+                  <a:schemeClr val="tx1"/>
+                </a:solidFill>
+                <a:latin typeface="DejaVu Sans Book" panose="020B0603030804020204" pitchFamily="34" charset="0"/>
+                <a:ea typeface="DejaVu Sans Book" panose="020B0603030804020204" pitchFamily="34" charset="0"/>
+                <a:cs typeface="DejaVu Sans Book" panose="020B0603030804020204" pitchFamily="34" charset="0"/>
+              </a:rPr>
+              <a:t>Partition program to satisfy hardware constraints</a:t>
+            </a:r>
+          </a:p>
+        </p:txBody>
+      </p:sp>
+      <p:sp>
+        <p:nvSpPr>
+          <p:cNvPr id="45" name="Pentagon 44">
+            <a:extLst>
+              <a:ext uri="{FF2B5EF4-FFF2-40B4-BE49-F238E27FC236}">
+                <a16:creationId xmlns:a16="http://schemas.microsoft.com/office/drawing/2014/main" id="{73962742-889E-3149-8623-F1B60B39C829}"/>
+              </a:ext>
+            </a:extLst>
+          </p:cNvPr>
+          <p:cNvSpPr/>
+          <p:nvPr/>
+        </p:nvSpPr>
+        <p:spPr>
+          <a:xfrm flipH="1">
+            <a:off x="3289718" y="8927175"/>
+            <a:ext cx="3423104" cy="647324"/>
+          </a:xfrm>
+          <a:prstGeom prst="homePlate">
+            <a:avLst>
+              <a:gd name="adj" fmla="val 25444"/>
+            </a:avLst>
+          </a:prstGeom>
+          <a:solidFill>
+            <a:schemeClr val="bg1">
+              <a:lumMod val="95000"/>
+            </a:schemeClr>
+          </a:solidFill>
+          <a:ln>
+            <a:noFill/>
+          </a:ln>
+        </p:spPr>
+        <p:style>
+          <a:lnRef idx="2">
+            <a:schemeClr val="accent1">
+              <a:shade val="50000"/>
+            </a:schemeClr>
+          </a:lnRef>
+          <a:fillRef idx="1">
+            <a:schemeClr val="accent1"/>
+          </a:fillRef>
+          <a:effectRef idx="0">
+            <a:schemeClr val="accent1"/>
+          </a:effectRef>
+          <a:fontRef idx="minor">
+            <a:schemeClr val="lt1"/>
+          </a:fontRef>
+        </p:style>
+        <p:txBody>
+          <a:bodyPr rot="0" spcFirstLastPara="0" vertOverflow="overflow" horzOverflow="overflow" vert="horz" wrap="square" lIns="91440" tIns="45720" rIns="91440" bIns="45720" numCol="1" spcCol="0" rtlCol="0" fromWordArt="0" anchor="ctr" anchorCtr="0" forceAA="0" compatLnSpc="1">
+            <a:prstTxWarp prst="textNoShape">
+              <a:avLst/>
+            </a:prstTxWarp>
+            <a:noAutofit/>
+          </a:bodyPr>
+          <a:lstStyle/>
+          <a:p>
+            <a:pPr marL="171450"/>
+            <a:r>
+              <a:rPr lang="en-US" sz="1400" dirty="0">
+                <a:solidFill>
+                  <a:schemeClr val="tx1"/>
+                </a:solidFill>
+                <a:latin typeface="DejaVu Sans Book" panose="020B0603030804020204" pitchFamily="34" charset="0"/>
+                <a:ea typeface="DejaVu Sans Book" panose="020B0603030804020204" pitchFamily="34" charset="0"/>
+                <a:cs typeface="DejaVu Sans Book" panose="020B0603030804020204" pitchFamily="34" charset="0"/>
+              </a:rPr>
+              <a:t>Improve runtime and reduce resource usage</a:t>
+            </a:r>
+          </a:p>
+        </p:txBody>
+      </p:sp>
+      <p:sp>
+        <p:nvSpPr>
+          <p:cNvPr id="46" name="Pentagon 45">
+            <a:extLst>
+              <a:ext uri="{FF2B5EF4-FFF2-40B4-BE49-F238E27FC236}">
+                <a16:creationId xmlns:a16="http://schemas.microsoft.com/office/drawing/2014/main" id="{67FC2D5C-6ABC-884E-AF2C-55BE62E7DFCD}"/>
+              </a:ext>
+            </a:extLst>
+          </p:cNvPr>
+          <p:cNvSpPr/>
+          <p:nvPr/>
+        </p:nvSpPr>
+        <p:spPr>
+          <a:xfrm flipH="1">
+            <a:off x="3289719" y="10058290"/>
+            <a:ext cx="3423102" cy="647323"/>
+          </a:xfrm>
+          <a:prstGeom prst="homePlate">
+            <a:avLst>
+              <a:gd name="adj" fmla="val 37408"/>
+            </a:avLst>
+          </a:prstGeom>
+          <a:solidFill>
+            <a:schemeClr val="bg1">
+              <a:lumMod val="95000"/>
+            </a:schemeClr>
+          </a:solidFill>
+          <a:ln>
+            <a:noFill/>
+          </a:ln>
+        </p:spPr>
+        <p:style>
+          <a:lnRef idx="2">
+            <a:schemeClr val="accent1">
+              <a:shade val="50000"/>
+            </a:schemeClr>
+          </a:lnRef>
+          <a:fillRef idx="1">
+            <a:schemeClr val="accent1"/>
+          </a:fillRef>
+          <a:effectRef idx="0">
+            <a:schemeClr val="accent1"/>
+          </a:effectRef>
+          <a:fontRef idx="minor">
+            <a:schemeClr val="lt1"/>
+          </a:fontRef>
+        </p:style>
+        <p:txBody>
+          <a:bodyPr rot="0" spcFirstLastPara="0" vertOverflow="overflow" horzOverflow="overflow" vert="horz" wrap="square" lIns="91440" tIns="45720" rIns="91440" bIns="45720" numCol="1" spcCol="0" rtlCol="0" fromWordArt="0" anchor="ctr" anchorCtr="0" forceAA="0" compatLnSpc="1">
+            <a:prstTxWarp prst="textNoShape">
+              <a:avLst/>
+            </a:prstTxWarp>
+            <a:noAutofit/>
+          </a:bodyPr>
+          <a:lstStyle/>
+          <a:p>
+            <a:pPr marL="171450"/>
+            <a:r>
+              <a:rPr lang="en-US" sz="1400" dirty="0">
+                <a:solidFill>
+                  <a:schemeClr val="tx1"/>
+                </a:solidFill>
+                <a:latin typeface="DejaVu Sans Book" panose="020B0603030804020204" pitchFamily="34" charset="0"/>
+                <a:ea typeface="DejaVu Sans Book" panose="020B0603030804020204" pitchFamily="34" charset="0"/>
+                <a:cs typeface="DejaVu Sans Book" panose="020B0603030804020204" pitchFamily="34" charset="0"/>
+              </a:rPr>
+              <a:t>Generate heuristics to guide placement and routing</a:t>
+            </a:r>
+          </a:p>
+        </p:txBody>
+      </p:sp>
+      <p:sp>
+        <p:nvSpPr>
+          <p:cNvPr id="47" name="Pentagon 46">
+            <a:extLst>
+              <a:ext uri="{FF2B5EF4-FFF2-40B4-BE49-F238E27FC236}">
+                <a16:creationId xmlns:a16="http://schemas.microsoft.com/office/drawing/2014/main" id="{81CB1447-EA25-E944-BAA4-BA83A73DC7D0}"/>
+              </a:ext>
+            </a:extLst>
+          </p:cNvPr>
+          <p:cNvSpPr/>
+          <p:nvPr/>
+        </p:nvSpPr>
+        <p:spPr>
+          <a:xfrm flipH="1">
+            <a:off x="3289717" y="6664944"/>
+            <a:ext cx="3423105" cy="647324"/>
+          </a:xfrm>
+          <a:prstGeom prst="homePlate">
+            <a:avLst>
+              <a:gd name="adj" fmla="val 21265"/>
+            </a:avLst>
+          </a:prstGeom>
+          <a:solidFill>
+            <a:schemeClr val="bg1">
+              <a:lumMod val="95000"/>
+            </a:schemeClr>
+          </a:solidFill>
+          <a:ln>
+            <a:noFill/>
+          </a:ln>
+        </p:spPr>
+        <p:style>
+          <a:lnRef idx="2">
+            <a:schemeClr val="accent1">
+              <a:shade val="50000"/>
+            </a:schemeClr>
+          </a:lnRef>
+          <a:fillRef idx="1">
+            <a:schemeClr val="accent1"/>
+          </a:fillRef>
+          <a:effectRef idx="0">
+            <a:schemeClr val="accent1"/>
+          </a:effectRef>
+          <a:fontRef idx="minor">
+            <a:schemeClr val="lt1"/>
+          </a:fontRef>
+        </p:style>
+        <p:txBody>
+          <a:bodyPr rot="0" spcFirstLastPara="0" vertOverflow="overflow" horzOverflow="overflow" vert="horz" wrap="square" lIns="91440" tIns="45720" rIns="91440" bIns="45720" numCol="1" spcCol="0" rtlCol="0" fromWordArt="0" anchor="ctr" anchorCtr="0" forceAA="0" compatLnSpc="1">
+            <a:prstTxWarp prst="textNoShape">
+              <a:avLst/>
+            </a:prstTxWarp>
+            <a:noAutofit/>
+          </a:bodyPr>
+          <a:lstStyle/>
+          <a:p>
+            <a:pPr marL="171450"/>
+            <a:r>
+              <a:rPr lang="en-US" sz="1400" dirty="0">
+                <a:solidFill>
+                  <a:schemeClr val="tx1"/>
+                </a:solidFill>
+                <a:latin typeface="DejaVu Sans Book" panose="020B0603030804020204" pitchFamily="34" charset="0"/>
+                <a:ea typeface="DejaVu Sans Book" panose="020B0603030804020204" pitchFamily="34" charset="0"/>
+                <a:cs typeface="DejaVu Sans Book" panose="020B0603030804020204" pitchFamily="34" charset="0"/>
+              </a:rPr>
+              <a:t>Spatial mapping of imperative programs to dataflow on a distributed network</a:t>
+            </a:r>
+          </a:p>
+        </p:txBody>
+      </p:sp>
+      <p:sp>
+        <p:nvSpPr>
+          <p:cNvPr id="48" name="Rounded Rectangle 47">
+            <a:extLst>
+              <a:ext uri="{FF2B5EF4-FFF2-40B4-BE49-F238E27FC236}">
+                <a16:creationId xmlns:a16="http://schemas.microsoft.com/office/drawing/2014/main" id="{3A5E46BE-7B16-1043-ABB3-6E34D1C1D804}"/>
+              </a:ext>
+            </a:extLst>
+          </p:cNvPr>
+          <p:cNvSpPr/>
+          <p:nvPr/>
+        </p:nvSpPr>
+        <p:spPr>
+          <a:xfrm>
+            <a:off x="437958" y="6646240"/>
+            <a:ext cx="2743197" cy="723217"/>
+          </a:xfrm>
+          <a:prstGeom prst="roundRect">
+            <a:avLst/>
+          </a:prstGeom>
+          <a:solidFill>
+            <a:srgbClr val="FFA701"/>
+          </a:solidFill>
+          <a:ln>
+            <a:noFill/>
+          </a:ln>
+        </p:spPr>
+        <p:style>
+          <a:lnRef idx="0">
+            <a:scrgbClr r="0" g="0" b="0"/>
+          </a:lnRef>
+          <a:fillRef idx="0">
+            <a:scrgbClr r="0" g="0" b="0"/>
+          </a:fillRef>
+          <a:effectRef idx="0">
+            <a:scrgbClr r="0" g="0" b="0"/>
+          </a:effectRef>
+          <a:fontRef idx="minor">
+            <a:schemeClr val="lt1"/>
+          </a:fontRef>
+        </p:style>
+        <p:txBody>
+          <a:bodyPr rtlCol="0" anchor="ctr"/>
+          <a:lstStyle/>
+          <a:p>
+            <a:pPr algn="ctr"/>
+            <a:r>
+              <a:rPr lang="en-US" sz="1600" dirty="0">
+                <a:latin typeface="DejaVu Sans Book" panose="020B0603030804020204" pitchFamily="34" charset="0"/>
+                <a:ea typeface="DejaVu Sans Book" panose="020B0603030804020204" pitchFamily="34" charset="0"/>
+                <a:cs typeface="DejaVu Sans Book" panose="020B0603030804020204" pitchFamily="34" charset="0"/>
+              </a:rPr>
+              <a:t>Virtual Unit DFG Allocation</a:t>
+            </a:r>
+          </a:p>
+        </p:txBody>
+      </p:sp>
+      <p:sp>
+        <p:nvSpPr>
+          <p:cNvPr id="49" name="Down Arrow 48">
+            <a:extLst>
+              <a:ext uri="{FF2B5EF4-FFF2-40B4-BE49-F238E27FC236}">
+                <a16:creationId xmlns:a16="http://schemas.microsoft.com/office/drawing/2014/main" id="{D149D466-D67B-7241-A85E-7114D29CEDF0}"/>
+              </a:ext>
+            </a:extLst>
+          </p:cNvPr>
+          <p:cNvSpPr/>
+          <p:nvPr/>
+        </p:nvSpPr>
+        <p:spPr>
+          <a:xfrm>
+            <a:off x="1512778" y="7453694"/>
+            <a:ext cx="593557" cy="292872"/>
+          </a:xfrm>
+          <a:prstGeom prst="downArrow">
+            <a:avLst>
+              <a:gd name="adj1" fmla="val 60425"/>
+              <a:gd name="adj2" fmla="val 66263"/>
+            </a:avLst>
+          </a:prstGeom>
+          <a:solidFill>
+            <a:schemeClr val="bg2">
+              <a:lumMod val="90000"/>
+            </a:schemeClr>
+          </a:solidFill>
+          <a:ln>
+            <a:noFill/>
+          </a:ln>
+        </p:spPr>
+        <p:style>
+          <a:lnRef idx="2">
+            <a:schemeClr val="accent1">
+              <a:shade val="50000"/>
+            </a:schemeClr>
+          </a:lnRef>
+          <a:fillRef idx="1">
+            <a:schemeClr val="accent1"/>
+          </a:fillRef>
+          <a:effectRef idx="0">
+            <a:schemeClr val="accent1"/>
+          </a:effectRef>
+          <a:fontRef idx="minor">
+            <a:schemeClr val="lt1"/>
+          </a:fontRef>
+        </p:style>
+        <p:txBody>
+          <a:bodyPr rtlCol="0" anchor="ctr"/>
+          <a:lstStyle/>
+          <a:p>
+            <a:pPr algn="ctr"/>
+            <a:endParaRPr lang="en-US" sz="1600" dirty="0">
+              <a:latin typeface="DejaVu Sans Book" panose="020B0603030804020204" pitchFamily="34" charset="0"/>
+              <a:ea typeface="DejaVu Sans Book" panose="020B0603030804020204" pitchFamily="34" charset="0"/>
+              <a:cs typeface="DejaVu Sans Book" panose="020B0603030804020204" pitchFamily="34" charset="0"/>
+            </a:endParaRPr>
+          </a:p>
+        </p:txBody>
+      </p:sp>
+      <p:sp>
+        <p:nvSpPr>
+          <p:cNvPr id="50" name="Down Arrow 49">
+            <a:extLst>
+              <a:ext uri="{FF2B5EF4-FFF2-40B4-BE49-F238E27FC236}">
+                <a16:creationId xmlns:a16="http://schemas.microsoft.com/office/drawing/2014/main" id="{CB5B654C-73A3-A840-B542-4BA06F5070B2}"/>
+              </a:ext>
+            </a:extLst>
+          </p:cNvPr>
+          <p:cNvSpPr/>
+          <p:nvPr/>
+        </p:nvSpPr>
+        <p:spPr>
+          <a:xfrm>
+            <a:off x="1512778" y="8572510"/>
+            <a:ext cx="593557" cy="292872"/>
+          </a:xfrm>
+          <a:prstGeom prst="downArrow">
+            <a:avLst>
+              <a:gd name="adj1" fmla="val 60425"/>
+              <a:gd name="adj2" fmla="val 66263"/>
+            </a:avLst>
+          </a:prstGeom>
+          <a:solidFill>
+            <a:schemeClr val="bg2">
+              <a:lumMod val="90000"/>
+            </a:schemeClr>
+          </a:solidFill>
+          <a:ln>
+            <a:noFill/>
+          </a:ln>
+        </p:spPr>
+        <p:style>
+          <a:lnRef idx="2">
+            <a:schemeClr val="accent1">
+              <a:shade val="50000"/>
+            </a:schemeClr>
+          </a:lnRef>
+          <a:fillRef idx="1">
+            <a:schemeClr val="accent1"/>
+          </a:fillRef>
+          <a:effectRef idx="0">
+            <a:schemeClr val="accent1"/>
+          </a:effectRef>
+          <a:fontRef idx="minor">
+            <a:schemeClr val="lt1"/>
+          </a:fontRef>
+        </p:style>
+        <p:txBody>
+          <a:bodyPr rtlCol="0" anchor="ctr"/>
+          <a:lstStyle/>
+          <a:p>
+            <a:pPr algn="ctr"/>
+            <a:endParaRPr lang="en-US" sz="1600" dirty="0">
+              <a:latin typeface="DejaVu Sans Book" panose="020B0603030804020204" pitchFamily="34" charset="0"/>
+              <a:ea typeface="DejaVu Sans Book" panose="020B0603030804020204" pitchFamily="34" charset="0"/>
+              <a:cs typeface="DejaVu Sans Book" panose="020B0603030804020204" pitchFamily="34" charset="0"/>
+            </a:endParaRPr>
+          </a:p>
+        </p:txBody>
+      </p:sp>
+      <p:sp>
+        <p:nvSpPr>
+          <p:cNvPr id="51" name="Down Arrow 50">
+            <a:extLst>
+              <a:ext uri="{FF2B5EF4-FFF2-40B4-BE49-F238E27FC236}">
+                <a16:creationId xmlns:a16="http://schemas.microsoft.com/office/drawing/2014/main" id="{4A7BC268-4BE8-2740-A0EE-AF934BBF5B18}"/>
+              </a:ext>
+            </a:extLst>
+          </p:cNvPr>
+          <p:cNvSpPr/>
+          <p:nvPr/>
+        </p:nvSpPr>
+        <p:spPr>
+          <a:xfrm>
+            <a:off x="1512778" y="9681180"/>
+            <a:ext cx="593557" cy="292872"/>
+          </a:xfrm>
+          <a:prstGeom prst="downArrow">
+            <a:avLst>
+              <a:gd name="adj1" fmla="val 60425"/>
+              <a:gd name="adj2" fmla="val 66263"/>
+            </a:avLst>
+          </a:prstGeom>
+          <a:solidFill>
+            <a:schemeClr val="bg2">
+              <a:lumMod val="90000"/>
+            </a:schemeClr>
+          </a:solidFill>
+          <a:ln>
+            <a:noFill/>
+          </a:ln>
+        </p:spPr>
+        <p:style>
+          <a:lnRef idx="2">
+            <a:schemeClr val="accent1">
+              <a:shade val="50000"/>
+            </a:schemeClr>
+          </a:lnRef>
+          <a:fillRef idx="1">
+            <a:schemeClr val="accent1"/>
+          </a:fillRef>
+          <a:effectRef idx="0">
+            <a:schemeClr val="accent1"/>
+          </a:effectRef>
+          <a:fontRef idx="minor">
+            <a:schemeClr val="lt1"/>
+          </a:fontRef>
+        </p:style>
+        <p:txBody>
+          <a:bodyPr rtlCol="0" anchor="ctr"/>
+          <a:lstStyle/>
+          <a:p>
+            <a:pPr algn="ctr"/>
+            <a:endParaRPr lang="en-US" sz="1600" dirty="0">
+              <a:latin typeface="DejaVu Sans Book" panose="020B0603030804020204" pitchFamily="34" charset="0"/>
+              <a:ea typeface="DejaVu Sans Book" panose="020B0603030804020204" pitchFamily="34" charset="0"/>
+              <a:cs typeface="DejaVu Sans Book" panose="020B0603030804020204" pitchFamily="34" charset="0"/>
+            </a:endParaRPr>
+          </a:p>
+        </p:txBody>
+      </p:sp>
+      <p:sp>
+        <p:nvSpPr>
+          <p:cNvPr id="52" name="Right Brace 51">
+            <a:extLst>
+              <a:ext uri="{FF2B5EF4-FFF2-40B4-BE49-F238E27FC236}">
+                <a16:creationId xmlns:a16="http://schemas.microsoft.com/office/drawing/2014/main" id="{E8993D23-7CDB-D748-BEC5-7C775DAFAB86}"/>
+              </a:ext>
+            </a:extLst>
+          </p:cNvPr>
+          <p:cNvSpPr/>
+          <p:nvPr/>
+        </p:nvSpPr>
+        <p:spPr>
+          <a:xfrm>
+            <a:off x="6978086" y="6664944"/>
+            <a:ext cx="173808" cy="1733391"/>
+          </a:xfrm>
+          <a:prstGeom prst="rightBrace">
+            <a:avLst>
+              <a:gd name="adj1" fmla="val 66146"/>
+              <a:gd name="adj2" fmla="val 50000"/>
+            </a:avLst>
+          </a:prstGeom>
+          <a:ln w="12700">
+            <a:solidFill>
+              <a:schemeClr val="tx1"/>
+            </a:solidFill>
+          </a:ln>
+        </p:spPr>
+        <p:style>
+          <a:lnRef idx="1">
+            <a:schemeClr val="dk1"/>
+          </a:lnRef>
+          <a:fillRef idx="0">
+            <a:schemeClr val="dk1"/>
+          </a:fillRef>
+          <a:effectRef idx="0">
+            <a:schemeClr val="dk1"/>
+          </a:effectRef>
+          <a:fontRef idx="minor">
+            <a:schemeClr val="tx1"/>
+          </a:fontRef>
+        </p:style>
+        <p:txBody>
+          <a:bodyPr rtlCol="0" anchor="ctr"/>
+          <a:lstStyle/>
+          <a:p>
+            <a:pPr algn="ctr"/>
+            <a:endParaRPr lang="en-US" sz="1600">
+              <a:latin typeface="DejaVu Sans Book" panose="020B0603030804020204" pitchFamily="34" charset="0"/>
+              <a:ea typeface="DejaVu Sans Book" panose="020B0603030804020204" pitchFamily="34" charset="0"/>
+              <a:cs typeface="DejaVu Sans Book" panose="020B0603030804020204" pitchFamily="34" charset="0"/>
+            </a:endParaRPr>
+          </a:p>
+        </p:txBody>
+      </p:sp>
+      <p:sp>
+        <p:nvSpPr>
+          <p:cNvPr id="53" name="TextBox 52">
+            <a:extLst>
+              <a:ext uri="{FF2B5EF4-FFF2-40B4-BE49-F238E27FC236}">
+                <a16:creationId xmlns:a16="http://schemas.microsoft.com/office/drawing/2014/main" id="{5D2630EF-632E-9D4F-B1DE-810D0C6DCDD6}"/>
+              </a:ext>
+            </a:extLst>
+          </p:cNvPr>
+          <p:cNvSpPr txBox="1"/>
+          <p:nvPr/>
+        </p:nvSpPr>
+        <p:spPr>
+          <a:xfrm>
+            <a:off x="7243334" y="7369457"/>
+            <a:ext cx="1404487" cy="338554"/>
+          </a:xfrm>
+          <a:prstGeom prst="rect">
+            <a:avLst/>
+          </a:prstGeom>
+          <a:noFill/>
+        </p:spPr>
+        <p:txBody>
+          <a:bodyPr wrap="none" rtlCol="0">
+            <a:spAutoFit/>
+          </a:bodyPr>
+          <a:lstStyle/>
+          <a:p>
+            <a:r>
+              <a:rPr lang="en-US" sz="1600" dirty="0">
+                <a:latin typeface="DejaVu Sans Book" panose="020B0603030804020204" pitchFamily="34" charset="0"/>
+                <a:ea typeface="DejaVu Sans Book" panose="020B0603030804020204" pitchFamily="34" charset="0"/>
+                <a:cs typeface="DejaVu Sans Book" panose="020B0603030804020204" pitchFamily="34" charset="0"/>
+              </a:rPr>
+              <a:t>Correctness</a:t>
+            </a:r>
+          </a:p>
+        </p:txBody>
+      </p:sp>
+      <p:sp>
+        <p:nvSpPr>
+          <p:cNvPr id="54" name="TextBox 53">
+            <a:extLst>
+              <a:ext uri="{FF2B5EF4-FFF2-40B4-BE49-F238E27FC236}">
+                <a16:creationId xmlns:a16="http://schemas.microsoft.com/office/drawing/2014/main" id="{C2779FCE-D36E-F040-AD33-237CAACB1E88}"/>
+              </a:ext>
+            </a:extLst>
+          </p:cNvPr>
+          <p:cNvSpPr txBox="1"/>
+          <p:nvPr/>
+        </p:nvSpPr>
+        <p:spPr>
+          <a:xfrm>
+            <a:off x="7243335" y="9539944"/>
+            <a:ext cx="2963968" cy="584775"/>
+          </a:xfrm>
+          <a:prstGeom prst="rect">
+            <a:avLst/>
+          </a:prstGeom>
+          <a:noFill/>
+        </p:spPr>
+        <p:txBody>
+          <a:bodyPr wrap="square" rtlCol="0">
+            <a:spAutoFit/>
+          </a:bodyPr>
+          <a:lstStyle/>
+          <a:p>
+            <a:r>
+              <a:rPr lang="en-US" sz="1600" dirty="0">
+                <a:latin typeface="DejaVu Sans Book" panose="020B0603030804020204" pitchFamily="34" charset="0"/>
+                <a:ea typeface="DejaVu Sans Book" panose="020B0603030804020204" pitchFamily="34" charset="0"/>
+                <a:cs typeface="DejaVu Sans Book" panose="020B0603030804020204" pitchFamily="34" charset="0"/>
+              </a:rPr>
+              <a:t>Performance &amp; Resource Optimization</a:t>
+            </a:r>
+          </a:p>
+        </p:txBody>
+      </p:sp>
+      <p:sp>
+        <p:nvSpPr>
+          <p:cNvPr id="55" name="Right Brace 54">
+            <a:extLst>
+              <a:ext uri="{FF2B5EF4-FFF2-40B4-BE49-F238E27FC236}">
+                <a16:creationId xmlns:a16="http://schemas.microsoft.com/office/drawing/2014/main" id="{58B1D816-7AAB-D840-8A81-0015CEFDDAB6}"/>
+              </a:ext>
+            </a:extLst>
+          </p:cNvPr>
+          <p:cNvSpPr/>
+          <p:nvPr/>
+        </p:nvSpPr>
+        <p:spPr>
+          <a:xfrm>
+            <a:off x="6978086" y="8925240"/>
+            <a:ext cx="173808" cy="1733391"/>
+          </a:xfrm>
+          <a:prstGeom prst="rightBrace">
+            <a:avLst>
+              <a:gd name="adj1" fmla="val 66146"/>
+              <a:gd name="adj2" fmla="val 50000"/>
+            </a:avLst>
+          </a:prstGeom>
+          <a:ln w="12700">
+            <a:solidFill>
+              <a:schemeClr val="tx1"/>
+            </a:solidFill>
+          </a:ln>
+        </p:spPr>
+        <p:style>
+          <a:lnRef idx="1">
+            <a:schemeClr val="dk1"/>
+          </a:lnRef>
+          <a:fillRef idx="0">
+            <a:schemeClr val="dk1"/>
+          </a:fillRef>
+          <a:effectRef idx="0">
+            <a:schemeClr val="dk1"/>
+          </a:effectRef>
+          <a:fontRef idx="minor">
+            <a:schemeClr val="tx1"/>
+          </a:fontRef>
+        </p:style>
+        <p:txBody>
+          <a:bodyPr rtlCol="0" anchor="ctr"/>
+          <a:lstStyle/>
+          <a:p>
+            <a:pPr algn="ctr"/>
+            <a:endParaRPr lang="en-US" sz="1600">
+              <a:latin typeface="DejaVu Sans Book" panose="020B0603030804020204" pitchFamily="34" charset="0"/>
+              <a:ea typeface="DejaVu Sans Book" panose="020B0603030804020204" pitchFamily="34" charset="0"/>
+              <a:cs typeface="DejaVu Sans Book" panose="020B0603030804020204" pitchFamily="34" charset="0"/>
+            </a:endParaRPr>
+          </a:p>
+        </p:txBody>
+      </p:sp>
+      <p:grpSp>
+        <p:nvGrpSpPr>
+          <p:cNvPr id="56" name="Group 55">
+            <a:extLst>
+              <a:ext uri="{FF2B5EF4-FFF2-40B4-BE49-F238E27FC236}">
+                <a16:creationId xmlns:a16="http://schemas.microsoft.com/office/drawing/2014/main" id="{15092FB6-8C8A-5340-AE90-7C8C0B16F94F}"/>
+              </a:ext>
+            </a:extLst>
+          </p:cNvPr>
+          <p:cNvGrpSpPr/>
+          <p:nvPr/>
+        </p:nvGrpSpPr>
+        <p:grpSpPr>
+          <a:xfrm>
+            <a:off x="4114393" y="2349165"/>
+            <a:ext cx="5377278" cy="1934680"/>
+            <a:chOff x="5485929" y="2263440"/>
+            <a:chExt cx="5377278" cy="1934680"/>
+          </a:xfrm>
+        </p:grpSpPr>
+        <p:sp>
+          <p:nvSpPr>
+            <p:cNvPr id="57" name="Pentagon 56">
+              <a:extLst>
+                <a:ext uri="{FF2B5EF4-FFF2-40B4-BE49-F238E27FC236}">
+                  <a16:creationId xmlns:a16="http://schemas.microsoft.com/office/drawing/2014/main" id="{B6B4A1E0-1322-FB45-A77B-523B8D708BDB}"/>
+                </a:ext>
+              </a:extLst>
+            </p:cNvPr>
+            <p:cNvSpPr/>
+            <p:nvPr/>
+          </p:nvSpPr>
+          <p:spPr>
+            <a:xfrm rot="10800000">
+              <a:off x="5485929" y="2263440"/>
+              <a:ext cx="5316758" cy="1934680"/>
+            </a:xfrm>
+            <a:prstGeom prst="homePlate">
+              <a:avLst>
+                <a:gd name="adj" fmla="val 20735"/>
+              </a:avLst>
+            </a:prstGeom>
+            <a:solidFill>
+              <a:schemeClr val="accent4">
+                <a:lumMod val="40000"/>
+                <a:lumOff val="60000"/>
+              </a:schemeClr>
+            </a:solidFill>
+            <a:ln>
+              <a:noFill/>
+            </a:ln>
+          </p:spPr>
+          <p:style>
+            <a:lnRef idx="2">
+              <a:schemeClr val="accent1">
+                <a:shade val="50000"/>
+              </a:schemeClr>
+            </a:lnRef>
+            <a:fillRef idx="1">
+              <a:schemeClr val="accent1"/>
+            </a:fillRef>
+            <a:effectRef idx="0">
+              <a:schemeClr val="accent1"/>
+            </a:effectRef>
+            <a:fontRef idx="minor">
+              <a:schemeClr val="lt1"/>
+            </a:fontRef>
+          </p:style>
+          <p:txBody>
+            <a:bodyPr rtlCol="0" anchor="ctr"/>
+            <a:lstStyle/>
+            <a:p>
+              <a:pPr algn="ctr"/>
+              <a:endParaRPr lang="en-US" sz="1600" dirty="0">
+                <a:latin typeface="DejaVu Sans Book" panose="020B0603030804020204" pitchFamily="34" charset="0"/>
+                <a:ea typeface="DejaVu Sans Book" panose="020B0603030804020204" pitchFamily="34" charset="0"/>
+                <a:cs typeface="DejaVu Sans Book" panose="020B0603030804020204" pitchFamily="34" charset="0"/>
+              </a:endParaRPr>
+            </a:p>
+          </p:txBody>
+        </p:sp>
+        <p:sp>
+          <p:nvSpPr>
+            <p:cNvPr id="58" name="TextBox 57">
+              <a:extLst>
+                <a:ext uri="{FF2B5EF4-FFF2-40B4-BE49-F238E27FC236}">
+                  <a16:creationId xmlns:a16="http://schemas.microsoft.com/office/drawing/2014/main" id="{589B81CC-A503-EB45-994D-9B05C3B49945}"/>
+                </a:ext>
+              </a:extLst>
+            </p:cNvPr>
+            <p:cNvSpPr txBox="1"/>
+            <p:nvPr/>
+          </p:nvSpPr>
+          <p:spPr>
+            <a:xfrm>
+              <a:off x="5886469" y="2351993"/>
+              <a:ext cx="4976738" cy="1579920"/>
+            </a:xfrm>
+            <a:prstGeom prst="rect">
+              <a:avLst/>
+            </a:prstGeom>
+            <a:noFill/>
+          </p:spPr>
+          <p:txBody>
+            <a:bodyPr wrap="square" rtlCol="0">
+              <a:spAutoFit/>
+            </a:bodyPr>
+            <a:lstStyle/>
+            <a:p>
+              <a:pPr>
+                <a:spcBef>
+                  <a:spcPts val="1000"/>
+                </a:spcBef>
+              </a:pPr>
+              <a:r>
+                <a:rPr lang="en-US" sz="1600" b="1" dirty="0">
+                  <a:latin typeface="DejaVu Sans Book" panose="020B0603030804020204" pitchFamily="34" charset="0"/>
+                  <a:ea typeface="DejaVu Sans Book" panose="020B0603030804020204" pitchFamily="34" charset="0"/>
+                  <a:cs typeface="DejaVu Sans Book" panose="020B0603030804020204" pitchFamily="34" charset="0"/>
+                </a:rPr>
+                <a:t>S</a:t>
+              </a:r>
+              <a:r>
+                <a:rPr lang="en-US" sz="1600" dirty="0">
+                  <a:latin typeface="DejaVu Sans Book" panose="020B0603030804020204" pitchFamily="34" charset="0"/>
+                  <a:ea typeface="DejaVu Sans Book" panose="020B0603030804020204" pitchFamily="34" charset="0"/>
+                  <a:cs typeface="DejaVu Sans Book" panose="020B0603030804020204" pitchFamily="34" charset="0"/>
+                </a:rPr>
+                <a:t>caling </a:t>
+              </a:r>
+              <a:r>
+                <a:rPr lang="en-US" sz="1600" b="1" dirty="0">
+                  <a:latin typeface="DejaVu Sans Book" panose="020B0603030804020204" pitchFamily="34" charset="0"/>
+                  <a:ea typeface="DejaVu Sans Book" panose="020B0603030804020204" pitchFamily="34" charset="0"/>
+                  <a:cs typeface="DejaVu Sans Book" panose="020B0603030804020204" pitchFamily="34" charset="0"/>
+                </a:rPr>
+                <a:t>a</a:t>
+              </a:r>
+              <a:r>
+                <a:rPr lang="en-US" sz="1600" dirty="0">
+                  <a:latin typeface="DejaVu Sans Book" panose="020B0603030804020204" pitchFamily="34" charset="0"/>
+                  <a:ea typeface="DejaVu Sans Book" panose="020B0603030804020204" pitchFamily="34" charset="0"/>
+                  <a:cs typeface="DejaVu Sans Book" panose="020B0603030804020204" pitchFamily="34" charset="0"/>
+                </a:rPr>
+                <a:t> </a:t>
+              </a:r>
+              <a:r>
+                <a:rPr lang="en-US" sz="1600" b="1" dirty="0">
+                  <a:latin typeface="DejaVu Sans Book" panose="020B0603030804020204" pitchFamily="34" charset="0"/>
+                  <a:ea typeface="DejaVu Sans Book" panose="020B0603030804020204" pitchFamily="34" charset="0"/>
+                  <a:cs typeface="DejaVu Sans Book" panose="020B0603030804020204" pitchFamily="34" charset="0"/>
+                </a:rPr>
+                <a:t>R</a:t>
+              </a:r>
+              <a:r>
+                <a:rPr lang="en-US" sz="1600" dirty="0">
+                  <a:latin typeface="DejaVu Sans Book" panose="020B0603030804020204" pitchFamily="34" charset="0"/>
+                  <a:ea typeface="DejaVu Sans Book" panose="020B0603030804020204" pitchFamily="34" charset="0"/>
+                  <a:cs typeface="DejaVu Sans Book" panose="020B0603030804020204" pitchFamily="34" charset="0"/>
+                </a:rPr>
+                <a:t>econfigurable </a:t>
+              </a:r>
+              <a:r>
+                <a:rPr lang="en-US" sz="1600" b="1" dirty="0">
+                  <a:latin typeface="DejaVu Sans Book" panose="020B0603030804020204" pitchFamily="34" charset="0"/>
+                  <a:ea typeface="DejaVu Sans Book" panose="020B0603030804020204" pitchFamily="34" charset="0"/>
+                  <a:cs typeface="DejaVu Sans Book" panose="020B0603030804020204" pitchFamily="34" charset="0"/>
+                </a:rPr>
+                <a:t>A</a:t>
+              </a:r>
+              <a:r>
+                <a:rPr lang="en-US" sz="1600" dirty="0">
+                  <a:latin typeface="DejaVu Sans Book" panose="020B0603030804020204" pitchFamily="34" charset="0"/>
+                  <a:ea typeface="DejaVu Sans Book" panose="020B0603030804020204" pitchFamily="34" charset="0"/>
+                  <a:cs typeface="DejaVu Sans Book" panose="020B0603030804020204" pitchFamily="34" charset="0"/>
+                </a:rPr>
+                <a:t>ccelerator</a:t>
+              </a:r>
+            </a:p>
+            <a:p>
+              <a:pPr marL="342900" indent="-342900">
+                <a:spcBef>
+                  <a:spcPts val="1000"/>
+                </a:spcBef>
+                <a:buFont typeface="+mj-lt"/>
+                <a:buAutoNum type="arabicPeriod"/>
+              </a:pPr>
+              <a:r>
+                <a:rPr lang="en-US" sz="1600" dirty="0">
+                  <a:latin typeface="DejaVu Sans Book" panose="020B0603030804020204" pitchFamily="34" charset="0"/>
+                  <a:ea typeface="DejaVu Sans Book" panose="020B0603030804020204" pitchFamily="34" charset="0"/>
+                  <a:cs typeface="DejaVu Sans Book" panose="020B0603030804020204" pitchFamily="34" charset="0"/>
+                </a:rPr>
+                <a:t>Support </a:t>
+              </a:r>
+              <a:r>
+                <a:rPr lang="en-US" sz="1600" b="1" dirty="0">
+                  <a:latin typeface="DejaVu Sans Book" panose="020B0603030804020204" pitchFamily="34" charset="0"/>
+                  <a:ea typeface="DejaVu Sans Book" panose="020B0603030804020204" pitchFamily="34" charset="0"/>
+                  <a:cs typeface="DejaVu Sans Book" panose="020B0603030804020204" pitchFamily="34" charset="0"/>
+                </a:rPr>
+                <a:t>imperative control constructs</a:t>
+              </a:r>
+              <a:r>
+                <a:rPr lang="en-US" sz="1600" dirty="0">
+                  <a:latin typeface="DejaVu Sans Book" panose="020B0603030804020204" pitchFamily="34" charset="0"/>
+                  <a:ea typeface="DejaVu Sans Book" panose="020B0603030804020204" pitchFamily="34" charset="0"/>
+                  <a:cs typeface="DejaVu Sans Book" panose="020B0603030804020204" pitchFamily="34" charset="0"/>
+                </a:rPr>
+                <a:t> on a distributed network</a:t>
+              </a:r>
+            </a:p>
+            <a:p>
+              <a:pPr marL="342900" indent="-342900">
+                <a:spcBef>
+                  <a:spcPts val="1000"/>
+                </a:spcBef>
+                <a:buFont typeface="+mj-lt"/>
+                <a:buAutoNum type="arabicPeriod"/>
+              </a:pPr>
+              <a:r>
+                <a:rPr lang="en-US" sz="1600" dirty="0">
+                  <a:latin typeface="DejaVu Sans Book" panose="020B0603030804020204" pitchFamily="34" charset="0"/>
+                  <a:ea typeface="DejaVu Sans Book" panose="020B0603030804020204" pitchFamily="34" charset="0"/>
+                  <a:cs typeface="DejaVu Sans Book" panose="020B0603030804020204" pitchFamily="34" charset="0"/>
+                </a:rPr>
+                <a:t>Systematically handle </a:t>
+              </a:r>
+              <a:r>
+                <a:rPr lang="en-US" sz="1600" b="1" dirty="0">
+                  <a:latin typeface="DejaVu Sans Book" panose="020B0603030804020204" pitchFamily="34" charset="0"/>
+                  <a:ea typeface="DejaVu Sans Book" panose="020B0603030804020204" pitchFamily="34" charset="0"/>
+                  <a:cs typeface="DejaVu Sans Book" panose="020B0603030804020204" pitchFamily="34" charset="0"/>
+                </a:rPr>
+                <a:t>hardware constraints</a:t>
+              </a:r>
+              <a:r>
+                <a:rPr lang="en-US" sz="1600" dirty="0">
+                  <a:latin typeface="DejaVu Sans Book" panose="020B0603030804020204" pitchFamily="34" charset="0"/>
+                  <a:ea typeface="DejaVu Sans Book" panose="020B0603030804020204" pitchFamily="34" charset="0"/>
+                  <a:cs typeface="DejaVu Sans Book" panose="020B0603030804020204" pitchFamily="34" charset="0"/>
+                </a:rPr>
+                <a:t> on a hierarchical architecture</a:t>
+              </a:r>
+            </a:p>
+          </p:txBody>
+        </p:sp>
+      </p:grpSp>
+    </p:spTree>
+    <p:extLst>
+      <p:ext uri="{BB962C8B-B14F-4D97-AF65-F5344CB8AC3E}">
+        <p14:creationId xmlns:p14="http://schemas.microsoft.com/office/powerpoint/2010/main" val="3110920541"/>
+      </p:ext>
+    </p:extLst>
+  </p:cSld>
+  <p:clrMapOvr>
+    <a:masterClrMapping/>
+  </p:clrMapOvr>
+  <p:timing>
+    <p:tnLst>
+      <p:par>
+        <p:cTn id="1" dur="indefinite" restart="never" nodeType="tmRoot">
+          <p:childTnLst>
+            <p:seq concurrent="1" nextAc="seek">
+              <p:cTn id="2" dur="indefinite" nodeType="mainSeq">
+                <p:childTnLst>
+                  <p:par>
+                    <p:cTn id="3" fill="hold">
+                      <p:stCondLst>
+                        <p:cond delay="indefinite"/>
+                      </p:stCondLst>
+                      <p:childTnLst>
+                        <p:par>
+                          <p:cTn id="4" fill="hold">
+                            <p:stCondLst>
+                              <p:cond delay="0"/>
+                            </p:stCondLst>
+                            <p:childTnLst>
+                              <p:par>
+                                <p:cTn id="5" presetID="1" presetClass="entr" presetSubtype="0" fill="hold" grpId="0" nodeType="clickEffect">
+                                  <p:stCondLst>
+                                    <p:cond delay="0"/>
+                                  </p:stCondLst>
+                                  <p:childTnLst>
+                                    <p:set>
+                                      <p:cBhvr>
+                                        <p:cTn id="6" dur="1" fill="hold">
+                                          <p:stCondLst>
+                                            <p:cond delay="0"/>
+                                          </p:stCondLst>
+                                        </p:cTn>
+                                        <p:tgtEl>
+                                          <p:spTgt spid="4"/>
+                                        </p:tgtEl>
+                                        <p:attrNameLst>
+                                          <p:attrName>style.visibility</p:attrName>
+                                        </p:attrNameLst>
+                                      </p:cBhvr>
+                                      <p:to>
+                                        <p:strVal val="visible"/>
+                                      </p:to>
+                                    </p:set>
+                                  </p:childTnLst>
+                                </p:cTn>
+                              </p:par>
+                            </p:childTnLst>
+                          </p:cTn>
+                        </p:par>
+                      </p:childTnLst>
+                    </p:cTn>
+                  </p:par>
+                  <p:par>
+                    <p:cTn id="7" fill="hold">
+                      <p:stCondLst>
+                        <p:cond delay="indefinite"/>
+                      </p:stCondLst>
+                      <p:childTnLst>
+                        <p:par>
+                          <p:cTn id="8" fill="hold">
+                            <p:stCondLst>
+                              <p:cond delay="0"/>
+                            </p:stCondLst>
+                            <p:childTnLst>
+                              <p:par>
+                                <p:cTn id="9" presetID="1" presetClass="entr" presetSubtype="0" fill="hold" grpId="0" nodeType="clickEffect">
+                                  <p:stCondLst>
+                                    <p:cond delay="0"/>
+                                  </p:stCondLst>
+                                  <p:childTnLst>
+                                    <p:set>
+                                      <p:cBhvr>
+                                        <p:cTn id="10" dur="1" fill="hold">
+                                          <p:stCondLst>
+                                            <p:cond delay="0"/>
+                                          </p:stCondLst>
+                                        </p:cTn>
+                                        <p:tgtEl>
+                                          <p:spTgt spid="5"/>
+                                        </p:tgtEl>
+                                        <p:attrNameLst>
+                                          <p:attrName>style.visibility</p:attrName>
+                                        </p:attrNameLst>
+                                      </p:cBhvr>
+                                      <p:to>
+                                        <p:strVal val="visible"/>
+                                      </p:to>
+                                    </p:set>
+                                  </p:childTnLst>
+                                </p:cTn>
+                              </p:par>
+                              <p:par>
+                                <p:cTn id="11" presetID="1" presetClass="entr" presetSubtype="0" fill="hold" grpId="0" nodeType="withEffect">
+                                  <p:stCondLst>
+                                    <p:cond delay="0"/>
+                                  </p:stCondLst>
+                                  <p:childTnLst>
+                                    <p:set>
+                                      <p:cBhvr>
+                                        <p:cTn id="12" dur="1" fill="hold">
+                                          <p:stCondLst>
+                                            <p:cond delay="0"/>
+                                          </p:stCondLst>
+                                        </p:cTn>
+                                        <p:tgtEl>
+                                          <p:spTgt spid="7"/>
+                                        </p:tgtEl>
+                                        <p:attrNameLst>
+                                          <p:attrName>style.visibility</p:attrName>
+                                        </p:attrNameLst>
+                                      </p:cBhvr>
+                                      <p:to>
+                                        <p:strVal val="visible"/>
+                                      </p:to>
+                                    </p:set>
+                                  </p:childTnLst>
+                                </p:cTn>
+                              </p:par>
+                            </p:childTnLst>
+                          </p:cTn>
+                        </p:par>
+                      </p:childTnLst>
+                    </p:cTn>
+                  </p:par>
+                  <p:par>
+                    <p:cTn id="13" fill="hold">
+                      <p:stCondLst>
+                        <p:cond delay="indefinite"/>
+                      </p:stCondLst>
+                      <p:childTnLst>
+                        <p:par>
+                          <p:cTn id="14" fill="hold">
+                            <p:stCondLst>
+                              <p:cond delay="0"/>
+                            </p:stCondLst>
+                            <p:childTnLst>
+                              <p:par>
+                                <p:cTn id="15" presetID="1" presetClass="entr" presetSubtype="0" fill="hold" grpId="0" nodeType="clickEffect">
+                                  <p:stCondLst>
+                                    <p:cond delay="0"/>
+                                  </p:stCondLst>
+                                  <p:childTnLst>
+                                    <p:set>
+                                      <p:cBhvr>
+                                        <p:cTn id="16" dur="1" fill="hold">
+                                          <p:stCondLst>
+                                            <p:cond delay="0"/>
+                                          </p:stCondLst>
+                                        </p:cTn>
+                                        <p:tgtEl>
+                                          <p:spTgt spid="6"/>
+                                        </p:tgtEl>
+                                        <p:attrNameLst>
+                                          <p:attrName>style.visibility</p:attrName>
+                                        </p:attrNameLst>
+                                      </p:cBhvr>
+                                      <p:to>
+                                        <p:strVal val="visible"/>
+                                      </p:to>
+                                    </p:set>
+                                  </p:childTnLst>
+                                </p:cTn>
+                              </p:par>
+                              <p:par>
+                                <p:cTn id="17" presetID="1" presetClass="entr" presetSubtype="0" fill="hold" grpId="0" nodeType="withEffect">
+                                  <p:stCondLst>
+                                    <p:cond delay="0"/>
+                                  </p:stCondLst>
+                                  <p:childTnLst>
+                                    <p:set>
+                                      <p:cBhvr>
+                                        <p:cTn id="18" dur="1" fill="hold">
+                                          <p:stCondLst>
+                                            <p:cond delay="0"/>
+                                          </p:stCondLst>
+                                        </p:cTn>
+                                        <p:tgtEl>
+                                          <p:spTgt spid="8"/>
+                                        </p:tgtEl>
+                                        <p:attrNameLst>
+                                          <p:attrName>style.visibility</p:attrName>
+                                        </p:attrNameLst>
+                                      </p:cBhvr>
+                                      <p:to>
+                                        <p:strVal val="visible"/>
+                                      </p:to>
+                                    </p:set>
+                                  </p:childTnLst>
+                                </p:cTn>
+                              </p:par>
+                              <p:par>
+                                <p:cTn id="19" presetID="1" presetClass="entr" presetSubtype="0" fill="hold" grpId="0" nodeType="withEffect">
+                                  <p:stCondLst>
+                                    <p:cond delay="0"/>
+                                  </p:stCondLst>
+                                  <p:childTnLst>
+                                    <p:set>
+                                      <p:cBhvr>
+                                        <p:cTn id="20" dur="1" fill="hold">
+                                          <p:stCondLst>
+                                            <p:cond delay="0"/>
+                                          </p:stCondLst>
+                                        </p:cTn>
+                                        <p:tgtEl>
+                                          <p:spTgt spid="38"/>
+                                        </p:tgtEl>
+                                        <p:attrNameLst>
+                                          <p:attrName>style.visibility</p:attrName>
+                                        </p:attrNameLst>
+                                      </p:cBhvr>
+                                      <p:to>
+                                        <p:strVal val="visible"/>
+                                      </p:to>
+                                    </p:set>
+                                  </p:childTnLst>
+                                </p:cTn>
+                              </p:par>
+                            </p:childTnLst>
+                          </p:cTn>
+                        </p:par>
+                      </p:childTnLst>
+                    </p:cTn>
+                  </p:par>
+                  <p:par>
+                    <p:cTn id="21" fill="hold">
+                      <p:stCondLst>
+                        <p:cond delay="indefinite"/>
+                      </p:stCondLst>
+                      <p:childTnLst>
+                        <p:par>
+                          <p:cTn id="22" fill="hold">
+                            <p:stCondLst>
+                              <p:cond delay="0"/>
+                            </p:stCondLst>
+                            <p:childTnLst>
+                              <p:par>
+                                <p:cTn id="23" presetID="1" presetClass="entr" presetSubtype="0" fill="hold" grpId="0" nodeType="clickEffect">
+                                  <p:stCondLst>
+                                    <p:cond delay="0"/>
+                                  </p:stCondLst>
+                                  <p:childTnLst>
+                                    <p:set>
+                                      <p:cBhvr>
+                                        <p:cTn id="24" dur="1" fill="hold">
+                                          <p:stCondLst>
+                                            <p:cond delay="0"/>
+                                          </p:stCondLst>
+                                        </p:cTn>
+                                        <p:tgtEl>
+                                          <p:spTgt spid="39"/>
+                                        </p:tgtEl>
+                                        <p:attrNameLst>
+                                          <p:attrName>style.visibility</p:attrName>
+                                        </p:attrNameLst>
+                                      </p:cBhvr>
+                                      <p:to>
+                                        <p:strVal val="visible"/>
+                                      </p:to>
+                                    </p:set>
+                                  </p:childTnLst>
+                                </p:cTn>
+                              </p:par>
+                            </p:childTnLst>
+                          </p:cTn>
+                        </p:par>
+                      </p:childTnLst>
+                    </p:cTn>
+                  </p:par>
+                  <p:par>
+                    <p:cTn id="25" fill="hold">
+                      <p:stCondLst>
+                        <p:cond delay="indefinite"/>
+                      </p:stCondLst>
+                      <p:childTnLst>
+                        <p:par>
+                          <p:cTn id="26" fill="hold">
+                            <p:stCondLst>
+                              <p:cond delay="0"/>
+                            </p:stCondLst>
+                            <p:childTnLst>
+                              <p:par>
+                                <p:cTn id="27" presetID="1" presetClass="entr" presetSubtype="0" fill="hold" grpId="0" nodeType="clickEffect">
+                                  <p:stCondLst>
+                                    <p:cond delay="0"/>
+                                  </p:stCondLst>
+                                  <p:childTnLst>
+                                    <p:set>
+                                      <p:cBhvr>
+                                        <p:cTn id="28" dur="1" fill="hold">
+                                          <p:stCondLst>
+                                            <p:cond delay="0"/>
+                                          </p:stCondLst>
+                                        </p:cTn>
+                                        <p:tgtEl>
+                                          <p:spTgt spid="48"/>
+                                        </p:tgtEl>
+                                        <p:attrNameLst>
+                                          <p:attrName>style.visibility</p:attrName>
+                                        </p:attrNameLst>
+                                      </p:cBhvr>
+                                      <p:to>
+                                        <p:strVal val="visible"/>
+                                      </p:to>
+                                    </p:set>
+                                  </p:childTnLst>
+                                </p:cTn>
+                              </p:par>
+                              <p:par>
+                                <p:cTn id="29" presetID="1" presetClass="entr" presetSubtype="0" fill="hold" grpId="0" nodeType="withEffect">
+                                  <p:stCondLst>
+                                    <p:cond delay="0"/>
+                                  </p:stCondLst>
+                                  <p:childTnLst>
+                                    <p:set>
+                                      <p:cBhvr>
+                                        <p:cTn id="30" dur="1" fill="hold">
+                                          <p:stCondLst>
+                                            <p:cond delay="0"/>
+                                          </p:stCondLst>
+                                        </p:cTn>
+                                        <p:tgtEl>
+                                          <p:spTgt spid="47"/>
+                                        </p:tgtEl>
+                                        <p:attrNameLst>
+                                          <p:attrName>style.visibility</p:attrName>
+                                        </p:attrNameLst>
+                                      </p:cBhvr>
+                                      <p:to>
+                                        <p:strVal val="visible"/>
+                                      </p:to>
+                                    </p:set>
+                                  </p:childTnLst>
+                                </p:cTn>
+                              </p:par>
+                            </p:childTnLst>
+                          </p:cTn>
+                        </p:par>
+                      </p:childTnLst>
+                    </p:cTn>
+                  </p:par>
+                  <p:par>
+                    <p:cTn id="31" fill="hold">
+                      <p:stCondLst>
+                        <p:cond delay="indefinite"/>
+                      </p:stCondLst>
+                      <p:childTnLst>
+                        <p:par>
+                          <p:cTn id="32" fill="hold">
+                            <p:stCondLst>
+                              <p:cond delay="0"/>
+                            </p:stCondLst>
+                            <p:childTnLst>
+                              <p:par>
+                                <p:cTn id="33" presetID="1" presetClass="entr" presetSubtype="0" fill="hold" grpId="0" nodeType="clickEffect">
+                                  <p:stCondLst>
+                                    <p:cond delay="0"/>
+                                  </p:stCondLst>
+                                  <p:childTnLst>
+                                    <p:set>
+                                      <p:cBhvr>
+                                        <p:cTn id="34" dur="1" fill="hold">
+                                          <p:stCondLst>
+                                            <p:cond delay="0"/>
+                                          </p:stCondLst>
+                                        </p:cTn>
+                                        <p:tgtEl>
+                                          <p:spTgt spid="41"/>
+                                        </p:tgtEl>
+                                        <p:attrNameLst>
+                                          <p:attrName>style.visibility</p:attrName>
+                                        </p:attrNameLst>
+                                      </p:cBhvr>
+                                      <p:to>
+                                        <p:strVal val="visible"/>
+                                      </p:to>
+                                    </p:set>
+                                  </p:childTnLst>
+                                </p:cTn>
+                              </p:par>
+                              <p:par>
+                                <p:cTn id="35" presetID="1" presetClass="entr" presetSubtype="0" fill="hold" grpId="0" nodeType="withEffect">
+                                  <p:stCondLst>
+                                    <p:cond delay="0"/>
+                                  </p:stCondLst>
+                                  <p:childTnLst>
+                                    <p:set>
+                                      <p:cBhvr>
+                                        <p:cTn id="36" dur="1" fill="hold">
+                                          <p:stCondLst>
+                                            <p:cond delay="0"/>
+                                          </p:stCondLst>
+                                        </p:cTn>
+                                        <p:tgtEl>
+                                          <p:spTgt spid="44"/>
+                                        </p:tgtEl>
+                                        <p:attrNameLst>
+                                          <p:attrName>style.visibility</p:attrName>
+                                        </p:attrNameLst>
+                                      </p:cBhvr>
+                                      <p:to>
+                                        <p:strVal val="visible"/>
+                                      </p:to>
+                                    </p:set>
+                                  </p:childTnLst>
+                                </p:cTn>
+                              </p:par>
+                              <p:par>
+                                <p:cTn id="37" presetID="1" presetClass="entr" presetSubtype="0" fill="hold" grpId="0" nodeType="withEffect">
+                                  <p:stCondLst>
+                                    <p:cond delay="0"/>
+                                  </p:stCondLst>
+                                  <p:childTnLst>
+                                    <p:set>
+                                      <p:cBhvr>
+                                        <p:cTn id="38" dur="1" fill="hold">
+                                          <p:stCondLst>
+                                            <p:cond delay="0"/>
+                                          </p:stCondLst>
+                                        </p:cTn>
+                                        <p:tgtEl>
+                                          <p:spTgt spid="49"/>
+                                        </p:tgtEl>
+                                        <p:attrNameLst>
+                                          <p:attrName>style.visibility</p:attrName>
+                                        </p:attrNameLst>
+                                      </p:cBhvr>
+                                      <p:to>
+                                        <p:strVal val="visible"/>
+                                      </p:to>
+                                    </p:set>
+                                  </p:childTnLst>
+                                </p:cTn>
+                              </p:par>
+                            </p:childTnLst>
+                          </p:cTn>
+                        </p:par>
+                      </p:childTnLst>
+                    </p:cTn>
+                  </p:par>
+                  <p:par>
+                    <p:cTn id="39" fill="hold">
+                      <p:stCondLst>
+                        <p:cond delay="indefinite"/>
+                      </p:stCondLst>
+                      <p:childTnLst>
+                        <p:par>
+                          <p:cTn id="40" fill="hold">
+                            <p:stCondLst>
+                              <p:cond delay="0"/>
+                            </p:stCondLst>
+                            <p:childTnLst>
+                              <p:par>
+                                <p:cTn id="41" presetID="1" presetClass="entr" presetSubtype="0" fill="hold" grpId="0" nodeType="clickEffect">
+                                  <p:stCondLst>
+                                    <p:cond delay="0"/>
+                                  </p:stCondLst>
+                                  <p:childTnLst>
+                                    <p:set>
+                                      <p:cBhvr>
+                                        <p:cTn id="42" dur="1" fill="hold">
+                                          <p:stCondLst>
+                                            <p:cond delay="0"/>
+                                          </p:stCondLst>
+                                        </p:cTn>
+                                        <p:tgtEl>
+                                          <p:spTgt spid="42"/>
+                                        </p:tgtEl>
+                                        <p:attrNameLst>
+                                          <p:attrName>style.visibility</p:attrName>
+                                        </p:attrNameLst>
+                                      </p:cBhvr>
+                                      <p:to>
+                                        <p:strVal val="visible"/>
+                                      </p:to>
+                                    </p:set>
+                                  </p:childTnLst>
+                                </p:cTn>
+                              </p:par>
+                              <p:par>
+                                <p:cTn id="43" presetID="1" presetClass="entr" presetSubtype="0" fill="hold" grpId="0" nodeType="withEffect">
+                                  <p:stCondLst>
+                                    <p:cond delay="0"/>
+                                  </p:stCondLst>
+                                  <p:childTnLst>
+                                    <p:set>
+                                      <p:cBhvr>
+                                        <p:cTn id="44" dur="1" fill="hold">
+                                          <p:stCondLst>
+                                            <p:cond delay="0"/>
+                                          </p:stCondLst>
+                                        </p:cTn>
+                                        <p:tgtEl>
+                                          <p:spTgt spid="45"/>
+                                        </p:tgtEl>
+                                        <p:attrNameLst>
+                                          <p:attrName>style.visibility</p:attrName>
+                                        </p:attrNameLst>
+                                      </p:cBhvr>
+                                      <p:to>
+                                        <p:strVal val="visible"/>
+                                      </p:to>
+                                    </p:set>
+                                  </p:childTnLst>
+                                </p:cTn>
+                              </p:par>
+                              <p:par>
+                                <p:cTn id="45" presetID="1" presetClass="entr" presetSubtype="0" fill="hold" grpId="0" nodeType="withEffect">
+                                  <p:stCondLst>
+                                    <p:cond delay="0"/>
+                                  </p:stCondLst>
+                                  <p:childTnLst>
+                                    <p:set>
+                                      <p:cBhvr>
+                                        <p:cTn id="46" dur="1" fill="hold">
+                                          <p:stCondLst>
+                                            <p:cond delay="0"/>
+                                          </p:stCondLst>
+                                        </p:cTn>
+                                        <p:tgtEl>
+                                          <p:spTgt spid="50"/>
+                                        </p:tgtEl>
+                                        <p:attrNameLst>
+                                          <p:attrName>style.visibility</p:attrName>
+                                        </p:attrNameLst>
+                                      </p:cBhvr>
+                                      <p:to>
+                                        <p:strVal val="visible"/>
+                                      </p:to>
+                                    </p:set>
+                                  </p:childTnLst>
+                                </p:cTn>
+                              </p:par>
+                            </p:childTnLst>
+                          </p:cTn>
+                        </p:par>
+                      </p:childTnLst>
+                    </p:cTn>
+                  </p:par>
+                  <p:par>
+                    <p:cTn id="47" fill="hold">
+                      <p:stCondLst>
+                        <p:cond delay="indefinite"/>
+                      </p:stCondLst>
+                      <p:childTnLst>
+                        <p:par>
+                          <p:cTn id="48" fill="hold">
+                            <p:stCondLst>
+                              <p:cond delay="0"/>
+                            </p:stCondLst>
+                            <p:childTnLst>
+                              <p:par>
+                                <p:cTn id="49" presetID="1" presetClass="entr" presetSubtype="0" fill="hold" grpId="0" nodeType="clickEffect">
+                                  <p:stCondLst>
+                                    <p:cond delay="0"/>
+                                  </p:stCondLst>
+                                  <p:childTnLst>
+                                    <p:set>
+                                      <p:cBhvr>
+                                        <p:cTn id="50" dur="1" fill="hold">
+                                          <p:stCondLst>
+                                            <p:cond delay="0"/>
+                                          </p:stCondLst>
+                                        </p:cTn>
+                                        <p:tgtEl>
+                                          <p:spTgt spid="43"/>
+                                        </p:tgtEl>
+                                        <p:attrNameLst>
+                                          <p:attrName>style.visibility</p:attrName>
+                                        </p:attrNameLst>
+                                      </p:cBhvr>
+                                      <p:to>
+                                        <p:strVal val="visible"/>
+                                      </p:to>
+                                    </p:set>
+                                  </p:childTnLst>
+                                </p:cTn>
+                              </p:par>
+                              <p:par>
+                                <p:cTn id="51" presetID="1" presetClass="entr" presetSubtype="0" fill="hold" grpId="0" nodeType="withEffect">
+                                  <p:stCondLst>
+                                    <p:cond delay="0"/>
+                                  </p:stCondLst>
+                                  <p:childTnLst>
+                                    <p:set>
+                                      <p:cBhvr>
+                                        <p:cTn id="52" dur="1" fill="hold">
+                                          <p:stCondLst>
+                                            <p:cond delay="0"/>
+                                          </p:stCondLst>
+                                        </p:cTn>
+                                        <p:tgtEl>
+                                          <p:spTgt spid="46"/>
+                                        </p:tgtEl>
+                                        <p:attrNameLst>
+                                          <p:attrName>style.visibility</p:attrName>
+                                        </p:attrNameLst>
+                                      </p:cBhvr>
+                                      <p:to>
+                                        <p:strVal val="visible"/>
+                                      </p:to>
+                                    </p:set>
+                                  </p:childTnLst>
+                                </p:cTn>
+                              </p:par>
+                              <p:par>
+                                <p:cTn id="53" presetID="1" presetClass="entr" presetSubtype="0" fill="hold" grpId="0" nodeType="withEffect">
+                                  <p:stCondLst>
+                                    <p:cond delay="0"/>
+                                  </p:stCondLst>
+                                  <p:childTnLst>
+                                    <p:set>
+                                      <p:cBhvr>
+                                        <p:cTn id="54" dur="1" fill="hold">
+                                          <p:stCondLst>
+                                            <p:cond delay="0"/>
+                                          </p:stCondLst>
+                                        </p:cTn>
+                                        <p:tgtEl>
+                                          <p:spTgt spid="51"/>
+                                        </p:tgtEl>
+                                        <p:attrNameLst>
+                                          <p:attrName>style.visibility</p:attrName>
+                                        </p:attrNameLst>
+                                      </p:cBhvr>
+                                      <p:to>
+                                        <p:strVal val="visible"/>
+                                      </p:to>
+                                    </p:set>
+                                  </p:childTnLst>
+                                </p:cTn>
+                              </p:par>
+                            </p:childTnLst>
+                          </p:cTn>
+                        </p:par>
+                      </p:childTnLst>
+                    </p:cTn>
+                  </p:par>
+                  <p:par>
+                    <p:cTn id="55" fill="hold">
+                      <p:stCondLst>
+                        <p:cond delay="indefinite"/>
+                      </p:stCondLst>
+                      <p:childTnLst>
+                        <p:par>
+                          <p:cTn id="56" fill="hold">
+                            <p:stCondLst>
+                              <p:cond delay="0"/>
+                            </p:stCondLst>
+                            <p:childTnLst>
+                              <p:par>
+                                <p:cTn id="57" presetID="1" presetClass="entr" presetSubtype="0" fill="hold" grpId="0" nodeType="clickEffect">
+                                  <p:stCondLst>
+                                    <p:cond delay="0"/>
+                                  </p:stCondLst>
+                                  <p:childTnLst>
+                                    <p:set>
+                                      <p:cBhvr>
+                                        <p:cTn id="58" dur="1" fill="hold">
+                                          <p:stCondLst>
+                                            <p:cond delay="0"/>
+                                          </p:stCondLst>
+                                        </p:cTn>
+                                        <p:tgtEl>
+                                          <p:spTgt spid="52"/>
+                                        </p:tgtEl>
+                                        <p:attrNameLst>
+                                          <p:attrName>style.visibility</p:attrName>
+                                        </p:attrNameLst>
+                                      </p:cBhvr>
+                                      <p:to>
+                                        <p:strVal val="visible"/>
+                                      </p:to>
+                                    </p:set>
+                                  </p:childTnLst>
+                                </p:cTn>
+                              </p:par>
+                              <p:par>
+                                <p:cTn id="59" presetID="1" presetClass="entr" presetSubtype="0" fill="hold" grpId="0" nodeType="withEffect">
+                                  <p:stCondLst>
+                                    <p:cond delay="0"/>
+                                  </p:stCondLst>
+                                  <p:childTnLst>
+                                    <p:set>
+                                      <p:cBhvr>
+                                        <p:cTn id="60" dur="1" fill="hold">
+                                          <p:stCondLst>
+                                            <p:cond delay="0"/>
+                                          </p:stCondLst>
+                                        </p:cTn>
+                                        <p:tgtEl>
+                                          <p:spTgt spid="53"/>
+                                        </p:tgtEl>
+                                        <p:attrNameLst>
+                                          <p:attrName>style.visibility</p:attrName>
+                                        </p:attrNameLst>
+                                      </p:cBhvr>
+                                      <p:to>
+                                        <p:strVal val="visible"/>
+                                      </p:to>
+                                    </p:set>
+                                  </p:childTnLst>
+                                </p:cTn>
+                              </p:par>
+                            </p:childTnLst>
+                          </p:cTn>
+                        </p:par>
+                      </p:childTnLst>
+                    </p:cTn>
+                  </p:par>
+                  <p:par>
+                    <p:cTn id="61" fill="hold">
+                      <p:stCondLst>
+                        <p:cond delay="indefinite"/>
+                      </p:stCondLst>
+                      <p:childTnLst>
+                        <p:par>
+                          <p:cTn id="62" fill="hold">
+                            <p:stCondLst>
+                              <p:cond delay="0"/>
+                            </p:stCondLst>
+                            <p:childTnLst>
+                              <p:par>
+                                <p:cTn id="63" presetID="1" presetClass="entr" presetSubtype="0" fill="hold" grpId="0" nodeType="clickEffect">
+                                  <p:stCondLst>
+                                    <p:cond delay="0"/>
+                                  </p:stCondLst>
+                                  <p:childTnLst>
+                                    <p:set>
+                                      <p:cBhvr>
+                                        <p:cTn id="64" dur="1" fill="hold">
+                                          <p:stCondLst>
+                                            <p:cond delay="0"/>
+                                          </p:stCondLst>
+                                        </p:cTn>
+                                        <p:tgtEl>
+                                          <p:spTgt spid="54"/>
+                                        </p:tgtEl>
+                                        <p:attrNameLst>
+                                          <p:attrName>style.visibility</p:attrName>
+                                        </p:attrNameLst>
+                                      </p:cBhvr>
+                                      <p:to>
+                                        <p:strVal val="visible"/>
+                                      </p:to>
+                                    </p:set>
+                                  </p:childTnLst>
+                                </p:cTn>
+                              </p:par>
+                              <p:par>
+                                <p:cTn id="65" presetID="1" presetClass="entr" presetSubtype="0" fill="hold" grpId="0" nodeType="withEffect">
+                                  <p:stCondLst>
+                                    <p:cond delay="0"/>
+                                  </p:stCondLst>
+                                  <p:childTnLst>
+                                    <p:set>
+                                      <p:cBhvr>
+                                        <p:cTn id="66" dur="1" fill="hold">
+                                          <p:stCondLst>
+                                            <p:cond delay="0"/>
+                                          </p:stCondLst>
+                                        </p:cTn>
+                                        <p:tgtEl>
+                                          <p:spTgt spid="55"/>
+                                        </p:tgtEl>
+                                        <p:attrNameLst>
+                                          <p:attrName>style.visibility</p:attrName>
+                                        </p:attrNameLst>
+                                      </p:cBhvr>
+                                      <p:to>
+                                        <p:strVal val="visible"/>
+                                      </p:to>
+                                    </p:set>
+                                  </p:childTnLst>
+                                </p:cTn>
+                              </p:par>
+                            </p:childTnLst>
+                          </p:cTn>
+                        </p:par>
+                      </p:childTnLst>
+                    </p:cTn>
+                  </p:par>
+                  <p:par>
+                    <p:cTn id="67" fill="hold">
+                      <p:stCondLst>
+                        <p:cond delay="indefinite"/>
+                      </p:stCondLst>
+                      <p:childTnLst>
+                        <p:par>
+                          <p:cTn id="68" fill="hold">
+                            <p:stCondLst>
+                              <p:cond delay="0"/>
+                            </p:stCondLst>
+                            <p:childTnLst>
+                              <p:par>
+                                <p:cTn id="69" presetID="1" presetClass="entr" presetSubtype="0" fill="hold" nodeType="clickEffect">
+                                  <p:stCondLst>
+                                    <p:cond delay="0"/>
+                                  </p:stCondLst>
+                                  <p:childTnLst>
+                                    <p:set>
+                                      <p:cBhvr>
+                                        <p:cTn id="70" dur="1" fill="hold">
+                                          <p:stCondLst>
+                                            <p:cond delay="0"/>
+                                          </p:stCondLst>
+                                        </p:cTn>
+                                        <p:tgtEl>
+                                          <p:spTgt spid="56"/>
+                                        </p:tgtEl>
+                                        <p:attrNameLst>
+                                          <p:attrName>style.visibility</p:attrName>
+                                        </p:attrNameLst>
+                                      </p:cBhvr>
+                                      <p:to>
+                                        <p:strVal val="visible"/>
+                                      </p:to>
+                                    </p:set>
+                                  </p:childTnLst>
+                                </p:cTn>
+                              </p:par>
+                            </p:childTnLst>
+                          </p:cTn>
+                        </p:par>
+                      </p:childTnLst>
+                    </p:cTn>
+                  </p:par>
+                </p:childTnLst>
+              </p:cTn>
+              <p:prevCondLst>
+                <p:cond evt="onPrev" delay="0">
+                  <p:tgtEl>
+                    <p:sldTgt/>
+                  </p:tgtEl>
+                </p:cond>
+              </p:prevCondLst>
+              <p:nextCondLst>
+                <p:cond evt="onNext" delay="0">
+                  <p:tgtEl>
+                    <p:sldTgt/>
+                  </p:tgtEl>
+                </p:cond>
+              </p:nextCondLst>
+            </p:seq>
+          </p:childTnLst>
+        </p:cTn>
+      </p:par>
+    </p:tnLst>
+    <p:bldLst>
+      <p:bldP spid="4" grpId="0" animBg="1"/>
+      <p:bldP spid="5" grpId="0" animBg="1"/>
+      <p:bldP spid="6" grpId="0" animBg="1"/>
+      <p:bldP spid="7" grpId="0" animBg="1"/>
+      <p:bldP spid="8" grpId="0" animBg="1"/>
+      <p:bldP spid="38" grpId="0"/>
+      <p:bldP spid="39" grpId="0"/>
+      <p:bldP spid="41" grpId="0" animBg="1"/>
+      <p:bldP spid="42" grpId="0" animBg="1"/>
+      <p:bldP spid="43" grpId="0" animBg="1"/>
+      <p:bldP spid="44" grpId="0" animBg="1"/>
+      <p:bldP spid="45" grpId="0" animBg="1"/>
+      <p:bldP spid="46" grpId="0" animBg="1"/>
+      <p:bldP spid="47" grpId="0" animBg="1"/>
+      <p:bldP spid="48" grpId="0" animBg="1"/>
+      <p:bldP spid="49" grpId="0" animBg="1"/>
+      <p:bldP spid="50" grpId="0" animBg="1"/>
+      <p:bldP spid="51" grpId="0" animBg="1"/>
+      <p:bldP spid="52" grpId="0" animBg="1"/>
+      <p:bldP spid="53" grpId="0"/>
+      <p:bldP spid="54" grpId="0"/>
+      <p:bldP spid="55" grpId="0" animBg="1"/>
+    </p:bldLst>
+  </p:timing>
 </p:sld>
 </file>
 

--- a/figs/figs.pptx
+++ b/figs/figs.pptx
@@ -5,7 +5,7 @@
     <p:sldMasterId id="2147483672" r:id="rId1"/>
   </p:sldMasterIdLst>
   <p:notesMasterIdLst>
-    <p:notesMasterId r:id="rId7"/>
+    <p:notesMasterId r:id="rId10"/>
   </p:notesMasterIdLst>
   <p:sldIdLst>
     <p:sldId id="256" r:id="rId2"/>
@@ -13,6 +13,9 @@
     <p:sldId id="373" r:id="rId4"/>
     <p:sldId id="374" r:id="rId5"/>
     <p:sldId id="375" r:id="rId6"/>
+    <p:sldId id="376" r:id="rId7"/>
+    <p:sldId id="377" r:id="rId8"/>
+    <p:sldId id="378" r:id="rId9"/>
   </p:sldIdLst>
   <p:sldSz cx="14630400" cy="18288000"/>
   <p:notesSz cx="6858000" cy="9144000"/>
@@ -17277,6 +17280,3709 @@
 </p:sld>
 </file>
 
+<file path=ppt/slides/slide6.xml><?xml version="1.0" encoding="utf-8"?>
+<p:sld xmlns:a="http://schemas.openxmlformats.org/drawingml/2006/main" xmlns:r="http://schemas.openxmlformats.org/officeDocument/2006/relationships" xmlns:p="http://schemas.openxmlformats.org/presentationml/2006/main">
+  <p:cSld>
+    <p:spTree>
+      <p:nvGrpSpPr>
+        <p:cNvPr id="1" name=""/>
+        <p:cNvGrpSpPr/>
+        <p:nvPr/>
+      </p:nvGrpSpPr>
+      <p:grpSpPr>
+        <a:xfrm>
+          <a:off x="0" y="0"/>
+          <a:ext cx="0" cy="0"/>
+          <a:chOff x="0" y="0"/>
+          <a:chExt cx="0" cy="0"/>
+        </a:xfrm>
+      </p:grpSpPr>
+      <p:pic>
+        <p:nvPicPr>
+          <p:cNvPr id="4" name="Content Placeholder 6">
+            <a:extLst>
+              <a:ext uri="{FF2B5EF4-FFF2-40B4-BE49-F238E27FC236}">
+                <a16:creationId xmlns:a16="http://schemas.microsoft.com/office/drawing/2014/main" id="{725751BE-9761-B545-B804-7195F576F3B1}"/>
+              </a:ext>
+            </a:extLst>
+          </p:cNvPr>
+          <p:cNvPicPr>
+            <a:picLocks noChangeAspect="1"/>
+          </p:cNvPicPr>
+          <p:nvPr/>
+        </p:nvPicPr>
+        <p:blipFill>
+          <a:blip r:embed="rId2" cstate="print">
+            <a:extLst>
+              <a:ext uri="{28A0092B-C50C-407E-A947-70E740481C1C}">
+                <a14:useLocalDpi xmlns:a14="http://schemas.microsoft.com/office/drawing/2010/main" val="0"/>
+              </a:ext>
+            </a:extLst>
+          </a:blip>
+          <a:stretch>
+            <a:fillRect/>
+          </a:stretch>
+        </p:blipFill>
+        <p:spPr>
+          <a:xfrm>
+            <a:off x="3151962" y="2069060"/>
+            <a:ext cx="5943600" cy="4061722"/>
+          </a:xfrm>
+          <a:prstGeom prst="rect">
+            <a:avLst/>
+          </a:prstGeom>
+        </p:spPr>
+      </p:pic>
+    </p:spTree>
+    <p:extLst>
+      <p:ext uri="{BB962C8B-B14F-4D97-AF65-F5344CB8AC3E}">
+        <p14:creationId xmlns:p14="http://schemas.microsoft.com/office/powerpoint/2010/main" val="872525179"/>
+      </p:ext>
+    </p:extLst>
+  </p:cSld>
+  <p:clrMapOvr>
+    <a:masterClrMapping/>
+  </p:clrMapOvr>
+</p:sld>
+</file>
+
+<file path=ppt/slides/slide7.xml><?xml version="1.0" encoding="utf-8"?>
+<p:sld xmlns:a="http://schemas.openxmlformats.org/drawingml/2006/main" xmlns:r="http://schemas.openxmlformats.org/officeDocument/2006/relationships" xmlns:p="http://schemas.openxmlformats.org/presentationml/2006/main">
+  <p:cSld>
+    <p:spTree>
+      <p:nvGrpSpPr>
+        <p:cNvPr id="1" name=""/>
+        <p:cNvGrpSpPr/>
+        <p:nvPr/>
+      </p:nvGrpSpPr>
+      <p:grpSpPr>
+        <a:xfrm>
+          <a:off x="0" y="0"/>
+          <a:ext cx="0" cy="0"/>
+          <a:chOff x="0" y="0"/>
+          <a:chExt cx="0" cy="0"/>
+        </a:xfrm>
+      </p:grpSpPr>
+      <p:sp>
+        <p:nvSpPr>
+          <p:cNvPr id="4" name="Oval 3">
+            <a:extLst>
+              <a:ext uri="{FF2B5EF4-FFF2-40B4-BE49-F238E27FC236}">
+                <a16:creationId xmlns:a16="http://schemas.microsoft.com/office/drawing/2014/main" id="{D0E6449F-9D4C-CB4C-B315-816671BB72CF}"/>
+              </a:ext>
+            </a:extLst>
+          </p:cNvPr>
+          <p:cNvSpPr/>
+          <p:nvPr/>
+        </p:nvSpPr>
+        <p:spPr>
+          <a:xfrm>
+            <a:off x="7065953" y="2969542"/>
+            <a:ext cx="518983" cy="518984"/>
+          </a:xfrm>
+          <a:prstGeom prst="ellipse">
+            <a:avLst/>
+          </a:prstGeom>
+          <a:solidFill>
+            <a:srgbClr val="E8533A"/>
+          </a:solidFill>
+          <a:ln w="25400">
+            <a:solidFill>
+              <a:schemeClr val="tx1">
+                <a:lumMod val="65000"/>
+                <a:lumOff val="35000"/>
+              </a:schemeClr>
+            </a:solidFill>
+          </a:ln>
+        </p:spPr>
+        <p:style>
+          <a:lnRef idx="2">
+            <a:schemeClr val="accent1">
+              <a:shade val="50000"/>
+            </a:schemeClr>
+          </a:lnRef>
+          <a:fillRef idx="1">
+            <a:schemeClr val="accent1"/>
+          </a:fillRef>
+          <a:effectRef idx="0">
+            <a:schemeClr val="accent1"/>
+          </a:effectRef>
+          <a:fontRef idx="minor">
+            <a:schemeClr val="lt1"/>
+          </a:fontRef>
+        </p:style>
+        <p:txBody>
+          <a:bodyPr rot="0" spcFirstLastPara="0" vertOverflow="overflow" horzOverflow="overflow" vert="horz" wrap="square" lIns="91440" tIns="45720" rIns="91440" bIns="45720" numCol="1" spcCol="0" rtlCol="0" fromWordArt="0" anchor="ctr" anchorCtr="0" forceAA="0" compatLnSpc="1">
+            <a:prstTxWarp prst="textNoShape">
+              <a:avLst/>
+            </a:prstTxWarp>
+            <a:noAutofit/>
+          </a:bodyPr>
+          <a:lstStyle/>
+          <a:p>
+            <a:pPr algn="ctr"/>
+            <a:r>
+              <a:rPr lang="en-US" dirty="0">
+                <a:latin typeface="DejaVu Sans Book" panose="020B0603030804020204" pitchFamily="34" charset="0"/>
+                <a:ea typeface="DejaVu Sans Book" panose="020B0603030804020204" pitchFamily="34" charset="0"/>
+                <a:cs typeface="DejaVu Sans Book" panose="020B0603030804020204" pitchFamily="34" charset="0"/>
+              </a:rPr>
+              <a:t>C</a:t>
+            </a:r>
+          </a:p>
+        </p:txBody>
+      </p:sp>
+      <p:sp>
+        <p:nvSpPr>
+          <p:cNvPr id="5" name="Oval 4">
+            <a:extLst>
+              <a:ext uri="{FF2B5EF4-FFF2-40B4-BE49-F238E27FC236}">
+                <a16:creationId xmlns:a16="http://schemas.microsoft.com/office/drawing/2014/main" id="{DE366DB4-F00B-CC49-AEEA-FD2019FB9BF4}"/>
+              </a:ext>
+            </a:extLst>
+          </p:cNvPr>
+          <p:cNvSpPr/>
+          <p:nvPr/>
+        </p:nvSpPr>
+        <p:spPr>
+          <a:xfrm>
+            <a:off x="4689829" y="2932967"/>
+            <a:ext cx="518983" cy="518984"/>
+          </a:xfrm>
+          <a:prstGeom prst="ellipse">
+            <a:avLst/>
+          </a:prstGeom>
+          <a:solidFill>
+            <a:srgbClr val="E8533A"/>
+          </a:solidFill>
+          <a:ln w="25400">
+            <a:solidFill>
+              <a:schemeClr val="tx1">
+                <a:lumMod val="65000"/>
+                <a:lumOff val="35000"/>
+              </a:schemeClr>
+            </a:solidFill>
+          </a:ln>
+        </p:spPr>
+        <p:style>
+          <a:lnRef idx="2">
+            <a:schemeClr val="accent1">
+              <a:shade val="50000"/>
+            </a:schemeClr>
+          </a:lnRef>
+          <a:fillRef idx="1">
+            <a:schemeClr val="accent1"/>
+          </a:fillRef>
+          <a:effectRef idx="0">
+            <a:schemeClr val="accent1"/>
+          </a:effectRef>
+          <a:fontRef idx="minor">
+            <a:schemeClr val="lt1"/>
+          </a:fontRef>
+        </p:style>
+        <p:txBody>
+          <a:bodyPr rot="0" spcFirstLastPara="0" vertOverflow="overflow" horzOverflow="overflow" vert="horz" wrap="square" lIns="91440" tIns="45720" rIns="91440" bIns="45720" numCol="1" spcCol="0" rtlCol="0" fromWordArt="0" anchor="ctr" anchorCtr="0" forceAA="0" compatLnSpc="1">
+            <a:prstTxWarp prst="textNoShape">
+              <a:avLst/>
+            </a:prstTxWarp>
+            <a:noAutofit/>
+          </a:bodyPr>
+          <a:lstStyle/>
+          <a:p>
+            <a:pPr algn="ctr"/>
+            <a:r>
+              <a:rPr lang="en-US" dirty="0">
+                <a:latin typeface="DejaVu Sans Book" panose="020B0603030804020204" pitchFamily="34" charset="0"/>
+                <a:ea typeface="DejaVu Sans Book" panose="020B0603030804020204" pitchFamily="34" charset="0"/>
+                <a:cs typeface="DejaVu Sans Book" panose="020B0603030804020204" pitchFamily="34" charset="0"/>
+              </a:rPr>
+              <a:t>B</a:t>
+            </a:r>
+          </a:p>
+        </p:txBody>
+      </p:sp>
+      <p:sp>
+        <p:nvSpPr>
+          <p:cNvPr id="6" name="Rectangle 5">
+            <a:extLst>
+              <a:ext uri="{FF2B5EF4-FFF2-40B4-BE49-F238E27FC236}">
+                <a16:creationId xmlns:a16="http://schemas.microsoft.com/office/drawing/2014/main" id="{714C07C3-03DA-B548-8D1F-B24E33176E67}"/>
+              </a:ext>
+            </a:extLst>
+          </p:cNvPr>
+          <p:cNvSpPr/>
+          <p:nvPr/>
+        </p:nvSpPr>
+        <p:spPr>
+          <a:xfrm>
+            <a:off x="4713677" y="4802562"/>
+            <a:ext cx="2871259" cy="1645767"/>
+          </a:xfrm>
+          <a:prstGeom prst="rect">
+            <a:avLst/>
+          </a:prstGeom>
+          <a:solidFill>
+            <a:schemeClr val="bg1">
+              <a:lumMod val="95000"/>
+            </a:schemeClr>
+          </a:solidFill>
+          <a:ln>
+            <a:noFill/>
+          </a:ln>
+        </p:spPr>
+        <p:style>
+          <a:lnRef idx="2">
+            <a:schemeClr val="accent1">
+              <a:shade val="50000"/>
+            </a:schemeClr>
+          </a:lnRef>
+          <a:fillRef idx="1">
+            <a:schemeClr val="accent1"/>
+          </a:fillRef>
+          <a:effectRef idx="0">
+            <a:schemeClr val="accent1"/>
+          </a:effectRef>
+          <a:fontRef idx="minor">
+            <a:schemeClr val="lt1"/>
+          </a:fontRef>
+        </p:style>
+        <p:txBody>
+          <a:bodyPr rtlCol="0" anchor="ctr"/>
+          <a:lstStyle/>
+          <a:p>
+            <a:pPr algn="ctr"/>
+            <a:endParaRPr lang="en-US" sz="1600" dirty="0">
+              <a:latin typeface="DejaVu Sans Book" panose="020B0603030804020204" pitchFamily="34" charset="0"/>
+              <a:ea typeface="DejaVu Sans Book" panose="020B0603030804020204" pitchFamily="34" charset="0"/>
+              <a:cs typeface="DejaVu Sans Book" panose="020B0603030804020204" pitchFamily="34" charset="0"/>
+            </a:endParaRPr>
+          </a:p>
+        </p:txBody>
+      </p:sp>
+      <p:sp>
+        <p:nvSpPr>
+          <p:cNvPr id="7" name="Oval 6">
+            <a:extLst>
+              <a:ext uri="{FF2B5EF4-FFF2-40B4-BE49-F238E27FC236}">
+                <a16:creationId xmlns:a16="http://schemas.microsoft.com/office/drawing/2014/main" id="{9DCC4019-4168-8B4E-9D12-544B91A4980C}"/>
+              </a:ext>
+            </a:extLst>
+          </p:cNvPr>
+          <p:cNvSpPr/>
+          <p:nvPr/>
+        </p:nvSpPr>
+        <p:spPr>
+          <a:xfrm>
+            <a:off x="5764782" y="1831496"/>
+            <a:ext cx="518983" cy="518984"/>
+          </a:xfrm>
+          <a:prstGeom prst="ellipse">
+            <a:avLst/>
+          </a:prstGeom>
+          <a:solidFill>
+            <a:srgbClr val="E8533A"/>
+          </a:solidFill>
+          <a:ln w="25400">
+            <a:solidFill>
+              <a:schemeClr val="tx1">
+                <a:lumMod val="65000"/>
+                <a:lumOff val="35000"/>
+              </a:schemeClr>
+            </a:solidFill>
+          </a:ln>
+        </p:spPr>
+        <p:style>
+          <a:lnRef idx="2">
+            <a:schemeClr val="accent1">
+              <a:shade val="50000"/>
+            </a:schemeClr>
+          </a:lnRef>
+          <a:fillRef idx="1">
+            <a:schemeClr val="accent1"/>
+          </a:fillRef>
+          <a:effectRef idx="0">
+            <a:schemeClr val="accent1"/>
+          </a:effectRef>
+          <a:fontRef idx="minor">
+            <a:schemeClr val="lt1"/>
+          </a:fontRef>
+        </p:style>
+        <p:txBody>
+          <a:bodyPr rot="0" spcFirstLastPara="0" vertOverflow="overflow" horzOverflow="overflow" vert="horz" wrap="square" lIns="91440" tIns="45720" rIns="91440" bIns="45720" numCol="1" spcCol="0" rtlCol="0" fromWordArt="0" anchor="ctr" anchorCtr="0" forceAA="0" compatLnSpc="1">
+            <a:prstTxWarp prst="textNoShape">
+              <a:avLst/>
+            </a:prstTxWarp>
+            <a:noAutofit/>
+          </a:bodyPr>
+          <a:lstStyle/>
+          <a:p>
+            <a:pPr algn="ctr"/>
+            <a:r>
+              <a:rPr lang="en-US" dirty="0">
+                <a:latin typeface="DejaVu Sans Book" panose="020B0603030804020204" pitchFamily="34" charset="0"/>
+                <a:ea typeface="DejaVu Sans Book" panose="020B0603030804020204" pitchFamily="34" charset="0"/>
+                <a:cs typeface="DejaVu Sans Book" panose="020B0603030804020204" pitchFamily="34" charset="0"/>
+              </a:rPr>
+              <a:t>A</a:t>
+            </a:r>
+          </a:p>
+        </p:txBody>
+      </p:sp>
+      <p:sp>
+        <p:nvSpPr>
+          <p:cNvPr id="8" name="Oval 7">
+            <a:extLst>
+              <a:ext uri="{FF2B5EF4-FFF2-40B4-BE49-F238E27FC236}">
+                <a16:creationId xmlns:a16="http://schemas.microsoft.com/office/drawing/2014/main" id="{73AA6E2D-029B-F344-9F59-209F2134546A}"/>
+              </a:ext>
+            </a:extLst>
+          </p:cNvPr>
+          <p:cNvSpPr/>
+          <p:nvPr/>
+        </p:nvSpPr>
+        <p:spPr>
+          <a:xfrm>
+            <a:off x="4619725" y="3082319"/>
+            <a:ext cx="518983" cy="518984"/>
+          </a:xfrm>
+          <a:prstGeom prst="ellipse">
+            <a:avLst/>
+          </a:prstGeom>
+          <a:solidFill>
+            <a:srgbClr val="E8533A"/>
+          </a:solidFill>
+          <a:ln w="25400">
+            <a:solidFill>
+              <a:schemeClr val="tx1">
+                <a:lumMod val="65000"/>
+                <a:lumOff val="35000"/>
+              </a:schemeClr>
+            </a:solidFill>
+          </a:ln>
+        </p:spPr>
+        <p:style>
+          <a:lnRef idx="2">
+            <a:schemeClr val="accent1">
+              <a:shade val="50000"/>
+            </a:schemeClr>
+          </a:lnRef>
+          <a:fillRef idx="1">
+            <a:schemeClr val="accent1"/>
+          </a:fillRef>
+          <a:effectRef idx="0">
+            <a:schemeClr val="accent1"/>
+          </a:effectRef>
+          <a:fontRef idx="minor">
+            <a:schemeClr val="lt1"/>
+          </a:fontRef>
+        </p:style>
+        <p:txBody>
+          <a:bodyPr rot="0" spcFirstLastPara="0" vertOverflow="overflow" horzOverflow="overflow" vert="horz" wrap="square" lIns="91440" tIns="45720" rIns="91440" bIns="45720" numCol="1" spcCol="0" rtlCol="0" fromWordArt="0" anchor="ctr" anchorCtr="0" forceAA="0" compatLnSpc="1">
+            <a:prstTxWarp prst="textNoShape">
+              <a:avLst/>
+            </a:prstTxWarp>
+            <a:noAutofit/>
+          </a:bodyPr>
+          <a:lstStyle/>
+          <a:p>
+            <a:pPr algn="ctr"/>
+            <a:r>
+              <a:rPr lang="en-US" dirty="0">
+                <a:latin typeface="DejaVu Sans Book" panose="020B0603030804020204" pitchFamily="34" charset="0"/>
+                <a:ea typeface="DejaVu Sans Book" panose="020B0603030804020204" pitchFamily="34" charset="0"/>
+                <a:cs typeface="DejaVu Sans Book" panose="020B0603030804020204" pitchFamily="34" charset="0"/>
+              </a:rPr>
+              <a:t>B</a:t>
+            </a:r>
+          </a:p>
+        </p:txBody>
+      </p:sp>
+      <p:sp>
+        <p:nvSpPr>
+          <p:cNvPr id="9" name="Oval 8">
+            <a:extLst>
+              <a:ext uri="{FF2B5EF4-FFF2-40B4-BE49-F238E27FC236}">
+                <a16:creationId xmlns:a16="http://schemas.microsoft.com/office/drawing/2014/main" id="{F9711F74-5B5F-0344-BB2E-6CE8D7891341}"/>
+              </a:ext>
+            </a:extLst>
+          </p:cNvPr>
+          <p:cNvSpPr/>
+          <p:nvPr/>
+        </p:nvSpPr>
+        <p:spPr>
+          <a:xfrm>
+            <a:off x="6959273" y="3082318"/>
+            <a:ext cx="518983" cy="518984"/>
+          </a:xfrm>
+          <a:prstGeom prst="ellipse">
+            <a:avLst/>
+          </a:prstGeom>
+          <a:solidFill>
+            <a:srgbClr val="E8533A"/>
+          </a:solidFill>
+          <a:ln w="25400">
+            <a:solidFill>
+              <a:schemeClr val="tx1">
+                <a:lumMod val="65000"/>
+                <a:lumOff val="35000"/>
+              </a:schemeClr>
+            </a:solidFill>
+          </a:ln>
+        </p:spPr>
+        <p:style>
+          <a:lnRef idx="2">
+            <a:schemeClr val="accent1">
+              <a:shade val="50000"/>
+            </a:schemeClr>
+          </a:lnRef>
+          <a:fillRef idx="1">
+            <a:schemeClr val="accent1"/>
+          </a:fillRef>
+          <a:effectRef idx="0">
+            <a:schemeClr val="accent1"/>
+          </a:effectRef>
+          <a:fontRef idx="minor">
+            <a:schemeClr val="lt1"/>
+          </a:fontRef>
+        </p:style>
+        <p:txBody>
+          <a:bodyPr rot="0" spcFirstLastPara="0" vertOverflow="overflow" horzOverflow="overflow" vert="horz" wrap="square" lIns="91440" tIns="45720" rIns="91440" bIns="45720" numCol="1" spcCol="0" rtlCol="0" fromWordArt="0" anchor="ctr" anchorCtr="0" forceAA="0" compatLnSpc="1">
+            <a:prstTxWarp prst="textNoShape">
+              <a:avLst/>
+            </a:prstTxWarp>
+            <a:noAutofit/>
+          </a:bodyPr>
+          <a:lstStyle/>
+          <a:p>
+            <a:pPr algn="ctr"/>
+            <a:r>
+              <a:rPr lang="en-US" dirty="0">
+                <a:latin typeface="DejaVu Sans Book" panose="020B0603030804020204" pitchFamily="34" charset="0"/>
+                <a:ea typeface="DejaVu Sans Book" panose="020B0603030804020204" pitchFamily="34" charset="0"/>
+                <a:cs typeface="DejaVu Sans Book" panose="020B0603030804020204" pitchFamily="34" charset="0"/>
+              </a:rPr>
+              <a:t>C</a:t>
+            </a:r>
+          </a:p>
+        </p:txBody>
+      </p:sp>
+      <p:sp>
+        <p:nvSpPr>
+          <p:cNvPr id="10" name="Rounded Rectangle 9">
+            <a:extLst>
+              <a:ext uri="{FF2B5EF4-FFF2-40B4-BE49-F238E27FC236}">
+                <a16:creationId xmlns:a16="http://schemas.microsoft.com/office/drawing/2014/main" id="{8E7B7099-D0A5-1A43-AE6A-A4E81405BE6E}"/>
+              </a:ext>
+            </a:extLst>
+          </p:cNvPr>
+          <p:cNvSpPr/>
+          <p:nvPr/>
+        </p:nvSpPr>
+        <p:spPr>
+          <a:xfrm>
+            <a:off x="5624738" y="4007065"/>
+            <a:ext cx="799070" cy="408566"/>
+          </a:xfrm>
+          <a:prstGeom prst="roundRect">
+            <a:avLst/>
+          </a:prstGeom>
+          <a:solidFill>
+            <a:schemeClr val="accent6"/>
+          </a:solidFill>
+          <a:ln w="25400">
+            <a:solidFill>
+              <a:schemeClr val="tx1"/>
+            </a:solidFill>
+          </a:ln>
+        </p:spPr>
+        <p:style>
+          <a:lnRef idx="2">
+            <a:schemeClr val="accent1">
+              <a:shade val="50000"/>
+            </a:schemeClr>
+          </a:lnRef>
+          <a:fillRef idx="1">
+            <a:schemeClr val="accent1"/>
+          </a:fillRef>
+          <a:effectRef idx="0">
+            <a:schemeClr val="accent1"/>
+          </a:effectRef>
+          <a:fontRef idx="minor">
+            <a:schemeClr val="lt1"/>
+          </a:fontRef>
+        </p:style>
+        <p:txBody>
+          <a:bodyPr rot="0" spcFirstLastPara="0" vertOverflow="overflow" horzOverflow="overflow" vert="horz" wrap="square" lIns="91440" tIns="45720" rIns="91440" bIns="45720" numCol="1" spcCol="0" rtlCol="0" fromWordArt="0" anchor="ctr" anchorCtr="0" forceAA="0" compatLnSpc="1">
+            <a:prstTxWarp prst="textNoShape">
+              <a:avLst/>
+            </a:prstTxWarp>
+            <a:noAutofit/>
+          </a:bodyPr>
+          <a:lstStyle/>
+          <a:p>
+            <a:pPr algn="ctr"/>
+            <a:r>
+              <a:rPr lang="en-US" sz="1600" dirty="0">
+                <a:latin typeface="DejaVu Sans Book" panose="020B0603030804020204" pitchFamily="34" charset="0"/>
+                <a:ea typeface="DejaVu Sans Book" panose="020B0603030804020204" pitchFamily="34" charset="0"/>
+                <a:cs typeface="DejaVu Sans Book" panose="020B0603030804020204" pitchFamily="34" charset="0"/>
+              </a:rPr>
+              <a:t>mem</a:t>
+            </a:r>
+          </a:p>
+        </p:txBody>
+      </p:sp>
+      <p:cxnSp>
+        <p:nvCxnSpPr>
+          <p:cNvPr id="11" name="Elbow Connector 10">
+            <a:extLst>
+              <a:ext uri="{FF2B5EF4-FFF2-40B4-BE49-F238E27FC236}">
+                <a16:creationId xmlns:a16="http://schemas.microsoft.com/office/drawing/2014/main" id="{077E3A40-B400-5B43-9147-26664918392D}"/>
+              </a:ext>
+            </a:extLst>
+          </p:cNvPr>
+          <p:cNvCxnSpPr>
+            <a:cxnSpLocks/>
+            <a:stCxn id="7" idx="4"/>
+            <a:endCxn id="9" idx="0"/>
+          </p:cNvCxnSpPr>
+          <p:nvPr/>
+        </p:nvCxnSpPr>
+        <p:spPr>
+          <a:xfrm rot="16200000" flipH="1">
+            <a:off x="6255600" y="2119153"/>
+            <a:ext cx="731838" cy="1194491"/>
+          </a:xfrm>
+          <a:prstGeom prst="bentConnector3">
+            <a:avLst/>
+          </a:prstGeom>
+          <a:ln w="19050">
+            <a:solidFill>
+              <a:schemeClr val="tx1">
+                <a:lumMod val="65000"/>
+                <a:lumOff val="35000"/>
+              </a:schemeClr>
+            </a:solidFill>
+          </a:ln>
+        </p:spPr>
+        <p:style>
+          <a:lnRef idx="1">
+            <a:schemeClr val="accent1"/>
+          </a:lnRef>
+          <a:fillRef idx="0">
+            <a:schemeClr val="accent1"/>
+          </a:fillRef>
+          <a:effectRef idx="0">
+            <a:schemeClr val="accent1"/>
+          </a:effectRef>
+          <a:fontRef idx="minor">
+            <a:schemeClr val="tx1"/>
+          </a:fontRef>
+        </p:style>
+      </p:cxnSp>
+      <p:cxnSp>
+        <p:nvCxnSpPr>
+          <p:cNvPr id="12" name="Elbow Connector 11">
+            <a:extLst>
+              <a:ext uri="{FF2B5EF4-FFF2-40B4-BE49-F238E27FC236}">
+                <a16:creationId xmlns:a16="http://schemas.microsoft.com/office/drawing/2014/main" id="{E4CA2F98-0494-164A-8E02-BF9ED2AEA6BB}"/>
+              </a:ext>
+            </a:extLst>
+          </p:cNvPr>
+          <p:cNvCxnSpPr>
+            <a:cxnSpLocks/>
+            <a:stCxn id="7" idx="4"/>
+            <a:endCxn id="8" idx="0"/>
+          </p:cNvCxnSpPr>
+          <p:nvPr/>
+        </p:nvCxnSpPr>
+        <p:spPr>
+          <a:xfrm rot="5400000">
+            <a:off x="5085827" y="2143871"/>
+            <a:ext cx="731839" cy="1145057"/>
+          </a:xfrm>
+          <a:prstGeom prst="bentConnector3">
+            <a:avLst>
+              <a:gd name="adj1" fmla="val 50000"/>
+            </a:avLst>
+          </a:prstGeom>
+          <a:ln w="19050">
+            <a:solidFill>
+              <a:schemeClr val="tx1">
+                <a:lumMod val="65000"/>
+                <a:lumOff val="35000"/>
+              </a:schemeClr>
+            </a:solidFill>
+          </a:ln>
+        </p:spPr>
+        <p:style>
+          <a:lnRef idx="1">
+            <a:schemeClr val="accent1"/>
+          </a:lnRef>
+          <a:fillRef idx="0">
+            <a:schemeClr val="accent1"/>
+          </a:fillRef>
+          <a:effectRef idx="0">
+            <a:schemeClr val="accent1"/>
+          </a:effectRef>
+          <a:fontRef idx="minor">
+            <a:schemeClr val="tx1"/>
+          </a:fontRef>
+        </p:style>
+      </p:cxnSp>
+      <p:cxnSp>
+        <p:nvCxnSpPr>
+          <p:cNvPr id="13" name="Elbow Connector 12">
+            <a:extLst>
+              <a:ext uri="{FF2B5EF4-FFF2-40B4-BE49-F238E27FC236}">
+                <a16:creationId xmlns:a16="http://schemas.microsoft.com/office/drawing/2014/main" id="{F2A5AAFA-9788-EF4B-B079-C4103CECB9F5}"/>
+              </a:ext>
+            </a:extLst>
+          </p:cNvPr>
+          <p:cNvCxnSpPr>
+            <a:cxnSpLocks/>
+            <a:stCxn id="8" idx="4"/>
+            <a:endCxn id="10" idx="1"/>
+          </p:cNvCxnSpPr>
+          <p:nvPr/>
+        </p:nvCxnSpPr>
+        <p:spPr>
+          <a:xfrm rot="16200000" flipH="1">
+            <a:off x="4946955" y="3533564"/>
+            <a:ext cx="610045" cy="745521"/>
+          </a:xfrm>
+          <a:prstGeom prst="bentConnector2">
+            <a:avLst/>
+          </a:prstGeom>
+          <a:ln w="38100">
+            <a:solidFill>
+              <a:schemeClr val="tx1"/>
+            </a:solidFill>
+            <a:headEnd type="none" w="med" len="med"/>
+            <a:tailEnd type="arrow" w="med" len="med"/>
+          </a:ln>
+        </p:spPr>
+        <p:style>
+          <a:lnRef idx="1">
+            <a:schemeClr val="accent1"/>
+          </a:lnRef>
+          <a:fillRef idx="0">
+            <a:schemeClr val="accent1"/>
+          </a:fillRef>
+          <a:effectRef idx="0">
+            <a:schemeClr val="accent1"/>
+          </a:effectRef>
+          <a:fontRef idx="minor">
+            <a:schemeClr val="tx1"/>
+          </a:fontRef>
+        </p:style>
+      </p:cxnSp>
+      <p:cxnSp>
+        <p:nvCxnSpPr>
+          <p:cNvPr id="14" name="Elbow Connector 13">
+            <a:extLst>
+              <a:ext uri="{FF2B5EF4-FFF2-40B4-BE49-F238E27FC236}">
+                <a16:creationId xmlns:a16="http://schemas.microsoft.com/office/drawing/2014/main" id="{CCF7EE2C-2AA3-BC44-930F-46A1652305DD}"/>
+              </a:ext>
+            </a:extLst>
+          </p:cNvPr>
+          <p:cNvCxnSpPr>
+            <a:cxnSpLocks/>
+            <a:stCxn id="9" idx="4"/>
+            <a:endCxn id="10" idx="3"/>
+          </p:cNvCxnSpPr>
+          <p:nvPr/>
+        </p:nvCxnSpPr>
+        <p:spPr>
+          <a:xfrm rot="5400000">
+            <a:off x="6516264" y="3508847"/>
+            <a:ext cx="610046" cy="794957"/>
+          </a:xfrm>
+          <a:prstGeom prst="bentConnector2">
+            <a:avLst/>
+          </a:prstGeom>
+          <a:ln w="38100">
+            <a:solidFill>
+              <a:schemeClr val="tx1"/>
+            </a:solidFill>
+            <a:headEnd type="arrow" w="med" len="med"/>
+            <a:tailEnd type="none" w="med" len="med"/>
+          </a:ln>
+        </p:spPr>
+        <p:style>
+          <a:lnRef idx="1">
+            <a:schemeClr val="accent1"/>
+          </a:lnRef>
+          <a:fillRef idx="0">
+            <a:schemeClr val="accent1"/>
+          </a:fillRef>
+          <a:effectRef idx="0">
+            <a:schemeClr val="accent1"/>
+          </a:effectRef>
+          <a:fontRef idx="minor">
+            <a:schemeClr val="tx1"/>
+          </a:fontRef>
+        </p:style>
+      </p:cxnSp>
+      <p:sp>
+        <p:nvSpPr>
+          <p:cNvPr id="15" name="Oval 14">
+            <a:extLst>
+              <a:ext uri="{FF2B5EF4-FFF2-40B4-BE49-F238E27FC236}">
+                <a16:creationId xmlns:a16="http://schemas.microsoft.com/office/drawing/2014/main" id="{0D8CC7B1-EB2D-A047-9862-A3B7BD97164F}"/>
+              </a:ext>
+            </a:extLst>
+          </p:cNvPr>
+          <p:cNvSpPr/>
+          <p:nvPr/>
+        </p:nvSpPr>
+        <p:spPr>
+          <a:xfrm>
+            <a:off x="4818927" y="4958568"/>
+            <a:ext cx="419133" cy="419134"/>
+          </a:xfrm>
+          <a:prstGeom prst="ellipse">
+            <a:avLst/>
+          </a:prstGeom>
+          <a:solidFill>
+            <a:srgbClr val="E8533A"/>
+          </a:solidFill>
+          <a:ln w="25400">
+            <a:solidFill>
+              <a:schemeClr val="tx1">
+                <a:lumMod val="65000"/>
+                <a:lumOff val="35000"/>
+              </a:schemeClr>
+            </a:solidFill>
+          </a:ln>
+        </p:spPr>
+        <p:style>
+          <a:lnRef idx="2">
+            <a:schemeClr val="accent1">
+              <a:shade val="50000"/>
+            </a:schemeClr>
+          </a:lnRef>
+          <a:fillRef idx="1">
+            <a:schemeClr val="accent1"/>
+          </a:fillRef>
+          <a:effectRef idx="0">
+            <a:schemeClr val="accent1"/>
+          </a:effectRef>
+          <a:fontRef idx="minor">
+            <a:schemeClr val="lt1"/>
+          </a:fontRef>
+        </p:style>
+        <p:txBody>
+          <a:bodyPr rot="0" spcFirstLastPara="0" vertOverflow="overflow" horzOverflow="overflow" vert="horz" wrap="square" lIns="91440" tIns="45720" rIns="91440" bIns="45720" numCol="1" spcCol="0" rtlCol="0" fromWordArt="0" anchor="ctr" anchorCtr="0" forceAA="0" compatLnSpc="1">
+            <a:prstTxWarp prst="textNoShape">
+              <a:avLst/>
+            </a:prstTxWarp>
+            <a:noAutofit/>
+          </a:bodyPr>
+          <a:lstStyle/>
+          <a:p>
+            <a:pPr algn="ctr"/>
+            <a:endParaRPr lang="en-US" sz="1600" dirty="0">
+              <a:latin typeface="DejaVu Sans Book" panose="020B0603030804020204" pitchFamily="34" charset="0"/>
+              <a:ea typeface="DejaVu Sans Book" panose="020B0603030804020204" pitchFamily="34" charset="0"/>
+              <a:cs typeface="DejaVu Sans Book" panose="020B0603030804020204" pitchFamily="34" charset="0"/>
+            </a:endParaRPr>
+          </a:p>
+        </p:txBody>
+      </p:sp>
+      <p:sp>
+        <p:nvSpPr>
+          <p:cNvPr id="16" name="TextBox 15">
+            <a:extLst>
+              <a:ext uri="{FF2B5EF4-FFF2-40B4-BE49-F238E27FC236}">
+                <a16:creationId xmlns:a16="http://schemas.microsoft.com/office/drawing/2014/main" id="{7BE0DC10-EB2C-C546-AA93-C38CE47AF710}"/>
+              </a:ext>
+            </a:extLst>
+          </p:cNvPr>
+          <p:cNvSpPr txBox="1"/>
+          <p:nvPr/>
+        </p:nvSpPr>
+        <p:spPr>
+          <a:xfrm>
+            <a:off x="5301972" y="4983469"/>
+            <a:ext cx="1194879" cy="338554"/>
+          </a:xfrm>
+          <a:prstGeom prst="rect">
+            <a:avLst/>
+          </a:prstGeom>
+          <a:noFill/>
+        </p:spPr>
+        <p:txBody>
+          <a:bodyPr wrap="none" rtlCol="0">
+            <a:spAutoFit/>
+          </a:bodyPr>
+          <a:lstStyle/>
+          <a:p>
+            <a:r>
+              <a:rPr lang="en-US" sz="1600" dirty="0">
+                <a:latin typeface="DejaVu Sans Book" panose="020B0603030804020204" pitchFamily="34" charset="0"/>
+                <a:ea typeface="DejaVu Sans Book" panose="020B0603030804020204" pitchFamily="34" charset="0"/>
+                <a:cs typeface="DejaVu Sans Book" panose="020B0603030804020204" pitchFamily="34" charset="0"/>
+              </a:rPr>
+              <a:t>Controller</a:t>
+            </a:r>
+          </a:p>
+        </p:txBody>
+      </p:sp>
+      <p:sp>
+        <p:nvSpPr>
+          <p:cNvPr id="17" name="Rounded Rectangle 16">
+            <a:extLst>
+              <a:ext uri="{FF2B5EF4-FFF2-40B4-BE49-F238E27FC236}">
+                <a16:creationId xmlns:a16="http://schemas.microsoft.com/office/drawing/2014/main" id="{A22FCF09-9EE8-F149-B18F-4A1B133DE3C2}"/>
+              </a:ext>
+            </a:extLst>
+          </p:cNvPr>
+          <p:cNvSpPr/>
+          <p:nvPr/>
+        </p:nvSpPr>
+        <p:spPr>
+          <a:xfrm>
+            <a:off x="4831416" y="5490858"/>
+            <a:ext cx="419133" cy="408566"/>
+          </a:xfrm>
+          <a:prstGeom prst="roundRect">
+            <a:avLst/>
+          </a:prstGeom>
+          <a:solidFill>
+            <a:schemeClr val="accent6"/>
+          </a:solidFill>
+          <a:ln w="25400">
+            <a:solidFill>
+              <a:schemeClr val="tx1"/>
+            </a:solidFill>
+          </a:ln>
+        </p:spPr>
+        <p:style>
+          <a:lnRef idx="2">
+            <a:schemeClr val="accent1">
+              <a:shade val="50000"/>
+            </a:schemeClr>
+          </a:lnRef>
+          <a:fillRef idx="1">
+            <a:schemeClr val="accent1"/>
+          </a:fillRef>
+          <a:effectRef idx="0">
+            <a:schemeClr val="accent1"/>
+          </a:effectRef>
+          <a:fontRef idx="minor">
+            <a:schemeClr val="lt1"/>
+          </a:fontRef>
+        </p:style>
+        <p:txBody>
+          <a:bodyPr rot="0" spcFirstLastPara="0" vertOverflow="overflow" horzOverflow="overflow" vert="horz" wrap="square" lIns="91440" tIns="45720" rIns="91440" bIns="45720" numCol="1" spcCol="0" rtlCol="0" fromWordArt="0" anchor="ctr" anchorCtr="0" forceAA="0" compatLnSpc="1">
+            <a:prstTxWarp prst="textNoShape">
+              <a:avLst/>
+            </a:prstTxWarp>
+            <a:noAutofit/>
+          </a:bodyPr>
+          <a:lstStyle/>
+          <a:p>
+            <a:pPr algn="ctr"/>
+            <a:endParaRPr lang="en-US" sz="1600" dirty="0">
+              <a:latin typeface="DejaVu Sans Book" panose="020B0603030804020204" pitchFamily="34" charset="0"/>
+              <a:ea typeface="DejaVu Sans Book" panose="020B0603030804020204" pitchFamily="34" charset="0"/>
+              <a:cs typeface="DejaVu Sans Book" panose="020B0603030804020204" pitchFamily="34" charset="0"/>
+            </a:endParaRPr>
+          </a:p>
+        </p:txBody>
+      </p:sp>
+      <p:sp>
+        <p:nvSpPr>
+          <p:cNvPr id="18" name="TextBox 17">
+            <a:extLst>
+              <a:ext uri="{FF2B5EF4-FFF2-40B4-BE49-F238E27FC236}">
+                <a16:creationId xmlns:a16="http://schemas.microsoft.com/office/drawing/2014/main" id="{2F083346-6FDE-F248-A2AA-CE13688719ED}"/>
+              </a:ext>
+            </a:extLst>
+          </p:cNvPr>
+          <p:cNvSpPr txBox="1"/>
+          <p:nvPr/>
+        </p:nvSpPr>
+        <p:spPr>
+          <a:xfrm>
+            <a:off x="5333871" y="5510475"/>
+            <a:ext cx="766235" cy="338554"/>
+          </a:xfrm>
+          <a:prstGeom prst="rect">
+            <a:avLst/>
+          </a:prstGeom>
+          <a:noFill/>
+        </p:spPr>
+        <p:txBody>
+          <a:bodyPr wrap="none" rtlCol="0">
+            <a:spAutoFit/>
+          </a:bodyPr>
+          <a:lstStyle/>
+          <a:p>
+            <a:r>
+              <a:rPr lang="en-US" sz="1600" dirty="0">
+                <a:latin typeface="DejaVu Sans Book" panose="020B0603030804020204" pitchFamily="34" charset="0"/>
+                <a:ea typeface="DejaVu Sans Book" panose="020B0603030804020204" pitchFamily="34" charset="0"/>
+                <a:cs typeface="DejaVu Sans Book" panose="020B0603030804020204" pitchFamily="34" charset="0"/>
+              </a:rPr>
+              <a:t>SRAM</a:t>
+            </a:r>
+          </a:p>
+        </p:txBody>
+      </p:sp>
+      <p:cxnSp>
+        <p:nvCxnSpPr>
+          <p:cNvPr id="19" name="Elbow Connector 18">
+            <a:extLst>
+              <a:ext uri="{FF2B5EF4-FFF2-40B4-BE49-F238E27FC236}">
+                <a16:creationId xmlns:a16="http://schemas.microsoft.com/office/drawing/2014/main" id="{24730509-B96D-634D-ABE1-AB54F924F1FA}"/>
+              </a:ext>
+            </a:extLst>
+          </p:cNvPr>
+          <p:cNvCxnSpPr>
+            <a:cxnSpLocks/>
+            <a:stCxn id="8" idx="5"/>
+          </p:cNvCxnSpPr>
+          <p:nvPr/>
+        </p:nvCxnSpPr>
+        <p:spPr>
+          <a:xfrm rot="16200000" flipH="1">
+            <a:off x="5084072" y="3503932"/>
+            <a:ext cx="519300" cy="562035"/>
+          </a:xfrm>
+          <a:prstGeom prst="bentConnector2">
+            <a:avLst/>
+          </a:prstGeom>
+          <a:ln w="38100">
+            <a:solidFill>
+              <a:schemeClr val="tx1"/>
+            </a:solidFill>
+            <a:headEnd type="none" w="med" len="med"/>
+            <a:tailEnd type="arrow" w="med" len="med"/>
+          </a:ln>
+        </p:spPr>
+        <p:style>
+          <a:lnRef idx="1">
+            <a:schemeClr val="accent1"/>
+          </a:lnRef>
+          <a:fillRef idx="0">
+            <a:schemeClr val="accent1"/>
+          </a:fillRef>
+          <a:effectRef idx="0">
+            <a:schemeClr val="accent1"/>
+          </a:effectRef>
+          <a:fontRef idx="minor">
+            <a:schemeClr val="tx1"/>
+          </a:fontRef>
+        </p:style>
+      </p:cxnSp>
+      <p:cxnSp>
+        <p:nvCxnSpPr>
+          <p:cNvPr id="20" name="Elbow Connector 19">
+            <a:extLst>
+              <a:ext uri="{FF2B5EF4-FFF2-40B4-BE49-F238E27FC236}">
+                <a16:creationId xmlns:a16="http://schemas.microsoft.com/office/drawing/2014/main" id="{23475379-1F4F-4344-AD71-96180C0373E8}"/>
+              </a:ext>
+            </a:extLst>
+          </p:cNvPr>
+          <p:cNvCxnSpPr>
+            <a:cxnSpLocks/>
+            <a:stCxn id="9" idx="5"/>
+          </p:cNvCxnSpPr>
+          <p:nvPr/>
+        </p:nvCxnSpPr>
+        <p:spPr>
+          <a:xfrm rot="5400000">
+            <a:off x="6653381" y="3295727"/>
+            <a:ext cx="519301" cy="978444"/>
+          </a:xfrm>
+          <a:prstGeom prst="bentConnector2">
+            <a:avLst/>
+          </a:prstGeom>
+          <a:ln w="38100">
+            <a:solidFill>
+              <a:schemeClr val="tx1"/>
+            </a:solidFill>
+            <a:headEnd type="arrow" w="med" len="med"/>
+            <a:tailEnd type="none" w="med" len="med"/>
+          </a:ln>
+        </p:spPr>
+        <p:style>
+          <a:lnRef idx="1">
+            <a:schemeClr val="accent1"/>
+          </a:lnRef>
+          <a:fillRef idx="0">
+            <a:schemeClr val="accent1"/>
+          </a:fillRef>
+          <a:effectRef idx="0">
+            <a:schemeClr val="accent1"/>
+          </a:effectRef>
+          <a:fontRef idx="minor">
+            <a:schemeClr val="tx1"/>
+          </a:fontRef>
+        </p:style>
+      </p:cxnSp>
+      <p:cxnSp>
+        <p:nvCxnSpPr>
+          <p:cNvPr id="21" name="Elbow Connector 20">
+            <a:extLst>
+              <a:ext uri="{FF2B5EF4-FFF2-40B4-BE49-F238E27FC236}">
+                <a16:creationId xmlns:a16="http://schemas.microsoft.com/office/drawing/2014/main" id="{C9E5B135-71DF-AF46-857C-4315B86626AB}"/>
+              </a:ext>
+            </a:extLst>
+          </p:cNvPr>
+          <p:cNvCxnSpPr>
+            <a:cxnSpLocks/>
+            <a:stCxn id="7" idx="4"/>
+            <a:endCxn id="4" idx="0"/>
+          </p:cNvCxnSpPr>
+          <p:nvPr/>
+        </p:nvCxnSpPr>
+        <p:spPr>
+          <a:xfrm rot="16200000" flipH="1">
+            <a:off x="6365328" y="2009425"/>
+            <a:ext cx="619062" cy="1301171"/>
+          </a:xfrm>
+          <a:prstGeom prst="bentConnector3">
+            <a:avLst>
+              <a:gd name="adj1" fmla="val 33752"/>
+            </a:avLst>
+          </a:prstGeom>
+          <a:ln w="19050">
+            <a:solidFill>
+              <a:schemeClr val="tx1">
+                <a:lumMod val="65000"/>
+                <a:lumOff val="35000"/>
+              </a:schemeClr>
+            </a:solidFill>
+          </a:ln>
+        </p:spPr>
+        <p:style>
+          <a:lnRef idx="1">
+            <a:schemeClr val="accent1"/>
+          </a:lnRef>
+          <a:fillRef idx="0">
+            <a:schemeClr val="accent1"/>
+          </a:fillRef>
+          <a:effectRef idx="0">
+            <a:schemeClr val="accent1"/>
+          </a:effectRef>
+          <a:fontRef idx="minor">
+            <a:schemeClr val="tx1"/>
+          </a:fontRef>
+        </p:style>
+      </p:cxnSp>
+      <p:cxnSp>
+        <p:nvCxnSpPr>
+          <p:cNvPr id="22" name="Elbow Connector 21">
+            <a:extLst>
+              <a:ext uri="{FF2B5EF4-FFF2-40B4-BE49-F238E27FC236}">
+                <a16:creationId xmlns:a16="http://schemas.microsoft.com/office/drawing/2014/main" id="{8798031C-7AE8-1E4B-855E-9FFD1EAE584F}"/>
+              </a:ext>
+            </a:extLst>
+          </p:cNvPr>
+          <p:cNvCxnSpPr>
+            <a:cxnSpLocks/>
+            <a:stCxn id="7" idx="4"/>
+            <a:endCxn id="5" idx="0"/>
+          </p:cNvCxnSpPr>
+          <p:nvPr/>
+        </p:nvCxnSpPr>
+        <p:spPr>
+          <a:xfrm rot="5400000">
+            <a:off x="5195555" y="2104247"/>
+            <a:ext cx="582487" cy="1074953"/>
+          </a:xfrm>
+          <a:prstGeom prst="bentConnector3">
+            <a:avLst>
+              <a:gd name="adj1" fmla="val 35872"/>
+            </a:avLst>
+          </a:prstGeom>
+          <a:ln w="19050">
+            <a:solidFill>
+              <a:schemeClr val="tx1">
+                <a:lumMod val="65000"/>
+                <a:lumOff val="35000"/>
+              </a:schemeClr>
+            </a:solidFill>
+          </a:ln>
+        </p:spPr>
+        <p:style>
+          <a:lnRef idx="1">
+            <a:schemeClr val="accent1"/>
+          </a:lnRef>
+          <a:fillRef idx="0">
+            <a:schemeClr val="accent1"/>
+          </a:fillRef>
+          <a:effectRef idx="0">
+            <a:schemeClr val="accent1"/>
+          </a:effectRef>
+          <a:fontRef idx="minor">
+            <a:schemeClr val="tx1"/>
+          </a:fontRef>
+        </p:style>
+      </p:cxnSp>
+      <p:cxnSp>
+        <p:nvCxnSpPr>
+          <p:cNvPr id="24" name="Elbow Connector 23">
+            <a:extLst>
+              <a:ext uri="{FF2B5EF4-FFF2-40B4-BE49-F238E27FC236}">
+                <a16:creationId xmlns:a16="http://schemas.microsoft.com/office/drawing/2014/main" id="{CDBDC7C5-EA91-E044-9A60-D7A5EB7265F0}"/>
+              </a:ext>
+            </a:extLst>
+          </p:cNvPr>
+          <p:cNvCxnSpPr>
+            <a:cxnSpLocks/>
+          </p:cNvCxnSpPr>
+          <p:nvPr/>
+        </p:nvCxnSpPr>
+        <p:spPr>
+          <a:xfrm rot="10800000" flipV="1">
+            <a:off x="4879066" y="6158270"/>
+            <a:ext cx="422907" cy="1"/>
+          </a:xfrm>
+          <a:prstGeom prst="bentConnector3">
+            <a:avLst>
+              <a:gd name="adj1" fmla="val 50000"/>
+            </a:avLst>
+          </a:prstGeom>
+          <a:ln w="38100">
+            <a:solidFill>
+              <a:schemeClr val="tx1"/>
+            </a:solidFill>
+            <a:headEnd type="arrow" w="med" len="med"/>
+            <a:tailEnd type="none" w="med" len="med"/>
+          </a:ln>
+        </p:spPr>
+        <p:style>
+          <a:lnRef idx="1">
+            <a:schemeClr val="accent1"/>
+          </a:lnRef>
+          <a:fillRef idx="0">
+            <a:schemeClr val="accent1"/>
+          </a:fillRef>
+          <a:effectRef idx="0">
+            <a:schemeClr val="accent1"/>
+          </a:effectRef>
+          <a:fontRef idx="minor">
+            <a:schemeClr val="tx1"/>
+          </a:fontRef>
+        </p:style>
+      </p:cxnSp>
+      <p:sp>
+        <p:nvSpPr>
+          <p:cNvPr id="26" name="TextBox 25">
+            <a:extLst>
+              <a:ext uri="{FF2B5EF4-FFF2-40B4-BE49-F238E27FC236}">
+                <a16:creationId xmlns:a16="http://schemas.microsoft.com/office/drawing/2014/main" id="{4174A6B9-E5D5-D845-8391-CA90949876C8}"/>
+              </a:ext>
+            </a:extLst>
+          </p:cNvPr>
+          <p:cNvSpPr txBox="1"/>
+          <p:nvPr/>
+        </p:nvSpPr>
+        <p:spPr>
+          <a:xfrm>
+            <a:off x="5333871" y="5960947"/>
+            <a:ext cx="2251065" cy="338554"/>
+          </a:xfrm>
+          <a:prstGeom prst="rect">
+            <a:avLst/>
+          </a:prstGeom>
+          <a:noFill/>
+        </p:spPr>
+        <p:txBody>
+          <a:bodyPr wrap="none" rtlCol="0">
+            <a:spAutoFit/>
+          </a:bodyPr>
+          <a:lstStyle/>
+          <a:p>
+            <a:r>
+              <a:rPr lang="en-US" sz="1600" dirty="0">
+                <a:latin typeface="DejaVu Sans Book" panose="020B0603030804020204" pitchFamily="34" charset="0"/>
+                <a:ea typeface="DejaVu Sans Book" panose="020B0603030804020204" pitchFamily="34" charset="0"/>
+                <a:cs typeface="DejaVu Sans Book" panose="020B0603030804020204" pitchFamily="34" charset="0"/>
+              </a:rPr>
+              <a:t>Vectorized </a:t>
+            </a:r>
+            <a:r>
+              <a:rPr lang="en-US" sz="1600" dirty="0" err="1">
+                <a:latin typeface="DejaVu Sans Book" panose="020B0603030804020204" pitchFamily="34" charset="0"/>
+                <a:ea typeface="DejaVu Sans Book" panose="020B0603030804020204" pitchFamily="34" charset="0"/>
+                <a:cs typeface="DejaVu Sans Book" panose="020B0603030804020204" pitchFamily="34" charset="0"/>
+              </a:rPr>
+              <a:t>datapath</a:t>
+            </a:r>
+            <a:endParaRPr lang="en-US" sz="1600" dirty="0">
+              <a:latin typeface="DejaVu Sans Book" panose="020B0603030804020204" pitchFamily="34" charset="0"/>
+              <a:ea typeface="DejaVu Sans Book" panose="020B0603030804020204" pitchFamily="34" charset="0"/>
+              <a:cs typeface="DejaVu Sans Book" panose="020B0603030804020204" pitchFamily="34" charset="0"/>
+            </a:endParaRPr>
+          </a:p>
+        </p:txBody>
+      </p:sp>
+    </p:spTree>
+    <p:extLst>
+      <p:ext uri="{BB962C8B-B14F-4D97-AF65-F5344CB8AC3E}">
+        <p14:creationId xmlns:p14="http://schemas.microsoft.com/office/powerpoint/2010/main" val="71834649"/>
+      </p:ext>
+    </p:extLst>
+  </p:cSld>
+  <p:clrMapOvr>
+    <a:masterClrMapping/>
+  </p:clrMapOvr>
+</p:sld>
+</file>
+
+<file path=ppt/slides/slide8.xml><?xml version="1.0" encoding="utf-8"?>
+<p:sld xmlns:a="http://schemas.openxmlformats.org/drawingml/2006/main" xmlns:r="http://schemas.openxmlformats.org/officeDocument/2006/relationships" xmlns:p="http://schemas.openxmlformats.org/presentationml/2006/main">
+  <p:cSld>
+    <p:spTree>
+      <p:nvGrpSpPr>
+        <p:cNvPr id="1" name=""/>
+        <p:cNvGrpSpPr/>
+        <p:nvPr/>
+      </p:nvGrpSpPr>
+      <p:grpSpPr>
+        <a:xfrm>
+          <a:off x="0" y="0"/>
+          <a:ext cx="0" cy="0"/>
+          <a:chOff x="0" y="0"/>
+          <a:chExt cx="0" cy="0"/>
+        </a:xfrm>
+      </p:grpSpPr>
+      <p:sp>
+        <p:nvSpPr>
+          <p:cNvPr id="40" name="Rounded Rectangle 39">
+            <a:extLst>
+              <a:ext uri="{FF2B5EF4-FFF2-40B4-BE49-F238E27FC236}">
+                <a16:creationId xmlns:a16="http://schemas.microsoft.com/office/drawing/2014/main" id="{242E3C0A-F0DC-A046-B7CA-718EDBB841D6}"/>
+              </a:ext>
+            </a:extLst>
+          </p:cNvPr>
+          <p:cNvSpPr/>
+          <p:nvPr/>
+        </p:nvSpPr>
+        <p:spPr>
+          <a:xfrm>
+            <a:off x="7115992" y="2010577"/>
+            <a:ext cx="789513" cy="557535"/>
+          </a:xfrm>
+          <a:prstGeom prst="roundRect">
+            <a:avLst/>
+          </a:prstGeom>
+          <a:solidFill>
+            <a:schemeClr val="accent5"/>
+          </a:solidFill>
+          <a:ln>
+            <a:noFill/>
+          </a:ln>
+        </p:spPr>
+        <p:style>
+          <a:lnRef idx="2">
+            <a:schemeClr val="accent1">
+              <a:shade val="50000"/>
+            </a:schemeClr>
+          </a:lnRef>
+          <a:fillRef idx="1">
+            <a:schemeClr val="accent1"/>
+          </a:fillRef>
+          <a:effectRef idx="0">
+            <a:schemeClr val="accent1"/>
+          </a:effectRef>
+          <a:fontRef idx="minor">
+            <a:schemeClr val="lt1"/>
+          </a:fontRef>
+        </p:style>
+        <p:txBody>
+          <a:bodyPr rot="0" spcFirstLastPara="0" vertOverflow="overflow" horzOverflow="overflow" vert="horz" wrap="square" lIns="91440" tIns="45720" rIns="91440" bIns="45720" numCol="1" spcCol="0" rtlCol="0" fromWordArt="0" anchor="ctr" anchorCtr="0" forceAA="0" compatLnSpc="1">
+            <a:prstTxWarp prst="textNoShape">
+              <a:avLst/>
+            </a:prstTxWarp>
+            <a:noAutofit/>
+          </a:bodyPr>
+          <a:lstStyle/>
+          <a:p>
+            <a:pPr algn="ctr"/>
+            <a:r>
+              <a:rPr lang="en-US" sz="2000" dirty="0">
+                <a:latin typeface="DejaVu Sans Book" panose="020B0603030804020204" pitchFamily="34" charset="0"/>
+                <a:ea typeface="DejaVu Sans Book" panose="020B0603030804020204" pitchFamily="34" charset="0"/>
+                <a:cs typeface="DejaVu Sans Book" panose="020B0603030804020204" pitchFamily="34" charset="0"/>
+              </a:rPr>
+              <a:t>A</a:t>
+            </a:r>
+          </a:p>
+        </p:txBody>
+      </p:sp>
+      <p:sp>
+        <p:nvSpPr>
+          <p:cNvPr id="41" name="Rounded Rectangle 40">
+            <a:extLst>
+              <a:ext uri="{FF2B5EF4-FFF2-40B4-BE49-F238E27FC236}">
+                <a16:creationId xmlns:a16="http://schemas.microsoft.com/office/drawing/2014/main" id="{8DF81400-E5E9-8A49-87D8-B2CA71455564}"/>
+              </a:ext>
+            </a:extLst>
+          </p:cNvPr>
+          <p:cNvSpPr/>
+          <p:nvPr/>
+        </p:nvSpPr>
+        <p:spPr>
+          <a:xfrm>
+            <a:off x="5811012" y="3317490"/>
+            <a:ext cx="789513" cy="557535"/>
+          </a:xfrm>
+          <a:prstGeom prst="roundRect">
+            <a:avLst/>
+          </a:prstGeom>
+          <a:solidFill>
+            <a:schemeClr val="accent5"/>
+          </a:solidFill>
+          <a:ln>
+            <a:noFill/>
+          </a:ln>
+        </p:spPr>
+        <p:style>
+          <a:lnRef idx="2">
+            <a:schemeClr val="accent1">
+              <a:shade val="50000"/>
+            </a:schemeClr>
+          </a:lnRef>
+          <a:fillRef idx="1">
+            <a:schemeClr val="accent1"/>
+          </a:fillRef>
+          <a:effectRef idx="0">
+            <a:schemeClr val="accent1"/>
+          </a:effectRef>
+          <a:fontRef idx="minor">
+            <a:schemeClr val="lt1"/>
+          </a:fontRef>
+        </p:style>
+        <p:txBody>
+          <a:bodyPr rot="0" spcFirstLastPara="0" vertOverflow="overflow" horzOverflow="overflow" vert="horz" wrap="square" lIns="91440" tIns="45720" rIns="91440" bIns="45720" numCol="1" spcCol="0" rtlCol="0" fromWordArt="0" anchor="ctr" anchorCtr="0" forceAA="0" compatLnSpc="1">
+            <a:prstTxWarp prst="textNoShape">
+              <a:avLst/>
+            </a:prstTxWarp>
+            <a:noAutofit/>
+          </a:bodyPr>
+          <a:lstStyle/>
+          <a:p>
+            <a:pPr algn="ctr"/>
+            <a:r>
+              <a:rPr lang="en-US" sz="2000" dirty="0">
+                <a:latin typeface="DejaVu Sans Book" panose="020B0603030804020204" pitchFamily="34" charset="0"/>
+                <a:ea typeface="DejaVu Sans Book" panose="020B0603030804020204" pitchFamily="34" charset="0"/>
+                <a:cs typeface="DejaVu Sans Book" panose="020B0603030804020204" pitchFamily="34" charset="0"/>
+              </a:rPr>
+              <a:t>B</a:t>
+            </a:r>
+          </a:p>
+        </p:txBody>
+      </p:sp>
+      <p:sp>
+        <p:nvSpPr>
+          <p:cNvPr id="42" name="Rounded Rectangle 41">
+            <a:extLst>
+              <a:ext uri="{FF2B5EF4-FFF2-40B4-BE49-F238E27FC236}">
+                <a16:creationId xmlns:a16="http://schemas.microsoft.com/office/drawing/2014/main" id="{C4E3EA08-AC9E-954C-A4D8-D16E82D2F63F}"/>
+              </a:ext>
+            </a:extLst>
+          </p:cNvPr>
+          <p:cNvSpPr/>
+          <p:nvPr/>
+        </p:nvSpPr>
+        <p:spPr>
+          <a:xfrm>
+            <a:off x="8518595" y="3317489"/>
+            <a:ext cx="789513" cy="557535"/>
+          </a:xfrm>
+          <a:prstGeom prst="roundRect">
+            <a:avLst/>
+          </a:prstGeom>
+          <a:solidFill>
+            <a:schemeClr val="accent5"/>
+          </a:solidFill>
+          <a:ln>
+            <a:noFill/>
+          </a:ln>
+        </p:spPr>
+        <p:style>
+          <a:lnRef idx="2">
+            <a:schemeClr val="accent1">
+              <a:shade val="50000"/>
+            </a:schemeClr>
+          </a:lnRef>
+          <a:fillRef idx="1">
+            <a:schemeClr val="accent1"/>
+          </a:fillRef>
+          <a:effectRef idx="0">
+            <a:schemeClr val="accent1"/>
+          </a:effectRef>
+          <a:fontRef idx="minor">
+            <a:schemeClr val="lt1"/>
+          </a:fontRef>
+        </p:style>
+        <p:txBody>
+          <a:bodyPr rot="0" spcFirstLastPara="0" vertOverflow="overflow" horzOverflow="overflow" vert="horz" wrap="square" lIns="91440" tIns="45720" rIns="91440" bIns="45720" numCol="1" spcCol="0" rtlCol="0" fromWordArt="0" anchor="ctr" anchorCtr="0" forceAA="0" compatLnSpc="1">
+            <a:prstTxWarp prst="textNoShape">
+              <a:avLst/>
+            </a:prstTxWarp>
+            <a:noAutofit/>
+          </a:bodyPr>
+          <a:lstStyle/>
+          <a:p>
+            <a:pPr algn="ctr"/>
+            <a:r>
+              <a:rPr lang="en-US" sz="2000" dirty="0">
+                <a:latin typeface="DejaVu Sans Book" panose="020B0603030804020204" pitchFamily="34" charset="0"/>
+                <a:ea typeface="DejaVu Sans Book" panose="020B0603030804020204" pitchFamily="34" charset="0"/>
+                <a:cs typeface="DejaVu Sans Book" panose="020B0603030804020204" pitchFamily="34" charset="0"/>
+              </a:rPr>
+              <a:t>C</a:t>
+            </a:r>
+          </a:p>
+        </p:txBody>
+      </p:sp>
+      <p:sp>
+        <p:nvSpPr>
+          <p:cNvPr id="43" name="Rounded Rectangle 42">
+            <a:extLst>
+              <a:ext uri="{FF2B5EF4-FFF2-40B4-BE49-F238E27FC236}">
+                <a16:creationId xmlns:a16="http://schemas.microsoft.com/office/drawing/2014/main" id="{4483ACB8-B9DA-5E47-97DC-BF0FFC97F3D8}"/>
+              </a:ext>
+            </a:extLst>
+          </p:cNvPr>
+          <p:cNvSpPr/>
+          <p:nvPr/>
+        </p:nvSpPr>
+        <p:spPr>
+          <a:xfrm>
+            <a:off x="7115991" y="4744080"/>
+            <a:ext cx="871248" cy="557535"/>
+          </a:xfrm>
+          <a:prstGeom prst="roundRect">
+            <a:avLst/>
+          </a:prstGeom>
+          <a:solidFill>
+            <a:schemeClr val="accent6"/>
+          </a:solidFill>
+          <a:ln>
+            <a:noFill/>
+          </a:ln>
+        </p:spPr>
+        <p:style>
+          <a:lnRef idx="2">
+            <a:schemeClr val="accent1">
+              <a:shade val="50000"/>
+            </a:schemeClr>
+          </a:lnRef>
+          <a:fillRef idx="1">
+            <a:schemeClr val="accent1"/>
+          </a:fillRef>
+          <a:effectRef idx="0">
+            <a:schemeClr val="accent1"/>
+          </a:effectRef>
+          <a:fontRef idx="minor">
+            <a:schemeClr val="lt1"/>
+          </a:fontRef>
+        </p:style>
+        <p:txBody>
+          <a:bodyPr rot="0" spcFirstLastPara="0" vertOverflow="overflow" horzOverflow="overflow" vert="horz" wrap="square" lIns="91440" tIns="45720" rIns="91440" bIns="45720" numCol="1" spcCol="0" rtlCol="0" fromWordArt="0" anchor="ctr" anchorCtr="0" forceAA="0" compatLnSpc="1">
+            <a:prstTxWarp prst="textNoShape">
+              <a:avLst/>
+            </a:prstTxWarp>
+            <a:noAutofit/>
+          </a:bodyPr>
+          <a:lstStyle/>
+          <a:p>
+            <a:pPr algn="ctr"/>
+            <a:r>
+              <a:rPr lang="en-US" dirty="0">
+                <a:latin typeface="DejaVu Sans Book" panose="020B0603030804020204" pitchFamily="34" charset="0"/>
+                <a:ea typeface="DejaVu Sans Book" panose="020B0603030804020204" pitchFamily="34" charset="0"/>
+                <a:cs typeface="DejaVu Sans Book" panose="020B0603030804020204" pitchFamily="34" charset="0"/>
+              </a:rPr>
+              <a:t>mem</a:t>
+            </a:r>
+          </a:p>
+        </p:txBody>
+      </p:sp>
+      <p:cxnSp>
+        <p:nvCxnSpPr>
+          <p:cNvPr id="44" name="Elbow Connector 43">
+            <a:extLst>
+              <a:ext uri="{FF2B5EF4-FFF2-40B4-BE49-F238E27FC236}">
+                <a16:creationId xmlns:a16="http://schemas.microsoft.com/office/drawing/2014/main" id="{99593E0E-09A1-7145-9926-AA10709AB9D4}"/>
+              </a:ext>
+            </a:extLst>
+          </p:cNvPr>
+          <p:cNvCxnSpPr>
+            <a:cxnSpLocks/>
+            <a:stCxn id="40" idx="1"/>
+            <a:endCxn id="41" idx="0"/>
+          </p:cNvCxnSpPr>
+          <p:nvPr/>
+        </p:nvCxnSpPr>
+        <p:spPr>
+          <a:xfrm rot="10800000" flipV="1">
+            <a:off x="6205770" y="2289344"/>
+            <a:ext cx="910223" cy="1028145"/>
+          </a:xfrm>
+          <a:prstGeom prst="bentConnector2">
+            <a:avLst/>
+          </a:prstGeom>
+          <a:ln w="19050">
+            <a:solidFill>
+              <a:srgbClr val="C00000"/>
+            </a:solidFill>
+            <a:tailEnd type="arrow"/>
+          </a:ln>
+        </p:spPr>
+        <p:style>
+          <a:lnRef idx="3">
+            <a:schemeClr val="accent1"/>
+          </a:lnRef>
+          <a:fillRef idx="0">
+            <a:schemeClr val="accent1"/>
+          </a:fillRef>
+          <a:effectRef idx="2">
+            <a:schemeClr val="accent1"/>
+          </a:effectRef>
+          <a:fontRef idx="minor">
+            <a:schemeClr val="tx1"/>
+          </a:fontRef>
+        </p:style>
+      </p:cxnSp>
+      <p:cxnSp>
+        <p:nvCxnSpPr>
+          <p:cNvPr id="45" name="Elbow Connector 44">
+            <a:extLst>
+              <a:ext uri="{FF2B5EF4-FFF2-40B4-BE49-F238E27FC236}">
+                <a16:creationId xmlns:a16="http://schemas.microsoft.com/office/drawing/2014/main" id="{DEE8FE05-E58D-1A4A-A3ED-4849B6C8FAA4}"/>
+              </a:ext>
+            </a:extLst>
+          </p:cNvPr>
+          <p:cNvCxnSpPr>
+            <a:cxnSpLocks/>
+            <a:stCxn id="40" idx="3"/>
+            <a:endCxn id="42" idx="0"/>
+          </p:cNvCxnSpPr>
+          <p:nvPr/>
+        </p:nvCxnSpPr>
+        <p:spPr>
+          <a:xfrm>
+            <a:off x="7905505" y="2289345"/>
+            <a:ext cx="1007847" cy="1028144"/>
+          </a:xfrm>
+          <a:prstGeom prst="bentConnector2">
+            <a:avLst/>
+          </a:prstGeom>
+          <a:ln w="19050">
+            <a:solidFill>
+              <a:srgbClr val="C00000"/>
+            </a:solidFill>
+            <a:tailEnd type="arrow"/>
+          </a:ln>
+        </p:spPr>
+        <p:style>
+          <a:lnRef idx="3">
+            <a:schemeClr val="accent1"/>
+          </a:lnRef>
+          <a:fillRef idx="0">
+            <a:schemeClr val="accent1"/>
+          </a:fillRef>
+          <a:effectRef idx="2">
+            <a:schemeClr val="accent1"/>
+          </a:effectRef>
+          <a:fontRef idx="minor">
+            <a:schemeClr val="tx1"/>
+          </a:fontRef>
+        </p:style>
+      </p:cxnSp>
+      <p:cxnSp>
+        <p:nvCxnSpPr>
+          <p:cNvPr id="46" name="Elbow Connector 45">
+            <a:extLst>
+              <a:ext uri="{FF2B5EF4-FFF2-40B4-BE49-F238E27FC236}">
+                <a16:creationId xmlns:a16="http://schemas.microsoft.com/office/drawing/2014/main" id="{3C6B6D39-E279-F24F-801B-0BC309973A80}"/>
+              </a:ext>
+            </a:extLst>
+          </p:cNvPr>
+          <p:cNvCxnSpPr>
+            <a:cxnSpLocks/>
+          </p:cNvCxnSpPr>
+          <p:nvPr/>
+        </p:nvCxnSpPr>
+        <p:spPr>
+          <a:xfrm rot="5400000" flipH="1" flipV="1">
+            <a:off x="6312687" y="2514185"/>
+            <a:ext cx="887798" cy="718810"/>
+          </a:xfrm>
+          <a:prstGeom prst="bentConnector3">
+            <a:avLst>
+              <a:gd name="adj1" fmla="val 99906"/>
+            </a:avLst>
+          </a:prstGeom>
+          <a:ln w="19050">
+            <a:solidFill>
+              <a:srgbClr val="C00000"/>
+            </a:solidFill>
+            <a:tailEnd type="arrow"/>
+          </a:ln>
+        </p:spPr>
+        <p:style>
+          <a:lnRef idx="3">
+            <a:schemeClr val="accent1"/>
+          </a:lnRef>
+          <a:fillRef idx="0">
+            <a:schemeClr val="accent1"/>
+          </a:fillRef>
+          <a:effectRef idx="2">
+            <a:schemeClr val="accent1"/>
+          </a:effectRef>
+          <a:fontRef idx="minor">
+            <a:schemeClr val="tx1"/>
+          </a:fontRef>
+        </p:style>
+      </p:cxnSp>
+      <p:cxnSp>
+        <p:nvCxnSpPr>
+          <p:cNvPr id="47" name="Elbow Connector 46">
+            <a:extLst>
+              <a:ext uri="{FF2B5EF4-FFF2-40B4-BE49-F238E27FC236}">
+                <a16:creationId xmlns:a16="http://schemas.microsoft.com/office/drawing/2014/main" id="{5633DB26-9DC9-034A-BE1E-7E8C129ABDD5}"/>
+              </a:ext>
+            </a:extLst>
+          </p:cNvPr>
+          <p:cNvCxnSpPr>
+            <a:cxnSpLocks/>
+          </p:cNvCxnSpPr>
+          <p:nvPr/>
+        </p:nvCxnSpPr>
+        <p:spPr>
+          <a:xfrm rot="16200000" flipV="1">
+            <a:off x="7890509" y="2444690"/>
+            <a:ext cx="887797" cy="857802"/>
+          </a:xfrm>
+          <a:prstGeom prst="bentConnector3">
+            <a:avLst>
+              <a:gd name="adj1" fmla="val 99905"/>
+            </a:avLst>
+          </a:prstGeom>
+          <a:ln w="19050">
+            <a:solidFill>
+              <a:srgbClr val="C00000"/>
+            </a:solidFill>
+            <a:tailEnd type="arrow"/>
+          </a:ln>
+        </p:spPr>
+        <p:style>
+          <a:lnRef idx="3">
+            <a:schemeClr val="accent1"/>
+          </a:lnRef>
+          <a:fillRef idx="0">
+            <a:schemeClr val="accent1"/>
+          </a:fillRef>
+          <a:effectRef idx="2">
+            <a:schemeClr val="accent1"/>
+          </a:effectRef>
+          <a:fontRef idx="minor">
+            <a:schemeClr val="tx1"/>
+          </a:fontRef>
+        </p:style>
+      </p:cxnSp>
+      <p:cxnSp>
+        <p:nvCxnSpPr>
+          <p:cNvPr id="48" name="Elbow Connector 47">
+            <a:extLst>
+              <a:ext uri="{FF2B5EF4-FFF2-40B4-BE49-F238E27FC236}">
+                <a16:creationId xmlns:a16="http://schemas.microsoft.com/office/drawing/2014/main" id="{03A7AAAD-5547-CC4F-98B3-25B862953F90}"/>
+              </a:ext>
+            </a:extLst>
+          </p:cNvPr>
+          <p:cNvCxnSpPr>
+            <a:cxnSpLocks/>
+            <a:stCxn id="41" idx="2"/>
+            <a:endCxn id="43" idx="1"/>
+          </p:cNvCxnSpPr>
+          <p:nvPr/>
+        </p:nvCxnSpPr>
+        <p:spPr>
+          <a:xfrm rot="16200000" flipH="1">
+            <a:off x="6086969" y="3993825"/>
+            <a:ext cx="1147823" cy="910222"/>
+          </a:xfrm>
+          <a:prstGeom prst="bentConnector2">
+            <a:avLst/>
+          </a:prstGeom>
+          <a:ln w="25400">
+            <a:solidFill>
+              <a:schemeClr val="tx1">
+                <a:lumMod val="65000"/>
+                <a:lumOff val="35000"/>
+              </a:schemeClr>
+            </a:solidFill>
+            <a:tailEnd type="arrow"/>
+          </a:ln>
+        </p:spPr>
+        <p:style>
+          <a:lnRef idx="3">
+            <a:schemeClr val="accent1"/>
+          </a:lnRef>
+          <a:fillRef idx="0">
+            <a:schemeClr val="accent1"/>
+          </a:fillRef>
+          <a:effectRef idx="2">
+            <a:schemeClr val="accent1"/>
+          </a:effectRef>
+          <a:fontRef idx="minor">
+            <a:schemeClr val="tx1"/>
+          </a:fontRef>
+        </p:style>
+      </p:cxnSp>
+      <p:cxnSp>
+        <p:nvCxnSpPr>
+          <p:cNvPr id="49" name="Elbow Connector 48">
+            <a:extLst>
+              <a:ext uri="{FF2B5EF4-FFF2-40B4-BE49-F238E27FC236}">
+                <a16:creationId xmlns:a16="http://schemas.microsoft.com/office/drawing/2014/main" id="{811FA50F-EB5D-5440-AF50-5E982A66D09F}"/>
+              </a:ext>
+            </a:extLst>
+          </p:cNvPr>
+          <p:cNvCxnSpPr>
+            <a:cxnSpLocks/>
+            <a:stCxn id="43" idx="3"/>
+            <a:endCxn id="42" idx="2"/>
+          </p:cNvCxnSpPr>
+          <p:nvPr/>
+        </p:nvCxnSpPr>
+        <p:spPr>
+          <a:xfrm flipV="1">
+            <a:off x="7987239" y="3875024"/>
+            <a:ext cx="926113" cy="1147824"/>
+          </a:xfrm>
+          <a:prstGeom prst="bentConnector2">
+            <a:avLst/>
+          </a:prstGeom>
+          <a:ln w="25400">
+            <a:solidFill>
+              <a:schemeClr val="tx1">
+                <a:lumMod val="65000"/>
+                <a:lumOff val="35000"/>
+              </a:schemeClr>
+            </a:solidFill>
+            <a:tailEnd type="arrow"/>
+          </a:ln>
+        </p:spPr>
+        <p:style>
+          <a:lnRef idx="3">
+            <a:schemeClr val="accent1"/>
+          </a:lnRef>
+          <a:fillRef idx="0">
+            <a:schemeClr val="accent1"/>
+          </a:fillRef>
+          <a:effectRef idx="2">
+            <a:schemeClr val="accent1"/>
+          </a:effectRef>
+          <a:fontRef idx="minor">
+            <a:schemeClr val="tx1"/>
+          </a:fontRef>
+        </p:style>
+      </p:cxnSp>
+      <p:cxnSp>
+        <p:nvCxnSpPr>
+          <p:cNvPr id="50" name="Elbow Connector 49">
+            <a:extLst>
+              <a:ext uri="{FF2B5EF4-FFF2-40B4-BE49-F238E27FC236}">
+                <a16:creationId xmlns:a16="http://schemas.microsoft.com/office/drawing/2014/main" id="{F94C0B36-CC5B-C046-AFB1-145F2225353F}"/>
+              </a:ext>
+            </a:extLst>
+          </p:cNvPr>
+          <p:cNvCxnSpPr>
+            <a:cxnSpLocks/>
+          </p:cNvCxnSpPr>
+          <p:nvPr/>
+        </p:nvCxnSpPr>
+        <p:spPr>
+          <a:xfrm rot="5400000">
+            <a:off x="7903680" y="3958583"/>
+            <a:ext cx="943188" cy="776070"/>
+          </a:xfrm>
+          <a:prstGeom prst="bentConnector3">
+            <a:avLst>
+              <a:gd name="adj1" fmla="val 99973"/>
+            </a:avLst>
+          </a:prstGeom>
+          <a:ln w="25400">
+            <a:solidFill>
+              <a:schemeClr val="tx1">
+                <a:lumMod val="65000"/>
+                <a:lumOff val="35000"/>
+              </a:schemeClr>
+            </a:solidFill>
+            <a:tailEnd type="arrow"/>
+          </a:ln>
+        </p:spPr>
+        <p:style>
+          <a:lnRef idx="3">
+            <a:schemeClr val="accent1"/>
+          </a:lnRef>
+          <a:fillRef idx="0">
+            <a:schemeClr val="accent1"/>
+          </a:fillRef>
+          <a:effectRef idx="2">
+            <a:schemeClr val="accent1"/>
+          </a:effectRef>
+          <a:fontRef idx="minor">
+            <a:schemeClr val="tx1"/>
+          </a:fontRef>
+        </p:style>
+      </p:cxnSp>
+      <p:sp>
+        <p:nvSpPr>
+          <p:cNvPr id="51" name="TextBox 50">
+            <a:extLst>
+              <a:ext uri="{FF2B5EF4-FFF2-40B4-BE49-F238E27FC236}">
+                <a16:creationId xmlns:a16="http://schemas.microsoft.com/office/drawing/2014/main" id="{BE96D25B-29A4-E54F-9152-EE2ADBFE8030}"/>
+              </a:ext>
+            </a:extLst>
+          </p:cNvPr>
+          <p:cNvSpPr txBox="1"/>
+          <p:nvPr/>
+        </p:nvSpPr>
+        <p:spPr>
+          <a:xfrm>
+            <a:off x="8148874" y="4264270"/>
+            <a:ext cx="671979" cy="369332"/>
+          </a:xfrm>
+          <a:prstGeom prst="rect">
+            <a:avLst/>
+          </a:prstGeom>
+          <a:noFill/>
+        </p:spPr>
+        <p:txBody>
+          <a:bodyPr wrap="none" rtlCol="0">
+            <a:spAutoFit/>
+          </a:bodyPr>
+          <a:lstStyle/>
+          <a:p>
+            <a:r>
+              <a:rPr lang="en-US" dirty="0">
+                <a:latin typeface="DejaVu Sans Book" panose="020B0603030804020204" pitchFamily="34" charset="0"/>
+                <a:ea typeface="DejaVu Sans Book" panose="020B0603030804020204" pitchFamily="34" charset="0"/>
+                <a:cs typeface="DejaVu Sans Book" panose="020B0603030804020204" pitchFamily="34" charset="0"/>
+              </a:rPr>
+              <a:t>REQ</a:t>
+            </a:r>
+          </a:p>
+        </p:txBody>
+      </p:sp>
+      <p:sp>
+        <p:nvSpPr>
+          <p:cNvPr id="52" name="TextBox 51">
+            <a:extLst>
+              <a:ext uri="{FF2B5EF4-FFF2-40B4-BE49-F238E27FC236}">
+                <a16:creationId xmlns:a16="http://schemas.microsoft.com/office/drawing/2014/main" id="{D6D54221-B5B0-5B49-AD83-ED3590287CB5}"/>
+              </a:ext>
+            </a:extLst>
+          </p:cNvPr>
+          <p:cNvSpPr txBox="1"/>
+          <p:nvPr/>
+        </p:nvSpPr>
+        <p:spPr>
+          <a:xfrm>
+            <a:off x="8126117" y="5089840"/>
+            <a:ext cx="776175" cy="369332"/>
+          </a:xfrm>
+          <a:prstGeom prst="rect">
+            <a:avLst/>
+          </a:prstGeom>
+          <a:noFill/>
+        </p:spPr>
+        <p:txBody>
+          <a:bodyPr wrap="none" rtlCol="0">
+            <a:spAutoFit/>
+          </a:bodyPr>
+          <a:lstStyle/>
+          <a:p>
+            <a:r>
+              <a:rPr lang="en-US" dirty="0">
+                <a:latin typeface="DejaVu Sans Book" panose="020B0603030804020204" pitchFamily="34" charset="0"/>
+                <a:ea typeface="DejaVu Sans Book" panose="020B0603030804020204" pitchFamily="34" charset="0"/>
+                <a:cs typeface="DejaVu Sans Book" panose="020B0603030804020204" pitchFamily="34" charset="0"/>
+              </a:rPr>
+              <a:t>RESP</a:t>
+            </a:r>
+          </a:p>
+        </p:txBody>
+      </p:sp>
+      <p:sp>
+        <p:nvSpPr>
+          <p:cNvPr id="53" name="TextBox 52">
+            <a:extLst>
+              <a:ext uri="{FF2B5EF4-FFF2-40B4-BE49-F238E27FC236}">
+                <a16:creationId xmlns:a16="http://schemas.microsoft.com/office/drawing/2014/main" id="{76497568-819E-6247-BB2C-4A81DDE7B48F}"/>
+              </a:ext>
+            </a:extLst>
+          </p:cNvPr>
+          <p:cNvSpPr txBox="1"/>
+          <p:nvPr/>
+        </p:nvSpPr>
+        <p:spPr>
+          <a:xfrm>
+            <a:off x="6171230" y="5116949"/>
+            <a:ext cx="671979" cy="369332"/>
+          </a:xfrm>
+          <a:prstGeom prst="rect">
+            <a:avLst/>
+          </a:prstGeom>
+          <a:noFill/>
+        </p:spPr>
+        <p:txBody>
+          <a:bodyPr wrap="none" rtlCol="0">
+            <a:spAutoFit/>
+          </a:bodyPr>
+          <a:lstStyle/>
+          <a:p>
+            <a:r>
+              <a:rPr lang="en-US" dirty="0">
+                <a:latin typeface="DejaVu Sans Book" panose="020B0603030804020204" pitchFamily="34" charset="0"/>
+                <a:ea typeface="DejaVu Sans Book" panose="020B0603030804020204" pitchFamily="34" charset="0"/>
+                <a:cs typeface="DejaVu Sans Book" panose="020B0603030804020204" pitchFamily="34" charset="0"/>
+              </a:rPr>
+              <a:t>REQ</a:t>
+            </a:r>
+          </a:p>
+        </p:txBody>
+      </p:sp>
+      <p:sp>
+        <p:nvSpPr>
+          <p:cNvPr id="55" name="Cloud 54">
+            <a:extLst>
+              <a:ext uri="{FF2B5EF4-FFF2-40B4-BE49-F238E27FC236}">
+                <a16:creationId xmlns:a16="http://schemas.microsoft.com/office/drawing/2014/main" id="{42A60122-AA53-8B40-AE76-893F028C1068}"/>
+              </a:ext>
+            </a:extLst>
+          </p:cNvPr>
+          <p:cNvSpPr/>
+          <p:nvPr/>
+        </p:nvSpPr>
+        <p:spPr>
+          <a:xfrm>
+            <a:off x="5920654" y="2573795"/>
+            <a:ext cx="405827" cy="228600"/>
+          </a:xfrm>
+          <a:prstGeom prst="cloud">
+            <a:avLst/>
+          </a:prstGeom>
+          <a:solidFill>
+            <a:schemeClr val="accent4"/>
+          </a:solidFill>
+          <a:ln>
+            <a:noFill/>
+          </a:ln>
+        </p:spPr>
+        <p:style>
+          <a:lnRef idx="2">
+            <a:schemeClr val="accent1">
+              <a:shade val="50000"/>
+            </a:schemeClr>
+          </a:lnRef>
+          <a:fillRef idx="1">
+            <a:schemeClr val="accent1"/>
+          </a:fillRef>
+          <a:effectRef idx="0">
+            <a:schemeClr val="accent1"/>
+          </a:effectRef>
+          <a:fontRef idx="minor">
+            <a:schemeClr val="lt1"/>
+          </a:fontRef>
+        </p:style>
+        <p:txBody>
+          <a:bodyPr rtlCol="0" anchor="ctr"/>
+          <a:lstStyle/>
+          <a:p>
+            <a:pPr algn="ctr"/>
+            <a:endParaRPr lang="en-US">
+              <a:latin typeface="DejaVu Sans Book" panose="020B0603030804020204" pitchFamily="34" charset="0"/>
+              <a:ea typeface="DejaVu Sans Book" panose="020B0603030804020204" pitchFamily="34" charset="0"/>
+              <a:cs typeface="DejaVu Sans Book" panose="020B0603030804020204" pitchFamily="34" charset="0"/>
+            </a:endParaRPr>
+          </a:p>
+        </p:txBody>
+      </p:sp>
+      <p:pic>
+        <p:nvPicPr>
+          <p:cNvPr id="56" name="Picture 55">
+            <a:extLst>
+              <a:ext uri="{FF2B5EF4-FFF2-40B4-BE49-F238E27FC236}">
+                <a16:creationId xmlns:a16="http://schemas.microsoft.com/office/drawing/2014/main" id="{39E585D3-F584-7A44-AD5D-9D8187091441}"/>
+              </a:ext>
+            </a:extLst>
+          </p:cNvPr>
+          <p:cNvPicPr>
+            <a:picLocks noChangeAspect="1"/>
+          </p:cNvPicPr>
+          <p:nvPr/>
+        </p:nvPicPr>
+        <p:blipFill>
+          <a:blip r:embed="rId2"/>
+          <a:stretch>
+            <a:fillRect/>
+          </a:stretch>
+        </p:blipFill>
+        <p:spPr>
+          <a:xfrm>
+            <a:off x="6271163" y="2759956"/>
+            <a:ext cx="411971" cy="255706"/>
+          </a:xfrm>
+          <a:prstGeom prst="rect">
+            <a:avLst/>
+          </a:prstGeom>
+        </p:spPr>
+      </p:pic>
+      <p:pic>
+        <p:nvPicPr>
+          <p:cNvPr id="57" name="Picture 56">
+            <a:extLst>
+              <a:ext uri="{FF2B5EF4-FFF2-40B4-BE49-F238E27FC236}">
+                <a16:creationId xmlns:a16="http://schemas.microsoft.com/office/drawing/2014/main" id="{170E2555-48D7-AA49-A42D-1F6615E6828D}"/>
+              </a:ext>
+            </a:extLst>
+          </p:cNvPr>
+          <p:cNvPicPr>
+            <a:picLocks noChangeAspect="1"/>
+          </p:cNvPicPr>
+          <p:nvPr/>
+        </p:nvPicPr>
+        <p:blipFill>
+          <a:blip r:embed="rId2"/>
+          <a:stretch>
+            <a:fillRect/>
+          </a:stretch>
+        </p:blipFill>
+        <p:spPr>
+          <a:xfrm>
+            <a:off x="5954501" y="4298635"/>
+            <a:ext cx="442680" cy="274767"/>
+          </a:xfrm>
+          <a:prstGeom prst="rect">
+            <a:avLst/>
+          </a:prstGeom>
+        </p:spPr>
+      </p:pic>
+      <p:pic>
+        <p:nvPicPr>
+          <p:cNvPr id="58" name="Picture 57">
+            <a:extLst>
+              <a:ext uri="{FF2B5EF4-FFF2-40B4-BE49-F238E27FC236}">
+                <a16:creationId xmlns:a16="http://schemas.microsoft.com/office/drawing/2014/main" id="{32AE1070-F267-5C4D-8B17-7BB2CA0B1195}"/>
+              </a:ext>
+            </a:extLst>
+          </p:cNvPr>
+          <p:cNvPicPr>
+            <a:picLocks noChangeAspect="1"/>
+          </p:cNvPicPr>
+          <p:nvPr/>
+        </p:nvPicPr>
+        <p:blipFill>
+          <a:blip r:embed="rId2"/>
+          <a:stretch>
+            <a:fillRect/>
+          </a:stretch>
+        </p:blipFill>
+        <p:spPr>
+          <a:xfrm>
+            <a:off x="8402869" y="4636557"/>
+            <a:ext cx="455617" cy="282797"/>
+          </a:xfrm>
+          <a:prstGeom prst="rect">
+            <a:avLst/>
+          </a:prstGeom>
+        </p:spPr>
+      </p:pic>
+      <p:pic>
+        <p:nvPicPr>
+          <p:cNvPr id="59" name="Picture 58">
+            <a:extLst>
+              <a:ext uri="{FF2B5EF4-FFF2-40B4-BE49-F238E27FC236}">
+                <a16:creationId xmlns:a16="http://schemas.microsoft.com/office/drawing/2014/main" id="{E6441157-1E64-3B4C-ACDB-A989B099E61B}"/>
+              </a:ext>
+            </a:extLst>
+          </p:cNvPr>
+          <p:cNvPicPr>
+            <a:picLocks noChangeAspect="1"/>
+          </p:cNvPicPr>
+          <p:nvPr/>
+        </p:nvPicPr>
+        <p:blipFill>
+          <a:blip r:embed="rId2"/>
+          <a:stretch>
+            <a:fillRect/>
+          </a:stretch>
+        </p:blipFill>
+        <p:spPr>
+          <a:xfrm>
+            <a:off x="8742429" y="4834152"/>
+            <a:ext cx="455617" cy="282797"/>
+          </a:xfrm>
+          <a:prstGeom prst="rect">
+            <a:avLst/>
+          </a:prstGeom>
+        </p:spPr>
+      </p:pic>
+      <p:pic>
+        <p:nvPicPr>
+          <p:cNvPr id="60" name="Picture 59">
+            <a:extLst>
+              <a:ext uri="{FF2B5EF4-FFF2-40B4-BE49-F238E27FC236}">
+                <a16:creationId xmlns:a16="http://schemas.microsoft.com/office/drawing/2014/main" id="{F1B0722D-BAE5-E94F-8124-90314FF469DD}"/>
+              </a:ext>
+            </a:extLst>
+          </p:cNvPr>
+          <p:cNvPicPr>
+            <a:picLocks noChangeAspect="1"/>
+          </p:cNvPicPr>
+          <p:nvPr/>
+        </p:nvPicPr>
+        <p:blipFill>
+          <a:blip r:embed="rId2"/>
+          <a:stretch>
+            <a:fillRect/>
+          </a:stretch>
+        </p:blipFill>
+        <p:spPr>
+          <a:xfrm>
+            <a:off x="8518594" y="2862779"/>
+            <a:ext cx="402897" cy="250074"/>
+          </a:xfrm>
+          <a:prstGeom prst="rect">
+            <a:avLst/>
+          </a:prstGeom>
+        </p:spPr>
+      </p:pic>
+      <p:pic>
+        <p:nvPicPr>
+          <p:cNvPr id="61" name="Picture 60">
+            <a:extLst>
+              <a:ext uri="{FF2B5EF4-FFF2-40B4-BE49-F238E27FC236}">
+                <a16:creationId xmlns:a16="http://schemas.microsoft.com/office/drawing/2014/main" id="{CA2941CF-1A3D-C24E-823F-0B53E4DDF729}"/>
+              </a:ext>
+            </a:extLst>
+          </p:cNvPr>
+          <p:cNvPicPr>
+            <a:picLocks noChangeAspect="1"/>
+          </p:cNvPicPr>
+          <p:nvPr/>
+        </p:nvPicPr>
+        <p:blipFill>
+          <a:blip r:embed="rId2"/>
+          <a:stretch>
+            <a:fillRect/>
+          </a:stretch>
+        </p:blipFill>
+        <p:spPr>
+          <a:xfrm>
+            <a:off x="8777871" y="2391240"/>
+            <a:ext cx="430249" cy="267051"/>
+          </a:xfrm>
+          <a:prstGeom prst="rect">
+            <a:avLst/>
+          </a:prstGeom>
+        </p:spPr>
+      </p:pic>
+      <p:sp>
+        <p:nvSpPr>
+          <p:cNvPr id="62" name="TextBox 61">
+            <a:extLst>
+              <a:ext uri="{FF2B5EF4-FFF2-40B4-BE49-F238E27FC236}">
+                <a16:creationId xmlns:a16="http://schemas.microsoft.com/office/drawing/2014/main" id="{CCFE592F-CB07-F14A-A921-36EDD618EBD6}"/>
+              </a:ext>
+            </a:extLst>
+          </p:cNvPr>
+          <p:cNvSpPr txBox="1"/>
+          <p:nvPr/>
+        </p:nvSpPr>
+        <p:spPr>
+          <a:xfrm>
+            <a:off x="6313288" y="1875693"/>
+            <a:ext cx="332142" cy="369332"/>
+          </a:xfrm>
+          <a:prstGeom prst="rect">
+            <a:avLst/>
+          </a:prstGeom>
+          <a:noFill/>
+        </p:spPr>
+        <p:txBody>
+          <a:bodyPr wrap="none" rtlCol="0">
+            <a:spAutoFit/>
+          </a:bodyPr>
+          <a:lstStyle/>
+          <a:p>
+            <a:r>
+              <a:rPr lang="en-US" dirty="0">
+                <a:latin typeface="DejaVu Sans Book" panose="020B0603030804020204" pitchFamily="34" charset="0"/>
+                <a:ea typeface="DejaVu Sans Book" panose="020B0603030804020204" pitchFamily="34" charset="0"/>
+                <a:cs typeface="DejaVu Sans Book" panose="020B0603030804020204" pitchFamily="34" charset="0"/>
+              </a:rPr>
+              <a:t>1</a:t>
+            </a:r>
+          </a:p>
+        </p:txBody>
+      </p:sp>
+      <p:sp>
+        <p:nvSpPr>
+          <p:cNvPr id="63" name="TextBox 62">
+            <a:extLst>
+              <a:ext uri="{FF2B5EF4-FFF2-40B4-BE49-F238E27FC236}">
+                <a16:creationId xmlns:a16="http://schemas.microsoft.com/office/drawing/2014/main" id="{173DC745-DF3B-6141-8389-7D31280ED8FE}"/>
+              </a:ext>
+            </a:extLst>
+          </p:cNvPr>
+          <p:cNvSpPr txBox="1"/>
+          <p:nvPr/>
+        </p:nvSpPr>
+        <p:spPr>
+          <a:xfrm>
+            <a:off x="6408737" y="2948158"/>
+            <a:ext cx="332142" cy="369332"/>
+          </a:xfrm>
+          <a:prstGeom prst="rect">
+            <a:avLst/>
+          </a:prstGeom>
+          <a:noFill/>
+        </p:spPr>
+        <p:txBody>
+          <a:bodyPr wrap="none" rtlCol="0">
+            <a:spAutoFit/>
+          </a:bodyPr>
+          <a:lstStyle/>
+          <a:p>
+            <a:r>
+              <a:rPr lang="en-US" dirty="0">
+                <a:latin typeface="DejaVu Sans Book" panose="020B0603030804020204" pitchFamily="34" charset="0"/>
+                <a:ea typeface="DejaVu Sans Book" panose="020B0603030804020204" pitchFamily="34" charset="0"/>
+                <a:cs typeface="DejaVu Sans Book" panose="020B0603030804020204" pitchFamily="34" charset="0"/>
+              </a:rPr>
+              <a:t>3</a:t>
+            </a:r>
+          </a:p>
+        </p:txBody>
+      </p:sp>
+      <p:sp>
+        <p:nvSpPr>
+          <p:cNvPr id="64" name="TextBox 63">
+            <a:extLst>
+              <a:ext uri="{FF2B5EF4-FFF2-40B4-BE49-F238E27FC236}">
+                <a16:creationId xmlns:a16="http://schemas.microsoft.com/office/drawing/2014/main" id="{BCDD541D-62F0-8C43-8F17-2E080E3A3033}"/>
+              </a:ext>
+            </a:extLst>
+          </p:cNvPr>
+          <p:cNvSpPr txBox="1"/>
+          <p:nvPr/>
+        </p:nvSpPr>
+        <p:spPr>
+          <a:xfrm>
+            <a:off x="5843907" y="4573402"/>
+            <a:ext cx="332142" cy="369332"/>
+          </a:xfrm>
+          <a:prstGeom prst="rect">
+            <a:avLst/>
+          </a:prstGeom>
+          <a:noFill/>
+        </p:spPr>
+        <p:txBody>
+          <a:bodyPr wrap="none" rtlCol="0">
+            <a:spAutoFit/>
+          </a:bodyPr>
+          <a:lstStyle>
+            <a:defPPr>
+              <a:defRPr lang="en-US"/>
+            </a:defPPr>
+          </a:lstStyle>
+          <a:p>
+            <a:r>
+              <a:rPr lang="en-US" dirty="0">
+                <a:latin typeface="DejaVu Sans Book" panose="020B0603030804020204" pitchFamily="34" charset="0"/>
+                <a:ea typeface="DejaVu Sans Book" panose="020B0603030804020204" pitchFamily="34" charset="0"/>
+                <a:cs typeface="DejaVu Sans Book" panose="020B0603030804020204" pitchFamily="34" charset="0"/>
+              </a:rPr>
+              <a:t>2</a:t>
+            </a:r>
+          </a:p>
+        </p:txBody>
+      </p:sp>
+      <p:sp>
+        <p:nvSpPr>
+          <p:cNvPr id="65" name="TextBox 64">
+            <a:extLst>
+              <a:ext uri="{FF2B5EF4-FFF2-40B4-BE49-F238E27FC236}">
+                <a16:creationId xmlns:a16="http://schemas.microsoft.com/office/drawing/2014/main" id="{A8F80460-2B91-D64F-82EB-59DA4B662056}"/>
+              </a:ext>
+            </a:extLst>
+          </p:cNvPr>
+          <p:cNvSpPr txBox="1"/>
+          <p:nvPr/>
+        </p:nvSpPr>
+        <p:spPr>
+          <a:xfrm>
+            <a:off x="8486017" y="1858249"/>
+            <a:ext cx="308098" cy="369332"/>
+          </a:xfrm>
+          <a:prstGeom prst="rect">
+            <a:avLst/>
+          </a:prstGeom>
+          <a:noFill/>
+        </p:spPr>
+        <p:txBody>
+          <a:bodyPr wrap="square" rtlCol="0">
+            <a:spAutoFit/>
+          </a:bodyPr>
+          <a:lstStyle/>
+          <a:p>
+            <a:r>
+              <a:rPr lang="en-US" dirty="0">
+                <a:latin typeface="DejaVu Sans Book" panose="020B0603030804020204" pitchFamily="34" charset="0"/>
+                <a:ea typeface="DejaVu Sans Book" panose="020B0603030804020204" pitchFamily="34" charset="0"/>
+                <a:cs typeface="DejaVu Sans Book" panose="020B0603030804020204" pitchFamily="34" charset="0"/>
+              </a:rPr>
+              <a:t>4</a:t>
+            </a:r>
+          </a:p>
+        </p:txBody>
+      </p:sp>
+      <p:sp>
+        <p:nvSpPr>
+          <p:cNvPr id="66" name="TextBox 65">
+            <a:extLst>
+              <a:ext uri="{FF2B5EF4-FFF2-40B4-BE49-F238E27FC236}">
+                <a16:creationId xmlns:a16="http://schemas.microsoft.com/office/drawing/2014/main" id="{3B6246F9-E182-594A-B419-48B2AC3293A1}"/>
+              </a:ext>
+            </a:extLst>
+          </p:cNvPr>
+          <p:cNvSpPr txBox="1"/>
+          <p:nvPr/>
+        </p:nvSpPr>
+        <p:spPr>
+          <a:xfrm>
+            <a:off x="8367098" y="3929303"/>
+            <a:ext cx="308098" cy="369332"/>
+          </a:xfrm>
+          <a:prstGeom prst="rect">
+            <a:avLst/>
+          </a:prstGeom>
+          <a:noFill/>
+        </p:spPr>
+        <p:txBody>
+          <a:bodyPr wrap="square" rtlCol="0">
+            <a:spAutoFit/>
+          </a:bodyPr>
+          <a:lstStyle/>
+          <a:p>
+            <a:r>
+              <a:rPr lang="en-US" dirty="0">
+                <a:latin typeface="DejaVu Sans Book" panose="020B0603030804020204" pitchFamily="34" charset="0"/>
+                <a:ea typeface="DejaVu Sans Book" panose="020B0603030804020204" pitchFamily="34" charset="0"/>
+                <a:cs typeface="DejaVu Sans Book" panose="020B0603030804020204" pitchFamily="34" charset="0"/>
+              </a:rPr>
+              <a:t>5</a:t>
+            </a:r>
+          </a:p>
+        </p:txBody>
+      </p:sp>
+      <p:sp>
+        <p:nvSpPr>
+          <p:cNvPr id="67" name="TextBox 66">
+            <a:extLst>
+              <a:ext uri="{FF2B5EF4-FFF2-40B4-BE49-F238E27FC236}">
+                <a16:creationId xmlns:a16="http://schemas.microsoft.com/office/drawing/2014/main" id="{B7F51C53-581B-2242-9B08-25E4671980EC}"/>
+              </a:ext>
+            </a:extLst>
+          </p:cNvPr>
+          <p:cNvSpPr txBox="1"/>
+          <p:nvPr/>
+        </p:nvSpPr>
+        <p:spPr>
+          <a:xfrm>
+            <a:off x="9000010" y="4997811"/>
+            <a:ext cx="308098" cy="369332"/>
+          </a:xfrm>
+          <a:prstGeom prst="rect">
+            <a:avLst/>
+          </a:prstGeom>
+          <a:noFill/>
+        </p:spPr>
+        <p:txBody>
+          <a:bodyPr wrap="square" rtlCol="0">
+            <a:spAutoFit/>
+          </a:bodyPr>
+          <a:lstStyle/>
+          <a:p>
+            <a:r>
+              <a:rPr lang="en-US" dirty="0">
+                <a:latin typeface="DejaVu Sans Book" panose="020B0603030804020204" pitchFamily="34" charset="0"/>
+                <a:ea typeface="DejaVu Sans Book" panose="020B0603030804020204" pitchFamily="34" charset="0"/>
+                <a:cs typeface="DejaVu Sans Book" panose="020B0603030804020204" pitchFamily="34" charset="0"/>
+              </a:rPr>
+              <a:t>6</a:t>
+            </a:r>
+          </a:p>
+        </p:txBody>
+      </p:sp>
+      <p:sp>
+        <p:nvSpPr>
+          <p:cNvPr id="68" name="TextBox 67">
+            <a:extLst>
+              <a:ext uri="{FF2B5EF4-FFF2-40B4-BE49-F238E27FC236}">
+                <a16:creationId xmlns:a16="http://schemas.microsoft.com/office/drawing/2014/main" id="{D16D4889-AC93-394D-917B-064300138ABE}"/>
+              </a:ext>
+            </a:extLst>
+          </p:cNvPr>
+          <p:cNvSpPr txBox="1"/>
+          <p:nvPr/>
+        </p:nvSpPr>
+        <p:spPr>
+          <a:xfrm>
+            <a:off x="8364546" y="2473625"/>
+            <a:ext cx="308098" cy="369332"/>
+          </a:xfrm>
+          <a:prstGeom prst="rect">
+            <a:avLst/>
+          </a:prstGeom>
+          <a:noFill/>
+        </p:spPr>
+        <p:txBody>
+          <a:bodyPr wrap="square" rtlCol="0">
+            <a:spAutoFit/>
+          </a:bodyPr>
+          <a:lstStyle/>
+          <a:p>
+            <a:r>
+              <a:rPr lang="en-US" dirty="0">
+                <a:latin typeface="DejaVu Sans Book" panose="020B0603030804020204" pitchFamily="34" charset="0"/>
+                <a:ea typeface="DejaVu Sans Book" panose="020B0603030804020204" pitchFamily="34" charset="0"/>
+                <a:cs typeface="DejaVu Sans Book" panose="020B0603030804020204" pitchFamily="34" charset="0"/>
+              </a:rPr>
+              <a:t>7</a:t>
+            </a:r>
+          </a:p>
+        </p:txBody>
+      </p:sp>
+      <p:sp>
+        <p:nvSpPr>
+          <p:cNvPr id="70" name="Rectangle 69">
+            <a:extLst>
+              <a:ext uri="{FF2B5EF4-FFF2-40B4-BE49-F238E27FC236}">
+                <a16:creationId xmlns:a16="http://schemas.microsoft.com/office/drawing/2014/main" id="{4439A34B-E721-4D4C-BBD4-127080D34081}"/>
+              </a:ext>
+            </a:extLst>
+          </p:cNvPr>
+          <p:cNvSpPr/>
+          <p:nvPr/>
+        </p:nvSpPr>
+        <p:spPr>
+          <a:xfrm>
+            <a:off x="9820857" y="3853869"/>
+            <a:ext cx="2337806" cy="1468764"/>
+          </a:xfrm>
+          <a:prstGeom prst="rect">
+            <a:avLst/>
+          </a:prstGeom>
+          <a:solidFill>
+            <a:schemeClr val="bg1">
+              <a:lumMod val="95000"/>
+            </a:schemeClr>
+          </a:solidFill>
+          <a:ln>
+            <a:noFill/>
+          </a:ln>
+        </p:spPr>
+        <p:style>
+          <a:lnRef idx="2">
+            <a:schemeClr val="accent1">
+              <a:shade val="50000"/>
+            </a:schemeClr>
+          </a:lnRef>
+          <a:fillRef idx="1">
+            <a:schemeClr val="accent1"/>
+          </a:fillRef>
+          <a:effectRef idx="0">
+            <a:schemeClr val="accent1"/>
+          </a:effectRef>
+          <a:fontRef idx="minor">
+            <a:schemeClr val="lt1"/>
+          </a:fontRef>
+        </p:style>
+        <p:txBody>
+          <a:bodyPr rtlCol="0" anchor="ctr"/>
+          <a:lstStyle/>
+          <a:p>
+            <a:pPr algn="ctr"/>
+            <a:endParaRPr lang="en-US" dirty="0">
+              <a:latin typeface="DejaVu Sans Book" panose="020B0603030804020204" pitchFamily="34" charset="0"/>
+              <a:ea typeface="DejaVu Sans Book" panose="020B0603030804020204" pitchFamily="34" charset="0"/>
+              <a:cs typeface="DejaVu Sans Book" panose="020B0603030804020204" pitchFamily="34" charset="0"/>
+            </a:endParaRPr>
+          </a:p>
+        </p:txBody>
+      </p:sp>
+      <p:sp>
+        <p:nvSpPr>
+          <p:cNvPr id="71" name="Rounded Rectangle 70">
+            <a:extLst>
+              <a:ext uri="{FF2B5EF4-FFF2-40B4-BE49-F238E27FC236}">
+                <a16:creationId xmlns:a16="http://schemas.microsoft.com/office/drawing/2014/main" id="{C862D575-A3B2-8149-A074-C12452FCDBE8}"/>
+              </a:ext>
+            </a:extLst>
+          </p:cNvPr>
+          <p:cNvSpPr/>
+          <p:nvPr/>
+        </p:nvSpPr>
+        <p:spPr>
+          <a:xfrm>
+            <a:off x="10009785" y="4030354"/>
+            <a:ext cx="612337" cy="337312"/>
+          </a:xfrm>
+          <a:prstGeom prst="roundRect">
+            <a:avLst/>
+          </a:prstGeom>
+          <a:solidFill>
+            <a:schemeClr val="accent5"/>
+          </a:solidFill>
+          <a:ln>
+            <a:noFill/>
+          </a:ln>
+        </p:spPr>
+        <p:style>
+          <a:lnRef idx="2">
+            <a:schemeClr val="accent1">
+              <a:shade val="50000"/>
+            </a:schemeClr>
+          </a:lnRef>
+          <a:fillRef idx="1">
+            <a:schemeClr val="accent1"/>
+          </a:fillRef>
+          <a:effectRef idx="0">
+            <a:schemeClr val="accent1"/>
+          </a:effectRef>
+          <a:fontRef idx="minor">
+            <a:schemeClr val="lt1"/>
+          </a:fontRef>
+        </p:style>
+        <p:txBody>
+          <a:bodyPr rot="0" spcFirstLastPara="0" vertOverflow="overflow" horzOverflow="overflow" vert="horz" wrap="square" lIns="91440" tIns="45720" rIns="91440" bIns="45720" numCol="1" spcCol="0" rtlCol="0" fromWordArt="0" anchor="ctr" anchorCtr="0" forceAA="0" compatLnSpc="1">
+            <a:prstTxWarp prst="textNoShape">
+              <a:avLst/>
+            </a:prstTxWarp>
+            <a:noAutofit/>
+          </a:bodyPr>
+          <a:lstStyle/>
+          <a:p>
+            <a:pPr algn="ctr"/>
+            <a:r>
+              <a:rPr lang="en-US" sz="1400" dirty="0">
+                <a:latin typeface="DejaVu Sans Book" panose="020B0603030804020204" pitchFamily="34" charset="0"/>
+                <a:ea typeface="DejaVu Sans Book" panose="020B0603030804020204" pitchFamily="34" charset="0"/>
+                <a:cs typeface="DejaVu Sans Book" panose="020B0603030804020204" pitchFamily="34" charset="0"/>
+              </a:rPr>
+              <a:t>VCU</a:t>
+            </a:r>
+          </a:p>
+        </p:txBody>
+      </p:sp>
+      <p:sp>
+        <p:nvSpPr>
+          <p:cNvPr id="72" name="Rounded Rectangle 71">
+            <a:extLst>
+              <a:ext uri="{FF2B5EF4-FFF2-40B4-BE49-F238E27FC236}">
+                <a16:creationId xmlns:a16="http://schemas.microsoft.com/office/drawing/2014/main" id="{78B0DED8-F2A9-ED4F-A4C0-F2AFAA211261}"/>
+              </a:ext>
+            </a:extLst>
+          </p:cNvPr>
+          <p:cNvSpPr/>
+          <p:nvPr/>
+        </p:nvSpPr>
+        <p:spPr>
+          <a:xfrm>
+            <a:off x="10003671" y="4475710"/>
+            <a:ext cx="624565" cy="337312"/>
+          </a:xfrm>
+          <a:prstGeom prst="roundRect">
+            <a:avLst/>
+          </a:prstGeom>
+          <a:solidFill>
+            <a:schemeClr val="accent6"/>
+          </a:solidFill>
+          <a:ln>
+            <a:noFill/>
+          </a:ln>
+        </p:spPr>
+        <p:style>
+          <a:lnRef idx="2">
+            <a:schemeClr val="accent1">
+              <a:shade val="50000"/>
+            </a:schemeClr>
+          </a:lnRef>
+          <a:fillRef idx="1">
+            <a:schemeClr val="accent1"/>
+          </a:fillRef>
+          <a:effectRef idx="0">
+            <a:schemeClr val="accent1"/>
+          </a:effectRef>
+          <a:fontRef idx="minor">
+            <a:schemeClr val="lt1"/>
+          </a:fontRef>
+        </p:style>
+        <p:txBody>
+          <a:bodyPr rot="0" spcFirstLastPara="0" vertOverflow="overflow" horzOverflow="overflow" vert="horz" wrap="square" lIns="91440" tIns="45720" rIns="91440" bIns="45720" numCol="1" spcCol="0" rtlCol="0" fromWordArt="0" anchor="ctr" anchorCtr="0" forceAA="0" compatLnSpc="1">
+            <a:prstTxWarp prst="textNoShape">
+              <a:avLst/>
+            </a:prstTxWarp>
+            <a:noAutofit/>
+          </a:bodyPr>
+          <a:lstStyle/>
+          <a:p>
+            <a:pPr algn="ctr"/>
+            <a:r>
+              <a:rPr lang="en-US" sz="1400" dirty="0">
+                <a:latin typeface="DejaVu Sans Book" panose="020B0603030804020204" pitchFamily="34" charset="0"/>
+                <a:ea typeface="DejaVu Sans Book" panose="020B0603030804020204" pitchFamily="34" charset="0"/>
+                <a:cs typeface="DejaVu Sans Book" panose="020B0603030804020204" pitchFamily="34" charset="0"/>
+              </a:rPr>
+              <a:t>VMU</a:t>
+            </a:r>
+          </a:p>
+        </p:txBody>
+      </p:sp>
+      <p:cxnSp>
+        <p:nvCxnSpPr>
+          <p:cNvPr id="73" name="Straight Arrow Connector 72">
+            <a:extLst>
+              <a:ext uri="{FF2B5EF4-FFF2-40B4-BE49-F238E27FC236}">
+                <a16:creationId xmlns:a16="http://schemas.microsoft.com/office/drawing/2014/main" id="{FFB3A5B5-FBB4-3E4C-BF17-D1ECB2A575D3}"/>
+              </a:ext>
+            </a:extLst>
+          </p:cNvPr>
+          <p:cNvCxnSpPr>
+            <a:cxnSpLocks/>
+          </p:cNvCxnSpPr>
+          <p:nvPr/>
+        </p:nvCxnSpPr>
+        <p:spPr>
+          <a:xfrm>
+            <a:off x="10768108" y="4059669"/>
+            <a:ext cx="955119" cy="0"/>
+          </a:xfrm>
+          <a:prstGeom prst="straightConnector1">
+            <a:avLst/>
+          </a:prstGeom>
+          <a:ln w="25400">
+            <a:solidFill>
+              <a:schemeClr val="tx1">
+                <a:lumMod val="65000"/>
+                <a:lumOff val="35000"/>
+              </a:schemeClr>
+            </a:solidFill>
+            <a:tailEnd type="arrow"/>
+          </a:ln>
+        </p:spPr>
+        <p:style>
+          <a:lnRef idx="3">
+            <a:schemeClr val="accent1"/>
+          </a:lnRef>
+          <a:fillRef idx="0">
+            <a:schemeClr val="accent1"/>
+          </a:fillRef>
+          <a:effectRef idx="2">
+            <a:schemeClr val="accent1"/>
+          </a:effectRef>
+          <a:fontRef idx="minor">
+            <a:schemeClr val="tx1"/>
+          </a:fontRef>
+        </p:style>
+      </p:cxnSp>
+      <p:sp>
+        <p:nvSpPr>
+          <p:cNvPr id="74" name="TextBox 73">
+            <a:extLst>
+              <a:ext uri="{FF2B5EF4-FFF2-40B4-BE49-F238E27FC236}">
+                <a16:creationId xmlns:a16="http://schemas.microsoft.com/office/drawing/2014/main" id="{C60A1FC5-1D7C-EF43-8FF4-CE3E3E3D36B8}"/>
+              </a:ext>
+            </a:extLst>
+          </p:cNvPr>
+          <p:cNvSpPr txBox="1"/>
+          <p:nvPr/>
+        </p:nvSpPr>
+        <p:spPr>
+          <a:xfrm>
+            <a:off x="10768108" y="4090667"/>
+            <a:ext cx="1081550" cy="276999"/>
+          </a:xfrm>
+          <a:prstGeom prst="rect">
+            <a:avLst/>
+          </a:prstGeom>
+          <a:noFill/>
+        </p:spPr>
+        <p:txBody>
+          <a:bodyPr wrap="square" rtlCol="0">
+            <a:spAutoFit/>
+          </a:bodyPr>
+          <a:lstStyle/>
+          <a:p>
+            <a:r>
+              <a:rPr lang="en-US" sz="1200" dirty="0">
+                <a:latin typeface="DejaVu Sans Book" panose="020B0603030804020204" pitchFamily="34" charset="0"/>
+                <a:ea typeface="DejaVu Sans Book" panose="020B0603030804020204" pitchFamily="34" charset="0"/>
+                <a:cs typeface="DejaVu Sans Book" panose="020B0603030804020204" pitchFamily="34" charset="0"/>
+              </a:rPr>
+              <a:t>dataflow</a:t>
+            </a:r>
+          </a:p>
+        </p:txBody>
+      </p:sp>
+      <p:cxnSp>
+        <p:nvCxnSpPr>
+          <p:cNvPr id="75" name="Straight Arrow Connector 74">
+            <a:extLst>
+              <a:ext uri="{FF2B5EF4-FFF2-40B4-BE49-F238E27FC236}">
+                <a16:creationId xmlns:a16="http://schemas.microsoft.com/office/drawing/2014/main" id="{CC4D2D8D-CFFB-FE46-9302-1CF1C08055AF}"/>
+              </a:ext>
+            </a:extLst>
+          </p:cNvPr>
+          <p:cNvCxnSpPr>
+            <a:cxnSpLocks/>
+          </p:cNvCxnSpPr>
+          <p:nvPr/>
+        </p:nvCxnSpPr>
+        <p:spPr>
+          <a:xfrm>
+            <a:off x="10768108" y="4396344"/>
+            <a:ext cx="955119" cy="0"/>
+          </a:xfrm>
+          <a:prstGeom prst="straightConnector1">
+            <a:avLst/>
+          </a:prstGeom>
+          <a:ln w="19050">
+            <a:solidFill>
+              <a:srgbClr val="C00000"/>
+            </a:solidFill>
+            <a:tailEnd type="arrow"/>
+          </a:ln>
+        </p:spPr>
+        <p:style>
+          <a:lnRef idx="3">
+            <a:schemeClr val="accent1"/>
+          </a:lnRef>
+          <a:fillRef idx="0">
+            <a:schemeClr val="accent1"/>
+          </a:fillRef>
+          <a:effectRef idx="2">
+            <a:schemeClr val="accent1"/>
+          </a:effectRef>
+          <a:fontRef idx="minor">
+            <a:schemeClr val="tx1"/>
+          </a:fontRef>
+        </p:style>
+      </p:cxnSp>
+      <p:sp>
+        <p:nvSpPr>
+          <p:cNvPr id="76" name="TextBox 75">
+            <a:extLst>
+              <a:ext uri="{FF2B5EF4-FFF2-40B4-BE49-F238E27FC236}">
+                <a16:creationId xmlns:a16="http://schemas.microsoft.com/office/drawing/2014/main" id="{113CA69D-C2D8-9C45-912C-3C8EC75F8192}"/>
+              </a:ext>
+            </a:extLst>
+          </p:cNvPr>
+          <p:cNvSpPr txBox="1"/>
+          <p:nvPr/>
+        </p:nvSpPr>
+        <p:spPr>
+          <a:xfrm>
+            <a:off x="10641650" y="4439803"/>
+            <a:ext cx="1334467" cy="276999"/>
+          </a:xfrm>
+          <a:prstGeom prst="rect">
+            <a:avLst/>
+          </a:prstGeom>
+          <a:noFill/>
+        </p:spPr>
+        <p:txBody>
+          <a:bodyPr wrap="square" rtlCol="0">
+            <a:spAutoFit/>
+          </a:bodyPr>
+          <a:lstStyle/>
+          <a:p>
+            <a:pPr algn="ctr"/>
+            <a:r>
+              <a:rPr lang="en-US" sz="1200" dirty="0">
+                <a:latin typeface="DejaVu Sans Book" panose="020B0603030804020204" pitchFamily="34" charset="0"/>
+                <a:ea typeface="DejaVu Sans Book" panose="020B0603030804020204" pitchFamily="34" charset="0"/>
+                <a:cs typeface="DejaVu Sans Book" panose="020B0603030804020204" pitchFamily="34" charset="0"/>
+              </a:rPr>
+              <a:t>control token</a:t>
+            </a:r>
+          </a:p>
+        </p:txBody>
+      </p:sp>
+      <p:pic>
+        <p:nvPicPr>
+          <p:cNvPr id="77" name="Picture 76">
+            <a:extLst>
+              <a:ext uri="{FF2B5EF4-FFF2-40B4-BE49-F238E27FC236}">
+                <a16:creationId xmlns:a16="http://schemas.microsoft.com/office/drawing/2014/main" id="{E1359D31-91FF-514C-AC54-20C351D08A54}"/>
+              </a:ext>
+            </a:extLst>
+          </p:cNvPr>
+          <p:cNvPicPr>
+            <a:picLocks noChangeAspect="1"/>
+          </p:cNvPicPr>
+          <p:nvPr/>
+        </p:nvPicPr>
+        <p:blipFill>
+          <a:blip r:embed="rId2"/>
+          <a:stretch>
+            <a:fillRect/>
+          </a:stretch>
+        </p:blipFill>
+        <p:spPr>
+          <a:xfrm>
+            <a:off x="10067737" y="4921066"/>
+            <a:ext cx="496432" cy="308130"/>
+          </a:xfrm>
+          <a:prstGeom prst="rect">
+            <a:avLst/>
+          </a:prstGeom>
+        </p:spPr>
+      </p:pic>
+      <p:sp>
+        <p:nvSpPr>
+          <p:cNvPr id="78" name="TextBox 77">
+            <a:extLst>
+              <a:ext uri="{FF2B5EF4-FFF2-40B4-BE49-F238E27FC236}">
+                <a16:creationId xmlns:a16="http://schemas.microsoft.com/office/drawing/2014/main" id="{3D2D79AA-9CA5-FE4A-B6C5-30FA636D1573}"/>
+              </a:ext>
+            </a:extLst>
+          </p:cNvPr>
+          <p:cNvSpPr txBox="1"/>
+          <p:nvPr/>
+        </p:nvSpPr>
+        <p:spPr>
+          <a:xfrm>
+            <a:off x="10571543" y="4761670"/>
+            <a:ext cx="1474681" cy="461665"/>
+          </a:xfrm>
+          <a:prstGeom prst="rect">
+            <a:avLst/>
+          </a:prstGeom>
+          <a:noFill/>
+        </p:spPr>
+        <p:txBody>
+          <a:bodyPr wrap="square" rtlCol="0">
+            <a:spAutoFit/>
+          </a:bodyPr>
+          <a:lstStyle/>
+          <a:p>
+            <a:pPr algn="ctr"/>
+            <a:r>
+              <a:rPr lang="en-US" sz="1200" dirty="0">
+                <a:latin typeface="DejaVu Sans Book" panose="020B0603030804020204" pitchFamily="34" charset="0"/>
+                <a:ea typeface="DejaVu Sans Book" panose="020B0603030804020204" pitchFamily="34" charset="0"/>
+                <a:cs typeface="DejaVu Sans Book" panose="020B0603030804020204" pitchFamily="34" charset="0"/>
+              </a:rPr>
+              <a:t>unpredictable network latency</a:t>
+            </a:r>
+          </a:p>
+        </p:txBody>
+      </p:sp>
+    </p:spTree>
+    <p:extLst>
+      <p:ext uri="{BB962C8B-B14F-4D97-AF65-F5344CB8AC3E}">
+        <p14:creationId xmlns:p14="http://schemas.microsoft.com/office/powerpoint/2010/main" val="3571919830"/>
+      </p:ext>
+    </p:extLst>
+  </p:cSld>
+  <p:clrMapOvr>
+    <a:masterClrMapping/>
+  </p:clrMapOvr>
+  <p:timing>
+    <p:tnLst>
+      <p:par>
+        <p:cTn id="1" dur="indefinite" restart="never" nodeType="tmRoot">
+          <p:childTnLst>
+            <p:seq concurrent="1" nextAc="seek">
+              <p:cTn id="2" dur="indefinite" nodeType="mainSeq">
+                <p:childTnLst>
+                  <p:par>
+                    <p:cTn id="3" fill="hold">
+                      <p:stCondLst>
+                        <p:cond delay="indefinite"/>
+                      </p:stCondLst>
+                      <p:childTnLst>
+                        <p:par>
+                          <p:cTn id="4" fill="hold">
+                            <p:stCondLst>
+                              <p:cond delay="0"/>
+                            </p:stCondLst>
+                            <p:childTnLst>
+                              <p:par>
+                                <p:cTn id="5" presetID="1" presetClass="entr" presetSubtype="0" fill="hold" grpId="0" nodeType="clickEffect">
+                                  <p:stCondLst>
+                                    <p:cond delay="0"/>
+                                  </p:stCondLst>
+                                  <p:childTnLst>
+                                    <p:set>
+                                      <p:cBhvr>
+                                        <p:cTn id="6" dur="1" fill="hold">
+                                          <p:stCondLst>
+                                            <p:cond delay="0"/>
+                                          </p:stCondLst>
+                                        </p:cTn>
+                                        <p:tgtEl>
+                                          <p:spTgt spid="40"/>
+                                        </p:tgtEl>
+                                        <p:attrNameLst>
+                                          <p:attrName>style.visibility</p:attrName>
+                                        </p:attrNameLst>
+                                      </p:cBhvr>
+                                      <p:to>
+                                        <p:strVal val="visible"/>
+                                      </p:to>
+                                    </p:set>
+                                  </p:childTnLst>
+                                </p:cTn>
+                              </p:par>
+                              <p:par>
+                                <p:cTn id="7" presetID="1" presetClass="entr" presetSubtype="0" fill="hold" grpId="0" nodeType="withEffect">
+                                  <p:stCondLst>
+                                    <p:cond delay="0"/>
+                                  </p:stCondLst>
+                                  <p:childTnLst>
+                                    <p:set>
+                                      <p:cBhvr>
+                                        <p:cTn id="8" dur="1" fill="hold">
+                                          <p:stCondLst>
+                                            <p:cond delay="0"/>
+                                          </p:stCondLst>
+                                        </p:cTn>
+                                        <p:tgtEl>
+                                          <p:spTgt spid="41"/>
+                                        </p:tgtEl>
+                                        <p:attrNameLst>
+                                          <p:attrName>style.visibility</p:attrName>
+                                        </p:attrNameLst>
+                                      </p:cBhvr>
+                                      <p:to>
+                                        <p:strVal val="visible"/>
+                                      </p:to>
+                                    </p:set>
+                                  </p:childTnLst>
+                                </p:cTn>
+                              </p:par>
+                              <p:par>
+                                <p:cTn id="9" presetID="1" presetClass="entr" presetSubtype="0" fill="hold" grpId="0" nodeType="withEffect">
+                                  <p:stCondLst>
+                                    <p:cond delay="0"/>
+                                  </p:stCondLst>
+                                  <p:childTnLst>
+                                    <p:set>
+                                      <p:cBhvr>
+                                        <p:cTn id="10" dur="1" fill="hold">
+                                          <p:stCondLst>
+                                            <p:cond delay="0"/>
+                                          </p:stCondLst>
+                                        </p:cTn>
+                                        <p:tgtEl>
+                                          <p:spTgt spid="42"/>
+                                        </p:tgtEl>
+                                        <p:attrNameLst>
+                                          <p:attrName>style.visibility</p:attrName>
+                                        </p:attrNameLst>
+                                      </p:cBhvr>
+                                      <p:to>
+                                        <p:strVal val="visible"/>
+                                      </p:to>
+                                    </p:set>
+                                  </p:childTnLst>
+                                </p:cTn>
+                              </p:par>
+                            </p:childTnLst>
+                          </p:cTn>
+                        </p:par>
+                      </p:childTnLst>
+                    </p:cTn>
+                  </p:par>
+                  <p:par>
+                    <p:cTn id="11" fill="hold">
+                      <p:stCondLst>
+                        <p:cond delay="indefinite"/>
+                      </p:stCondLst>
+                      <p:childTnLst>
+                        <p:par>
+                          <p:cTn id="12" fill="hold">
+                            <p:stCondLst>
+                              <p:cond delay="0"/>
+                            </p:stCondLst>
+                            <p:childTnLst>
+                              <p:par>
+                                <p:cTn id="13" presetID="1" presetClass="entr" presetSubtype="0" fill="hold" grpId="0" nodeType="clickEffect">
+                                  <p:stCondLst>
+                                    <p:cond delay="0"/>
+                                  </p:stCondLst>
+                                  <p:childTnLst>
+                                    <p:set>
+                                      <p:cBhvr>
+                                        <p:cTn id="14" dur="1" fill="hold">
+                                          <p:stCondLst>
+                                            <p:cond delay="0"/>
+                                          </p:stCondLst>
+                                        </p:cTn>
+                                        <p:tgtEl>
+                                          <p:spTgt spid="43"/>
+                                        </p:tgtEl>
+                                        <p:attrNameLst>
+                                          <p:attrName>style.visibility</p:attrName>
+                                        </p:attrNameLst>
+                                      </p:cBhvr>
+                                      <p:to>
+                                        <p:strVal val="visible"/>
+                                      </p:to>
+                                    </p:set>
+                                  </p:childTnLst>
+                                </p:cTn>
+                              </p:par>
+                            </p:childTnLst>
+                          </p:cTn>
+                        </p:par>
+                      </p:childTnLst>
+                    </p:cTn>
+                  </p:par>
+                  <p:par>
+                    <p:cTn id="15" fill="hold">
+                      <p:stCondLst>
+                        <p:cond delay="indefinite"/>
+                      </p:stCondLst>
+                      <p:childTnLst>
+                        <p:par>
+                          <p:cTn id="16" fill="hold">
+                            <p:stCondLst>
+                              <p:cond delay="0"/>
+                            </p:stCondLst>
+                            <p:childTnLst>
+                              <p:par>
+                                <p:cTn id="17" presetID="1" presetClass="entr" presetSubtype="0" fill="hold" grpId="0" nodeType="clickEffect">
+                                  <p:stCondLst>
+                                    <p:cond delay="0"/>
+                                  </p:stCondLst>
+                                  <p:childTnLst>
+                                    <p:set>
+                                      <p:cBhvr>
+                                        <p:cTn id="18" dur="1" fill="hold">
+                                          <p:stCondLst>
+                                            <p:cond delay="0"/>
+                                          </p:stCondLst>
+                                        </p:cTn>
+                                        <p:tgtEl>
+                                          <p:spTgt spid="62"/>
+                                        </p:tgtEl>
+                                        <p:attrNameLst>
+                                          <p:attrName>style.visibility</p:attrName>
+                                        </p:attrNameLst>
+                                      </p:cBhvr>
+                                      <p:to>
+                                        <p:strVal val="visible"/>
+                                      </p:to>
+                                    </p:set>
+                                  </p:childTnLst>
+                                </p:cTn>
+                              </p:par>
+                              <p:par>
+                                <p:cTn id="19" presetID="1" presetClass="entr" presetSubtype="0" fill="hold" nodeType="withEffect">
+                                  <p:stCondLst>
+                                    <p:cond delay="0"/>
+                                  </p:stCondLst>
+                                  <p:childTnLst>
+                                    <p:set>
+                                      <p:cBhvr>
+                                        <p:cTn id="20" dur="1" fill="hold">
+                                          <p:stCondLst>
+                                            <p:cond delay="0"/>
+                                          </p:stCondLst>
+                                        </p:cTn>
+                                        <p:tgtEl>
+                                          <p:spTgt spid="44"/>
+                                        </p:tgtEl>
+                                        <p:attrNameLst>
+                                          <p:attrName>style.visibility</p:attrName>
+                                        </p:attrNameLst>
+                                      </p:cBhvr>
+                                      <p:to>
+                                        <p:strVal val="visible"/>
+                                      </p:to>
+                                    </p:set>
+                                  </p:childTnLst>
+                                </p:cTn>
+                              </p:par>
+                            </p:childTnLst>
+                          </p:cTn>
+                        </p:par>
+                      </p:childTnLst>
+                    </p:cTn>
+                  </p:par>
+                  <p:par>
+                    <p:cTn id="21" fill="hold">
+                      <p:stCondLst>
+                        <p:cond delay="indefinite"/>
+                      </p:stCondLst>
+                      <p:childTnLst>
+                        <p:par>
+                          <p:cTn id="22" fill="hold">
+                            <p:stCondLst>
+                              <p:cond delay="0"/>
+                            </p:stCondLst>
+                            <p:childTnLst>
+                              <p:par>
+                                <p:cTn id="23" presetID="1" presetClass="entr" presetSubtype="0" fill="hold" grpId="0" nodeType="clickEffect">
+                                  <p:stCondLst>
+                                    <p:cond delay="0"/>
+                                  </p:stCondLst>
+                                  <p:childTnLst>
+                                    <p:set>
+                                      <p:cBhvr>
+                                        <p:cTn id="24" dur="1" fill="hold">
+                                          <p:stCondLst>
+                                            <p:cond delay="0"/>
+                                          </p:stCondLst>
+                                        </p:cTn>
+                                        <p:tgtEl>
+                                          <p:spTgt spid="64"/>
+                                        </p:tgtEl>
+                                        <p:attrNameLst>
+                                          <p:attrName>style.visibility</p:attrName>
+                                        </p:attrNameLst>
+                                      </p:cBhvr>
+                                      <p:to>
+                                        <p:strVal val="visible"/>
+                                      </p:to>
+                                    </p:set>
+                                  </p:childTnLst>
+                                </p:cTn>
+                              </p:par>
+                              <p:par>
+                                <p:cTn id="25" presetID="1" presetClass="entr" presetSubtype="0" fill="hold" nodeType="withEffect">
+                                  <p:stCondLst>
+                                    <p:cond delay="0"/>
+                                  </p:stCondLst>
+                                  <p:childTnLst>
+                                    <p:set>
+                                      <p:cBhvr>
+                                        <p:cTn id="26" dur="1" fill="hold">
+                                          <p:stCondLst>
+                                            <p:cond delay="0"/>
+                                          </p:stCondLst>
+                                        </p:cTn>
+                                        <p:tgtEl>
+                                          <p:spTgt spid="48"/>
+                                        </p:tgtEl>
+                                        <p:attrNameLst>
+                                          <p:attrName>style.visibility</p:attrName>
+                                        </p:attrNameLst>
+                                      </p:cBhvr>
+                                      <p:to>
+                                        <p:strVal val="visible"/>
+                                      </p:to>
+                                    </p:set>
+                                  </p:childTnLst>
+                                </p:cTn>
+                              </p:par>
+                              <p:par>
+                                <p:cTn id="27" presetID="1" presetClass="entr" presetSubtype="0" fill="hold" grpId="0" nodeType="withEffect">
+                                  <p:stCondLst>
+                                    <p:cond delay="0"/>
+                                  </p:stCondLst>
+                                  <p:childTnLst>
+                                    <p:set>
+                                      <p:cBhvr>
+                                        <p:cTn id="28" dur="1" fill="hold">
+                                          <p:stCondLst>
+                                            <p:cond delay="0"/>
+                                          </p:stCondLst>
+                                        </p:cTn>
+                                        <p:tgtEl>
+                                          <p:spTgt spid="53"/>
+                                        </p:tgtEl>
+                                        <p:attrNameLst>
+                                          <p:attrName>style.visibility</p:attrName>
+                                        </p:attrNameLst>
+                                      </p:cBhvr>
+                                      <p:to>
+                                        <p:strVal val="visible"/>
+                                      </p:to>
+                                    </p:set>
+                                  </p:childTnLst>
+                                </p:cTn>
+                              </p:par>
+                            </p:childTnLst>
+                          </p:cTn>
+                        </p:par>
+                      </p:childTnLst>
+                    </p:cTn>
+                  </p:par>
+                  <p:par>
+                    <p:cTn id="29" fill="hold">
+                      <p:stCondLst>
+                        <p:cond delay="indefinite"/>
+                      </p:stCondLst>
+                      <p:childTnLst>
+                        <p:par>
+                          <p:cTn id="30" fill="hold">
+                            <p:stCondLst>
+                              <p:cond delay="0"/>
+                            </p:stCondLst>
+                            <p:childTnLst>
+                              <p:par>
+                                <p:cTn id="31" presetID="1" presetClass="entr" presetSubtype="0" fill="hold" nodeType="clickEffect">
+                                  <p:stCondLst>
+                                    <p:cond delay="0"/>
+                                  </p:stCondLst>
+                                  <p:childTnLst>
+                                    <p:set>
+                                      <p:cBhvr>
+                                        <p:cTn id="32" dur="1" fill="hold">
+                                          <p:stCondLst>
+                                            <p:cond delay="0"/>
+                                          </p:stCondLst>
+                                        </p:cTn>
+                                        <p:tgtEl>
+                                          <p:spTgt spid="46"/>
+                                        </p:tgtEl>
+                                        <p:attrNameLst>
+                                          <p:attrName>style.visibility</p:attrName>
+                                        </p:attrNameLst>
+                                      </p:cBhvr>
+                                      <p:to>
+                                        <p:strVal val="visible"/>
+                                      </p:to>
+                                    </p:set>
+                                  </p:childTnLst>
+                                </p:cTn>
+                              </p:par>
+                              <p:par>
+                                <p:cTn id="33" presetID="1" presetClass="entr" presetSubtype="0" fill="hold" grpId="0" nodeType="withEffect">
+                                  <p:stCondLst>
+                                    <p:cond delay="0"/>
+                                  </p:stCondLst>
+                                  <p:childTnLst>
+                                    <p:set>
+                                      <p:cBhvr>
+                                        <p:cTn id="34" dur="1" fill="hold">
+                                          <p:stCondLst>
+                                            <p:cond delay="0"/>
+                                          </p:stCondLst>
+                                        </p:cTn>
+                                        <p:tgtEl>
+                                          <p:spTgt spid="63"/>
+                                        </p:tgtEl>
+                                        <p:attrNameLst>
+                                          <p:attrName>style.visibility</p:attrName>
+                                        </p:attrNameLst>
+                                      </p:cBhvr>
+                                      <p:to>
+                                        <p:strVal val="visible"/>
+                                      </p:to>
+                                    </p:set>
+                                  </p:childTnLst>
+                                </p:cTn>
+                              </p:par>
+                            </p:childTnLst>
+                          </p:cTn>
+                        </p:par>
+                      </p:childTnLst>
+                    </p:cTn>
+                  </p:par>
+                  <p:par>
+                    <p:cTn id="35" fill="hold">
+                      <p:stCondLst>
+                        <p:cond delay="indefinite"/>
+                      </p:stCondLst>
+                      <p:childTnLst>
+                        <p:par>
+                          <p:cTn id="36" fill="hold">
+                            <p:stCondLst>
+                              <p:cond delay="0"/>
+                            </p:stCondLst>
+                            <p:childTnLst>
+                              <p:par>
+                                <p:cTn id="37" presetID="1" presetClass="entr" presetSubtype="0" fill="hold" grpId="0" nodeType="clickEffect">
+                                  <p:stCondLst>
+                                    <p:cond delay="0"/>
+                                  </p:stCondLst>
+                                  <p:childTnLst>
+                                    <p:set>
+                                      <p:cBhvr>
+                                        <p:cTn id="38" dur="1" fill="hold">
+                                          <p:stCondLst>
+                                            <p:cond delay="0"/>
+                                          </p:stCondLst>
+                                        </p:cTn>
+                                        <p:tgtEl>
+                                          <p:spTgt spid="65"/>
+                                        </p:tgtEl>
+                                        <p:attrNameLst>
+                                          <p:attrName>style.visibility</p:attrName>
+                                        </p:attrNameLst>
+                                      </p:cBhvr>
+                                      <p:to>
+                                        <p:strVal val="visible"/>
+                                      </p:to>
+                                    </p:set>
+                                  </p:childTnLst>
+                                </p:cTn>
+                              </p:par>
+                              <p:par>
+                                <p:cTn id="39" presetID="1" presetClass="entr" presetSubtype="0" fill="hold" nodeType="withEffect">
+                                  <p:stCondLst>
+                                    <p:cond delay="0"/>
+                                  </p:stCondLst>
+                                  <p:childTnLst>
+                                    <p:set>
+                                      <p:cBhvr>
+                                        <p:cTn id="40" dur="1" fill="hold">
+                                          <p:stCondLst>
+                                            <p:cond delay="0"/>
+                                          </p:stCondLst>
+                                        </p:cTn>
+                                        <p:tgtEl>
+                                          <p:spTgt spid="45"/>
+                                        </p:tgtEl>
+                                        <p:attrNameLst>
+                                          <p:attrName>style.visibility</p:attrName>
+                                        </p:attrNameLst>
+                                      </p:cBhvr>
+                                      <p:to>
+                                        <p:strVal val="visible"/>
+                                      </p:to>
+                                    </p:set>
+                                  </p:childTnLst>
+                                </p:cTn>
+                              </p:par>
+                            </p:childTnLst>
+                          </p:cTn>
+                        </p:par>
+                      </p:childTnLst>
+                    </p:cTn>
+                  </p:par>
+                  <p:par>
+                    <p:cTn id="41" fill="hold">
+                      <p:stCondLst>
+                        <p:cond delay="indefinite"/>
+                      </p:stCondLst>
+                      <p:childTnLst>
+                        <p:par>
+                          <p:cTn id="42" fill="hold">
+                            <p:stCondLst>
+                              <p:cond delay="0"/>
+                            </p:stCondLst>
+                            <p:childTnLst>
+                              <p:par>
+                                <p:cTn id="43" presetID="1" presetClass="entr" presetSubtype="0" fill="hold" nodeType="clickEffect">
+                                  <p:stCondLst>
+                                    <p:cond delay="0"/>
+                                  </p:stCondLst>
+                                  <p:childTnLst>
+                                    <p:set>
+                                      <p:cBhvr>
+                                        <p:cTn id="44" dur="1" fill="hold">
+                                          <p:stCondLst>
+                                            <p:cond delay="0"/>
+                                          </p:stCondLst>
+                                        </p:cTn>
+                                        <p:tgtEl>
+                                          <p:spTgt spid="50"/>
+                                        </p:tgtEl>
+                                        <p:attrNameLst>
+                                          <p:attrName>style.visibility</p:attrName>
+                                        </p:attrNameLst>
+                                      </p:cBhvr>
+                                      <p:to>
+                                        <p:strVal val="visible"/>
+                                      </p:to>
+                                    </p:set>
+                                  </p:childTnLst>
+                                </p:cTn>
+                              </p:par>
+                              <p:par>
+                                <p:cTn id="45" presetID="1" presetClass="entr" presetSubtype="0" fill="hold" grpId="0" nodeType="withEffect">
+                                  <p:stCondLst>
+                                    <p:cond delay="0"/>
+                                  </p:stCondLst>
+                                  <p:childTnLst>
+                                    <p:set>
+                                      <p:cBhvr>
+                                        <p:cTn id="46" dur="1" fill="hold">
+                                          <p:stCondLst>
+                                            <p:cond delay="0"/>
+                                          </p:stCondLst>
+                                        </p:cTn>
+                                        <p:tgtEl>
+                                          <p:spTgt spid="66"/>
+                                        </p:tgtEl>
+                                        <p:attrNameLst>
+                                          <p:attrName>style.visibility</p:attrName>
+                                        </p:attrNameLst>
+                                      </p:cBhvr>
+                                      <p:to>
+                                        <p:strVal val="visible"/>
+                                      </p:to>
+                                    </p:set>
+                                  </p:childTnLst>
+                                </p:cTn>
+                              </p:par>
+                              <p:par>
+                                <p:cTn id="47" presetID="1" presetClass="entr" presetSubtype="0" fill="hold" grpId="0" nodeType="withEffect">
+                                  <p:stCondLst>
+                                    <p:cond delay="0"/>
+                                  </p:stCondLst>
+                                  <p:childTnLst>
+                                    <p:set>
+                                      <p:cBhvr>
+                                        <p:cTn id="48" dur="1" fill="hold">
+                                          <p:stCondLst>
+                                            <p:cond delay="0"/>
+                                          </p:stCondLst>
+                                        </p:cTn>
+                                        <p:tgtEl>
+                                          <p:spTgt spid="51"/>
+                                        </p:tgtEl>
+                                        <p:attrNameLst>
+                                          <p:attrName>style.visibility</p:attrName>
+                                        </p:attrNameLst>
+                                      </p:cBhvr>
+                                      <p:to>
+                                        <p:strVal val="visible"/>
+                                      </p:to>
+                                    </p:set>
+                                  </p:childTnLst>
+                                </p:cTn>
+                              </p:par>
+                            </p:childTnLst>
+                          </p:cTn>
+                        </p:par>
+                      </p:childTnLst>
+                    </p:cTn>
+                  </p:par>
+                  <p:par>
+                    <p:cTn id="49" fill="hold">
+                      <p:stCondLst>
+                        <p:cond delay="indefinite"/>
+                      </p:stCondLst>
+                      <p:childTnLst>
+                        <p:par>
+                          <p:cTn id="50" fill="hold">
+                            <p:stCondLst>
+                              <p:cond delay="0"/>
+                            </p:stCondLst>
+                            <p:childTnLst>
+                              <p:par>
+                                <p:cTn id="51" presetID="1" presetClass="entr" presetSubtype="0" fill="hold" grpId="0" nodeType="clickEffect">
+                                  <p:stCondLst>
+                                    <p:cond delay="0"/>
+                                  </p:stCondLst>
+                                  <p:childTnLst>
+                                    <p:set>
+                                      <p:cBhvr>
+                                        <p:cTn id="52" dur="1" fill="hold">
+                                          <p:stCondLst>
+                                            <p:cond delay="0"/>
+                                          </p:stCondLst>
+                                        </p:cTn>
+                                        <p:tgtEl>
+                                          <p:spTgt spid="67"/>
+                                        </p:tgtEl>
+                                        <p:attrNameLst>
+                                          <p:attrName>style.visibility</p:attrName>
+                                        </p:attrNameLst>
+                                      </p:cBhvr>
+                                      <p:to>
+                                        <p:strVal val="visible"/>
+                                      </p:to>
+                                    </p:set>
+                                  </p:childTnLst>
+                                </p:cTn>
+                              </p:par>
+                              <p:par>
+                                <p:cTn id="53" presetID="1" presetClass="entr" presetSubtype="0" fill="hold" grpId="0" nodeType="withEffect">
+                                  <p:stCondLst>
+                                    <p:cond delay="0"/>
+                                  </p:stCondLst>
+                                  <p:childTnLst>
+                                    <p:set>
+                                      <p:cBhvr>
+                                        <p:cTn id="54" dur="1" fill="hold">
+                                          <p:stCondLst>
+                                            <p:cond delay="0"/>
+                                          </p:stCondLst>
+                                        </p:cTn>
+                                        <p:tgtEl>
+                                          <p:spTgt spid="52"/>
+                                        </p:tgtEl>
+                                        <p:attrNameLst>
+                                          <p:attrName>style.visibility</p:attrName>
+                                        </p:attrNameLst>
+                                      </p:cBhvr>
+                                      <p:to>
+                                        <p:strVal val="visible"/>
+                                      </p:to>
+                                    </p:set>
+                                  </p:childTnLst>
+                                </p:cTn>
+                              </p:par>
+                              <p:par>
+                                <p:cTn id="55" presetID="1" presetClass="entr" presetSubtype="0" fill="hold" nodeType="withEffect">
+                                  <p:stCondLst>
+                                    <p:cond delay="0"/>
+                                  </p:stCondLst>
+                                  <p:childTnLst>
+                                    <p:set>
+                                      <p:cBhvr>
+                                        <p:cTn id="56" dur="1" fill="hold">
+                                          <p:stCondLst>
+                                            <p:cond delay="0"/>
+                                          </p:stCondLst>
+                                        </p:cTn>
+                                        <p:tgtEl>
+                                          <p:spTgt spid="49"/>
+                                        </p:tgtEl>
+                                        <p:attrNameLst>
+                                          <p:attrName>style.visibility</p:attrName>
+                                        </p:attrNameLst>
+                                      </p:cBhvr>
+                                      <p:to>
+                                        <p:strVal val="visible"/>
+                                      </p:to>
+                                    </p:set>
+                                  </p:childTnLst>
+                                </p:cTn>
+                              </p:par>
+                            </p:childTnLst>
+                          </p:cTn>
+                        </p:par>
+                      </p:childTnLst>
+                    </p:cTn>
+                  </p:par>
+                  <p:par>
+                    <p:cTn id="57" fill="hold">
+                      <p:stCondLst>
+                        <p:cond delay="indefinite"/>
+                      </p:stCondLst>
+                      <p:childTnLst>
+                        <p:par>
+                          <p:cTn id="58" fill="hold">
+                            <p:stCondLst>
+                              <p:cond delay="0"/>
+                            </p:stCondLst>
+                            <p:childTnLst>
+                              <p:par>
+                                <p:cTn id="59" presetID="1" presetClass="entr" presetSubtype="0" fill="hold" nodeType="clickEffect">
+                                  <p:stCondLst>
+                                    <p:cond delay="0"/>
+                                  </p:stCondLst>
+                                  <p:childTnLst>
+                                    <p:set>
+                                      <p:cBhvr>
+                                        <p:cTn id="60" dur="1" fill="hold">
+                                          <p:stCondLst>
+                                            <p:cond delay="0"/>
+                                          </p:stCondLst>
+                                        </p:cTn>
+                                        <p:tgtEl>
+                                          <p:spTgt spid="47"/>
+                                        </p:tgtEl>
+                                        <p:attrNameLst>
+                                          <p:attrName>style.visibility</p:attrName>
+                                        </p:attrNameLst>
+                                      </p:cBhvr>
+                                      <p:to>
+                                        <p:strVal val="visible"/>
+                                      </p:to>
+                                    </p:set>
+                                  </p:childTnLst>
+                                </p:cTn>
+                              </p:par>
+                              <p:par>
+                                <p:cTn id="61" presetID="1" presetClass="entr" presetSubtype="0" fill="hold" grpId="0" nodeType="withEffect">
+                                  <p:stCondLst>
+                                    <p:cond delay="0"/>
+                                  </p:stCondLst>
+                                  <p:childTnLst>
+                                    <p:set>
+                                      <p:cBhvr>
+                                        <p:cTn id="62" dur="1" fill="hold">
+                                          <p:stCondLst>
+                                            <p:cond delay="0"/>
+                                          </p:stCondLst>
+                                        </p:cTn>
+                                        <p:tgtEl>
+                                          <p:spTgt spid="68"/>
+                                        </p:tgtEl>
+                                        <p:attrNameLst>
+                                          <p:attrName>style.visibility</p:attrName>
+                                        </p:attrNameLst>
+                                      </p:cBhvr>
+                                      <p:to>
+                                        <p:strVal val="visible"/>
+                                      </p:to>
+                                    </p:set>
+                                  </p:childTnLst>
+                                </p:cTn>
+                              </p:par>
+                            </p:childTnLst>
+                          </p:cTn>
+                        </p:par>
+                      </p:childTnLst>
+                    </p:cTn>
+                  </p:par>
+                </p:childTnLst>
+              </p:cTn>
+              <p:prevCondLst>
+                <p:cond evt="onPrev" delay="0">
+                  <p:tgtEl>
+                    <p:sldTgt/>
+                  </p:tgtEl>
+                </p:cond>
+              </p:prevCondLst>
+              <p:nextCondLst>
+                <p:cond evt="onNext" delay="0">
+                  <p:tgtEl>
+                    <p:sldTgt/>
+                  </p:tgtEl>
+                </p:cond>
+              </p:nextCondLst>
+            </p:seq>
+          </p:childTnLst>
+        </p:cTn>
+      </p:par>
+    </p:tnLst>
+    <p:bldLst>
+      <p:bldP spid="40" grpId="0" animBg="1"/>
+      <p:bldP spid="41" grpId="0" animBg="1"/>
+      <p:bldP spid="42" grpId="0" animBg="1"/>
+      <p:bldP spid="43" grpId="0" animBg="1"/>
+      <p:bldP spid="51" grpId="0"/>
+      <p:bldP spid="52" grpId="0"/>
+      <p:bldP spid="53" grpId="0"/>
+      <p:bldP spid="62" grpId="0"/>
+      <p:bldP spid="63" grpId="0"/>
+      <p:bldP spid="64" grpId="0"/>
+      <p:bldP spid="65" grpId="0"/>
+      <p:bldP spid="66" grpId="0"/>
+      <p:bldP spid="67" grpId="0"/>
+      <p:bldP spid="68" grpId="0"/>
+    </p:bldLst>
+  </p:timing>
+</p:sld>
+</file>
+
 <file path=ppt/theme/theme1.xml><?xml version="1.0" encoding="utf-8"?>
 <a:theme xmlns:a="http://schemas.openxmlformats.org/drawingml/2006/main" name="Office Theme">
   <a:themeElements>

--- a/figs/figs.pptx
+++ b/figs/figs.pptx
@@ -17515,7 +17515,7 @@
         </p:nvSpPr>
         <p:spPr>
           <a:xfrm>
-            <a:off x="4713677" y="4802562"/>
+            <a:off x="7937718" y="2745316"/>
             <a:ext cx="2871259" cy="1645767"/>
           </a:xfrm>
           <a:prstGeom prst="rect">
@@ -18038,7 +18038,7 @@
         </p:nvSpPr>
         <p:spPr>
           <a:xfrm>
-            <a:off x="4818927" y="4958568"/>
+            <a:off x="8042968" y="2901322"/>
             <a:ext cx="419133" cy="419134"/>
           </a:xfrm>
           <a:prstGeom prst="ellipse">
@@ -18104,7 +18104,7 @@
         </p:nvSpPr>
         <p:spPr>
           <a:xfrm>
-            <a:off x="5301972" y="4983469"/>
+            <a:off x="8526013" y="2926223"/>
             <a:ext cx="1194879" cy="338554"/>
           </a:xfrm>
           <a:prstGeom prst="rect">
@@ -18143,7 +18143,7 @@
         </p:nvSpPr>
         <p:spPr>
           <a:xfrm>
-            <a:off x="4831416" y="5490858"/>
+            <a:off x="8055457" y="3433612"/>
             <a:ext cx="419133" cy="408566"/>
           </a:xfrm>
           <a:prstGeom prst="roundRect">
@@ -18206,7 +18206,7 @@
         </p:nvSpPr>
         <p:spPr>
           <a:xfrm>
-            <a:off x="5333871" y="5510475"/>
+            <a:off x="8557912" y="3453229"/>
             <a:ext cx="766235" cy="338554"/>
           </a:xfrm>
           <a:prstGeom prst="rect">
@@ -18439,7 +18439,7 @@
         </p:nvCxnSpPr>
         <p:spPr>
           <a:xfrm rot="10800000" flipV="1">
-            <a:off x="4879066" y="6158270"/>
+            <a:off x="8103107" y="4101024"/>
             <a:ext cx="422907" cy="1"/>
           </a:xfrm>
           <a:prstGeom prst="bentConnector3">
@@ -18484,7 +18484,7 @@
         </p:nvSpPr>
         <p:spPr>
           <a:xfrm>
-            <a:off x="5333871" y="5960947"/>
+            <a:off x="8557912" y="3903701"/>
             <a:ext cx="2251065" cy="338554"/>
           </a:xfrm>
           <a:prstGeom prst="rect">

--- a/figs/figs.pptx
+++ b/figs/figs.pptx
@@ -5,17 +5,18 @@
     <p:sldMasterId id="2147483672" r:id="rId1"/>
   </p:sldMasterIdLst>
   <p:notesMasterIdLst>
-    <p:notesMasterId r:id="rId10"/>
+    <p:notesMasterId r:id="rId11"/>
   </p:notesMasterIdLst>
   <p:sldIdLst>
     <p:sldId id="256" r:id="rId2"/>
-    <p:sldId id="257" r:id="rId3"/>
-    <p:sldId id="373" r:id="rId4"/>
-    <p:sldId id="374" r:id="rId5"/>
-    <p:sldId id="375" r:id="rId6"/>
-    <p:sldId id="376" r:id="rId7"/>
-    <p:sldId id="377" r:id="rId8"/>
-    <p:sldId id="378" r:id="rId9"/>
+    <p:sldId id="379" r:id="rId3"/>
+    <p:sldId id="257" r:id="rId4"/>
+    <p:sldId id="373" r:id="rId5"/>
+    <p:sldId id="374" r:id="rId6"/>
+    <p:sldId id="375" r:id="rId7"/>
+    <p:sldId id="376" r:id="rId8"/>
+    <p:sldId id="377" r:id="rId9"/>
+    <p:sldId id="378" r:id="rId10"/>
   </p:sldIdLst>
   <p:sldSz cx="14630400" cy="18288000"/>
   <p:notesSz cx="6858000" cy="9144000"/>
@@ -204,7 +205,7 @@
           <a:p>
             <a:fld id="{763388E5-49DD-2242-8E05-A2217FC53398}" type="datetimeFigureOut">
               <a:rPr lang="en-US" smtClean="0"/>
-              <a:t>5/10/20</a:t>
+              <a:t>5/12/20</a:t>
             </a:fld>
             <a:endParaRPr lang="en-US"/>
           </a:p>
@@ -691,7 +692,7 @@
           <a:p>
             <a:fld id="{5B3D7911-F175-D446-A48B-9B7D69D6F542}" type="datetimeFigureOut">
               <a:rPr lang="en-US" smtClean="0"/>
-              <a:t>5/10/20</a:t>
+              <a:t>5/12/20</a:t>
             </a:fld>
             <a:endParaRPr lang="en-US"/>
           </a:p>
@@ -861,7 +862,7 @@
           <a:p>
             <a:fld id="{5B3D7911-F175-D446-A48B-9B7D69D6F542}" type="datetimeFigureOut">
               <a:rPr lang="en-US" smtClean="0"/>
-              <a:t>5/10/20</a:t>
+              <a:t>5/12/20</a:t>
             </a:fld>
             <a:endParaRPr lang="en-US"/>
           </a:p>
@@ -1041,7 +1042,7 @@
           <a:p>
             <a:fld id="{5B3D7911-F175-D446-A48B-9B7D69D6F542}" type="datetimeFigureOut">
               <a:rPr lang="en-US" smtClean="0"/>
-              <a:t>5/10/20</a:t>
+              <a:t>5/12/20</a:t>
             </a:fld>
             <a:endParaRPr lang="en-US"/>
           </a:p>
@@ -1211,7 +1212,7 @@
           <a:p>
             <a:fld id="{5B3D7911-F175-D446-A48B-9B7D69D6F542}" type="datetimeFigureOut">
               <a:rPr lang="en-US" smtClean="0"/>
-              <a:t>5/10/20</a:t>
+              <a:t>5/12/20</a:t>
             </a:fld>
             <a:endParaRPr lang="en-US"/>
           </a:p>
@@ -1455,7 +1456,7 @@
           <a:p>
             <a:fld id="{5B3D7911-F175-D446-A48B-9B7D69D6F542}" type="datetimeFigureOut">
               <a:rPr lang="en-US" smtClean="0"/>
-              <a:t>5/10/20</a:t>
+              <a:t>5/12/20</a:t>
             </a:fld>
             <a:endParaRPr lang="en-US"/>
           </a:p>
@@ -1687,7 +1688,7 @@
           <a:p>
             <a:fld id="{5B3D7911-F175-D446-A48B-9B7D69D6F542}" type="datetimeFigureOut">
               <a:rPr lang="en-US" smtClean="0"/>
-              <a:t>5/10/20</a:t>
+              <a:t>5/12/20</a:t>
             </a:fld>
             <a:endParaRPr lang="en-US"/>
           </a:p>
@@ -2054,7 +2055,7 @@
           <a:p>
             <a:fld id="{5B3D7911-F175-D446-A48B-9B7D69D6F542}" type="datetimeFigureOut">
               <a:rPr lang="en-US" smtClean="0"/>
-              <a:t>5/10/20</a:t>
+              <a:t>5/12/20</a:t>
             </a:fld>
             <a:endParaRPr lang="en-US"/>
           </a:p>
@@ -2172,7 +2173,7 @@
           <a:p>
             <a:fld id="{5B3D7911-F175-D446-A48B-9B7D69D6F542}" type="datetimeFigureOut">
               <a:rPr lang="en-US" smtClean="0"/>
-              <a:t>5/10/20</a:t>
+              <a:t>5/12/20</a:t>
             </a:fld>
             <a:endParaRPr lang="en-US"/>
           </a:p>
@@ -2267,7 +2268,7 @@
           <a:p>
             <a:fld id="{5B3D7911-F175-D446-A48B-9B7D69D6F542}" type="datetimeFigureOut">
               <a:rPr lang="en-US" smtClean="0"/>
-              <a:t>5/10/20</a:t>
+              <a:t>5/12/20</a:t>
             </a:fld>
             <a:endParaRPr lang="en-US"/>
           </a:p>
@@ -2544,7 +2545,7 @@
           <a:p>
             <a:fld id="{5B3D7911-F175-D446-A48B-9B7D69D6F542}" type="datetimeFigureOut">
               <a:rPr lang="en-US" smtClean="0"/>
-              <a:t>5/10/20</a:t>
+              <a:t>5/12/20</a:t>
             </a:fld>
             <a:endParaRPr lang="en-US"/>
           </a:p>
@@ -2801,7 +2802,7 @@
           <a:p>
             <a:fld id="{5B3D7911-F175-D446-A48B-9B7D69D6F542}" type="datetimeFigureOut">
               <a:rPr lang="en-US" smtClean="0"/>
-              <a:t>5/10/20</a:t>
+              <a:t>5/12/20</a:t>
             </a:fld>
             <a:endParaRPr lang="en-US"/>
           </a:p>
@@ -3014,7 +3015,7 @@
           <a:p>
             <a:fld id="{5B3D7911-F175-D446-A48B-9B7D69D6F542}" type="datetimeFigureOut">
               <a:rPr lang="en-US" smtClean="0"/>
-              <a:t>5/10/20</a:t>
+              <a:t>5/12/20</a:t>
             </a:fld>
             <a:endParaRPr lang="en-US"/>
           </a:p>
@@ -9103,6 +9104,1129 @@
       </p:grpSpPr>
       <p:sp>
         <p:nvSpPr>
+          <p:cNvPr id="28" name="Rounded Rectangle 27">
+            <a:extLst>
+              <a:ext uri="{FF2B5EF4-FFF2-40B4-BE49-F238E27FC236}">
+                <a16:creationId xmlns:a16="http://schemas.microsoft.com/office/drawing/2014/main" id="{C0CCDA6D-D09A-2A46-8ADF-5FBB91448D98}"/>
+              </a:ext>
+            </a:extLst>
+          </p:cNvPr>
+          <p:cNvSpPr/>
+          <p:nvPr/>
+        </p:nvSpPr>
+        <p:spPr>
+          <a:xfrm>
+            <a:off x="9914491" y="3688669"/>
+            <a:ext cx="867544" cy="502308"/>
+          </a:xfrm>
+          <a:prstGeom prst="roundRect">
+            <a:avLst/>
+          </a:prstGeom>
+          <a:solidFill>
+            <a:schemeClr val="accent6"/>
+          </a:solidFill>
+          <a:ln>
+            <a:noFill/>
+          </a:ln>
+        </p:spPr>
+        <p:style>
+          <a:lnRef idx="2">
+            <a:schemeClr val="accent1">
+              <a:shade val="50000"/>
+            </a:schemeClr>
+          </a:lnRef>
+          <a:fillRef idx="1">
+            <a:schemeClr val="accent1"/>
+          </a:fillRef>
+          <a:effectRef idx="0">
+            <a:schemeClr val="accent1"/>
+          </a:effectRef>
+          <a:fontRef idx="minor">
+            <a:schemeClr val="lt1"/>
+          </a:fontRef>
+        </p:style>
+        <p:txBody>
+          <a:bodyPr rot="0" spcFirstLastPara="0" vertOverflow="overflow" horzOverflow="overflow" vert="horz" wrap="square" lIns="91440" tIns="45720" rIns="91440" bIns="45720" numCol="1" spcCol="0" rtlCol="0" fromWordArt="0" anchor="ctr" anchorCtr="0" forceAA="0" compatLnSpc="1">
+            <a:prstTxWarp prst="textNoShape">
+              <a:avLst/>
+            </a:prstTxWarp>
+            <a:noAutofit/>
+          </a:bodyPr>
+          <a:lstStyle/>
+          <a:p>
+            <a:pPr algn="ctr"/>
+            <a:r>
+              <a:rPr lang="en-US" sz="1400" dirty="0">
+                <a:latin typeface="DejaVu Sans Book" panose="020B0603030804020204" pitchFamily="34" charset="0"/>
+                <a:ea typeface="DejaVu Sans Book" panose="020B0603030804020204" pitchFamily="34" charset="0"/>
+                <a:cs typeface="DejaVu Sans Book" panose="020B0603030804020204" pitchFamily="34" charset="0"/>
+              </a:rPr>
+              <a:t>mem</a:t>
+            </a:r>
+          </a:p>
+        </p:txBody>
+      </p:sp>
+      <p:sp>
+        <p:nvSpPr>
+          <p:cNvPr id="29" name="Rounded Rectangle 28">
+            <a:extLst>
+              <a:ext uri="{FF2B5EF4-FFF2-40B4-BE49-F238E27FC236}">
+                <a16:creationId xmlns:a16="http://schemas.microsoft.com/office/drawing/2014/main" id="{F17FF76F-43B5-9B4E-8AA3-6B106E4251C9}"/>
+              </a:ext>
+            </a:extLst>
+          </p:cNvPr>
+          <p:cNvSpPr/>
+          <p:nvPr/>
+        </p:nvSpPr>
+        <p:spPr>
+          <a:xfrm>
+            <a:off x="9124919" y="2367350"/>
+            <a:ext cx="789513" cy="557535"/>
+          </a:xfrm>
+          <a:prstGeom prst="roundRect">
+            <a:avLst/>
+          </a:prstGeom>
+          <a:solidFill>
+            <a:schemeClr val="accent5"/>
+          </a:solidFill>
+          <a:ln>
+            <a:noFill/>
+          </a:ln>
+        </p:spPr>
+        <p:style>
+          <a:lnRef idx="2">
+            <a:schemeClr val="accent1">
+              <a:shade val="50000"/>
+            </a:schemeClr>
+          </a:lnRef>
+          <a:fillRef idx="1">
+            <a:schemeClr val="accent1"/>
+          </a:fillRef>
+          <a:effectRef idx="0">
+            <a:schemeClr val="accent1"/>
+          </a:effectRef>
+          <a:fontRef idx="minor">
+            <a:schemeClr val="lt1"/>
+          </a:fontRef>
+        </p:style>
+        <p:txBody>
+          <a:bodyPr rot="0" spcFirstLastPara="0" vertOverflow="overflow" horzOverflow="overflow" vert="horz" wrap="square" lIns="91440" tIns="45720" rIns="91440" bIns="45720" numCol="1" spcCol="0" rtlCol="0" fromWordArt="0" anchor="ctr" anchorCtr="0" forceAA="0" compatLnSpc="1">
+            <a:prstTxWarp prst="textNoShape">
+              <a:avLst/>
+            </a:prstTxWarp>
+            <a:noAutofit/>
+          </a:bodyPr>
+          <a:lstStyle/>
+          <a:p>
+            <a:pPr algn="ctr"/>
+            <a:r>
+              <a:rPr lang="en-US" sz="1400" dirty="0" err="1">
+                <a:latin typeface="DejaVu Sans Book" panose="020B0603030804020204" pitchFamily="34" charset="0"/>
+                <a:ea typeface="DejaVu Sans Book" panose="020B0603030804020204" pitchFamily="34" charset="0"/>
+                <a:cs typeface="DejaVu Sans Book" panose="020B0603030804020204" pitchFamily="34" charset="0"/>
+              </a:rPr>
+              <a:t>ctxB</a:t>
+            </a:r>
+            <a:endParaRPr lang="en-US" sz="1400" dirty="0">
+              <a:latin typeface="DejaVu Sans Book" panose="020B0603030804020204" pitchFamily="34" charset="0"/>
+              <a:ea typeface="DejaVu Sans Book" panose="020B0603030804020204" pitchFamily="34" charset="0"/>
+              <a:cs typeface="DejaVu Sans Book" panose="020B0603030804020204" pitchFamily="34" charset="0"/>
+            </a:endParaRPr>
+          </a:p>
+        </p:txBody>
+      </p:sp>
+      <p:cxnSp>
+        <p:nvCxnSpPr>
+          <p:cNvPr id="30" name="Elbow Connector 29">
+            <a:extLst>
+              <a:ext uri="{FF2B5EF4-FFF2-40B4-BE49-F238E27FC236}">
+                <a16:creationId xmlns:a16="http://schemas.microsoft.com/office/drawing/2014/main" id="{83882671-D8CF-EE45-8385-CEC9140650F1}"/>
+              </a:ext>
+            </a:extLst>
+          </p:cNvPr>
+          <p:cNvCxnSpPr>
+            <a:cxnSpLocks/>
+            <a:endCxn id="28" idx="0"/>
+          </p:cNvCxnSpPr>
+          <p:nvPr/>
+        </p:nvCxnSpPr>
+        <p:spPr>
+          <a:xfrm rot="16200000" flipH="1">
+            <a:off x="9634216" y="2974622"/>
+            <a:ext cx="749642" cy="678452"/>
+          </a:xfrm>
+          <a:prstGeom prst="bentConnector3">
+            <a:avLst>
+              <a:gd name="adj1" fmla="val 31364"/>
+            </a:avLst>
+          </a:prstGeom>
+          <a:ln w="25400">
+            <a:solidFill>
+              <a:schemeClr val="tx1">
+                <a:lumMod val="65000"/>
+                <a:lumOff val="35000"/>
+              </a:schemeClr>
+            </a:solidFill>
+            <a:tailEnd type="arrow"/>
+          </a:ln>
+        </p:spPr>
+        <p:style>
+          <a:lnRef idx="3">
+            <a:schemeClr val="accent1"/>
+          </a:lnRef>
+          <a:fillRef idx="0">
+            <a:schemeClr val="accent1"/>
+          </a:fillRef>
+          <a:effectRef idx="2">
+            <a:schemeClr val="accent1"/>
+          </a:effectRef>
+          <a:fontRef idx="minor">
+            <a:schemeClr val="tx1"/>
+          </a:fontRef>
+        </p:style>
+      </p:cxnSp>
+      <p:sp>
+        <p:nvSpPr>
+          <p:cNvPr id="31" name="TextBox 30">
+            <a:extLst>
+              <a:ext uri="{FF2B5EF4-FFF2-40B4-BE49-F238E27FC236}">
+                <a16:creationId xmlns:a16="http://schemas.microsoft.com/office/drawing/2014/main" id="{ABEC9C43-1E1D-3E4C-A24B-7D67572D300E}"/>
+              </a:ext>
+            </a:extLst>
+          </p:cNvPr>
+          <p:cNvSpPr txBox="1"/>
+          <p:nvPr/>
+        </p:nvSpPr>
+        <p:spPr>
+          <a:xfrm>
+            <a:off x="9315418" y="3320379"/>
+            <a:ext cx="710451" cy="307777"/>
+          </a:xfrm>
+          <a:prstGeom prst="rect">
+            <a:avLst/>
+          </a:prstGeom>
+          <a:noFill/>
+        </p:spPr>
+        <p:txBody>
+          <a:bodyPr wrap="none" rtlCol="0">
+            <a:spAutoFit/>
+          </a:bodyPr>
+          <a:lstStyle/>
+          <a:p>
+            <a:r>
+              <a:rPr lang="en-US" sz="1400" dirty="0">
+                <a:latin typeface="DejaVu Sans Book" panose="020B0603030804020204" pitchFamily="34" charset="0"/>
+                <a:ea typeface="DejaVu Sans Book" panose="020B0603030804020204" pitchFamily="34" charset="0"/>
+                <a:cs typeface="DejaVu Sans Book" panose="020B0603030804020204" pitchFamily="34" charset="0"/>
+              </a:rPr>
+              <a:t>addr1</a:t>
+            </a:r>
+          </a:p>
+        </p:txBody>
+      </p:sp>
+      <p:cxnSp>
+        <p:nvCxnSpPr>
+          <p:cNvPr id="32" name="Elbow Connector 31">
+            <a:extLst>
+              <a:ext uri="{FF2B5EF4-FFF2-40B4-BE49-F238E27FC236}">
+                <a16:creationId xmlns:a16="http://schemas.microsoft.com/office/drawing/2014/main" id="{62D491DB-15E0-BA4F-B447-832EE714EC97}"/>
+              </a:ext>
+            </a:extLst>
+          </p:cNvPr>
+          <p:cNvCxnSpPr>
+            <a:cxnSpLocks/>
+            <a:stCxn id="29" idx="2"/>
+          </p:cNvCxnSpPr>
+          <p:nvPr/>
+        </p:nvCxnSpPr>
+        <p:spPr>
+          <a:xfrm rot="16200000" flipH="1">
+            <a:off x="9444806" y="2999755"/>
+            <a:ext cx="763785" cy="614044"/>
+          </a:xfrm>
+          <a:prstGeom prst="bentConnector3">
+            <a:avLst>
+              <a:gd name="adj1" fmla="val 50000"/>
+            </a:avLst>
+          </a:prstGeom>
+          <a:ln w="25400">
+            <a:solidFill>
+              <a:schemeClr val="tx1">
+                <a:lumMod val="65000"/>
+                <a:lumOff val="35000"/>
+              </a:schemeClr>
+            </a:solidFill>
+            <a:tailEnd type="arrow"/>
+          </a:ln>
+        </p:spPr>
+        <p:style>
+          <a:lnRef idx="3">
+            <a:schemeClr val="accent1"/>
+          </a:lnRef>
+          <a:fillRef idx="0">
+            <a:schemeClr val="accent1"/>
+          </a:fillRef>
+          <a:effectRef idx="2">
+            <a:schemeClr val="accent1"/>
+          </a:effectRef>
+          <a:fontRef idx="minor">
+            <a:schemeClr val="tx1"/>
+          </a:fontRef>
+        </p:style>
+      </p:cxnSp>
+      <p:sp>
+        <p:nvSpPr>
+          <p:cNvPr id="33" name="TextBox 32">
+            <a:extLst>
+              <a:ext uri="{FF2B5EF4-FFF2-40B4-BE49-F238E27FC236}">
+                <a16:creationId xmlns:a16="http://schemas.microsoft.com/office/drawing/2014/main" id="{03A4AEEB-DEA1-134A-9B7C-426D24DEDDE3}"/>
+              </a:ext>
+            </a:extLst>
+          </p:cNvPr>
+          <p:cNvSpPr txBox="1"/>
+          <p:nvPr/>
+        </p:nvSpPr>
+        <p:spPr>
+          <a:xfrm>
+            <a:off x="9861032" y="2785139"/>
+            <a:ext cx="704039" cy="307777"/>
+          </a:xfrm>
+          <a:prstGeom prst="rect">
+            <a:avLst/>
+          </a:prstGeom>
+          <a:noFill/>
+        </p:spPr>
+        <p:txBody>
+          <a:bodyPr wrap="none" rtlCol="0">
+            <a:spAutoFit/>
+          </a:bodyPr>
+          <a:lstStyle/>
+          <a:p>
+            <a:r>
+              <a:rPr lang="en-US" sz="1400" dirty="0">
+                <a:latin typeface="DejaVu Sans Book" panose="020B0603030804020204" pitchFamily="34" charset="0"/>
+                <a:ea typeface="DejaVu Sans Book" panose="020B0603030804020204" pitchFamily="34" charset="0"/>
+                <a:cs typeface="DejaVu Sans Book" panose="020B0603030804020204" pitchFamily="34" charset="0"/>
+              </a:rPr>
+              <a:t>data1</a:t>
+            </a:r>
+          </a:p>
+        </p:txBody>
+      </p:sp>
+      <p:sp>
+        <p:nvSpPr>
+          <p:cNvPr id="34" name="Rounded Rectangle 33">
+            <a:extLst>
+              <a:ext uri="{FF2B5EF4-FFF2-40B4-BE49-F238E27FC236}">
+                <a16:creationId xmlns:a16="http://schemas.microsoft.com/office/drawing/2014/main" id="{78E0FF07-98F9-5E48-80A0-FD3CB92850D2}"/>
+              </a:ext>
+            </a:extLst>
+          </p:cNvPr>
+          <p:cNvSpPr/>
+          <p:nvPr/>
+        </p:nvSpPr>
+        <p:spPr>
+          <a:xfrm>
+            <a:off x="10542668" y="2367350"/>
+            <a:ext cx="789514" cy="557535"/>
+          </a:xfrm>
+          <a:prstGeom prst="roundRect">
+            <a:avLst/>
+          </a:prstGeom>
+          <a:solidFill>
+            <a:schemeClr val="accent5"/>
+          </a:solidFill>
+          <a:ln>
+            <a:noFill/>
+          </a:ln>
+        </p:spPr>
+        <p:style>
+          <a:lnRef idx="2">
+            <a:schemeClr val="accent1">
+              <a:shade val="50000"/>
+            </a:schemeClr>
+          </a:lnRef>
+          <a:fillRef idx="1">
+            <a:schemeClr val="accent1"/>
+          </a:fillRef>
+          <a:effectRef idx="0">
+            <a:schemeClr val="accent1"/>
+          </a:effectRef>
+          <a:fontRef idx="minor">
+            <a:schemeClr val="lt1"/>
+          </a:fontRef>
+        </p:style>
+        <p:txBody>
+          <a:bodyPr rot="0" spcFirstLastPara="0" vertOverflow="overflow" horzOverflow="overflow" vert="horz" wrap="square" lIns="91440" tIns="45720" rIns="91440" bIns="45720" numCol="1" spcCol="0" rtlCol="0" fromWordArt="0" anchor="ctr" anchorCtr="0" forceAA="0" compatLnSpc="1">
+            <a:prstTxWarp prst="textNoShape">
+              <a:avLst/>
+            </a:prstTxWarp>
+            <a:noAutofit/>
+          </a:bodyPr>
+          <a:lstStyle/>
+          <a:p>
+            <a:pPr algn="ctr"/>
+            <a:r>
+              <a:rPr lang="en-US" sz="1400" dirty="0">
+                <a:latin typeface="DejaVu Sans Book" panose="020B0603030804020204" pitchFamily="34" charset="0"/>
+                <a:ea typeface="DejaVu Sans Book" panose="020B0603030804020204" pitchFamily="34" charset="0"/>
+                <a:cs typeface="DejaVu Sans Book" panose="020B0603030804020204" pitchFamily="34" charset="0"/>
+              </a:rPr>
+              <a:t>respW1</a:t>
+            </a:r>
+          </a:p>
+        </p:txBody>
+      </p:sp>
+      <p:cxnSp>
+        <p:nvCxnSpPr>
+          <p:cNvPr id="35" name="Elbow Connector 34">
+            <a:extLst>
+              <a:ext uri="{FF2B5EF4-FFF2-40B4-BE49-F238E27FC236}">
+                <a16:creationId xmlns:a16="http://schemas.microsoft.com/office/drawing/2014/main" id="{052EB87F-E604-5E4E-BE5C-46BA4D0B157D}"/>
+              </a:ext>
+            </a:extLst>
+          </p:cNvPr>
+          <p:cNvCxnSpPr>
+            <a:cxnSpLocks/>
+            <a:endCxn id="34" idx="2"/>
+          </p:cNvCxnSpPr>
+          <p:nvPr/>
+        </p:nvCxnSpPr>
+        <p:spPr>
+          <a:xfrm rot="5400000" flipH="1" flipV="1">
+            <a:off x="10378527" y="3118901"/>
+            <a:ext cx="752914" cy="364882"/>
+          </a:xfrm>
+          <a:prstGeom prst="bentConnector3">
+            <a:avLst>
+              <a:gd name="adj1" fmla="val 50000"/>
+            </a:avLst>
+          </a:prstGeom>
+          <a:ln w="25400">
+            <a:solidFill>
+              <a:schemeClr val="tx1">
+                <a:lumMod val="65000"/>
+                <a:lumOff val="35000"/>
+              </a:schemeClr>
+            </a:solidFill>
+            <a:tailEnd type="arrow"/>
+          </a:ln>
+        </p:spPr>
+        <p:style>
+          <a:lnRef idx="3">
+            <a:schemeClr val="accent1"/>
+          </a:lnRef>
+          <a:fillRef idx="0">
+            <a:schemeClr val="accent1"/>
+          </a:fillRef>
+          <a:effectRef idx="2">
+            <a:schemeClr val="accent1"/>
+          </a:effectRef>
+          <a:fontRef idx="minor">
+            <a:schemeClr val="tx1"/>
+          </a:fontRef>
+        </p:style>
+      </p:cxnSp>
+      <p:sp>
+        <p:nvSpPr>
+          <p:cNvPr id="36" name="TextBox 35">
+            <a:extLst>
+              <a:ext uri="{FF2B5EF4-FFF2-40B4-BE49-F238E27FC236}">
+                <a16:creationId xmlns:a16="http://schemas.microsoft.com/office/drawing/2014/main" id="{BF8B644E-E789-DB41-ADEB-BFE013368F11}"/>
+              </a:ext>
+            </a:extLst>
+          </p:cNvPr>
+          <p:cNvSpPr txBox="1"/>
+          <p:nvPr/>
+        </p:nvSpPr>
+        <p:spPr>
+          <a:xfrm>
+            <a:off x="10540022" y="3323830"/>
+            <a:ext cx="612668" cy="307777"/>
+          </a:xfrm>
+          <a:prstGeom prst="rect">
+            <a:avLst/>
+          </a:prstGeom>
+          <a:noFill/>
+        </p:spPr>
+        <p:txBody>
+          <a:bodyPr wrap="none" rtlCol="0">
+            <a:spAutoFit/>
+          </a:bodyPr>
+          <a:lstStyle/>
+          <a:p>
+            <a:r>
+              <a:rPr lang="en-US" sz="1400" dirty="0">
+                <a:latin typeface="DejaVu Sans Book" panose="020B0603030804020204" pitchFamily="34" charset="0"/>
+                <a:ea typeface="DejaVu Sans Book" panose="020B0603030804020204" pitchFamily="34" charset="0"/>
+                <a:cs typeface="DejaVu Sans Book" panose="020B0603030804020204" pitchFamily="34" charset="0"/>
+              </a:rPr>
+              <a:t>ack1</a:t>
+            </a:r>
+          </a:p>
+        </p:txBody>
+      </p:sp>
+      <p:sp>
+        <p:nvSpPr>
+          <p:cNvPr id="39" name="TextBox 38">
+            <a:extLst>
+              <a:ext uri="{FF2B5EF4-FFF2-40B4-BE49-F238E27FC236}">
+                <a16:creationId xmlns:a16="http://schemas.microsoft.com/office/drawing/2014/main" id="{B533371C-16D4-154B-968B-32B3A1F20610}"/>
+              </a:ext>
+            </a:extLst>
+          </p:cNvPr>
+          <p:cNvSpPr txBox="1"/>
+          <p:nvPr/>
+        </p:nvSpPr>
+        <p:spPr>
+          <a:xfrm>
+            <a:off x="9421268" y="4203648"/>
+            <a:ext cx="704039" cy="307777"/>
+          </a:xfrm>
+          <a:prstGeom prst="rect">
+            <a:avLst/>
+          </a:prstGeom>
+          <a:noFill/>
+        </p:spPr>
+        <p:txBody>
+          <a:bodyPr wrap="none" rtlCol="0">
+            <a:spAutoFit/>
+          </a:bodyPr>
+          <a:lstStyle/>
+          <a:p>
+            <a:r>
+              <a:rPr lang="en-US" sz="1400" dirty="0">
+                <a:latin typeface="DejaVu Sans Book" panose="020B0603030804020204" pitchFamily="34" charset="0"/>
+                <a:ea typeface="DejaVu Sans Book" panose="020B0603030804020204" pitchFamily="34" charset="0"/>
+                <a:cs typeface="DejaVu Sans Book" panose="020B0603030804020204" pitchFamily="34" charset="0"/>
+              </a:rPr>
+              <a:t>data2</a:t>
+            </a:r>
+          </a:p>
+        </p:txBody>
+      </p:sp>
+      <p:sp>
+        <p:nvSpPr>
+          <p:cNvPr id="40" name="TextBox 39">
+            <a:extLst>
+              <a:ext uri="{FF2B5EF4-FFF2-40B4-BE49-F238E27FC236}">
+                <a16:creationId xmlns:a16="http://schemas.microsoft.com/office/drawing/2014/main" id="{7B0904D6-C990-FA49-AD47-CE374851145E}"/>
+              </a:ext>
+            </a:extLst>
+          </p:cNvPr>
+          <p:cNvSpPr txBox="1"/>
+          <p:nvPr/>
+        </p:nvSpPr>
+        <p:spPr>
+          <a:xfrm>
+            <a:off x="10173356" y="4492917"/>
+            <a:ext cx="710451" cy="307777"/>
+          </a:xfrm>
+          <a:prstGeom prst="rect">
+            <a:avLst/>
+          </a:prstGeom>
+          <a:noFill/>
+        </p:spPr>
+        <p:txBody>
+          <a:bodyPr wrap="none" rtlCol="0">
+            <a:spAutoFit/>
+          </a:bodyPr>
+          <a:lstStyle/>
+          <a:p>
+            <a:r>
+              <a:rPr lang="en-US" sz="1400" dirty="0">
+                <a:latin typeface="DejaVu Sans Book" panose="020B0603030804020204" pitchFamily="34" charset="0"/>
+                <a:ea typeface="DejaVu Sans Book" panose="020B0603030804020204" pitchFamily="34" charset="0"/>
+                <a:cs typeface="DejaVu Sans Book" panose="020B0603030804020204" pitchFamily="34" charset="0"/>
+              </a:rPr>
+              <a:t>addr2</a:t>
+            </a:r>
+          </a:p>
+        </p:txBody>
+      </p:sp>
+      <p:cxnSp>
+        <p:nvCxnSpPr>
+          <p:cNvPr id="41" name="Elbow Connector 40">
+            <a:extLst>
+              <a:ext uri="{FF2B5EF4-FFF2-40B4-BE49-F238E27FC236}">
+                <a16:creationId xmlns:a16="http://schemas.microsoft.com/office/drawing/2014/main" id="{17F11FB9-31D3-DF4C-8907-253A10DCCCAD}"/>
+              </a:ext>
+            </a:extLst>
+          </p:cNvPr>
+          <p:cNvCxnSpPr>
+            <a:cxnSpLocks/>
+            <a:stCxn id="43" idx="0"/>
+          </p:cNvCxnSpPr>
+          <p:nvPr/>
+        </p:nvCxnSpPr>
+        <p:spPr>
+          <a:xfrm rot="5400000" flipH="1" flipV="1">
+            <a:off x="9594810" y="4258239"/>
+            <a:ext cx="646381" cy="533598"/>
+          </a:xfrm>
+          <a:prstGeom prst="bentConnector3">
+            <a:avLst>
+              <a:gd name="adj1" fmla="val 50000"/>
+            </a:avLst>
+          </a:prstGeom>
+          <a:ln w="25400">
+            <a:solidFill>
+              <a:schemeClr val="tx1">
+                <a:lumMod val="65000"/>
+                <a:lumOff val="35000"/>
+              </a:schemeClr>
+            </a:solidFill>
+            <a:headEnd type="arrow"/>
+            <a:tailEnd type="none"/>
+          </a:ln>
+        </p:spPr>
+        <p:style>
+          <a:lnRef idx="3">
+            <a:schemeClr val="accent1"/>
+          </a:lnRef>
+          <a:fillRef idx="0">
+            <a:schemeClr val="accent1"/>
+          </a:fillRef>
+          <a:effectRef idx="2">
+            <a:schemeClr val="accent1"/>
+          </a:effectRef>
+          <a:fontRef idx="minor">
+            <a:schemeClr val="tx1"/>
+          </a:fontRef>
+        </p:style>
+      </p:cxnSp>
+      <p:cxnSp>
+        <p:nvCxnSpPr>
+          <p:cNvPr id="42" name="Elbow Connector 41">
+            <a:extLst>
+              <a:ext uri="{FF2B5EF4-FFF2-40B4-BE49-F238E27FC236}">
+                <a16:creationId xmlns:a16="http://schemas.microsoft.com/office/drawing/2014/main" id="{6EA34B5A-06F0-7947-B81B-15B6FAD24CFE}"/>
+              </a:ext>
+            </a:extLst>
+          </p:cNvPr>
+          <p:cNvCxnSpPr>
+            <a:cxnSpLocks/>
+            <a:endCxn id="45" idx="0"/>
+          </p:cNvCxnSpPr>
+          <p:nvPr/>
+        </p:nvCxnSpPr>
+        <p:spPr>
+          <a:xfrm rot="16200000" flipH="1">
+            <a:off x="10409438" y="4321564"/>
+            <a:ext cx="657250" cy="396078"/>
+          </a:xfrm>
+          <a:prstGeom prst="bentConnector3">
+            <a:avLst>
+              <a:gd name="adj1" fmla="val 50000"/>
+            </a:avLst>
+          </a:prstGeom>
+          <a:ln w="25400">
+            <a:solidFill>
+              <a:schemeClr val="tx1">
+                <a:lumMod val="65000"/>
+                <a:lumOff val="35000"/>
+              </a:schemeClr>
+            </a:solidFill>
+            <a:headEnd type="arrow"/>
+            <a:tailEnd type="none"/>
+          </a:ln>
+        </p:spPr>
+        <p:style>
+          <a:lnRef idx="3">
+            <a:schemeClr val="accent1"/>
+          </a:lnRef>
+          <a:fillRef idx="0">
+            <a:schemeClr val="accent1"/>
+          </a:fillRef>
+          <a:effectRef idx="2">
+            <a:schemeClr val="accent1"/>
+          </a:effectRef>
+          <a:fontRef idx="minor">
+            <a:schemeClr val="tx1"/>
+          </a:fontRef>
+        </p:style>
+      </p:cxnSp>
+      <p:sp>
+        <p:nvSpPr>
+          <p:cNvPr id="43" name="Rounded Rectangle 42">
+            <a:extLst>
+              <a:ext uri="{FF2B5EF4-FFF2-40B4-BE49-F238E27FC236}">
+                <a16:creationId xmlns:a16="http://schemas.microsoft.com/office/drawing/2014/main" id="{A7AED9DA-9ABB-E147-BDDC-CBAA7B42A2BF}"/>
+              </a:ext>
+            </a:extLst>
+          </p:cNvPr>
+          <p:cNvSpPr/>
+          <p:nvPr/>
+        </p:nvSpPr>
+        <p:spPr>
+          <a:xfrm>
+            <a:off x="9256444" y="4848228"/>
+            <a:ext cx="789514" cy="557535"/>
+          </a:xfrm>
+          <a:prstGeom prst="roundRect">
+            <a:avLst/>
+          </a:prstGeom>
+          <a:solidFill>
+            <a:schemeClr val="accent5"/>
+          </a:solidFill>
+          <a:ln>
+            <a:noFill/>
+          </a:ln>
+        </p:spPr>
+        <p:style>
+          <a:lnRef idx="2">
+            <a:schemeClr val="accent1">
+              <a:shade val="50000"/>
+            </a:schemeClr>
+          </a:lnRef>
+          <a:fillRef idx="1">
+            <a:schemeClr val="accent1"/>
+          </a:fillRef>
+          <a:effectRef idx="0">
+            <a:schemeClr val="accent1"/>
+          </a:effectRef>
+          <a:fontRef idx="minor">
+            <a:schemeClr val="lt1"/>
+          </a:fontRef>
+        </p:style>
+        <p:txBody>
+          <a:bodyPr rot="0" spcFirstLastPara="0" vertOverflow="overflow" horzOverflow="overflow" vert="horz" wrap="square" lIns="91440" tIns="45720" rIns="91440" bIns="45720" numCol="1" spcCol="0" rtlCol="0" fromWordArt="0" anchor="ctr" anchorCtr="0" forceAA="0" compatLnSpc="1">
+            <a:prstTxWarp prst="textNoShape">
+              <a:avLst/>
+            </a:prstTxWarp>
+            <a:noAutofit/>
+          </a:bodyPr>
+          <a:lstStyle/>
+          <a:p>
+            <a:pPr algn="ctr"/>
+            <a:r>
+              <a:rPr lang="en-US" sz="1400" dirty="0" err="1">
+                <a:latin typeface="DejaVu Sans Book" panose="020B0603030804020204" pitchFamily="34" charset="0"/>
+                <a:ea typeface="DejaVu Sans Book" panose="020B0603030804020204" pitchFamily="34" charset="0"/>
+                <a:cs typeface="DejaVu Sans Book" panose="020B0603030804020204" pitchFamily="34" charset="0"/>
+              </a:rPr>
+              <a:t>ctxC</a:t>
+            </a:r>
+            <a:endParaRPr lang="en-US" sz="1400" dirty="0">
+              <a:latin typeface="DejaVu Sans Book" panose="020B0603030804020204" pitchFamily="34" charset="0"/>
+              <a:ea typeface="DejaVu Sans Book" panose="020B0603030804020204" pitchFamily="34" charset="0"/>
+              <a:cs typeface="DejaVu Sans Book" panose="020B0603030804020204" pitchFamily="34" charset="0"/>
+            </a:endParaRPr>
+          </a:p>
+        </p:txBody>
+      </p:sp>
+      <p:sp>
+        <p:nvSpPr>
+          <p:cNvPr id="45" name="Rounded Rectangle 44">
+            <a:extLst>
+              <a:ext uri="{FF2B5EF4-FFF2-40B4-BE49-F238E27FC236}">
+                <a16:creationId xmlns:a16="http://schemas.microsoft.com/office/drawing/2014/main" id="{C8888F27-F192-E34F-8AB7-C303AB25D0CD}"/>
+              </a:ext>
+            </a:extLst>
+          </p:cNvPr>
+          <p:cNvSpPr/>
+          <p:nvPr/>
+        </p:nvSpPr>
+        <p:spPr>
+          <a:xfrm>
+            <a:off x="10540022" y="4848228"/>
+            <a:ext cx="792159" cy="557535"/>
+          </a:xfrm>
+          <a:prstGeom prst="roundRect">
+            <a:avLst/>
+          </a:prstGeom>
+          <a:solidFill>
+            <a:schemeClr val="accent5"/>
+          </a:solidFill>
+          <a:ln>
+            <a:noFill/>
+          </a:ln>
+        </p:spPr>
+        <p:style>
+          <a:lnRef idx="2">
+            <a:schemeClr val="accent1">
+              <a:shade val="50000"/>
+            </a:schemeClr>
+          </a:lnRef>
+          <a:fillRef idx="1">
+            <a:schemeClr val="accent1"/>
+          </a:fillRef>
+          <a:effectRef idx="0">
+            <a:schemeClr val="accent1"/>
+          </a:effectRef>
+          <a:fontRef idx="minor">
+            <a:schemeClr val="lt1"/>
+          </a:fontRef>
+        </p:style>
+        <p:txBody>
+          <a:bodyPr rot="0" spcFirstLastPara="0" vertOverflow="overflow" horzOverflow="overflow" vert="horz" wrap="square" lIns="91440" tIns="45720" rIns="91440" bIns="45720" numCol="1" spcCol="0" rtlCol="0" fromWordArt="0" anchor="ctr" anchorCtr="0" forceAA="0" compatLnSpc="1">
+            <a:prstTxWarp prst="textNoShape">
+              <a:avLst/>
+            </a:prstTxWarp>
+            <a:noAutofit/>
+          </a:bodyPr>
+          <a:lstStyle/>
+          <a:p>
+            <a:pPr algn="ctr"/>
+            <a:r>
+              <a:rPr lang="en-US" sz="1400" dirty="0" err="1">
+                <a:latin typeface="DejaVu Sans Book" panose="020B0603030804020204" pitchFamily="34" charset="0"/>
+                <a:ea typeface="DejaVu Sans Book" panose="020B0603030804020204" pitchFamily="34" charset="0"/>
+                <a:cs typeface="DejaVu Sans Book" panose="020B0603030804020204" pitchFamily="34" charset="0"/>
+              </a:rPr>
+              <a:t>rqst</a:t>
+            </a:r>
+            <a:br>
+              <a:rPr lang="en-US" sz="1400" dirty="0">
+                <a:latin typeface="DejaVu Sans Book" panose="020B0603030804020204" pitchFamily="34" charset="0"/>
+                <a:ea typeface="DejaVu Sans Book" panose="020B0603030804020204" pitchFamily="34" charset="0"/>
+                <a:cs typeface="DejaVu Sans Book" panose="020B0603030804020204" pitchFamily="34" charset="0"/>
+              </a:rPr>
+            </a:br>
+            <a:r>
+              <a:rPr lang="en-US" sz="1400" dirty="0">
+                <a:latin typeface="DejaVu Sans Book" panose="020B0603030804020204" pitchFamily="34" charset="0"/>
+                <a:ea typeface="DejaVu Sans Book" panose="020B0603030804020204" pitchFamily="34" charset="0"/>
+                <a:cs typeface="DejaVu Sans Book" panose="020B0603030804020204" pitchFamily="34" charset="0"/>
+              </a:rPr>
+              <a:t>R1</a:t>
+            </a:r>
+          </a:p>
+        </p:txBody>
+      </p:sp>
+      <p:sp>
+        <p:nvSpPr>
+          <p:cNvPr id="49" name="TextBox 48">
+            <a:extLst>
+              <a:ext uri="{FF2B5EF4-FFF2-40B4-BE49-F238E27FC236}">
+                <a16:creationId xmlns:a16="http://schemas.microsoft.com/office/drawing/2014/main" id="{399E7D7B-0DC4-8D48-B842-327048327F32}"/>
+              </a:ext>
+            </a:extLst>
+          </p:cNvPr>
+          <p:cNvSpPr txBox="1"/>
+          <p:nvPr/>
+        </p:nvSpPr>
+        <p:spPr>
+          <a:xfrm>
+            <a:off x="11142885" y="3774036"/>
+            <a:ext cx="688009" cy="307777"/>
+          </a:xfrm>
+          <a:prstGeom prst="rect">
+            <a:avLst/>
+          </a:prstGeom>
+          <a:noFill/>
+        </p:spPr>
+        <p:txBody>
+          <a:bodyPr wrap="none" rtlCol="0">
+            <a:spAutoFit/>
+          </a:bodyPr>
+          <a:lstStyle/>
+          <a:p>
+            <a:r>
+              <a:rPr lang="en-US" sz="1400" dirty="0">
+                <a:latin typeface="DejaVu Sans Book" panose="020B0603030804020204" pitchFamily="34" charset="0"/>
+                <a:ea typeface="DejaVu Sans Book" panose="020B0603030804020204" pitchFamily="34" charset="0"/>
+                <a:cs typeface="DejaVu Sans Book" panose="020B0603030804020204" pitchFamily="34" charset="0"/>
+              </a:rPr>
+              <a:t>token</a:t>
+            </a:r>
+          </a:p>
+        </p:txBody>
+      </p:sp>
+      <p:sp>
+        <p:nvSpPr>
+          <p:cNvPr id="52" name="TextBox 51">
+            <a:extLst>
+              <a:ext uri="{FF2B5EF4-FFF2-40B4-BE49-F238E27FC236}">
+                <a16:creationId xmlns:a16="http://schemas.microsoft.com/office/drawing/2014/main" id="{9D1C7240-DEB0-694C-B4B6-AA7D65E35A53}"/>
+              </a:ext>
+            </a:extLst>
+          </p:cNvPr>
+          <p:cNvSpPr txBox="1"/>
+          <p:nvPr/>
+        </p:nvSpPr>
+        <p:spPr>
+          <a:xfrm>
+            <a:off x="8738996" y="3776859"/>
+            <a:ext cx="698461" cy="307777"/>
+          </a:xfrm>
+          <a:prstGeom prst="rect">
+            <a:avLst/>
+          </a:prstGeom>
+          <a:noFill/>
+        </p:spPr>
+        <p:txBody>
+          <a:bodyPr wrap="none" rtlCol="0">
+            <a:spAutoFit/>
+          </a:bodyPr>
+          <a:lstStyle/>
+          <a:p>
+            <a:r>
+              <a:rPr lang="en-US" sz="1400" dirty="0">
+                <a:latin typeface="DejaVu Sans Book" panose="020B0603030804020204" pitchFamily="34" charset="0"/>
+                <a:ea typeface="DejaVu Sans Book" panose="020B0603030804020204" pitchFamily="34" charset="0"/>
+                <a:cs typeface="DejaVu Sans Book" panose="020B0603030804020204" pitchFamily="34" charset="0"/>
+              </a:rPr>
+              <a:t>credit</a:t>
+            </a:r>
+          </a:p>
+        </p:txBody>
+      </p:sp>
+      <p:sp>
+        <p:nvSpPr>
+          <p:cNvPr id="53" name="TextBox 52">
+            <a:extLst>
+              <a:ext uri="{FF2B5EF4-FFF2-40B4-BE49-F238E27FC236}">
+                <a16:creationId xmlns:a16="http://schemas.microsoft.com/office/drawing/2014/main" id="{A605379E-DBC4-6A47-B126-A6055005AB33}"/>
+              </a:ext>
+            </a:extLst>
+          </p:cNvPr>
+          <p:cNvSpPr txBox="1"/>
+          <p:nvPr/>
+        </p:nvSpPr>
+        <p:spPr>
+          <a:xfrm>
+            <a:off x="8646025" y="2991584"/>
+            <a:ext cx="732893" cy="307777"/>
+          </a:xfrm>
+          <a:prstGeom prst="rect">
+            <a:avLst/>
+          </a:prstGeom>
+          <a:noFill/>
+        </p:spPr>
+        <p:txBody>
+          <a:bodyPr wrap="none" rtlCol="0">
+            <a:spAutoFit/>
+          </a:bodyPr>
+          <a:lstStyle/>
+          <a:p>
+            <a:r>
+              <a:rPr lang="en-US" sz="1400" dirty="0" err="1">
+                <a:latin typeface="DejaVu Sans Book" panose="020B0603030804020204" pitchFamily="34" charset="0"/>
+                <a:ea typeface="DejaVu Sans Book" panose="020B0603030804020204" pitchFamily="34" charset="0"/>
+                <a:cs typeface="DejaVu Sans Book" panose="020B0603030804020204" pitchFamily="34" charset="0"/>
+              </a:rPr>
+              <a:t>init</a:t>
+            </a:r>
+            <a:r>
+              <a:rPr lang="en-US" sz="1400" dirty="0">
+                <a:latin typeface="DejaVu Sans Book" panose="020B0603030804020204" pitchFamily="34" charset="0"/>
+                <a:ea typeface="DejaVu Sans Book" panose="020B0603030804020204" pitchFamily="34" charset="0"/>
+                <a:cs typeface="DejaVu Sans Book" panose="020B0603030804020204" pitchFamily="34" charset="0"/>
+              </a:rPr>
+              <a:t>=2</a:t>
+            </a:r>
+          </a:p>
+        </p:txBody>
+      </p:sp>
+      <p:cxnSp>
+        <p:nvCxnSpPr>
+          <p:cNvPr id="85" name="Straight Arrow Connector 84">
+            <a:extLst>
+              <a:ext uri="{FF2B5EF4-FFF2-40B4-BE49-F238E27FC236}">
+                <a16:creationId xmlns:a16="http://schemas.microsoft.com/office/drawing/2014/main" id="{08CB4479-6EEC-B14F-9614-402B8930BDE7}"/>
+              </a:ext>
+            </a:extLst>
+          </p:cNvPr>
+          <p:cNvCxnSpPr>
+            <a:cxnSpLocks/>
+          </p:cNvCxnSpPr>
+          <p:nvPr/>
+        </p:nvCxnSpPr>
+        <p:spPr>
+          <a:xfrm flipV="1">
+            <a:off x="9378918" y="2923378"/>
+            <a:ext cx="0" cy="1924850"/>
+          </a:xfrm>
+          <a:prstGeom prst="straightConnector1">
+            <a:avLst/>
+          </a:prstGeom>
+          <a:ln w="25400">
+            <a:solidFill>
+              <a:schemeClr val="tx1">
+                <a:lumMod val="65000"/>
+                <a:lumOff val="35000"/>
+              </a:schemeClr>
+            </a:solidFill>
+            <a:prstDash val="dash"/>
+            <a:headEnd type="none"/>
+            <a:tailEnd type="arrow"/>
+          </a:ln>
+        </p:spPr>
+        <p:style>
+          <a:lnRef idx="3">
+            <a:schemeClr val="accent1"/>
+          </a:lnRef>
+          <a:fillRef idx="0">
+            <a:schemeClr val="accent1"/>
+          </a:fillRef>
+          <a:effectRef idx="2">
+            <a:schemeClr val="accent1"/>
+          </a:effectRef>
+          <a:fontRef idx="minor">
+            <a:schemeClr val="tx1"/>
+          </a:fontRef>
+        </p:style>
+      </p:cxnSp>
+      <p:cxnSp>
+        <p:nvCxnSpPr>
+          <p:cNvPr id="87" name="Straight Arrow Connector 86">
+            <a:extLst>
+              <a:ext uri="{FF2B5EF4-FFF2-40B4-BE49-F238E27FC236}">
+                <a16:creationId xmlns:a16="http://schemas.microsoft.com/office/drawing/2014/main" id="{3297A8DB-D879-ED4D-9130-21BA38851A5C}"/>
+              </a:ext>
+            </a:extLst>
+          </p:cNvPr>
+          <p:cNvCxnSpPr>
+            <a:cxnSpLocks/>
+          </p:cNvCxnSpPr>
+          <p:nvPr/>
+        </p:nvCxnSpPr>
+        <p:spPr>
+          <a:xfrm>
+            <a:off x="11142885" y="2914014"/>
+            <a:ext cx="9805" cy="1934214"/>
+          </a:xfrm>
+          <a:prstGeom prst="straightConnector1">
+            <a:avLst/>
+          </a:prstGeom>
+          <a:ln w="25400">
+            <a:solidFill>
+              <a:schemeClr val="tx1">
+                <a:lumMod val="65000"/>
+                <a:lumOff val="35000"/>
+              </a:schemeClr>
+            </a:solidFill>
+            <a:prstDash val="dash"/>
+            <a:headEnd type="none"/>
+            <a:tailEnd type="arrow"/>
+          </a:ln>
+        </p:spPr>
+        <p:style>
+          <a:lnRef idx="3">
+            <a:schemeClr val="accent1"/>
+          </a:lnRef>
+          <a:fillRef idx="0">
+            <a:schemeClr val="accent1"/>
+          </a:fillRef>
+          <a:effectRef idx="2">
+            <a:schemeClr val="accent1"/>
+          </a:effectRef>
+          <a:fontRef idx="minor">
+            <a:schemeClr val="tx1"/>
+          </a:fontRef>
+        </p:style>
+      </p:cxnSp>
+    </p:spTree>
+    <p:extLst>
+      <p:ext uri="{BB962C8B-B14F-4D97-AF65-F5344CB8AC3E}">
+        <p14:creationId xmlns:p14="http://schemas.microsoft.com/office/powerpoint/2010/main" val="2427135445"/>
+      </p:ext>
+    </p:extLst>
+  </p:cSld>
+  <p:clrMapOvr>
+    <a:masterClrMapping/>
+  </p:clrMapOvr>
+  <p:timing>
+    <p:tnLst>
+      <p:par>
+        <p:cTn id="1" dur="indefinite" restart="never" nodeType="tmRoot">
+          <p:childTnLst>
+            <p:seq concurrent="1" nextAc="seek">
+              <p:cTn id="2" dur="indefinite" nodeType="mainSeq">
+                <p:childTnLst>
+                  <p:par>
+                    <p:cTn id="3" fill="hold">
+                      <p:stCondLst>
+                        <p:cond delay="indefinite"/>
+                      </p:stCondLst>
+                      <p:childTnLst>
+                        <p:par>
+                          <p:cTn id="4" fill="hold">
+                            <p:stCondLst>
+                              <p:cond delay="0"/>
+                            </p:stCondLst>
+                            <p:childTnLst>
+                              <p:par>
+                                <p:cTn id="5" presetID="1" presetClass="entr" presetSubtype="0" fill="hold" grpId="0" nodeType="clickEffect">
+                                  <p:stCondLst>
+                                    <p:cond delay="0"/>
+                                  </p:stCondLst>
+                                  <p:childTnLst>
+                                    <p:set>
+                                      <p:cBhvr>
+                                        <p:cTn id="6" dur="1" fill="hold">
+                                          <p:stCondLst>
+                                            <p:cond delay="0"/>
+                                          </p:stCondLst>
+                                        </p:cTn>
+                                        <p:tgtEl>
+                                          <p:spTgt spid="53"/>
+                                        </p:tgtEl>
+                                        <p:attrNameLst>
+                                          <p:attrName>style.visibility</p:attrName>
+                                        </p:attrNameLst>
+                                      </p:cBhvr>
+                                      <p:to>
+                                        <p:strVal val="visible"/>
+                                      </p:to>
+                                    </p:set>
+                                  </p:childTnLst>
+                                </p:cTn>
+                              </p:par>
+                            </p:childTnLst>
+                          </p:cTn>
+                        </p:par>
+                      </p:childTnLst>
+                    </p:cTn>
+                  </p:par>
+                </p:childTnLst>
+              </p:cTn>
+              <p:prevCondLst>
+                <p:cond evt="onPrev" delay="0">
+                  <p:tgtEl>
+                    <p:sldTgt/>
+                  </p:tgtEl>
+                </p:cond>
+              </p:prevCondLst>
+              <p:nextCondLst>
+                <p:cond evt="onNext" delay="0">
+                  <p:tgtEl>
+                    <p:sldTgt/>
+                  </p:tgtEl>
+                </p:cond>
+              </p:nextCondLst>
+            </p:seq>
+          </p:childTnLst>
+        </p:cTn>
+      </p:par>
+    </p:tnLst>
+    <p:bldLst>
+      <p:bldP spid="53" grpId="0"/>
+    </p:bldLst>
+  </p:timing>
+</p:sld>
+</file>
+
+<file path=ppt/slides/slide3.xml><?xml version="1.0" encoding="utf-8"?>
+<p:sld xmlns:a="http://schemas.openxmlformats.org/drawingml/2006/main" xmlns:r="http://schemas.openxmlformats.org/officeDocument/2006/relationships" xmlns:p="http://schemas.openxmlformats.org/presentationml/2006/main">
+  <p:cSld>
+    <p:spTree>
+      <p:nvGrpSpPr>
+        <p:cNvPr id="1" name=""/>
+        <p:cNvGrpSpPr/>
+        <p:nvPr/>
+      </p:nvGrpSpPr>
+      <p:grpSpPr>
+        <a:xfrm>
+          <a:off x="0" y="0"/>
+          <a:ext cx="0" cy="0"/>
+          <a:chOff x="0" y="0"/>
+          <a:chExt cx="0" cy="0"/>
+        </a:xfrm>
+      </p:grpSpPr>
+      <p:sp>
+        <p:nvSpPr>
           <p:cNvPr id="31" name="Rectangle 30">
             <a:extLst>
               <a:ext uri="{FF2B5EF4-FFF2-40B4-BE49-F238E27FC236}">
@@ -10281,7 +11405,7 @@
 </p:sld>
 </file>
 
-<file path=ppt/slides/slide3.xml><?xml version="1.0" encoding="utf-8"?>
+<file path=ppt/slides/slide4.xml><?xml version="1.0" encoding="utf-8"?>
 <p:sld xmlns:a="http://schemas.openxmlformats.org/drawingml/2006/main" xmlns:r="http://schemas.openxmlformats.org/officeDocument/2006/relationships" xmlns:p="http://schemas.openxmlformats.org/presentationml/2006/main">
   <p:cSld>
     <p:spTree>
@@ -10298,8 +11422,8 @@
           <a:chExt cx="0" cy="0"/>
         </a:xfrm>
       </p:grpSpPr>
-      <mc:AlternateContent xmlns:mc="http://schemas.openxmlformats.org/markup-compatibility/2006">
-        <mc:Choice xmlns:a14="http://schemas.microsoft.com/office/drawing/2010/main" Requires="a14">
+      <mc:AlternateContent xmlns:mc="http://schemas.openxmlformats.org/markup-compatibility/2006" xmlns:a14="http://schemas.microsoft.com/office/drawing/2010/main">
+        <mc:Choice Requires="a14">
           <p:sp>
             <p:nvSpPr>
               <p:cNvPr id="7" name="TextBox 6">
@@ -10882,7 +12006,7 @@
             </p:txBody>
           </p:sp>
         </mc:Choice>
-        <mc:Fallback>
+        <mc:Fallback xmlns="">
           <p:sp>
             <p:nvSpPr>
               <p:cNvPr id="7" name="TextBox 6">
@@ -10927,8 +12051,8 @@
           </p:sp>
         </mc:Fallback>
       </mc:AlternateContent>
-      <mc:AlternateContent xmlns:mc="http://schemas.openxmlformats.org/markup-compatibility/2006">
-        <mc:Choice xmlns:a14="http://schemas.microsoft.com/office/drawing/2010/main" Requires="a14">
+      <mc:AlternateContent xmlns:mc="http://schemas.openxmlformats.org/markup-compatibility/2006" xmlns:a14="http://schemas.microsoft.com/office/drawing/2010/main">
+        <mc:Choice Requires="a14">
           <p:graphicFrame>
             <p:nvGraphicFramePr>
               <p:cNvPr id="8" name="Content Placeholder 17">
@@ -11476,7 +12600,7 @@
                                 <m:sSupPr>
                                   <m:ctrlPr>
                                     <a:rPr lang="en-US" sz="2000" i="1" dirty="0" smtClean="0">
-                                      <a:latin typeface="DejaVu Sans Book" panose="020B0603030804020204" pitchFamily="34" charset="0"/>
+                                      <a:latin typeface="Cambria Math" panose="02040503050406030204" pitchFamily="18" charset="0"/>
                                       <a:ea typeface="DejaVu Sans Book" panose="020B0603030804020204" pitchFamily="34" charset="0"/>
                                       <a:cs typeface="DejaVu Sans Book" panose="020B0603030804020204" pitchFamily="34" charset="0"/>
                                     </a:rPr>
@@ -11566,7 +12690,7 @@
             </a:graphic>
           </p:graphicFrame>
         </mc:Choice>
-        <mc:Fallback>
+        <mc:Fallback xmlns="">
           <p:graphicFrame>
             <p:nvGraphicFramePr>
               <p:cNvPr id="8" name="Content Placeholder 17">
@@ -12159,7 +13283,7 @@
 </p:sld>
 </file>
 
-<file path=ppt/slides/slide4.xml><?xml version="1.0" encoding="utf-8"?>
+<file path=ppt/slides/slide5.xml><?xml version="1.0" encoding="utf-8"?>
 <p:sld xmlns:a="http://schemas.openxmlformats.org/drawingml/2006/main" xmlns:r="http://schemas.openxmlformats.org/officeDocument/2006/relationships" xmlns:p="http://schemas.openxmlformats.org/presentationml/2006/main">
   <p:cSld>
     <p:spTree>
@@ -14259,7 +15383,7 @@
 </p:sld>
 </file>
 
-<file path=ppt/slides/slide5.xml><?xml version="1.0" encoding="utf-8"?>
+<file path=ppt/slides/slide6.xml><?xml version="1.0" encoding="utf-8"?>
 <p:sld xmlns:a="http://schemas.openxmlformats.org/drawingml/2006/main" xmlns:r="http://schemas.openxmlformats.org/officeDocument/2006/relationships" xmlns:p="http://schemas.openxmlformats.org/presentationml/2006/main">
   <p:cSld>
     <p:spTree>
@@ -17280,7 +18404,7 @@
 </p:sld>
 </file>
 
-<file path=ppt/slides/slide6.xml><?xml version="1.0" encoding="utf-8"?>
+<file path=ppt/slides/slide7.xml><?xml version="1.0" encoding="utf-8"?>
 <p:sld xmlns:a="http://schemas.openxmlformats.org/drawingml/2006/main" xmlns:r="http://schemas.openxmlformats.org/officeDocument/2006/relationships" xmlns:p="http://schemas.openxmlformats.org/presentationml/2006/main">
   <p:cSld>
     <p:spTree>
@@ -17346,7 +18470,7 @@
 </p:sld>
 </file>
 
-<file path=ppt/slides/slide7.xml><?xml version="1.0" encoding="utf-8"?>
+<file path=ppt/slides/slide8.xml><?xml version="1.0" encoding="utf-8"?>
 <p:sld xmlns:a="http://schemas.openxmlformats.org/drawingml/2006/main" xmlns:r="http://schemas.openxmlformats.org/officeDocument/2006/relationships" xmlns:p="http://schemas.openxmlformats.org/presentationml/2006/main">
   <p:cSld>
     <p:spTree>
@@ -18535,7 +19659,7 @@
 </p:sld>
 </file>
 
-<file path=ppt/slides/slide8.xml><?xml version="1.0" encoding="utf-8"?>
+<file path=ppt/slides/slide9.xml><?xml version="1.0" encoding="utf-8"?>
 <p:sld xmlns:a="http://schemas.openxmlformats.org/drawingml/2006/main" xmlns:r="http://schemas.openxmlformats.org/officeDocument/2006/relationships" xmlns:p="http://schemas.openxmlformats.org/presentationml/2006/main">
   <p:cSld>
     <p:spTree>

--- a/figs/figs.pptx
+++ b/figs/figs.pptx
@@ -5,7 +5,7 @@
     <p:sldMasterId id="2147483672" r:id="rId1"/>
   </p:sldMasterIdLst>
   <p:notesMasterIdLst>
-    <p:notesMasterId r:id="rId13"/>
+    <p:notesMasterId r:id="rId14"/>
   </p:notesMasterIdLst>
   <p:sldIdLst>
     <p:sldId id="256" r:id="rId2"/>
@@ -19,6 +19,7 @@
     <p:sldId id="376" r:id="rId10"/>
     <p:sldId id="377" r:id="rId11"/>
     <p:sldId id="378" r:id="rId12"/>
+    <p:sldId id="382" r:id="rId13"/>
   </p:sldIdLst>
   <p:sldSz cx="14630400" cy="18288000"/>
   <p:notesSz cx="6858000" cy="9144000"/>
@@ -638,6 +639,90 @@
     <p:extLst>
       <p:ext uri="{BB962C8B-B14F-4D97-AF65-F5344CB8AC3E}">
         <p14:creationId xmlns:p14="http://schemas.microsoft.com/office/powerpoint/2010/main" val="3345352211"/>
+      </p:ext>
+    </p:extLst>
+  </p:cSld>
+  <p:clrMapOvr>
+    <a:masterClrMapping/>
+  </p:clrMapOvr>
+</p:notes>
+</file>
+
+<file path=ppt/notesSlides/notesSlide3.xml><?xml version="1.0" encoding="utf-8"?>
+<p:notes xmlns:a="http://schemas.openxmlformats.org/drawingml/2006/main" xmlns:r="http://schemas.openxmlformats.org/officeDocument/2006/relationships" xmlns:p="http://schemas.openxmlformats.org/presentationml/2006/main">
+  <p:cSld>
+    <p:spTree>
+      <p:nvGrpSpPr>
+        <p:cNvPr id="1" name=""/>
+        <p:cNvGrpSpPr/>
+        <p:nvPr/>
+      </p:nvGrpSpPr>
+      <p:grpSpPr>
+        <a:xfrm>
+          <a:off x="0" y="0"/>
+          <a:ext cx="0" cy="0"/>
+          <a:chOff x="0" y="0"/>
+          <a:chExt cx="0" cy="0"/>
+        </a:xfrm>
+      </p:grpSpPr>
+      <p:sp>
+        <p:nvSpPr>
+          <p:cNvPr id="2" name="Slide Image Placeholder 1"/>
+          <p:cNvSpPr>
+            <a:spLocks noGrp="1" noRot="1" noChangeAspect="1"/>
+          </p:cNvSpPr>
+          <p:nvPr>
+            <p:ph type="sldImg"/>
+          </p:nvPr>
+        </p:nvSpPr>
+        <p:spPr/>
+      </p:sp>
+      <p:sp>
+        <p:nvSpPr>
+          <p:cNvPr id="3" name="Notes Placeholder 2"/>
+          <p:cNvSpPr>
+            <a:spLocks noGrp="1"/>
+          </p:cNvSpPr>
+          <p:nvPr>
+            <p:ph type="body" idx="1"/>
+          </p:nvPr>
+        </p:nvSpPr>
+        <p:spPr/>
+        <p:txBody>
+          <a:bodyPr/>
+          <a:lstStyle/>
+          <a:p>
+            <a:endParaRPr lang="en-US" dirty="0"/>
+          </a:p>
+        </p:txBody>
+      </p:sp>
+      <p:sp>
+        <p:nvSpPr>
+          <p:cNvPr id="4" name="Slide Number Placeholder 3"/>
+          <p:cNvSpPr>
+            <a:spLocks noGrp="1"/>
+          </p:cNvSpPr>
+          <p:nvPr>
+            <p:ph type="sldNum" sz="quarter" idx="5"/>
+          </p:nvPr>
+        </p:nvSpPr>
+        <p:spPr/>
+        <p:txBody>
+          <a:bodyPr/>
+          <a:lstStyle/>
+          <a:p>
+            <a:fld id="{5D7C5129-0D42-3741-9BE8-25E9509C403B}" type="slidenum">
+              <a:rPr lang="en-US" smtClean="0"/>
+              <a:t>12</a:t>
+            </a:fld>
+            <a:endParaRPr lang="en-US"/>
+          </a:p>
+        </p:txBody>
+      </p:sp>
+    </p:spTree>
+    <p:extLst>
+      <p:ext uri="{BB962C8B-B14F-4D97-AF65-F5344CB8AC3E}">
+        <p14:creationId xmlns:p14="http://schemas.microsoft.com/office/powerpoint/2010/main" val="635439081"/>
       </p:ext>
     </p:extLst>
   </p:cSld>
@@ -12803,6 +12888,9328 @@
       <p:bldP spid="66" grpId="0"/>
       <p:bldP spid="67" grpId="0"/>
       <p:bldP spid="68" grpId="0"/>
+    </p:bldLst>
+  </p:timing>
+</p:sld>
+</file>
+
+<file path=ppt/slides/slide12.xml><?xml version="1.0" encoding="utf-8"?>
+<p:sld xmlns:a="http://schemas.openxmlformats.org/drawingml/2006/main" xmlns:r="http://schemas.openxmlformats.org/officeDocument/2006/relationships" xmlns:p="http://schemas.openxmlformats.org/presentationml/2006/main">
+  <p:cSld>
+    <p:spTree>
+      <p:nvGrpSpPr>
+        <p:cNvPr id="1" name=""/>
+        <p:cNvGrpSpPr/>
+        <p:nvPr/>
+      </p:nvGrpSpPr>
+      <p:grpSpPr>
+        <a:xfrm>
+          <a:off x="0" y="0"/>
+          <a:ext cx="0" cy="0"/>
+          <a:chOff x="0" y="0"/>
+          <a:chExt cx="0" cy="0"/>
+        </a:xfrm>
+      </p:grpSpPr>
+      <p:sp>
+        <p:nvSpPr>
+          <p:cNvPr id="383" name="Right Arrow 382">
+            <a:extLst>
+              <a:ext uri="{FF2B5EF4-FFF2-40B4-BE49-F238E27FC236}">
+                <a16:creationId xmlns:a16="http://schemas.microsoft.com/office/drawing/2014/main" id="{292A5EE0-AEA6-C74E-A71E-70DC73EE3CE2}"/>
+              </a:ext>
+            </a:extLst>
+          </p:cNvPr>
+          <p:cNvSpPr/>
+          <p:nvPr/>
+        </p:nvSpPr>
+        <p:spPr>
+          <a:xfrm rot="10800000">
+            <a:off x="3344768" y="10363452"/>
+            <a:ext cx="254000" cy="261610"/>
+          </a:xfrm>
+          <a:prstGeom prst="rightArrow">
+            <a:avLst/>
+          </a:prstGeom>
+          <a:solidFill>
+            <a:schemeClr val="bg2">
+              <a:lumMod val="90000"/>
+            </a:schemeClr>
+          </a:solidFill>
+          <a:ln>
+            <a:noFill/>
+          </a:ln>
+        </p:spPr>
+        <p:style>
+          <a:lnRef idx="2">
+            <a:schemeClr val="accent1">
+              <a:shade val="50000"/>
+            </a:schemeClr>
+          </a:lnRef>
+          <a:fillRef idx="1">
+            <a:schemeClr val="accent1"/>
+          </a:fillRef>
+          <a:effectRef idx="0">
+            <a:schemeClr val="accent1"/>
+          </a:effectRef>
+          <a:fontRef idx="minor">
+            <a:schemeClr val="lt1"/>
+          </a:fontRef>
+        </p:style>
+        <p:txBody>
+          <a:bodyPr rtlCol="0" anchor="ctr"/>
+          <a:lstStyle/>
+          <a:p>
+            <a:pPr algn="ctr"/>
+            <a:endParaRPr lang="en-US">
+              <a:latin typeface="DejaVu Sans Book" panose="020B0603030804020204" pitchFamily="34" charset="0"/>
+              <a:ea typeface="DejaVu Sans Book" panose="020B0603030804020204" pitchFamily="34" charset="0"/>
+              <a:cs typeface="DejaVu Sans Book" panose="020B0603030804020204" pitchFamily="34" charset="0"/>
+            </a:endParaRPr>
+          </a:p>
+        </p:txBody>
+      </p:sp>
+      <p:sp>
+        <p:nvSpPr>
+          <p:cNvPr id="345" name="Rounded Rectangle 344">
+            <a:extLst>
+              <a:ext uri="{FF2B5EF4-FFF2-40B4-BE49-F238E27FC236}">
+                <a16:creationId xmlns:a16="http://schemas.microsoft.com/office/drawing/2014/main" id="{BFF6A887-2F42-FC4B-8C36-FCC0C60A2FFA}"/>
+              </a:ext>
+            </a:extLst>
+          </p:cNvPr>
+          <p:cNvSpPr/>
+          <p:nvPr/>
+        </p:nvSpPr>
+        <p:spPr>
+          <a:xfrm>
+            <a:off x="1284532" y="9271524"/>
+            <a:ext cx="2027306" cy="2033944"/>
+          </a:xfrm>
+          <a:prstGeom prst="roundRect">
+            <a:avLst>
+              <a:gd name="adj" fmla="val 10533"/>
+            </a:avLst>
+          </a:prstGeom>
+          <a:solidFill>
+            <a:schemeClr val="accent5">
+              <a:lumMod val="20000"/>
+              <a:lumOff val="80000"/>
+            </a:schemeClr>
+          </a:solidFill>
+          <a:ln w="19050">
+            <a:noFill/>
+          </a:ln>
+        </p:spPr>
+        <p:style>
+          <a:lnRef idx="2">
+            <a:schemeClr val="accent1">
+              <a:shade val="50000"/>
+            </a:schemeClr>
+          </a:lnRef>
+          <a:fillRef idx="1">
+            <a:schemeClr val="accent1"/>
+          </a:fillRef>
+          <a:effectRef idx="0">
+            <a:schemeClr val="accent1"/>
+          </a:effectRef>
+          <a:fontRef idx="minor">
+            <a:schemeClr val="lt1"/>
+          </a:fontRef>
+        </p:style>
+        <p:txBody>
+          <a:bodyPr rot="0" spcFirstLastPara="0" vertOverflow="overflow" horzOverflow="overflow" vert="horz" wrap="square" lIns="91440" tIns="45720" rIns="91440" bIns="45720" numCol="1" spcCol="0" rtlCol="0" fromWordArt="0" anchor="ctr" anchorCtr="0" forceAA="0" compatLnSpc="1">
+            <a:prstTxWarp prst="textNoShape">
+              <a:avLst/>
+            </a:prstTxWarp>
+            <a:noAutofit/>
+          </a:bodyPr>
+          <a:lstStyle/>
+          <a:p>
+            <a:pPr algn="ctr"/>
+            <a:endParaRPr lang="en-US" sz="1600" baseline="-25000" dirty="0">
+              <a:solidFill>
+                <a:schemeClr val="bg1"/>
+              </a:solidFill>
+              <a:latin typeface="DejaVu Sans Book" panose="020B0603030804020204" pitchFamily="34" charset="0"/>
+              <a:ea typeface="DejaVu Sans Book" panose="020B0603030804020204" pitchFamily="34" charset="0"/>
+              <a:cs typeface="DejaVu Sans Book" panose="020B0603030804020204" pitchFamily="34" charset="0"/>
+            </a:endParaRPr>
+          </a:p>
+        </p:txBody>
+      </p:sp>
+      <p:cxnSp>
+        <p:nvCxnSpPr>
+          <p:cNvPr id="205" name="Elbow Connector 204">
+            <a:extLst>
+              <a:ext uri="{FF2B5EF4-FFF2-40B4-BE49-F238E27FC236}">
+                <a16:creationId xmlns:a16="http://schemas.microsoft.com/office/drawing/2014/main" id="{62B3B616-3FA8-C34E-A054-3AB82124C0C0}"/>
+              </a:ext>
+            </a:extLst>
+          </p:cNvPr>
+          <p:cNvCxnSpPr>
+            <a:cxnSpLocks/>
+            <a:endCxn id="111" idx="3"/>
+          </p:cNvCxnSpPr>
+          <p:nvPr/>
+        </p:nvCxnSpPr>
+        <p:spPr>
+          <a:xfrm rot="16200000" flipH="1">
+            <a:off x="4540918" y="10766644"/>
+            <a:ext cx="2103731" cy="472784"/>
+          </a:xfrm>
+          <a:prstGeom prst="bentConnector4">
+            <a:avLst>
+              <a:gd name="adj1" fmla="val -4392"/>
+              <a:gd name="adj2" fmla="val 148352"/>
+            </a:avLst>
+          </a:prstGeom>
+          <a:ln w="25400">
+            <a:solidFill>
+              <a:schemeClr val="accent2"/>
+            </a:solidFill>
+            <a:headEnd type="none" w="med" len="med"/>
+            <a:tailEnd type="arrow" w="med" len="med"/>
+          </a:ln>
+        </p:spPr>
+        <p:style>
+          <a:lnRef idx="3">
+            <a:schemeClr val="accent1"/>
+          </a:lnRef>
+          <a:fillRef idx="0">
+            <a:schemeClr val="accent1"/>
+          </a:fillRef>
+          <a:effectRef idx="2">
+            <a:schemeClr val="accent1"/>
+          </a:effectRef>
+          <a:fontRef idx="minor">
+            <a:schemeClr val="tx1"/>
+          </a:fontRef>
+        </p:style>
+      </p:cxnSp>
+      <p:sp>
+        <p:nvSpPr>
+          <p:cNvPr id="4" name="Rounded Rectangle 3">
+            <a:extLst>
+              <a:ext uri="{FF2B5EF4-FFF2-40B4-BE49-F238E27FC236}">
+                <a16:creationId xmlns:a16="http://schemas.microsoft.com/office/drawing/2014/main" id="{3418DD4A-9683-5349-940B-D8DF2666BB21}"/>
+              </a:ext>
+            </a:extLst>
+          </p:cNvPr>
+          <p:cNvSpPr/>
+          <p:nvPr/>
+        </p:nvSpPr>
+        <p:spPr>
+          <a:xfrm>
+            <a:off x="6954991" y="2623280"/>
+            <a:ext cx="1369414" cy="571490"/>
+          </a:xfrm>
+          <a:prstGeom prst="roundRect">
+            <a:avLst/>
+          </a:prstGeom>
+          <a:solidFill>
+            <a:schemeClr val="accent5"/>
+          </a:solidFill>
+          <a:ln>
+            <a:noFill/>
+          </a:ln>
+        </p:spPr>
+        <p:style>
+          <a:lnRef idx="2">
+            <a:schemeClr val="accent1">
+              <a:shade val="50000"/>
+            </a:schemeClr>
+          </a:lnRef>
+          <a:fillRef idx="1">
+            <a:schemeClr val="accent1"/>
+          </a:fillRef>
+          <a:effectRef idx="0">
+            <a:schemeClr val="accent1"/>
+          </a:effectRef>
+          <a:fontRef idx="minor">
+            <a:schemeClr val="lt1"/>
+          </a:fontRef>
+        </p:style>
+        <p:txBody>
+          <a:bodyPr rot="0" spcFirstLastPara="0" vertOverflow="overflow" horzOverflow="overflow" vert="horz" wrap="square" lIns="91440" tIns="45720" rIns="91440" bIns="45720" numCol="1" spcCol="0" rtlCol="0" fromWordArt="0" anchor="ctr" anchorCtr="0" forceAA="0" compatLnSpc="1">
+            <a:prstTxWarp prst="textNoShape">
+              <a:avLst/>
+            </a:prstTxWarp>
+            <a:noAutofit/>
+          </a:bodyPr>
+          <a:lstStyle/>
+          <a:p>
+            <a:pPr algn="ctr"/>
+            <a:r>
+              <a:rPr lang="en-US" sz="2000" dirty="0">
+                <a:solidFill>
+                  <a:schemeClr val="bg1"/>
+                </a:solidFill>
+                <a:latin typeface="DejaVu Sans Book" panose="020B0603030804020204" pitchFamily="34" charset="0"/>
+                <a:ea typeface="DejaVu Sans Book" panose="020B0603030804020204" pitchFamily="34" charset="0"/>
+                <a:cs typeface="DejaVu Sans Book" panose="020B0603030804020204" pitchFamily="34" charset="0"/>
+              </a:rPr>
+              <a:t>Work 0</a:t>
+            </a:r>
+          </a:p>
+        </p:txBody>
+      </p:sp>
+      <p:sp>
+        <p:nvSpPr>
+          <p:cNvPr id="5" name="Rounded Rectangle 4">
+            <a:extLst>
+              <a:ext uri="{FF2B5EF4-FFF2-40B4-BE49-F238E27FC236}">
+                <a16:creationId xmlns:a16="http://schemas.microsoft.com/office/drawing/2014/main" id="{156F008C-D775-8244-AAAF-520D5F748BD8}"/>
+              </a:ext>
+            </a:extLst>
+          </p:cNvPr>
+          <p:cNvSpPr/>
+          <p:nvPr/>
+        </p:nvSpPr>
+        <p:spPr>
+          <a:xfrm>
+            <a:off x="6954991" y="4689282"/>
+            <a:ext cx="1369415" cy="611577"/>
+          </a:xfrm>
+          <a:prstGeom prst="roundRect">
+            <a:avLst/>
+          </a:prstGeom>
+          <a:solidFill>
+            <a:schemeClr val="accent6"/>
+          </a:solidFill>
+          <a:ln>
+            <a:noFill/>
+          </a:ln>
+        </p:spPr>
+        <p:style>
+          <a:lnRef idx="2">
+            <a:schemeClr val="accent1">
+              <a:shade val="50000"/>
+            </a:schemeClr>
+          </a:lnRef>
+          <a:fillRef idx="1">
+            <a:schemeClr val="accent1"/>
+          </a:fillRef>
+          <a:effectRef idx="0">
+            <a:schemeClr val="accent1"/>
+          </a:effectRef>
+          <a:fontRef idx="minor">
+            <a:schemeClr val="lt1"/>
+          </a:fontRef>
+        </p:style>
+        <p:txBody>
+          <a:bodyPr rot="0" spcFirstLastPara="0" vertOverflow="overflow" horzOverflow="overflow" vert="horz" wrap="square" lIns="91440" tIns="45720" rIns="91440" bIns="45720" numCol="1" spcCol="0" rtlCol="0" fromWordArt="0" anchor="ctr" anchorCtr="0" forceAA="0" compatLnSpc="1">
+            <a:prstTxWarp prst="textNoShape">
+              <a:avLst/>
+            </a:prstTxWarp>
+            <a:noAutofit/>
+          </a:bodyPr>
+          <a:lstStyle/>
+          <a:p>
+            <a:pPr algn="ctr"/>
+            <a:r>
+              <a:rPr lang="en-US" sz="2000" dirty="0">
+                <a:solidFill>
+                  <a:schemeClr val="bg1"/>
+                </a:solidFill>
+                <a:latin typeface="DejaVu Sans Book" panose="020B0603030804020204" pitchFamily="34" charset="0"/>
+                <a:ea typeface="DejaVu Sans Book" panose="020B0603030804020204" pitchFamily="34" charset="0"/>
+                <a:cs typeface="DejaVu Sans Book" panose="020B0603030804020204" pitchFamily="34" charset="0"/>
+              </a:rPr>
+              <a:t>P0</a:t>
+            </a:r>
+          </a:p>
+        </p:txBody>
+      </p:sp>
+      <p:sp>
+        <p:nvSpPr>
+          <p:cNvPr id="6" name="Rounded Rectangle 5">
+            <a:extLst>
+              <a:ext uri="{FF2B5EF4-FFF2-40B4-BE49-F238E27FC236}">
+                <a16:creationId xmlns:a16="http://schemas.microsoft.com/office/drawing/2014/main" id="{FB662F8A-E1ED-A74D-BE3B-82436500273F}"/>
+              </a:ext>
+            </a:extLst>
+          </p:cNvPr>
+          <p:cNvSpPr/>
+          <p:nvPr/>
+        </p:nvSpPr>
+        <p:spPr>
+          <a:xfrm>
+            <a:off x="8713547" y="2618037"/>
+            <a:ext cx="1369414" cy="571490"/>
+          </a:xfrm>
+          <a:prstGeom prst="roundRect">
+            <a:avLst/>
+          </a:prstGeom>
+          <a:solidFill>
+            <a:schemeClr val="accent5"/>
+          </a:solidFill>
+          <a:ln>
+            <a:noFill/>
+          </a:ln>
+        </p:spPr>
+        <p:style>
+          <a:lnRef idx="2">
+            <a:schemeClr val="accent1">
+              <a:shade val="50000"/>
+            </a:schemeClr>
+          </a:lnRef>
+          <a:fillRef idx="1">
+            <a:schemeClr val="accent1"/>
+          </a:fillRef>
+          <a:effectRef idx="0">
+            <a:schemeClr val="accent1"/>
+          </a:effectRef>
+          <a:fontRef idx="minor">
+            <a:schemeClr val="lt1"/>
+          </a:fontRef>
+        </p:style>
+        <p:txBody>
+          <a:bodyPr rot="0" spcFirstLastPara="0" vertOverflow="overflow" horzOverflow="overflow" vert="horz" wrap="square" lIns="91440" tIns="45720" rIns="91440" bIns="45720" numCol="1" spcCol="0" rtlCol="0" fromWordArt="0" anchor="ctr" anchorCtr="0" forceAA="0" compatLnSpc="1">
+            <a:prstTxWarp prst="textNoShape">
+              <a:avLst/>
+            </a:prstTxWarp>
+            <a:noAutofit/>
+          </a:bodyPr>
+          <a:lstStyle/>
+          <a:p>
+            <a:pPr algn="ctr"/>
+            <a:r>
+              <a:rPr lang="en-US" sz="2000" dirty="0">
+                <a:solidFill>
+                  <a:schemeClr val="bg1"/>
+                </a:solidFill>
+                <a:latin typeface="DejaVu Sans Book" panose="020B0603030804020204" pitchFamily="34" charset="0"/>
+                <a:ea typeface="DejaVu Sans Book" panose="020B0603030804020204" pitchFamily="34" charset="0"/>
+                <a:cs typeface="DejaVu Sans Book" panose="020B0603030804020204" pitchFamily="34" charset="0"/>
+              </a:rPr>
+              <a:t>Work 1</a:t>
+            </a:r>
+          </a:p>
+        </p:txBody>
+      </p:sp>
+      <p:sp>
+        <p:nvSpPr>
+          <p:cNvPr id="7" name="Rounded Rectangle 6">
+            <a:extLst>
+              <a:ext uri="{FF2B5EF4-FFF2-40B4-BE49-F238E27FC236}">
+                <a16:creationId xmlns:a16="http://schemas.microsoft.com/office/drawing/2014/main" id="{80F1BFBC-23F1-CB4C-B477-BBB610091854}"/>
+              </a:ext>
+            </a:extLst>
+          </p:cNvPr>
+          <p:cNvSpPr/>
+          <p:nvPr/>
+        </p:nvSpPr>
+        <p:spPr>
+          <a:xfrm>
+            <a:off x="8713547" y="4689282"/>
+            <a:ext cx="1369415" cy="611577"/>
+          </a:xfrm>
+          <a:prstGeom prst="roundRect">
+            <a:avLst/>
+          </a:prstGeom>
+          <a:solidFill>
+            <a:schemeClr val="accent6"/>
+          </a:solidFill>
+          <a:ln>
+            <a:noFill/>
+          </a:ln>
+        </p:spPr>
+        <p:style>
+          <a:lnRef idx="2">
+            <a:schemeClr val="accent1">
+              <a:shade val="50000"/>
+            </a:schemeClr>
+          </a:lnRef>
+          <a:fillRef idx="1">
+            <a:schemeClr val="accent1"/>
+          </a:fillRef>
+          <a:effectRef idx="0">
+            <a:schemeClr val="accent1"/>
+          </a:effectRef>
+          <a:fontRef idx="minor">
+            <a:schemeClr val="lt1"/>
+          </a:fontRef>
+        </p:style>
+        <p:txBody>
+          <a:bodyPr rot="0" spcFirstLastPara="0" vertOverflow="overflow" horzOverflow="overflow" vert="horz" wrap="square" lIns="91440" tIns="45720" rIns="91440" bIns="45720" numCol="1" spcCol="0" rtlCol="0" fromWordArt="0" anchor="ctr" anchorCtr="0" forceAA="0" compatLnSpc="1">
+            <a:prstTxWarp prst="textNoShape">
+              <a:avLst/>
+            </a:prstTxWarp>
+            <a:noAutofit/>
+          </a:bodyPr>
+          <a:lstStyle/>
+          <a:p>
+            <a:pPr algn="ctr"/>
+            <a:r>
+              <a:rPr lang="en-US" sz="2000" dirty="0">
+                <a:solidFill>
+                  <a:schemeClr val="bg1"/>
+                </a:solidFill>
+                <a:latin typeface="DejaVu Sans Book" panose="020B0603030804020204" pitchFamily="34" charset="0"/>
+                <a:ea typeface="DejaVu Sans Book" panose="020B0603030804020204" pitchFamily="34" charset="0"/>
+                <a:cs typeface="DejaVu Sans Book" panose="020B0603030804020204" pitchFamily="34" charset="0"/>
+              </a:rPr>
+              <a:t>P1</a:t>
+            </a:r>
+          </a:p>
+        </p:txBody>
+      </p:sp>
+      <p:cxnSp>
+        <p:nvCxnSpPr>
+          <p:cNvPr id="10" name="Straight Arrow Connector 9">
+            <a:extLst>
+              <a:ext uri="{FF2B5EF4-FFF2-40B4-BE49-F238E27FC236}">
+                <a16:creationId xmlns:a16="http://schemas.microsoft.com/office/drawing/2014/main" id="{CE8EEDA7-BC14-F14B-BC5F-29CC6085D9EF}"/>
+              </a:ext>
+            </a:extLst>
+          </p:cNvPr>
+          <p:cNvCxnSpPr>
+            <a:cxnSpLocks/>
+            <a:endCxn id="5" idx="0"/>
+          </p:cNvCxnSpPr>
+          <p:nvPr/>
+        </p:nvCxnSpPr>
+        <p:spPr>
+          <a:xfrm>
+            <a:off x="7639698" y="4158368"/>
+            <a:ext cx="1" cy="530914"/>
+          </a:xfrm>
+          <a:prstGeom prst="straightConnector1">
+            <a:avLst/>
+          </a:prstGeom>
+          <a:ln w="25400">
+            <a:solidFill>
+              <a:schemeClr val="tx1">
+                <a:lumMod val="65000"/>
+                <a:lumOff val="35000"/>
+              </a:schemeClr>
+            </a:solidFill>
+            <a:headEnd type="none" w="med" len="med"/>
+            <a:tailEnd type="arrow" w="med" len="med"/>
+          </a:ln>
+        </p:spPr>
+        <p:style>
+          <a:lnRef idx="3">
+            <a:schemeClr val="accent1"/>
+          </a:lnRef>
+          <a:fillRef idx="0">
+            <a:schemeClr val="accent1"/>
+          </a:fillRef>
+          <a:effectRef idx="2">
+            <a:schemeClr val="accent1"/>
+          </a:effectRef>
+          <a:fontRef idx="minor">
+            <a:schemeClr val="tx1"/>
+          </a:fontRef>
+        </p:style>
+      </p:cxnSp>
+      <p:cxnSp>
+        <p:nvCxnSpPr>
+          <p:cNvPr id="11" name="Straight Arrow Connector 10">
+            <a:extLst>
+              <a:ext uri="{FF2B5EF4-FFF2-40B4-BE49-F238E27FC236}">
+                <a16:creationId xmlns:a16="http://schemas.microsoft.com/office/drawing/2014/main" id="{56853917-EF68-8C49-B71A-D56FBBB2DFCF}"/>
+              </a:ext>
+            </a:extLst>
+          </p:cNvPr>
+          <p:cNvCxnSpPr>
+            <a:cxnSpLocks/>
+            <a:stCxn id="25" idx="2"/>
+            <a:endCxn id="7" idx="0"/>
+          </p:cNvCxnSpPr>
+          <p:nvPr/>
+        </p:nvCxnSpPr>
+        <p:spPr>
+          <a:xfrm>
+            <a:off x="7639699" y="4285964"/>
+            <a:ext cx="1758556" cy="403318"/>
+          </a:xfrm>
+          <a:prstGeom prst="straightConnector1">
+            <a:avLst/>
+          </a:prstGeom>
+          <a:ln w="25400">
+            <a:solidFill>
+              <a:schemeClr val="tx1">
+                <a:lumMod val="65000"/>
+                <a:lumOff val="35000"/>
+              </a:schemeClr>
+            </a:solidFill>
+            <a:headEnd type="none" w="med" len="med"/>
+            <a:tailEnd type="arrow" w="med" len="med"/>
+          </a:ln>
+        </p:spPr>
+        <p:style>
+          <a:lnRef idx="3">
+            <a:schemeClr val="accent1"/>
+          </a:lnRef>
+          <a:fillRef idx="0">
+            <a:schemeClr val="accent1"/>
+          </a:fillRef>
+          <a:effectRef idx="2">
+            <a:schemeClr val="accent1"/>
+          </a:effectRef>
+          <a:fontRef idx="minor">
+            <a:schemeClr val="tx1"/>
+          </a:fontRef>
+        </p:style>
+      </p:cxnSp>
+      <p:cxnSp>
+        <p:nvCxnSpPr>
+          <p:cNvPr id="12" name="Straight Arrow Connector 11">
+            <a:extLst>
+              <a:ext uri="{FF2B5EF4-FFF2-40B4-BE49-F238E27FC236}">
+                <a16:creationId xmlns:a16="http://schemas.microsoft.com/office/drawing/2014/main" id="{918FEFB0-FE64-084E-B418-130F9A4CE8D5}"/>
+              </a:ext>
+            </a:extLst>
+          </p:cNvPr>
+          <p:cNvCxnSpPr>
+            <a:cxnSpLocks/>
+            <a:stCxn id="28" idx="2"/>
+            <a:endCxn id="5" idx="0"/>
+          </p:cNvCxnSpPr>
+          <p:nvPr/>
+        </p:nvCxnSpPr>
+        <p:spPr>
+          <a:xfrm flipH="1">
+            <a:off x="7639699" y="4282469"/>
+            <a:ext cx="1758556" cy="406813"/>
+          </a:xfrm>
+          <a:prstGeom prst="straightConnector1">
+            <a:avLst/>
+          </a:prstGeom>
+          <a:ln w="25400">
+            <a:solidFill>
+              <a:schemeClr val="tx1">
+                <a:lumMod val="65000"/>
+                <a:lumOff val="35000"/>
+              </a:schemeClr>
+            </a:solidFill>
+            <a:headEnd type="none" w="med" len="med"/>
+            <a:tailEnd type="arrow" w="med" len="med"/>
+          </a:ln>
+        </p:spPr>
+        <p:style>
+          <a:lnRef idx="3">
+            <a:schemeClr val="accent1"/>
+          </a:lnRef>
+          <a:fillRef idx="0">
+            <a:schemeClr val="accent1"/>
+          </a:fillRef>
+          <a:effectRef idx="2">
+            <a:schemeClr val="accent1"/>
+          </a:effectRef>
+          <a:fontRef idx="minor">
+            <a:schemeClr val="tx1"/>
+          </a:fontRef>
+        </p:style>
+      </p:cxnSp>
+      <p:cxnSp>
+        <p:nvCxnSpPr>
+          <p:cNvPr id="13" name="Straight Arrow Connector 12">
+            <a:extLst>
+              <a:ext uri="{FF2B5EF4-FFF2-40B4-BE49-F238E27FC236}">
+                <a16:creationId xmlns:a16="http://schemas.microsoft.com/office/drawing/2014/main" id="{4701DDD1-D52B-DE4D-A298-A068519FC1FA}"/>
+              </a:ext>
+            </a:extLst>
+          </p:cNvPr>
+          <p:cNvCxnSpPr>
+            <a:cxnSpLocks/>
+          </p:cNvCxnSpPr>
+          <p:nvPr/>
+        </p:nvCxnSpPr>
+        <p:spPr>
+          <a:xfrm>
+            <a:off x="9398255" y="4261203"/>
+            <a:ext cx="0" cy="406813"/>
+          </a:xfrm>
+          <a:prstGeom prst="straightConnector1">
+            <a:avLst/>
+          </a:prstGeom>
+          <a:ln w="25400">
+            <a:solidFill>
+              <a:schemeClr val="tx1">
+                <a:lumMod val="65000"/>
+                <a:lumOff val="35000"/>
+              </a:schemeClr>
+            </a:solidFill>
+            <a:headEnd type="none" w="med" len="med"/>
+            <a:tailEnd type="arrow" w="med" len="med"/>
+          </a:ln>
+        </p:spPr>
+        <p:style>
+          <a:lnRef idx="3">
+            <a:schemeClr val="accent1"/>
+          </a:lnRef>
+          <a:fillRef idx="0">
+            <a:schemeClr val="accent1"/>
+          </a:fillRef>
+          <a:effectRef idx="2">
+            <a:schemeClr val="accent1"/>
+          </a:effectRef>
+          <a:fontRef idx="minor">
+            <a:schemeClr val="tx1"/>
+          </a:fontRef>
+        </p:style>
+      </p:cxnSp>
+      <p:sp>
+        <p:nvSpPr>
+          <p:cNvPr id="18" name="Rounded Rectangle 17">
+            <a:extLst>
+              <a:ext uri="{FF2B5EF4-FFF2-40B4-BE49-F238E27FC236}">
+                <a16:creationId xmlns:a16="http://schemas.microsoft.com/office/drawing/2014/main" id="{A29BD53B-82C1-7D4D-992C-9826BD37F3C5}"/>
+              </a:ext>
+            </a:extLst>
+          </p:cNvPr>
+          <p:cNvSpPr/>
+          <p:nvPr/>
+        </p:nvSpPr>
+        <p:spPr>
+          <a:xfrm>
+            <a:off x="2689137" y="3802597"/>
+            <a:ext cx="1040230" cy="557535"/>
+          </a:xfrm>
+          <a:prstGeom prst="roundRect">
+            <a:avLst/>
+          </a:prstGeom>
+          <a:solidFill>
+            <a:schemeClr val="accent5"/>
+          </a:solidFill>
+          <a:ln>
+            <a:noFill/>
+          </a:ln>
+        </p:spPr>
+        <p:style>
+          <a:lnRef idx="2">
+            <a:schemeClr val="accent1">
+              <a:shade val="50000"/>
+            </a:schemeClr>
+          </a:lnRef>
+          <a:fillRef idx="1">
+            <a:schemeClr val="accent1"/>
+          </a:fillRef>
+          <a:effectRef idx="0">
+            <a:schemeClr val="accent1"/>
+          </a:effectRef>
+          <a:fontRef idx="minor">
+            <a:schemeClr val="lt1"/>
+          </a:fontRef>
+        </p:style>
+        <p:txBody>
+          <a:bodyPr rot="0" spcFirstLastPara="0" vertOverflow="overflow" horzOverflow="overflow" vert="horz" wrap="square" lIns="91440" tIns="45720" rIns="91440" bIns="45720" numCol="1" spcCol="0" rtlCol="0" fromWordArt="0" anchor="ctr" anchorCtr="0" forceAA="0" compatLnSpc="1">
+            <a:prstTxWarp prst="textNoShape">
+              <a:avLst/>
+            </a:prstTxWarp>
+            <a:noAutofit/>
+          </a:bodyPr>
+          <a:lstStyle/>
+          <a:p>
+            <a:pPr algn="ctr"/>
+            <a:r>
+              <a:rPr lang="en-US" sz="2000" dirty="0">
+                <a:solidFill>
+                  <a:schemeClr val="bg1"/>
+                </a:solidFill>
+                <a:latin typeface="DejaVu Sans Book" panose="020B0603030804020204" pitchFamily="34" charset="0"/>
+                <a:ea typeface="DejaVu Sans Book" panose="020B0603030804020204" pitchFamily="34" charset="0"/>
+                <a:cs typeface="DejaVu Sans Book" panose="020B0603030804020204" pitchFamily="34" charset="0"/>
+              </a:rPr>
+              <a:t>Core</a:t>
+            </a:r>
+          </a:p>
+        </p:txBody>
+      </p:sp>
+      <p:sp>
+        <p:nvSpPr>
+          <p:cNvPr id="19" name="Rounded Rectangle 18">
+            <a:extLst>
+              <a:ext uri="{FF2B5EF4-FFF2-40B4-BE49-F238E27FC236}">
+                <a16:creationId xmlns:a16="http://schemas.microsoft.com/office/drawing/2014/main" id="{3D2ACA49-B3B6-6A48-92E5-185BF0811A33}"/>
+              </a:ext>
+            </a:extLst>
+          </p:cNvPr>
+          <p:cNvSpPr/>
+          <p:nvPr/>
+        </p:nvSpPr>
+        <p:spPr>
+          <a:xfrm>
+            <a:off x="2442249" y="4689282"/>
+            <a:ext cx="1534006" cy="611577"/>
+          </a:xfrm>
+          <a:prstGeom prst="roundRect">
+            <a:avLst/>
+          </a:prstGeom>
+          <a:solidFill>
+            <a:schemeClr val="accent6"/>
+          </a:solidFill>
+          <a:ln>
+            <a:noFill/>
+          </a:ln>
+        </p:spPr>
+        <p:style>
+          <a:lnRef idx="2">
+            <a:schemeClr val="accent1">
+              <a:shade val="50000"/>
+            </a:schemeClr>
+          </a:lnRef>
+          <a:fillRef idx="1">
+            <a:schemeClr val="accent1"/>
+          </a:fillRef>
+          <a:effectRef idx="0">
+            <a:schemeClr val="accent1"/>
+          </a:effectRef>
+          <a:fontRef idx="minor">
+            <a:schemeClr val="lt1"/>
+          </a:fontRef>
+        </p:style>
+        <p:txBody>
+          <a:bodyPr rot="0" spcFirstLastPara="0" vertOverflow="overflow" horzOverflow="overflow" vert="horz" wrap="square" lIns="91440" tIns="45720" rIns="91440" bIns="45720" numCol="1" spcCol="0" rtlCol="0" fromWordArt="0" anchor="ctr" anchorCtr="0" forceAA="0" compatLnSpc="1">
+            <a:prstTxWarp prst="textNoShape">
+              <a:avLst/>
+            </a:prstTxWarp>
+            <a:noAutofit/>
+          </a:bodyPr>
+          <a:lstStyle/>
+          <a:p>
+            <a:pPr algn="ctr"/>
+            <a:r>
+              <a:rPr lang="en-US" sz="2000" dirty="0">
+                <a:solidFill>
+                  <a:schemeClr val="bg1"/>
+                </a:solidFill>
+                <a:latin typeface="DejaVu Sans Book" panose="020B0603030804020204" pitchFamily="34" charset="0"/>
+                <a:ea typeface="DejaVu Sans Book" panose="020B0603030804020204" pitchFamily="34" charset="0"/>
+                <a:cs typeface="DejaVu Sans Book" panose="020B0603030804020204" pitchFamily="34" charset="0"/>
+              </a:rPr>
+              <a:t>Cache</a:t>
+            </a:r>
+          </a:p>
+        </p:txBody>
+      </p:sp>
+      <p:sp>
+        <p:nvSpPr>
+          <p:cNvPr id="20" name="Rounded Rectangle 19">
+            <a:extLst>
+              <a:ext uri="{FF2B5EF4-FFF2-40B4-BE49-F238E27FC236}">
+                <a16:creationId xmlns:a16="http://schemas.microsoft.com/office/drawing/2014/main" id="{EA2C0955-712B-5A46-96C6-E690E14DA1EE}"/>
+              </a:ext>
+            </a:extLst>
+          </p:cNvPr>
+          <p:cNvSpPr/>
+          <p:nvPr/>
+        </p:nvSpPr>
+        <p:spPr>
+          <a:xfrm>
+            <a:off x="4698620" y="3815848"/>
+            <a:ext cx="1040230" cy="557535"/>
+          </a:xfrm>
+          <a:prstGeom prst="roundRect">
+            <a:avLst/>
+          </a:prstGeom>
+          <a:solidFill>
+            <a:schemeClr val="accent5"/>
+          </a:solidFill>
+          <a:ln>
+            <a:noFill/>
+          </a:ln>
+        </p:spPr>
+        <p:style>
+          <a:lnRef idx="2">
+            <a:schemeClr val="accent1">
+              <a:shade val="50000"/>
+            </a:schemeClr>
+          </a:lnRef>
+          <a:fillRef idx="1">
+            <a:schemeClr val="accent1"/>
+          </a:fillRef>
+          <a:effectRef idx="0">
+            <a:schemeClr val="accent1"/>
+          </a:effectRef>
+          <a:fontRef idx="minor">
+            <a:schemeClr val="lt1"/>
+          </a:fontRef>
+        </p:style>
+        <p:txBody>
+          <a:bodyPr rot="0" spcFirstLastPara="0" vertOverflow="overflow" horzOverflow="overflow" vert="horz" wrap="square" lIns="91440" tIns="45720" rIns="91440" bIns="45720" numCol="1" spcCol="0" rtlCol="0" fromWordArt="0" anchor="ctr" anchorCtr="0" forceAA="0" compatLnSpc="1">
+            <a:prstTxWarp prst="textNoShape">
+              <a:avLst/>
+            </a:prstTxWarp>
+            <a:noAutofit/>
+          </a:bodyPr>
+          <a:lstStyle/>
+          <a:p>
+            <a:pPr algn="ctr"/>
+            <a:r>
+              <a:rPr lang="en-US" sz="2000" dirty="0">
+                <a:solidFill>
+                  <a:schemeClr val="bg1"/>
+                </a:solidFill>
+                <a:latin typeface="DejaVu Sans Book" panose="020B0603030804020204" pitchFamily="34" charset="0"/>
+                <a:ea typeface="DejaVu Sans Book" panose="020B0603030804020204" pitchFamily="34" charset="0"/>
+                <a:cs typeface="DejaVu Sans Book" panose="020B0603030804020204" pitchFamily="34" charset="0"/>
+              </a:rPr>
+              <a:t>Core</a:t>
+            </a:r>
+          </a:p>
+        </p:txBody>
+      </p:sp>
+      <p:sp>
+        <p:nvSpPr>
+          <p:cNvPr id="21" name="Rounded Rectangle 20">
+            <a:extLst>
+              <a:ext uri="{FF2B5EF4-FFF2-40B4-BE49-F238E27FC236}">
+                <a16:creationId xmlns:a16="http://schemas.microsoft.com/office/drawing/2014/main" id="{61533266-4354-ED45-B858-CFB6087EF3BB}"/>
+              </a:ext>
+            </a:extLst>
+          </p:cNvPr>
+          <p:cNvSpPr/>
+          <p:nvPr/>
+        </p:nvSpPr>
+        <p:spPr>
+          <a:xfrm>
+            <a:off x="4451732" y="4702533"/>
+            <a:ext cx="1534006" cy="611577"/>
+          </a:xfrm>
+          <a:prstGeom prst="roundRect">
+            <a:avLst/>
+          </a:prstGeom>
+          <a:solidFill>
+            <a:schemeClr val="accent6"/>
+          </a:solidFill>
+          <a:ln>
+            <a:noFill/>
+          </a:ln>
+        </p:spPr>
+        <p:style>
+          <a:lnRef idx="2">
+            <a:schemeClr val="accent1">
+              <a:shade val="50000"/>
+            </a:schemeClr>
+          </a:lnRef>
+          <a:fillRef idx="1">
+            <a:schemeClr val="accent1"/>
+          </a:fillRef>
+          <a:effectRef idx="0">
+            <a:schemeClr val="accent1"/>
+          </a:effectRef>
+          <a:fontRef idx="minor">
+            <a:schemeClr val="lt1"/>
+          </a:fontRef>
+        </p:style>
+        <p:txBody>
+          <a:bodyPr rot="0" spcFirstLastPara="0" vertOverflow="overflow" horzOverflow="overflow" vert="horz" wrap="square" lIns="91440" tIns="45720" rIns="91440" bIns="45720" numCol="1" spcCol="0" rtlCol="0" fromWordArt="0" anchor="ctr" anchorCtr="0" forceAA="0" compatLnSpc="1">
+            <a:prstTxWarp prst="textNoShape">
+              <a:avLst/>
+            </a:prstTxWarp>
+            <a:noAutofit/>
+          </a:bodyPr>
+          <a:lstStyle/>
+          <a:p>
+            <a:pPr algn="ctr"/>
+            <a:r>
+              <a:rPr lang="en-US" sz="2000" dirty="0">
+                <a:solidFill>
+                  <a:schemeClr val="bg1"/>
+                </a:solidFill>
+                <a:latin typeface="DejaVu Sans Book" panose="020B0603030804020204" pitchFamily="34" charset="0"/>
+                <a:ea typeface="DejaVu Sans Book" panose="020B0603030804020204" pitchFamily="34" charset="0"/>
+                <a:cs typeface="DejaVu Sans Book" panose="020B0603030804020204" pitchFamily="34" charset="0"/>
+              </a:rPr>
+              <a:t>Cache</a:t>
+            </a:r>
+          </a:p>
+        </p:txBody>
+      </p:sp>
+      <p:cxnSp>
+        <p:nvCxnSpPr>
+          <p:cNvPr id="22" name="Straight Arrow Connector 21">
+            <a:extLst>
+              <a:ext uri="{FF2B5EF4-FFF2-40B4-BE49-F238E27FC236}">
+                <a16:creationId xmlns:a16="http://schemas.microsoft.com/office/drawing/2014/main" id="{B8A79497-2842-0E41-B728-84A4204F5A2D}"/>
+              </a:ext>
+            </a:extLst>
+          </p:cNvPr>
+          <p:cNvCxnSpPr>
+            <a:cxnSpLocks/>
+            <a:stCxn id="18" idx="2"/>
+            <a:endCxn id="19" idx="0"/>
+          </p:cNvCxnSpPr>
+          <p:nvPr/>
+        </p:nvCxnSpPr>
+        <p:spPr>
+          <a:xfrm>
+            <a:off x="3209252" y="4360132"/>
+            <a:ext cx="0" cy="329150"/>
+          </a:xfrm>
+          <a:prstGeom prst="straightConnector1">
+            <a:avLst/>
+          </a:prstGeom>
+          <a:ln w="25400">
+            <a:solidFill>
+              <a:schemeClr val="tx1">
+                <a:lumMod val="65000"/>
+                <a:lumOff val="35000"/>
+              </a:schemeClr>
+            </a:solidFill>
+            <a:headEnd type="arrow" w="med" len="med"/>
+            <a:tailEnd type="arrow" w="med" len="med"/>
+          </a:ln>
+        </p:spPr>
+        <p:style>
+          <a:lnRef idx="3">
+            <a:schemeClr val="accent1"/>
+          </a:lnRef>
+          <a:fillRef idx="0">
+            <a:schemeClr val="accent1"/>
+          </a:fillRef>
+          <a:effectRef idx="2">
+            <a:schemeClr val="accent1"/>
+          </a:effectRef>
+          <a:fontRef idx="minor">
+            <a:schemeClr val="tx1"/>
+          </a:fontRef>
+        </p:style>
+      </p:cxnSp>
+      <p:cxnSp>
+        <p:nvCxnSpPr>
+          <p:cNvPr id="23" name="Straight Arrow Connector 22">
+            <a:extLst>
+              <a:ext uri="{FF2B5EF4-FFF2-40B4-BE49-F238E27FC236}">
+                <a16:creationId xmlns:a16="http://schemas.microsoft.com/office/drawing/2014/main" id="{4F89B8E2-BB77-7E46-B7A5-0CF7D9763357}"/>
+              </a:ext>
+            </a:extLst>
+          </p:cNvPr>
+          <p:cNvCxnSpPr>
+            <a:cxnSpLocks/>
+            <a:stCxn id="20" idx="2"/>
+            <a:endCxn id="21" idx="0"/>
+          </p:cNvCxnSpPr>
+          <p:nvPr/>
+        </p:nvCxnSpPr>
+        <p:spPr>
+          <a:xfrm>
+            <a:off x="5218735" y="4373383"/>
+            <a:ext cx="0" cy="329150"/>
+          </a:xfrm>
+          <a:prstGeom prst="straightConnector1">
+            <a:avLst/>
+          </a:prstGeom>
+          <a:ln w="25400">
+            <a:solidFill>
+              <a:schemeClr val="tx1">
+                <a:lumMod val="65000"/>
+                <a:lumOff val="35000"/>
+              </a:schemeClr>
+            </a:solidFill>
+            <a:headEnd type="arrow" w="med" len="med"/>
+            <a:tailEnd type="arrow" w="med" len="med"/>
+          </a:ln>
+        </p:spPr>
+        <p:style>
+          <a:lnRef idx="3">
+            <a:schemeClr val="accent1"/>
+          </a:lnRef>
+          <a:fillRef idx="0">
+            <a:schemeClr val="accent1"/>
+          </a:fillRef>
+          <a:effectRef idx="2">
+            <a:schemeClr val="accent1"/>
+          </a:effectRef>
+          <a:fontRef idx="minor">
+            <a:schemeClr val="tx1"/>
+          </a:fontRef>
+        </p:style>
+      </p:cxnSp>
+      <p:cxnSp>
+        <p:nvCxnSpPr>
+          <p:cNvPr id="24" name="Straight Arrow Connector 23">
+            <a:extLst>
+              <a:ext uri="{FF2B5EF4-FFF2-40B4-BE49-F238E27FC236}">
+                <a16:creationId xmlns:a16="http://schemas.microsoft.com/office/drawing/2014/main" id="{1365D840-5A43-574E-8FC5-DEF781A4CB50}"/>
+              </a:ext>
+            </a:extLst>
+          </p:cNvPr>
+          <p:cNvCxnSpPr>
+            <a:cxnSpLocks/>
+            <a:stCxn id="21" idx="1"/>
+            <a:endCxn id="19" idx="3"/>
+          </p:cNvCxnSpPr>
+          <p:nvPr/>
+        </p:nvCxnSpPr>
+        <p:spPr>
+          <a:xfrm flipH="1" flipV="1">
+            <a:off x="3976255" y="4995071"/>
+            <a:ext cx="475477" cy="13251"/>
+          </a:xfrm>
+          <a:prstGeom prst="straightConnector1">
+            <a:avLst/>
+          </a:prstGeom>
+          <a:ln w="25400">
+            <a:solidFill>
+              <a:schemeClr val="tx1">
+                <a:lumMod val="65000"/>
+                <a:lumOff val="35000"/>
+              </a:schemeClr>
+            </a:solidFill>
+            <a:headEnd type="arrow" w="med" len="med"/>
+            <a:tailEnd type="arrow" w="med" len="med"/>
+          </a:ln>
+        </p:spPr>
+        <p:style>
+          <a:lnRef idx="3">
+            <a:schemeClr val="accent1"/>
+          </a:lnRef>
+          <a:fillRef idx="0">
+            <a:schemeClr val="accent1"/>
+          </a:fillRef>
+          <a:effectRef idx="2">
+            <a:schemeClr val="accent1"/>
+          </a:effectRef>
+          <a:fontRef idx="minor">
+            <a:schemeClr val="tx1"/>
+          </a:fontRef>
+        </p:style>
+      </p:cxnSp>
+      <p:sp>
+        <p:nvSpPr>
+          <p:cNvPr id="25" name="Rounded Rectangle 24">
+            <a:extLst>
+              <a:ext uri="{FF2B5EF4-FFF2-40B4-BE49-F238E27FC236}">
+                <a16:creationId xmlns:a16="http://schemas.microsoft.com/office/drawing/2014/main" id="{A90A888C-4516-384C-93DD-1868814AE151}"/>
+              </a:ext>
+            </a:extLst>
+          </p:cNvPr>
+          <p:cNvSpPr/>
+          <p:nvPr/>
+        </p:nvSpPr>
+        <p:spPr>
+          <a:xfrm>
+            <a:off x="6901909" y="3550602"/>
+            <a:ext cx="1475579" cy="735362"/>
+          </a:xfrm>
+          <a:prstGeom prst="roundRect">
+            <a:avLst/>
+          </a:prstGeom>
+          <a:solidFill>
+            <a:schemeClr val="accent5"/>
+          </a:solidFill>
+          <a:ln w="19050">
+            <a:solidFill>
+              <a:schemeClr val="tx1">
+                <a:lumMod val="65000"/>
+                <a:lumOff val="35000"/>
+              </a:schemeClr>
+            </a:solidFill>
+            <a:prstDash val="lgDash"/>
+          </a:ln>
+        </p:spPr>
+        <p:style>
+          <a:lnRef idx="2">
+            <a:schemeClr val="accent1">
+              <a:shade val="50000"/>
+            </a:schemeClr>
+          </a:lnRef>
+          <a:fillRef idx="1">
+            <a:schemeClr val="accent1"/>
+          </a:fillRef>
+          <a:effectRef idx="0">
+            <a:schemeClr val="accent1"/>
+          </a:effectRef>
+          <a:fontRef idx="minor">
+            <a:schemeClr val="lt1"/>
+          </a:fontRef>
+        </p:style>
+        <p:txBody>
+          <a:bodyPr rot="0" spcFirstLastPara="0" vertOverflow="overflow" horzOverflow="overflow" vert="horz" wrap="square" lIns="91440" tIns="45720" rIns="91440" bIns="45720" numCol="1" spcCol="0" rtlCol="0" fromWordArt="0" anchor="ctr" anchorCtr="0" forceAA="0" compatLnSpc="1">
+            <a:prstTxWarp prst="textNoShape">
+              <a:avLst/>
+            </a:prstTxWarp>
+            <a:noAutofit/>
+          </a:bodyPr>
+          <a:lstStyle/>
+          <a:p>
+            <a:pPr algn="ctr"/>
+            <a:r>
+              <a:rPr lang="en-US" sz="1600" dirty="0">
+                <a:solidFill>
+                  <a:schemeClr val="bg1"/>
+                </a:solidFill>
+                <a:latin typeface="DejaVu Sans Book" panose="020B0603030804020204" pitchFamily="34" charset="0"/>
+                <a:ea typeface="DejaVu Sans Book" panose="020B0603030804020204" pitchFamily="34" charset="0"/>
+                <a:cs typeface="DejaVu Sans Book" panose="020B0603030804020204" pitchFamily="34" charset="0"/>
+              </a:rPr>
+              <a:t>Address Remapping</a:t>
+            </a:r>
+          </a:p>
+        </p:txBody>
+      </p:sp>
+      <p:sp>
+        <p:nvSpPr>
+          <p:cNvPr id="28" name="Rounded Rectangle 27">
+            <a:extLst>
+              <a:ext uri="{FF2B5EF4-FFF2-40B4-BE49-F238E27FC236}">
+                <a16:creationId xmlns:a16="http://schemas.microsoft.com/office/drawing/2014/main" id="{EAA1C9D2-47E4-C044-84B9-8B5D732A8524}"/>
+              </a:ext>
+            </a:extLst>
+          </p:cNvPr>
+          <p:cNvSpPr/>
+          <p:nvPr/>
+        </p:nvSpPr>
+        <p:spPr>
+          <a:xfrm>
+            <a:off x="8660465" y="3547107"/>
+            <a:ext cx="1475579" cy="735362"/>
+          </a:xfrm>
+          <a:prstGeom prst="roundRect">
+            <a:avLst/>
+          </a:prstGeom>
+          <a:solidFill>
+            <a:schemeClr val="accent5"/>
+          </a:solidFill>
+          <a:ln w="19050">
+            <a:solidFill>
+              <a:schemeClr val="tx1">
+                <a:lumMod val="65000"/>
+                <a:lumOff val="35000"/>
+              </a:schemeClr>
+            </a:solidFill>
+            <a:prstDash val="lgDash"/>
+          </a:ln>
+        </p:spPr>
+        <p:style>
+          <a:lnRef idx="2">
+            <a:schemeClr val="accent1">
+              <a:shade val="50000"/>
+            </a:schemeClr>
+          </a:lnRef>
+          <a:fillRef idx="1">
+            <a:schemeClr val="accent1"/>
+          </a:fillRef>
+          <a:effectRef idx="0">
+            <a:schemeClr val="accent1"/>
+          </a:effectRef>
+          <a:fontRef idx="minor">
+            <a:schemeClr val="lt1"/>
+          </a:fontRef>
+        </p:style>
+        <p:txBody>
+          <a:bodyPr rot="0" spcFirstLastPara="0" vertOverflow="overflow" horzOverflow="overflow" vert="horz" wrap="square" lIns="91440" tIns="45720" rIns="91440" bIns="45720" numCol="1" spcCol="0" rtlCol="0" fromWordArt="0" anchor="ctr" anchorCtr="0" forceAA="0" compatLnSpc="1">
+            <a:prstTxWarp prst="textNoShape">
+              <a:avLst/>
+            </a:prstTxWarp>
+            <a:noAutofit/>
+          </a:bodyPr>
+          <a:lstStyle/>
+          <a:p>
+            <a:pPr algn="ctr"/>
+            <a:r>
+              <a:rPr lang="en-US" sz="1600" dirty="0">
+                <a:solidFill>
+                  <a:schemeClr val="bg1"/>
+                </a:solidFill>
+                <a:latin typeface="DejaVu Sans Book" panose="020B0603030804020204" pitchFamily="34" charset="0"/>
+                <a:ea typeface="DejaVu Sans Book" panose="020B0603030804020204" pitchFamily="34" charset="0"/>
+                <a:cs typeface="DejaVu Sans Book" panose="020B0603030804020204" pitchFamily="34" charset="0"/>
+              </a:rPr>
+              <a:t>Address Remapping</a:t>
+            </a:r>
+          </a:p>
+        </p:txBody>
+      </p:sp>
+      <p:cxnSp>
+        <p:nvCxnSpPr>
+          <p:cNvPr id="33" name="Straight Arrow Connector 32">
+            <a:extLst>
+              <a:ext uri="{FF2B5EF4-FFF2-40B4-BE49-F238E27FC236}">
+                <a16:creationId xmlns:a16="http://schemas.microsoft.com/office/drawing/2014/main" id="{75ECE870-D298-694B-B1A7-A9C2D7558F39}"/>
+              </a:ext>
+            </a:extLst>
+          </p:cNvPr>
+          <p:cNvCxnSpPr>
+            <a:cxnSpLocks/>
+            <a:stCxn id="4" idx="2"/>
+            <a:endCxn id="25" idx="0"/>
+          </p:cNvCxnSpPr>
+          <p:nvPr/>
+        </p:nvCxnSpPr>
+        <p:spPr>
+          <a:xfrm>
+            <a:off x="7639698" y="3194770"/>
+            <a:ext cx="1" cy="355832"/>
+          </a:xfrm>
+          <a:prstGeom prst="straightConnector1">
+            <a:avLst/>
+          </a:prstGeom>
+          <a:ln w="25400">
+            <a:solidFill>
+              <a:schemeClr val="tx1">
+                <a:lumMod val="65000"/>
+                <a:lumOff val="35000"/>
+              </a:schemeClr>
+            </a:solidFill>
+            <a:headEnd type="none" w="med" len="med"/>
+            <a:tailEnd type="arrow" w="med" len="med"/>
+          </a:ln>
+        </p:spPr>
+        <p:style>
+          <a:lnRef idx="3">
+            <a:schemeClr val="accent1"/>
+          </a:lnRef>
+          <a:fillRef idx="0">
+            <a:schemeClr val="accent1"/>
+          </a:fillRef>
+          <a:effectRef idx="2">
+            <a:schemeClr val="accent1"/>
+          </a:effectRef>
+          <a:fontRef idx="minor">
+            <a:schemeClr val="tx1"/>
+          </a:fontRef>
+        </p:style>
+      </p:cxnSp>
+      <p:cxnSp>
+        <p:nvCxnSpPr>
+          <p:cNvPr id="36" name="Straight Arrow Connector 35">
+            <a:extLst>
+              <a:ext uri="{FF2B5EF4-FFF2-40B4-BE49-F238E27FC236}">
+                <a16:creationId xmlns:a16="http://schemas.microsoft.com/office/drawing/2014/main" id="{E5C9F025-FC90-CC45-B629-9712876FAF6C}"/>
+              </a:ext>
+            </a:extLst>
+          </p:cNvPr>
+          <p:cNvCxnSpPr>
+            <a:cxnSpLocks/>
+            <a:stCxn id="6" idx="2"/>
+            <a:endCxn id="28" idx="0"/>
+          </p:cNvCxnSpPr>
+          <p:nvPr/>
+        </p:nvCxnSpPr>
+        <p:spPr>
+          <a:xfrm>
+            <a:off x="9398254" y="3189527"/>
+            <a:ext cx="1" cy="357580"/>
+          </a:xfrm>
+          <a:prstGeom prst="straightConnector1">
+            <a:avLst/>
+          </a:prstGeom>
+          <a:ln w="25400">
+            <a:solidFill>
+              <a:schemeClr val="tx1">
+                <a:lumMod val="65000"/>
+                <a:lumOff val="35000"/>
+              </a:schemeClr>
+            </a:solidFill>
+            <a:headEnd type="none" w="med" len="med"/>
+            <a:tailEnd type="arrow" w="med" len="med"/>
+          </a:ln>
+        </p:spPr>
+        <p:style>
+          <a:lnRef idx="3">
+            <a:schemeClr val="accent1"/>
+          </a:lnRef>
+          <a:fillRef idx="0">
+            <a:schemeClr val="accent1"/>
+          </a:fillRef>
+          <a:effectRef idx="2">
+            <a:schemeClr val="accent1"/>
+          </a:effectRef>
+          <a:fontRef idx="minor">
+            <a:schemeClr val="tx1"/>
+          </a:fontRef>
+        </p:style>
+      </p:cxnSp>
+      <p:sp>
+        <p:nvSpPr>
+          <p:cNvPr id="50" name="TextBox 49">
+            <a:extLst>
+              <a:ext uri="{FF2B5EF4-FFF2-40B4-BE49-F238E27FC236}">
+                <a16:creationId xmlns:a16="http://schemas.microsoft.com/office/drawing/2014/main" id="{9CD676E9-4E1C-6141-BBFB-D31050DEFAD8}"/>
+              </a:ext>
+            </a:extLst>
+          </p:cNvPr>
+          <p:cNvSpPr txBox="1"/>
+          <p:nvPr/>
+        </p:nvSpPr>
+        <p:spPr>
+          <a:xfrm>
+            <a:off x="9450868" y="3178302"/>
+            <a:ext cx="1787221" cy="338554"/>
+          </a:xfrm>
+          <a:prstGeom prst="rect">
+            <a:avLst/>
+          </a:prstGeom>
+          <a:noFill/>
+        </p:spPr>
+        <p:txBody>
+          <a:bodyPr wrap="none" rtlCol="0">
+            <a:spAutoFit/>
+          </a:bodyPr>
+          <a:lstStyle/>
+          <a:p>
+            <a:r>
+              <a:rPr lang="en-US" sz="1600" dirty="0">
+                <a:solidFill>
+                  <a:schemeClr val="bg1"/>
+                </a:solidFill>
+                <a:latin typeface="DejaVu Sans Book" panose="020B0603030804020204" pitchFamily="34" charset="0"/>
+                <a:ea typeface="DejaVu Sans Book" panose="020B0603030804020204" pitchFamily="34" charset="0"/>
+                <a:cs typeface="DejaVu Sans Book" panose="020B0603030804020204" pitchFamily="34" charset="0"/>
+              </a:rPr>
+              <a:t>Logical Address</a:t>
+            </a:r>
+          </a:p>
+        </p:txBody>
+      </p:sp>
+      <p:sp>
+        <p:nvSpPr>
+          <p:cNvPr id="53" name="TextBox 52">
+            <a:extLst>
+              <a:ext uri="{FF2B5EF4-FFF2-40B4-BE49-F238E27FC236}">
+                <a16:creationId xmlns:a16="http://schemas.microsoft.com/office/drawing/2014/main" id="{FB972B1F-115F-A541-8E91-BEA40B70A8B8}"/>
+              </a:ext>
+            </a:extLst>
+          </p:cNvPr>
+          <p:cNvSpPr txBox="1"/>
+          <p:nvPr/>
+        </p:nvSpPr>
+        <p:spPr>
+          <a:xfrm>
+            <a:off x="9450359" y="4349509"/>
+            <a:ext cx="988989" cy="338554"/>
+          </a:xfrm>
+          <a:prstGeom prst="rect">
+            <a:avLst/>
+          </a:prstGeom>
+          <a:noFill/>
+        </p:spPr>
+        <p:txBody>
+          <a:bodyPr wrap="none" rtlCol="0">
+            <a:spAutoFit/>
+          </a:bodyPr>
+          <a:lstStyle/>
+          <a:p>
+            <a:r>
+              <a:rPr lang="en-US" sz="1600" dirty="0">
+                <a:solidFill>
+                  <a:schemeClr val="bg1"/>
+                </a:solidFill>
+                <a:latin typeface="DejaVu Sans Book" panose="020B0603030804020204" pitchFamily="34" charset="0"/>
+                <a:ea typeface="DejaVu Sans Book" panose="020B0603030804020204" pitchFamily="34" charset="0"/>
+                <a:cs typeface="DejaVu Sans Book" panose="020B0603030804020204" pitchFamily="34" charset="0"/>
+              </a:rPr>
+              <a:t>BI + BO</a:t>
+            </a:r>
+          </a:p>
+        </p:txBody>
+      </p:sp>
+      <p:sp>
+        <p:nvSpPr>
+          <p:cNvPr id="55" name="Rounded Rectangle 54">
+            <a:extLst>
+              <a:ext uri="{FF2B5EF4-FFF2-40B4-BE49-F238E27FC236}">
+                <a16:creationId xmlns:a16="http://schemas.microsoft.com/office/drawing/2014/main" id="{5290D0BF-5EFE-2143-91E2-C6B015A033F2}"/>
+              </a:ext>
+            </a:extLst>
+          </p:cNvPr>
+          <p:cNvSpPr/>
+          <p:nvPr/>
+        </p:nvSpPr>
+        <p:spPr>
+          <a:xfrm>
+            <a:off x="3787142" y="10962554"/>
+            <a:ext cx="865907" cy="568443"/>
+          </a:xfrm>
+          <a:prstGeom prst="roundRect">
+            <a:avLst/>
+          </a:prstGeom>
+          <a:solidFill>
+            <a:schemeClr val="accent6"/>
+          </a:solidFill>
+          <a:ln>
+            <a:noFill/>
+          </a:ln>
+        </p:spPr>
+        <p:style>
+          <a:lnRef idx="2">
+            <a:schemeClr val="accent1">
+              <a:shade val="50000"/>
+            </a:schemeClr>
+          </a:lnRef>
+          <a:fillRef idx="1">
+            <a:schemeClr val="accent1"/>
+          </a:fillRef>
+          <a:effectRef idx="0">
+            <a:schemeClr val="accent1"/>
+          </a:effectRef>
+          <a:fontRef idx="minor">
+            <a:schemeClr val="lt1"/>
+          </a:fontRef>
+        </p:style>
+        <p:txBody>
+          <a:bodyPr rot="0" spcFirstLastPara="0" vertOverflow="overflow" horzOverflow="overflow" vert="horz" wrap="square" lIns="91440" tIns="45720" rIns="91440" bIns="45720" numCol="1" spcCol="0" rtlCol="0" fromWordArt="0" anchor="ctr" anchorCtr="0" forceAA="0" compatLnSpc="1">
+            <a:prstTxWarp prst="textNoShape">
+              <a:avLst/>
+            </a:prstTxWarp>
+            <a:noAutofit/>
+          </a:bodyPr>
+          <a:lstStyle/>
+          <a:p>
+            <a:pPr algn="ctr"/>
+            <a:r>
+              <a:rPr lang="en-US" sz="1600" dirty="0">
+                <a:solidFill>
+                  <a:schemeClr val="bg1"/>
+                </a:solidFill>
+                <a:latin typeface="DejaVu Sans Book" panose="020B0603030804020204" pitchFamily="34" charset="0"/>
+                <a:ea typeface="DejaVu Sans Book" panose="020B0603030804020204" pitchFamily="34" charset="0"/>
+                <a:cs typeface="DejaVu Sans Book" panose="020B0603030804020204" pitchFamily="34" charset="0"/>
+              </a:rPr>
+              <a:t>P</a:t>
+            </a:r>
+            <a:r>
+              <a:rPr lang="en-US" sz="1600" baseline="-25000" dirty="0">
+                <a:solidFill>
+                  <a:schemeClr val="bg1"/>
+                </a:solidFill>
+                <a:latin typeface="DejaVu Sans Book" panose="020B0603030804020204" pitchFamily="34" charset="0"/>
+                <a:ea typeface="DejaVu Sans Book" panose="020B0603030804020204" pitchFamily="34" charset="0"/>
+                <a:cs typeface="DejaVu Sans Book" panose="020B0603030804020204" pitchFamily="34" charset="0"/>
+              </a:rPr>
+              <a:t>A</a:t>
+            </a:r>
+            <a:br>
+              <a:rPr lang="en-US" sz="1600" dirty="0">
+                <a:solidFill>
+                  <a:schemeClr val="bg1"/>
+                </a:solidFill>
+                <a:latin typeface="DejaVu Sans Book" panose="020B0603030804020204" pitchFamily="34" charset="0"/>
+                <a:ea typeface="DejaVu Sans Book" panose="020B0603030804020204" pitchFamily="34" charset="0"/>
+                <a:cs typeface="DejaVu Sans Book" panose="020B0603030804020204" pitchFamily="34" charset="0"/>
+              </a:rPr>
+            </a:br>
+            <a:r>
+              <a:rPr lang="en-US" sz="1600" dirty="0">
+                <a:solidFill>
+                  <a:schemeClr val="bg1"/>
+                </a:solidFill>
+                <a:latin typeface="DejaVu Sans Book" panose="020B0603030804020204" pitchFamily="34" charset="0"/>
+                <a:ea typeface="DejaVu Sans Book" panose="020B0603030804020204" pitchFamily="34" charset="0"/>
+                <a:cs typeface="DejaVu Sans Book" panose="020B0603030804020204" pitchFamily="34" charset="0"/>
+              </a:rPr>
+              <a:t>[0-3]</a:t>
+            </a:r>
+          </a:p>
+        </p:txBody>
+      </p:sp>
+      <p:sp>
+        <p:nvSpPr>
+          <p:cNvPr id="56" name="Rounded Rectangle 55">
+            <a:extLst>
+              <a:ext uri="{FF2B5EF4-FFF2-40B4-BE49-F238E27FC236}">
+                <a16:creationId xmlns:a16="http://schemas.microsoft.com/office/drawing/2014/main" id="{7D511E21-524F-E14C-BC05-CEBA0454C28C}"/>
+              </a:ext>
+            </a:extLst>
+          </p:cNvPr>
+          <p:cNvSpPr/>
+          <p:nvPr/>
+        </p:nvSpPr>
+        <p:spPr>
+          <a:xfrm>
+            <a:off x="5076113" y="10962554"/>
+            <a:ext cx="855302" cy="568443"/>
+          </a:xfrm>
+          <a:prstGeom prst="roundRect">
+            <a:avLst/>
+          </a:prstGeom>
+          <a:solidFill>
+            <a:schemeClr val="accent6"/>
+          </a:solidFill>
+          <a:ln>
+            <a:noFill/>
+          </a:ln>
+        </p:spPr>
+        <p:style>
+          <a:lnRef idx="2">
+            <a:schemeClr val="accent1">
+              <a:shade val="50000"/>
+            </a:schemeClr>
+          </a:lnRef>
+          <a:fillRef idx="1">
+            <a:schemeClr val="accent1"/>
+          </a:fillRef>
+          <a:effectRef idx="0">
+            <a:schemeClr val="accent1"/>
+          </a:effectRef>
+          <a:fontRef idx="minor">
+            <a:schemeClr val="lt1"/>
+          </a:fontRef>
+        </p:style>
+        <p:txBody>
+          <a:bodyPr rot="0" spcFirstLastPara="0" vertOverflow="overflow" horzOverflow="overflow" vert="horz" wrap="square" lIns="91440" tIns="45720" rIns="91440" bIns="45720" numCol="1" spcCol="0" rtlCol="0" fromWordArt="0" anchor="ctr" anchorCtr="0" forceAA="0" compatLnSpc="1">
+            <a:prstTxWarp prst="textNoShape">
+              <a:avLst/>
+            </a:prstTxWarp>
+            <a:noAutofit/>
+          </a:bodyPr>
+          <a:lstStyle/>
+          <a:p>
+            <a:pPr algn="ctr"/>
+            <a:r>
+              <a:rPr lang="en-US" sz="1600" dirty="0">
+                <a:solidFill>
+                  <a:schemeClr val="bg1"/>
+                </a:solidFill>
+                <a:latin typeface="DejaVu Sans Book" panose="020B0603030804020204" pitchFamily="34" charset="0"/>
+                <a:ea typeface="DejaVu Sans Book" panose="020B0603030804020204" pitchFamily="34" charset="0"/>
+                <a:cs typeface="DejaVu Sans Book" panose="020B0603030804020204" pitchFamily="34" charset="0"/>
+              </a:rPr>
+              <a:t>P</a:t>
+            </a:r>
+            <a:r>
+              <a:rPr lang="en-US" sz="1600" baseline="-25000" dirty="0">
+                <a:solidFill>
+                  <a:schemeClr val="bg1"/>
+                </a:solidFill>
+                <a:latin typeface="DejaVu Sans Book" panose="020B0603030804020204" pitchFamily="34" charset="0"/>
+                <a:ea typeface="DejaVu Sans Book" panose="020B0603030804020204" pitchFamily="34" charset="0"/>
+                <a:cs typeface="DejaVu Sans Book" panose="020B0603030804020204" pitchFamily="34" charset="0"/>
+              </a:rPr>
+              <a:t>B</a:t>
+            </a:r>
+            <a:br>
+              <a:rPr lang="en-US" sz="1600" dirty="0">
+                <a:solidFill>
+                  <a:schemeClr val="bg1"/>
+                </a:solidFill>
+                <a:latin typeface="DejaVu Sans Book" panose="020B0603030804020204" pitchFamily="34" charset="0"/>
+                <a:ea typeface="DejaVu Sans Book" panose="020B0603030804020204" pitchFamily="34" charset="0"/>
+                <a:cs typeface="DejaVu Sans Book" panose="020B0603030804020204" pitchFamily="34" charset="0"/>
+              </a:rPr>
+            </a:br>
+            <a:r>
+              <a:rPr lang="en-US" sz="1600" dirty="0">
+                <a:solidFill>
+                  <a:schemeClr val="bg1"/>
+                </a:solidFill>
+                <a:latin typeface="DejaVu Sans Book" panose="020B0603030804020204" pitchFamily="34" charset="0"/>
+                <a:ea typeface="DejaVu Sans Book" panose="020B0603030804020204" pitchFamily="34" charset="0"/>
+                <a:cs typeface="DejaVu Sans Book" panose="020B0603030804020204" pitchFamily="34" charset="0"/>
+              </a:rPr>
+              <a:t>[4-7]</a:t>
+            </a:r>
+          </a:p>
+        </p:txBody>
+      </p:sp>
+      <p:sp>
+        <p:nvSpPr>
+          <p:cNvPr id="59" name="Rounded Rectangle 58">
+            <a:extLst>
+              <a:ext uri="{FF2B5EF4-FFF2-40B4-BE49-F238E27FC236}">
+                <a16:creationId xmlns:a16="http://schemas.microsoft.com/office/drawing/2014/main" id="{D86B057F-3E19-C640-BB58-8364623B40A5}"/>
+              </a:ext>
+            </a:extLst>
+          </p:cNvPr>
+          <p:cNvSpPr/>
+          <p:nvPr/>
+        </p:nvSpPr>
+        <p:spPr>
+          <a:xfrm>
+            <a:off x="3900674" y="10238158"/>
+            <a:ext cx="638842" cy="429368"/>
+          </a:xfrm>
+          <a:prstGeom prst="roundRect">
+            <a:avLst/>
+          </a:prstGeom>
+          <a:solidFill>
+            <a:schemeClr val="accent5"/>
+          </a:solidFill>
+          <a:ln>
+            <a:noFill/>
+          </a:ln>
+        </p:spPr>
+        <p:style>
+          <a:lnRef idx="2">
+            <a:schemeClr val="accent1">
+              <a:shade val="50000"/>
+            </a:schemeClr>
+          </a:lnRef>
+          <a:fillRef idx="1">
+            <a:schemeClr val="accent1"/>
+          </a:fillRef>
+          <a:effectRef idx="0">
+            <a:schemeClr val="accent1"/>
+          </a:effectRef>
+          <a:fontRef idx="minor">
+            <a:schemeClr val="lt1"/>
+          </a:fontRef>
+        </p:style>
+        <p:txBody>
+          <a:bodyPr rot="0" spcFirstLastPara="0" vertOverflow="overflow" horzOverflow="overflow" vert="horz" wrap="square" lIns="91440" tIns="45720" rIns="91440" bIns="45720" numCol="1" spcCol="0" rtlCol="0" fromWordArt="0" anchor="ctr" anchorCtr="0" forceAA="0" compatLnSpc="1">
+            <a:prstTxWarp prst="textNoShape">
+              <a:avLst/>
+            </a:prstTxWarp>
+            <a:noAutofit/>
+          </a:bodyPr>
+          <a:lstStyle/>
+          <a:p>
+            <a:pPr algn="ctr"/>
+            <a:r>
+              <a:rPr lang="en-US" sz="1600" dirty="0">
+                <a:solidFill>
+                  <a:schemeClr val="bg1"/>
+                </a:solidFill>
+                <a:latin typeface="DejaVu Sans Book" panose="020B0603030804020204" pitchFamily="34" charset="0"/>
+                <a:ea typeface="DejaVu Sans Book" panose="020B0603030804020204" pitchFamily="34" charset="0"/>
+                <a:cs typeface="DejaVu Sans Book" panose="020B0603030804020204" pitchFamily="34" charset="0"/>
+              </a:rPr>
+              <a:t>M</a:t>
+            </a:r>
+            <a:r>
+              <a:rPr lang="en-US" sz="1600" baseline="-25000" dirty="0">
+                <a:solidFill>
+                  <a:schemeClr val="bg1"/>
+                </a:solidFill>
+                <a:latin typeface="DejaVu Sans Book" panose="020B0603030804020204" pitchFamily="34" charset="0"/>
+                <a:ea typeface="DejaVu Sans Book" panose="020B0603030804020204" pitchFamily="34" charset="0"/>
+                <a:cs typeface="DejaVu Sans Book" panose="020B0603030804020204" pitchFamily="34" charset="0"/>
+              </a:rPr>
+              <a:t>0</a:t>
+            </a:r>
+          </a:p>
+        </p:txBody>
+      </p:sp>
+      <p:sp>
+        <p:nvSpPr>
+          <p:cNvPr id="60" name="Rounded Rectangle 59">
+            <a:extLst>
+              <a:ext uri="{FF2B5EF4-FFF2-40B4-BE49-F238E27FC236}">
+                <a16:creationId xmlns:a16="http://schemas.microsoft.com/office/drawing/2014/main" id="{F5526387-1F81-DC48-86BC-AF536C07DBE0}"/>
+              </a:ext>
+            </a:extLst>
+          </p:cNvPr>
+          <p:cNvSpPr/>
+          <p:nvPr/>
+        </p:nvSpPr>
+        <p:spPr>
+          <a:xfrm>
+            <a:off x="5184343" y="10227881"/>
+            <a:ext cx="638842" cy="429368"/>
+          </a:xfrm>
+          <a:prstGeom prst="roundRect">
+            <a:avLst/>
+          </a:prstGeom>
+          <a:solidFill>
+            <a:schemeClr val="accent5"/>
+          </a:solidFill>
+          <a:ln>
+            <a:noFill/>
+          </a:ln>
+        </p:spPr>
+        <p:style>
+          <a:lnRef idx="2">
+            <a:schemeClr val="accent1">
+              <a:shade val="50000"/>
+            </a:schemeClr>
+          </a:lnRef>
+          <a:fillRef idx="1">
+            <a:schemeClr val="accent1"/>
+          </a:fillRef>
+          <a:effectRef idx="0">
+            <a:schemeClr val="accent1"/>
+          </a:effectRef>
+          <a:fontRef idx="minor">
+            <a:schemeClr val="lt1"/>
+          </a:fontRef>
+        </p:style>
+        <p:txBody>
+          <a:bodyPr rot="0" spcFirstLastPara="0" vertOverflow="overflow" horzOverflow="overflow" vert="horz" wrap="square" lIns="91440" tIns="45720" rIns="91440" bIns="45720" numCol="1" spcCol="0" rtlCol="0" fromWordArt="0" anchor="ctr" anchorCtr="0" forceAA="0" compatLnSpc="1">
+            <a:prstTxWarp prst="textNoShape">
+              <a:avLst/>
+            </a:prstTxWarp>
+            <a:noAutofit/>
+          </a:bodyPr>
+          <a:lstStyle/>
+          <a:p>
+            <a:pPr algn="ctr"/>
+            <a:r>
+              <a:rPr lang="en-US" sz="1600" dirty="0">
+                <a:solidFill>
+                  <a:schemeClr val="bg1"/>
+                </a:solidFill>
+                <a:latin typeface="DejaVu Sans Book" panose="020B0603030804020204" pitchFamily="34" charset="0"/>
+                <a:ea typeface="DejaVu Sans Book" panose="020B0603030804020204" pitchFamily="34" charset="0"/>
+                <a:cs typeface="DejaVu Sans Book" panose="020B0603030804020204" pitchFamily="34" charset="0"/>
+              </a:rPr>
+              <a:t>M</a:t>
+            </a:r>
+            <a:r>
+              <a:rPr lang="en-US" sz="1600" baseline="-25000" dirty="0">
+                <a:solidFill>
+                  <a:schemeClr val="bg1"/>
+                </a:solidFill>
+                <a:latin typeface="DejaVu Sans Book" panose="020B0603030804020204" pitchFamily="34" charset="0"/>
+                <a:ea typeface="DejaVu Sans Book" panose="020B0603030804020204" pitchFamily="34" charset="0"/>
+                <a:cs typeface="DejaVu Sans Book" panose="020B0603030804020204" pitchFamily="34" charset="0"/>
+              </a:rPr>
+              <a:t>1</a:t>
+            </a:r>
+          </a:p>
+        </p:txBody>
+      </p:sp>
+      <p:cxnSp>
+        <p:nvCxnSpPr>
+          <p:cNvPr id="84" name="Straight Arrow Connector 83">
+            <a:extLst>
+              <a:ext uri="{FF2B5EF4-FFF2-40B4-BE49-F238E27FC236}">
+                <a16:creationId xmlns:a16="http://schemas.microsoft.com/office/drawing/2014/main" id="{4F672F98-26E9-DA48-B375-D275F600824C}"/>
+              </a:ext>
+            </a:extLst>
+          </p:cNvPr>
+          <p:cNvCxnSpPr>
+            <a:cxnSpLocks/>
+            <a:stCxn id="59" idx="2"/>
+            <a:endCxn id="55" idx="0"/>
+          </p:cNvCxnSpPr>
+          <p:nvPr/>
+        </p:nvCxnSpPr>
+        <p:spPr>
+          <a:xfrm>
+            <a:off x="4220095" y="10667526"/>
+            <a:ext cx="1" cy="295028"/>
+          </a:xfrm>
+          <a:prstGeom prst="straightConnector1">
+            <a:avLst/>
+          </a:prstGeom>
+          <a:ln w="25400">
+            <a:solidFill>
+              <a:schemeClr val="tx1">
+                <a:lumMod val="65000"/>
+                <a:lumOff val="35000"/>
+              </a:schemeClr>
+            </a:solidFill>
+            <a:headEnd type="none" w="med" len="med"/>
+            <a:tailEnd type="arrow" w="med" len="med"/>
+          </a:ln>
+        </p:spPr>
+        <p:style>
+          <a:lnRef idx="3">
+            <a:schemeClr val="accent1"/>
+          </a:lnRef>
+          <a:fillRef idx="0">
+            <a:schemeClr val="accent1"/>
+          </a:fillRef>
+          <a:effectRef idx="2">
+            <a:schemeClr val="accent1"/>
+          </a:effectRef>
+          <a:fontRef idx="minor">
+            <a:schemeClr val="tx1"/>
+          </a:fontRef>
+        </p:style>
+      </p:cxnSp>
+      <p:cxnSp>
+        <p:nvCxnSpPr>
+          <p:cNvPr id="87" name="Straight Arrow Connector 86">
+            <a:extLst>
+              <a:ext uri="{FF2B5EF4-FFF2-40B4-BE49-F238E27FC236}">
+                <a16:creationId xmlns:a16="http://schemas.microsoft.com/office/drawing/2014/main" id="{FFFCCF70-1A89-A54B-AFEF-CD37B6A7DBEC}"/>
+              </a:ext>
+            </a:extLst>
+          </p:cNvPr>
+          <p:cNvCxnSpPr>
+            <a:cxnSpLocks/>
+            <a:stCxn id="60" idx="2"/>
+            <a:endCxn id="56" idx="0"/>
+          </p:cNvCxnSpPr>
+          <p:nvPr/>
+        </p:nvCxnSpPr>
+        <p:spPr>
+          <a:xfrm>
+            <a:off x="5503764" y="10657249"/>
+            <a:ext cx="0" cy="305305"/>
+          </a:xfrm>
+          <a:prstGeom prst="straightConnector1">
+            <a:avLst/>
+          </a:prstGeom>
+          <a:ln w="25400">
+            <a:solidFill>
+              <a:schemeClr val="tx1">
+                <a:lumMod val="65000"/>
+                <a:lumOff val="35000"/>
+              </a:schemeClr>
+            </a:solidFill>
+            <a:headEnd type="none" w="med" len="med"/>
+            <a:tailEnd type="arrow" w="med" len="med"/>
+          </a:ln>
+        </p:spPr>
+        <p:style>
+          <a:lnRef idx="3">
+            <a:schemeClr val="accent1"/>
+          </a:lnRef>
+          <a:fillRef idx="0">
+            <a:schemeClr val="accent1"/>
+          </a:fillRef>
+          <a:effectRef idx="2">
+            <a:schemeClr val="accent1"/>
+          </a:effectRef>
+          <a:fontRef idx="minor">
+            <a:schemeClr val="tx1"/>
+          </a:fontRef>
+        </p:style>
+      </p:cxnSp>
+      <p:sp>
+        <p:nvSpPr>
+          <p:cNvPr id="102" name="Rounded Rectangle 101">
+            <a:extLst>
+              <a:ext uri="{FF2B5EF4-FFF2-40B4-BE49-F238E27FC236}">
+                <a16:creationId xmlns:a16="http://schemas.microsoft.com/office/drawing/2014/main" id="{86010340-8821-E044-8B56-5EDB76F51DE2}"/>
+              </a:ext>
+            </a:extLst>
+          </p:cNvPr>
+          <p:cNvSpPr/>
+          <p:nvPr/>
+        </p:nvSpPr>
+        <p:spPr>
+          <a:xfrm>
+            <a:off x="3900674" y="9425930"/>
+            <a:ext cx="638842" cy="429368"/>
+          </a:xfrm>
+          <a:prstGeom prst="roundRect">
+            <a:avLst/>
+          </a:prstGeom>
+          <a:solidFill>
+            <a:schemeClr val="accent5"/>
+          </a:solidFill>
+          <a:ln>
+            <a:noFill/>
+          </a:ln>
+        </p:spPr>
+        <p:style>
+          <a:lnRef idx="2">
+            <a:schemeClr val="accent1">
+              <a:shade val="50000"/>
+            </a:schemeClr>
+          </a:lnRef>
+          <a:fillRef idx="1">
+            <a:schemeClr val="accent1"/>
+          </a:fillRef>
+          <a:effectRef idx="0">
+            <a:schemeClr val="accent1"/>
+          </a:effectRef>
+          <a:fontRef idx="minor">
+            <a:schemeClr val="lt1"/>
+          </a:fontRef>
+        </p:style>
+        <p:txBody>
+          <a:bodyPr rot="0" spcFirstLastPara="0" vertOverflow="overflow" horzOverflow="overflow" vert="horz" wrap="square" lIns="91440" tIns="45720" rIns="91440" bIns="45720" numCol="1" spcCol="0" rtlCol="0" fromWordArt="0" anchor="ctr" anchorCtr="0" forceAA="0" compatLnSpc="1">
+            <a:prstTxWarp prst="textNoShape">
+              <a:avLst/>
+            </a:prstTxWarp>
+            <a:noAutofit/>
+          </a:bodyPr>
+          <a:lstStyle/>
+          <a:p>
+            <a:pPr algn="ctr"/>
+            <a:r>
+              <a:rPr lang="en-US" sz="1600" dirty="0">
+                <a:solidFill>
+                  <a:schemeClr val="bg1"/>
+                </a:solidFill>
+                <a:latin typeface="DejaVu Sans Book" panose="020B0603030804020204" pitchFamily="34" charset="0"/>
+                <a:ea typeface="DejaVu Sans Book" panose="020B0603030804020204" pitchFamily="34" charset="0"/>
+                <a:cs typeface="DejaVu Sans Book" panose="020B0603030804020204" pitchFamily="34" charset="0"/>
+              </a:rPr>
+              <a:t>A</a:t>
+            </a:r>
+            <a:r>
+              <a:rPr lang="en-US" sz="1600" baseline="-25000" dirty="0">
+                <a:solidFill>
+                  <a:schemeClr val="bg1"/>
+                </a:solidFill>
+                <a:latin typeface="DejaVu Sans Book" panose="020B0603030804020204" pitchFamily="34" charset="0"/>
+                <a:ea typeface="DejaVu Sans Book" panose="020B0603030804020204" pitchFamily="34" charset="0"/>
+                <a:cs typeface="DejaVu Sans Book" panose="020B0603030804020204" pitchFamily="34" charset="0"/>
+              </a:rPr>
+              <a:t>0</a:t>
+            </a:r>
+          </a:p>
+        </p:txBody>
+      </p:sp>
+      <p:sp>
+        <p:nvSpPr>
+          <p:cNvPr id="103" name="Rounded Rectangle 102">
+            <a:extLst>
+              <a:ext uri="{FF2B5EF4-FFF2-40B4-BE49-F238E27FC236}">
+                <a16:creationId xmlns:a16="http://schemas.microsoft.com/office/drawing/2014/main" id="{5CD127E2-8A5B-7B4E-AD28-6740143EC7FC}"/>
+              </a:ext>
+            </a:extLst>
+          </p:cNvPr>
+          <p:cNvSpPr/>
+          <p:nvPr/>
+        </p:nvSpPr>
+        <p:spPr>
+          <a:xfrm>
+            <a:off x="5184343" y="9415653"/>
+            <a:ext cx="638842" cy="429368"/>
+          </a:xfrm>
+          <a:prstGeom prst="roundRect">
+            <a:avLst/>
+          </a:prstGeom>
+          <a:solidFill>
+            <a:schemeClr val="accent5"/>
+          </a:solidFill>
+          <a:ln>
+            <a:noFill/>
+          </a:ln>
+        </p:spPr>
+        <p:style>
+          <a:lnRef idx="2">
+            <a:schemeClr val="accent1">
+              <a:shade val="50000"/>
+            </a:schemeClr>
+          </a:lnRef>
+          <a:fillRef idx="1">
+            <a:schemeClr val="accent1"/>
+          </a:fillRef>
+          <a:effectRef idx="0">
+            <a:schemeClr val="accent1"/>
+          </a:effectRef>
+          <a:fontRef idx="minor">
+            <a:schemeClr val="lt1"/>
+          </a:fontRef>
+        </p:style>
+        <p:txBody>
+          <a:bodyPr rot="0" spcFirstLastPara="0" vertOverflow="overflow" horzOverflow="overflow" vert="horz" wrap="square" lIns="91440" tIns="45720" rIns="91440" bIns="45720" numCol="1" spcCol="0" rtlCol="0" fromWordArt="0" anchor="ctr" anchorCtr="0" forceAA="0" compatLnSpc="1">
+            <a:prstTxWarp prst="textNoShape">
+              <a:avLst/>
+            </a:prstTxWarp>
+            <a:noAutofit/>
+          </a:bodyPr>
+          <a:lstStyle/>
+          <a:p>
+            <a:pPr algn="ctr"/>
+            <a:r>
+              <a:rPr lang="en-US" sz="1600" dirty="0">
+                <a:solidFill>
+                  <a:schemeClr val="bg1"/>
+                </a:solidFill>
+                <a:latin typeface="DejaVu Sans Book" panose="020B0603030804020204" pitchFamily="34" charset="0"/>
+                <a:ea typeface="DejaVu Sans Book" panose="020B0603030804020204" pitchFamily="34" charset="0"/>
+                <a:cs typeface="DejaVu Sans Book" panose="020B0603030804020204" pitchFamily="34" charset="0"/>
+              </a:rPr>
+              <a:t>A</a:t>
+            </a:r>
+            <a:r>
+              <a:rPr lang="en-US" sz="1600" baseline="-25000" dirty="0">
+                <a:solidFill>
+                  <a:schemeClr val="bg1"/>
+                </a:solidFill>
+                <a:latin typeface="DejaVu Sans Book" panose="020B0603030804020204" pitchFamily="34" charset="0"/>
+                <a:ea typeface="DejaVu Sans Book" panose="020B0603030804020204" pitchFamily="34" charset="0"/>
+                <a:cs typeface="DejaVu Sans Book" panose="020B0603030804020204" pitchFamily="34" charset="0"/>
+              </a:rPr>
+              <a:t>1</a:t>
+            </a:r>
+          </a:p>
+        </p:txBody>
+      </p:sp>
+      <p:sp>
+        <p:nvSpPr>
+          <p:cNvPr id="110" name="Rounded Rectangle 109">
+            <a:extLst>
+              <a:ext uri="{FF2B5EF4-FFF2-40B4-BE49-F238E27FC236}">
+                <a16:creationId xmlns:a16="http://schemas.microsoft.com/office/drawing/2014/main" id="{6E188C53-7217-154D-958B-C9B0722A4D6C}"/>
+              </a:ext>
+            </a:extLst>
+          </p:cNvPr>
+          <p:cNvSpPr/>
+          <p:nvPr/>
+        </p:nvSpPr>
+        <p:spPr>
+          <a:xfrm>
+            <a:off x="3906664" y="11850495"/>
+            <a:ext cx="638842" cy="429368"/>
+          </a:xfrm>
+          <a:prstGeom prst="roundRect">
+            <a:avLst/>
+          </a:prstGeom>
+          <a:solidFill>
+            <a:schemeClr val="accent5"/>
+          </a:solidFill>
+          <a:ln>
+            <a:noFill/>
+          </a:ln>
+        </p:spPr>
+        <p:style>
+          <a:lnRef idx="2">
+            <a:schemeClr val="accent1">
+              <a:shade val="50000"/>
+            </a:schemeClr>
+          </a:lnRef>
+          <a:fillRef idx="1">
+            <a:schemeClr val="accent1"/>
+          </a:fillRef>
+          <a:effectRef idx="0">
+            <a:schemeClr val="accent1"/>
+          </a:effectRef>
+          <a:fontRef idx="minor">
+            <a:schemeClr val="lt1"/>
+          </a:fontRef>
+        </p:style>
+        <p:txBody>
+          <a:bodyPr rot="0" spcFirstLastPara="0" vertOverflow="overflow" horzOverflow="overflow" vert="horz" wrap="square" lIns="91440" tIns="45720" rIns="91440" bIns="45720" numCol="1" spcCol="0" rtlCol="0" fromWordArt="0" anchor="ctr" anchorCtr="0" forceAA="0" compatLnSpc="1">
+            <a:prstTxWarp prst="textNoShape">
+              <a:avLst/>
+            </a:prstTxWarp>
+            <a:noAutofit/>
+          </a:bodyPr>
+          <a:lstStyle/>
+          <a:p>
+            <a:pPr algn="ctr"/>
+            <a:r>
+              <a:rPr lang="en-US" sz="1600" dirty="0">
+                <a:solidFill>
+                  <a:schemeClr val="bg1"/>
+                </a:solidFill>
+                <a:latin typeface="DejaVu Sans Book" panose="020B0603030804020204" pitchFamily="34" charset="0"/>
+                <a:ea typeface="DejaVu Sans Book" panose="020B0603030804020204" pitchFamily="34" charset="0"/>
+                <a:cs typeface="DejaVu Sans Book" panose="020B0603030804020204" pitchFamily="34" charset="0"/>
+              </a:rPr>
+              <a:t>R</a:t>
+            </a:r>
+            <a:r>
+              <a:rPr lang="en-US" sz="1600" baseline="-25000" dirty="0">
+                <a:solidFill>
+                  <a:schemeClr val="bg1"/>
+                </a:solidFill>
+                <a:latin typeface="DejaVu Sans Book" panose="020B0603030804020204" pitchFamily="34" charset="0"/>
+                <a:ea typeface="DejaVu Sans Book" panose="020B0603030804020204" pitchFamily="34" charset="0"/>
+                <a:cs typeface="DejaVu Sans Book" panose="020B0603030804020204" pitchFamily="34" charset="0"/>
+              </a:rPr>
+              <a:t>0</a:t>
+            </a:r>
+          </a:p>
+        </p:txBody>
+      </p:sp>
+      <p:sp>
+        <p:nvSpPr>
+          <p:cNvPr id="111" name="Rounded Rectangle 110">
+            <a:extLst>
+              <a:ext uri="{FF2B5EF4-FFF2-40B4-BE49-F238E27FC236}">
+                <a16:creationId xmlns:a16="http://schemas.microsoft.com/office/drawing/2014/main" id="{A4E7490C-CCFC-FD4F-9AD3-85E12CC0086D}"/>
+              </a:ext>
+            </a:extLst>
+          </p:cNvPr>
+          <p:cNvSpPr/>
+          <p:nvPr/>
+        </p:nvSpPr>
+        <p:spPr>
+          <a:xfrm>
+            <a:off x="5190333" y="11840218"/>
+            <a:ext cx="638842" cy="429368"/>
+          </a:xfrm>
+          <a:prstGeom prst="roundRect">
+            <a:avLst/>
+          </a:prstGeom>
+          <a:solidFill>
+            <a:schemeClr val="accent5"/>
+          </a:solidFill>
+          <a:ln>
+            <a:noFill/>
+          </a:ln>
+        </p:spPr>
+        <p:style>
+          <a:lnRef idx="2">
+            <a:schemeClr val="accent1">
+              <a:shade val="50000"/>
+            </a:schemeClr>
+          </a:lnRef>
+          <a:fillRef idx="1">
+            <a:schemeClr val="accent1"/>
+          </a:fillRef>
+          <a:effectRef idx="0">
+            <a:schemeClr val="accent1"/>
+          </a:effectRef>
+          <a:fontRef idx="minor">
+            <a:schemeClr val="lt1"/>
+          </a:fontRef>
+        </p:style>
+        <p:txBody>
+          <a:bodyPr rot="0" spcFirstLastPara="0" vertOverflow="overflow" horzOverflow="overflow" vert="horz" wrap="square" lIns="91440" tIns="45720" rIns="91440" bIns="45720" numCol="1" spcCol="0" rtlCol="0" fromWordArt="0" anchor="ctr" anchorCtr="0" forceAA="0" compatLnSpc="1">
+            <a:prstTxWarp prst="textNoShape">
+              <a:avLst/>
+            </a:prstTxWarp>
+            <a:noAutofit/>
+          </a:bodyPr>
+          <a:lstStyle/>
+          <a:p>
+            <a:pPr algn="ctr"/>
+            <a:r>
+              <a:rPr lang="en-US" sz="1600" dirty="0">
+                <a:solidFill>
+                  <a:schemeClr val="bg1"/>
+                </a:solidFill>
+                <a:latin typeface="DejaVu Sans Book" panose="020B0603030804020204" pitchFamily="34" charset="0"/>
+                <a:ea typeface="DejaVu Sans Book" panose="020B0603030804020204" pitchFamily="34" charset="0"/>
+                <a:cs typeface="DejaVu Sans Book" panose="020B0603030804020204" pitchFamily="34" charset="0"/>
+              </a:rPr>
+              <a:t>R</a:t>
+            </a:r>
+            <a:r>
+              <a:rPr lang="en-US" sz="1600" baseline="-25000" dirty="0">
+                <a:solidFill>
+                  <a:schemeClr val="bg1"/>
+                </a:solidFill>
+                <a:latin typeface="DejaVu Sans Book" panose="020B0603030804020204" pitchFamily="34" charset="0"/>
+                <a:ea typeface="DejaVu Sans Book" panose="020B0603030804020204" pitchFamily="34" charset="0"/>
+                <a:cs typeface="DejaVu Sans Book" panose="020B0603030804020204" pitchFamily="34" charset="0"/>
+              </a:rPr>
+              <a:t>1</a:t>
+            </a:r>
+          </a:p>
+        </p:txBody>
+      </p:sp>
+      <p:cxnSp>
+        <p:nvCxnSpPr>
+          <p:cNvPr id="105" name="Straight Arrow Connector 104">
+            <a:extLst>
+              <a:ext uri="{FF2B5EF4-FFF2-40B4-BE49-F238E27FC236}">
+                <a16:creationId xmlns:a16="http://schemas.microsoft.com/office/drawing/2014/main" id="{60360695-FC3C-8D4B-95F4-2A54A854560E}"/>
+              </a:ext>
+            </a:extLst>
+          </p:cNvPr>
+          <p:cNvCxnSpPr>
+            <a:cxnSpLocks/>
+          </p:cNvCxnSpPr>
+          <p:nvPr/>
+        </p:nvCxnSpPr>
+        <p:spPr>
+          <a:xfrm>
+            <a:off x="4075715" y="9854228"/>
+            <a:ext cx="0" cy="385000"/>
+          </a:xfrm>
+          <a:prstGeom prst="straightConnector1">
+            <a:avLst/>
+          </a:prstGeom>
+          <a:ln w="25400">
+            <a:solidFill>
+              <a:schemeClr val="accent2"/>
+            </a:solidFill>
+            <a:headEnd type="none" w="med" len="med"/>
+            <a:tailEnd type="arrow" w="med" len="med"/>
+          </a:ln>
+        </p:spPr>
+        <p:style>
+          <a:lnRef idx="3">
+            <a:schemeClr val="accent1"/>
+          </a:lnRef>
+          <a:fillRef idx="0">
+            <a:schemeClr val="accent1"/>
+          </a:fillRef>
+          <a:effectRef idx="2">
+            <a:schemeClr val="accent1"/>
+          </a:effectRef>
+          <a:fontRef idx="minor">
+            <a:schemeClr val="tx1"/>
+          </a:fontRef>
+        </p:style>
+      </p:cxnSp>
+      <p:cxnSp>
+        <p:nvCxnSpPr>
+          <p:cNvPr id="106" name="Straight Arrow Connector 105">
+            <a:extLst>
+              <a:ext uri="{FF2B5EF4-FFF2-40B4-BE49-F238E27FC236}">
+                <a16:creationId xmlns:a16="http://schemas.microsoft.com/office/drawing/2014/main" id="{34A7A858-BBB6-1E45-A72B-0A5F409DAD18}"/>
+              </a:ext>
+            </a:extLst>
+          </p:cNvPr>
+          <p:cNvCxnSpPr>
+            <a:cxnSpLocks/>
+          </p:cNvCxnSpPr>
+          <p:nvPr/>
+        </p:nvCxnSpPr>
+        <p:spPr>
+          <a:xfrm>
+            <a:off x="5359384" y="9843951"/>
+            <a:ext cx="0" cy="385000"/>
+          </a:xfrm>
+          <a:prstGeom prst="straightConnector1">
+            <a:avLst/>
+          </a:prstGeom>
+          <a:ln w="25400">
+            <a:solidFill>
+              <a:schemeClr val="accent2"/>
+            </a:solidFill>
+            <a:headEnd type="none" w="med" len="med"/>
+            <a:tailEnd type="arrow" w="med" len="med"/>
+          </a:ln>
+        </p:spPr>
+        <p:style>
+          <a:lnRef idx="3">
+            <a:schemeClr val="accent1"/>
+          </a:lnRef>
+          <a:fillRef idx="0">
+            <a:schemeClr val="accent1"/>
+          </a:fillRef>
+          <a:effectRef idx="2">
+            <a:schemeClr val="accent1"/>
+          </a:effectRef>
+          <a:fontRef idx="minor">
+            <a:schemeClr val="tx1"/>
+          </a:fontRef>
+        </p:style>
+      </p:cxnSp>
+      <p:cxnSp>
+        <p:nvCxnSpPr>
+          <p:cNvPr id="114" name="Straight Arrow Connector 113">
+            <a:extLst>
+              <a:ext uri="{FF2B5EF4-FFF2-40B4-BE49-F238E27FC236}">
+                <a16:creationId xmlns:a16="http://schemas.microsoft.com/office/drawing/2014/main" id="{3A0149FC-CE8A-284C-81E8-C9EB83437322}"/>
+              </a:ext>
+            </a:extLst>
+          </p:cNvPr>
+          <p:cNvCxnSpPr>
+            <a:cxnSpLocks/>
+          </p:cNvCxnSpPr>
+          <p:nvPr/>
+        </p:nvCxnSpPr>
+        <p:spPr>
+          <a:xfrm>
+            <a:off x="4075715" y="9853761"/>
+            <a:ext cx="1283669" cy="375657"/>
+          </a:xfrm>
+          <a:prstGeom prst="straightConnector1">
+            <a:avLst/>
+          </a:prstGeom>
+          <a:ln w="25400">
+            <a:solidFill>
+              <a:schemeClr val="accent2"/>
+            </a:solidFill>
+            <a:headEnd type="none" w="med" len="med"/>
+            <a:tailEnd type="arrow" w="med" len="med"/>
+          </a:ln>
+        </p:spPr>
+        <p:style>
+          <a:lnRef idx="3">
+            <a:schemeClr val="accent1"/>
+          </a:lnRef>
+          <a:fillRef idx="0">
+            <a:schemeClr val="accent1"/>
+          </a:fillRef>
+          <a:effectRef idx="2">
+            <a:schemeClr val="accent1"/>
+          </a:effectRef>
+          <a:fontRef idx="minor">
+            <a:schemeClr val="tx1"/>
+          </a:fontRef>
+        </p:style>
+      </p:cxnSp>
+      <p:cxnSp>
+        <p:nvCxnSpPr>
+          <p:cNvPr id="123" name="Straight Arrow Connector 122">
+            <a:extLst>
+              <a:ext uri="{FF2B5EF4-FFF2-40B4-BE49-F238E27FC236}">
+                <a16:creationId xmlns:a16="http://schemas.microsoft.com/office/drawing/2014/main" id="{B80CA915-8693-1345-8BAA-2A5F4E3FC02A}"/>
+              </a:ext>
+            </a:extLst>
+          </p:cNvPr>
+          <p:cNvCxnSpPr>
+            <a:cxnSpLocks/>
+          </p:cNvCxnSpPr>
+          <p:nvPr/>
+        </p:nvCxnSpPr>
+        <p:spPr>
+          <a:xfrm flipH="1">
+            <a:off x="4075715" y="9844418"/>
+            <a:ext cx="1283669" cy="394343"/>
+          </a:xfrm>
+          <a:prstGeom prst="straightConnector1">
+            <a:avLst/>
+          </a:prstGeom>
+          <a:ln w="25400">
+            <a:solidFill>
+              <a:schemeClr val="accent2"/>
+            </a:solidFill>
+            <a:headEnd type="none" w="med" len="med"/>
+            <a:tailEnd type="arrow" w="med" len="med"/>
+          </a:ln>
+        </p:spPr>
+        <p:style>
+          <a:lnRef idx="3">
+            <a:schemeClr val="accent1"/>
+          </a:lnRef>
+          <a:fillRef idx="0">
+            <a:schemeClr val="accent1"/>
+          </a:fillRef>
+          <a:effectRef idx="2">
+            <a:schemeClr val="accent1"/>
+          </a:effectRef>
+          <a:fontRef idx="minor">
+            <a:schemeClr val="tx1"/>
+          </a:fontRef>
+        </p:style>
+      </p:cxnSp>
+      <p:cxnSp>
+        <p:nvCxnSpPr>
+          <p:cNvPr id="165" name="Straight Arrow Connector 164">
+            <a:extLst>
+              <a:ext uri="{FF2B5EF4-FFF2-40B4-BE49-F238E27FC236}">
+                <a16:creationId xmlns:a16="http://schemas.microsoft.com/office/drawing/2014/main" id="{72EC4207-790A-974E-9D40-710803A597D1}"/>
+              </a:ext>
+            </a:extLst>
+          </p:cNvPr>
+          <p:cNvCxnSpPr>
+            <a:cxnSpLocks/>
+            <a:stCxn id="55" idx="2"/>
+            <a:endCxn id="110" idx="0"/>
+          </p:cNvCxnSpPr>
+          <p:nvPr/>
+        </p:nvCxnSpPr>
+        <p:spPr>
+          <a:xfrm>
+            <a:off x="4220096" y="11530997"/>
+            <a:ext cx="5989" cy="319498"/>
+          </a:xfrm>
+          <a:prstGeom prst="straightConnector1">
+            <a:avLst/>
+          </a:prstGeom>
+          <a:ln w="25400">
+            <a:solidFill>
+              <a:schemeClr val="tx1">
+                <a:lumMod val="65000"/>
+                <a:lumOff val="35000"/>
+              </a:schemeClr>
+            </a:solidFill>
+            <a:headEnd type="none" w="med" len="med"/>
+            <a:tailEnd type="arrow" w="med" len="med"/>
+          </a:ln>
+        </p:spPr>
+        <p:style>
+          <a:lnRef idx="3">
+            <a:schemeClr val="accent1"/>
+          </a:lnRef>
+          <a:fillRef idx="0">
+            <a:schemeClr val="accent1"/>
+          </a:fillRef>
+          <a:effectRef idx="2">
+            <a:schemeClr val="accent1"/>
+          </a:effectRef>
+          <a:fontRef idx="minor">
+            <a:schemeClr val="tx1"/>
+          </a:fontRef>
+        </p:style>
+      </p:cxnSp>
+      <p:cxnSp>
+        <p:nvCxnSpPr>
+          <p:cNvPr id="168" name="Straight Arrow Connector 167">
+            <a:extLst>
+              <a:ext uri="{FF2B5EF4-FFF2-40B4-BE49-F238E27FC236}">
+                <a16:creationId xmlns:a16="http://schemas.microsoft.com/office/drawing/2014/main" id="{36005D4F-2F21-854C-8BC5-DADEF9786A55}"/>
+              </a:ext>
+            </a:extLst>
+          </p:cNvPr>
+          <p:cNvCxnSpPr>
+            <a:cxnSpLocks/>
+            <a:stCxn id="55" idx="2"/>
+            <a:endCxn id="111" idx="0"/>
+          </p:cNvCxnSpPr>
+          <p:nvPr/>
+        </p:nvCxnSpPr>
+        <p:spPr>
+          <a:xfrm>
+            <a:off x="4220096" y="11530997"/>
+            <a:ext cx="1289658" cy="309221"/>
+          </a:xfrm>
+          <a:prstGeom prst="straightConnector1">
+            <a:avLst/>
+          </a:prstGeom>
+          <a:ln w="25400">
+            <a:solidFill>
+              <a:schemeClr val="tx1">
+                <a:lumMod val="65000"/>
+                <a:lumOff val="35000"/>
+              </a:schemeClr>
+            </a:solidFill>
+            <a:headEnd type="none" w="med" len="med"/>
+            <a:tailEnd type="arrow" w="med" len="med"/>
+          </a:ln>
+        </p:spPr>
+        <p:style>
+          <a:lnRef idx="3">
+            <a:schemeClr val="accent1"/>
+          </a:lnRef>
+          <a:fillRef idx="0">
+            <a:schemeClr val="accent1"/>
+          </a:fillRef>
+          <a:effectRef idx="2">
+            <a:schemeClr val="accent1"/>
+          </a:effectRef>
+          <a:fontRef idx="minor">
+            <a:schemeClr val="tx1"/>
+          </a:fontRef>
+        </p:style>
+      </p:cxnSp>
+      <p:cxnSp>
+        <p:nvCxnSpPr>
+          <p:cNvPr id="171" name="Straight Arrow Connector 170">
+            <a:extLst>
+              <a:ext uri="{FF2B5EF4-FFF2-40B4-BE49-F238E27FC236}">
+                <a16:creationId xmlns:a16="http://schemas.microsoft.com/office/drawing/2014/main" id="{17B14494-E980-4348-BCA2-5D130FE976D5}"/>
+              </a:ext>
+            </a:extLst>
+          </p:cNvPr>
+          <p:cNvCxnSpPr>
+            <a:cxnSpLocks/>
+            <a:stCxn id="56" idx="2"/>
+            <a:endCxn id="110" idx="0"/>
+          </p:cNvCxnSpPr>
+          <p:nvPr/>
+        </p:nvCxnSpPr>
+        <p:spPr>
+          <a:xfrm flipH="1">
+            <a:off x="4226085" y="11530997"/>
+            <a:ext cx="1277679" cy="319498"/>
+          </a:xfrm>
+          <a:prstGeom prst="straightConnector1">
+            <a:avLst/>
+          </a:prstGeom>
+          <a:ln w="25400">
+            <a:solidFill>
+              <a:schemeClr val="tx1">
+                <a:lumMod val="65000"/>
+                <a:lumOff val="35000"/>
+              </a:schemeClr>
+            </a:solidFill>
+            <a:headEnd type="none" w="med" len="med"/>
+            <a:tailEnd type="arrow" w="med" len="med"/>
+          </a:ln>
+        </p:spPr>
+        <p:style>
+          <a:lnRef idx="3">
+            <a:schemeClr val="accent1"/>
+          </a:lnRef>
+          <a:fillRef idx="0">
+            <a:schemeClr val="accent1"/>
+          </a:fillRef>
+          <a:effectRef idx="2">
+            <a:schemeClr val="accent1"/>
+          </a:effectRef>
+          <a:fontRef idx="minor">
+            <a:schemeClr val="tx1"/>
+          </a:fontRef>
+        </p:style>
+      </p:cxnSp>
+      <p:cxnSp>
+        <p:nvCxnSpPr>
+          <p:cNvPr id="174" name="Straight Arrow Connector 173">
+            <a:extLst>
+              <a:ext uri="{FF2B5EF4-FFF2-40B4-BE49-F238E27FC236}">
+                <a16:creationId xmlns:a16="http://schemas.microsoft.com/office/drawing/2014/main" id="{DD1E48FA-7E75-8F49-A4A8-1DF767FF8F18}"/>
+              </a:ext>
+            </a:extLst>
+          </p:cNvPr>
+          <p:cNvCxnSpPr>
+            <a:cxnSpLocks/>
+            <a:stCxn id="56" idx="2"/>
+            <a:endCxn id="111" idx="0"/>
+          </p:cNvCxnSpPr>
+          <p:nvPr/>
+        </p:nvCxnSpPr>
+        <p:spPr>
+          <a:xfrm>
+            <a:off x="5503764" y="11530997"/>
+            <a:ext cx="5990" cy="309221"/>
+          </a:xfrm>
+          <a:prstGeom prst="straightConnector1">
+            <a:avLst/>
+          </a:prstGeom>
+          <a:ln w="25400">
+            <a:solidFill>
+              <a:schemeClr val="tx1">
+                <a:lumMod val="65000"/>
+                <a:lumOff val="35000"/>
+              </a:schemeClr>
+            </a:solidFill>
+            <a:headEnd type="none" w="med" len="med"/>
+            <a:tailEnd type="arrow" w="med" len="med"/>
+          </a:ln>
+        </p:spPr>
+        <p:style>
+          <a:lnRef idx="3">
+            <a:schemeClr val="accent1"/>
+          </a:lnRef>
+          <a:fillRef idx="0">
+            <a:schemeClr val="accent1"/>
+          </a:fillRef>
+          <a:effectRef idx="2">
+            <a:schemeClr val="accent1"/>
+          </a:effectRef>
+          <a:fontRef idx="minor">
+            <a:schemeClr val="tx1"/>
+          </a:fontRef>
+        </p:style>
+      </p:cxnSp>
+      <p:cxnSp>
+        <p:nvCxnSpPr>
+          <p:cNvPr id="198" name="Straight Arrow Connector 197">
+            <a:extLst>
+              <a:ext uri="{FF2B5EF4-FFF2-40B4-BE49-F238E27FC236}">
+                <a16:creationId xmlns:a16="http://schemas.microsoft.com/office/drawing/2014/main" id="{517742DD-C574-114A-A663-4E1FFC6FE3AB}"/>
+              </a:ext>
+            </a:extLst>
+          </p:cNvPr>
+          <p:cNvCxnSpPr>
+            <a:cxnSpLocks/>
+          </p:cNvCxnSpPr>
+          <p:nvPr/>
+        </p:nvCxnSpPr>
+        <p:spPr>
+          <a:xfrm>
+            <a:off x="4344994" y="9848499"/>
+            <a:ext cx="0" cy="385000"/>
+          </a:xfrm>
+          <a:prstGeom prst="straightConnector1">
+            <a:avLst/>
+          </a:prstGeom>
+          <a:ln w="25400">
+            <a:solidFill>
+              <a:schemeClr val="tx1">
+                <a:lumMod val="65000"/>
+                <a:lumOff val="35000"/>
+              </a:schemeClr>
+            </a:solidFill>
+            <a:headEnd type="none" w="med" len="med"/>
+            <a:tailEnd type="arrow" w="med" len="med"/>
+          </a:ln>
+        </p:spPr>
+        <p:style>
+          <a:lnRef idx="3">
+            <a:schemeClr val="accent1"/>
+          </a:lnRef>
+          <a:fillRef idx="0">
+            <a:schemeClr val="accent1"/>
+          </a:fillRef>
+          <a:effectRef idx="2">
+            <a:schemeClr val="accent1"/>
+          </a:effectRef>
+          <a:fontRef idx="minor">
+            <a:schemeClr val="tx1"/>
+          </a:fontRef>
+        </p:style>
+      </p:cxnSp>
+      <p:cxnSp>
+        <p:nvCxnSpPr>
+          <p:cNvPr id="199" name="Straight Arrow Connector 198">
+            <a:extLst>
+              <a:ext uri="{FF2B5EF4-FFF2-40B4-BE49-F238E27FC236}">
+                <a16:creationId xmlns:a16="http://schemas.microsoft.com/office/drawing/2014/main" id="{F753480D-B695-CC46-B0A2-4955645704B7}"/>
+              </a:ext>
+            </a:extLst>
+          </p:cNvPr>
+          <p:cNvCxnSpPr>
+            <a:cxnSpLocks/>
+          </p:cNvCxnSpPr>
+          <p:nvPr/>
+        </p:nvCxnSpPr>
+        <p:spPr>
+          <a:xfrm>
+            <a:off x="5628663" y="9838222"/>
+            <a:ext cx="0" cy="385000"/>
+          </a:xfrm>
+          <a:prstGeom prst="straightConnector1">
+            <a:avLst/>
+          </a:prstGeom>
+          <a:ln w="25400">
+            <a:solidFill>
+              <a:schemeClr val="tx1">
+                <a:lumMod val="65000"/>
+                <a:lumOff val="35000"/>
+              </a:schemeClr>
+            </a:solidFill>
+            <a:headEnd type="none" w="med" len="med"/>
+            <a:tailEnd type="arrow" w="med" len="med"/>
+          </a:ln>
+        </p:spPr>
+        <p:style>
+          <a:lnRef idx="3">
+            <a:schemeClr val="accent1"/>
+          </a:lnRef>
+          <a:fillRef idx="0">
+            <a:schemeClr val="accent1"/>
+          </a:fillRef>
+          <a:effectRef idx="2">
+            <a:schemeClr val="accent1"/>
+          </a:effectRef>
+          <a:fontRef idx="minor">
+            <a:schemeClr val="tx1"/>
+          </a:fontRef>
+        </p:style>
+      </p:cxnSp>
+      <p:cxnSp>
+        <p:nvCxnSpPr>
+          <p:cNvPr id="200" name="Straight Arrow Connector 199">
+            <a:extLst>
+              <a:ext uri="{FF2B5EF4-FFF2-40B4-BE49-F238E27FC236}">
+                <a16:creationId xmlns:a16="http://schemas.microsoft.com/office/drawing/2014/main" id="{3D18093D-8CF1-9D40-8665-D6D637A4C838}"/>
+              </a:ext>
+            </a:extLst>
+          </p:cNvPr>
+          <p:cNvCxnSpPr>
+            <a:cxnSpLocks/>
+          </p:cNvCxnSpPr>
+          <p:nvPr/>
+        </p:nvCxnSpPr>
+        <p:spPr>
+          <a:xfrm>
+            <a:off x="4344994" y="9848032"/>
+            <a:ext cx="1283669" cy="375657"/>
+          </a:xfrm>
+          <a:prstGeom prst="straightConnector1">
+            <a:avLst/>
+          </a:prstGeom>
+          <a:ln w="25400">
+            <a:solidFill>
+              <a:schemeClr val="tx1">
+                <a:lumMod val="65000"/>
+                <a:lumOff val="35000"/>
+              </a:schemeClr>
+            </a:solidFill>
+            <a:headEnd type="none" w="med" len="med"/>
+            <a:tailEnd type="arrow" w="med" len="med"/>
+          </a:ln>
+        </p:spPr>
+        <p:style>
+          <a:lnRef idx="3">
+            <a:schemeClr val="accent1"/>
+          </a:lnRef>
+          <a:fillRef idx="0">
+            <a:schemeClr val="accent1"/>
+          </a:fillRef>
+          <a:effectRef idx="2">
+            <a:schemeClr val="accent1"/>
+          </a:effectRef>
+          <a:fontRef idx="minor">
+            <a:schemeClr val="tx1"/>
+          </a:fontRef>
+        </p:style>
+      </p:cxnSp>
+      <p:cxnSp>
+        <p:nvCxnSpPr>
+          <p:cNvPr id="201" name="Straight Arrow Connector 200">
+            <a:extLst>
+              <a:ext uri="{FF2B5EF4-FFF2-40B4-BE49-F238E27FC236}">
+                <a16:creationId xmlns:a16="http://schemas.microsoft.com/office/drawing/2014/main" id="{E7FAC3D0-8F8E-7845-AFDB-101A2D6DAEBC}"/>
+              </a:ext>
+            </a:extLst>
+          </p:cNvPr>
+          <p:cNvCxnSpPr>
+            <a:cxnSpLocks/>
+          </p:cNvCxnSpPr>
+          <p:nvPr/>
+        </p:nvCxnSpPr>
+        <p:spPr>
+          <a:xfrm flipH="1">
+            <a:off x="4344994" y="9838689"/>
+            <a:ext cx="1283669" cy="394343"/>
+          </a:xfrm>
+          <a:prstGeom prst="straightConnector1">
+            <a:avLst/>
+          </a:prstGeom>
+          <a:ln w="25400">
+            <a:solidFill>
+              <a:schemeClr val="tx1">
+                <a:lumMod val="65000"/>
+                <a:lumOff val="35000"/>
+              </a:schemeClr>
+            </a:solidFill>
+            <a:headEnd type="none" w="med" len="med"/>
+            <a:tailEnd type="arrow" w="med" len="med"/>
+          </a:ln>
+        </p:spPr>
+        <p:style>
+          <a:lnRef idx="3">
+            <a:schemeClr val="accent1"/>
+          </a:lnRef>
+          <a:fillRef idx="0">
+            <a:schemeClr val="accent1"/>
+          </a:fillRef>
+          <a:effectRef idx="2">
+            <a:schemeClr val="accent1"/>
+          </a:effectRef>
+          <a:fontRef idx="minor">
+            <a:schemeClr val="tx1"/>
+          </a:fontRef>
+        </p:style>
+      </p:cxnSp>
+      <p:cxnSp>
+        <p:nvCxnSpPr>
+          <p:cNvPr id="206" name="Elbow Connector 205">
+            <a:extLst>
+              <a:ext uri="{FF2B5EF4-FFF2-40B4-BE49-F238E27FC236}">
+                <a16:creationId xmlns:a16="http://schemas.microsoft.com/office/drawing/2014/main" id="{3EF9AFFF-C7A4-C949-A15D-06B3763F73F6}"/>
+              </a:ext>
+            </a:extLst>
+          </p:cNvPr>
+          <p:cNvCxnSpPr>
+            <a:cxnSpLocks/>
+            <a:endCxn id="110" idx="1"/>
+          </p:cNvCxnSpPr>
+          <p:nvPr/>
+        </p:nvCxnSpPr>
+        <p:spPr>
+          <a:xfrm rot="5400000">
+            <a:off x="2893907" y="10880377"/>
+            <a:ext cx="2197560" cy="172045"/>
+          </a:xfrm>
+          <a:prstGeom prst="bentConnector4">
+            <a:avLst>
+              <a:gd name="adj1" fmla="val -240"/>
+              <a:gd name="adj2" fmla="val 232872"/>
+            </a:avLst>
+          </a:prstGeom>
+          <a:ln w="25400">
+            <a:solidFill>
+              <a:schemeClr val="accent2"/>
+            </a:solidFill>
+            <a:headEnd type="none" w="med" len="med"/>
+            <a:tailEnd type="arrow" w="med" len="med"/>
+          </a:ln>
+        </p:spPr>
+        <p:style>
+          <a:lnRef idx="3">
+            <a:schemeClr val="accent1"/>
+          </a:lnRef>
+          <a:fillRef idx="0">
+            <a:schemeClr val="accent1"/>
+          </a:fillRef>
+          <a:effectRef idx="2">
+            <a:schemeClr val="accent1"/>
+          </a:effectRef>
+          <a:fontRef idx="minor">
+            <a:schemeClr val="tx1"/>
+          </a:fontRef>
+        </p:style>
+      </p:cxnSp>
+      <p:sp>
+        <p:nvSpPr>
+          <p:cNvPr id="239" name="Rectangle 238">
+            <a:extLst>
+              <a:ext uri="{FF2B5EF4-FFF2-40B4-BE49-F238E27FC236}">
+                <a16:creationId xmlns:a16="http://schemas.microsoft.com/office/drawing/2014/main" id="{981E80A4-D790-1B43-A539-9EE6E128C1CB}"/>
+              </a:ext>
+            </a:extLst>
+          </p:cNvPr>
+          <p:cNvSpPr/>
+          <p:nvPr/>
+        </p:nvSpPr>
+        <p:spPr>
+          <a:xfrm>
+            <a:off x="3646351" y="12408661"/>
+            <a:ext cx="2509278" cy="1207661"/>
+          </a:xfrm>
+          <a:prstGeom prst="rect">
+            <a:avLst/>
+          </a:prstGeom>
+          <a:solidFill>
+            <a:schemeClr val="bg1">
+              <a:lumMod val="95000"/>
+            </a:schemeClr>
+          </a:solidFill>
+          <a:ln>
+            <a:noFill/>
+          </a:ln>
+        </p:spPr>
+        <p:style>
+          <a:lnRef idx="2">
+            <a:schemeClr val="accent1">
+              <a:shade val="50000"/>
+            </a:schemeClr>
+          </a:lnRef>
+          <a:fillRef idx="1">
+            <a:schemeClr val="accent1"/>
+          </a:fillRef>
+          <a:effectRef idx="0">
+            <a:schemeClr val="accent1"/>
+          </a:effectRef>
+          <a:fontRef idx="minor">
+            <a:schemeClr val="lt1"/>
+          </a:fontRef>
+        </p:style>
+        <p:txBody>
+          <a:bodyPr rtlCol="0" anchor="ctr"/>
+          <a:lstStyle/>
+          <a:p>
+            <a:pPr algn="ctr"/>
+            <a:endParaRPr lang="en-US" sz="1600" dirty="0">
+              <a:solidFill>
+                <a:schemeClr val="bg1"/>
+              </a:solidFill>
+              <a:latin typeface="DejaVu Sans Book" panose="020B0603030804020204" pitchFamily="34" charset="0"/>
+              <a:ea typeface="DejaVu Sans Book" panose="020B0603030804020204" pitchFamily="34" charset="0"/>
+              <a:cs typeface="DejaVu Sans Book" panose="020B0603030804020204" pitchFamily="34" charset="0"/>
+            </a:endParaRPr>
+          </a:p>
+        </p:txBody>
+      </p:sp>
+      <p:sp>
+        <p:nvSpPr>
+          <p:cNvPr id="240" name="TextBox 239">
+            <a:extLst>
+              <a:ext uri="{FF2B5EF4-FFF2-40B4-BE49-F238E27FC236}">
+                <a16:creationId xmlns:a16="http://schemas.microsoft.com/office/drawing/2014/main" id="{481F8E01-97CC-8D49-BB53-586D48D3EE27}"/>
+              </a:ext>
+            </a:extLst>
+          </p:cNvPr>
+          <p:cNvSpPr txBox="1"/>
+          <p:nvPr/>
+        </p:nvSpPr>
+        <p:spPr>
+          <a:xfrm>
+            <a:off x="3700075" y="12436096"/>
+            <a:ext cx="2326471" cy="1169551"/>
+          </a:xfrm>
+          <a:prstGeom prst="rect">
+            <a:avLst/>
+          </a:prstGeom>
+          <a:noFill/>
+        </p:spPr>
+        <p:txBody>
+          <a:bodyPr wrap="none" rtlCol="0">
+            <a:spAutoFit/>
+          </a:bodyPr>
+          <a:lstStyle/>
+          <a:p>
+            <a:r>
+              <a:rPr lang="en-US" sz="1400" dirty="0">
+                <a:latin typeface="DejaVu Sans Book" panose="020B0603030804020204" pitchFamily="34" charset="0"/>
+                <a:ea typeface="DejaVu Sans Book" panose="020B0603030804020204" pitchFamily="34" charset="0"/>
+                <a:cs typeface="DejaVu Sans Book" panose="020B0603030804020204" pitchFamily="34" charset="0"/>
+              </a:rPr>
+              <a:t>A: read address context</a:t>
+            </a:r>
+          </a:p>
+          <a:p>
+            <a:r>
+              <a:rPr lang="en-US" sz="1400" dirty="0">
+                <a:latin typeface="DejaVu Sans Book" panose="020B0603030804020204" pitchFamily="34" charset="0"/>
+                <a:ea typeface="DejaVu Sans Book" panose="020B0603030804020204" pitchFamily="34" charset="0"/>
+                <a:cs typeface="DejaVu Sans Book" panose="020B0603030804020204" pitchFamily="34" charset="0"/>
+              </a:rPr>
+              <a:t>M: merge context</a:t>
+            </a:r>
+          </a:p>
+          <a:p>
+            <a:r>
+              <a:rPr lang="en-US" sz="1400" dirty="0">
+                <a:latin typeface="DejaVu Sans Book" panose="020B0603030804020204" pitchFamily="34" charset="0"/>
+                <a:ea typeface="DejaVu Sans Book" panose="020B0603030804020204" pitchFamily="34" charset="0"/>
+                <a:cs typeface="DejaVu Sans Book" panose="020B0603030804020204" pitchFamily="34" charset="0"/>
+              </a:rPr>
+              <a:t>P: memory partition</a:t>
+            </a:r>
+          </a:p>
+          <a:p>
+            <a:r>
+              <a:rPr lang="en-US" sz="1400" dirty="0">
+                <a:latin typeface="DejaVu Sans Book" panose="020B0603030804020204" pitchFamily="34" charset="0"/>
+                <a:ea typeface="DejaVu Sans Book" panose="020B0603030804020204" pitchFamily="34" charset="0"/>
+                <a:cs typeface="DejaVu Sans Book" panose="020B0603030804020204" pitchFamily="34" charset="0"/>
+              </a:rPr>
+              <a:t>R: receiver context</a:t>
+            </a:r>
+            <a:br>
+              <a:rPr lang="en-US" sz="1400" dirty="0">
+                <a:latin typeface="DejaVu Sans Book" panose="020B0603030804020204" pitchFamily="34" charset="0"/>
+                <a:ea typeface="DejaVu Sans Book" panose="020B0603030804020204" pitchFamily="34" charset="0"/>
+                <a:cs typeface="DejaVu Sans Book" panose="020B0603030804020204" pitchFamily="34" charset="0"/>
+              </a:rPr>
+            </a:br>
+            <a:r>
+              <a:rPr lang="en-US" sz="1400" dirty="0">
+                <a:solidFill>
+                  <a:schemeClr val="tx1">
+                    <a:lumMod val="50000"/>
+                    <a:lumOff val="50000"/>
+                  </a:schemeClr>
+                </a:solidFill>
+                <a:latin typeface="DejaVu Sans Book" panose="020B0603030804020204" pitchFamily="34" charset="0"/>
+                <a:ea typeface="DejaVu Sans Book" panose="020B0603030804020204" pitchFamily="34" charset="0"/>
+                <a:cs typeface="DejaVu Sans Book" panose="020B0603030804020204" pitchFamily="34" charset="0"/>
+              </a:rPr>
+              <a:t>X</a:t>
+            </a:r>
+            <a:r>
+              <a:rPr lang="en-US" sz="1400" dirty="0">
+                <a:latin typeface="DejaVu Sans Book" panose="020B0603030804020204" pitchFamily="34" charset="0"/>
+                <a:ea typeface="DejaVu Sans Book" panose="020B0603030804020204" pitchFamily="34" charset="0"/>
+                <a:cs typeface="DejaVu Sans Book" panose="020B0603030804020204" pitchFamily="34" charset="0"/>
+              </a:rPr>
+              <a:t>: invalid</a:t>
+            </a:r>
+          </a:p>
+        </p:txBody>
+      </p:sp>
+      <p:sp>
+        <p:nvSpPr>
+          <p:cNvPr id="251" name="TextBox 250">
+            <a:extLst>
+              <a:ext uri="{FF2B5EF4-FFF2-40B4-BE49-F238E27FC236}">
+                <a16:creationId xmlns:a16="http://schemas.microsoft.com/office/drawing/2014/main" id="{39C5A25F-9683-6B41-9B43-82EF30BF2C65}"/>
+              </a:ext>
+            </a:extLst>
+          </p:cNvPr>
+          <p:cNvSpPr txBox="1"/>
+          <p:nvPr/>
+        </p:nvSpPr>
+        <p:spPr>
+          <a:xfrm>
+            <a:off x="4542622" y="9630337"/>
+            <a:ext cx="520463" cy="369332"/>
+          </a:xfrm>
+          <a:prstGeom prst="rect">
+            <a:avLst/>
+          </a:prstGeom>
+          <a:noFill/>
+        </p:spPr>
+        <p:txBody>
+          <a:bodyPr wrap="none" rtlCol="0">
+            <a:spAutoFit/>
+          </a:bodyPr>
+          <a:lstStyle/>
+          <a:p>
+            <a:r>
+              <a:rPr lang="en-US" dirty="0">
+                <a:solidFill>
+                  <a:schemeClr val="bg1"/>
+                </a:solidFill>
+                <a:latin typeface="DejaVu Sans Book" panose="020B0603030804020204" pitchFamily="34" charset="0"/>
+                <a:ea typeface="DejaVu Sans Book" panose="020B0603030804020204" pitchFamily="34" charset="0"/>
+                <a:cs typeface="DejaVu Sans Book" panose="020B0603030804020204" pitchFamily="34" charset="0"/>
+              </a:rPr>
+              <a:t>BO</a:t>
+            </a:r>
+          </a:p>
+        </p:txBody>
+      </p:sp>
+      <p:sp>
+        <p:nvSpPr>
+          <p:cNvPr id="254" name="TextBox 253">
+            <a:extLst>
+              <a:ext uri="{FF2B5EF4-FFF2-40B4-BE49-F238E27FC236}">
+                <a16:creationId xmlns:a16="http://schemas.microsoft.com/office/drawing/2014/main" id="{0979562A-8034-8742-8489-4626D2F96139}"/>
+              </a:ext>
+            </a:extLst>
+          </p:cNvPr>
+          <p:cNvSpPr txBox="1"/>
+          <p:nvPr/>
+        </p:nvSpPr>
+        <p:spPr>
+          <a:xfrm>
+            <a:off x="4216680" y="10637471"/>
+            <a:ext cx="594202" cy="369332"/>
+          </a:xfrm>
+          <a:prstGeom prst="rect">
+            <a:avLst/>
+          </a:prstGeom>
+          <a:noFill/>
+        </p:spPr>
+        <p:txBody>
+          <a:bodyPr wrap="none" rtlCol="0">
+            <a:spAutoFit/>
+          </a:bodyPr>
+          <a:lstStyle/>
+          <a:p>
+            <a:r>
+              <a:rPr lang="en-US" dirty="0">
+                <a:solidFill>
+                  <a:schemeClr val="bg1"/>
+                </a:solidFill>
+                <a:latin typeface="DejaVu Sans Book" panose="020B0603030804020204" pitchFamily="34" charset="0"/>
+                <a:ea typeface="DejaVu Sans Book" panose="020B0603030804020204" pitchFamily="34" charset="0"/>
+                <a:cs typeface="DejaVu Sans Book" panose="020B0603030804020204" pitchFamily="34" charset="0"/>
+              </a:rPr>
+              <a:t>BO’</a:t>
+            </a:r>
+          </a:p>
+        </p:txBody>
+      </p:sp>
+      <p:grpSp>
+        <p:nvGrpSpPr>
+          <p:cNvPr id="288" name="Group 287">
+            <a:extLst>
+              <a:ext uri="{FF2B5EF4-FFF2-40B4-BE49-F238E27FC236}">
+                <a16:creationId xmlns:a16="http://schemas.microsoft.com/office/drawing/2014/main" id="{3D50C7F8-7A92-AC46-A080-C2B3E3CEBD89}"/>
+              </a:ext>
+            </a:extLst>
+          </p:cNvPr>
+          <p:cNvGrpSpPr/>
+          <p:nvPr/>
+        </p:nvGrpSpPr>
+        <p:grpSpPr>
+          <a:xfrm>
+            <a:off x="1733160" y="9854687"/>
+            <a:ext cx="417715" cy="417715"/>
+            <a:chOff x="7923657" y="9467527"/>
+            <a:chExt cx="417715" cy="417715"/>
+          </a:xfrm>
+        </p:grpSpPr>
+        <p:sp>
+          <p:nvSpPr>
+            <p:cNvPr id="272" name="Oval 271">
+              <a:extLst>
+                <a:ext uri="{FF2B5EF4-FFF2-40B4-BE49-F238E27FC236}">
+                  <a16:creationId xmlns:a16="http://schemas.microsoft.com/office/drawing/2014/main" id="{2B544FB7-5160-F645-88E3-952067D6115A}"/>
+                </a:ext>
+              </a:extLst>
+            </p:cNvPr>
+            <p:cNvSpPr/>
+            <p:nvPr/>
+          </p:nvSpPr>
+          <p:spPr>
+            <a:xfrm>
+              <a:off x="7923657" y="9467527"/>
+              <a:ext cx="417715" cy="417715"/>
+            </a:xfrm>
+            <a:prstGeom prst="ellipse">
+              <a:avLst/>
+            </a:prstGeom>
+            <a:solidFill>
+              <a:schemeClr val="accent4"/>
+            </a:solidFill>
+            <a:ln w="19050">
+              <a:solidFill>
+                <a:schemeClr val="tx1"/>
+              </a:solidFill>
+            </a:ln>
+          </p:spPr>
+          <p:style>
+            <a:lnRef idx="2">
+              <a:schemeClr val="accent1">
+                <a:shade val="50000"/>
+              </a:schemeClr>
+            </a:lnRef>
+            <a:fillRef idx="1">
+              <a:schemeClr val="accent1"/>
+            </a:fillRef>
+            <a:effectRef idx="0">
+              <a:schemeClr val="accent1"/>
+            </a:effectRef>
+            <a:fontRef idx="minor">
+              <a:schemeClr val="lt1"/>
+            </a:fontRef>
+          </p:style>
+          <p:txBody>
+            <a:bodyPr rot="0" spcFirstLastPara="0" vertOverflow="overflow" horzOverflow="overflow" vert="horz" wrap="square" lIns="91440" tIns="45720" rIns="91440" bIns="45720" numCol="1" spcCol="0" rtlCol="0" fromWordArt="0" anchor="ctr" anchorCtr="0" forceAA="0" compatLnSpc="1">
+              <a:prstTxWarp prst="textNoShape">
+                <a:avLst/>
+              </a:prstTxWarp>
+              <a:noAutofit/>
+            </a:bodyPr>
+            <a:lstStyle/>
+            <a:p>
+              <a:pPr algn="ctr"/>
+              <a:endParaRPr lang="en-US" sz="1400" dirty="0">
+                <a:latin typeface="DejaVu Sans Book" panose="020B0603030804020204" pitchFamily="34" charset="0"/>
+                <a:ea typeface="DejaVu Sans Book" panose="020B0603030804020204" pitchFamily="34" charset="0"/>
+                <a:cs typeface="DejaVu Sans Book" panose="020B0603030804020204" pitchFamily="34" charset="0"/>
+              </a:endParaRPr>
+            </a:p>
+          </p:txBody>
+        </p:sp>
+        <p:sp>
+          <p:nvSpPr>
+            <p:cNvPr id="273" name="TextBox 272">
+              <a:extLst>
+                <a:ext uri="{FF2B5EF4-FFF2-40B4-BE49-F238E27FC236}">
+                  <a16:creationId xmlns:a16="http://schemas.microsoft.com/office/drawing/2014/main" id="{6185AEDF-A67D-3D49-A1CE-EB136BDECD0C}"/>
+                </a:ext>
+              </a:extLst>
+            </p:cNvPr>
+            <p:cNvSpPr txBox="1"/>
+            <p:nvPr/>
+          </p:nvSpPr>
+          <p:spPr>
+            <a:xfrm>
+              <a:off x="7968216" y="9527427"/>
+              <a:ext cx="314510" cy="338554"/>
+            </a:xfrm>
+            <a:prstGeom prst="rect">
+              <a:avLst/>
+            </a:prstGeom>
+            <a:noFill/>
+          </p:spPr>
+          <p:txBody>
+            <a:bodyPr wrap="none" rtlCol="0">
+              <a:spAutoFit/>
+            </a:bodyPr>
+            <a:lstStyle/>
+            <a:p>
+              <a:pPr algn="ctr"/>
+              <a:r>
+                <a:rPr lang="en-US" sz="1600" dirty="0">
+                  <a:latin typeface="DejaVu Sans Book" panose="020B0603030804020204" pitchFamily="34" charset="0"/>
+                  <a:ea typeface="DejaVu Sans Book" panose="020B0603030804020204" pitchFamily="34" charset="0"/>
+                  <a:cs typeface="DejaVu Sans Book" panose="020B0603030804020204" pitchFamily="34" charset="0"/>
+                </a:rPr>
+                <a:t>S</a:t>
+              </a:r>
+            </a:p>
+          </p:txBody>
+        </p:sp>
+      </p:grpSp>
+      <p:grpSp>
+        <p:nvGrpSpPr>
+          <p:cNvPr id="303" name="Group 302">
+            <a:extLst>
+              <a:ext uri="{FF2B5EF4-FFF2-40B4-BE49-F238E27FC236}">
+                <a16:creationId xmlns:a16="http://schemas.microsoft.com/office/drawing/2014/main" id="{CEE22A77-906E-9545-A975-B6CE274730CD}"/>
+              </a:ext>
+            </a:extLst>
+          </p:cNvPr>
+          <p:cNvGrpSpPr/>
+          <p:nvPr/>
+        </p:nvGrpSpPr>
+        <p:grpSpPr>
+          <a:xfrm>
+            <a:off x="2075716" y="10405393"/>
+            <a:ext cx="450764" cy="417715"/>
+            <a:chOff x="8275238" y="10127891"/>
+            <a:chExt cx="450764" cy="417715"/>
+          </a:xfrm>
+        </p:grpSpPr>
+        <p:sp>
+          <p:nvSpPr>
+            <p:cNvPr id="275" name="Oval 274">
+              <a:extLst>
+                <a:ext uri="{FF2B5EF4-FFF2-40B4-BE49-F238E27FC236}">
+                  <a16:creationId xmlns:a16="http://schemas.microsoft.com/office/drawing/2014/main" id="{1E40643D-4050-254D-B1BE-24E87CF58AC4}"/>
+                </a:ext>
+              </a:extLst>
+            </p:cNvPr>
+            <p:cNvSpPr/>
+            <p:nvPr/>
+          </p:nvSpPr>
+          <p:spPr>
+            <a:xfrm>
+              <a:off x="8291763" y="10127891"/>
+              <a:ext cx="417715" cy="417715"/>
+            </a:xfrm>
+            <a:prstGeom prst="ellipse">
+              <a:avLst/>
+            </a:prstGeom>
+            <a:solidFill>
+              <a:schemeClr val="accent4"/>
+            </a:solidFill>
+            <a:ln w="19050">
+              <a:solidFill>
+                <a:schemeClr val="tx1"/>
+              </a:solidFill>
+            </a:ln>
+          </p:spPr>
+          <p:style>
+            <a:lnRef idx="2">
+              <a:schemeClr val="accent1">
+                <a:shade val="50000"/>
+              </a:schemeClr>
+            </a:lnRef>
+            <a:fillRef idx="1">
+              <a:schemeClr val="accent1"/>
+            </a:fillRef>
+            <a:effectRef idx="0">
+              <a:schemeClr val="accent1"/>
+            </a:effectRef>
+            <a:fontRef idx="minor">
+              <a:schemeClr val="lt1"/>
+            </a:fontRef>
+          </p:style>
+          <p:txBody>
+            <a:bodyPr rot="0" spcFirstLastPara="0" vertOverflow="overflow" horzOverflow="overflow" vert="horz" wrap="square" lIns="91440" tIns="45720" rIns="91440" bIns="45720" numCol="1" spcCol="0" rtlCol="0" fromWordArt="0" anchor="ctr" anchorCtr="0" forceAA="0" compatLnSpc="1">
+              <a:prstTxWarp prst="textNoShape">
+                <a:avLst/>
+              </a:prstTxWarp>
+              <a:noAutofit/>
+            </a:bodyPr>
+            <a:lstStyle/>
+            <a:p>
+              <a:pPr algn="ctr"/>
+              <a:endParaRPr lang="en-US" sz="1400" dirty="0">
+                <a:latin typeface="DejaVu Sans Book" panose="020B0603030804020204" pitchFamily="34" charset="0"/>
+                <a:ea typeface="DejaVu Sans Book" panose="020B0603030804020204" pitchFamily="34" charset="0"/>
+                <a:cs typeface="DejaVu Sans Book" panose="020B0603030804020204" pitchFamily="34" charset="0"/>
+              </a:endParaRPr>
+            </a:p>
+          </p:txBody>
+        </p:sp>
+        <p:sp>
+          <p:nvSpPr>
+            <p:cNvPr id="276" name="TextBox 275">
+              <a:extLst>
+                <a:ext uri="{FF2B5EF4-FFF2-40B4-BE49-F238E27FC236}">
+                  <a16:creationId xmlns:a16="http://schemas.microsoft.com/office/drawing/2014/main" id="{38C6E4BB-4B13-C841-A4BC-80DB5AAA3FB8}"/>
+                </a:ext>
+              </a:extLst>
+            </p:cNvPr>
+            <p:cNvSpPr txBox="1"/>
+            <p:nvPr/>
+          </p:nvSpPr>
+          <p:spPr>
+            <a:xfrm>
+              <a:off x="8275238" y="10189455"/>
+              <a:ext cx="450764" cy="307777"/>
+            </a:xfrm>
+            <a:prstGeom prst="rect">
+              <a:avLst/>
+            </a:prstGeom>
+            <a:noFill/>
+          </p:spPr>
+          <p:txBody>
+            <a:bodyPr wrap="none" rtlCol="0">
+              <a:spAutoFit/>
+            </a:bodyPr>
+            <a:lstStyle/>
+            <a:p>
+              <a:pPr algn="ctr"/>
+              <a:r>
+                <a:rPr lang="en-US" sz="1400" dirty="0">
+                  <a:latin typeface="DejaVu Sans Book" panose="020B0603030804020204" pitchFamily="34" charset="0"/>
+                  <a:ea typeface="DejaVu Sans Book" panose="020B0603030804020204" pitchFamily="34" charset="0"/>
+                  <a:cs typeface="DejaVu Sans Book" panose="020B0603030804020204" pitchFamily="34" charset="0"/>
+                </a:rPr>
+                <a:t>OR</a:t>
+              </a:r>
+            </a:p>
+          </p:txBody>
+        </p:sp>
+      </p:grpSp>
+      <p:cxnSp>
+        <p:nvCxnSpPr>
+          <p:cNvPr id="277" name="Straight Arrow Connector 276">
+            <a:extLst>
+              <a:ext uri="{FF2B5EF4-FFF2-40B4-BE49-F238E27FC236}">
+                <a16:creationId xmlns:a16="http://schemas.microsoft.com/office/drawing/2014/main" id="{5DFEAEBA-6484-C64A-B4C0-CC33D5D17E86}"/>
+              </a:ext>
+            </a:extLst>
+          </p:cNvPr>
+          <p:cNvCxnSpPr>
+            <a:cxnSpLocks/>
+            <a:stCxn id="272" idx="4"/>
+            <a:endCxn id="275" idx="1"/>
+          </p:cNvCxnSpPr>
+          <p:nvPr/>
+        </p:nvCxnSpPr>
+        <p:spPr>
+          <a:xfrm>
+            <a:off x="1942018" y="10272402"/>
+            <a:ext cx="211396" cy="194164"/>
+          </a:xfrm>
+          <a:prstGeom prst="straightConnector1">
+            <a:avLst/>
+          </a:prstGeom>
+          <a:ln w="25400">
+            <a:solidFill>
+              <a:schemeClr val="tx1"/>
+            </a:solidFill>
+            <a:headEnd type="none" w="med" len="med"/>
+            <a:tailEnd type="arrow" w="med" len="med"/>
+          </a:ln>
+        </p:spPr>
+        <p:style>
+          <a:lnRef idx="3">
+            <a:schemeClr val="accent1"/>
+          </a:lnRef>
+          <a:fillRef idx="0">
+            <a:schemeClr val="accent1"/>
+          </a:fillRef>
+          <a:effectRef idx="2">
+            <a:schemeClr val="accent1"/>
+          </a:effectRef>
+          <a:fontRef idx="minor">
+            <a:schemeClr val="tx1"/>
+          </a:fontRef>
+        </p:style>
+      </p:cxnSp>
+      <p:grpSp>
+        <p:nvGrpSpPr>
+          <p:cNvPr id="289" name="Group 288">
+            <a:extLst>
+              <a:ext uri="{FF2B5EF4-FFF2-40B4-BE49-F238E27FC236}">
+                <a16:creationId xmlns:a16="http://schemas.microsoft.com/office/drawing/2014/main" id="{7389008A-EF1B-A146-B9FE-299BA8E10241}"/>
+              </a:ext>
+            </a:extLst>
+          </p:cNvPr>
+          <p:cNvGrpSpPr/>
+          <p:nvPr/>
+        </p:nvGrpSpPr>
+        <p:grpSpPr>
+          <a:xfrm>
+            <a:off x="2445144" y="9854687"/>
+            <a:ext cx="417715" cy="417715"/>
+            <a:chOff x="7923657" y="9467527"/>
+            <a:chExt cx="417715" cy="417715"/>
+          </a:xfrm>
+        </p:grpSpPr>
+        <p:sp>
+          <p:nvSpPr>
+            <p:cNvPr id="290" name="Oval 289">
+              <a:extLst>
+                <a:ext uri="{FF2B5EF4-FFF2-40B4-BE49-F238E27FC236}">
+                  <a16:creationId xmlns:a16="http://schemas.microsoft.com/office/drawing/2014/main" id="{DB0A1A57-20A9-2C4D-8FA6-75FD2267D84D}"/>
+                </a:ext>
+              </a:extLst>
+            </p:cNvPr>
+            <p:cNvSpPr/>
+            <p:nvPr/>
+          </p:nvSpPr>
+          <p:spPr>
+            <a:xfrm>
+              <a:off x="7923657" y="9467527"/>
+              <a:ext cx="417715" cy="417715"/>
+            </a:xfrm>
+            <a:prstGeom prst="ellipse">
+              <a:avLst/>
+            </a:prstGeom>
+            <a:solidFill>
+              <a:schemeClr val="accent4"/>
+            </a:solidFill>
+            <a:ln w="19050">
+              <a:solidFill>
+                <a:schemeClr val="tx1"/>
+              </a:solidFill>
+            </a:ln>
+          </p:spPr>
+          <p:style>
+            <a:lnRef idx="2">
+              <a:schemeClr val="accent1">
+                <a:shade val="50000"/>
+              </a:schemeClr>
+            </a:lnRef>
+            <a:fillRef idx="1">
+              <a:schemeClr val="accent1"/>
+            </a:fillRef>
+            <a:effectRef idx="0">
+              <a:schemeClr val="accent1"/>
+            </a:effectRef>
+            <a:fontRef idx="minor">
+              <a:schemeClr val="lt1"/>
+            </a:fontRef>
+          </p:style>
+          <p:txBody>
+            <a:bodyPr rot="0" spcFirstLastPara="0" vertOverflow="overflow" horzOverflow="overflow" vert="horz" wrap="square" lIns="91440" tIns="45720" rIns="91440" bIns="45720" numCol="1" spcCol="0" rtlCol="0" fromWordArt="0" anchor="ctr" anchorCtr="0" forceAA="0" compatLnSpc="1">
+              <a:prstTxWarp prst="textNoShape">
+                <a:avLst/>
+              </a:prstTxWarp>
+              <a:noAutofit/>
+            </a:bodyPr>
+            <a:lstStyle/>
+            <a:p>
+              <a:pPr algn="ctr"/>
+              <a:endParaRPr lang="en-US" sz="1400" dirty="0">
+                <a:latin typeface="DejaVu Sans Book" panose="020B0603030804020204" pitchFamily="34" charset="0"/>
+                <a:ea typeface="DejaVu Sans Book" panose="020B0603030804020204" pitchFamily="34" charset="0"/>
+                <a:cs typeface="DejaVu Sans Book" panose="020B0603030804020204" pitchFamily="34" charset="0"/>
+              </a:endParaRPr>
+            </a:p>
+          </p:txBody>
+        </p:sp>
+        <p:sp>
+          <p:nvSpPr>
+            <p:cNvPr id="291" name="TextBox 290">
+              <a:extLst>
+                <a:ext uri="{FF2B5EF4-FFF2-40B4-BE49-F238E27FC236}">
+                  <a16:creationId xmlns:a16="http://schemas.microsoft.com/office/drawing/2014/main" id="{B1624845-6DDE-A04C-988E-A83F9790AB50}"/>
+                </a:ext>
+              </a:extLst>
+            </p:cNvPr>
+            <p:cNvSpPr txBox="1"/>
+            <p:nvPr/>
+          </p:nvSpPr>
+          <p:spPr>
+            <a:xfrm>
+              <a:off x="7968216" y="9527427"/>
+              <a:ext cx="314510" cy="338554"/>
+            </a:xfrm>
+            <a:prstGeom prst="rect">
+              <a:avLst/>
+            </a:prstGeom>
+            <a:noFill/>
+          </p:spPr>
+          <p:txBody>
+            <a:bodyPr wrap="none" rtlCol="0">
+              <a:spAutoFit/>
+            </a:bodyPr>
+            <a:lstStyle/>
+            <a:p>
+              <a:pPr algn="ctr"/>
+              <a:r>
+                <a:rPr lang="en-US" sz="1600" dirty="0">
+                  <a:latin typeface="DejaVu Sans Book" panose="020B0603030804020204" pitchFamily="34" charset="0"/>
+                  <a:ea typeface="DejaVu Sans Book" panose="020B0603030804020204" pitchFamily="34" charset="0"/>
+                  <a:cs typeface="DejaVu Sans Book" panose="020B0603030804020204" pitchFamily="34" charset="0"/>
+                </a:rPr>
+                <a:t>S</a:t>
+              </a:r>
+            </a:p>
+          </p:txBody>
+        </p:sp>
+      </p:grpSp>
+      <p:cxnSp>
+        <p:nvCxnSpPr>
+          <p:cNvPr id="292" name="Straight Arrow Connector 291">
+            <a:extLst>
+              <a:ext uri="{FF2B5EF4-FFF2-40B4-BE49-F238E27FC236}">
+                <a16:creationId xmlns:a16="http://schemas.microsoft.com/office/drawing/2014/main" id="{A7DD61FD-FE17-1546-A705-DC70DE243AF8}"/>
+              </a:ext>
+            </a:extLst>
+          </p:cNvPr>
+          <p:cNvCxnSpPr>
+            <a:cxnSpLocks/>
+            <a:stCxn id="290" idx="4"/>
+            <a:endCxn id="275" idx="7"/>
+          </p:cNvCxnSpPr>
+          <p:nvPr/>
+        </p:nvCxnSpPr>
+        <p:spPr>
+          <a:xfrm flipH="1">
+            <a:off x="2448783" y="10272402"/>
+            <a:ext cx="205219" cy="194164"/>
+          </a:xfrm>
+          <a:prstGeom prst="straightConnector1">
+            <a:avLst/>
+          </a:prstGeom>
+          <a:ln w="25400">
+            <a:solidFill>
+              <a:schemeClr val="tx1"/>
+            </a:solidFill>
+            <a:headEnd type="none" w="med" len="med"/>
+            <a:tailEnd type="arrow" w="med" len="med"/>
+          </a:ln>
+        </p:spPr>
+        <p:style>
+          <a:lnRef idx="3">
+            <a:schemeClr val="accent1"/>
+          </a:lnRef>
+          <a:fillRef idx="0">
+            <a:schemeClr val="accent1"/>
+          </a:fillRef>
+          <a:effectRef idx="2">
+            <a:schemeClr val="accent1"/>
+          </a:effectRef>
+          <a:fontRef idx="minor">
+            <a:schemeClr val="tx1"/>
+          </a:fontRef>
+        </p:style>
+      </p:cxnSp>
+      <p:sp>
+        <p:nvSpPr>
+          <p:cNvPr id="304" name="TextBox 303">
+            <a:extLst>
+              <a:ext uri="{FF2B5EF4-FFF2-40B4-BE49-F238E27FC236}">
+                <a16:creationId xmlns:a16="http://schemas.microsoft.com/office/drawing/2014/main" id="{F8202683-9831-E44B-A107-87AE976FA360}"/>
+              </a:ext>
+            </a:extLst>
+          </p:cNvPr>
+          <p:cNvSpPr txBox="1"/>
+          <p:nvPr/>
+        </p:nvSpPr>
+        <p:spPr>
+          <a:xfrm>
+            <a:off x="1345573" y="9316793"/>
+            <a:ext cx="543739" cy="430887"/>
+          </a:xfrm>
+          <a:prstGeom prst="rect">
+            <a:avLst/>
+          </a:prstGeom>
+          <a:noFill/>
+        </p:spPr>
+        <p:txBody>
+          <a:bodyPr wrap="none" rtlCol="0">
+            <a:spAutoFit/>
+          </a:bodyPr>
+          <a:lstStyle/>
+          <a:p>
+            <a:pPr algn="ctr"/>
+            <a:r>
+              <a:rPr lang="en-US" sz="1100" dirty="0">
+                <a:solidFill>
+                  <a:schemeClr val="accent2"/>
+                </a:solidFill>
+                <a:latin typeface="DejaVu Sans Book" panose="020B0603030804020204" pitchFamily="34" charset="0"/>
+                <a:ea typeface="DejaVu Sans Book" panose="020B0603030804020204" pitchFamily="34" charset="0"/>
+                <a:cs typeface="DejaVu Sans Book" panose="020B0603030804020204" pitchFamily="34" charset="0"/>
+              </a:rPr>
+              <a:t>BI</a:t>
+            </a:r>
+            <a:r>
+              <a:rPr lang="en-US" sz="1100" baseline="-25000" dirty="0">
+                <a:solidFill>
+                  <a:schemeClr val="accent2"/>
+                </a:solidFill>
+                <a:latin typeface="DejaVu Sans Book" panose="020B0603030804020204" pitchFamily="34" charset="0"/>
+                <a:ea typeface="DejaVu Sans Book" panose="020B0603030804020204" pitchFamily="34" charset="0"/>
+                <a:cs typeface="DejaVu Sans Book" panose="020B0603030804020204" pitchFamily="34" charset="0"/>
+              </a:rPr>
+              <a:t>0</a:t>
+            </a:r>
+            <a:br>
+              <a:rPr lang="en-US" sz="1100" dirty="0">
+                <a:solidFill>
+                  <a:schemeClr val="accent2"/>
+                </a:solidFill>
+                <a:latin typeface="DejaVu Sans Book" panose="020B0603030804020204" pitchFamily="34" charset="0"/>
+                <a:ea typeface="DejaVu Sans Book" panose="020B0603030804020204" pitchFamily="34" charset="0"/>
+                <a:cs typeface="DejaVu Sans Book" panose="020B0603030804020204" pitchFamily="34" charset="0"/>
+              </a:rPr>
+            </a:br>
+            <a:r>
+              <a:rPr lang="en-US" sz="1100" dirty="0">
+                <a:solidFill>
+                  <a:schemeClr val="accent2"/>
+                </a:solidFill>
+                <a:latin typeface="DejaVu Sans Book" panose="020B0603030804020204" pitchFamily="34" charset="0"/>
+                <a:ea typeface="DejaVu Sans Book" panose="020B0603030804020204" pitchFamily="34" charset="0"/>
+                <a:cs typeface="DejaVu Sans Book" panose="020B0603030804020204" pitchFamily="34" charset="0"/>
+              </a:rPr>
+              <a:t>1453</a:t>
+            </a:r>
+          </a:p>
+        </p:txBody>
+      </p:sp>
+      <p:sp>
+        <p:nvSpPr>
+          <p:cNvPr id="306" name="TextBox 305">
+            <a:extLst>
+              <a:ext uri="{FF2B5EF4-FFF2-40B4-BE49-F238E27FC236}">
+                <a16:creationId xmlns:a16="http://schemas.microsoft.com/office/drawing/2014/main" id="{22C0A7BC-6E29-5E4B-812B-3EDB2F9F8E80}"/>
+              </a:ext>
+            </a:extLst>
+          </p:cNvPr>
+          <p:cNvSpPr txBox="1"/>
+          <p:nvPr/>
+        </p:nvSpPr>
+        <p:spPr>
+          <a:xfrm>
+            <a:off x="1761300" y="9316793"/>
+            <a:ext cx="583814" cy="430887"/>
+          </a:xfrm>
+          <a:prstGeom prst="rect">
+            <a:avLst/>
+          </a:prstGeom>
+          <a:noFill/>
+        </p:spPr>
+        <p:txBody>
+          <a:bodyPr wrap="none" rtlCol="0">
+            <a:spAutoFit/>
+          </a:bodyPr>
+          <a:lstStyle/>
+          <a:p>
+            <a:pPr algn="ctr"/>
+            <a:r>
+              <a:rPr lang="en-US" sz="1100" dirty="0">
+                <a:latin typeface="DejaVu Sans Book" panose="020B0603030804020204" pitchFamily="34" charset="0"/>
+                <a:ea typeface="DejaVu Sans Book" panose="020B0603030804020204" pitchFamily="34" charset="0"/>
+                <a:cs typeface="DejaVu Sans Book" panose="020B0603030804020204" pitchFamily="34" charset="0"/>
+              </a:rPr>
+              <a:t>BO</a:t>
+            </a:r>
+            <a:r>
+              <a:rPr lang="en-US" sz="1100" baseline="-25000" dirty="0">
+                <a:latin typeface="DejaVu Sans Book" panose="020B0603030804020204" pitchFamily="34" charset="0"/>
+                <a:ea typeface="DejaVu Sans Book" panose="020B0603030804020204" pitchFamily="34" charset="0"/>
+                <a:cs typeface="DejaVu Sans Book" panose="020B0603030804020204" pitchFamily="34" charset="0"/>
+              </a:rPr>
+              <a:t>0</a:t>
+            </a:r>
+            <a:br>
+              <a:rPr lang="en-US" sz="1100" dirty="0">
+                <a:latin typeface="DejaVu Sans Book" panose="020B0603030804020204" pitchFamily="34" charset="0"/>
+                <a:ea typeface="DejaVu Sans Book" panose="020B0603030804020204" pitchFamily="34" charset="0"/>
+                <a:cs typeface="DejaVu Sans Book" panose="020B0603030804020204" pitchFamily="34" charset="0"/>
+              </a:rPr>
+            </a:br>
+            <a:r>
+              <a:rPr lang="en-US" sz="1100" dirty="0">
+                <a:latin typeface="DejaVu Sans Book" panose="020B0603030804020204" pitchFamily="34" charset="0"/>
+                <a:ea typeface="DejaVu Sans Book" panose="020B0603030804020204" pitchFamily="34" charset="0"/>
+                <a:cs typeface="DejaVu Sans Book" panose="020B0603030804020204" pitchFamily="34" charset="0"/>
+              </a:rPr>
+              <a:t>ABCD</a:t>
+            </a:r>
+          </a:p>
+        </p:txBody>
+      </p:sp>
+      <p:sp>
+        <p:nvSpPr>
+          <p:cNvPr id="307" name="TextBox 306">
+            <a:extLst>
+              <a:ext uri="{FF2B5EF4-FFF2-40B4-BE49-F238E27FC236}">
+                <a16:creationId xmlns:a16="http://schemas.microsoft.com/office/drawing/2014/main" id="{63364F40-EDBD-6446-AEB0-78A4DD38B902}"/>
+              </a:ext>
+            </a:extLst>
+          </p:cNvPr>
+          <p:cNvSpPr txBox="1"/>
+          <p:nvPr/>
+        </p:nvSpPr>
+        <p:spPr>
+          <a:xfrm>
+            <a:off x="2217103" y="9316793"/>
+            <a:ext cx="543739" cy="430887"/>
+          </a:xfrm>
+          <a:prstGeom prst="rect">
+            <a:avLst/>
+          </a:prstGeom>
+          <a:noFill/>
+        </p:spPr>
+        <p:txBody>
+          <a:bodyPr wrap="none" rtlCol="0">
+            <a:spAutoFit/>
+          </a:bodyPr>
+          <a:lstStyle/>
+          <a:p>
+            <a:pPr algn="ctr"/>
+            <a:r>
+              <a:rPr lang="en-US" sz="1100" dirty="0">
+                <a:solidFill>
+                  <a:schemeClr val="accent2"/>
+                </a:solidFill>
+                <a:latin typeface="DejaVu Sans Book" panose="020B0603030804020204" pitchFamily="34" charset="0"/>
+                <a:ea typeface="DejaVu Sans Book" panose="020B0603030804020204" pitchFamily="34" charset="0"/>
+                <a:cs typeface="DejaVu Sans Book" panose="020B0603030804020204" pitchFamily="34" charset="0"/>
+              </a:rPr>
+              <a:t>BI</a:t>
+            </a:r>
+            <a:r>
+              <a:rPr lang="en-US" sz="1100" baseline="-25000" dirty="0">
+                <a:solidFill>
+                  <a:schemeClr val="accent2"/>
+                </a:solidFill>
+                <a:latin typeface="DejaVu Sans Book" panose="020B0603030804020204" pitchFamily="34" charset="0"/>
+                <a:ea typeface="DejaVu Sans Book" panose="020B0603030804020204" pitchFamily="34" charset="0"/>
+                <a:cs typeface="DejaVu Sans Book" panose="020B0603030804020204" pitchFamily="34" charset="0"/>
+              </a:rPr>
+              <a:t>1</a:t>
+            </a:r>
+            <a:br>
+              <a:rPr lang="en-US" sz="1100" dirty="0">
+                <a:solidFill>
+                  <a:schemeClr val="accent2"/>
+                </a:solidFill>
+                <a:latin typeface="DejaVu Sans Book" panose="020B0603030804020204" pitchFamily="34" charset="0"/>
+                <a:ea typeface="DejaVu Sans Book" panose="020B0603030804020204" pitchFamily="34" charset="0"/>
+                <a:cs typeface="DejaVu Sans Book" panose="020B0603030804020204" pitchFamily="34" charset="0"/>
+              </a:rPr>
+            </a:br>
+            <a:r>
+              <a:rPr lang="en-US" sz="1100" dirty="0">
+                <a:solidFill>
+                  <a:schemeClr val="accent2"/>
+                </a:solidFill>
+                <a:latin typeface="DejaVu Sans Book" panose="020B0603030804020204" pitchFamily="34" charset="0"/>
+                <a:ea typeface="DejaVu Sans Book" panose="020B0603030804020204" pitchFamily="34" charset="0"/>
+                <a:cs typeface="DejaVu Sans Book" panose="020B0603030804020204" pitchFamily="34" charset="0"/>
+              </a:rPr>
+              <a:t>0276</a:t>
+            </a:r>
+          </a:p>
+        </p:txBody>
+      </p:sp>
+      <p:sp>
+        <p:nvSpPr>
+          <p:cNvPr id="308" name="TextBox 307">
+            <a:extLst>
+              <a:ext uri="{FF2B5EF4-FFF2-40B4-BE49-F238E27FC236}">
+                <a16:creationId xmlns:a16="http://schemas.microsoft.com/office/drawing/2014/main" id="{B6509895-9810-C740-A0D8-D27D9497082E}"/>
+              </a:ext>
+            </a:extLst>
+          </p:cNvPr>
+          <p:cNvSpPr txBox="1"/>
+          <p:nvPr/>
+        </p:nvSpPr>
+        <p:spPr>
+          <a:xfrm>
+            <a:off x="2633633" y="9316793"/>
+            <a:ext cx="570990" cy="430887"/>
+          </a:xfrm>
+          <a:prstGeom prst="rect">
+            <a:avLst/>
+          </a:prstGeom>
+          <a:noFill/>
+        </p:spPr>
+        <p:txBody>
+          <a:bodyPr wrap="none" rtlCol="0">
+            <a:spAutoFit/>
+          </a:bodyPr>
+          <a:lstStyle/>
+          <a:p>
+            <a:pPr algn="ctr"/>
+            <a:r>
+              <a:rPr lang="en-US" sz="1100" dirty="0">
+                <a:latin typeface="DejaVu Sans Book" panose="020B0603030804020204" pitchFamily="34" charset="0"/>
+                <a:ea typeface="DejaVu Sans Book" panose="020B0603030804020204" pitchFamily="34" charset="0"/>
+                <a:cs typeface="DejaVu Sans Book" panose="020B0603030804020204" pitchFamily="34" charset="0"/>
+              </a:rPr>
+              <a:t>BO</a:t>
+            </a:r>
+            <a:r>
+              <a:rPr lang="en-US" sz="1100" baseline="-25000" dirty="0">
+                <a:latin typeface="DejaVu Sans Book" panose="020B0603030804020204" pitchFamily="34" charset="0"/>
+                <a:ea typeface="DejaVu Sans Book" panose="020B0603030804020204" pitchFamily="34" charset="0"/>
+                <a:cs typeface="DejaVu Sans Book" panose="020B0603030804020204" pitchFamily="34" charset="0"/>
+              </a:rPr>
+              <a:t>1</a:t>
+            </a:r>
+            <a:br>
+              <a:rPr lang="en-US" sz="1100" dirty="0">
+                <a:latin typeface="DejaVu Sans Book" panose="020B0603030804020204" pitchFamily="34" charset="0"/>
+                <a:ea typeface="DejaVu Sans Book" panose="020B0603030804020204" pitchFamily="34" charset="0"/>
+                <a:cs typeface="DejaVu Sans Book" panose="020B0603030804020204" pitchFamily="34" charset="0"/>
+              </a:rPr>
+            </a:br>
+            <a:r>
+              <a:rPr lang="en-US" sz="1100" dirty="0">
+                <a:latin typeface="DejaVu Sans Book" panose="020B0603030804020204" pitchFamily="34" charset="0"/>
+                <a:ea typeface="DejaVu Sans Book" panose="020B0603030804020204" pitchFamily="34" charset="0"/>
+                <a:cs typeface="DejaVu Sans Book" panose="020B0603030804020204" pitchFamily="34" charset="0"/>
+              </a:rPr>
+              <a:t>EFGH</a:t>
+            </a:r>
+          </a:p>
+        </p:txBody>
+      </p:sp>
+      <p:cxnSp>
+        <p:nvCxnSpPr>
+          <p:cNvPr id="309" name="Straight Arrow Connector 308">
+            <a:extLst>
+              <a:ext uri="{FF2B5EF4-FFF2-40B4-BE49-F238E27FC236}">
+                <a16:creationId xmlns:a16="http://schemas.microsoft.com/office/drawing/2014/main" id="{018F2222-A964-FB4A-82C9-56245D21DFD3}"/>
+              </a:ext>
+            </a:extLst>
+          </p:cNvPr>
+          <p:cNvCxnSpPr>
+            <a:cxnSpLocks/>
+            <a:endCxn id="272" idx="1"/>
+          </p:cNvCxnSpPr>
+          <p:nvPr/>
+        </p:nvCxnSpPr>
+        <p:spPr>
+          <a:xfrm>
+            <a:off x="1786295" y="9747039"/>
+            <a:ext cx="8038" cy="168821"/>
+          </a:xfrm>
+          <a:prstGeom prst="straightConnector1">
+            <a:avLst/>
+          </a:prstGeom>
+          <a:ln w="25400">
+            <a:solidFill>
+              <a:schemeClr val="accent2"/>
+            </a:solidFill>
+            <a:headEnd type="none" w="med" len="med"/>
+            <a:tailEnd type="arrow" w="med" len="med"/>
+          </a:ln>
+        </p:spPr>
+        <p:style>
+          <a:lnRef idx="3">
+            <a:schemeClr val="accent1"/>
+          </a:lnRef>
+          <a:fillRef idx="0">
+            <a:schemeClr val="accent1"/>
+          </a:fillRef>
+          <a:effectRef idx="2">
+            <a:schemeClr val="accent1"/>
+          </a:effectRef>
+          <a:fontRef idx="minor">
+            <a:schemeClr val="tx1"/>
+          </a:fontRef>
+        </p:style>
+      </p:cxnSp>
+      <p:cxnSp>
+        <p:nvCxnSpPr>
+          <p:cNvPr id="312" name="Straight Arrow Connector 311">
+            <a:extLst>
+              <a:ext uri="{FF2B5EF4-FFF2-40B4-BE49-F238E27FC236}">
+                <a16:creationId xmlns:a16="http://schemas.microsoft.com/office/drawing/2014/main" id="{8F3DBF9B-0FEF-4C4C-BBE4-09B198C2977F}"/>
+              </a:ext>
+            </a:extLst>
+          </p:cNvPr>
+          <p:cNvCxnSpPr>
+            <a:cxnSpLocks/>
+            <a:endCxn id="272" idx="7"/>
+          </p:cNvCxnSpPr>
+          <p:nvPr/>
+        </p:nvCxnSpPr>
+        <p:spPr>
+          <a:xfrm>
+            <a:off x="2089702" y="9746222"/>
+            <a:ext cx="0" cy="169638"/>
+          </a:xfrm>
+          <a:prstGeom prst="straightConnector1">
+            <a:avLst/>
+          </a:prstGeom>
+          <a:ln w="25400">
+            <a:solidFill>
+              <a:schemeClr val="tx1"/>
+            </a:solidFill>
+            <a:headEnd type="none" w="med" len="med"/>
+            <a:tailEnd type="arrow" w="med" len="med"/>
+          </a:ln>
+        </p:spPr>
+        <p:style>
+          <a:lnRef idx="3">
+            <a:schemeClr val="accent1"/>
+          </a:lnRef>
+          <a:fillRef idx="0">
+            <a:schemeClr val="accent1"/>
+          </a:fillRef>
+          <a:effectRef idx="2">
+            <a:schemeClr val="accent1"/>
+          </a:effectRef>
+          <a:fontRef idx="minor">
+            <a:schemeClr val="tx1"/>
+          </a:fontRef>
+        </p:style>
+      </p:cxnSp>
+      <p:cxnSp>
+        <p:nvCxnSpPr>
+          <p:cNvPr id="315" name="Straight Arrow Connector 314">
+            <a:extLst>
+              <a:ext uri="{FF2B5EF4-FFF2-40B4-BE49-F238E27FC236}">
+                <a16:creationId xmlns:a16="http://schemas.microsoft.com/office/drawing/2014/main" id="{59E60149-D275-5245-859F-B823C1AA9E22}"/>
+              </a:ext>
+            </a:extLst>
+          </p:cNvPr>
+          <p:cNvCxnSpPr>
+            <a:cxnSpLocks/>
+            <a:endCxn id="290" idx="1"/>
+          </p:cNvCxnSpPr>
+          <p:nvPr/>
+        </p:nvCxnSpPr>
+        <p:spPr>
+          <a:xfrm>
+            <a:off x="2506317" y="9746222"/>
+            <a:ext cx="0" cy="169638"/>
+          </a:xfrm>
+          <a:prstGeom prst="straightConnector1">
+            <a:avLst/>
+          </a:prstGeom>
+          <a:ln w="25400">
+            <a:solidFill>
+              <a:schemeClr val="accent2"/>
+            </a:solidFill>
+            <a:headEnd type="none" w="med" len="med"/>
+            <a:tailEnd type="arrow" w="med" len="med"/>
+          </a:ln>
+        </p:spPr>
+        <p:style>
+          <a:lnRef idx="3">
+            <a:schemeClr val="accent1"/>
+          </a:lnRef>
+          <a:fillRef idx="0">
+            <a:schemeClr val="accent1"/>
+          </a:fillRef>
+          <a:effectRef idx="2">
+            <a:schemeClr val="accent1"/>
+          </a:effectRef>
+          <a:fontRef idx="minor">
+            <a:schemeClr val="tx1"/>
+          </a:fontRef>
+        </p:style>
+      </p:cxnSp>
+      <p:cxnSp>
+        <p:nvCxnSpPr>
+          <p:cNvPr id="318" name="Straight Arrow Connector 317">
+            <a:extLst>
+              <a:ext uri="{FF2B5EF4-FFF2-40B4-BE49-F238E27FC236}">
+                <a16:creationId xmlns:a16="http://schemas.microsoft.com/office/drawing/2014/main" id="{AE4DC99B-DF04-3549-BDA3-793C973232B8}"/>
+              </a:ext>
+            </a:extLst>
+          </p:cNvPr>
+          <p:cNvCxnSpPr>
+            <a:cxnSpLocks/>
+            <a:endCxn id="290" idx="7"/>
+          </p:cNvCxnSpPr>
+          <p:nvPr/>
+        </p:nvCxnSpPr>
+        <p:spPr>
+          <a:xfrm>
+            <a:off x="2801686" y="9746222"/>
+            <a:ext cx="0" cy="169638"/>
+          </a:xfrm>
+          <a:prstGeom prst="straightConnector1">
+            <a:avLst/>
+          </a:prstGeom>
+          <a:ln w="25400">
+            <a:solidFill>
+              <a:schemeClr val="tx1"/>
+            </a:solidFill>
+            <a:headEnd type="none" w="med" len="med"/>
+            <a:tailEnd type="arrow" w="med" len="med"/>
+          </a:ln>
+        </p:spPr>
+        <p:style>
+          <a:lnRef idx="3">
+            <a:schemeClr val="accent1"/>
+          </a:lnRef>
+          <a:fillRef idx="0">
+            <a:schemeClr val="accent1"/>
+          </a:fillRef>
+          <a:effectRef idx="2">
+            <a:schemeClr val="accent1"/>
+          </a:effectRef>
+          <a:fontRef idx="minor">
+            <a:schemeClr val="tx1"/>
+          </a:fontRef>
+        </p:style>
+      </p:cxnSp>
+      <p:sp>
+        <p:nvSpPr>
+          <p:cNvPr id="330" name="TextBox 329">
+            <a:extLst>
+              <a:ext uri="{FF2B5EF4-FFF2-40B4-BE49-F238E27FC236}">
+                <a16:creationId xmlns:a16="http://schemas.microsoft.com/office/drawing/2014/main" id="{E4960F1C-64F9-3340-938A-4B66E9CB9B2A}"/>
+              </a:ext>
+            </a:extLst>
+          </p:cNvPr>
+          <p:cNvSpPr txBox="1"/>
+          <p:nvPr/>
+        </p:nvSpPr>
+        <p:spPr>
+          <a:xfrm>
+            <a:off x="1500949" y="10260450"/>
+            <a:ext cx="582212" cy="261610"/>
+          </a:xfrm>
+          <a:prstGeom prst="rect">
+            <a:avLst/>
+          </a:prstGeom>
+          <a:noFill/>
+          <a:ln>
+            <a:noFill/>
+          </a:ln>
+        </p:spPr>
+        <p:txBody>
+          <a:bodyPr wrap="none" rtlCol="0">
+            <a:spAutoFit/>
+          </a:bodyPr>
+          <a:lstStyle/>
+          <a:p>
+            <a:pPr algn="ctr"/>
+            <a:r>
+              <a:rPr lang="en-US" sz="1100" dirty="0">
+                <a:solidFill>
+                  <a:schemeClr val="tx1">
+                    <a:lumMod val="50000"/>
+                    <a:lumOff val="50000"/>
+                  </a:schemeClr>
+                </a:solidFill>
+                <a:latin typeface="DejaVu Sans Book" panose="020B0603030804020204" pitchFamily="34" charset="0"/>
+                <a:ea typeface="DejaVu Sans Book" panose="020B0603030804020204" pitchFamily="34" charset="0"/>
+                <a:cs typeface="DejaVu Sans Book" panose="020B0603030804020204" pitchFamily="34" charset="0"/>
+              </a:rPr>
+              <a:t>X</a:t>
+            </a:r>
+            <a:r>
+              <a:rPr lang="en-US" sz="1100" dirty="0">
+                <a:latin typeface="DejaVu Sans Book" panose="020B0603030804020204" pitchFamily="34" charset="0"/>
+                <a:ea typeface="DejaVu Sans Book" panose="020B0603030804020204" pitchFamily="34" charset="0"/>
+                <a:cs typeface="DejaVu Sans Book" panose="020B0603030804020204" pitchFamily="34" charset="0"/>
+              </a:rPr>
+              <a:t>A</a:t>
+            </a:r>
+            <a:r>
+              <a:rPr lang="en-US" sz="1100" dirty="0">
+                <a:solidFill>
+                  <a:schemeClr val="tx1">
+                    <a:lumMod val="50000"/>
+                    <a:lumOff val="50000"/>
+                  </a:schemeClr>
+                </a:solidFill>
+                <a:latin typeface="DejaVu Sans Book" panose="020B0603030804020204" pitchFamily="34" charset="0"/>
+                <a:ea typeface="DejaVu Sans Book" panose="020B0603030804020204" pitchFamily="34" charset="0"/>
+                <a:cs typeface="DejaVu Sans Book" panose="020B0603030804020204" pitchFamily="34" charset="0"/>
+              </a:rPr>
+              <a:t>X</a:t>
+            </a:r>
+            <a:r>
+              <a:rPr lang="en-US" sz="1100" dirty="0">
+                <a:latin typeface="DejaVu Sans Book" panose="020B0603030804020204" pitchFamily="34" charset="0"/>
+                <a:ea typeface="DejaVu Sans Book" panose="020B0603030804020204" pitchFamily="34" charset="0"/>
+                <a:cs typeface="DejaVu Sans Book" panose="020B0603030804020204" pitchFamily="34" charset="0"/>
+              </a:rPr>
+              <a:t>D</a:t>
+            </a:r>
+          </a:p>
+        </p:txBody>
+      </p:sp>
+      <p:sp>
+        <p:nvSpPr>
+          <p:cNvPr id="331" name="TextBox 330">
+            <a:extLst>
+              <a:ext uri="{FF2B5EF4-FFF2-40B4-BE49-F238E27FC236}">
+                <a16:creationId xmlns:a16="http://schemas.microsoft.com/office/drawing/2014/main" id="{3D5782D0-B76D-9D46-BEBB-D6567B688B4B}"/>
+              </a:ext>
+            </a:extLst>
+          </p:cNvPr>
+          <p:cNvSpPr txBox="1"/>
+          <p:nvPr/>
+        </p:nvSpPr>
+        <p:spPr>
+          <a:xfrm>
+            <a:off x="2608226" y="10262464"/>
+            <a:ext cx="548547" cy="261610"/>
+          </a:xfrm>
+          <a:prstGeom prst="rect">
+            <a:avLst/>
+          </a:prstGeom>
+          <a:noFill/>
+          <a:ln>
+            <a:noFill/>
+          </a:ln>
+        </p:spPr>
+        <p:txBody>
+          <a:bodyPr wrap="none" rtlCol="0">
+            <a:spAutoFit/>
+          </a:bodyPr>
+          <a:lstStyle/>
+          <a:p>
+            <a:pPr algn="ctr"/>
+            <a:r>
+              <a:rPr lang="en-US" sz="1100" dirty="0">
+                <a:latin typeface="DejaVu Sans Book" panose="020B0603030804020204" pitchFamily="34" charset="0"/>
+                <a:ea typeface="DejaVu Sans Book" panose="020B0603030804020204" pitchFamily="34" charset="0"/>
+                <a:cs typeface="DejaVu Sans Book" panose="020B0603030804020204" pitchFamily="34" charset="0"/>
+              </a:rPr>
+              <a:t>E</a:t>
+            </a:r>
+            <a:r>
+              <a:rPr lang="en-US" sz="1100" dirty="0">
+                <a:solidFill>
+                  <a:schemeClr val="tx1">
+                    <a:lumMod val="50000"/>
+                    <a:lumOff val="50000"/>
+                  </a:schemeClr>
+                </a:solidFill>
+                <a:latin typeface="DejaVu Sans Book" panose="020B0603030804020204" pitchFamily="34" charset="0"/>
+                <a:ea typeface="DejaVu Sans Book" panose="020B0603030804020204" pitchFamily="34" charset="0"/>
+                <a:cs typeface="DejaVu Sans Book" panose="020B0603030804020204" pitchFamily="34" charset="0"/>
+              </a:rPr>
+              <a:t>X</a:t>
+            </a:r>
+            <a:r>
+              <a:rPr lang="en-US" sz="1100" dirty="0">
+                <a:latin typeface="DejaVu Sans Book" panose="020B0603030804020204" pitchFamily="34" charset="0"/>
+                <a:ea typeface="DejaVu Sans Book" panose="020B0603030804020204" pitchFamily="34" charset="0"/>
+                <a:cs typeface="DejaVu Sans Book" panose="020B0603030804020204" pitchFamily="34" charset="0"/>
+              </a:rPr>
+              <a:t>F</a:t>
+            </a:r>
+            <a:r>
+              <a:rPr lang="en-US" sz="1100" dirty="0">
+                <a:solidFill>
+                  <a:schemeClr val="tx1">
+                    <a:lumMod val="50000"/>
+                    <a:lumOff val="50000"/>
+                  </a:schemeClr>
+                </a:solidFill>
+                <a:latin typeface="DejaVu Sans Book" panose="020B0603030804020204" pitchFamily="34" charset="0"/>
+                <a:ea typeface="DejaVu Sans Book" panose="020B0603030804020204" pitchFamily="34" charset="0"/>
+                <a:cs typeface="DejaVu Sans Book" panose="020B0603030804020204" pitchFamily="34" charset="0"/>
+              </a:rPr>
+              <a:t>X</a:t>
+            </a:r>
+            <a:endParaRPr lang="en-US" sz="1100" dirty="0">
+              <a:latin typeface="DejaVu Sans Book" panose="020B0603030804020204" pitchFamily="34" charset="0"/>
+              <a:ea typeface="DejaVu Sans Book" panose="020B0603030804020204" pitchFamily="34" charset="0"/>
+              <a:cs typeface="DejaVu Sans Book" panose="020B0603030804020204" pitchFamily="34" charset="0"/>
+            </a:endParaRPr>
+          </a:p>
+        </p:txBody>
+      </p:sp>
+      <p:sp>
+        <p:nvSpPr>
+          <p:cNvPr id="332" name="TextBox 331">
+            <a:extLst>
+              <a:ext uri="{FF2B5EF4-FFF2-40B4-BE49-F238E27FC236}">
+                <a16:creationId xmlns:a16="http://schemas.microsoft.com/office/drawing/2014/main" id="{0388B19B-7289-1948-80BB-08BFD8BF4F3C}"/>
+              </a:ext>
+            </a:extLst>
+          </p:cNvPr>
+          <p:cNvSpPr txBox="1"/>
+          <p:nvPr/>
+        </p:nvSpPr>
+        <p:spPr>
+          <a:xfrm>
+            <a:off x="2312701" y="10838005"/>
+            <a:ext cx="561371" cy="430887"/>
+          </a:xfrm>
+          <a:prstGeom prst="rect">
+            <a:avLst/>
+          </a:prstGeom>
+          <a:noFill/>
+          <a:ln>
+            <a:noFill/>
+          </a:ln>
+        </p:spPr>
+        <p:txBody>
+          <a:bodyPr wrap="none" rtlCol="0">
+            <a:spAutoFit/>
+          </a:bodyPr>
+          <a:lstStyle/>
+          <a:p>
+            <a:pPr algn="ctr"/>
+            <a:r>
+              <a:rPr lang="en-US" sz="1100" dirty="0">
+                <a:latin typeface="DejaVu Sans Book" panose="020B0603030804020204" pitchFamily="34" charset="0"/>
+                <a:ea typeface="DejaVu Sans Book" panose="020B0603030804020204" pitchFamily="34" charset="0"/>
+                <a:cs typeface="DejaVu Sans Book" panose="020B0603030804020204" pitchFamily="34" charset="0"/>
+              </a:rPr>
+              <a:t>BO</a:t>
+            </a:r>
+            <a:r>
+              <a:rPr lang="en-US" sz="1100" baseline="-25000" dirty="0">
+                <a:latin typeface="DejaVu Sans Book" panose="020B0603030804020204" pitchFamily="34" charset="0"/>
+                <a:ea typeface="DejaVu Sans Book" panose="020B0603030804020204" pitchFamily="34" charset="0"/>
+                <a:cs typeface="DejaVu Sans Book" panose="020B0603030804020204" pitchFamily="34" charset="0"/>
+              </a:rPr>
+              <a:t>A</a:t>
+            </a:r>
+            <a:br>
+              <a:rPr lang="en-US" sz="1100" dirty="0">
+                <a:latin typeface="DejaVu Sans Book" panose="020B0603030804020204" pitchFamily="34" charset="0"/>
+                <a:ea typeface="DejaVu Sans Book" panose="020B0603030804020204" pitchFamily="34" charset="0"/>
+                <a:cs typeface="DejaVu Sans Book" panose="020B0603030804020204" pitchFamily="34" charset="0"/>
+              </a:rPr>
+            </a:br>
+            <a:r>
+              <a:rPr lang="en-US" sz="1100" dirty="0">
+                <a:latin typeface="DejaVu Sans Book" panose="020B0603030804020204" pitchFamily="34" charset="0"/>
+                <a:ea typeface="DejaVu Sans Book" panose="020B0603030804020204" pitchFamily="34" charset="0"/>
+                <a:cs typeface="DejaVu Sans Book" panose="020B0603030804020204" pitchFamily="34" charset="0"/>
+              </a:rPr>
+              <a:t>EAFD</a:t>
+            </a:r>
+          </a:p>
+        </p:txBody>
+      </p:sp>
+      <p:cxnSp>
+        <p:nvCxnSpPr>
+          <p:cNvPr id="333" name="Straight Arrow Connector 332">
+            <a:extLst>
+              <a:ext uri="{FF2B5EF4-FFF2-40B4-BE49-F238E27FC236}">
+                <a16:creationId xmlns:a16="http://schemas.microsoft.com/office/drawing/2014/main" id="{D13AA7F7-198F-B64A-9331-6157CA61F6C7}"/>
+              </a:ext>
+            </a:extLst>
+          </p:cNvPr>
+          <p:cNvCxnSpPr>
+            <a:cxnSpLocks/>
+            <a:stCxn id="275" idx="4"/>
+          </p:cNvCxnSpPr>
+          <p:nvPr/>
+        </p:nvCxnSpPr>
+        <p:spPr>
+          <a:xfrm>
+            <a:off x="2301099" y="10823108"/>
+            <a:ext cx="0" cy="210782"/>
+          </a:xfrm>
+          <a:prstGeom prst="straightConnector1">
+            <a:avLst/>
+          </a:prstGeom>
+          <a:ln w="25400">
+            <a:solidFill>
+              <a:schemeClr val="tx1"/>
+            </a:solidFill>
+            <a:headEnd type="none" w="med" len="med"/>
+            <a:tailEnd type="arrow" w="med" len="med"/>
+          </a:ln>
+        </p:spPr>
+        <p:style>
+          <a:lnRef idx="3">
+            <a:schemeClr val="accent1"/>
+          </a:lnRef>
+          <a:fillRef idx="0">
+            <a:schemeClr val="accent1"/>
+          </a:fillRef>
+          <a:effectRef idx="2">
+            <a:schemeClr val="accent1"/>
+          </a:effectRef>
+          <a:fontRef idx="minor">
+            <a:schemeClr val="tx1"/>
+          </a:fontRef>
+        </p:style>
+      </p:cxnSp>
+      <p:sp>
+        <p:nvSpPr>
+          <p:cNvPr id="336" name="TextBox 335">
+            <a:extLst>
+              <a:ext uri="{FF2B5EF4-FFF2-40B4-BE49-F238E27FC236}">
+                <a16:creationId xmlns:a16="http://schemas.microsoft.com/office/drawing/2014/main" id="{743404FB-582B-EE47-8387-2727972FC74D}"/>
+              </a:ext>
+            </a:extLst>
+          </p:cNvPr>
+          <p:cNvSpPr txBox="1"/>
+          <p:nvPr/>
+        </p:nvSpPr>
+        <p:spPr>
+          <a:xfrm>
+            <a:off x="3523022" y="9599261"/>
+            <a:ext cx="381836" cy="261610"/>
+          </a:xfrm>
+          <a:prstGeom prst="rect">
+            <a:avLst/>
+          </a:prstGeom>
+          <a:noFill/>
+          <a:ln>
+            <a:noFill/>
+          </a:ln>
+        </p:spPr>
+        <p:txBody>
+          <a:bodyPr wrap="none" rtlCol="0">
+            <a:spAutoFit/>
+          </a:bodyPr>
+          <a:lstStyle/>
+          <a:p>
+            <a:pPr algn="ctr"/>
+            <a:r>
+              <a:rPr lang="en-US" sz="1100" dirty="0">
+                <a:solidFill>
+                  <a:schemeClr val="accent2"/>
+                </a:solidFill>
+                <a:latin typeface="DejaVu Sans Book" panose="020B0603030804020204" pitchFamily="34" charset="0"/>
+                <a:ea typeface="DejaVu Sans Book" panose="020B0603030804020204" pitchFamily="34" charset="0"/>
+                <a:cs typeface="DejaVu Sans Book" panose="020B0603030804020204" pitchFamily="34" charset="0"/>
+              </a:rPr>
+              <a:t>BI</a:t>
+            </a:r>
+            <a:r>
+              <a:rPr lang="en-US" sz="1100" baseline="-25000" dirty="0">
+                <a:solidFill>
+                  <a:schemeClr val="accent2"/>
+                </a:solidFill>
+                <a:latin typeface="DejaVu Sans Book" panose="020B0603030804020204" pitchFamily="34" charset="0"/>
+                <a:ea typeface="DejaVu Sans Book" panose="020B0603030804020204" pitchFamily="34" charset="0"/>
+                <a:cs typeface="DejaVu Sans Book" panose="020B0603030804020204" pitchFamily="34" charset="0"/>
+              </a:rPr>
+              <a:t>0</a:t>
+            </a:r>
+            <a:endParaRPr lang="en-US" sz="1100" dirty="0">
+              <a:latin typeface="DejaVu Sans Book" panose="020B0603030804020204" pitchFamily="34" charset="0"/>
+              <a:ea typeface="DejaVu Sans Book" panose="020B0603030804020204" pitchFamily="34" charset="0"/>
+              <a:cs typeface="DejaVu Sans Book" panose="020B0603030804020204" pitchFamily="34" charset="0"/>
+            </a:endParaRPr>
+          </a:p>
+        </p:txBody>
+      </p:sp>
+      <p:sp>
+        <p:nvSpPr>
+          <p:cNvPr id="337" name="TextBox 336">
+            <a:extLst>
+              <a:ext uri="{FF2B5EF4-FFF2-40B4-BE49-F238E27FC236}">
+                <a16:creationId xmlns:a16="http://schemas.microsoft.com/office/drawing/2014/main" id="{AC20A91D-C8EB-C74B-8AC9-79C4370207BD}"/>
+              </a:ext>
+            </a:extLst>
+          </p:cNvPr>
+          <p:cNvSpPr txBox="1"/>
+          <p:nvPr/>
+        </p:nvSpPr>
+        <p:spPr>
+          <a:xfrm>
+            <a:off x="4461053" y="9672127"/>
+            <a:ext cx="450764" cy="261610"/>
+          </a:xfrm>
+          <a:prstGeom prst="rect">
+            <a:avLst/>
+          </a:prstGeom>
+          <a:noFill/>
+          <a:ln>
+            <a:noFill/>
+          </a:ln>
+        </p:spPr>
+        <p:txBody>
+          <a:bodyPr wrap="none" rtlCol="0">
+            <a:spAutoFit/>
+          </a:bodyPr>
+          <a:lstStyle/>
+          <a:p>
+            <a:pPr algn="ctr"/>
+            <a:r>
+              <a:rPr lang="en-US" sz="1100" dirty="0">
+                <a:latin typeface="DejaVu Sans Book" panose="020B0603030804020204" pitchFamily="34" charset="0"/>
+                <a:ea typeface="DejaVu Sans Book" panose="020B0603030804020204" pitchFamily="34" charset="0"/>
+                <a:cs typeface="DejaVu Sans Book" panose="020B0603030804020204" pitchFamily="34" charset="0"/>
+              </a:rPr>
+              <a:t>BO</a:t>
+            </a:r>
+            <a:r>
+              <a:rPr lang="en-US" sz="1100" baseline="-25000" dirty="0">
+                <a:latin typeface="DejaVu Sans Book" panose="020B0603030804020204" pitchFamily="34" charset="0"/>
+                <a:ea typeface="DejaVu Sans Book" panose="020B0603030804020204" pitchFamily="34" charset="0"/>
+                <a:cs typeface="DejaVu Sans Book" panose="020B0603030804020204" pitchFamily="34" charset="0"/>
+              </a:rPr>
+              <a:t>0</a:t>
+            </a:r>
+            <a:endParaRPr lang="en-US" sz="1100" dirty="0">
+              <a:latin typeface="DejaVu Sans Book" panose="020B0603030804020204" pitchFamily="34" charset="0"/>
+              <a:ea typeface="DejaVu Sans Book" panose="020B0603030804020204" pitchFamily="34" charset="0"/>
+              <a:cs typeface="DejaVu Sans Book" panose="020B0603030804020204" pitchFamily="34" charset="0"/>
+            </a:endParaRPr>
+          </a:p>
+        </p:txBody>
+      </p:sp>
+      <p:sp>
+        <p:nvSpPr>
+          <p:cNvPr id="338" name="TextBox 337">
+            <a:extLst>
+              <a:ext uri="{FF2B5EF4-FFF2-40B4-BE49-F238E27FC236}">
+                <a16:creationId xmlns:a16="http://schemas.microsoft.com/office/drawing/2014/main" id="{ABF80DD5-90E6-0D4B-8774-57308EF89A94}"/>
+              </a:ext>
+            </a:extLst>
+          </p:cNvPr>
+          <p:cNvSpPr txBox="1"/>
+          <p:nvPr/>
+        </p:nvSpPr>
+        <p:spPr>
+          <a:xfrm>
+            <a:off x="5565621" y="9893794"/>
+            <a:ext cx="450765" cy="261610"/>
+          </a:xfrm>
+          <a:prstGeom prst="rect">
+            <a:avLst/>
+          </a:prstGeom>
+          <a:noFill/>
+          <a:ln>
+            <a:noFill/>
+          </a:ln>
+        </p:spPr>
+        <p:txBody>
+          <a:bodyPr wrap="none" rtlCol="0">
+            <a:spAutoFit/>
+          </a:bodyPr>
+          <a:lstStyle/>
+          <a:p>
+            <a:pPr algn="ctr"/>
+            <a:r>
+              <a:rPr lang="en-US" sz="1100" dirty="0">
+                <a:latin typeface="DejaVu Sans Book" panose="020B0603030804020204" pitchFamily="34" charset="0"/>
+                <a:ea typeface="DejaVu Sans Book" panose="020B0603030804020204" pitchFamily="34" charset="0"/>
+                <a:cs typeface="DejaVu Sans Book" panose="020B0603030804020204" pitchFamily="34" charset="0"/>
+              </a:rPr>
+              <a:t>BO</a:t>
+            </a:r>
+            <a:r>
+              <a:rPr lang="en-US" sz="1100" baseline="-25000" dirty="0">
+                <a:latin typeface="DejaVu Sans Book" panose="020B0603030804020204" pitchFamily="34" charset="0"/>
+                <a:ea typeface="DejaVu Sans Book" panose="020B0603030804020204" pitchFamily="34" charset="0"/>
+                <a:cs typeface="DejaVu Sans Book" panose="020B0603030804020204" pitchFamily="34" charset="0"/>
+              </a:rPr>
+              <a:t>1</a:t>
+            </a:r>
+            <a:endParaRPr lang="en-US" sz="1100" dirty="0">
+              <a:latin typeface="DejaVu Sans Book" panose="020B0603030804020204" pitchFamily="34" charset="0"/>
+              <a:ea typeface="DejaVu Sans Book" panose="020B0603030804020204" pitchFamily="34" charset="0"/>
+              <a:cs typeface="DejaVu Sans Book" panose="020B0603030804020204" pitchFamily="34" charset="0"/>
+            </a:endParaRPr>
+          </a:p>
+        </p:txBody>
+      </p:sp>
+      <p:sp>
+        <p:nvSpPr>
+          <p:cNvPr id="339" name="TextBox 338">
+            <a:extLst>
+              <a:ext uri="{FF2B5EF4-FFF2-40B4-BE49-F238E27FC236}">
+                <a16:creationId xmlns:a16="http://schemas.microsoft.com/office/drawing/2014/main" id="{42FCEA41-7B51-E144-87AC-4E67B8F2B849}"/>
+              </a:ext>
+            </a:extLst>
+          </p:cNvPr>
+          <p:cNvSpPr txBox="1"/>
+          <p:nvPr/>
+        </p:nvSpPr>
+        <p:spPr>
+          <a:xfrm>
+            <a:off x="5523801" y="10681286"/>
+            <a:ext cx="455574" cy="261610"/>
+          </a:xfrm>
+          <a:prstGeom prst="rect">
+            <a:avLst/>
+          </a:prstGeom>
+          <a:noFill/>
+          <a:ln>
+            <a:noFill/>
+          </a:ln>
+        </p:spPr>
+        <p:txBody>
+          <a:bodyPr wrap="none" rtlCol="0">
+            <a:spAutoFit/>
+          </a:bodyPr>
+          <a:lstStyle/>
+          <a:p>
+            <a:pPr algn="ctr"/>
+            <a:r>
+              <a:rPr lang="en-US" sz="1100" dirty="0">
+                <a:latin typeface="DejaVu Sans Book" panose="020B0603030804020204" pitchFamily="34" charset="0"/>
+                <a:ea typeface="DejaVu Sans Book" panose="020B0603030804020204" pitchFamily="34" charset="0"/>
+                <a:cs typeface="DejaVu Sans Book" panose="020B0603030804020204" pitchFamily="34" charset="0"/>
+              </a:rPr>
+              <a:t>BO</a:t>
+            </a:r>
+            <a:r>
+              <a:rPr lang="en-US" sz="1100" baseline="-25000" dirty="0">
+                <a:latin typeface="DejaVu Sans Book" panose="020B0603030804020204" pitchFamily="34" charset="0"/>
+                <a:ea typeface="DejaVu Sans Book" panose="020B0603030804020204" pitchFamily="34" charset="0"/>
+                <a:cs typeface="DejaVu Sans Book" panose="020B0603030804020204" pitchFamily="34" charset="0"/>
+              </a:rPr>
+              <a:t>B</a:t>
+            </a:r>
+            <a:endParaRPr lang="en-US" sz="1100" dirty="0">
+              <a:latin typeface="DejaVu Sans Book" panose="020B0603030804020204" pitchFamily="34" charset="0"/>
+              <a:ea typeface="DejaVu Sans Book" panose="020B0603030804020204" pitchFamily="34" charset="0"/>
+              <a:cs typeface="DejaVu Sans Book" panose="020B0603030804020204" pitchFamily="34" charset="0"/>
+            </a:endParaRPr>
+          </a:p>
+        </p:txBody>
+      </p:sp>
+      <p:sp>
+        <p:nvSpPr>
+          <p:cNvPr id="340" name="TextBox 339">
+            <a:extLst>
+              <a:ext uri="{FF2B5EF4-FFF2-40B4-BE49-F238E27FC236}">
+                <a16:creationId xmlns:a16="http://schemas.microsoft.com/office/drawing/2014/main" id="{5A36C574-0D88-304A-A167-3DD7D79A0112}"/>
+              </a:ext>
+            </a:extLst>
+          </p:cNvPr>
+          <p:cNvSpPr txBox="1"/>
+          <p:nvPr/>
+        </p:nvSpPr>
+        <p:spPr>
+          <a:xfrm>
+            <a:off x="4209286" y="10681286"/>
+            <a:ext cx="455574" cy="261610"/>
+          </a:xfrm>
+          <a:prstGeom prst="rect">
+            <a:avLst/>
+          </a:prstGeom>
+          <a:noFill/>
+          <a:ln>
+            <a:noFill/>
+          </a:ln>
+        </p:spPr>
+        <p:txBody>
+          <a:bodyPr wrap="none" rtlCol="0">
+            <a:spAutoFit/>
+          </a:bodyPr>
+          <a:lstStyle/>
+          <a:p>
+            <a:pPr algn="ctr"/>
+            <a:r>
+              <a:rPr lang="en-US" sz="1100" dirty="0">
+                <a:latin typeface="DejaVu Sans Book" panose="020B0603030804020204" pitchFamily="34" charset="0"/>
+                <a:ea typeface="DejaVu Sans Book" panose="020B0603030804020204" pitchFamily="34" charset="0"/>
+                <a:cs typeface="DejaVu Sans Book" panose="020B0603030804020204" pitchFamily="34" charset="0"/>
+              </a:rPr>
+              <a:t>BO</a:t>
+            </a:r>
+            <a:r>
+              <a:rPr lang="en-US" sz="1100" baseline="-25000" dirty="0">
+                <a:latin typeface="DejaVu Sans Book" panose="020B0603030804020204" pitchFamily="34" charset="0"/>
+                <a:ea typeface="DejaVu Sans Book" panose="020B0603030804020204" pitchFamily="34" charset="0"/>
+                <a:cs typeface="DejaVu Sans Book" panose="020B0603030804020204" pitchFamily="34" charset="0"/>
+              </a:rPr>
+              <a:t>A</a:t>
+            </a:r>
+            <a:endParaRPr lang="en-US" sz="1100" dirty="0">
+              <a:latin typeface="DejaVu Sans Book" panose="020B0603030804020204" pitchFamily="34" charset="0"/>
+              <a:ea typeface="DejaVu Sans Book" panose="020B0603030804020204" pitchFamily="34" charset="0"/>
+              <a:cs typeface="DejaVu Sans Book" panose="020B0603030804020204" pitchFamily="34" charset="0"/>
+            </a:endParaRPr>
+          </a:p>
+        </p:txBody>
+      </p:sp>
+      <p:sp>
+        <p:nvSpPr>
+          <p:cNvPr id="342" name="TextBox 341">
+            <a:extLst>
+              <a:ext uri="{FF2B5EF4-FFF2-40B4-BE49-F238E27FC236}">
+                <a16:creationId xmlns:a16="http://schemas.microsoft.com/office/drawing/2014/main" id="{32B75EA4-6B86-A545-8DBF-59DC6B8ACAFC}"/>
+              </a:ext>
+            </a:extLst>
+          </p:cNvPr>
+          <p:cNvSpPr txBox="1"/>
+          <p:nvPr/>
+        </p:nvSpPr>
+        <p:spPr>
+          <a:xfrm>
+            <a:off x="5803022" y="9599261"/>
+            <a:ext cx="381836" cy="261610"/>
+          </a:xfrm>
+          <a:prstGeom prst="rect">
+            <a:avLst/>
+          </a:prstGeom>
+          <a:noFill/>
+          <a:ln>
+            <a:noFill/>
+          </a:ln>
+        </p:spPr>
+        <p:txBody>
+          <a:bodyPr wrap="none" rtlCol="0">
+            <a:spAutoFit/>
+          </a:bodyPr>
+          <a:lstStyle/>
+          <a:p>
+            <a:pPr algn="ctr"/>
+            <a:r>
+              <a:rPr lang="en-US" sz="1100" dirty="0">
+                <a:solidFill>
+                  <a:schemeClr val="accent2"/>
+                </a:solidFill>
+                <a:latin typeface="DejaVu Sans Book" panose="020B0603030804020204" pitchFamily="34" charset="0"/>
+                <a:ea typeface="DejaVu Sans Book" panose="020B0603030804020204" pitchFamily="34" charset="0"/>
+                <a:cs typeface="DejaVu Sans Book" panose="020B0603030804020204" pitchFamily="34" charset="0"/>
+              </a:rPr>
+              <a:t>BI</a:t>
+            </a:r>
+            <a:r>
+              <a:rPr lang="en-US" sz="1100" baseline="-25000" dirty="0">
+                <a:solidFill>
+                  <a:schemeClr val="accent2"/>
+                </a:solidFill>
+                <a:latin typeface="DejaVu Sans Book" panose="020B0603030804020204" pitchFamily="34" charset="0"/>
+                <a:ea typeface="DejaVu Sans Book" panose="020B0603030804020204" pitchFamily="34" charset="0"/>
+                <a:cs typeface="DejaVu Sans Book" panose="020B0603030804020204" pitchFamily="34" charset="0"/>
+              </a:rPr>
+              <a:t>1</a:t>
+            </a:r>
+            <a:endParaRPr lang="en-US" sz="1100" dirty="0">
+              <a:latin typeface="DejaVu Sans Book" panose="020B0603030804020204" pitchFamily="34" charset="0"/>
+              <a:ea typeface="DejaVu Sans Book" panose="020B0603030804020204" pitchFamily="34" charset="0"/>
+              <a:cs typeface="DejaVu Sans Book" panose="020B0603030804020204" pitchFamily="34" charset="0"/>
+            </a:endParaRPr>
+          </a:p>
+        </p:txBody>
+      </p:sp>
+      <p:sp>
+        <p:nvSpPr>
+          <p:cNvPr id="343" name="TextBox 342">
+            <a:extLst>
+              <a:ext uri="{FF2B5EF4-FFF2-40B4-BE49-F238E27FC236}">
+                <a16:creationId xmlns:a16="http://schemas.microsoft.com/office/drawing/2014/main" id="{F2A2ABB0-F0CB-8943-B8C7-ADF2E2206558}"/>
+              </a:ext>
+            </a:extLst>
+          </p:cNvPr>
+          <p:cNvSpPr txBox="1"/>
+          <p:nvPr/>
+        </p:nvSpPr>
+        <p:spPr>
+          <a:xfrm>
+            <a:off x="3890831" y="11548296"/>
+            <a:ext cx="357790" cy="261610"/>
+          </a:xfrm>
+          <a:prstGeom prst="rect">
+            <a:avLst/>
+          </a:prstGeom>
+          <a:noFill/>
+          <a:ln>
+            <a:noFill/>
+          </a:ln>
+        </p:spPr>
+        <p:txBody>
+          <a:bodyPr wrap="none" rtlCol="0">
+            <a:spAutoFit/>
+          </a:bodyPr>
+          <a:lstStyle/>
+          <a:p>
+            <a:pPr algn="ctr"/>
+            <a:r>
+              <a:rPr lang="en-US" sz="1100" dirty="0">
+                <a:latin typeface="DejaVu Sans Book" panose="020B0603030804020204" pitchFamily="34" charset="0"/>
+                <a:ea typeface="DejaVu Sans Book" panose="020B0603030804020204" pitchFamily="34" charset="0"/>
+                <a:cs typeface="DejaVu Sans Book" panose="020B0603030804020204" pitchFamily="34" charset="0"/>
+              </a:rPr>
+              <a:t>D</a:t>
+            </a:r>
+            <a:r>
+              <a:rPr lang="en-US" sz="1100" baseline="-25000" dirty="0">
+                <a:latin typeface="DejaVu Sans Book" panose="020B0603030804020204" pitchFamily="34" charset="0"/>
+                <a:ea typeface="DejaVu Sans Book" panose="020B0603030804020204" pitchFamily="34" charset="0"/>
+                <a:cs typeface="DejaVu Sans Book" panose="020B0603030804020204" pitchFamily="34" charset="0"/>
+              </a:rPr>
+              <a:t>A</a:t>
+            </a:r>
+            <a:endParaRPr lang="en-US" sz="1100" dirty="0">
+              <a:latin typeface="DejaVu Sans Book" panose="020B0603030804020204" pitchFamily="34" charset="0"/>
+              <a:ea typeface="DejaVu Sans Book" panose="020B0603030804020204" pitchFamily="34" charset="0"/>
+              <a:cs typeface="DejaVu Sans Book" panose="020B0603030804020204" pitchFamily="34" charset="0"/>
+            </a:endParaRPr>
+          </a:p>
+        </p:txBody>
+      </p:sp>
+      <p:sp>
+        <p:nvSpPr>
+          <p:cNvPr id="344" name="TextBox 343">
+            <a:extLst>
+              <a:ext uri="{FF2B5EF4-FFF2-40B4-BE49-F238E27FC236}">
+                <a16:creationId xmlns:a16="http://schemas.microsoft.com/office/drawing/2014/main" id="{489DE747-CC25-DC4B-A7BE-35A3FFE26C5A}"/>
+              </a:ext>
+            </a:extLst>
+          </p:cNvPr>
+          <p:cNvSpPr txBox="1"/>
+          <p:nvPr/>
+        </p:nvSpPr>
+        <p:spPr>
+          <a:xfrm>
+            <a:off x="5515743" y="11548296"/>
+            <a:ext cx="357791" cy="261610"/>
+          </a:xfrm>
+          <a:prstGeom prst="rect">
+            <a:avLst/>
+          </a:prstGeom>
+          <a:noFill/>
+          <a:ln>
+            <a:noFill/>
+          </a:ln>
+        </p:spPr>
+        <p:txBody>
+          <a:bodyPr wrap="none" rtlCol="0">
+            <a:spAutoFit/>
+          </a:bodyPr>
+          <a:lstStyle/>
+          <a:p>
+            <a:pPr algn="ctr"/>
+            <a:r>
+              <a:rPr lang="en-US" sz="1100" dirty="0">
+                <a:latin typeface="DejaVu Sans Book" panose="020B0603030804020204" pitchFamily="34" charset="0"/>
+                <a:ea typeface="DejaVu Sans Book" panose="020B0603030804020204" pitchFamily="34" charset="0"/>
+                <a:cs typeface="DejaVu Sans Book" panose="020B0603030804020204" pitchFamily="34" charset="0"/>
+              </a:rPr>
+              <a:t>D</a:t>
+            </a:r>
+            <a:r>
+              <a:rPr lang="en-US" sz="1100" baseline="-25000" dirty="0">
+                <a:latin typeface="DejaVu Sans Book" panose="020B0603030804020204" pitchFamily="34" charset="0"/>
+                <a:ea typeface="DejaVu Sans Book" panose="020B0603030804020204" pitchFamily="34" charset="0"/>
+                <a:cs typeface="DejaVu Sans Book" panose="020B0603030804020204" pitchFamily="34" charset="0"/>
+              </a:rPr>
+              <a:t>B</a:t>
+            </a:r>
+            <a:endParaRPr lang="en-US" sz="1100" dirty="0">
+              <a:latin typeface="DejaVu Sans Book" panose="020B0603030804020204" pitchFamily="34" charset="0"/>
+              <a:ea typeface="DejaVu Sans Book" panose="020B0603030804020204" pitchFamily="34" charset="0"/>
+              <a:cs typeface="DejaVu Sans Book" panose="020B0603030804020204" pitchFamily="34" charset="0"/>
+            </a:endParaRPr>
+          </a:p>
+        </p:txBody>
+      </p:sp>
+      <p:sp>
+        <p:nvSpPr>
+          <p:cNvPr id="347" name="TextBox 346">
+            <a:extLst>
+              <a:ext uri="{FF2B5EF4-FFF2-40B4-BE49-F238E27FC236}">
+                <a16:creationId xmlns:a16="http://schemas.microsoft.com/office/drawing/2014/main" id="{1C842EB5-7445-CF41-991D-524F4BF89CBC}"/>
+              </a:ext>
+            </a:extLst>
+          </p:cNvPr>
+          <p:cNvSpPr txBox="1"/>
+          <p:nvPr/>
+        </p:nvSpPr>
+        <p:spPr>
+          <a:xfrm>
+            <a:off x="1332261" y="10893485"/>
+            <a:ext cx="481222" cy="369332"/>
+          </a:xfrm>
+          <a:prstGeom prst="rect">
+            <a:avLst/>
+          </a:prstGeom>
+          <a:noFill/>
+          <a:ln>
+            <a:noFill/>
+          </a:ln>
+        </p:spPr>
+        <p:txBody>
+          <a:bodyPr wrap="none" rtlCol="0">
+            <a:spAutoFit/>
+          </a:bodyPr>
+          <a:lstStyle/>
+          <a:p>
+            <a:pPr algn="ctr"/>
+            <a:r>
+              <a:rPr lang="en-US" dirty="0">
+                <a:latin typeface="DejaVu Sans Book" panose="020B0603030804020204" pitchFamily="34" charset="0"/>
+                <a:ea typeface="DejaVu Sans Book" panose="020B0603030804020204" pitchFamily="34" charset="0"/>
+                <a:cs typeface="DejaVu Sans Book" panose="020B0603030804020204" pitchFamily="34" charset="0"/>
+              </a:rPr>
+              <a:t>M</a:t>
+            </a:r>
+            <a:r>
+              <a:rPr lang="en-US" baseline="-25000" dirty="0">
+                <a:latin typeface="DejaVu Sans Book" panose="020B0603030804020204" pitchFamily="34" charset="0"/>
+                <a:ea typeface="DejaVu Sans Book" panose="020B0603030804020204" pitchFamily="34" charset="0"/>
+                <a:cs typeface="DejaVu Sans Book" panose="020B0603030804020204" pitchFamily="34" charset="0"/>
+              </a:rPr>
+              <a:t>0</a:t>
+            </a:r>
+            <a:endParaRPr lang="en-US" dirty="0">
+              <a:latin typeface="DejaVu Sans Book" panose="020B0603030804020204" pitchFamily="34" charset="0"/>
+              <a:ea typeface="DejaVu Sans Book" panose="020B0603030804020204" pitchFamily="34" charset="0"/>
+              <a:cs typeface="DejaVu Sans Book" panose="020B0603030804020204" pitchFamily="34" charset="0"/>
+            </a:endParaRPr>
+          </a:p>
+        </p:txBody>
+      </p:sp>
+      <p:sp>
+        <p:nvSpPr>
+          <p:cNvPr id="353" name="Rounded Rectangle 352">
+            <a:extLst>
+              <a:ext uri="{FF2B5EF4-FFF2-40B4-BE49-F238E27FC236}">
+                <a16:creationId xmlns:a16="http://schemas.microsoft.com/office/drawing/2014/main" id="{5C351A37-81FA-BC41-A963-5C25DAA0FA83}"/>
+              </a:ext>
+            </a:extLst>
+          </p:cNvPr>
+          <p:cNvSpPr/>
+          <p:nvPr/>
+        </p:nvSpPr>
+        <p:spPr>
+          <a:xfrm>
+            <a:off x="1284532" y="11587573"/>
+            <a:ext cx="2027306" cy="2033944"/>
+          </a:xfrm>
+          <a:prstGeom prst="roundRect">
+            <a:avLst>
+              <a:gd name="adj" fmla="val 10533"/>
+            </a:avLst>
+          </a:prstGeom>
+          <a:solidFill>
+            <a:schemeClr val="accent5">
+              <a:lumMod val="20000"/>
+              <a:lumOff val="80000"/>
+            </a:schemeClr>
+          </a:solidFill>
+          <a:ln w="19050">
+            <a:noFill/>
+          </a:ln>
+        </p:spPr>
+        <p:style>
+          <a:lnRef idx="2">
+            <a:schemeClr val="accent1">
+              <a:shade val="50000"/>
+            </a:schemeClr>
+          </a:lnRef>
+          <a:fillRef idx="1">
+            <a:schemeClr val="accent1"/>
+          </a:fillRef>
+          <a:effectRef idx="0">
+            <a:schemeClr val="accent1"/>
+          </a:effectRef>
+          <a:fontRef idx="minor">
+            <a:schemeClr val="lt1"/>
+          </a:fontRef>
+        </p:style>
+        <p:txBody>
+          <a:bodyPr rot="0" spcFirstLastPara="0" vertOverflow="overflow" horzOverflow="overflow" vert="horz" wrap="square" lIns="91440" tIns="45720" rIns="91440" bIns="45720" numCol="1" spcCol="0" rtlCol="0" fromWordArt="0" anchor="ctr" anchorCtr="0" forceAA="0" compatLnSpc="1">
+            <a:prstTxWarp prst="textNoShape">
+              <a:avLst/>
+            </a:prstTxWarp>
+            <a:noAutofit/>
+          </a:bodyPr>
+          <a:lstStyle/>
+          <a:p>
+            <a:pPr algn="ctr"/>
+            <a:endParaRPr lang="en-US" sz="1600" baseline="-25000" dirty="0">
+              <a:solidFill>
+                <a:schemeClr val="bg1"/>
+              </a:solidFill>
+              <a:latin typeface="DejaVu Sans Book" panose="020B0603030804020204" pitchFamily="34" charset="0"/>
+              <a:ea typeface="DejaVu Sans Book" panose="020B0603030804020204" pitchFamily="34" charset="0"/>
+              <a:cs typeface="DejaVu Sans Book" panose="020B0603030804020204" pitchFamily="34" charset="0"/>
+            </a:endParaRPr>
+          </a:p>
+        </p:txBody>
+      </p:sp>
+      <p:grpSp>
+        <p:nvGrpSpPr>
+          <p:cNvPr id="354" name="Group 353">
+            <a:extLst>
+              <a:ext uri="{FF2B5EF4-FFF2-40B4-BE49-F238E27FC236}">
+                <a16:creationId xmlns:a16="http://schemas.microsoft.com/office/drawing/2014/main" id="{12DDED4D-3976-B54E-AFE8-1677E77DDBE3}"/>
+              </a:ext>
+            </a:extLst>
+          </p:cNvPr>
+          <p:cNvGrpSpPr/>
+          <p:nvPr/>
+        </p:nvGrpSpPr>
+        <p:grpSpPr>
+          <a:xfrm>
+            <a:off x="1686392" y="12176832"/>
+            <a:ext cx="450764" cy="417715"/>
+            <a:chOff x="7900089" y="9467527"/>
+            <a:chExt cx="450764" cy="417715"/>
+          </a:xfrm>
+        </p:grpSpPr>
+        <p:sp>
+          <p:nvSpPr>
+            <p:cNvPr id="355" name="Oval 354">
+              <a:extLst>
+                <a:ext uri="{FF2B5EF4-FFF2-40B4-BE49-F238E27FC236}">
+                  <a16:creationId xmlns:a16="http://schemas.microsoft.com/office/drawing/2014/main" id="{27984256-0552-344D-89AC-490DF19E3947}"/>
+                </a:ext>
+              </a:extLst>
+            </p:cNvPr>
+            <p:cNvSpPr/>
+            <p:nvPr/>
+          </p:nvSpPr>
+          <p:spPr>
+            <a:xfrm>
+              <a:off x="7923657" y="9467527"/>
+              <a:ext cx="417715" cy="417715"/>
+            </a:xfrm>
+            <a:prstGeom prst="ellipse">
+              <a:avLst/>
+            </a:prstGeom>
+            <a:solidFill>
+              <a:schemeClr val="accent4"/>
+            </a:solidFill>
+            <a:ln w="19050">
+              <a:solidFill>
+                <a:schemeClr val="tx1"/>
+              </a:solidFill>
+            </a:ln>
+          </p:spPr>
+          <p:style>
+            <a:lnRef idx="2">
+              <a:schemeClr val="accent1">
+                <a:shade val="50000"/>
+              </a:schemeClr>
+            </a:lnRef>
+            <a:fillRef idx="1">
+              <a:schemeClr val="accent1"/>
+            </a:fillRef>
+            <a:effectRef idx="0">
+              <a:schemeClr val="accent1"/>
+            </a:effectRef>
+            <a:fontRef idx="minor">
+              <a:schemeClr val="lt1"/>
+            </a:fontRef>
+          </p:style>
+          <p:txBody>
+            <a:bodyPr rot="0" spcFirstLastPara="0" vertOverflow="overflow" horzOverflow="overflow" vert="horz" wrap="square" lIns="91440" tIns="45720" rIns="91440" bIns="45720" numCol="1" spcCol="0" rtlCol="0" fromWordArt="0" anchor="ctr" anchorCtr="0" forceAA="0" compatLnSpc="1">
+              <a:prstTxWarp prst="textNoShape">
+                <a:avLst/>
+              </a:prstTxWarp>
+              <a:noAutofit/>
+            </a:bodyPr>
+            <a:lstStyle/>
+            <a:p>
+              <a:pPr algn="ctr"/>
+              <a:endParaRPr lang="en-US" sz="1400" dirty="0">
+                <a:latin typeface="DejaVu Sans Book" panose="020B0603030804020204" pitchFamily="34" charset="0"/>
+                <a:ea typeface="DejaVu Sans Book" panose="020B0603030804020204" pitchFamily="34" charset="0"/>
+                <a:cs typeface="DejaVu Sans Book" panose="020B0603030804020204" pitchFamily="34" charset="0"/>
+              </a:endParaRPr>
+            </a:p>
+          </p:txBody>
+        </p:sp>
+        <p:sp>
+          <p:nvSpPr>
+            <p:cNvPr id="356" name="TextBox 355">
+              <a:extLst>
+                <a:ext uri="{FF2B5EF4-FFF2-40B4-BE49-F238E27FC236}">
+                  <a16:creationId xmlns:a16="http://schemas.microsoft.com/office/drawing/2014/main" id="{71C5599F-8455-EB4B-96D7-746E347519C8}"/>
+                </a:ext>
+              </a:extLst>
+            </p:cNvPr>
+            <p:cNvSpPr txBox="1"/>
+            <p:nvPr/>
+          </p:nvSpPr>
+          <p:spPr>
+            <a:xfrm>
+              <a:off x="7900089" y="9527427"/>
+              <a:ext cx="450764" cy="338554"/>
+            </a:xfrm>
+            <a:prstGeom prst="rect">
+              <a:avLst/>
+            </a:prstGeom>
+            <a:noFill/>
+          </p:spPr>
+          <p:txBody>
+            <a:bodyPr wrap="none" rtlCol="0">
+              <a:spAutoFit/>
+            </a:bodyPr>
+            <a:lstStyle/>
+            <a:p>
+              <a:pPr algn="ctr"/>
+              <a:r>
+                <a:rPr lang="en-US" sz="1600" dirty="0">
+                  <a:latin typeface="DejaVu Sans Book" panose="020B0603030804020204" pitchFamily="34" charset="0"/>
+                  <a:ea typeface="DejaVu Sans Book" panose="020B0603030804020204" pitchFamily="34" charset="0"/>
+                  <a:cs typeface="DejaVu Sans Book" panose="020B0603030804020204" pitchFamily="34" charset="0"/>
+                </a:rPr>
+                <a:t>S</a:t>
+              </a:r>
+              <a:r>
+                <a:rPr lang="en-US" sz="1600" baseline="30000" dirty="0">
+                  <a:latin typeface="DejaVu Sans Book" panose="020B0603030804020204" pitchFamily="34" charset="0"/>
+                  <a:ea typeface="DejaVu Sans Book" panose="020B0603030804020204" pitchFamily="34" charset="0"/>
+                  <a:cs typeface="DejaVu Sans Book" panose="020B0603030804020204" pitchFamily="34" charset="0"/>
+                </a:rPr>
+                <a:t>-1</a:t>
+              </a:r>
+              <a:endParaRPr lang="en-US" sz="1600" dirty="0">
+                <a:latin typeface="DejaVu Sans Book" panose="020B0603030804020204" pitchFamily="34" charset="0"/>
+                <a:ea typeface="DejaVu Sans Book" panose="020B0603030804020204" pitchFamily="34" charset="0"/>
+                <a:cs typeface="DejaVu Sans Book" panose="020B0603030804020204" pitchFamily="34" charset="0"/>
+              </a:endParaRPr>
+            </a:p>
+          </p:txBody>
+        </p:sp>
+      </p:grpSp>
+      <p:grpSp>
+        <p:nvGrpSpPr>
+          <p:cNvPr id="357" name="Group 356">
+            <a:extLst>
+              <a:ext uri="{FF2B5EF4-FFF2-40B4-BE49-F238E27FC236}">
+                <a16:creationId xmlns:a16="http://schemas.microsoft.com/office/drawing/2014/main" id="{BCC87F2C-A1A8-A347-9E33-A61E0FFC3F1D}"/>
+              </a:ext>
+            </a:extLst>
+          </p:cNvPr>
+          <p:cNvGrpSpPr/>
+          <p:nvPr/>
+        </p:nvGrpSpPr>
+        <p:grpSpPr>
+          <a:xfrm>
+            <a:off x="2052516" y="12727538"/>
+            <a:ext cx="450764" cy="417715"/>
+            <a:chOff x="8275238" y="10127891"/>
+            <a:chExt cx="450764" cy="417715"/>
+          </a:xfrm>
+        </p:grpSpPr>
+        <p:sp>
+          <p:nvSpPr>
+            <p:cNvPr id="358" name="Oval 357">
+              <a:extLst>
+                <a:ext uri="{FF2B5EF4-FFF2-40B4-BE49-F238E27FC236}">
+                  <a16:creationId xmlns:a16="http://schemas.microsoft.com/office/drawing/2014/main" id="{0DB9575C-6D8F-6242-A4F0-DF4F5018EB28}"/>
+                </a:ext>
+              </a:extLst>
+            </p:cNvPr>
+            <p:cNvSpPr/>
+            <p:nvPr/>
+          </p:nvSpPr>
+          <p:spPr>
+            <a:xfrm>
+              <a:off x="8291763" y="10127891"/>
+              <a:ext cx="417715" cy="417715"/>
+            </a:xfrm>
+            <a:prstGeom prst="ellipse">
+              <a:avLst/>
+            </a:prstGeom>
+            <a:solidFill>
+              <a:schemeClr val="accent4"/>
+            </a:solidFill>
+            <a:ln w="19050">
+              <a:solidFill>
+                <a:schemeClr val="tx1"/>
+              </a:solidFill>
+            </a:ln>
+          </p:spPr>
+          <p:style>
+            <a:lnRef idx="2">
+              <a:schemeClr val="accent1">
+                <a:shade val="50000"/>
+              </a:schemeClr>
+            </a:lnRef>
+            <a:fillRef idx="1">
+              <a:schemeClr val="accent1"/>
+            </a:fillRef>
+            <a:effectRef idx="0">
+              <a:schemeClr val="accent1"/>
+            </a:effectRef>
+            <a:fontRef idx="minor">
+              <a:schemeClr val="lt1"/>
+            </a:fontRef>
+          </p:style>
+          <p:txBody>
+            <a:bodyPr rot="0" spcFirstLastPara="0" vertOverflow="overflow" horzOverflow="overflow" vert="horz" wrap="square" lIns="91440" tIns="45720" rIns="91440" bIns="45720" numCol="1" spcCol="0" rtlCol="0" fromWordArt="0" anchor="ctr" anchorCtr="0" forceAA="0" compatLnSpc="1">
+              <a:prstTxWarp prst="textNoShape">
+                <a:avLst/>
+              </a:prstTxWarp>
+              <a:noAutofit/>
+            </a:bodyPr>
+            <a:lstStyle/>
+            <a:p>
+              <a:pPr algn="ctr"/>
+              <a:endParaRPr lang="en-US" sz="1400" dirty="0">
+                <a:latin typeface="DejaVu Sans Book" panose="020B0603030804020204" pitchFamily="34" charset="0"/>
+                <a:ea typeface="DejaVu Sans Book" panose="020B0603030804020204" pitchFamily="34" charset="0"/>
+                <a:cs typeface="DejaVu Sans Book" panose="020B0603030804020204" pitchFamily="34" charset="0"/>
+              </a:endParaRPr>
+            </a:p>
+          </p:txBody>
+        </p:sp>
+        <p:sp>
+          <p:nvSpPr>
+            <p:cNvPr id="359" name="TextBox 358">
+              <a:extLst>
+                <a:ext uri="{FF2B5EF4-FFF2-40B4-BE49-F238E27FC236}">
+                  <a16:creationId xmlns:a16="http://schemas.microsoft.com/office/drawing/2014/main" id="{67F6A201-D5B2-DF4F-9282-3A087ADB9E26}"/>
+                </a:ext>
+              </a:extLst>
+            </p:cNvPr>
+            <p:cNvSpPr txBox="1"/>
+            <p:nvPr/>
+          </p:nvSpPr>
+          <p:spPr>
+            <a:xfrm>
+              <a:off x="8275238" y="10189455"/>
+              <a:ext cx="450764" cy="307777"/>
+            </a:xfrm>
+            <a:prstGeom prst="rect">
+              <a:avLst/>
+            </a:prstGeom>
+            <a:noFill/>
+          </p:spPr>
+          <p:txBody>
+            <a:bodyPr wrap="none" rtlCol="0">
+              <a:spAutoFit/>
+            </a:bodyPr>
+            <a:lstStyle/>
+            <a:p>
+              <a:pPr algn="ctr"/>
+              <a:r>
+                <a:rPr lang="en-US" sz="1400" dirty="0">
+                  <a:latin typeface="DejaVu Sans Book" panose="020B0603030804020204" pitchFamily="34" charset="0"/>
+                  <a:ea typeface="DejaVu Sans Book" panose="020B0603030804020204" pitchFamily="34" charset="0"/>
+                  <a:cs typeface="DejaVu Sans Book" panose="020B0603030804020204" pitchFamily="34" charset="0"/>
+                </a:rPr>
+                <a:t>OR</a:t>
+              </a:r>
+            </a:p>
+          </p:txBody>
+        </p:sp>
+      </p:grpSp>
+      <p:cxnSp>
+        <p:nvCxnSpPr>
+          <p:cNvPr id="360" name="Straight Arrow Connector 359">
+            <a:extLst>
+              <a:ext uri="{FF2B5EF4-FFF2-40B4-BE49-F238E27FC236}">
+                <a16:creationId xmlns:a16="http://schemas.microsoft.com/office/drawing/2014/main" id="{508DDAE6-62AA-3545-B0BF-3C0EECB1E1BE}"/>
+              </a:ext>
+            </a:extLst>
+          </p:cNvPr>
+          <p:cNvCxnSpPr>
+            <a:cxnSpLocks/>
+            <a:stCxn id="355" idx="4"/>
+            <a:endCxn id="358" idx="1"/>
+          </p:cNvCxnSpPr>
+          <p:nvPr/>
+        </p:nvCxnSpPr>
+        <p:spPr>
+          <a:xfrm>
+            <a:off x="1918818" y="12594547"/>
+            <a:ext cx="211396" cy="194164"/>
+          </a:xfrm>
+          <a:prstGeom prst="straightConnector1">
+            <a:avLst/>
+          </a:prstGeom>
+          <a:ln w="25400">
+            <a:solidFill>
+              <a:schemeClr val="tx1"/>
+            </a:solidFill>
+            <a:headEnd type="none" w="med" len="med"/>
+            <a:tailEnd type="arrow" w="med" len="med"/>
+          </a:ln>
+        </p:spPr>
+        <p:style>
+          <a:lnRef idx="3">
+            <a:schemeClr val="accent1"/>
+          </a:lnRef>
+          <a:fillRef idx="0">
+            <a:schemeClr val="accent1"/>
+          </a:fillRef>
+          <a:effectRef idx="2">
+            <a:schemeClr val="accent1"/>
+          </a:effectRef>
+          <a:fontRef idx="minor">
+            <a:schemeClr val="tx1"/>
+          </a:fontRef>
+        </p:style>
+      </p:cxnSp>
+      <p:grpSp>
+        <p:nvGrpSpPr>
+          <p:cNvPr id="361" name="Group 360">
+            <a:extLst>
+              <a:ext uri="{FF2B5EF4-FFF2-40B4-BE49-F238E27FC236}">
+                <a16:creationId xmlns:a16="http://schemas.microsoft.com/office/drawing/2014/main" id="{274766EA-3B2C-E54D-AD03-FA94FC23DF8F}"/>
+              </a:ext>
+            </a:extLst>
+          </p:cNvPr>
+          <p:cNvGrpSpPr/>
+          <p:nvPr/>
+        </p:nvGrpSpPr>
+        <p:grpSpPr>
+          <a:xfrm>
+            <a:off x="2398376" y="12176832"/>
+            <a:ext cx="450764" cy="417715"/>
+            <a:chOff x="7900089" y="9467527"/>
+            <a:chExt cx="450764" cy="417715"/>
+          </a:xfrm>
+        </p:grpSpPr>
+        <p:sp>
+          <p:nvSpPr>
+            <p:cNvPr id="362" name="Oval 361">
+              <a:extLst>
+                <a:ext uri="{FF2B5EF4-FFF2-40B4-BE49-F238E27FC236}">
+                  <a16:creationId xmlns:a16="http://schemas.microsoft.com/office/drawing/2014/main" id="{AA36D41B-C224-0848-A88C-F864674ED3A0}"/>
+                </a:ext>
+              </a:extLst>
+            </p:cNvPr>
+            <p:cNvSpPr/>
+            <p:nvPr/>
+          </p:nvSpPr>
+          <p:spPr>
+            <a:xfrm>
+              <a:off x="7923657" y="9467527"/>
+              <a:ext cx="417715" cy="417715"/>
+            </a:xfrm>
+            <a:prstGeom prst="ellipse">
+              <a:avLst/>
+            </a:prstGeom>
+            <a:solidFill>
+              <a:schemeClr val="accent4"/>
+            </a:solidFill>
+            <a:ln w="19050">
+              <a:solidFill>
+                <a:schemeClr val="tx1"/>
+              </a:solidFill>
+            </a:ln>
+          </p:spPr>
+          <p:style>
+            <a:lnRef idx="2">
+              <a:schemeClr val="accent1">
+                <a:shade val="50000"/>
+              </a:schemeClr>
+            </a:lnRef>
+            <a:fillRef idx="1">
+              <a:schemeClr val="accent1"/>
+            </a:fillRef>
+            <a:effectRef idx="0">
+              <a:schemeClr val="accent1"/>
+            </a:effectRef>
+            <a:fontRef idx="minor">
+              <a:schemeClr val="lt1"/>
+            </a:fontRef>
+          </p:style>
+          <p:txBody>
+            <a:bodyPr rot="0" spcFirstLastPara="0" vertOverflow="overflow" horzOverflow="overflow" vert="horz" wrap="square" lIns="91440" tIns="45720" rIns="91440" bIns="45720" numCol="1" spcCol="0" rtlCol="0" fromWordArt="0" anchor="ctr" anchorCtr="0" forceAA="0" compatLnSpc="1">
+              <a:prstTxWarp prst="textNoShape">
+                <a:avLst/>
+              </a:prstTxWarp>
+              <a:noAutofit/>
+            </a:bodyPr>
+            <a:lstStyle/>
+            <a:p>
+              <a:pPr algn="ctr"/>
+              <a:endParaRPr lang="en-US" sz="1400" dirty="0">
+                <a:latin typeface="DejaVu Sans Book" panose="020B0603030804020204" pitchFamily="34" charset="0"/>
+                <a:ea typeface="DejaVu Sans Book" panose="020B0603030804020204" pitchFamily="34" charset="0"/>
+                <a:cs typeface="DejaVu Sans Book" panose="020B0603030804020204" pitchFamily="34" charset="0"/>
+              </a:endParaRPr>
+            </a:p>
+          </p:txBody>
+        </p:sp>
+        <p:sp>
+          <p:nvSpPr>
+            <p:cNvPr id="363" name="TextBox 362">
+              <a:extLst>
+                <a:ext uri="{FF2B5EF4-FFF2-40B4-BE49-F238E27FC236}">
+                  <a16:creationId xmlns:a16="http://schemas.microsoft.com/office/drawing/2014/main" id="{B8FCDCC3-A6D0-034D-83C9-706F6D8E68FC}"/>
+                </a:ext>
+              </a:extLst>
+            </p:cNvPr>
+            <p:cNvSpPr txBox="1"/>
+            <p:nvPr/>
+          </p:nvSpPr>
+          <p:spPr>
+            <a:xfrm>
+              <a:off x="7900089" y="9527427"/>
+              <a:ext cx="450764" cy="338554"/>
+            </a:xfrm>
+            <a:prstGeom prst="rect">
+              <a:avLst/>
+            </a:prstGeom>
+            <a:noFill/>
+          </p:spPr>
+          <p:txBody>
+            <a:bodyPr wrap="none" rtlCol="0">
+              <a:spAutoFit/>
+            </a:bodyPr>
+            <a:lstStyle/>
+            <a:p>
+              <a:pPr algn="ctr"/>
+              <a:r>
+                <a:rPr lang="en-US" sz="1600" dirty="0">
+                  <a:latin typeface="DejaVu Sans Book" panose="020B0603030804020204" pitchFamily="34" charset="0"/>
+                  <a:ea typeface="DejaVu Sans Book" panose="020B0603030804020204" pitchFamily="34" charset="0"/>
+                  <a:cs typeface="DejaVu Sans Book" panose="020B0603030804020204" pitchFamily="34" charset="0"/>
+                </a:rPr>
+                <a:t>S</a:t>
+              </a:r>
+              <a:r>
+                <a:rPr lang="en-US" sz="1600" baseline="30000" dirty="0">
+                  <a:latin typeface="DejaVu Sans Book" panose="020B0603030804020204" pitchFamily="34" charset="0"/>
+                  <a:ea typeface="DejaVu Sans Book" panose="020B0603030804020204" pitchFamily="34" charset="0"/>
+                  <a:cs typeface="DejaVu Sans Book" panose="020B0603030804020204" pitchFamily="34" charset="0"/>
+                </a:rPr>
+                <a:t>-1</a:t>
+              </a:r>
+              <a:endParaRPr lang="en-US" sz="1600" dirty="0">
+                <a:latin typeface="DejaVu Sans Book" panose="020B0603030804020204" pitchFamily="34" charset="0"/>
+                <a:ea typeface="DejaVu Sans Book" panose="020B0603030804020204" pitchFamily="34" charset="0"/>
+                <a:cs typeface="DejaVu Sans Book" panose="020B0603030804020204" pitchFamily="34" charset="0"/>
+              </a:endParaRPr>
+            </a:p>
+          </p:txBody>
+        </p:sp>
+      </p:grpSp>
+      <p:cxnSp>
+        <p:nvCxnSpPr>
+          <p:cNvPr id="364" name="Straight Arrow Connector 363">
+            <a:extLst>
+              <a:ext uri="{FF2B5EF4-FFF2-40B4-BE49-F238E27FC236}">
+                <a16:creationId xmlns:a16="http://schemas.microsoft.com/office/drawing/2014/main" id="{082D5D3A-620F-FB41-AF43-1B8756179AFA}"/>
+              </a:ext>
+            </a:extLst>
+          </p:cNvPr>
+          <p:cNvCxnSpPr>
+            <a:cxnSpLocks/>
+            <a:stCxn id="362" idx="4"/>
+            <a:endCxn id="358" idx="7"/>
+          </p:cNvCxnSpPr>
+          <p:nvPr/>
+        </p:nvCxnSpPr>
+        <p:spPr>
+          <a:xfrm flipH="1">
+            <a:off x="2425583" y="12594547"/>
+            <a:ext cx="205219" cy="194164"/>
+          </a:xfrm>
+          <a:prstGeom prst="straightConnector1">
+            <a:avLst/>
+          </a:prstGeom>
+          <a:ln w="25400">
+            <a:solidFill>
+              <a:schemeClr val="tx1"/>
+            </a:solidFill>
+            <a:headEnd type="none" w="med" len="med"/>
+            <a:tailEnd type="arrow" w="med" len="med"/>
+          </a:ln>
+        </p:spPr>
+        <p:style>
+          <a:lnRef idx="3">
+            <a:schemeClr val="accent1"/>
+          </a:lnRef>
+          <a:fillRef idx="0">
+            <a:schemeClr val="accent1"/>
+          </a:fillRef>
+          <a:effectRef idx="2">
+            <a:schemeClr val="accent1"/>
+          </a:effectRef>
+          <a:fontRef idx="minor">
+            <a:schemeClr val="tx1"/>
+          </a:fontRef>
+        </p:style>
+      </p:cxnSp>
+      <p:sp>
+        <p:nvSpPr>
+          <p:cNvPr id="365" name="TextBox 364">
+            <a:extLst>
+              <a:ext uri="{FF2B5EF4-FFF2-40B4-BE49-F238E27FC236}">
+                <a16:creationId xmlns:a16="http://schemas.microsoft.com/office/drawing/2014/main" id="{3EF91CFC-E997-A64C-B042-C70F14C66401}"/>
+              </a:ext>
+            </a:extLst>
+          </p:cNvPr>
+          <p:cNvSpPr txBox="1"/>
+          <p:nvPr/>
+        </p:nvSpPr>
+        <p:spPr>
+          <a:xfrm>
+            <a:off x="1322373" y="11638938"/>
+            <a:ext cx="543739" cy="430887"/>
+          </a:xfrm>
+          <a:prstGeom prst="rect">
+            <a:avLst/>
+          </a:prstGeom>
+          <a:noFill/>
+        </p:spPr>
+        <p:txBody>
+          <a:bodyPr wrap="none" rtlCol="0">
+            <a:spAutoFit/>
+          </a:bodyPr>
+          <a:lstStyle/>
+          <a:p>
+            <a:pPr algn="ctr"/>
+            <a:r>
+              <a:rPr lang="en-US" sz="1100" dirty="0">
+                <a:solidFill>
+                  <a:schemeClr val="accent2"/>
+                </a:solidFill>
+                <a:latin typeface="DejaVu Sans Book" panose="020B0603030804020204" pitchFamily="34" charset="0"/>
+                <a:ea typeface="DejaVu Sans Book" panose="020B0603030804020204" pitchFamily="34" charset="0"/>
+                <a:cs typeface="DejaVu Sans Book" panose="020B0603030804020204" pitchFamily="34" charset="0"/>
+              </a:rPr>
+              <a:t>BI</a:t>
+            </a:r>
+            <a:r>
+              <a:rPr lang="en-US" sz="1100" baseline="-25000" dirty="0">
+                <a:solidFill>
+                  <a:schemeClr val="accent2"/>
+                </a:solidFill>
+                <a:latin typeface="DejaVu Sans Book" panose="020B0603030804020204" pitchFamily="34" charset="0"/>
+                <a:ea typeface="DejaVu Sans Book" panose="020B0603030804020204" pitchFamily="34" charset="0"/>
+                <a:cs typeface="DejaVu Sans Book" panose="020B0603030804020204" pitchFamily="34" charset="0"/>
+              </a:rPr>
+              <a:t>0</a:t>
+            </a:r>
+            <a:br>
+              <a:rPr lang="en-US" sz="1100" dirty="0">
+                <a:solidFill>
+                  <a:schemeClr val="accent2"/>
+                </a:solidFill>
+                <a:latin typeface="DejaVu Sans Book" panose="020B0603030804020204" pitchFamily="34" charset="0"/>
+                <a:ea typeface="DejaVu Sans Book" panose="020B0603030804020204" pitchFamily="34" charset="0"/>
+                <a:cs typeface="DejaVu Sans Book" panose="020B0603030804020204" pitchFamily="34" charset="0"/>
+              </a:rPr>
+            </a:br>
+            <a:r>
+              <a:rPr lang="en-US" sz="1100" dirty="0">
+                <a:solidFill>
+                  <a:schemeClr val="accent2"/>
+                </a:solidFill>
+                <a:latin typeface="DejaVu Sans Book" panose="020B0603030804020204" pitchFamily="34" charset="0"/>
+                <a:ea typeface="DejaVu Sans Book" panose="020B0603030804020204" pitchFamily="34" charset="0"/>
+                <a:cs typeface="DejaVu Sans Book" panose="020B0603030804020204" pitchFamily="34" charset="0"/>
+              </a:rPr>
+              <a:t>1453</a:t>
+            </a:r>
+          </a:p>
+        </p:txBody>
+      </p:sp>
+      <p:sp>
+        <p:nvSpPr>
+          <p:cNvPr id="366" name="TextBox 365">
+            <a:extLst>
+              <a:ext uri="{FF2B5EF4-FFF2-40B4-BE49-F238E27FC236}">
+                <a16:creationId xmlns:a16="http://schemas.microsoft.com/office/drawing/2014/main" id="{341E75F4-55D7-324A-B334-08AFE226B3C1}"/>
+              </a:ext>
+            </a:extLst>
+          </p:cNvPr>
+          <p:cNvSpPr txBox="1"/>
+          <p:nvPr/>
+        </p:nvSpPr>
+        <p:spPr>
+          <a:xfrm>
+            <a:off x="1766152" y="11638938"/>
+            <a:ext cx="527710" cy="430887"/>
+          </a:xfrm>
+          <a:prstGeom prst="rect">
+            <a:avLst/>
+          </a:prstGeom>
+          <a:noFill/>
+        </p:spPr>
+        <p:txBody>
+          <a:bodyPr wrap="none" rtlCol="0">
+            <a:spAutoFit/>
+          </a:bodyPr>
+          <a:lstStyle/>
+          <a:p>
+            <a:pPr algn="ctr"/>
+            <a:r>
+              <a:rPr lang="en-US" sz="1100" dirty="0">
+                <a:latin typeface="DejaVu Sans Book" panose="020B0603030804020204" pitchFamily="34" charset="0"/>
+                <a:ea typeface="DejaVu Sans Book" panose="020B0603030804020204" pitchFamily="34" charset="0"/>
+                <a:cs typeface="DejaVu Sans Book" panose="020B0603030804020204" pitchFamily="34" charset="0"/>
+              </a:rPr>
+              <a:t>D</a:t>
+            </a:r>
+            <a:r>
+              <a:rPr lang="en-US" sz="1100" baseline="-25000" dirty="0">
+                <a:latin typeface="DejaVu Sans Book" panose="020B0603030804020204" pitchFamily="34" charset="0"/>
+                <a:ea typeface="DejaVu Sans Book" panose="020B0603030804020204" pitchFamily="34" charset="0"/>
+                <a:cs typeface="DejaVu Sans Book" panose="020B0603030804020204" pitchFamily="34" charset="0"/>
+              </a:rPr>
+              <a:t>A</a:t>
+            </a:r>
+            <a:br>
+              <a:rPr lang="en-US" sz="1100" dirty="0">
+                <a:latin typeface="DejaVu Sans Book" panose="020B0603030804020204" pitchFamily="34" charset="0"/>
+                <a:ea typeface="DejaVu Sans Book" panose="020B0603030804020204" pitchFamily="34" charset="0"/>
+                <a:cs typeface="DejaVu Sans Book" panose="020B0603030804020204" pitchFamily="34" charset="0"/>
+              </a:rPr>
+            </a:br>
+            <a:r>
+              <a:rPr lang="en-US" sz="1100" dirty="0" err="1">
+                <a:latin typeface="DejaVu Sans Book" panose="020B0603030804020204" pitchFamily="34" charset="0"/>
+                <a:ea typeface="DejaVu Sans Book" panose="020B0603030804020204" pitchFamily="34" charset="0"/>
+                <a:cs typeface="DejaVu Sans Book" panose="020B0603030804020204" pitchFamily="34" charset="0"/>
+              </a:rPr>
+              <a:t>abcd</a:t>
+            </a:r>
+            <a:endParaRPr lang="en-US" sz="1100" dirty="0">
+              <a:latin typeface="DejaVu Sans Book" panose="020B0603030804020204" pitchFamily="34" charset="0"/>
+              <a:ea typeface="DejaVu Sans Book" panose="020B0603030804020204" pitchFamily="34" charset="0"/>
+              <a:cs typeface="DejaVu Sans Book" panose="020B0603030804020204" pitchFamily="34" charset="0"/>
+            </a:endParaRPr>
+          </a:p>
+        </p:txBody>
+      </p:sp>
+      <p:sp>
+        <p:nvSpPr>
+          <p:cNvPr id="367" name="TextBox 366">
+            <a:extLst>
+              <a:ext uri="{FF2B5EF4-FFF2-40B4-BE49-F238E27FC236}">
+                <a16:creationId xmlns:a16="http://schemas.microsoft.com/office/drawing/2014/main" id="{330D8CF7-DF61-1D4A-8070-D8C100CFEB4D}"/>
+              </a:ext>
+            </a:extLst>
+          </p:cNvPr>
+          <p:cNvSpPr txBox="1"/>
+          <p:nvPr/>
+        </p:nvSpPr>
+        <p:spPr>
+          <a:xfrm>
+            <a:off x="2193903" y="11638938"/>
+            <a:ext cx="543740" cy="430887"/>
+          </a:xfrm>
+          <a:prstGeom prst="rect">
+            <a:avLst/>
+          </a:prstGeom>
+          <a:noFill/>
+        </p:spPr>
+        <p:txBody>
+          <a:bodyPr wrap="none" rtlCol="0">
+            <a:spAutoFit/>
+          </a:bodyPr>
+          <a:lstStyle/>
+          <a:p>
+            <a:pPr algn="ctr"/>
+            <a:r>
+              <a:rPr lang="en-US" sz="1100" dirty="0">
+                <a:solidFill>
+                  <a:schemeClr val="accent2"/>
+                </a:solidFill>
+                <a:latin typeface="DejaVu Sans Book" panose="020B0603030804020204" pitchFamily="34" charset="0"/>
+                <a:ea typeface="DejaVu Sans Book" panose="020B0603030804020204" pitchFamily="34" charset="0"/>
+                <a:cs typeface="DejaVu Sans Book" panose="020B0603030804020204" pitchFamily="34" charset="0"/>
+              </a:rPr>
+              <a:t>BI</a:t>
+            </a:r>
+            <a:r>
+              <a:rPr lang="en-US" sz="1100" baseline="-25000" dirty="0">
+                <a:solidFill>
+                  <a:schemeClr val="accent2"/>
+                </a:solidFill>
+                <a:latin typeface="DejaVu Sans Book" panose="020B0603030804020204" pitchFamily="34" charset="0"/>
+                <a:ea typeface="DejaVu Sans Book" panose="020B0603030804020204" pitchFamily="34" charset="0"/>
+                <a:cs typeface="DejaVu Sans Book" panose="020B0603030804020204" pitchFamily="34" charset="0"/>
+              </a:rPr>
+              <a:t>0</a:t>
+            </a:r>
+            <a:br>
+              <a:rPr lang="en-US" sz="1100" dirty="0">
+                <a:solidFill>
+                  <a:schemeClr val="accent2"/>
+                </a:solidFill>
+                <a:latin typeface="DejaVu Sans Book" panose="020B0603030804020204" pitchFamily="34" charset="0"/>
+                <a:ea typeface="DejaVu Sans Book" panose="020B0603030804020204" pitchFamily="34" charset="0"/>
+                <a:cs typeface="DejaVu Sans Book" panose="020B0603030804020204" pitchFamily="34" charset="0"/>
+              </a:rPr>
+            </a:br>
+            <a:r>
+              <a:rPr lang="en-US" sz="1100" dirty="0">
+                <a:solidFill>
+                  <a:schemeClr val="accent2"/>
+                </a:solidFill>
+                <a:latin typeface="DejaVu Sans Book" panose="020B0603030804020204" pitchFamily="34" charset="0"/>
+                <a:ea typeface="DejaVu Sans Book" panose="020B0603030804020204" pitchFamily="34" charset="0"/>
+                <a:cs typeface="DejaVu Sans Book" panose="020B0603030804020204" pitchFamily="34" charset="0"/>
+              </a:rPr>
+              <a:t>1453</a:t>
+            </a:r>
+          </a:p>
+        </p:txBody>
+      </p:sp>
+      <p:sp>
+        <p:nvSpPr>
+          <p:cNvPr id="368" name="TextBox 367">
+            <a:extLst>
+              <a:ext uri="{FF2B5EF4-FFF2-40B4-BE49-F238E27FC236}">
+                <a16:creationId xmlns:a16="http://schemas.microsoft.com/office/drawing/2014/main" id="{C220A61F-2F1A-5345-9941-C20ACD1F13DB}"/>
+              </a:ext>
+            </a:extLst>
+          </p:cNvPr>
+          <p:cNvSpPr txBox="1"/>
+          <p:nvPr/>
+        </p:nvSpPr>
+        <p:spPr>
+          <a:xfrm>
+            <a:off x="2645699" y="11638938"/>
+            <a:ext cx="500458" cy="430887"/>
+          </a:xfrm>
+          <a:prstGeom prst="rect">
+            <a:avLst/>
+          </a:prstGeom>
+          <a:noFill/>
+        </p:spPr>
+        <p:txBody>
+          <a:bodyPr wrap="none" rtlCol="0">
+            <a:spAutoFit/>
+          </a:bodyPr>
+          <a:lstStyle/>
+          <a:p>
+            <a:pPr algn="ctr"/>
+            <a:r>
+              <a:rPr lang="en-US" sz="1100" dirty="0">
+                <a:latin typeface="DejaVu Sans Book" panose="020B0603030804020204" pitchFamily="34" charset="0"/>
+                <a:ea typeface="DejaVu Sans Book" panose="020B0603030804020204" pitchFamily="34" charset="0"/>
+                <a:cs typeface="DejaVu Sans Book" panose="020B0603030804020204" pitchFamily="34" charset="0"/>
+              </a:rPr>
+              <a:t>D</a:t>
+            </a:r>
+            <a:r>
+              <a:rPr lang="en-US" sz="1100" baseline="-25000" dirty="0">
+                <a:latin typeface="DejaVu Sans Book" panose="020B0603030804020204" pitchFamily="34" charset="0"/>
+                <a:ea typeface="DejaVu Sans Book" panose="020B0603030804020204" pitchFamily="34" charset="0"/>
+                <a:cs typeface="DejaVu Sans Book" panose="020B0603030804020204" pitchFamily="34" charset="0"/>
+              </a:rPr>
+              <a:t>B</a:t>
+            </a:r>
+            <a:br>
+              <a:rPr lang="en-US" sz="1100" dirty="0">
+                <a:latin typeface="DejaVu Sans Book" panose="020B0603030804020204" pitchFamily="34" charset="0"/>
+                <a:ea typeface="DejaVu Sans Book" panose="020B0603030804020204" pitchFamily="34" charset="0"/>
+                <a:cs typeface="DejaVu Sans Book" panose="020B0603030804020204" pitchFamily="34" charset="0"/>
+              </a:rPr>
+            </a:br>
+            <a:r>
+              <a:rPr lang="en-US" sz="1100" dirty="0" err="1">
+                <a:latin typeface="DejaVu Sans Book" panose="020B0603030804020204" pitchFamily="34" charset="0"/>
+                <a:ea typeface="DejaVu Sans Book" panose="020B0603030804020204" pitchFamily="34" charset="0"/>
+                <a:cs typeface="DejaVu Sans Book" panose="020B0603030804020204" pitchFamily="34" charset="0"/>
+              </a:rPr>
+              <a:t>efgh</a:t>
+            </a:r>
+            <a:endParaRPr lang="en-US" sz="1100" dirty="0">
+              <a:latin typeface="DejaVu Sans Book" panose="020B0603030804020204" pitchFamily="34" charset="0"/>
+              <a:ea typeface="DejaVu Sans Book" panose="020B0603030804020204" pitchFamily="34" charset="0"/>
+              <a:cs typeface="DejaVu Sans Book" panose="020B0603030804020204" pitchFamily="34" charset="0"/>
+            </a:endParaRPr>
+          </a:p>
+        </p:txBody>
+      </p:sp>
+      <p:cxnSp>
+        <p:nvCxnSpPr>
+          <p:cNvPr id="369" name="Straight Arrow Connector 368">
+            <a:extLst>
+              <a:ext uri="{FF2B5EF4-FFF2-40B4-BE49-F238E27FC236}">
+                <a16:creationId xmlns:a16="http://schemas.microsoft.com/office/drawing/2014/main" id="{3A68AE56-4889-7046-8DB6-FEE5346589B4}"/>
+              </a:ext>
+            </a:extLst>
+          </p:cNvPr>
+          <p:cNvCxnSpPr>
+            <a:cxnSpLocks/>
+            <a:endCxn id="355" idx="1"/>
+          </p:cNvCxnSpPr>
+          <p:nvPr/>
+        </p:nvCxnSpPr>
+        <p:spPr>
+          <a:xfrm>
+            <a:off x="1763095" y="12069184"/>
+            <a:ext cx="8038" cy="168821"/>
+          </a:xfrm>
+          <a:prstGeom prst="straightConnector1">
+            <a:avLst/>
+          </a:prstGeom>
+          <a:ln w="25400">
+            <a:solidFill>
+              <a:schemeClr val="accent2"/>
+            </a:solidFill>
+            <a:headEnd type="none" w="med" len="med"/>
+            <a:tailEnd type="arrow" w="med" len="med"/>
+          </a:ln>
+        </p:spPr>
+        <p:style>
+          <a:lnRef idx="3">
+            <a:schemeClr val="accent1"/>
+          </a:lnRef>
+          <a:fillRef idx="0">
+            <a:schemeClr val="accent1"/>
+          </a:fillRef>
+          <a:effectRef idx="2">
+            <a:schemeClr val="accent1"/>
+          </a:effectRef>
+          <a:fontRef idx="minor">
+            <a:schemeClr val="tx1"/>
+          </a:fontRef>
+        </p:style>
+      </p:cxnSp>
+      <p:cxnSp>
+        <p:nvCxnSpPr>
+          <p:cNvPr id="370" name="Straight Arrow Connector 369">
+            <a:extLst>
+              <a:ext uri="{FF2B5EF4-FFF2-40B4-BE49-F238E27FC236}">
+                <a16:creationId xmlns:a16="http://schemas.microsoft.com/office/drawing/2014/main" id="{6CD1AD66-4387-5143-AE38-61846C2EC627}"/>
+              </a:ext>
+            </a:extLst>
+          </p:cNvPr>
+          <p:cNvCxnSpPr>
+            <a:cxnSpLocks/>
+            <a:endCxn id="355" idx="7"/>
+          </p:cNvCxnSpPr>
+          <p:nvPr/>
+        </p:nvCxnSpPr>
+        <p:spPr>
+          <a:xfrm>
+            <a:off x="2066502" y="12068367"/>
+            <a:ext cx="0" cy="169638"/>
+          </a:xfrm>
+          <a:prstGeom prst="straightConnector1">
+            <a:avLst/>
+          </a:prstGeom>
+          <a:ln w="25400">
+            <a:solidFill>
+              <a:schemeClr val="tx1"/>
+            </a:solidFill>
+            <a:headEnd type="none" w="med" len="med"/>
+            <a:tailEnd type="arrow" w="med" len="med"/>
+          </a:ln>
+        </p:spPr>
+        <p:style>
+          <a:lnRef idx="3">
+            <a:schemeClr val="accent1"/>
+          </a:lnRef>
+          <a:fillRef idx="0">
+            <a:schemeClr val="accent1"/>
+          </a:fillRef>
+          <a:effectRef idx="2">
+            <a:schemeClr val="accent1"/>
+          </a:effectRef>
+          <a:fontRef idx="minor">
+            <a:schemeClr val="tx1"/>
+          </a:fontRef>
+        </p:style>
+      </p:cxnSp>
+      <p:cxnSp>
+        <p:nvCxnSpPr>
+          <p:cNvPr id="371" name="Straight Arrow Connector 370">
+            <a:extLst>
+              <a:ext uri="{FF2B5EF4-FFF2-40B4-BE49-F238E27FC236}">
+                <a16:creationId xmlns:a16="http://schemas.microsoft.com/office/drawing/2014/main" id="{CC937BCD-FF6E-0D40-91D9-1773748583B7}"/>
+              </a:ext>
+            </a:extLst>
+          </p:cNvPr>
+          <p:cNvCxnSpPr>
+            <a:cxnSpLocks/>
+            <a:endCxn id="362" idx="1"/>
+          </p:cNvCxnSpPr>
+          <p:nvPr/>
+        </p:nvCxnSpPr>
+        <p:spPr>
+          <a:xfrm>
+            <a:off x="2483117" y="12068367"/>
+            <a:ext cx="0" cy="169638"/>
+          </a:xfrm>
+          <a:prstGeom prst="straightConnector1">
+            <a:avLst/>
+          </a:prstGeom>
+          <a:ln w="25400">
+            <a:solidFill>
+              <a:schemeClr val="accent2"/>
+            </a:solidFill>
+            <a:headEnd type="none" w="med" len="med"/>
+            <a:tailEnd type="arrow" w="med" len="med"/>
+          </a:ln>
+        </p:spPr>
+        <p:style>
+          <a:lnRef idx="3">
+            <a:schemeClr val="accent1"/>
+          </a:lnRef>
+          <a:fillRef idx="0">
+            <a:schemeClr val="accent1"/>
+          </a:fillRef>
+          <a:effectRef idx="2">
+            <a:schemeClr val="accent1"/>
+          </a:effectRef>
+          <a:fontRef idx="minor">
+            <a:schemeClr val="tx1"/>
+          </a:fontRef>
+        </p:style>
+      </p:cxnSp>
+      <p:cxnSp>
+        <p:nvCxnSpPr>
+          <p:cNvPr id="372" name="Straight Arrow Connector 371">
+            <a:extLst>
+              <a:ext uri="{FF2B5EF4-FFF2-40B4-BE49-F238E27FC236}">
+                <a16:creationId xmlns:a16="http://schemas.microsoft.com/office/drawing/2014/main" id="{82FDD7AD-8A9C-684E-A8DC-00CEF42B33CB}"/>
+              </a:ext>
+            </a:extLst>
+          </p:cNvPr>
+          <p:cNvCxnSpPr>
+            <a:cxnSpLocks/>
+            <a:endCxn id="362" idx="7"/>
+          </p:cNvCxnSpPr>
+          <p:nvPr/>
+        </p:nvCxnSpPr>
+        <p:spPr>
+          <a:xfrm>
+            <a:off x="2778486" y="12068367"/>
+            <a:ext cx="0" cy="169638"/>
+          </a:xfrm>
+          <a:prstGeom prst="straightConnector1">
+            <a:avLst/>
+          </a:prstGeom>
+          <a:ln w="25400">
+            <a:solidFill>
+              <a:schemeClr val="tx1"/>
+            </a:solidFill>
+            <a:headEnd type="none" w="med" len="med"/>
+            <a:tailEnd type="arrow" w="med" len="med"/>
+          </a:ln>
+        </p:spPr>
+        <p:style>
+          <a:lnRef idx="3">
+            <a:schemeClr val="accent1"/>
+          </a:lnRef>
+          <a:fillRef idx="0">
+            <a:schemeClr val="accent1"/>
+          </a:fillRef>
+          <a:effectRef idx="2">
+            <a:schemeClr val="accent1"/>
+          </a:effectRef>
+          <a:fontRef idx="minor">
+            <a:schemeClr val="tx1"/>
+          </a:fontRef>
+        </p:style>
+      </p:cxnSp>
+      <p:sp>
+        <p:nvSpPr>
+          <p:cNvPr id="373" name="TextBox 372">
+            <a:extLst>
+              <a:ext uri="{FF2B5EF4-FFF2-40B4-BE49-F238E27FC236}">
+                <a16:creationId xmlns:a16="http://schemas.microsoft.com/office/drawing/2014/main" id="{BCCADA2A-10D9-5E47-82AE-74C66314B10A}"/>
+              </a:ext>
+            </a:extLst>
+          </p:cNvPr>
+          <p:cNvSpPr txBox="1"/>
+          <p:nvPr/>
+        </p:nvSpPr>
+        <p:spPr>
+          <a:xfrm>
+            <a:off x="1490575" y="12582595"/>
+            <a:ext cx="556564" cy="261610"/>
+          </a:xfrm>
+          <a:prstGeom prst="rect">
+            <a:avLst/>
+          </a:prstGeom>
+          <a:noFill/>
+          <a:ln>
+            <a:noFill/>
+          </a:ln>
+        </p:spPr>
+        <p:txBody>
+          <a:bodyPr wrap="none" rtlCol="0">
+            <a:spAutoFit/>
+          </a:bodyPr>
+          <a:lstStyle/>
+          <a:p>
+            <a:pPr algn="ctr"/>
+            <a:r>
+              <a:rPr lang="en-US" sz="1100" dirty="0" err="1">
+                <a:latin typeface="DejaVu Sans Book" panose="020B0603030804020204" pitchFamily="34" charset="0"/>
+                <a:ea typeface="DejaVu Sans Book" panose="020B0603030804020204" pitchFamily="34" charset="0"/>
+                <a:cs typeface="DejaVu Sans Book" panose="020B0603030804020204" pitchFamily="34" charset="0"/>
+              </a:rPr>
+              <a:t>b</a:t>
+            </a:r>
+            <a:r>
+              <a:rPr lang="en-US" sz="1100" dirty="0" err="1">
+                <a:solidFill>
+                  <a:schemeClr val="tx1">
+                    <a:lumMod val="50000"/>
+                    <a:lumOff val="50000"/>
+                  </a:schemeClr>
+                </a:solidFill>
+                <a:latin typeface="DejaVu Sans Book" panose="020B0603030804020204" pitchFamily="34" charset="0"/>
+                <a:ea typeface="DejaVu Sans Book" panose="020B0603030804020204" pitchFamily="34" charset="0"/>
+                <a:cs typeface="DejaVu Sans Book" panose="020B0603030804020204" pitchFamily="34" charset="0"/>
+              </a:rPr>
+              <a:t>XX</a:t>
+            </a:r>
+            <a:r>
+              <a:rPr lang="en-US" sz="1100" dirty="0" err="1">
+                <a:latin typeface="DejaVu Sans Book" panose="020B0603030804020204" pitchFamily="34" charset="0"/>
+                <a:ea typeface="DejaVu Sans Book" panose="020B0603030804020204" pitchFamily="34" charset="0"/>
+                <a:cs typeface="DejaVu Sans Book" panose="020B0603030804020204" pitchFamily="34" charset="0"/>
+              </a:rPr>
+              <a:t>d</a:t>
+            </a:r>
+            <a:endParaRPr lang="en-US" sz="1100" dirty="0">
+              <a:latin typeface="DejaVu Sans Book" panose="020B0603030804020204" pitchFamily="34" charset="0"/>
+              <a:ea typeface="DejaVu Sans Book" panose="020B0603030804020204" pitchFamily="34" charset="0"/>
+              <a:cs typeface="DejaVu Sans Book" panose="020B0603030804020204" pitchFamily="34" charset="0"/>
+            </a:endParaRPr>
+          </a:p>
+        </p:txBody>
+      </p:sp>
+      <p:sp>
+        <p:nvSpPr>
+          <p:cNvPr id="374" name="TextBox 373">
+            <a:extLst>
+              <a:ext uri="{FF2B5EF4-FFF2-40B4-BE49-F238E27FC236}">
+                <a16:creationId xmlns:a16="http://schemas.microsoft.com/office/drawing/2014/main" id="{41C22F8D-FCB9-A44A-AB4E-E8C6603155D5}"/>
+              </a:ext>
+            </a:extLst>
+          </p:cNvPr>
+          <p:cNvSpPr txBox="1"/>
+          <p:nvPr/>
+        </p:nvSpPr>
+        <p:spPr>
+          <a:xfrm>
+            <a:off x="2582621" y="12584609"/>
+            <a:ext cx="553358" cy="261610"/>
+          </a:xfrm>
+          <a:prstGeom prst="rect">
+            <a:avLst/>
+          </a:prstGeom>
+          <a:noFill/>
+          <a:ln>
+            <a:noFill/>
+          </a:ln>
+        </p:spPr>
+        <p:txBody>
+          <a:bodyPr wrap="none" rtlCol="0">
+            <a:spAutoFit/>
+          </a:bodyPr>
+          <a:lstStyle/>
+          <a:p>
+            <a:pPr algn="ctr"/>
+            <a:r>
+              <a:rPr lang="en-US" sz="1100" dirty="0" err="1">
+                <a:solidFill>
+                  <a:schemeClr val="tx1">
+                    <a:lumMod val="50000"/>
+                    <a:lumOff val="50000"/>
+                  </a:schemeClr>
+                </a:solidFill>
+                <a:latin typeface="DejaVu Sans Book" panose="020B0603030804020204" pitchFamily="34" charset="0"/>
+                <a:ea typeface="DejaVu Sans Book" panose="020B0603030804020204" pitchFamily="34" charset="0"/>
+                <a:cs typeface="DejaVu Sans Book" panose="020B0603030804020204" pitchFamily="34" charset="0"/>
+              </a:rPr>
+              <a:t>X</a:t>
+            </a:r>
+            <a:r>
+              <a:rPr lang="en-US" sz="1100" dirty="0" err="1">
+                <a:latin typeface="DejaVu Sans Book" panose="020B0603030804020204" pitchFamily="34" charset="0"/>
+                <a:ea typeface="DejaVu Sans Book" panose="020B0603030804020204" pitchFamily="34" charset="0"/>
+                <a:cs typeface="DejaVu Sans Book" panose="020B0603030804020204" pitchFamily="34" charset="0"/>
+              </a:rPr>
+              <a:t>eg</a:t>
+            </a:r>
+            <a:r>
+              <a:rPr lang="en-US" sz="1100" dirty="0" err="1">
+                <a:solidFill>
+                  <a:schemeClr val="tx1">
+                    <a:lumMod val="50000"/>
+                    <a:lumOff val="50000"/>
+                  </a:schemeClr>
+                </a:solidFill>
+                <a:latin typeface="DejaVu Sans Book" panose="020B0603030804020204" pitchFamily="34" charset="0"/>
+                <a:ea typeface="DejaVu Sans Book" panose="020B0603030804020204" pitchFamily="34" charset="0"/>
+                <a:cs typeface="DejaVu Sans Book" panose="020B0603030804020204" pitchFamily="34" charset="0"/>
+              </a:rPr>
+              <a:t>X</a:t>
+            </a:r>
+            <a:endParaRPr lang="en-US" sz="1100" dirty="0">
+              <a:solidFill>
+                <a:schemeClr val="tx1">
+                  <a:lumMod val="50000"/>
+                  <a:lumOff val="50000"/>
+                </a:schemeClr>
+              </a:solidFill>
+              <a:latin typeface="DejaVu Sans Book" panose="020B0603030804020204" pitchFamily="34" charset="0"/>
+              <a:ea typeface="DejaVu Sans Book" panose="020B0603030804020204" pitchFamily="34" charset="0"/>
+              <a:cs typeface="DejaVu Sans Book" panose="020B0603030804020204" pitchFamily="34" charset="0"/>
+            </a:endParaRPr>
+          </a:p>
+        </p:txBody>
+      </p:sp>
+      <p:sp>
+        <p:nvSpPr>
+          <p:cNvPr id="375" name="TextBox 374">
+            <a:extLst>
+              <a:ext uri="{FF2B5EF4-FFF2-40B4-BE49-F238E27FC236}">
+                <a16:creationId xmlns:a16="http://schemas.microsoft.com/office/drawing/2014/main" id="{305247F5-D613-2143-ABAC-4A127547EC13}"/>
+              </a:ext>
+            </a:extLst>
+          </p:cNvPr>
+          <p:cNvSpPr txBox="1"/>
+          <p:nvPr/>
+        </p:nvSpPr>
+        <p:spPr>
+          <a:xfrm>
+            <a:off x="2299920" y="13160150"/>
+            <a:ext cx="540534" cy="430887"/>
+          </a:xfrm>
+          <a:prstGeom prst="rect">
+            <a:avLst/>
+          </a:prstGeom>
+          <a:noFill/>
+          <a:ln>
+            <a:noFill/>
+          </a:ln>
+        </p:spPr>
+        <p:txBody>
+          <a:bodyPr wrap="none" rtlCol="0">
+            <a:spAutoFit/>
+          </a:bodyPr>
+          <a:lstStyle/>
+          <a:p>
+            <a:pPr algn="ctr"/>
+            <a:r>
+              <a:rPr lang="en-US" sz="1100" dirty="0">
+                <a:latin typeface="DejaVu Sans Book" panose="020B0603030804020204" pitchFamily="34" charset="0"/>
+                <a:ea typeface="DejaVu Sans Book" panose="020B0603030804020204" pitchFamily="34" charset="0"/>
+                <a:cs typeface="DejaVu Sans Book" panose="020B0603030804020204" pitchFamily="34" charset="0"/>
+              </a:rPr>
+              <a:t>D</a:t>
+            </a:r>
+            <a:r>
+              <a:rPr lang="en-US" sz="1100" baseline="-25000" dirty="0">
+                <a:latin typeface="DejaVu Sans Book" panose="020B0603030804020204" pitchFamily="34" charset="0"/>
+                <a:ea typeface="DejaVu Sans Book" panose="020B0603030804020204" pitchFamily="34" charset="0"/>
+                <a:cs typeface="DejaVu Sans Book" panose="020B0603030804020204" pitchFamily="34" charset="0"/>
+              </a:rPr>
+              <a:t>0</a:t>
+            </a:r>
+            <a:br>
+              <a:rPr lang="en-US" sz="1100" dirty="0">
+                <a:latin typeface="DejaVu Sans Book" panose="020B0603030804020204" pitchFamily="34" charset="0"/>
+                <a:ea typeface="DejaVu Sans Book" panose="020B0603030804020204" pitchFamily="34" charset="0"/>
+                <a:cs typeface="DejaVu Sans Book" panose="020B0603030804020204" pitchFamily="34" charset="0"/>
+              </a:rPr>
+            </a:br>
+            <a:r>
+              <a:rPr lang="en-US" sz="1100" dirty="0" err="1">
+                <a:latin typeface="DejaVu Sans Book" panose="020B0603030804020204" pitchFamily="34" charset="0"/>
+                <a:ea typeface="DejaVu Sans Book" panose="020B0603030804020204" pitchFamily="34" charset="0"/>
+                <a:cs typeface="DejaVu Sans Book" panose="020B0603030804020204" pitchFamily="34" charset="0"/>
+              </a:rPr>
+              <a:t>begd</a:t>
+            </a:r>
+            <a:endParaRPr lang="en-US" sz="1100" dirty="0">
+              <a:latin typeface="DejaVu Sans Book" panose="020B0603030804020204" pitchFamily="34" charset="0"/>
+              <a:ea typeface="DejaVu Sans Book" panose="020B0603030804020204" pitchFamily="34" charset="0"/>
+              <a:cs typeface="DejaVu Sans Book" panose="020B0603030804020204" pitchFamily="34" charset="0"/>
+            </a:endParaRPr>
+          </a:p>
+        </p:txBody>
+      </p:sp>
+      <p:cxnSp>
+        <p:nvCxnSpPr>
+          <p:cNvPr id="376" name="Straight Arrow Connector 375">
+            <a:extLst>
+              <a:ext uri="{FF2B5EF4-FFF2-40B4-BE49-F238E27FC236}">
+                <a16:creationId xmlns:a16="http://schemas.microsoft.com/office/drawing/2014/main" id="{5BAF5EED-FF6E-994A-8040-59F20004625A}"/>
+              </a:ext>
+            </a:extLst>
+          </p:cNvPr>
+          <p:cNvCxnSpPr>
+            <a:cxnSpLocks/>
+            <a:stCxn id="358" idx="4"/>
+          </p:cNvCxnSpPr>
+          <p:nvPr/>
+        </p:nvCxnSpPr>
+        <p:spPr>
+          <a:xfrm>
+            <a:off x="2277899" y="13145253"/>
+            <a:ext cx="0" cy="210782"/>
+          </a:xfrm>
+          <a:prstGeom prst="straightConnector1">
+            <a:avLst/>
+          </a:prstGeom>
+          <a:ln w="25400">
+            <a:solidFill>
+              <a:schemeClr val="tx1"/>
+            </a:solidFill>
+            <a:headEnd type="none" w="med" len="med"/>
+            <a:tailEnd type="arrow" w="med" len="med"/>
+          </a:ln>
+        </p:spPr>
+        <p:style>
+          <a:lnRef idx="3">
+            <a:schemeClr val="accent1"/>
+          </a:lnRef>
+          <a:fillRef idx="0">
+            <a:schemeClr val="accent1"/>
+          </a:fillRef>
+          <a:effectRef idx="2">
+            <a:schemeClr val="accent1"/>
+          </a:effectRef>
+          <a:fontRef idx="minor">
+            <a:schemeClr val="tx1"/>
+          </a:fontRef>
+        </p:style>
+      </p:cxnSp>
+      <p:sp>
+        <p:nvSpPr>
+          <p:cNvPr id="377" name="TextBox 376">
+            <a:extLst>
+              <a:ext uri="{FF2B5EF4-FFF2-40B4-BE49-F238E27FC236}">
+                <a16:creationId xmlns:a16="http://schemas.microsoft.com/office/drawing/2014/main" id="{ECB10FE0-5EEF-5D43-A901-ED6A100C1755}"/>
+              </a:ext>
+            </a:extLst>
+          </p:cNvPr>
+          <p:cNvSpPr txBox="1"/>
+          <p:nvPr/>
+        </p:nvSpPr>
+        <p:spPr>
+          <a:xfrm>
+            <a:off x="1351498" y="13179054"/>
+            <a:ext cx="442749" cy="369332"/>
+          </a:xfrm>
+          <a:prstGeom prst="rect">
+            <a:avLst/>
+          </a:prstGeom>
+          <a:noFill/>
+          <a:ln>
+            <a:noFill/>
+          </a:ln>
+        </p:spPr>
+        <p:txBody>
+          <a:bodyPr wrap="none" rtlCol="0">
+            <a:spAutoFit/>
+          </a:bodyPr>
+          <a:lstStyle/>
+          <a:p>
+            <a:pPr algn="ctr"/>
+            <a:r>
+              <a:rPr lang="en-US" dirty="0">
+                <a:latin typeface="DejaVu Sans Book" panose="020B0603030804020204" pitchFamily="34" charset="0"/>
+                <a:ea typeface="DejaVu Sans Book" panose="020B0603030804020204" pitchFamily="34" charset="0"/>
+                <a:cs typeface="DejaVu Sans Book" panose="020B0603030804020204" pitchFamily="34" charset="0"/>
+              </a:rPr>
+              <a:t>R</a:t>
+            </a:r>
+            <a:r>
+              <a:rPr lang="en-US" baseline="-25000" dirty="0">
+                <a:latin typeface="DejaVu Sans Book" panose="020B0603030804020204" pitchFamily="34" charset="0"/>
+                <a:ea typeface="DejaVu Sans Book" panose="020B0603030804020204" pitchFamily="34" charset="0"/>
+                <a:cs typeface="DejaVu Sans Book" panose="020B0603030804020204" pitchFamily="34" charset="0"/>
+              </a:rPr>
+              <a:t>0</a:t>
+            </a:r>
+            <a:endParaRPr lang="en-US" dirty="0">
+              <a:latin typeface="DejaVu Sans Book" panose="020B0603030804020204" pitchFamily="34" charset="0"/>
+              <a:ea typeface="DejaVu Sans Book" panose="020B0603030804020204" pitchFamily="34" charset="0"/>
+              <a:cs typeface="DejaVu Sans Book" panose="020B0603030804020204" pitchFamily="34" charset="0"/>
+            </a:endParaRPr>
+          </a:p>
+        </p:txBody>
+      </p:sp>
+      <p:sp>
+        <p:nvSpPr>
+          <p:cNvPr id="384" name="Right Arrow 383">
+            <a:extLst>
+              <a:ext uri="{FF2B5EF4-FFF2-40B4-BE49-F238E27FC236}">
+                <a16:creationId xmlns:a16="http://schemas.microsoft.com/office/drawing/2014/main" id="{38BB4506-138F-A74E-B239-7B5D30A19AA9}"/>
+              </a:ext>
+            </a:extLst>
+          </p:cNvPr>
+          <p:cNvSpPr/>
+          <p:nvPr/>
+        </p:nvSpPr>
+        <p:spPr>
+          <a:xfrm rot="10800000">
+            <a:off x="3344768" y="11936539"/>
+            <a:ext cx="254000" cy="261610"/>
+          </a:xfrm>
+          <a:prstGeom prst="rightArrow">
+            <a:avLst/>
+          </a:prstGeom>
+          <a:solidFill>
+            <a:schemeClr val="bg2">
+              <a:lumMod val="90000"/>
+            </a:schemeClr>
+          </a:solidFill>
+          <a:ln>
+            <a:noFill/>
+          </a:ln>
+        </p:spPr>
+        <p:style>
+          <a:lnRef idx="2">
+            <a:schemeClr val="accent1">
+              <a:shade val="50000"/>
+            </a:schemeClr>
+          </a:lnRef>
+          <a:fillRef idx="1">
+            <a:schemeClr val="accent1"/>
+          </a:fillRef>
+          <a:effectRef idx="0">
+            <a:schemeClr val="accent1"/>
+          </a:effectRef>
+          <a:fontRef idx="minor">
+            <a:schemeClr val="lt1"/>
+          </a:fontRef>
+        </p:style>
+        <p:txBody>
+          <a:bodyPr rtlCol="0" anchor="ctr"/>
+          <a:lstStyle/>
+          <a:p>
+            <a:pPr algn="ctr"/>
+            <a:endParaRPr lang="en-US">
+              <a:latin typeface="DejaVu Sans Book" panose="020B0603030804020204" pitchFamily="34" charset="0"/>
+              <a:ea typeface="DejaVu Sans Book" panose="020B0603030804020204" pitchFamily="34" charset="0"/>
+              <a:cs typeface="DejaVu Sans Book" panose="020B0603030804020204" pitchFamily="34" charset="0"/>
+            </a:endParaRPr>
+          </a:p>
+        </p:txBody>
+      </p:sp>
+    </p:spTree>
+    <p:extLst>
+      <p:ext uri="{BB962C8B-B14F-4D97-AF65-F5344CB8AC3E}">
+        <p14:creationId xmlns:p14="http://schemas.microsoft.com/office/powerpoint/2010/main" val="1482217074"/>
+      </p:ext>
+    </p:extLst>
+  </p:cSld>
+  <p:clrMapOvr>
+    <a:masterClrMapping/>
+  </p:clrMapOvr>
+  <p:timing>
+    <p:tnLst>
+      <p:par>
+        <p:cTn id="1" dur="indefinite" restart="never" nodeType="tmRoot">
+          <p:childTnLst>
+            <p:seq concurrent="1" nextAc="seek">
+              <p:cTn id="2" dur="indefinite" nodeType="mainSeq">
+                <p:childTnLst>
+                  <p:par>
+                    <p:cTn id="3" fill="hold">
+                      <p:stCondLst>
+                        <p:cond delay="indefinite"/>
+                        <p:cond evt="onBegin" delay="0">
+                          <p:tn val="2"/>
+                        </p:cond>
+                      </p:stCondLst>
+                      <p:childTnLst>
+                        <p:par>
+                          <p:cTn id="4" fill="hold">
+                            <p:stCondLst>
+                              <p:cond delay="0"/>
+                            </p:stCondLst>
+                            <p:childTnLst>
+                              <p:par>
+                                <p:cTn id="5" presetID="1" presetClass="entr" presetSubtype="0" fill="hold" grpId="0" nodeType="withEffect">
+                                  <p:stCondLst>
+                                    <p:cond delay="0"/>
+                                  </p:stCondLst>
+                                  <p:childTnLst>
+                                    <p:set>
+                                      <p:cBhvr>
+                                        <p:cTn id="6" dur="1" fill="hold">
+                                          <p:stCondLst>
+                                            <p:cond delay="0"/>
+                                          </p:stCondLst>
+                                        </p:cTn>
+                                        <p:tgtEl>
+                                          <p:spTgt spid="4"/>
+                                        </p:tgtEl>
+                                        <p:attrNameLst>
+                                          <p:attrName>style.visibility</p:attrName>
+                                        </p:attrNameLst>
+                                      </p:cBhvr>
+                                      <p:to>
+                                        <p:strVal val="visible"/>
+                                      </p:to>
+                                    </p:set>
+                                  </p:childTnLst>
+                                </p:cTn>
+                              </p:par>
+                              <p:par>
+                                <p:cTn id="7" presetID="1" presetClass="entr" presetSubtype="0" fill="hold" grpId="0" nodeType="withEffect">
+                                  <p:stCondLst>
+                                    <p:cond delay="0"/>
+                                  </p:stCondLst>
+                                  <p:childTnLst>
+                                    <p:set>
+                                      <p:cBhvr>
+                                        <p:cTn id="8" dur="1" fill="hold">
+                                          <p:stCondLst>
+                                            <p:cond delay="0"/>
+                                          </p:stCondLst>
+                                        </p:cTn>
+                                        <p:tgtEl>
+                                          <p:spTgt spid="6"/>
+                                        </p:tgtEl>
+                                        <p:attrNameLst>
+                                          <p:attrName>style.visibility</p:attrName>
+                                        </p:attrNameLst>
+                                      </p:cBhvr>
+                                      <p:to>
+                                        <p:strVal val="visible"/>
+                                      </p:to>
+                                    </p:set>
+                                  </p:childTnLst>
+                                </p:cTn>
+                              </p:par>
+                              <p:par>
+                                <p:cTn id="9" presetID="1" presetClass="entr" presetSubtype="0" fill="hold" grpId="0" nodeType="withEffect">
+                                  <p:stCondLst>
+                                    <p:cond delay="0"/>
+                                  </p:stCondLst>
+                                  <p:childTnLst>
+                                    <p:set>
+                                      <p:cBhvr>
+                                        <p:cTn id="10" dur="1" fill="hold">
+                                          <p:stCondLst>
+                                            <p:cond delay="0"/>
+                                          </p:stCondLst>
+                                        </p:cTn>
+                                        <p:tgtEl>
+                                          <p:spTgt spid="5"/>
+                                        </p:tgtEl>
+                                        <p:attrNameLst>
+                                          <p:attrName>style.visibility</p:attrName>
+                                        </p:attrNameLst>
+                                      </p:cBhvr>
+                                      <p:to>
+                                        <p:strVal val="visible"/>
+                                      </p:to>
+                                    </p:set>
+                                  </p:childTnLst>
+                                </p:cTn>
+                              </p:par>
+                              <p:par>
+                                <p:cTn id="11" presetID="1" presetClass="entr" presetSubtype="0" fill="hold" grpId="0" nodeType="withEffect">
+                                  <p:stCondLst>
+                                    <p:cond delay="0"/>
+                                  </p:stCondLst>
+                                  <p:childTnLst>
+                                    <p:set>
+                                      <p:cBhvr>
+                                        <p:cTn id="12" dur="1" fill="hold">
+                                          <p:stCondLst>
+                                            <p:cond delay="0"/>
+                                          </p:stCondLst>
+                                        </p:cTn>
+                                        <p:tgtEl>
+                                          <p:spTgt spid="7"/>
+                                        </p:tgtEl>
+                                        <p:attrNameLst>
+                                          <p:attrName>style.visibility</p:attrName>
+                                        </p:attrNameLst>
+                                      </p:cBhvr>
+                                      <p:to>
+                                        <p:strVal val="visible"/>
+                                      </p:to>
+                                    </p:set>
+                                  </p:childTnLst>
+                                </p:cTn>
+                              </p:par>
+                            </p:childTnLst>
+                          </p:cTn>
+                        </p:par>
+                      </p:childTnLst>
+                    </p:cTn>
+                  </p:par>
+                  <p:par>
+                    <p:cTn id="13" fill="hold">
+                      <p:stCondLst>
+                        <p:cond delay="indefinite"/>
+                      </p:stCondLst>
+                      <p:childTnLst>
+                        <p:par>
+                          <p:cTn id="14" fill="hold">
+                            <p:stCondLst>
+                              <p:cond delay="0"/>
+                            </p:stCondLst>
+                            <p:childTnLst>
+                              <p:par>
+                                <p:cTn id="15" presetID="1" presetClass="entr" presetSubtype="0" fill="hold" nodeType="clickEffect">
+                                  <p:stCondLst>
+                                    <p:cond delay="0"/>
+                                  </p:stCondLst>
+                                  <p:childTnLst>
+                                    <p:set>
+                                      <p:cBhvr>
+                                        <p:cTn id="16" dur="1" fill="hold">
+                                          <p:stCondLst>
+                                            <p:cond delay="0"/>
+                                          </p:stCondLst>
+                                        </p:cTn>
+                                        <p:tgtEl>
+                                          <p:spTgt spid="11"/>
+                                        </p:tgtEl>
+                                        <p:attrNameLst>
+                                          <p:attrName>style.visibility</p:attrName>
+                                        </p:attrNameLst>
+                                      </p:cBhvr>
+                                      <p:to>
+                                        <p:strVal val="visible"/>
+                                      </p:to>
+                                    </p:set>
+                                  </p:childTnLst>
+                                </p:cTn>
+                              </p:par>
+                              <p:par>
+                                <p:cTn id="17" presetID="1" presetClass="entr" presetSubtype="0" fill="hold" nodeType="withEffect">
+                                  <p:stCondLst>
+                                    <p:cond delay="0"/>
+                                  </p:stCondLst>
+                                  <p:childTnLst>
+                                    <p:set>
+                                      <p:cBhvr>
+                                        <p:cTn id="18" dur="1" fill="hold">
+                                          <p:stCondLst>
+                                            <p:cond delay="0"/>
+                                          </p:stCondLst>
+                                        </p:cTn>
+                                        <p:tgtEl>
+                                          <p:spTgt spid="10"/>
+                                        </p:tgtEl>
+                                        <p:attrNameLst>
+                                          <p:attrName>style.visibility</p:attrName>
+                                        </p:attrNameLst>
+                                      </p:cBhvr>
+                                      <p:to>
+                                        <p:strVal val="visible"/>
+                                      </p:to>
+                                    </p:set>
+                                  </p:childTnLst>
+                                </p:cTn>
+                              </p:par>
+                              <p:par>
+                                <p:cTn id="19" presetID="1" presetClass="entr" presetSubtype="0" fill="hold" nodeType="withEffect">
+                                  <p:stCondLst>
+                                    <p:cond delay="0"/>
+                                  </p:stCondLst>
+                                  <p:childTnLst>
+                                    <p:set>
+                                      <p:cBhvr>
+                                        <p:cTn id="20" dur="1" fill="hold">
+                                          <p:stCondLst>
+                                            <p:cond delay="0"/>
+                                          </p:stCondLst>
+                                        </p:cTn>
+                                        <p:tgtEl>
+                                          <p:spTgt spid="12"/>
+                                        </p:tgtEl>
+                                        <p:attrNameLst>
+                                          <p:attrName>style.visibility</p:attrName>
+                                        </p:attrNameLst>
+                                      </p:cBhvr>
+                                      <p:to>
+                                        <p:strVal val="visible"/>
+                                      </p:to>
+                                    </p:set>
+                                  </p:childTnLst>
+                                </p:cTn>
+                              </p:par>
+                              <p:par>
+                                <p:cTn id="21" presetID="1" presetClass="entr" presetSubtype="0" fill="hold" nodeType="withEffect">
+                                  <p:stCondLst>
+                                    <p:cond delay="0"/>
+                                  </p:stCondLst>
+                                  <p:childTnLst>
+                                    <p:set>
+                                      <p:cBhvr>
+                                        <p:cTn id="22" dur="1" fill="hold">
+                                          <p:stCondLst>
+                                            <p:cond delay="0"/>
+                                          </p:stCondLst>
+                                        </p:cTn>
+                                        <p:tgtEl>
+                                          <p:spTgt spid="13"/>
+                                        </p:tgtEl>
+                                        <p:attrNameLst>
+                                          <p:attrName>style.visibility</p:attrName>
+                                        </p:attrNameLst>
+                                      </p:cBhvr>
+                                      <p:to>
+                                        <p:strVal val="visible"/>
+                                      </p:to>
+                                    </p:set>
+                                  </p:childTnLst>
+                                </p:cTn>
+                              </p:par>
+                            </p:childTnLst>
+                          </p:cTn>
+                        </p:par>
+                      </p:childTnLst>
+                    </p:cTn>
+                  </p:par>
+                  <p:par>
+                    <p:cTn id="23" fill="hold">
+                      <p:stCondLst>
+                        <p:cond delay="indefinite"/>
+                      </p:stCondLst>
+                      <p:childTnLst>
+                        <p:par>
+                          <p:cTn id="24" fill="hold">
+                            <p:stCondLst>
+                              <p:cond delay="0"/>
+                            </p:stCondLst>
+                            <p:childTnLst>
+                              <p:par>
+                                <p:cTn id="25" presetID="1" presetClass="entr" presetSubtype="0" fill="hold" nodeType="clickEffect">
+                                  <p:stCondLst>
+                                    <p:cond delay="0"/>
+                                  </p:stCondLst>
+                                  <p:childTnLst>
+                                    <p:set>
+                                      <p:cBhvr>
+                                        <p:cTn id="26" dur="1" fill="hold">
+                                          <p:stCondLst>
+                                            <p:cond delay="0"/>
+                                          </p:stCondLst>
+                                        </p:cTn>
+                                        <p:tgtEl>
+                                          <p:spTgt spid="12"/>
+                                        </p:tgtEl>
+                                        <p:attrNameLst>
+                                          <p:attrName>style.visibility</p:attrName>
+                                        </p:attrNameLst>
+                                      </p:cBhvr>
+                                      <p:to>
+                                        <p:strVal val="visible"/>
+                                      </p:to>
+                                    </p:set>
+                                  </p:childTnLst>
+                                </p:cTn>
+                              </p:par>
+                              <p:par>
+                                <p:cTn id="27" presetID="1" presetClass="entr" presetSubtype="0" fill="hold" nodeType="withEffect">
+                                  <p:stCondLst>
+                                    <p:cond delay="0"/>
+                                  </p:stCondLst>
+                                  <p:childTnLst>
+                                    <p:set>
+                                      <p:cBhvr>
+                                        <p:cTn id="28" dur="1" fill="hold">
+                                          <p:stCondLst>
+                                            <p:cond delay="0"/>
+                                          </p:stCondLst>
+                                        </p:cTn>
+                                        <p:tgtEl>
+                                          <p:spTgt spid="11"/>
+                                        </p:tgtEl>
+                                        <p:attrNameLst>
+                                          <p:attrName>style.visibility</p:attrName>
+                                        </p:attrNameLst>
+                                      </p:cBhvr>
+                                      <p:to>
+                                        <p:strVal val="visible"/>
+                                      </p:to>
+                                    </p:set>
+                                  </p:childTnLst>
+                                </p:cTn>
+                              </p:par>
+                              <p:par>
+                                <p:cTn id="29" presetID="1" presetClass="exit" presetSubtype="0" fill="hold" nodeType="withEffect">
+                                  <p:stCondLst>
+                                    <p:cond delay="0"/>
+                                  </p:stCondLst>
+                                  <p:childTnLst>
+                                    <p:set>
+                                      <p:cBhvr>
+                                        <p:cTn id="30" dur="1" fill="hold">
+                                          <p:stCondLst>
+                                            <p:cond delay="0"/>
+                                          </p:stCondLst>
+                                        </p:cTn>
+                                        <p:tgtEl>
+                                          <p:spTgt spid="12"/>
+                                        </p:tgtEl>
+                                        <p:attrNameLst>
+                                          <p:attrName>style.visibility</p:attrName>
+                                        </p:attrNameLst>
+                                      </p:cBhvr>
+                                      <p:to>
+                                        <p:strVal val="hidden"/>
+                                      </p:to>
+                                    </p:set>
+                                  </p:childTnLst>
+                                </p:cTn>
+                              </p:par>
+                              <p:par>
+                                <p:cTn id="31" presetID="1" presetClass="exit" presetSubtype="0" fill="hold" nodeType="withEffect">
+                                  <p:stCondLst>
+                                    <p:cond delay="0"/>
+                                  </p:stCondLst>
+                                  <p:childTnLst>
+                                    <p:set>
+                                      <p:cBhvr>
+                                        <p:cTn id="32" dur="1" fill="hold">
+                                          <p:stCondLst>
+                                            <p:cond delay="0"/>
+                                          </p:stCondLst>
+                                        </p:cTn>
+                                        <p:tgtEl>
+                                          <p:spTgt spid="11"/>
+                                        </p:tgtEl>
+                                        <p:attrNameLst>
+                                          <p:attrName>style.visibility</p:attrName>
+                                        </p:attrNameLst>
+                                      </p:cBhvr>
+                                      <p:to>
+                                        <p:strVal val="hidden"/>
+                                      </p:to>
+                                    </p:set>
+                                  </p:childTnLst>
+                                </p:cTn>
+                              </p:par>
+                              <p:par>
+                                <p:cTn id="33" presetID="1" presetClass="entr" presetSubtype="0" fill="hold" grpId="0" nodeType="withEffect">
+                                  <p:stCondLst>
+                                    <p:cond delay="0"/>
+                                  </p:stCondLst>
+                                  <p:childTnLst>
+                                    <p:set>
+                                      <p:cBhvr>
+                                        <p:cTn id="34" dur="1" fill="hold">
+                                          <p:stCondLst>
+                                            <p:cond delay="0"/>
+                                          </p:stCondLst>
+                                        </p:cTn>
+                                        <p:tgtEl>
+                                          <p:spTgt spid="18"/>
+                                        </p:tgtEl>
+                                        <p:attrNameLst>
+                                          <p:attrName>style.visibility</p:attrName>
+                                        </p:attrNameLst>
+                                      </p:cBhvr>
+                                      <p:to>
+                                        <p:strVal val="visible"/>
+                                      </p:to>
+                                    </p:set>
+                                  </p:childTnLst>
+                                </p:cTn>
+                              </p:par>
+                              <p:par>
+                                <p:cTn id="35" presetID="1" presetClass="entr" presetSubtype="0" fill="hold" grpId="0" nodeType="withEffect">
+                                  <p:stCondLst>
+                                    <p:cond delay="0"/>
+                                  </p:stCondLst>
+                                  <p:childTnLst>
+                                    <p:set>
+                                      <p:cBhvr>
+                                        <p:cTn id="36" dur="1" fill="hold">
+                                          <p:stCondLst>
+                                            <p:cond delay="0"/>
+                                          </p:stCondLst>
+                                        </p:cTn>
+                                        <p:tgtEl>
+                                          <p:spTgt spid="20"/>
+                                        </p:tgtEl>
+                                        <p:attrNameLst>
+                                          <p:attrName>style.visibility</p:attrName>
+                                        </p:attrNameLst>
+                                      </p:cBhvr>
+                                      <p:to>
+                                        <p:strVal val="visible"/>
+                                      </p:to>
+                                    </p:set>
+                                  </p:childTnLst>
+                                </p:cTn>
+                              </p:par>
+                              <p:par>
+                                <p:cTn id="37" presetID="1" presetClass="entr" presetSubtype="0" fill="hold" nodeType="withEffect">
+                                  <p:stCondLst>
+                                    <p:cond delay="0"/>
+                                  </p:stCondLst>
+                                  <p:childTnLst>
+                                    <p:set>
+                                      <p:cBhvr>
+                                        <p:cTn id="38" dur="1" fill="hold">
+                                          <p:stCondLst>
+                                            <p:cond delay="0"/>
+                                          </p:stCondLst>
+                                        </p:cTn>
+                                        <p:tgtEl>
+                                          <p:spTgt spid="22"/>
+                                        </p:tgtEl>
+                                        <p:attrNameLst>
+                                          <p:attrName>style.visibility</p:attrName>
+                                        </p:attrNameLst>
+                                      </p:cBhvr>
+                                      <p:to>
+                                        <p:strVal val="visible"/>
+                                      </p:to>
+                                    </p:set>
+                                  </p:childTnLst>
+                                </p:cTn>
+                              </p:par>
+                              <p:par>
+                                <p:cTn id="39" presetID="1" presetClass="entr" presetSubtype="0" fill="hold" grpId="0" nodeType="withEffect">
+                                  <p:stCondLst>
+                                    <p:cond delay="0"/>
+                                  </p:stCondLst>
+                                  <p:childTnLst>
+                                    <p:set>
+                                      <p:cBhvr>
+                                        <p:cTn id="40" dur="1" fill="hold">
+                                          <p:stCondLst>
+                                            <p:cond delay="0"/>
+                                          </p:stCondLst>
+                                        </p:cTn>
+                                        <p:tgtEl>
+                                          <p:spTgt spid="19"/>
+                                        </p:tgtEl>
+                                        <p:attrNameLst>
+                                          <p:attrName>style.visibility</p:attrName>
+                                        </p:attrNameLst>
+                                      </p:cBhvr>
+                                      <p:to>
+                                        <p:strVal val="visible"/>
+                                      </p:to>
+                                    </p:set>
+                                  </p:childTnLst>
+                                </p:cTn>
+                              </p:par>
+                              <p:par>
+                                <p:cTn id="41" presetID="1" presetClass="entr" presetSubtype="0" fill="hold" nodeType="withEffect">
+                                  <p:stCondLst>
+                                    <p:cond delay="0"/>
+                                  </p:stCondLst>
+                                  <p:childTnLst>
+                                    <p:set>
+                                      <p:cBhvr>
+                                        <p:cTn id="42" dur="1" fill="hold">
+                                          <p:stCondLst>
+                                            <p:cond delay="0"/>
+                                          </p:stCondLst>
+                                        </p:cTn>
+                                        <p:tgtEl>
+                                          <p:spTgt spid="23"/>
+                                        </p:tgtEl>
+                                        <p:attrNameLst>
+                                          <p:attrName>style.visibility</p:attrName>
+                                        </p:attrNameLst>
+                                      </p:cBhvr>
+                                      <p:to>
+                                        <p:strVal val="visible"/>
+                                      </p:to>
+                                    </p:set>
+                                  </p:childTnLst>
+                                </p:cTn>
+                              </p:par>
+                              <p:par>
+                                <p:cTn id="43" presetID="1" presetClass="entr" presetSubtype="0" fill="hold" grpId="0" nodeType="withEffect">
+                                  <p:stCondLst>
+                                    <p:cond delay="0"/>
+                                  </p:stCondLst>
+                                  <p:childTnLst>
+                                    <p:set>
+                                      <p:cBhvr>
+                                        <p:cTn id="44" dur="1" fill="hold">
+                                          <p:stCondLst>
+                                            <p:cond delay="0"/>
+                                          </p:stCondLst>
+                                        </p:cTn>
+                                        <p:tgtEl>
+                                          <p:spTgt spid="21"/>
+                                        </p:tgtEl>
+                                        <p:attrNameLst>
+                                          <p:attrName>style.visibility</p:attrName>
+                                        </p:attrNameLst>
+                                      </p:cBhvr>
+                                      <p:to>
+                                        <p:strVal val="visible"/>
+                                      </p:to>
+                                    </p:set>
+                                  </p:childTnLst>
+                                </p:cTn>
+                              </p:par>
+                            </p:childTnLst>
+                          </p:cTn>
+                        </p:par>
+                      </p:childTnLst>
+                    </p:cTn>
+                  </p:par>
+                  <p:par>
+                    <p:cTn id="45" fill="hold">
+                      <p:stCondLst>
+                        <p:cond delay="indefinite"/>
+                      </p:stCondLst>
+                      <p:childTnLst>
+                        <p:par>
+                          <p:cTn id="46" fill="hold">
+                            <p:stCondLst>
+                              <p:cond delay="0"/>
+                            </p:stCondLst>
+                            <p:childTnLst>
+                              <p:par>
+                                <p:cTn id="47" presetID="1" presetClass="entr" presetSubtype="0" fill="hold" nodeType="clickEffect">
+                                  <p:stCondLst>
+                                    <p:cond delay="0"/>
+                                  </p:stCondLst>
+                                  <p:childTnLst>
+                                    <p:set>
+                                      <p:cBhvr>
+                                        <p:cTn id="48" dur="1" fill="hold">
+                                          <p:stCondLst>
+                                            <p:cond delay="0"/>
+                                          </p:stCondLst>
+                                        </p:cTn>
+                                        <p:tgtEl>
+                                          <p:spTgt spid="24"/>
+                                        </p:tgtEl>
+                                        <p:attrNameLst>
+                                          <p:attrName>style.visibility</p:attrName>
+                                        </p:attrNameLst>
+                                      </p:cBhvr>
+                                      <p:to>
+                                        <p:strVal val="visible"/>
+                                      </p:to>
+                                    </p:set>
+                                  </p:childTnLst>
+                                </p:cTn>
+                              </p:par>
+                              <p:par>
+                                <p:cTn id="49" presetID="1" presetClass="entr" presetSubtype="0" fill="hold" grpId="0" nodeType="withEffect">
+                                  <p:stCondLst>
+                                    <p:cond delay="0"/>
+                                  </p:stCondLst>
+                                  <p:childTnLst>
+                                    <p:set>
+                                      <p:cBhvr>
+                                        <p:cTn id="50" dur="1" fill="hold">
+                                          <p:stCondLst>
+                                            <p:cond delay="0"/>
+                                          </p:stCondLst>
+                                        </p:cTn>
+                                        <p:tgtEl>
+                                          <p:spTgt spid="25"/>
+                                        </p:tgtEl>
+                                        <p:attrNameLst>
+                                          <p:attrName>style.visibility</p:attrName>
+                                        </p:attrNameLst>
+                                      </p:cBhvr>
+                                      <p:to>
+                                        <p:strVal val="visible"/>
+                                      </p:to>
+                                    </p:set>
+                                  </p:childTnLst>
+                                </p:cTn>
+                              </p:par>
+                              <p:par>
+                                <p:cTn id="51" presetID="1" presetClass="entr" presetSubtype="0" fill="hold" grpId="0" nodeType="withEffect">
+                                  <p:stCondLst>
+                                    <p:cond delay="0"/>
+                                  </p:stCondLst>
+                                  <p:childTnLst>
+                                    <p:set>
+                                      <p:cBhvr>
+                                        <p:cTn id="52" dur="1" fill="hold">
+                                          <p:stCondLst>
+                                            <p:cond delay="0"/>
+                                          </p:stCondLst>
+                                        </p:cTn>
+                                        <p:tgtEl>
+                                          <p:spTgt spid="28"/>
+                                        </p:tgtEl>
+                                        <p:attrNameLst>
+                                          <p:attrName>style.visibility</p:attrName>
+                                        </p:attrNameLst>
+                                      </p:cBhvr>
+                                      <p:to>
+                                        <p:strVal val="visible"/>
+                                      </p:to>
+                                    </p:set>
+                                  </p:childTnLst>
+                                </p:cTn>
+                              </p:par>
+                            </p:childTnLst>
+                          </p:cTn>
+                        </p:par>
+                      </p:childTnLst>
+                    </p:cTn>
+                  </p:par>
+                  <p:par>
+                    <p:cTn id="53" fill="hold">
+                      <p:stCondLst>
+                        <p:cond delay="indefinite"/>
+                      </p:stCondLst>
+                      <p:childTnLst>
+                        <p:par>
+                          <p:cTn id="54" fill="hold">
+                            <p:stCondLst>
+                              <p:cond delay="0"/>
+                            </p:stCondLst>
+                            <p:childTnLst>
+                              <p:par>
+                                <p:cTn id="55" presetID="1" presetClass="entr" presetSubtype="0" fill="hold" nodeType="clickEffect">
+                                  <p:stCondLst>
+                                    <p:cond delay="0"/>
+                                  </p:stCondLst>
+                                  <p:childTnLst>
+                                    <p:set>
+                                      <p:cBhvr>
+                                        <p:cTn id="56" dur="1" fill="hold">
+                                          <p:stCondLst>
+                                            <p:cond delay="0"/>
+                                          </p:stCondLst>
+                                        </p:cTn>
+                                        <p:tgtEl>
+                                          <p:spTgt spid="33"/>
+                                        </p:tgtEl>
+                                        <p:attrNameLst>
+                                          <p:attrName>style.visibility</p:attrName>
+                                        </p:attrNameLst>
+                                      </p:cBhvr>
+                                      <p:to>
+                                        <p:strVal val="visible"/>
+                                      </p:to>
+                                    </p:set>
+                                  </p:childTnLst>
+                                </p:cTn>
+                              </p:par>
+                              <p:par>
+                                <p:cTn id="57" presetID="1" presetClass="entr" presetSubtype="0" fill="hold" nodeType="withEffect">
+                                  <p:stCondLst>
+                                    <p:cond delay="0"/>
+                                  </p:stCondLst>
+                                  <p:childTnLst>
+                                    <p:set>
+                                      <p:cBhvr>
+                                        <p:cTn id="58" dur="1" fill="hold">
+                                          <p:stCondLst>
+                                            <p:cond delay="0"/>
+                                          </p:stCondLst>
+                                        </p:cTn>
+                                        <p:tgtEl>
+                                          <p:spTgt spid="33"/>
+                                        </p:tgtEl>
+                                        <p:attrNameLst>
+                                          <p:attrName>style.visibility</p:attrName>
+                                        </p:attrNameLst>
+                                      </p:cBhvr>
+                                      <p:to>
+                                        <p:strVal val="visible"/>
+                                      </p:to>
+                                    </p:set>
+                                  </p:childTnLst>
+                                </p:cTn>
+                              </p:par>
+                              <p:par>
+                                <p:cTn id="59" presetID="1" presetClass="exit" presetSubtype="0" fill="hold" nodeType="withEffect">
+                                  <p:stCondLst>
+                                    <p:cond delay="0"/>
+                                  </p:stCondLst>
+                                  <p:childTnLst>
+                                    <p:set>
+                                      <p:cBhvr>
+                                        <p:cTn id="60" dur="1" fill="hold">
+                                          <p:stCondLst>
+                                            <p:cond delay="0"/>
+                                          </p:stCondLst>
+                                        </p:cTn>
+                                        <p:tgtEl>
+                                          <p:spTgt spid="33"/>
+                                        </p:tgtEl>
+                                        <p:attrNameLst>
+                                          <p:attrName>style.visibility</p:attrName>
+                                        </p:attrNameLst>
+                                      </p:cBhvr>
+                                      <p:to>
+                                        <p:strVal val="hidden"/>
+                                      </p:to>
+                                    </p:set>
+                                  </p:childTnLst>
+                                </p:cTn>
+                              </p:par>
+                            </p:childTnLst>
+                          </p:cTn>
+                        </p:par>
+                      </p:childTnLst>
+                    </p:cTn>
+                  </p:par>
+                  <p:par>
+                    <p:cTn id="61" fill="hold">
+                      <p:stCondLst>
+                        <p:cond delay="indefinite"/>
+                      </p:stCondLst>
+                      <p:childTnLst>
+                        <p:par>
+                          <p:cTn id="62" fill="hold">
+                            <p:stCondLst>
+                              <p:cond delay="0"/>
+                            </p:stCondLst>
+                            <p:childTnLst>
+                              <p:par>
+                                <p:cTn id="63" presetID="1" presetClass="entr" presetSubtype="0" fill="hold" nodeType="clickEffect">
+                                  <p:stCondLst>
+                                    <p:cond delay="0"/>
+                                  </p:stCondLst>
+                                  <p:childTnLst>
+                                    <p:set>
+                                      <p:cBhvr>
+                                        <p:cTn id="64" dur="1" fill="hold">
+                                          <p:stCondLst>
+                                            <p:cond delay="0"/>
+                                          </p:stCondLst>
+                                        </p:cTn>
+                                        <p:tgtEl>
+                                          <p:spTgt spid="36"/>
+                                        </p:tgtEl>
+                                        <p:attrNameLst>
+                                          <p:attrName>style.visibility</p:attrName>
+                                        </p:attrNameLst>
+                                      </p:cBhvr>
+                                      <p:to>
+                                        <p:strVal val="visible"/>
+                                      </p:to>
+                                    </p:set>
+                                  </p:childTnLst>
+                                </p:cTn>
+                              </p:par>
+                              <p:par>
+                                <p:cTn id="65" presetID="1" presetClass="entr" presetSubtype="0" fill="hold" nodeType="withEffect">
+                                  <p:stCondLst>
+                                    <p:cond delay="0"/>
+                                  </p:stCondLst>
+                                  <p:childTnLst>
+                                    <p:set>
+                                      <p:cBhvr>
+                                        <p:cTn id="66" dur="1" fill="hold">
+                                          <p:stCondLst>
+                                            <p:cond delay="0"/>
+                                          </p:stCondLst>
+                                        </p:cTn>
+                                        <p:tgtEl>
+                                          <p:spTgt spid="36"/>
+                                        </p:tgtEl>
+                                        <p:attrNameLst>
+                                          <p:attrName>style.visibility</p:attrName>
+                                        </p:attrNameLst>
+                                      </p:cBhvr>
+                                      <p:to>
+                                        <p:strVal val="visible"/>
+                                      </p:to>
+                                    </p:set>
+                                  </p:childTnLst>
+                                </p:cTn>
+                              </p:par>
+                              <p:par>
+                                <p:cTn id="67" presetID="1" presetClass="exit" presetSubtype="0" fill="hold" nodeType="withEffect">
+                                  <p:stCondLst>
+                                    <p:cond delay="0"/>
+                                  </p:stCondLst>
+                                  <p:childTnLst>
+                                    <p:set>
+                                      <p:cBhvr>
+                                        <p:cTn id="68" dur="1" fill="hold">
+                                          <p:stCondLst>
+                                            <p:cond delay="0"/>
+                                          </p:stCondLst>
+                                        </p:cTn>
+                                        <p:tgtEl>
+                                          <p:spTgt spid="36"/>
+                                        </p:tgtEl>
+                                        <p:attrNameLst>
+                                          <p:attrName>style.visibility</p:attrName>
+                                        </p:attrNameLst>
+                                      </p:cBhvr>
+                                      <p:to>
+                                        <p:strVal val="hidden"/>
+                                      </p:to>
+                                    </p:set>
+                                  </p:childTnLst>
+                                </p:cTn>
+                              </p:par>
+                              <p:par>
+                                <p:cTn id="69" presetID="1" presetClass="entr" presetSubtype="0" fill="hold" grpId="0" nodeType="withEffect">
+                                  <p:stCondLst>
+                                    <p:cond delay="0"/>
+                                  </p:stCondLst>
+                                  <p:childTnLst>
+                                    <p:set>
+                                      <p:cBhvr>
+                                        <p:cTn id="70" dur="1" fill="hold">
+                                          <p:stCondLst>
+                                            <p:cond delay="0"/>
+                                          </p:stCondLst>
+                                        </p:cTn>
+                                        <p:tgtEl>
+                                          <p:spTgt spid="55"/>
+                                        </p:tgtEl>
+                                        <p:attrNameLst>
+                                          <p:attrName>style.visibility</p:attrName>
+                                        </p:attrNameLst>
+                                      </p:cBhvr>
+                                      <p:to>
+                                        <p:strVal val="visible"/>
+                                      </p:to>
+                                    </p:set>
+                                  </p:childTnLst>
+                                </p:cTn>
+                              </p:par>
+                              <p:par>
+                                <p:cTn id="71" presetID="1" presetClass="entr" presetSubtype="0" fill="hold" grpId="0" nodeType="withEffect">
+                                  <p:stCondLst>
+                                    <p:cond delay="0"/>
+                                  </p:stCondLst>
+                                  <p:childTnLst>
+                                    <p:set>
+                                      <p:cBhvr>
+                                        <p:cTn id="72" dur="1" fill="hold">
+                                          <p:stCondLst>
+                                            <p:cond delay="0"/>
+                                          </p:stCondLst>
+                                        </p:cTn>
+                                        <p:tgtEl>
+                                          <p:spTgt spid="56"/>
+                                        </p:tgtEl>
+                                        <p:attrNameLst>
+                                          <p:attrName>style.visibility</p:attrName>
+                                        </p:attrNameLst>
+                                      </p:cBhvr>
+                                      <p:to>
+                                        <p:strVal val="visible"/>
+                                      </p:to>
+                                    </p:set>
+                                  </p:childTnLst>
+                                </p:cTn>
+                              </p:par>
+                              <p:par>
+                                <p:cTn id="73" presetID="1" presetClass="entr" presetSubtype="0" fill="hold" grpId="0" nodeType="withEffect">
+                                  <p:stCondLst>
+                                    <p:cond delay="0"/>
+                                  </p:stCondLst>
+                                  <p:childTnLst>
+                                    <p:set>
+                                      <p:cBhvr>
+                                        <p:cTn id="74" dur="1" fill="hold">
+                                          <p:stCondLst>
+                                            <p:cond delay="0"/>
+                                          </p:stCondLst>
+                                        </p:cTn>
+                                        <p:tgtEl>
+                                          <p:spTgt spid="59"/>
+                                        </p:tgtEl>
+                                        <p:attrNameLst>
+                                          <p:attrName>style.visibility</p:attrName>
+                                        </p:attrNameLst>
+                                      </p:cBhvr>
+                                      <p:to>
+                                        <p:strVal val="visible"/>
+                                      </p:to>
+                                    </p:set>
+                                  </p:childTnLst>
+                                </p:cTn>
+                              </p:par>
+                              <p:par>
+                                <p:cTn id="75" presetID="1" presetClass="entr" presetSubtype="0" fill="hold" grpId="0" nodeType="withEffect">
+                                  <p:stCondLst>
+                                    <p:cond delay="0"/>
+                                  </p:stCondLst>
+                                  <p:childTnLst>
+                                    <p:set>
+                                      <p:cBhvr>
+                                        <p:cTn id="76" dur="1" fill="hold">
+                                          <p:stCondLst>
+                                            <p:cond delay="0"/>
+                                          </p:stCondLst>
+                                        </p:cTn>
+                                        <p:tgtEl>
+                                          <p:spTgt spid="60"/>
+                                        </p:tgtEl>
+                                        <p:attrNameLst>
+                                          <p:attrName>style.visibility</p:attrName>
+                                        </p:attrNameLst>
+                                      </p:cBhvr>
+                                      <p:to>
+                                        <p:strVal val="visible"/>
+                                      </p:to>
+                                    </p:set>
+                                  </p:childTnLst>
+                                </p:cTn>
+                              </p:par>
+                            </p:childTnLst>
+                          </p:cTn>
+                        </p:par>
+                      </p:childTnLst>
+                    </p:cTn>
+                  </p:par>
+                  <p:par>
+                    <p:cTn id="77" fill="hold">
+                      <p:stCondLst>
+                        <p:cond delay="indefinite"/>
+                      </p:stCondLst>
+                      <p:childTnLst>
+                        <p:par>
+                          <p:cTn id="78" fill="hold">
+                            <p:stCondLst>
+                              <p:cond delay="0"/>
+                            </p:stCondLst>
+                            <p:childTnLst>
+                              <p:par>
+                                <p:cTn id="79" presetID="1" presetClass="entr" presetSubtype="0" fill="hold" nodeType="clickEffect">
+                                  <p:stCondLst>
+                                    <p:cond delay="0"/>
+                                  </p:stCondLst>
+                                  <p:childTnLst>
+                                    <p:set>
+                                      <p:cBhvr>
+                                        <p:cTn id="80" dur="1" fill="hold">
+                                          <p:stCondLst>
+                                            <p:cond delay="0"/>
+                                          </p:stCondLst>
+                                        </p:cTn>
+                                        <p:tgtEl>
+                                          <p:spTgt spid="84"/>
+                                        </p:tgtEl>
+                                        <p:attrNameLst>
+                                          <p:attrName>style.visibility</p:attrName>
+                                        </p:attrNameLst>
+                                      </p:cBhvr>
+                                      <p:to>
+                                        <p:strVal val="visible"/>
+                                      </p:to>
+                                    </p:set>
+                                  </p:childTnLst>
+                                </p:cTn>
+                              </p:par>
+                              <p:par>
+                                <p:cTn id="81" presetID="1" presetClass="entr" presetSubtype="0" fill="hold" nodeType="withEffect">
+                                  <p:stCondLst>
+                                    <p:cond delay="0"/>
+                                  </p:stCondLst>
+                                  <p:childTnLst>
+                                    <p:set>
+                                      <p:cBhvr>
+                                        <p:cTn id="82" dur="1" fill="hold">
+                                          <p:stCondLst>
+                                            <p:cond delay="0"/>
+                                          </p:stCondLst>
+                                        </p:cTn>
+                                        <p:tgtEl>
+                                          <p:spTgt spid="84"/>
+                                        </p:tgtEl>
+                                        <p:attrNameLst>
+                                          <p:attrName>style.visibility</p:attrName>
+                                        </p:attrNameLst>
+                                      </p:cBhvr>
+                                      <p:to>
+                                        <p:strVal val="visible"/>
+                                      </p:to>
+                                    </p:set>
+                                  </p:childTnLst>
+                                </p:cTn>
+                              </p:par>
+                              <p:par>
+                                <p:cTn id="83" presetID="1" presetClass="exit" presetSubtype="0" fill="hold" nodeType="withEffect">
+                                  <p:stCondLst>
+                                    <p:cond delay="0"/>
+                                  </p:stCondLst>
+                                  <p:childTnLst>
+                                    <p:set>
+                                      <p:cBhvr>
+                                        <p:cTn id="84" dur="1" fill="hold">
+                                          <p:stCondLst>
+                                            <p:cond delay="0"/>
+                                          </p:stCondLst>
+                                        </p:cTn>
+                                        <p:tgtEl>
+                                          <p:spTgt spid="84"/>
+                                        </p:tgtEl>
+                                        <p:attrNameLst>
+                                          <p:attrName>style.visibility</p:attrName>
+                                        </p:attrNameLst>
+                                      </p:cBhvr>
+                                      <p:to>
+                                        <p:strVal val="hidden"/>
+                                      </p:to>
+                                    </p:set>
+                                  </p:childTnLst>
+                                </p:cTn>
+                              </p:par>
+                            </p:childTnLst>
+                          </p:cTn>
+                        </p:par>
+                      </p:childTnLst>
+                    </p:cTn>
+                  </p:par>
+                  <p:par>
+                    <p:cTn id="85" fill="hold">
+                      <p:stCondLst>
+                        <p:cond delay="indefinite"/>
+                      </p:stCondLst>
+                      <p:childTnLst>
+                        <p:par>
+                          <p:cTn id="86" fill="hold">
+                            <p:stCondLst>
+                              <p:cond delay="0"/>
+                            </p:stCondLst>
+                            <p:childTnLst>
+                              <p:par>
+                                <p:cTn id="87" presetID="1" presetClass="entr" presetSubtype="0" fill="hold" nodeType="clickEffect">
+                                  <p:stCondLst>
+                                    <p:cond delay="0"/>
+                                  </p:stCondLst>
+                                  <p:childTnLst>
+                                    <p:set>
+                                      <p:cBhvr>
+                                        <p:cTn id="88" dur="1" fill="hold">
+                                          <p:stCondLst>
+                                            <p:cond delay="0"/>
+                                          </p:stCondLst>
+                                        </p:cTn>
+                                        <p:tgtEl>
+                                          <p:spTgt spid="87"/>
+                                        </p:tgtEl>
+                                        <p:attrNameLst>
+                                          <p:attrName>style.visibility</p:attrName>
+                                        </p:attrNameLst>
+                                      </p:cBhvr>
+                                      <p:to>
+                                        <p:strVal val="visible"/>
+                                      </p:to>
+                                    </p:set>
+                                  </p:childTnLst>
+                                </p:cTn>
+                              </p:par>
+                              <p:par>
+                                <p:cTn id="89" presetID="1" presetClass="entr" presetSubtype="0" fill="hold" nodeType="withEffect">
+                                  <p:stCondLst>
+                                    <p:cond delay="0"/>
+                                  </p:stCondLst>
+                                  <p:childTnLst>
+                                    <p:set>
+                                      <p:cBhvr>
+                                        <p:cTn id="90" dur="1" fill="hold">
+                                          <p:stCondLst>
+                                            <p:cond delay="0"/>
+                                          </p:stCondLst>
+                                        </p:cTn>
+                                        <p:tgtEl>
+                                          <p:spTgt spid="87"/>
+                                        </p:tgtEl>
+                                        <p:attrNameLst>
+                                          <p:attrName>style.visibility</p:attrName>
+                                        </p:attrNameLst>
+                                      </p:cBhvr>
+                                      <p:to>
+                                        <p:strVal val="visible"/>
+                                      </p:to>
+                                    </p:set>
+                                  </p:childTnLst>
+                                </p:cTn>
+                              </p:par>
+                              <p:par>
+                                <p:cTn id="91" presetID="1" presetClass="exit" presetSubtype="0" fill="hold" nodeType="withEffect">
+                                  <p:stCondLst>
+                                    <p:cond delay="0"/>
+                                  </p:stCondLst>
+                                  <p:childTnLst>
+                                    <p:set>
+                                      <p:cBhvr>
+                                        <p:cTn id="92" dur="1" fill="hold">
+                                          <p:stCondLst>
+                                            <p:cond delay="0"/>
+                                          </p:stCondLst>
+                                        </p:cTn>
+                                        <p:tgtEl>
+                                          <p:spTgt spid="87"/>
+                                        </p:tgtEl>
+                                        <p:attrNameLst>
+                                          <p:attrName>style.visibility</p:attrName>
+                                        </p:attrNameLst>
+                                      </p:cBhvr>
+                                      <p:to>
+                                        <p:strVal val="hidden"/>
+                                      </p:to>
+                                    </p:set>
+                                  </p:childTnLst>
+                                </p:cTn>
+                              </p:par>
+                              <p:par>
+                                <p:cTn id="93" presetID="1" presetClass="entr" presetSubtype="0" fill="hold" grpId="0" nodeType="withEffect">
+                                  <p:stCondLst>
+                                    <p:cond delay="0"/>
+                                  </p:stCondLst>
+                                  <p:childTnLst>
+                                    <p:set>
+                                      <p:cBhvr>
+                                        <p:cTn id="94" dur="1" fill="hold">
+                                          <p:stCondLst>
+                                            <p:cond delay="0"/>
+                                          </p:stCondLst>
+                                        </p:cTn>
+                                        <p:tgtEl>
+                                          <p:spTgt spid="102"/>
+                                        </p:tgtEl>
+                                        <p:attrNameLst>
+                                          <p:attrName>style.visibility</p:attrName>
+                                        </p:attrNameLst>
+                                      </p:cBhvr>
+                                      <p:to>
+                                        <p:strVal val="visible"/>
+                                      </p:to>
+                                    </p:set>
+                                  </p:childTnLst>
+                                </p:cTn>
+                              </p:par>
+                              <p:par>
+                                <p:cTn id="95" presetID="1" presetClass="entr" presetSubtype="0" fill="hold" grpId="0" nodeType="withEffect">
+                                  <p:stCondLst>
+                                    <p:cond delay="0"/>
+                                  </p:stCondLst>
+                                  <p:childTnLst>
+                                    <p:set>
+                                      <p:cBhvr>
+                                        <p:cTn id="96" dur="1" fill="hold">
+                                          <p:stCondLst>
+                                            <p:cond delay="0"/>
+                                          </p:stCondLst>
+                                        </p:cTn>
+                                        <p:tgtEl>
+                                          <p:spTgt spid="103"/>
+                                        </p:tgtEl>
+                                        <p:attrNameLst>
+                                          <p:attrName>style.visibility</p:attrName>
+                                        </p:attrNameLst>
+                                      </p:cBhvr>
+                                      <p:to>
+                                        <p:strVal val="visible"/>
+                                      </p:to>
+                                    </p:set>
+                                  </p:childTnLst>
+                                </p:cTn>
+                              </p:par>
+                              <p:par>
+                                <p:cTn id="97" presetID="1" presetClass="entr" presetSubtype="0" fill="hold" grpId="0" nodeType="withEffect">
+                                  <p:stCondLst>
+                                    <p:cond delay="0"/>
+                                  </p:stCondLst>
+                                  <p:childTnLst>
+                                    <p:set>
+                                      <p:cBhvr>
+                                        <p:cTn id="98" dur="1" fill="hold">
+                                          <p:stCondLst>
+                                            <p:cond delay="0"/>
+                                          </p:stCondLst>
+                                        </p:cTn>
+                                        <p:tgtEl>
+                                          <p:spTgt spid="110"/>
+                                        </p:tgtEl>
+                                        <p:attrNameLst>
+                                          <p:attrName>style.visibility</p:attrName>
+                                        </p:attrNameLst>
+                                      </p:cBhvr>
+                                      <p:to>
+                                        <p:strVal val="visible"/>
+                                      </p:to>
+                                    </p:set>
+                                  </p:childTnLst>
+                                </p:cTn>
+                              </p:par>
+                              <p:par>
+                                <p:cTn id="99" presetID="1" presetClass="entr" presetSubtype="0" fill="hold" grpId="0" nodeType="withEffect">
+                                  <p:stCondLst>
+                                    <p:cond delay="0"/>
+                                  </p:stCondLst>
+                                  <p:childTnLst>
+                                    <p:set>
+                                      <p:cBhvr>
+                                        <p:cTn id="100" dur="1" fill="hold">
+                                          <p:stCondLst>
+                                            <p:cond delay="0"/>
+                                          </p:stCondLst>
+                                        </p:cTn>
+                                        <p:tgtEl>
+                                          <p:spTgt spid="111"/>
+                                        </p:tgtEl>
+                                        <p:attrNameLst>
+                                          <p:attrName>style.visibility</p:attrName>
+                                        </p:attrNameLst>
+                                      </p:cBhvr>
+                                      <p:to>
+                                        <p:strVal val="visible"/>
+                                      </p:to>
+                                    </p:set>
+                                  </p:childTnLst>
+                                </p:cTn>
+                              </p:par>
+                            </p:childTnLst>
+                          </p:cTn>
+                        </p:par>
+                      </p:childTnLst>
+                    </p:cTn>
+                  </p:par>
+                  <p:par>
+                    <p:cTn id="101" fill="hold">
+                      <p:stCondLst>
+                        <p:cond delay="indefinite"/>
+                      </p:stCondLst>
+                      <p:childTnLst>
+                        <p:par>
+                          <p:cTn id="102" fill="hold">
+                            <p:stCondLst>
+                              <p:cond delay="0"/>
+                            </p:stCondLst>
+                            <p:childTnLst>
+                              <p:par>
+                                <p:cTn id="103" presetID="1" presetClass="entr" presetSubtype="0" fill="hold" nodeType="clickEffect">
+                                  <p:stCondLst>
+                                    <p:cond delay="0"/>
+                                  </p:stCondLst>
+                                  <p:childTnLst>
+                                    <p:set>
+                                      <p:cBhvr>
+                                        <p:cTn id="104" dur="1" fill="hold">
+                                          <p:stCondLst>
+                                            <p:cond delay="0"/>
+                                          </p:stCondLst>
+                                        </p:cTn>
+                                        <p:tgtEl>
+                                          <p:spTgt spid="165"/>
+                                        </p:tgtEl>
+                                        <p:attrNameLst>
+                                          <p:attrName>style.visibility</p:attrName>
+                                        </p:attrNameLst>
+                                      </p:cBhvr>
+                                      <p:to>
+                                        <p:strVal val="visible"/>
+                                      </p:to>
+                                    </p:set>
+                                  </p:childTnLst>
+                                </p:cTn>
+                              </p:par>
+                              <p:par>
+                                <p:cTn id="105" presetID="1" presetClass="entr" presetSubtype="0" fill="hold" nodeType="withEffect">
+                                  <p:stCondLst>
+                                    <p:cond delay="0"/>
+                                  </p:stCondLst>
+                                  <p:childTnLst>
+                                    <p:set>
+                                      <p:cBhvr>
+                                        <p:cTn id="106" dur="1" fill="hold">
+                                          <p:stCondLst>
+                                            <p:cond delay="0"/>
+                                          </p:stCondLst>
+                                        </p:cTn>
+                                        <p:tgtEl>
+                                          <p:spTgt spid="165"/>
+                                        </p:tgtEl>
+                                        <p:attrNameLst>
+                                          <p:attrName>style.visibility</p:attrName>
+                                        </p:attrNameLst>
+                                      </p:cBhvr>
+                                      <p:to>
+                                        <p:strVal val="visible"/>
+                                      </p:to>
+                                    </p:set>
+                                  </p:childTnLst>
+                                </p:cTn>
+                              </p:par>
+                              <p:par>
+                                <p:cTn id="107" presetID="1" presetClass="exit" presetSubtype="0" fill="hold" nodeType="withEffect">
+                                  <p:stCondLst>
+                                    <p:cond delay="0"/>
+                                  </p:stCondLst>
+                                  <p:childTnLst>
+                                    <p:set>
+                                      <p:cBhvr>
+                                        <p:cTn id="108" dur="1" fill="hold">
+                                          <p:stCondLst>
+                                            <p:cond delay="0"/>
+                                          </p:stCondLst>
+                                        </p:cTn>
+                                        <p:tgtEl>
+                                          <p:spTgt spid="165"/>
+                                        </p:tgtEl>
+                                        <p:attrNameLst>
+                                          <p:attrName>style.visibility</p:attrName>
+                                        </p:attrNameLst>
+                                      </p:cBhvr>
+                                      <p:to>
+                                        <p:strVal val="hidden"/>
+                                      </p:to>
+                                    </p:set>
+                                  </p:childTnLst>
+                                </p:cTn>
+                              </p:par>
+                            </p:childTnLst>
+                          </p:cTn>
+                        </p:par>
+                      </p:childTnLst>
+                    </p:cTn>
+                  </p:par>
+                  <p:par>
+                    <p:cTn id="109" fill="hold">
+                      <p:stCondLst>
+                        <p:cond delay="indefinite"/>
+                      </p:stCondLst>
+                      <p:childTnLst>
+                        <p:par>
+                          <p:cTn id="110" fill="hold">
+                            <p:stCondLst>
+                              <p:cond delay="0"/>
+                            </p:stCondLst>
+                            <p:childTnLst>
+                              <p:par>
+                                <p:cTn id="111" presetID="1" presetClass="entr" presetSubtype="0" fill="hold" nodeType="clickEffect">
+                                  <p:stCondLst>
+                                    <p:cond delay="0"/>
+                                  </p:stCondLst>
+                                  <p:childTnLst>
+                                    <p:set>
+                                      <p:cBhvr>
+                                        <p:cTn id="112" dur="1" fill="hold">
+                                          <p:stCondLst>
+                                            <p:cond delay="0"/>
+                                          </p:stCondLst>
+                                        </p:cTn>
+                                        <p:tgtEl>
+                                          <p:spTgt spid="168"/>
+                                        </p:tgtEl>
+                                        <p:attrNameLst>
+                                          <p:attrName>style.visibility</p:attrName>
+                                        </p:attrNameLst>
+                                      </p:cBhvr>
+                                      <p:to>
+                                        <p:strVal val="visible"/>
+                                      </p:to>
+                                    </p:set>
+                                  </p:childTnLst>
+                                </p:cTn>
+                              </p:par>
+                              <p:par>
+                                <p:cTn id="113" presetID="1" presetClass="entr" presetSubtype="0" fill="hold" nodeType="withEffect">
+                                  <p:stCondLst>
+                                    <p:cond delay="0"/>
+                                  </p:stCondLst>
+                                  <p:childTnLst>
+                                    <p:set>
+                                      <p:cBhvr>
+                                        <p:cTn id="114" dur="1" fill="hold">
+                                          <p:stCondLst>
+                                            <p:cond delay="0"/>
+                                          </p:stCondLst>
+                                        </p:cTn>
+                                        <p:tgtEl>
+                                          <p:spTgt spid="168"/>
+                                        </p:tgtEl>
+                                        <p:attrNameLst>
+                                          <p:attrName>style.visibility</p:attrName>
+                                        </p:attrNameLst>
+                                      </p:cBhvr>
+                                      <p:to>
+                                        <p:strVal val="visible"/>
+                                      </p:to>
+                                    </p:set>
+                                  </p:childTnLst>
+                                </p:cTn>
+                              </p:par>
+                              <p:par>
+                                <p:cTn id="115" presetID="1" presetClass="exit" presetSubtype="0" fill="hold" nodeType="withEffect">
+                                  <p:stCondLst>
+                                    <p:cond delay="0"/>
+                                  </p:stCondLst>
+                                  <p:childTnLst>
+                                    <p:set>
+                                      <p:cBhvr>
+                                        <p:cTn id="116" dur="1" fill="hold">
+                                          <p:stCondLst>
+                                            <p:cond delay="0"/>
+                                          </p:stCondLst>
+                                        </p:cTn>
+                                        <p:tgtEl>
+                                          <p:spTgt spid="168"/>
+                                        </p:tgtEl>
+                                        <p:attrNameLst>
+                                          <p:attrName>style.visibility</p:attrName>
+                                        </p:attrNameLst>
+                                      </p:cBhvr>
+                                      <p:to>
+                                        <p:strVal val="hidden"/>
+                                      </p:to>
+                                    </p:set>
+                                  </p:childTnLst>
+                                </p:cTn>
+                              </p:par>
+                            </p:childTnLst>
+                          </p:cTn>
+                        </p:par>
+                      </p:childTnLst>
+                    </p:cTn>
+                  </p:par>
+                  <p:par>
+                    <p:cTn id="117" fill="hold">
+                      <p:stCondLst>
+                        <p:cond delay="indefinite"/>
+                      </p:stCondLst>
+                      <p:childTnLst>
+                        <p:par>
+                          <p:cTn id="118" fill="hold">
+                            <p:stCondLst>
+                              <p:cond delay="0"/>
+                            </p:stCondLst>
+                            <p:childTnLst>
+                              <p:par>
+                                <p:cTn id="119" presetID="1" presetClass="entr" presetSubtype="0" fill="hold" nodeType="clickEffect">
+                                  <p:stCondLst>
+                                    <p:cond delay="0"/>
+                                  </p:stCondLst>
+                                  <p:childTnLst>
+                                    <p:set>
+                                      <p:cBhvr>
+                                        <p:cTn id="120" dur="1" fill="hold">
+                                          <p:stCondLst>
+                                            <p:cond delay="0"/>
+                                          </p:stCondLst>
+                                        </p:cTn>
+                                        <p:tgtEl>
+                                          <p:spTgt spid="171"/>
+                                        </p:tgtEl>
+                                        <p:attrNameLst>
+                                          <p:attrName>style.visibility</p:attrName>
+                                        </p:attrNameLst>
+                                      </p:cBhvr>
+                                      <p:to>
+                                        <p:strVal val="visible"/>
+                                      </p:to>
+                                    </p:set>
+                                  </p:childTnLst>
+                                </p:cTn>
+                              </p:par>
+                              <p:par>
+                                <p:cTn id="121" presetID="1" presetClass="entr" presetSubtype="0" fill="hold" nodeType="withEffect">
+                                  <p:stCondLst>
+                                    <p:cond delay="0"/>
+                                  </p:stCondLst>
+                                  <p:childTnLst>
+                                    <p:set>
+                                      <p:cBhvr>
+                                        <p:cTn id="122" dur="1" fill="hold">
+                                          <p:stCondLst>
+                                            <p:cond delay="0"/>
+                                          </p:stCondLst>
+                                        </p:cTn>
+                                        <p:tgtEl>
+                                          <p:spTgt spid="171"/>
+                                        </p:tgtEl>
+                                        <p:attrNameLst>
+                                          <p:attrName>style.visibility</p:attrName>
+                                        </p:attrNameLst>
+                                      </p:cBhvr>
+                                      <p:to>
+                                        <p:strVal val="visible"/>
+                                      </p:to>
+                                    </p:set>
+                                  </p:childTnLst>
+                                </p:cTn>
+                              </p:par>
+                              <p:par>
+                                <p:cTn id="123" presetID="1" presetClass="exit" presetSubtype="0" fill="hold" nodeType="withEffect">
+                                  <p:stCondLst>
+                                    <p:cond delay="0"/>
+                                  </p:stCondLst>
+                                  <p:childTnLst>
+                                    <p:set>
+                                      <p:cBhvr>
+                                        <p:cTn id="124" dur="1" fill="hold">
+                                          <p:stCondLst>
+                                            <p:cond delay="0"/>
+                                          </p:stCondLst>
+                                        </p:cTn>
+                                        <p:tgtEl>
+                                          <p:spTgt spid="171"/>
+                                        </p:tgtEl>
+                                        <p:attrNameLst>
+                                          <p:attrName>style.visibility</p:attrName>
+                                        </p:attrNameLst>
+                                      </p:cBhvr>
+                                      <p:to>
+                                        <p:strVal val="hidden"/>
+                                      </p:to>
+                                    </p:set>
+                                  </p:childTnLst>
+                                </p:cTn>
+                              </p:par>
+                            </p:childTnLst>
+                          </p:cTn>
+                        </p:par>
+                      </p:childTnLst>
+                    </p:cTn>
+                  </p:par>
+                  <p:par>
+                    <p:cTn id="125" fill="hold">
+                      <p:stCondLst>
+                        <p:cond delay="indefinite"/>
+                      </p:stCondLst>
+                      <p:childTnLst>
+                        <p:par>
+                          <p:cTn id="126" fill="hold">
+                            <p:stCondLst>
+                              <p:cond delay="0"/>
+                            </p:stCondLst>
+                            <p:childTnLst>
+                              <p:par>
+                                <p:cTn id="127" presetID="1" presetClass="entr" presetSubtype="0" fill="hold" nodeType="clickEffect">
+                                  <p:stCondLst>
+                                    <p:cond delay="0"/>
+                                  </p:stCondLst>
+                                  <p:childTnLst>
+                                    <p:set>
+                                      <p:cBhvr>
+                                        <p:cTn id="128" dur="1" fill="hold">
+                                          <p:stCondLst>
+                                            <p:cond delay="0"/>
+                                          </p:stCondLst>
+                                        </p:cTn>
+                                        <p:tgtEl>
+                                          <p:spTgt spid="174"/>
+                                        </p:tgtEl>
+                                        <p:attrNameLst>
+                                          <p:attrName>style.visibility</p:attrName>
+                                        </p:attrNameLst>
+                                      </p:cBhvr>
+                                      <p:to>
+                                        <p:strVal val="visible"/>
+                                      </p:to>
+                                    </p:set>
+                                  </p:childTnLst>
+                                </p:cTn>
+                              </p:par>
+                              <p:par>
+                                <p:cTn id="129" presetID="1" presetClass="entr" presetSubtype="0" fill="hold" nodeType="withEffect">
+                                  <p:stCondLst>
+                                    <p:cond delay="0"/>
+                                  </p:stCondLst>
+                                  <p:childTnLst>
+                                    <p:set>
+                                      <p:cBhvr>
+                                        <p:cTn id="130" dur="1" fill="hold">
+                                          <p:stCondLst>
+                                            <p:cond delay="0"/>
+                                          </p:stCondLst>
+                                        </p:cTn>
+                                        <p:tgtEl>
+                                          <p:spTgt spid="174"/>
+                                        </p:tgtEl>
+                                        <p:attrNameLst>
+                                          <p:attrName>style.visibility</p:attrName>
+                                        </p:attrNameLst>
+                                      </p:cBhvr>
+                                      <p:to>
+                                        <p:strVal val="visible"/>
+                                      </p:to>
+                                    </p:set>
+                                  </p:childTnLst>
+                                </p:cTn>
+                              </p:par>
+                              <p:par>
+                                <p:cTn id="131" presetID="1" presetClass="exit" presetSubtype="0" fill="hold" nodeType="withEffect">
+                                  <p:stCondLst>
+                                    <p:cond delay="0"/>
+                                  </p:stCondLst>
+                                  <p:childTnLst>
+                                    <p:set>
+                                      <p:cBhvr>
+                                        <p:cTn id="132" dur="1" fill="hold">
+                                          <p:stCondLst>
+                                            <p:cond delay="0"/>
+                                          </p:stCondLst>
+                                        </p:cTn>
+                                        <p:tgtEl>
+                                          <p:spTgt spid="174"/>
+                                        </p:tgtEl>
+                                        <p:attrNameLst>
+                                          <p:attrName>style.visibility</p:attrName>
+                                        </p:attrNameLst>
+                                      </p:cBhvr>
+                                      <p:to>
+                                        <p:strVal val="hidden"/>
+                                      </p:to>
+                                    </p:set>
+                                  </p:childTnLst>
+                                </p:cTn>
+                              </p:par>
+                            </p:childTnLst>
+                          </p:cTn>
+                        </p:par>
+                      </p:childTnLst>
+                    </p:cTn>
+                  </p:par>
+                  <p:par>
+                    <p:cTn id="133" fill="hold">
+                      <p:stCondLst>
+                        <p:cond delay="indefinite"/>
+                      </p:stCondLst>
+                      <p:childTnLst>
+                        <p:par>
+                          <p:cTn id="134" fill="hold">
+                            <p:stCondLst>
+                              <p:cond delay="0"/>
+                            </p:stCondLst>
+                            <p:childTnLst>
+                              <p:par>
+                                <p:cTn id="135" presetID="1" presetClass="entr" presetSubtype="0" fill="hold" nodeType="clickEffect">
+                                  <p:stCondLst>
+                                    <p:cond delay="0"/>
+                                  </p:stCondLst>
+                                  <p:childTnLst>
+                                    <p:set>
+                                      <p:cBhvr>
+                                        <p:cTn id="136" dur="1" fill="hold">
+                                          <p:stCondLst>
+                                            <p:cond delay="0"/>
+                                          </p:stCondLst>
+                                        </p:cTn>
+                                        <p:tgtEl>
+                                          <p:spTgt spid="277"/>
+                                        </p:tgtEl>
+                                        <p:attrNameLst>
+                                          <p:attrName>style.visibility</p:attrName>
+                                        </p:attrNameLst>
+                                      </p:cBhvr>
+                                      <p:to>
+                                        <p:strVal val="visible"/>
+                                      </p:to>
+                                    </p:set>
+                                  </p:childTnLst>
+                                </p:cTn>
+                              </p:par>
+                              <p:par>
+                                <p:cTn id="137" presetID="1" presetClass="entr" presetSubtype="0" fill="hold" nodeType="withEffect">
+                                  <p:stCondLst>
+                                    <p:cond delay="0"/>
+                                  </p:stCondLst>
+                                  <p:childTnLst>
+                                    <p:set>
+                                      <p:cBhvr>
+                                        <p:cTn id="138" dur="1" fill="hold">
+                                          <p:stCondLst>
+                                            <p:cond delay="0"/>
+                                          </p:stCondLst>
+                                        </p:cTn>
+                                        <p:tgtEl>
+                                          <p:spTgt spid="277"/>
+                                        </p:tgtEl>
+                                        <p:attrNameLst>
+                                          <p:attrName>style.visibility</p:attrName>
+                                        </p:attrNameLst>
+                                      </p:cBhvr>
+                                      <p:to>
+                                        <p:strVal val="visible"/>
+                                      </p:to>
+                                    </p:set>
+                                  </p:childTnLst>
+                                </p:cTn>
+                              </p:par>
+                              <p:par>
+                                <p:cTn id="139" presetID="1" presetClass="exit" presetSubtype="0" fill="hold" nodeType="withEffect">
+                                  <p:stCondLst>
+                                    <p:cond delay="0"/>
+                                  </p:stCondLst>
+                                  <p:childTnLst>
+                                    <p:set>
+                                      <p:cBhvr>
+                                        <p:cTn id="140" dur="1" fill="hold">
+                                          <p:stCondLst>
+                                            <p:cond delay="0"/>
+                                          </p:stCondLst>
+                                        </p:cTn>
+                                        <p:tgtEl>
+                                          <p:spTgt spid="277"/>
+                                        </p:tgtEl>
+                                        <p:attrNameLst>
+                                          <p:attrName>style.visibility</p:attrName>
+                                        </p:attrNameLst>
+                                      </p:cBhvr>
+                                      <p:to>
+                                        <p:strVal val="hidden"/>
+                                      </p:to>
+                                    </p:set>
+                                  </p:childTnLst>
+                                </p:cTn>
+                              </p:par>
+                            </p:childTnLst>
+                          </p:cTn>
+                        </p:par>
+                      </p:childTnLst>
+                    </p:cTn>
+                  </p:par>
+                  <p:par>
+                    <p:cTn id="141" fill="hold">
+                      <p:stCondLst>
+                        <p:cond delay="indefinite"/>
+                      </p:stCondLst>
+                      <p:childTnLst>
+                        <p:par>
+                          <p:cTn id="142" fill="hold">
+                            <p:stCondLst>
+                              <p:cond delay="0"/>
+                            </p:stCondLst>
+                            <p:childTnLst>
+                              <p:par>
+                                <p:cTn id="143" presetID="1" presetClass="entr" presetSubtype="0" fill="hold" nodeType="clickEffect">
+                                  <p:stCondLst>
+                                    <p:cond delay="0"/>
+                                  </p:stCondLst>
+                                  <p:childTnLst>
+                                    <p:set>
+                                      <p:cBhvr>
+                                        <p:cTn id="144" dur="1" fill="hold">
+                                          <p:stCondLst>
+                                            <p:cond delay="0"/>
+                                          </p:stCondLst>
+                                        </p:cTn>
+                                        <p:tgtEl>
+                                          <p:spTgt spid="292"/>
+                                        </p:tgtEl>
+                                        <p:attrNameLst>
+                                          <p:attrName>style.visibility</p:attrName>
+                                        </p:attrNameLst>
+                                      </p:cBhvr>
+                                      <p:to>
+                                        <p:strVal val="visible"/>
+                                      </p:to>
+                                    </p:set>
+                                  </p:childTnLst>
+                                </p:cTn>
+                              </p:par>
+                              <p:par>
+                                <p:cTn id="145" presetID="1" presetClass="entr" presetSubtype="0" fill="hold" nodeType="withEffect">
+                                  <p:stCondLst>
+                                    <p:cond delay="0"/>
+                                  </p:stCondLst>
+                                  <p:childTnLst>
+                                    <p:set>
+                                      <p:cBhvr>
+                                        <p:cTn id="146" dur="1" fill="hold">
+                                          <p:stCondLst>
+                                            <p:cond delay="0"/>
+                                          </p:stCondLst>
+                                        </p:cTn>
+                                        <p:tgtEl>
+                                          <p:spTgt spid="292"/>
+                                        </p:tgtEl>
+                                        <p:attrNameLst>
+                                          <p:attrName>style.visibility</p:attrName>
+                                        </p:attrNameLst>
+                                      </p:cBhvr>
+                                      <p:to>
+                                        <p:strVal val="visible"/>
+                                      </p:to>
+                                    </p:set>
+                                  </p:childTnLst>
+                                </p:cTn>
+                              </p:par>
+                              <p:par>
+                                <p:cTn id="147" presetID="1" presetClass="exit" presetSubtype="0" fill="hold" nodeType="withEffect">
+                                  <p:stCondLst>
+                                    <p:cond delay="0"/>
+                                  </p:stCondLst>
+                                  <p:childTnLst>
+                                    <p:set>
+                                      <p:cBhvr>
+                                        <p:cTn id="148" dur="1" fill="hold">
+                                          <p:stCondLst>
+                                            <p:cond delay="0"/>
+                                          </p:stCondLst>
+                                        </p:cTn>
+                                        <p:tgtEl>
+                                          <p:spTgt spid="292"/>
+                                        </p:tgtEl>
+                                        <p:attrNameLst>
+                                          <p:attrName>style.visibility</p:attrName>
+                                        </p:attrNameLst>
+                                      </p:cBhvr>
+                                      <p:to>
+                                        <p:strVal val="hidden"/>
+                                      </p:to>
+                                    </p:set>
+                                  </p:childTnLst>
+                                </p:cTn>
+                              </p:par>
+                            </p:childTnLst>
+                          </p:cTn>
+                        </p:par>
+                      </p:childTnLst>
+                    </p:cTn>
+                  </p:par>
+                  <p:par>
+                    <p:cTn id="149" fill="hold">
+                      <p:stCondLst>
+                        <p:cond delay="indefinite"/>
+                      </p:stCondLst>
+                      <p:childTnLst>
+                        <p:par>
+                          <p:cTn id="150" fill="hold">
+                            <p:stCondLst>
+                              <p:cond delay="0"/>
+                            </p:stCondLst>
+                            <p:childTnLst>
+                              <p:par>
+                                <p:cTn id="151" presetID="1" presetClass="entr" presetSubtype="0" fill="hold" nodeType="clickEffect">
+                                  <p:stCondLst>
+                                    <p:cond delay="0"/>
+                                  </p:stCondLst>
+                                  <p:childTnLst>
+                                    <p:set>
+                                      <p:cBhvr>
+                                        <p:cTn id="152" dur="1" fill="hold">
+                                          <p:stCondLst>
+                                            <p:cond delay="0"/>
+                                          </p:stCondLst>
+                                        </p:cTn>
+                                        <p:tgtEl>
+                                          <p:spTgt spid="309"/>
+                                        </p:tgtEl>
+                                        <p:attrNameLst>
+                                          <p:attrName>style.visibility</p:attrName>
+                                        </p:attrNameLst>
+                                      </p:cBhvr>
+                                      <p:to>
+                                        <p:strVal val="visible"/>
+                                      </p:to>
+                                    </p:set>
+                                  </p:childTnLst>
+                                </p:cTn>
+                              </p:par>
+                              <p:par>
+                                <p:cTn id="153" presetID="1" presetClass="entr" presetSubtype="0" fill="hold" nodeType="withEffect">
+                                  <p:stCondLst>
+                                    <p:cond delay="0"/>
+                                  </p:stCondLst>
+                                  <p:childTnLst>
+                                    <p:set>
+                                      <p:cBhvr>
+                                        <p:cTn id="154" dur="1" fill="hold">
+                                          <p:stCondLst>
+                                            <p:cond delay="0"/>
+                                          </p:stCondLst>
+                                        </p:cTn>
+                                        <p:tgtEl>
+                                          <p:spTgt spid="309"/>
+                                        </p:tgtEl>
+                                        <p:attrNameLst>
+                                          <p:attrName>style.visibility</p:attrName>
+                                        </p:attrNameLst>
+                                      </p:cBhvr>
+                                      <p:to>
+                                        <p:strVal val="visible"/>
+                                      </p:to>
+                                    </p:set>
+                                  </p:childTnLst>
+                                </p:cTn>
+                              </p:par>
+                              <p:par>
+                                <p:cTn id="155" presetID="1" presetClass="exit" presetSubtype="0" fill="hold" nodeType="withEffect">
+                                  <p:stCondLst>
+                                    <p:cond delay="0"/>
+                                  </p:stCondLst>
+                                  <p:childTnLst>
+                                    <p:set>
+                                      <p:cBhvr>
+                                        <p:cTn id="156" dur="1" fill="hold">
+                                          <p:stCondLst>
+                                            <p:cond delay="0"/>
+                                          </p:stCondLst>
+                                        </p:cTn>
+                                        <p:tgtEl>
+                                          <p:spTgt spid="309"/>
+                                        </p:tgtEl>
+                                        <p:attrNameLst>
+                                          <p:attrName>style.visibility</p:attrName>
+                                        </p:attrNameLst>
+                                      </p:cBhvr>
+                                      <p:to>
+                                        <p:strVal val="hidden"/>
+                                      </p:to>
+                                    </p:set>
+                                  </p:childTnLst>
+                                </p:cTn>
+                              </p:par>
+                            </p:childTnLst>
+                          </p:cTn>
+                        </p:par>
+                      </p:childTnLst>
+                    </p:cTn>
+                  </p:par>
+                  <p:par>
+                    <p:cTn id="157" fill="hold">
+                      <p:stCondLst>
+                        <p:cond delay="indefinite"/>
+                      </p:stCondLst>
+                      <p:childTnLst>
+                        <p:par>
+                          <p:cTn id="158" fill="hold">
+                            <p:stCondLst>
+                              <p:cond delay="0"/>
+                            </p:stCondLst>
+                            <p:childTnLst>
+                              <p:par>
+                                <p:cTn id="159" presetID="1" presetClass="entr" presetSubtype="0" fill="hold" nodeType="clickEffect">
+                                  <p:stCondLst>
+                                    <p:cond delay="0"/>
+                                  </p:stCondLst>
+                                  <p:childTnLst>
+                                    <p:set>
+                                      <p:cBhvr>
+                                        <p:cTn id="160" dur="1" fill="hold">
+                                          <p:stCondLst>
+                                            <p:cond delay="0"/>
+                                          </p:stCondLst>
+                                        </p:cTn>
+                                        <p:tgtEl>
+                                          <p:spTgt spid="312"/>
+                                        </p:tgtEl>
+                                        <p:attrNameLst>
+                                          <p:attrName>style.visibility</p:attrName>
+                                        </p:attrNameLst>
+                                      </p:cBhvr>
+                                      <p:to>
+                                        <p:strVal val="visible"/>
+                                      </p:to>
+                                    </p:set>
+                                  </p:childTnLst>
+                                </p:cTn>
+                              </p:par>
+                              <p:par>
+                                <p:cTn id="161" presetID="1" presetClass="entr" presetSubtype="0" fill="hold" nodeType="withEffect">
+                                  <p:stCondLst>
+                                    <p:cond delay="0"/>
+                                  </p:stCondLst>
+                                  <p:childTnLst>
+                                    <p:set>
+                                      <p:cBhvr>
+                                        <p:cTn id="162" dur="1" fill="hold">
+                                          <p:stCondLst>
+                                            <p:cond delay="0"/>
+                                          </p:stCondLst>
+                                        </p:cTn>
+                                        <p:tgtEl>
+                                          <p:spTgt spid="312"/>
+                                        </p:tgtEl>
+                                        <p:attrNameLst>
+                                          <p:attrName>style.visibility</p:attrName>
+                                        </p:attrNameLst>
+                                      </p:cBhvr>
+                                      <p:to>
+                                        <p:strVal val="visible"/>
+                                      </p:to>
+                                    </p:set>
+                                  </p:childTnLst>
+                                </p:cTn>
+                              </p:par>
+                              <p:par>
+                                <p:cTn id="163" presetID="1" presetClass="exit" presetSubtype="0" fill="hold" nodeType="withEffect">
+                                  <p:stCondLst>
+                                    <p:cond delay="0"/>
+                                  </p:stCondLst>
+                                  <p:childTnLst>
+                                    <p:set>
+                                      <p:cBhvr>
+                                        <p:cTn id="164" dur="1" fill="hold">
+                                          <p:stCondLst>
+                                            <p:cond delay="0"/>
+                                          </p:stCondLst>
+                                        </p:cTn>
+                                        <p:tgtEl>
+                                          <p:spTgt spid="312"/>
+                                        </p:tgtEl>
+                                        <p:attrNameLst>
+                                          <p:attrName>style.visibility</p:attrName>
+                                        </p:attrNameLst>
+                                      </p:cBhvr>
+                                      <p:to>
+                                        <p:strVal val="hidden"/>
+                                      </p:to>
+                                    </p:set>
+                                  </p:childTnLst>
+                                </p:cTn>
+                              </p:par>
+                            </p:childTnLst>
+                          </p:cTn>
+                        </p:par>
+                      </p:childTnLst>
+                    </p:cTn>
+                  </p:par>
+                  <p:par>
+                    <p:cTn id="165" fill="hold">
+                      <p:stCondLst>
+                        <p:cond delay="indefinite"/>
+                      </p:stCondLst>
+                      <p:childTnLst>
+                        <p:par>
+                          <p:cTn id="166" fill="hold">
+                            <p:stCondLst>
+                              <p:cond delay="0"/>
+                            </p:stCondLst>
+                            <p:childTnLst>
+                              <p:par>
+                                <p:cTn id="167" presetID="1" presetClass="entr" presetSubtype="0" fill="hold" nodeType="clickEffect">
+                                  <p:stCondLst>
+                                    <p:cond delay="0"/>
+                                  </p:stCondLst>
+                                  <p:childTnLst>
+                                    <p:set>
+                                      <p:cBhvr>
+                                        <p:cTn id="168" dur="1" fill="hold">
+                                          <p:stCondLst>
+                                            <p:cond delay="0"/>
+                                          </p:stCondLst>
+                                        </p:cTn>
+                                        <p:tgtEl>
+                                          <p:spTgt spid="315"/>
+                                        </p:tgtEl>
+                                        <p:attrNameLst>
+                                          <p:attrName>style.visibility</p:attrName>
+                                        </p:attrNameLst>
+                                      </p:cBhvr>
+                                      <p:to>
+                                        <p:strVal val="visible"/>
+                                      </p:to>
+                                    </p:set>
+                                  </p:childTnLst>
+                                </p:cTn>
+                              </p:par>
+                              <p:par>
+                                <p:cTn id="169" presetID="1" presetClass="entr" presetSubtype="0" fill="hold" nodeType="withEffect">
+                                  <p:stCondLst>
+                                    <p:cond delay="0"/>
+                                  </p:stCondLst>
+                                  <p:childTnLst>
+                                    <p:set>
+                                      <p:cBhvr>
+                                        <p:cTn id="170" dur="1" fill="hold">
+                                          <p:stCondLst>
+                                            <p:cond delay="0"/>
+                                          </p:stCondLst>
+                                        </p:cTn>
+                                        <p:tgtEl>
+                                          <p:spTgt spid="315"/>
+                                        </p:tgtEl>
+                                        <p:attrNameLst>
+                                          <p:attrName>style.visibility</p:attrName>
+                                        </p:attrNameLst>
+                                      </p:cBhvr>
+                                      <p:to>
+                                        <p:strVal val="visible"/>
+                                      </p:to>
+                                    </p:set>
+                                  </p:childTnLst>
+                                </p:cTn>
+                              </p:par>
+                              <p:par>
+                                <p:cTn id="171" presetID="1" presetClass="exit" presetSubtype="0" fill="hold" nodeType="withEffect">
+                                  <p:stCondLst>
+                                    <p:cond delay="0"/>
+                                  </p:stCondLst>
+                                  <p:childTnLst>
+                                    <p:set>
+                                      <p:cBhvr>
+                                        <p:cTn id="172" dur="1" fill="hold">
+                                          <p:stCondLst>
+                                            <p:cond delay="0"/>
+                                          </p:stCondLst>
+                                        </p:cTn>
+                                        <p:tgtEl>
+                                          <p:spTgt spid="315"/>
+                                        </p:tgtEl>
+                                        <p:attrNameLst>
+                                          <p:attrName>style.visibility</p:attrName>
+                                        </p:attrNameLst>
+                                      </p:cBhvr>
+                                      <p:to>
+                                        <p:strVal val="hidden"/>
+                                      </p:to>
+                                    </p:set>
+                                  </p:childTnLst>
+                                </p:cTn>
+                              </p:par>
+                            </p:childTnLst>
+                          </p:cTn>
+                        </p:par>
+                      </p:childTnLst>
+                    </p:cTn>
+                  </p:par>
+                  <p:par>
+                    <p:cTn id="173" fill="hold">
+                      <p:stCondLst>
+                        <p:cond delay="indefinite"/>
+                      </p:stCondLst>
+                      <p:childTnLst>
+                        <p:par>
+                          <p:cTn id="174" fill="hold">
+                            <p:stCondLst>
+                              <p:cond delay="0"/>
+                            </p:stCondLst>
+                            <p:childTnLst>
+                              <p:par>
+                                <p:cTn id="175" presetID="1" presetClass="entr" presetSubtype="0" fill="hold" nodeType="clickEffect">
+                                  <p:stCondLst>
+                                    <p:cond delay="0"/>
+                                  </p:stCondLst>
+                                  <p:childTnLst>
+                                    <p:set>
+                                      <p:cBhvr>
+                                        <p:cTn id="176" dur="1" fill="hold">
+                                          <p:stCondLst>
+                                            <p:cond delay="0"/>
+                                          </p:stCondLst>
+                                        </p:cTn>
+                                        <p:tgtEl>
+                                          <p:spTgt spid="318"/>
+                                        </p:tgtEl>
+                                        <p:attrNameLst>
+                                          <p:attrName>style.visibility</p:attrName>
+                                        </p:attrNameLst>
+                                      </p:cBhvr>
+                                      <p:to>
+                                        <p:strVal val="visible"/>
+                                      </p:to>
+                                    </p:set>
+                                  </p:childTnLst>
+                                </p:cTn>
+                              </p:par>
+                              <p:par>
+                                <p:cTn id="177" presetID="1" presetClass="entr" presetSubtype="0" fill="hold" nodeType="withEffect">
+                                  <p:stCondLst>
+                                    <p:cond delay="0"/>
+                                  </p:stCondLst>
+                                  <p:childTnLst>
+                                    <p:set>
+                                      <p:cBhvr>
+                                        <p:cTn id="178" dur="1" fill="hold">
+                                          <p:stCondLst>
+                                            <p:cond delay="0"/>
+                                          </p:stCondLst>
+                                        </p:cTn>
+                                        <p:tgtEl>
+                                          <p:spTgt spid="318"/>
+                                        </p:tgtEl>
+                                        <p:attrNameLst>
+                                          <p:attrName>style.visibility</p:attrName>
+                                        </p:attrNameLst>
+                                      </p:cBhvr>
+                                      <p:to>
+                                        <p:strVal val="visible"/>
+                                      </p:to>
+                                    </p:set>
+                                  </p:childTnLst>
+                                </p:cTn>
+                              </p:par>
+                              <p:par>
+                                <p:cTn id="179" presetID="1" presetClass="exit" presetSubtype="0" fill="hold" nodeType="withEffect">
+                                  <p:stCondLst>
+                                    <p:cond delay="0"/>
+                                  </p:stCondLst>
+                                  <p:childTnLst>
+                                    <p:set>
+                                      <p:cBhvr>
+                                        <p:cTn id="180" dur="1" fill="hold">
+                                          <p:stCondLst>
+                                            <p:cond delay="0"/>
+                                          </p:stCondLst>
+                                        </p:cTn>
+                                        <p:tgtEl>
+                                          <p:spTgt spid="318"/>
+                                        </p:tgtEl>
+                                        <p:attrNameLst>
+                                          <p:attrName>style.visibility</p:attrName>
+                                        </p:attrNameLst>
+                                      </p:cBhvr>
+                                      <p:to>
+                                        <p:strVal val="hidden"/>
+                                      </p:to>
+                                    </p:set>
+                                  </p:childTnLst>
+                                </p:cTn>
+                              </p:par>
+                            </p:childTnLst>
+                          </p:cTn>
+                        </p:par>
+                      </p:childTnLst>
+                    </p:cTn>
+                  </p:par>
+                  <p:par>
+                    <p:cTn id="181" fill="hold">
+                      <p:stCondLst>
+                        <p:cond delay="indefinite"/>
+                      </p:stCondLst>
+                      <p:childTnLst>
+                        <p:par>
+                          <p:cTn id="182" fill="hold">
+                            <p:stCondLst>
+                              <p:cond delay="0"/>
+                            </p:stCondLst>
+                            <p:childTnLst>
+                              <p:par>
+                                <p:cTn id="183" presetID="1" presetClass="entr" presetSubtype="0" fill="hold" nodeType="clickEffect">
+                                  <p:stCondLst>
+                                    <p:cond delay="0"/>
+                                  </p:stCondLst>
+                                  <p:childTnLst>
+                                    <p:set>
+                                      <p:cBhvr>
+                                        <p:cTn id="184" dur="1" fill="hold">
+                                          <p:stCondLst>
+                                            <p:cond delay="0"/>
+                                          </p:stCondLst>
+                                        </p:cTn>
+                                        <p:tgtEl>
+                                          <p:spTgt spid="333"/>
+                                        </p:tgtEl>
+                                        <p:attrNameLst>
+                                          <p:attrName>style.visibility</p:attrName>
+                                        </p:attrNameLst>
+                                      </p:cBhvr>
+                                      <p:to>
+                                        <p:strVal val="visible"/>
+                                      </p:to>
+                                    </p:set>
+                                  </p:childTnLst>
+                                </p:cTn>
+                              </p:par>
+                              <p:par>
+                                <p:cTn id="185" presetID="1" presetClass="entr" presetSubtype="0" fill="hold" nodeType="withEffect">
+                                  <p:stCondLst>
+                                    <p:cond delay="0"/>
+                                  </p:stCondLst>
+                                  <p:childTnLst>
+                                    <p:set>
+                                      <p:cBhvr>
+                                        <p:cTn id="186" dur="1" fill="hold">
+                                          <p:stCondLst>
+                                            <p:cond delay="0"/>
+                                          </p:stCondLst>
+                                        </p:cTn>
+                                        <p:tgtEl>
+                                          <p:spTgt spid="333"/>
+                                        </p:tgtEl>
+                                        <p:attrNameLst>
+                                          <p:attrName>style.visibility</p:attrName>
+                                        </p:attrNameLst>
+                                      </p:cBhvr>
+                                      <p:to>
+                                        <p:strVal val="visible"/>
+                                      </p:to>
+                                    </p:set>
+                                  </p:childTnLst>
+                                </p:cTn>
+                              </p:par>
+                              <p:par>
+                                <p:cTn id="187" presetID="1" presetClass="exit" presetSubtype="0" fill="hold" nodeType="withEffect">
+                                  <p:stCondLst>
+                                    <p:cond delay="0"/>
+                                  </p:stCondLst>
+                                  <p:childTnLst>
+                                    <p:set>
+                                      <p:cBhvr>
+                                        <p:cTn id="188" dur="1" fill="hold">
+                                          <p:stCondLst>
+                                            <p:cond delay="0"/>
+                                          </p:stCondLst>
+                                        </p:cTn>
+                                        <p:tgtEl>
+                                          <p:spTgt spid="333"/>
+                                        </p:tgtEl>
+                                        <p:attrNameLst>
+                                          <p:attrName>style.visibility</p:attrName>
+                                        </p:attrNameLst>
+                                      </p:cBhvr>
+                                      <p:to>
+                                        <p:strVal val="hidden"/>
+                                      </p:to>
+                                    </p:set>
+                                  </p:childTnLst>
+                                </p:cTn>
+                              </p:par>
+                              <p:par>
+                                <p:cTn id="189" presetID="1" presetClass="entr" presetSubtype="0" fill="hold" grpId="0" nodeType="withEffect">
+                                  <p:stCondLst>
+                                    <p:cond delay="0"/>
+                                  </p:stCondLst>
+                                  <p:childTnLst>
+                                    <p:set>
+                                      <p:cBhvr>
+                                        <p:cTn id="190" dur="1" fill="hold">
+                                          <p:stCondLst>
+                                            <p:cond delay="0"/>
+                                          </p:stCondLst>
+                                        </p:cTn>
+                                        <p:tgtEl>
+                                          <p:spTgt spid="345"/>
+                                        </p:tgtEl>
+                                        <p:attrNameLst>
+                                          <p:attrName>style.visibility</p:attrName>
+                                        </p:attrNameLst>
+                                      </p:cBhvr>
+                                      <p:to>
+                                        <p:strVal val="visible"/>
+                                      </p:to>
+                                    </p:set>
+                                  </p:childTnLst>
+                                </p:cTn>
+                              </p:par>
+                            </p:childTnLst>
+                          </p:cTn>
+                        </p:par>
+                      </p:childTnLst>
+                    </p:cTn>
+                  </p:par>
+                  <p:par>
+                    <p:cTn id="191" fill="hold">
+                      <p:stCondLst>
+                        <p:cond delay="indefinite"/>
+                      </p:stCondLst>
+                      <p:childTnLst>
+                        <p:par>
+                          <p:cTn id="192" fill="hold">
+                            <p:stCondLst>
+                              <p:cond delay="0"/>
+                            </p:stCondLst>
+                            <p:childTnLst>
+                              <p:par>
+                                <p:cTn id="193" presetID="1" presetClass="entr" presetSubtype="0" fill="hold" nodeType="clickEffect">
+                                  <p:stCondLst>
+                                    <p:cond delay="0"/>
+                                  </p:stCondLst>
+                                  <p:childTnLst>
+                                    <p:set>
+                                      <p:cBhvr>
+                                        <p:cTn id="194" dur="1" fill="hold">
+                                          <p:stCondLst>
+                                            <p:cond delay="0"/>
+                                          </p:stCondLst>
+                                        </p:cTn>
+                                        <p:tgtEl>
+                                          <p:spTgt spid="360"/>
+                                        </p:tgtEl>
+                                        <p:attrNameLst>
+                                          <p:attrName>style.visibility</p:attrName>
+                                        </p:attrNameLst>
+                                      </p:cBhvr>
+                                      <p:to>
+                                        <p:strVal val="visible"/>
+                                      </p:to>
+                                    </p:set>
+                                  </p:childTnLst>
+                                </p:cTn>
+                              </p:par>
+                              <p:par>
+                                <p:cTn id="195" presetID="1" presetClass="entr" presetSubtype="0" fill="hold" nodeType="withEffect">
+                                  <p:stCondLst>
+                                    <p:cond delay="0"/>
+                                  </p:stCondLst>
+                                  <p:childTnLst>
+                                    <p:set>
+                                      <p:cBhvr>
+                                        <p:cTn id="196" dur="1" fill="hold">
+                                          <p:stCondLst>
+                                            <p:cond delay="0"/>
+                                          </p:stCondLst>
+                                        </p:cTn>
+                                        <p:tgtEl>
+                                          <p:spTgt spid="360"/>
+                                        </p:tgtEl>
+                                        <p:attrNameLst>
+                                          <p:attrName>style.visibility</p:attrName>
+                                        </p:attrNameLst>
+                                      </p:cBhvr>
+                                      <p:to>
+                                        <p:strVal val="visible"/>
+                                      </p:to>
+                                    </p:set>
+                                  </p:childTnLst>
+                                </p:cTn>
+                              </p:par>
+                              <p:par>
+                                <p:cTn id="197" presetID="1" presetClass="exit" presetSubtype="0" fill="hold" nodeType="withEffect">
+                                  <p:stCondLst>
+                                    <p:cond delay="0"/>
+                                  </p:stCondLst>
+                                  <p:childTnLst>
+                                    <p:set>
+                                      <p:cBhvr>
+                                        <p:cTn id="198" dur="1" fill="hold">
+                                          <p:stCondLst>
+                                            <p:cond delay="0"/>
+                                          </p:stCondLst>
+                                        </p:cTn>
+                                        <p:tgtEl>
+                                          <p:spTgt spid="360"/>
+                                        </p:tgtEl>
+                                        <p:attrNameLst>
+                                          <p:attrName>style.visibility</p:attrName>
+                                        </p:attrNameLst>
+                                      </p:cBhvr>
+                                      <p:to>
+                                        <p:strVal val="hidden"/>
+                                      </p:to>
+                                    </p:set>
+                                  </p:childTnLst>
+                                </p:cTn>
+                              </p:par>
+                            </p:childTnLst>
+                          </p:cTn>
+                        </p:par>
+                      </p:childTnLst>
+                    </p:cTn>
+                  </p:par>
+                  <p:par>
+                    <p:cTn id="199" fill="hold">
+                      <p:stCondLst>
+                        <p:cond delay="indefinite"/>
+                      </p:stCondLst>
+                      <p:childTnLst>
+                        <p:par>
+                          <p:cTn id="200" fill="hold">
+                            <p:stCondLst>
+                              <p:cond delay="0"/>
+                            </p:stCondLst>
+                            <p:childTnLst>
+                              <p:par>
+                                <p:cTn id="201" presetID="1" presetClass="entr" presetSubtype="0" fill="hold" nodeType="clickEffect">
+                                  <p:stCondLst>
+                                    <p:cond delay="0"/>
+                                  </p:stCondLst>
+                                  <p:childTnLst>
+                                    <p:set>
+                                      <p:cBhvr>
+                                        <p:cTn id="202" dur="1" fill="hold">
+                                          <p:stCondLst>
+                                            <p:cond delay="0"/>
+                                          </p:stCondLst>
+                                        </p:cTn>
+                                        <p:tgtEl>
+                                          <p:spTgt spid="364"/>
+                                        </p:tgtEl>
+                                        <p:attrNameLst>
+                                          <p:attrName>style.visibility</p:attrName>
+                                        </p:attrNameLst>
+                                      </p:cBhvr>
+                                      <p:to>
+                                        <p:strVal val="visible"/>
+                                      </p:to>
+                                    </p:set>
+                                  </p:childTnLst>
+                                </p:cTn>
+                              </p:par>
+                              <p:par>
+                                <p:cTn id="203" presetID="1" presetClass="entr" presetSubtype="0" fill="hold" nodeType="withEffect">
+                                  <p:stCondLst>
+                                    <p:cond delay="0"/>
+                                  </p:stCondLst>
+                                  <p:childTnLst>
+                                    <p:set>
+                                      <p:cBhvr>
+                                        <p:cTn id="204" dur="1" fill="hold">
+                                          <p:stCondLst>
+                                            <p:cond delay="0"/>
+                                          </p:stCondLst>
+                                        </p:cTn>
+                                        <p:tgtEl>
+                                          <p:spTgt spid="364"/>
+                                        </p:tgtEl>
+                                        <p:attrNameLst>
+                                          <p:attrName>style.visibility</p:attrName>
+                                        </p:attrNameLst>
+                                      </p:cBhvr>
+                                      <p:to>
+                                        <p:strVal val="visible"/>
+                                      </p:to>
+                                    </p:set>
+                                  </p:childTnLst>
+                                </p:cTn>
+                              </p:par>
+                              <p:par>
+                                <p:cTn id="205" presetID="1" presetClass="exit" presetSubtype="0" fill="hold" nodeType="withEffect">
+                                  <p:stCondLst>
+                                    <p:cond delay="0"/>
+                                  </p:stCondLst>
+                                  <p:childTnLst>
+                                    <p:set>
+                                      <p:cBhvr>
+                                        <p:cTn id="206" dur="1" fill="hold">
+                                          <p:stCondLst>
+                                            <p:cond delay="0"/>
+                                          </p:stCondLst>
+                                        </p:cTn>
+                                        <p:tgtEl>
+                                          <p:spTgt spid="364"/>
+                                        </p:tgtEl>
+                                        <p:attrNameLst>
+                                          <p:attrName>style.visibility</p:attrName>
+                                        </p:attrNameLst>
+                                      </p:cBhvr>
+                                      <p:to>
+                                        <p:strVal val="hidden"/>
+                                      </p:to>
+                                    </p:set>
+                                  </p:childTnLst>
+                                </p:cTn>
+                              </p:par>
+                            </p:childTnLst>
+                          </p:cTn>
+                        </p:par>
+                      </p:childTnLst>
+                    </p:cTn>
+                  </p:par>
+                  <p:par>
+                    <p:cTn id="207" fill="hold">
+                      <p:stCondLst>
+                        <p:cond delay="indefinite"/>
+                      </p:stCondLst>
+                      <p:childTnLst>
+                        <p:par>
+                          <p:cTn id="208" fill="hold">
+                            <p:stCondLst>
+                              <p:cond delay="0"/>
+                            </p:stCondLst>
+                            <p:childTnLst>
+                              <p:par>
+                                <p:cTn id="209" presetID="1" presetClass="entr" presetSubtype="0" fill="hold" nodeType="clickEffect">
+                                  <p:stCondLst>
+                                    <p:cond delay="0"/>
+                                  </p:stCondLst>
+                                  <p:childTnLst>
+                                    <p:set>
+                                      <p:cBhvr>
+                                        <p:cTn id="210" dur="1" fill="hold">
+                                          <p:stCondLst>
+                                            <p:cond delay="0"/>
+                                          </p:stCondLst>
+                                        </p:cTn>
+                                        <p:tgtEl>
+                                          <p:spTgt spid="369"/>
+                                        </p:tgtEl>
+                                        <p:attrNameLst>
+                                          <p:attrName>style.visibility</p:attrName>
+                                        </p:attrNameLst>
+                                      </p:cBhvr>
+                                      <p:to>
+                                        <p:strVal val="visible"/>
+                                      </p:to>
+                                    </p:set>
+                                  </p:childTnLst>
+                                </p:cTn>
+                              </p:par>
+                              <p:par>
+                                <p:cTn id="211" presetID="1" presetClass="entr" presetSubtype="0" fill="hold" nodeType="withEffect">
+                                  <p:stCondLst>
+                                    <p:cond delay="0"/>
+                                  </p:stCondLst>
+                                  <p:childTnLst>
+                                    <p:set>
+                                      <p:cBhvr>
+                                        <p:cTn id="212" dur="1" fill="hold">
+                                          <p:stCondLst>
+                                            <p:cond delay="0"/>
+                                          </p:stCondLst>
+                                        </p:cTn>
+                                        <p:tgtEl>
+                                          <p:spTgt spid="369"/>
+                                        </p:tgtEl>
+                                        <p:attrNameLst>
+                                          <p:attrName>style.visibility</p:attrName>
+                                        </p:attrNameLst>
+                                      </p:cBhvr>
+                                      <p:to>
+                                        <p:strVal val="visible"/>
+                                      </p:to>
+                                    </p:set>
+                                  </p:childTnLst>
+                                </p:cTn>
+                              </p:par>
+                              <p:par>
+                                <p:cTn id="213" presetID="1" presetClass="exit" presetSubtype="0" fill="hold" nodeType="withEffect">
+                                  <p:stCondLst>
+                                    <p:cond delay="0"/>
+                                  </p:stCondLst>
+                                  <p:childTnLst>
+                                    <p:set>
+                                      <p:cBhvr>
+                                        <p:cTn id="214" dur="1" fill="hold">
+                                          <p:stCondLst>
+                                            <p:cond delay="0"/>
+                                          </p:stCondLst>
+                                        </p:cTn>
+                                        <p:tgtEl>
+                                          <p:spTgt spid="369"/>
+                                        </p:tgtEl>
+                                        <p:attrNameLst>
+                                          <p:attrName>style.visibility</p:attrName>
+                                        </p:attrNameLst>
+                                      </p:cBhvr>
+                                      <p:to>
+                                        <p:strVal val="hidden"/>
+                                      </p:to>
+                                    </p:set>
+                                  </p:childTnLst>
+                                </p:cTn>
+                              </p:par>
+                            </p:childTnLst>
+                          </p:cTn>
+                        </p:par>
+                      </p:childTnLst>
+                    </p:cTn>
+                  </p:par>
+                  <p:par>
+                    <p:cTn id="215" fill="hold">
+                      <p:stCondLst>
+                        <p:cond delay="indefinite"/>
+                      </p:stCondLst>
+                      <p:childTnLst>
+                        <p:par>
+                          <p:cTn id="216" fill="hold">
+                            <p:stCondLst>
+                              <p:cond delay="0"/>
+                            </p:stCondLst>
+                            <p:childTnLst>
+                              <p:par>
+                                <p:cTn id="217" presetID="1" presetClass="entr" presetSubtype="0" fill="hold" nodeType="clickEffect">
+                                  <p:stCondLst>
+                                    <p:cond delay="0"/>
+                                  </p:stCondLst>
+                                  <p:childTnLst>
+                                    <p:set>
+                                      <p:cBhvr>
+                                        <p:cTn id="218" dur="1" fill="hold">
+                                          <p:stCondLst>
+                                            <p:cond delay="0"/>
+                                          </p:stCondLst>
+                                        </p:cTn>
+                                        <p:tgtEl>
+                                          <p:spTgt spid="370"/>
+                                        </p:tgtEl>
+                                        <p:attrNameLst>
+                                          <p:attrName>style.visibility</p:attrName>
+                                        </p:attrNameLst>
+                                      </p:cBhvr>
+                                      <p:to>
+                                        <p:strVal val="visible"/>
+                                      </p:to>
+                                    </p:set>
+                                  </p:childTnLst>
+                                </p:cTn>
+                              </p:par>
+                              <p:par>
+                                <p:cTn id="219" presetID="1" presetClass="entr" presetSubtype="0" fill="hold" nodeType="withEffect">
+                                  <p:stCondLst>
+                                    <p:cond delay="0"/>
+                                  </p:stCondLst>
+                                  <p:childTnLst>
+                                    <p:set>
+                                      <p:cBhvr>
+                                        <p:cTn id="220" dur="1" fill="hold">
+                                          <p:stCondLst>
+                                            <p:cond delay="0"/>
+                                          </p:stCondLst>
+                                        </p:cTn>
+                                        <p:tgtEl>
+                                          <p:spTgt spid="370"/>
+                                        </p:tgtEl>
+                                        <p:attrNameLst>
+                                          <p:attrName>style.visibility</p:attrName>
+                                        </p:attrNameLst>
+                                      </p:cBhvr>
+                                      <p:to>
+                                        <p:strVal val="visible"/>
+                                      </p:to>
+                                    </p:set>
+                                  </p:childTnLst>
+                                </p:cTn>
+                              </p:par>
+                              <p:par>
+                                <p:cTn id="221" presetID="1" presetClass="exit" presetSubtype="0" fill="hold" nodeType="withEffect">
+                                  <p:stCondLst>
+                                    <p:cond delay="0"/>
+                                  </p:stCondLst>
+                                  <p:childTnLst>
+                                    <p:set>
+                                      <p:cBhvr>
+                                        <p:cTn id="222" dur="1" fill="hold">
+                                          <p:stCondLst>
+                                            <p:cond delay="0"/>
+                                          </p:stCondLst>
+                                        </p:cTn>
+                                        <p:tgtEl>
+                                          <p:spTgt spid="370"/>
+                                        </p:tgtEl>
+                                        <p:attrNameLst>
+                                          <p:attrName>style.visibility</p:attrName>
+                                        </p:attrNameLst>
+                                      </p:cBhvr>
+                                      <p:to>
+                                        <p:strVal val="hidden"/>
+                                      </p:to>
+                                    </p:set>
+                                  </p:childTnLst>
+                                </p:cTn>
+                              </p:par>
+                            </p:childTnLst>
+                          </p:cTn>
+                        </p:par>
+                      </p:childTnLst>
+                    </p:cTn>
+                  </p:par>
+                  <p:par>
+                    <p:cTn id="223" fill="hold">
+                      <p:stCondLst>
+                        <p:cond delay="indefinite"/>
+                      </p:stCondLst>
+                      <p:childTnLst>
+                        <p:par>
+                          <p:cTn id="224" fill="hold">
+                            <p:stCondLst>
+                              <p:cond delay="0"/>
+                            </p:stCondLst>
+                            <p:childTnLst>
+                              <p:par>
+                                <p:cTn id="225" presetID="1" presetClass="entr" presetSubtype="0" fill="hold" nodeType="clickEffect">
+                                  <p:stCondLst>
+                                    <p:cond delay="0"/>
+                                  </p:stCondLst>
+                                  <p:childTnLst>
+                                    <p:set>
+                                      <p:cBhvr>
+                                        <p:cTn id="226" dur="1" fill="hold">
+                                          <p:stCondLst>
+                                            <p:cond delay="0"/>
+                                          </p:stCondLst>
+                                        </p:cTn>
+                                        <p:tgtEl>
+                                          <p:spTgt spid="371"/>
+                                        </p:tgtEl>
+                                        <p:attrNameLst>
+                                          <p:attrName>style.visibility</p:attrName>
+                                        </p:attrNameLst>
+                                      </p:cBhvr>
+                                      <p:to>
+                                        <p:strVal val="visible"/>
+                                      </p:to>
+                                    </p:set>
+                                  </p:childTnLst>
+                                </p:cTn>
+                              </p:par>
+                              <p:par>
+                                <p:cTn id="227" presetID="1" presetClass="entr" presetSubtype="0" fill="hold" nodeType="withEffect">
+                                  <p:stCondLst>
+                                    <p:cond delay="0"/>
+                                  </p:stCondLst>
+                                  <p:childTnLst>
+                                    <p:set>
+                                      <p:cBhvr>
+                                        <p:cTn id="228" dur="1" fill="hold">
+                                          <p:stCondLst>
+                                            <p:cond delay="0"/>
+                                          </p:stCondLst>
+                                        </p:cTn>
+                                        <p:tgtEl>
+                                          <p:spTgt spid="371"/>
+                                        </p:tgtEl>
+                                        <p:attrNameLst>
+                                          <p:attrName>style.visibility</p:attrName>
+                                        </p:attrNameLst>
+                                      </p:cBhvr>
+                                      <p:to>
+                                        <p:strVal val="visible"/>
+                                      </p:to>
+                                    </p:set>
+                                  </p:childTnLst>
+                                </p:cTn>
+                              </p:par>
+                              <p:par>
+                                <p:cTn id="229" presetID="1" presetClass="exit" presetSubtype="0" fill="hold" nodeType="withEffect">
+                                  <p:stCondLst>
+                                    <p:cond delay="0"/>
+                                  </p:stCondLst>
+                                  <p:childTnLst>
+                                    <p:set>
+                                      <p:cBhvr>
+                                        <p:cTn id="230" dur="1" fill="hold">
+                                          <p:stCondLst>
+                                            <p:cond delay="0"/>
+                                          </p:stCondLst>
+                                        </p:cTn>
+                                        <p:tgtEl>
+                                          <p:spTgt spid="371"/>
+                                        </p:tgtEl>
+                                        <p:attrNameLst>
+                                          <p:attrName>style.visibility</p:attrName>
+                                        </p:attrNameLst>
+                                      </p:cBhvr>
+                                      <p:to>
+                                        <p:strVal val="hidden"/>
+                                      </p:to>
+                                    </p:set>
+                                  </p:childTnLst>
+                                </p:cTn>
+                              </p:par>
+                            </p:childTnLst>
+                          </p:cTn>
+                        </p:par>
+                      </p:childTnLst>
+                    </p:cTn>
+                  </p:par>
+                  <p:par>
+                    <p:cTn id="231" fill="hold">
+                      <p:stCondLst>
+                        <p:cond delay="indefinite"/>
+                      </p:stCondLst>
+                      <p:childTnLst>
+                        <p:par>
+                          <p:cTn id="232" fill="hold">
+                            <p:stCondLst>
+                              <p:cond delay="0"/>
+                            </p:stCondLst>
+                            <p:childTnLst>
+                              <p:par>
+                                <p:cTn id="233" presetID="1" presetClass="entr" presetSubtype="0" fill="hold" nodeType="clickEffect">
+                                  <p:stCondLst>
+                                    <p:cond delay="0"/>
+                                  </p:stCondLst>
+                                  <p:childTnLst>
+                                    <p:set>
+                                      <p:cBhvr>
+                                        <p:cTn id="234" dur="1" fill="hold">
+                                          <p:stCondLst>
+                                            <p:cond delay="0"/>
+                                          </p:stCondLst>
+                                        </p:cTn>
+                                        <p:tgtEl>
+                                          <p:spTgt spid="372"/>
+                                        </p:tgtEl>
+                                        <p:attrNameLst>
+                                          <p:attrName>style.visibility</p:attrName>
+                                        </p:attrNameLst>
+                                      </p:cBhvr>
+                                      <p:to>
+                                        <p:strVal val="visible"/>
+                                      </p:to>
+                                    </p:set>
+                                  </p:childTnLst>
+                                </p:cTn>
+                              </p:par>
+                              <p:par>
+                                <p:cTn id="235" presetID="1" presetClass="entr" presetSubtype="0" fill="hold" nodeType="withEffect">
+                                  <p:stCondLst>
+                                    <p:cond delay="0"/>
+                                  </p:stCondLst>
+                                  <p:childTnLst>
+                                    <p:set>
+                                      <p:cBhvr>
+                                        <p:cTn id="236" dur="1" fill="hold">
+                                          <p:stCondLst>
+                                            <p:cond delay="0"/>
+                                          </p:stCondLst>
+                                        </p:cTn>
+                                        <p:tgtEl>
+                                          <p:spTgt spid="372"/>
+                                        </p:tgtEl>
+                                        <p:attrNameLst>
+                                          <p:attrName>style.visibility</p:attrName>
+                                        </p:attrNameLst>
+                                      </p:cBhvr>
+                                      <p:to>
+                                        <p:strVal val="visible"/>
+                                      </p:to>
+                                    </p:set>
+                                  </p:childTnLst>
+                                </p:cTn>
+                              </p:par>
+                              <p:par>
+                                <p:cTn id="237" presetID="1" presetClass="exit" presetSubtype="0" fill="hold" nodeType="withEffect">
+                                  <p:stCondLst>
+                                    <p:cond delay="0"/>
+                                  </p:stCondLst>
+                                  <p:childTnLst>
+                                    <p:set>
+                                      <p:cBhvr>
+                                        <p:cTn id="238" dur="1" fill="hold">
+                                          <p:stCondLst>
+                                            <p:cond delay="0"/>
+                                          </p:stCondLst>
+                                        </p:cTn>
+                                        <p:tgtEl>
+                                          <p:spTgt spid="372"/>
+                                        </p:tgtEl>
+                                        <p:attrNameLst>
+                                          <p:attrName>style.visibility</p:attrName>
+                                        </p:attrNameLst>
+                                      </p:cBhvr>
+                                      <p:to>
+                                        <p:strVal val="hidden"/>
+                                      </p:to>
+                                    </p:set>
+                                  </p:childTnLst>
+                                </p:cTn>
+                              </p:par>
+                            </p:childTnLst>
+                          </p:cTn>
+                        </p:par>
+                      </p:childTnLst>
+                    </p:cTn>
+                  </p:par>
+                  <p:par>
+                    <p:cTn id="239" fill="hold">
+                      <p:stCondLst>
+                        <p:cond delay="indefinite"/>
+                      </p:stCondLst>
+                      <p:childTnLst>
+                        <p:par>
+                          <p:cTn id="240" fill="hold">
+                            <p:stCondLst>
+                              <p:cond delay="0"/>
+                            </p:stCondLst>
+                            <p:childTnLst>
+                              <p:par>
+                                <p:cTn id="241" presetID="1" presetClass="entr" presetSubtype="0" fill="hold" nodeType="clickEffect">
+                                  <p:stCondLst>
+                                    <p:cond delay="0"/>
+                                  </p:stCondLst>
+                                  <p:childTnLst>
+                                    <p:set>
+                                      <p:cBhvr>
+                                        <p:cTn id="242" dur="1" fill="hold">
+                                          <p:stCondLst>
+                                            <p:cond delay="0"/>
+                                          </p:stCondLst>
+                                        </p:cTn>
+                                        <p:tgtEl>
+                                          <p:spTgt spid="376"/>
+                                        </p:tgtEl>
+                                        <p:attrNameLst>
+                                          <p:attrName>style.visibility</p:attrName>
+                                        </p:attrNameLst>
+                                      </p:cBhvr>
+                                      <p:to>
+                                        <p:strVal val="visible"/>
+                                      </p:to>
+                                    </p:set>
+                                  </p:childTnLst>
+                                </p:cTn>
+                              </p:par>
+                              <p:par>
+                                <p:cTn id="243" presetID="1" presetClass="entr" presetSubtype="0" fill="hold" nodeType="withEffect">
+                                  <p:stCondLst>
+                                    <p:cond delay="0"/>
+                                  </p:stCondLst>
+                                  <p:childTnLst>
+                                    <p:set>
+                                      <p:cBhvr>
+                                        <p:cTn id="244" dur="1" fill="hold">
+                                          <p:stCondLst>
+                                            <p:cond delay="0"/>
+                                          </p:stCondLst>
+                                        </p:cTn>
+                                        <p:tgtEl>
+                                          <p:spTgt spid="376"/>
+                                        </p:tgtEl>
+                                        <p:attrNameLst>
+                                          <p:attrName>style.visibility</p:attrName>
+                                        </p:attrNameLst>
+                                      </p:cBhvr>
+                                      <p:to>
+                                        <p:strVal val="visible"/>
+                                      </p:to>
+                                    </p:set>
+                                  </p:childTnLst>
+                                </p:cTn>
+                              </p:par>
+                              <p:par>
+                                <p:cTn id="245" presetID="1" presetClass="exit" presetSubtype="0" fill="hold" nodeType="withEffect">
+                                  <p:stCondLst>
+                                    <p:cond delay="0"/>
+                                  </p:stCondLst>
+                                  <p:childTnLst>
+                                    <p:set>
+                                      <p:cBhvr>
+                                        <p:cTn id="246" dur="1" fill="hold">
+                                          <p:stCondLst>
+                                            <p:cond delay="0"/>
+                                          </p:stCondLst>
+                                        </p:cTn>
+                                        <p:tgtEl>
+                                          <p:spTgt spid="376"/>
+                                        </p:tgtEl>
+                                        <p:attrNameLst>
+                                          <p:attrName>style.visibility</p:attrName>
+                                        </p:attrNameLst>
+                                      </p:cBhvr>
+                                      <p:to>
+                                        <p:strVal val="hidden"/>
+                                      </p:to>
+                                    </p:set>
+                                  </p:childTnLst>
+                                </p:cTn>
+                              </p:par>
+                              <p:par>
+                                <p:cTn id="247" presetID="1" presetClass="entr" presetSubtype="0" fill="hold" grpId="0" nodeType="withEffect">
+                                  <p:stCondLst>
+                                    <p:cond delay="0"/>
+                                  </p:stCondLst>
+                                  <p:childTnLst>
+                                    <p:set>
+                                      <p:cBhvr>
+                                        <p:cTn id="248" dur="1" fill="hold">
+                                          <p:stCondLst>
+                                            <p:cond delay="0"/>
+                                          </p:stCondLst>
+                                        </p:cTn>
+                                        <p:tgtEl>
+                                          <p:spTgt spid="353"/>
+                                        </p:tgtEl>
+                                        <p:attrNameLst>
+                                          <p:attrName>style.visibility</p:attrName>
+                                        </p:attrNameLst>
+                                      </p:cBhvr>
+                                      <p:to>
+                                        <p:strVal val="visible"/>
+                                      </p:to>
+                                    </p:set>
+                                  </p:childTnLst>
+                                </p:cTn>
+                              </p:par>
+                            </p:childTnLst>
+                          </p:cTn>
+                        </p:par>
+                      </p:childTnLst>
+                    </p:cTn>
+                  </p:par>
+                </p:childTnLst>
+              </p:cTn>
+              <p:prevCondLst>
+                <p:cond evt="onPrev" delay="0">
+                  <p:tgtEl>
+                    <p:sldTgt/>
+                  </p:tgtEl>
+                </p:cond>
+              </p:prevCondLst>
+              <p:nextCondLst>
+                <p:cond evt="onNext" delay="0">
+                  <p:tgtEl>
+                    <p:sldTgt/>
+                  </p:tgtEl>
+                </p:cond>
+              </p:nextCondLst>
+            </p:seq>
+          </p:childTnLst>
+        </p:cTn>
+      </p:par>
+    </p:tnLst>
+    <p:bldLst>
+      <p:bldP spid="345" grpId="0" animBg="1"/>
+      <p:bldP spid="4" grpId="0" animBg="1"/>
+      <p:bldP spid="5" grpId="0" animBg="1"/>
+      <p:bldP spid="6" grpId="0" animBg="1"/>
+      <p:bldP spid="7" grpId="0" animBg="1"/>
+      <p:bldP spid="18" grpId="0" animBg="1"/>
+      <p:bldP spid="19" grpId="0" animBg="1"/>
+      <p:bldP spid="20" grpId="0" animBg="1"/>
+      <p:bldP spid="21" grpId="0" animBg="1"/>
+      <p:bldP spid="25" grpId="0" animBg="1"/>
+      <p:bldP spid="28" grpId="0" animBg="1"/>
+      <p:bldP spid="55" grpId="0" animBg="1"/>
+      <p:bldP spid="56" grpId="0" animBg="1"/>
+      <p:bldP spid="59" grpId="0" animBg="1"/>
+      <p:bldP spid="60" grpId="0" animBg="1"/>
+      <p:bldP spid="102" grpId="0" animBg="1"/>
+      <p:bldP spid="103" grpId="0" animBg="1"/>
+      <p:bldP spid="110" grpId="0" animBg="1"/>
+      <p:bldP spid="111" grpId="0" animBg="1"/>
+      <p:bldP spid="353" grpId="0" animBg="1"/>
     </p:bldLst>
   </p:timing>
 </p:sld>
@@ -30647,9 +40054,9 @@
         <p:grpSpPr>
           <a:xfrm>
             <a:off x="6803016" y="3997233"/>
-            <a:ext cx="1497132" cy="439039"/>
+            <a:ext cx="1431669" cy="373408"/>
             <a:chOff x="6944143" y="3967055"/>
-            <a:chExt cx="1497132" cy="439039"/>
+            <a:chExt cx="1431669" cy="373408"/>
           </a:xfrm>
         </p:grpSpPr>
         <p:sp>
@@ -30713,7 +40120,7 @@
           <p:spPr>
             <a:xfrm>
               <a:off x="8010535" y="3967055"/>
-              <a:ext cx="430740" cy="439039"/>
+              <a:ext cx="365277" cy="372315"/>
             </a:xfrm>
             <a:prstGeom prst="rect">
               <a:avLst/>
@@ -30736,7 +40143,7 @@
           <p:nvPr>
             <p:extLst>
               <p:ext uri="{D42A27DB-BD31-4B8C-83A1-F6EECF244321}">
-                <p14:modId xmlns:p14="http://schemas.microsoft.com/office/powerpoint/2010/main" val="2283119868"/>
+                <p14:modId xmlns:p14="http://schemas.microsoft.com/office/powerpoint/2010/main" val="1509601879"/>
               </p:ext>
             </p:extLst>
           </p:nvPr>
@@ -31037,7 +40444,7 @@
           <p:nvPr>
             <p:extLst>
               <p:ext uri="{D42A27DB-BD31-4B8C-83A1-F6EECF244321}">
-                <p14:modId xmlns:p14="http://schemas.microsoft.com/office/powerpoint/2010/main" val="2816130934"/>
+                <p14:modId xmlns:p14="http://schemas.microsoft.com/office/powerpoint/2010/main" val="2779191453"/>
               </p:ext>
             </p:extLst>
           </p:nvPr>
@@ -31987,9 +41394,9 @@
         <p:grpSpPr>
           <a:xfrm>
             <a:off x="4829123" y="4004753"/>
-            <a:ext cx="1854697" cy="423998"/>
+            <a:ext cx="1811023" cy="365889"/>
             <a:chOff x="4940786" y="4042452"/>
-            <a:chExt cx="1854697" cy="423998"/>
+            <a:chExt cx="1811023" cy="365889"/>
           </a:xfrm>
         </p:grpSpPr>
         <p:sp>
@@ -32052,8 +41459,8 @@
           </p:blipFill>
           <p:spPr>
             <a:xfrm>
-              <a:off x="6001455" y="4042452"/>
-              <a:ext cx="424603" cy="423998"/>
+              <a:off x="6001456" y="4042452"/>
+              <a:ext cx="366410" cy="365888"/>
             </a:xfrm>
             <a:prstGeom prst="rect">
               <a:avLst/>
@@ -32081,8 +41488,8 @@
           </p:blipFill>
           <p:spPr>
             <a:xfrm>
-              <a:off x="6426543" y="4052828"/>
-              <a:ext cx="368940" cy="403247"/>
+              <a:off x="6426543" y="4052829"/>
+              <a:ext cx="325266" cy="355512"/>
             </a:xfrm>
             <a:prstGeom prst="rect">
               <a:avLst/>
@@ -32105,7 +41512,7 @@
           <p:nvPr>
             <p:extLst>
               <p:ext uri="{D42A27DB-BD31-4B8C-83A1-F6EECF244321}">
-                <p14:modId xmlns:p14="http://schemas.microsoft.com/office/powerpoint/2010/main" val="2547770362"/>
+                <p14:modId xmlns:p14="http://schemas.microsoft.com/office/powerpoint/2010/main" val="2467601420"/>
               </p:ext>
             </p:extLst>
           </p:nvPr>
@@ -32405,10 +41812,10 @@
         </p:nvGrpSpPr>
         <p:grpSpPr>
           <a:xfrm>
-            <a:off x="3118552" y="4003603"/>
-            <a:ext cx="1459991" cy="426299"/>
-            <a:chOff x="3116125" y="3929569"/>
-            <a:chExt cx="1459991" cy="426299"/>
+            <a:off x="3118552" y="4003604"/>
+            <a:ext cx="1400645" cy="367038"/>
+            <a:chOff x="3116125" y="3929570"/>
+            <a:chExt cx="1400645" cy="367038"/>
           </a:xfrm>
         </p:grpSpPr>
         <p:pic>
@@ -32432,8 +41839,8 @@
           </p:blipFill>
           <p:spPr>
             <a:xfrm>
-              <a:off x="4149208" y="3929569"/>
-              <a:ext cx="426908" cy="426299"/>
+              <a:off x="4149208" y="3929570"/>
+              <a:ext cx="367562" cy="367038"/>
             </a:xfrm>
             <a:prstGeom prst="rect">
               <a:avLst/>
@@ -32502,8 +41909,8 @@
         </p:blipFill>
         <p:spPr>
           <a:xfrm>
-            <a:off x="1234301" y="6634985"/>
-            <a:ext cx="1434743" cy="2205253"/>
+            <a:off x="1234301" y="6872288"/>
+            <a:ext cx="1280353" cy="1967950"/>
           </a:xfrm>
           <a:prstGeom prst="rect">
             <a:avLst/>
@@ -32525,13 +41932,13 @@
           <p:nvPr>
             <p:extLst>
               <p:ext uri="{D42A27DB-BD31-4B8C-83A1-F6EECF244321}">
-                <p14:modId xmlns:p14="http://schemas.microsoft.com/office/powerpoint/2010/main" val="3278258217"/>
+                <p14:modId xmlns:p14="http://schemas.microsoft.com/office/powerpoint/2010/main" val="3331328946"/>
               </p:ext>
             </p:extLst>
           </p:nvPr>
         </p:nvGraphicFramePr>
         <p:xfrm>
-          <a:off x="3018040" y="9225546"/>
+          <a:off x="3018040" y="9154106"/>
           <a:ext cx="1657793" cy="1209545"/>
         </p:xfrm>
         <a:graphic>
@@ -32673,7 +42080,7 @@
                           <a:ea typeface="DejaVu Sans Book" panose="020B0603030804020204" pitchFamily="34" charset="0"/>
                           <a:cs typeface="DejaVu Sans Book" panose="020B0603030804020204" pitchFamily="34" charset="0"/>
                         </a:rPr>
-                        <a:t>3</a:t>
+                        <a:t>2</a:t>
                       </a:r>
                     </a:p>
                   </a:txBody>
@@ -32716,7 +42123,7 @@
                           <a:ea typeface="DejaVu Sans Book" panose="020B0603030804020204" pitchFamily="34" charset="0"/>
                           <a:cs typeface="DejaVu Sans Book" panose="020B0603030804020204" pitchFamily="34" charset="0"/>
                         </a:rPr>
-                        <a:t>0</a:t>
+                        <a:t>1</a:t>
                       </a:r>
                     </a:p>
                   </a:txBody>
@@ -32734,7 +42141,7 @@
                           <a:ea typeface="DejaVu Sans Book" panose="020B0603030804020204" pitchFamily="34" charset="0"/>
                           <a:cs typeface="DejaVu Sans Book" panose="020B0603030804020204" pitchFamily="34" charset="0"/>
                         </a:rPr>
-                        <a:t>4</a:t>
+                        <a:t>3</a:t>
                       </a:r>
                     </a:p>
                   </a:txBody>
@@ -32777,7 +42184,7 @@
                           <a:ea typeface="DejaVu Sans Book" panose="020B0603030804020204" pitchFamily="34" charset="0"/>
                           <a:cs typeface="DejaVu Sans Book" panose="020B0603030804020204" pitchFamily="34" charset="0"/>
                         </a:rPr>
-                        <a:t>4</a:t>
+                        <a:t>3</a:t>
                       </a:r>
                     </a:p>
                   </a:txBody>
@@ -32795,7 +42202,7 @@
                           <a:ea typeface="DejaVu Sans Book" panose="020B0603030804020204" pitchFamily="34" charset="0"/>
                           <a:cs typeface="DejaVu Sans Book" panose="020B0603030804020204" pitchFamily="34" charset="0"/>
                         </a:rPr>
-                        <a:t>0</a:t>
+                        <a:t>1</a:t>
                       </a:r>
                     </a:p>
                   </a:txBody>
@@ -32826,13 +42233,13 @@
           <p:nvPr>
             <p:extLst>
               <p:ext uri="{D42A27DB-BD31-4B8C-83A1-F6EECF244321}">
-                <p14:modId xmlns:p14="http://schemas.microsoft.com/office/powerpoint/2010/main" val="1084925753"/>
+                <p14:modId xmlns:p14="http://schemas.microsoft.com/office/powerpoint/2010/main" val="2346306307"/>
               </p:ext>
             </p:extLst>
           </p:nvPr>
         </p:nvGraphicFramePr>
         <p:xfrm>
-          <a:off x="4971468" y="9225546"/>
+          <a:off x="4971468" y="9154106"/>
           <a:ext cx="1657793" cy="1209545"/>
         </p:xfrm>
         <a:graphic>
@@ -32956,7 +42363,7 @@
                           <a:ea typeface="DejaVu Sans Book" panose="020B0603030804020204" pitchFamily="34" charset="0"/>
                           <a:cs typeface="DejaVu Sans Book" panose="020B0603030804020204" pitchFamily="34" charset="0"/>
                         </a:rPr>
-                        <a:t>6</a:t>
+                        <a:t>4</a:t>
                       </a:r>
                     </a:p>
                   </a:txBody>
@@ -32974,7 +42381,7 @@
                           <a:ea typeface="DejaVu Sans Book" panose="020B0603030804020204" pitchFamily="34" charset="0"/>
                           <a:cs typeface="DejaVu Sans Book" panose="020B0603030804020204" pitchFamily="34" charset="0"/>
                         </a:rPr>
-                        <a:t>2</a:t>
+                        <a:t>3</a:t>
                       </a:r>
                     </a:p>
                   </a:txBody>
@@ -33017,7 +42424,7 @@
                           <a:ea typeface="DejaVu Sans Book" panose="020B0603030804020204" pitchFamily="34" charset="0"/>
                           <a:cs typeface="DejaVu Sans Book" panose="020B0603030804020204" pitchFamily="34" charset="0"/>
                         </a:rPr>
-                        <a:t>0</a:t>
+                        <a:t>3</a:t>
                       </a:r>
                     </a:p>
                   </a:txBody>
@@ -33035,7 +42442,7 @@
                           <a:ea typeface="DejaVu Sans Book" panose="020B0603030804020204" pitchFamily="34" charset="0"/>
                           <a:cs typeface="DejaVu Sans Book" panose="020B0603030804020204" pitchFamily="34" charset="0"/>
                         </a:rPr>
-                        <a:t>3</a:t>
+                        <a:t>1</a:t>
                       </a:r>
                     </a:p>
                   </a:txBody>
@@ -33078,7 +42485,7 @@
                           <a:ea typeface="DejaVu Sans Book" panose="020B0603030804020204" pitchFamily="34" charset="0"/>
                           <a:cs typeface="DejaVu Sans Book" panose="020B0603030804020204" pitchFamily="34" charset="0"/>
                         </a:rPr>
-                        <a:t>3</a:t>
+                        <a:t>1</a:t>
                       </a:r>
                     </a:p>
                   </a:txBody>
@@ -33096,7 +42503,7 @@
                           <a:ea typeface="DejaVu Sans Book" panose="020B0603030804020204" pitchFamily="34" charset="0"/>
                           <a:cs typeface="DejaVu Sans Book" panose="020B0603030804020204" pitchFamily="34" charset="0"/>
                         </a:rPr>
-                        <a:t>0</a:t>
+                        <a:t>3</a:t>
                       </a:r>
                     </a:p>
                   </a:txBody>
@@ -33126,9 +42533,9 @@
         </p:nvGrpSpPr>
         <p:grpSpPr>
           <a:xfrm>
-            <a:off x="4774804" y="6634985"/>
-            <a:ext cx="2051121" cy="2362684"/>
-            <a:chOff x="4774804" y="6634985"/>
+            <a:off x="4846245" y="6872288"/>
+            <a:ext cx="1845110" cy="2125380"/>
+            <a:chOff x="4806570" y="6634985"/>
             <a:chExt cx="2051121" cy="2362684"/>
           </a:xfrm>
         </p:grpSpPr>
@@ -33154,7 +42561,7 @@
           </p:blipFill>
           <p:spPr>
             <a:xfrm>
-              <a:off x="4774804" y="6634985"/>
+              <a:off x="4806570" y="6634985"/>
               <a:ext cx="2051121" cy="2362684"/>
             </a:xfrm>
             <a:prstGeom prst="rect">
@@ -33183,8 +42590,8 @@
           </p:blipFill>
           <p:spPr>
             <a:xfrm>
-              <a:off x="6184909" y="8271097"/>
-              <a:ext cx="430740" cy="439039"/>
+              <a:off x="6151201" y="8372752"/>
+              <a:ext cx="378402" cy="385693"/>
             </a:xfrm>
             <a:prstGeom prst="rect">
               <a:avLst/>
@@ -33206,8 +42613,8 @@
         </p:nvGrpSpPr>
         <p:grpSpPr>
           <a:xfrm>
-            <a:off x="2902254" y="6532563"/>
-            <a:ext cx="1879661" cy="2611437"/>
+            <a:off x="2987982" y="6904315"/>
+            <a:ext cx="1529807" cy="2125380"/>
             <a:chOff x="2900786" y="6532563"/>
             <a:chExt cx="1879661" cy="2611437"/>
           </a:xfrm>
@@ -33286,7 +42693,7 @@
         </p:nvGrpSpPr>
         <p:grpSpPr>
           <a:xfrm>
-            <a:off x="1180941" y="9225546"/>
+            <a:off x="1180941" y="9154106"/>
             <a:ext cx="1541463" cy="1209545"/>
             <a:chOff x="1337208" y="8954721"/>
             <a:chExt cx="1541463" cy="1209545"/>
@@ -33653,7 +43060,7 @@
         </p:nvSpPr>
         <p:spPr>
           <a:xfrm>
-            <a:off x="1626903" y="8861537"/>
+            <a:off x="1626903" y="8790097"/>
             <a:ext cx="649537" cy="307777"/>
           </a:xfrm>
           <a:prstGeom prst="rect">
@@ -33692,7 +43099,7 @@
         </p:nvSpPr>
         <p:spPr>
           <a:xfrm>
-            <a:off x="3297704" y="8861537"/>
+            <a:off x="3383432" y="8790097"/>
             <a:ext cx="1088760" cy="307777"/>
           </a:xfrm>
           <a:prstGeom prst="rect">
@@ -33731,7 +43138,7 @@
         </p:nvSpPr>
         <p:spPr>
           <a:xfrm>
-            <a:off x="5225635" y="8861537"/>
+            <a:off x="5225635" y="8790097"/>
             <a:ext cx="1088760" cy="307777"/>
           </a:xfrm>
           <a:prstGeom prst="rect">
@@ -33752,6 +43159,162 @@
                 <a:cs typeface="DejaVu Sans Book" panose="020B0603030804020204" pitchFamily="34" charset="0"/>
               </a:rPr>
               <a:t>Solution 2</a:t>
+            </a:r>
+          </a:p>
+        </p:txBody>
+      </p:sp>
+      <p:sp>
+        <p:nvSpPr>
+          <p:cNvPr id="63" name="TextBox 62">
+            <a:extLst>
+              <a:ext uri="{FF2B5EF4-FFF2-40B4-BE49-F238E27FC236}">
+                <a16:creationId xmlns:a16="http://schemas.microsoft.com/office/drawing/2014/main" id="{0B0911B1-FED9-A44F-9B3D-9B0245C3F8C2}"/>
+              </a:ext>
+            </a:extLst>
+          </p:cNvPr>
+          <p:cNvSpPr txBox="1"/>
+          <p:nvPr/>
+        </p:nvSpPr>
+        <p:spPr>
+          <a:xfrm>
+            <a:off x="3199257" y="8003330"/>
+            <a:ext cx="298480" cy="307777"/>
+          </a:xfrm>
+          <a:prstGeom prst="rect">
+            <a:avLst/>
+          </a:prstGeom>
+          <a:noFill/>
+        </p:spPr>
+        <p:txBody>
+          <a:bodyPr wrap="none" rtlCol="0">
+            <a:spAutoFit/>
+          </a:bodyPr>
+          <a:lstStyle/>
+          <a:p>
+            <a:r>
+              <a:rPr lang="en-US" sz="1400" dirty="0">
+                <a:latin typeface="DejaVu Sans Book" panose="020B0603030804020204" pitchFamily="34" charset="0"/>
+                <a:ea typeface="DejaVu Sans Book" panose="020B0603030804020204" pitchFamily="34" charset="0"/>
+                <a:cs typeface="DejaVu Sans Book" panose="020B0603030804020204" pitchFamily="34" charset="0"/>
+              </a:rPr>
+              <a:t>1</a:t>
+            </a:r>
+          </a:p>
+        </p:txBody>
+      </p:sp>
+      <p:sp>
+        <p:nvSpPr>
+          <p:cNvPr id="64" name="TextBox 63">
+            <a:extLst>
+              <a:ext uri="{FF2B5EF4-FFF2-40B4-BE49-F238E27FC236}">
+                <a16:creationId xmlns:a16="http://schemas.microsoft.com/office/drawing/2014/main" id="{1D4A2479-F838-E34E-BB52-FD39DF936675}"/>
+              </a:ext>
+            </a:extLst>
+          </p:cNvPr>
+          <p:cNvSpPr txBox="1"/>
+          <p:nvPr/>
+        </p:nvSpPr>
+        <p:spPr>
+          <a:xfrm>
+            <a:off x="3976397" y="7695553"/>
+            <a:ext cx="298480" cy="307777"/>
+          </a:xfrm>
+          <a:prstGeom prst="rect">
+            <a:avLst/>
+          </a:prstGeom>
+          <a:noFill/>
+        </p:spPr>
+        <p:txBody>
+          <a:bodyPr wrap="none" rtlCol="0">
+            <a:spAutoFit/>
+          </a:bodyPr>
+          <a:lstStyle/>
+          <a:p>
+            <a:r>
+              <a:rPr lang="en-US" sz="1400" dirty="0">
+                <a:latin typeface="DejaVu Sans Book" panose="020B0603030804020204" pitchFamily="34" charset="0"/>
+                <a:ea typeface="DejaVu Sans Book" panose="020B0603030804020204" pitchFamily="34" charset="0"/>
+                <a:cs typeface="DejaVu Sans Book" panose="020B0603030804020204" pitchFamily="34" charset="0"/>
+              </a:rPr>
+              <a:t>2</a:t>
+            </a:r>
+          </a:p>
+        </p:txBody>
+      </p:sp>
+      <p:sp>
+        <p:nvSpPr>
+          <p:cNvPr id="65" name="TextBox 64">
+            <a:extLst>
+              <a:ext uri="{FF2B5EF4-FFF2-40B4-BE49-F238E27FC236}">
+                <a16:creationId xmlns:a16="http://schemas.microsoft.com/office/drawing/2014/main" id="{CE221993-4D35-3E4B-AD6B-665E5E2B5695}"/>
+              </a:ext>
+            </a:extLst>
+          </p:cNvPr>
+          <p:cNvSpPr txBox="1"/>
+          <p:nvPr/>
+        </p:nvSpPr>
+        <p:spPr>
+          <a:xfrm>
+            <a:off x="5076395" y="8454204"/>
+            <a:ext cx="298480" cy="307777"/>
+          </a:xfrm>
+          <a:prstGeom prst="rect">
+            <a:avLst/>
+          </a:prstGeom>
+          <a:noFill/>
+        </p:spPr>
+        <p:txBody>
+          <a:bodyPr wrap="none" rtlCol="0">
+            <a:spAutoFit/>
+          </a:bodyPr>
+          <a:lstStyle/>
+          <a:p>
+            <a:r>
+              <a:rPr lang="en-US" sz="1400" dirty="0">
+                <a:latin typeface="DejaVu Sans Book" panose="020B0603030804020204" pitchFamily="34" charset="0"/>
+                <a:ea typeface="DejaVu Sans Book" panose="020B0603030804020204" pitchFamily="34" charset="0"/>
+                <a:cs typeface="DejaVu Sans Book" panose="020B0603030804020204" pitchFamily="34" charset="0"/>
+              </a:rPr>
+              <a:t>1</a:t>
+            </a:r>
+          </a:p>
+        </p:txBody>
+      </p:sp>
+      <p:sp>
+        <p:nvSpPr>
+          <p:cNvPr id="66" name="TextBox 65">
+            <a:extLst>
+              <a:ext uri="{FF2B5EF4-FFF2-40B4-BE49-F238E27FC236}">
+                <a16:creationId xmlns:a16="http://schemas.microsoft.com/office/drawing/2014/main" id="{FA8482FF-2B71-904F-A35B-940DEEA73723}"/>
+              </a:ext>
+            </a:extLst>
+          </p:cNvPr>
+          <p:cNvSpPr txBox="1"/>
+          <p:nvPr/>
+        </p:nvSpPr>
+        <p:spPr>
+          <a:xfrm>
+            <a:off x="6141202" y="7600196"/>
+            <a:ext cx="298480" cy="307777"/>
+          </a:xfrm>
+          <a:prstGeom prst="rect">
+            <a:avLst/>
+          </a:prstGeom>
+          <a:noFill/>
+        </p:spPr>
+        <p:txBody>
+          <a:bodyPr wrap="none" rtlCol="0">
+            <a:spAutoFit/>
+          </a:bodyPr>
+          <a:lstStyle/>
+          <a:p>
+            <a:r>
+              <a:rPr lang="en-US" sz="1400" dirty="0">
+                <a:latin typeface="DejaVu Sans Book" panose="020B0603030804020204" pitchFamily="34" charset="0"/>
+                <a:ea typeface="DejaVu Sans Book" panose="020B0603030804020204" pitchFamily="34" charset="0"/>
+                <a:cs typeface="DejaVu Sans Book" panose="020B0603030804020204" pitchFamily="34" charset="0"/>
+              </a:rPr>
+              <a:t>2</a:t>
             </a:r>
           </a:p>
         </p:txBody>
